--- a/сидоров антон дмитриевич, Группа 493 - Презентация.pptx
+++ b/сидоров антон дмитриевич, Группа 493 - Презентация.pptx
@@ -2,15 +2,15 @@
 <file path=ppt/presentation.xml><?xml version="1.0" encoding="utf-8"?>
 <p:presentation xmlns:a="http://schemas.openxmlformats.org/drawingml/2006/main" xmlns:r="http://schemas.openxmlformats.org/officeDocument/2006/relationships" xmlns:p="http://schemas.openxmlformats.org/presentationml/2006/main" saveSubsetFonts="1">
   <p:sldMasterIdLst>
-    <p:sldMasterId id="2147483648" r:id="rId1"/>
+    <p:sldMasterId id="2147483957" r:id="rId1"/>
   </p:sldMasterIdLst>
   <p:notesMasterIdLst>
     <p:notesMasterId r:id="rId16"/>
   </p:notesMasterIdLst>
   <p:sldIdLst>
-    <p:sldId id="256" r:id="rId2"/>
-    <p:sldId id="300" r:id="rId3"/>
-    <p:sldId id="289" r:id="rId4"/>
+    <p:sldId id="302" r:id="rId2"/>
+    <p:sldId id="289" r:id="rId3"/>
+    <p:sldId id="304" r:id="rId4"/>
     <p:sldId id="281" r:id="rId5"/>
     <p:sldId id="290" r:id="rId6"/>
     <p:sldId id="291" r:id="rId7"/>
@@ -21,130 +21,100 @@
     <p:sldId id="295" r:id="rId12"/>
     <p:sldId id="296" r:id="rId13"/>
     <p:sldId id="297" r:id="rId14"/>
-    <p:sldId id="301" r:id="rId15"/>
+    <p:sldId id="305" r:id="rId15"/>
   </p:sldIdLst>
   <p:sldSz cx="9144000" cy="6858000" type="screen4x3"/>
   <p:notesSz cx="6858000" cy="9144000"/>
   <p:defaultTextStyle>
     <a:defPPr>
-      <a:defRPr lang="ru-RU"/>
+      <a:defRPr lang="en-US"/>
     </a:defPPr>
-    <a:lvl1pPr algn="l" rtl="0" eaLnBrk="0" fontAlgn="base" hangingPunct="0">
-      <a:spcBef>
-        <a:spcPct val="0"/>
-      </a:spcBef>
-      <a:spcAft>
-        <a:spcPct val="0"/>
-      </a:spcAft>
-      <a:defRPr kern="1200">
+    <a:lvl1pPr marL="0" algn="l" defTabSz="457200" rtl="0" eaLnBrk="1" latinLnBrk="0" hangingPunct="1">
+      <a:defRPr sz="1800" kern="1200">
         <a:solidFill>
           <a:schemeClr val="tx1"/>
         </a:solidFill>
-        <a:latin typeface="Arial" charset="0"/>
+        <a:latin typeface="+mn-lt"/>
         <a:ea typeface="+mn-ea"/>
         <a:cs typeface="+mn-cs"/>
       </a:defRPr>
     </a:lvl1pPr>
-    <a:lvl2pPr marL="457200" algn="l" rtl="0" eaLnBrk="0" fontAlgn="base" hangingPunct="0">
-      <a:spcBef>
-        <a:spcPct val="0"/>
-      </a:spcBef>
-      <a:spcAft>
-        <a:spcPct val="0"/>
-      </a:spcAft>
-      <a:defRPr kern="1200">
+    <a:lvl2pPr marL="457200" algn="l" defTabSz="457200" rtl="0" eaLnBrk="1" latinLnBrk="0" hangingPunct="1">
+      <a:defRPr sz="1800" kern="1200">
         <a:solidFill>
           <a:schemeClr val="tx1"/>
         </a:solidFill>
-        <a:latin typeface="Arial" charset="0"/>
+        <a:latin typeface="+mn-lt"/>
         <a:ea typeface="+mn-ea"/>
         <a:cs typeface="+mn-cs"/>
       </a:defRPr>
     </a:lvl2pPr>
-    <a:lvl3pPr marL="914400" algn="l" rtl="0" eaLnBrk="0" fontAlgn="base" hangingPunct="0">
-      <a:spcBef>
-        <a:spcPct val="0"/>
-      </a:spcBef>
-      <a:spcAft>
-        <a:spcPct val="0"/>
-      </a:spcAft>
-      <a:defRPr kern="1200">
+    <a:lvl3pPr marL="914400" algn="l" defTabSz="457200" rtl="0" eaLnBrk="1" latinLnBrk="0" hangingPunct="1">
+      <a:defRPr sz="1800" kern="1200">
         <a:solidFill>
           <a:schemeClr val="tx1"/>
         </a:solidFill>
-        <a:latin typeface="Arial" charset="0"/>
+        <a:latin typeface="+mn-lt"/>
         <a:ea typeface="+mn-ea"/>
         <a:cs typeface="+mn-cs"/>
       </a:defRPr>
     </a:lvl3pPr>
-    <a:lvl4pPr marL="1371600" algn="l" rtl="0" eaLnBrk="0" fontAlgn="base" hangingPunct="0">
-      <a:spcBef>
-        <a:spcPct val="0"/>
-      </a:spcBef>
-      <a:spcAft>
-        <a:spcPct val="0"/>
-      </a:spcAft>
-      <a:defRPr kern="1200">
+    <a:lvl4pPr marL="1371600" algn="l" defTabSz="457200" rtl="0" eaLnBrk="1" latinLnBrk="0" hangingPunct="1">
+      <a:defRPr sz="1800" kern="1200">
         <a:solidFill>
           <a:schemeClr val="tx1"/>
         </a:solidFill>
-        <a:latin typeface="Arial" charset="0"/>
+        <a:latin typeface="+mn-lt"/>
         <a:ea typeface="+mn-ea"/>
         <a:cs typeface="+mn-cs"/>
       </a:defRPr>
     </a:lvl4pPr>
-    <a:lvl5pPr marL="1828800" algn="l" rtl="0" eaLnBrk="0" fontAlgn="base" hangingPunct="0">
-      <a:spcBef>
-        <a:spcPct val="0"/>
-      </a:spcBef>
-      <a:spcAft>
-        <a:spcPct val="0"/>
-      </a:spcAft>
-      <a:defRPr kern="1200">
+    <a:lvl5pPr marL="1828800" algn="l" defTabSz="457200" rtl="0" eaLnBrk="1" latinLnBrk="0" hangingPunct="1">
+      <a:defRPr sz="1800" kern="1200">
         <a:solidFill>
           <a:schemeClr val="tx1"/>
         </a:solidFill>
-        <a:latin typeface="Arial" charset="0"/>
+        <a:latin typeface="+mn-lt"/>
         <a:ea typeface="+mn-ea"/>
         <a:cs typeface="+mn-cs"/>
       </a:defRPr>
     </a:lvl5pPr>
-    <a:lvl6pPr marL="2286000" algn="l" defTabSz="914400" rtl="0" eaLnBrk="1" latinLnBrk="0" hangingPunct="1">
-      <a:defRPr kern="1200">
+    <a:lvl6pPr marL="2286000" algn="l" defTabSz="457200" rtl="0" eaLnBrk="1" latinLnBrk="0" hangingPunct="1">
+      <a:defRPr sz="1800" kern="1200">
         <a:solidFill>
           <a:schemeClr val="tx1"/>
         </a:solidFill>
-        <a:latin typeface="Arial" charset="0"/>
+        <a:latin typeface="+mn-lt"/>
         <a:ea typeface="+mn-ea"/>
         <a:cs typeface="+mn-cs"/>
       </a:defRPr>
     </a:lvl6pPr>
-    <a:lvl7pPr marL="2743200" algn="l" defTabSz="914400" rtl="0" eaLnBrk="1" latinLnBrk="0" hangingPunct="1">
-      <a:defRPr kern="1200">
+    <a:lvl7pPr marL="2743200" algn="l" defTabSz="457200" rtl="0" eaLnBrk="1" latinLnBrk="0" hangingPunct="1">
+      <a:defRPr sz="1800" kern="1200">
         <a:solidFill>
           <a:schemeClr val="tx1"/>
         </a:solidFill>
-        <a:latin typeface="Arial" charset="0"/>
+        <a:latin typeface="+mn-lt"/>
         <a:ea typeface="+mn-ea"/>
         <a:cs typeface="+mn-cs"/>
       </a:defRPr>
     </a:lvl7pPr>
-    <a:lvl8pPr marL="3200400" algn="l" defTabSz="914400" rtl="0" eaLnBrk="1" latinLnBrk="0" hangingPunct="1">
-      <a:defRPr kern="1200">
+    <a:lvl8pPr marL="3200400" algn="l" defTabSz="457200" rtl="0" eaLnBrk="1" latinLnBrk="0" hangingPunct="1">
+      <a:defRPr sz="1800" kern="1200">
         <a:solidFill>
           <a:schemeClr val="tx1"/>
         </a:solidFill>
-        <a:latin typeface="Arial" charset="0"/>
+        <a:latin typeface="+mn-lt"/>
         <a:ea typeface="+mn-ea"/>
         <a:cs typeface="+mn-cs"/>
       </a:defRPr>
     </a:lvl8pPr>
-    <a:lvl9pPr marL="3657600" algn="l" defTabSz="914400" rtl="0" eaLnBrk="1" latinLnBrk="0" hangingPunct="1">
-      <a:defRPr kern="1200">
+    <a:lvl9pPr marL="3657600" algn="l" defTabSz="457200" rtl="0" eaLnBrk="1" latinLnBrk="0" hangingPunct="1">
+      <a:defRPr sz="1800" kern="1200">
         <a:solidFill>
           <a:schemeClr val="tx1"/>
         </a:solidFill>
-        <a:latin typeface="Arial" charset="0"/>
+        <a:latin typeface="+mn-lt"/>
         <a:ea typeface="+mn-ea"/>
         <a:cs typeface="+mn-cs"/>
       </a:defRPr>
@@ -279,7 +249,7 @@
               <a:pPr>
                 <a:defRPr/>
               </a:pPr>
-              <a:t>06.06.2023</a:t>
+              <a:t>07.06.2023</a:t>
             </a:fld>
             <a:endParaRPr lang="ru-RU"/>
           </a:p>
@@ -598,20 +568,8 @@
 </file>
 
 <file path=ppt/slideLayouts/slideLayout1.xml><?xml version="1.0" encoding="utf-8"?>
-<p:sldLayout xmlns:a="http://schemas.openxmlformats.org/drawingml/2006/main" xmlns:r="http://schemas.openxmlformats.org/officeDocument/2006/relationships" xmlns:p="http://schemas.openxmlformats.org/presentationml/2006/main" preserve="1" userDrawn="1">
+<p:sldLayout xmlns:a="http://schemas.openxmlformats.org/drawingml/2006/main" xmlns:r="http://schemas.openxmlformats.org/officeDocument/2006/relationships" xmlns:p="http://schemas.openxmlformats.org/presentationml/2006/main" type="title" preserve="1">
   <p:cSld name="Титульный слайд">
-    <p:bg>
-      <p:bgPr>
-        <a:blipFill dpi="0" rotWithShape="0">
-          <a:blip r:embed="rId2"/>
-          <a:srcRect/>
-          <a:stretch>
-            <a:fillRect/>
-          </a:stretch>
-        </a:blipFill>
-        <a:effectLst/>
-      </p:bgPr>
-    </p:bg>
     <p:spTree>
       <p:nvGrpSpPr>
         <p:cNvPr id="1" name=""/>
@@ -628,7 +586,39 @@
       </p:grpSpPr>
       <p:sp>
         <p:nvSpPr>
-          <p:cNvPr id="3" name="Подзаголовок 2"/>
+          <p:cNvPr id="2" name="Title 1"/>
+          <p:cNvSpPr>
+            <a:spLocks noGrp="1"/>
+          </p:cNvSpPr>
+          <p:nvPr>
+            <p:ph type="ctrTitle"/>
+          </p:nvPr>
+        </p:nvSpPr>
+        <p:spPr>
+          <a:xfrm>
+            <a:off x="685800" y="1122363"/>
+            <a:ext cx="7772400" cy="2387600"/>
+          </a:xfrm>
+        </p:spPr>
+        <p:txBody>
+          <a:bodyPr anchor="b"/>
+          <a:lstStyle>
+            <a:lvl1pPr algn="ctr">
+              <a:defRPr sz="6000"/>
+            </a:lvl1pPr>
+          </a:lstStyle>
+          <a:p>
+            <a:r>
+              <a:rPr lang="ru-RU"/>
+              <a:t>Образец заголовка</a:t>
+            </a:r>
+            <a:endParaRPr lang="en-US" dirty="0"/>
+          </a:p>
+        </p:txBody>
+      </p:sp>
+      <p:sp>
+        <p:nvSpPr>
+          <p:cNvPr id="3" name="Subtitle 2"/>
           <p:cNvSpPr>
             <a:spLocks noGrp="1"/>
           </p:cNvSpPr>
@@ -638,170 +628,136 @@
         </p:nvSpPr>
         <p:spPr>
           <a:xfrm>
-            <a:off x="1400146" y="3486150"/>
-            <a:ext cx="3429030" cy="1609725"/>
+            <a:off x="1143000" y="3602038"/>
+            <a:ext cx="6858000" cy="1655762"/>
           </a:xfrm>
         </p:spPr>
         <p:txBody>
-          <a:bodyPr anchor="ctr">
-            <a:normAutofit/>
-          </a:bodyPr>
+          <a:bodyPr/>
           <a:lstStyle>
-            <a:lvl1pPr marL="0" indent="0" algn="l">
-              <a:buNone/>
-              <a:defRPr sz="1400">
-                <a:solidFill>
-                  <a:schemeClr val="tx1">
-                    <a:lumMod val="75000"/>
-                    <a:lumOff val="25000"/>
-                  </a:schemeClr>
-                </a:solidFill>
-              </a:defRPr>
+            <a:lvl1pPr marL="0" indent="0" algn="ctr">
+              <a:buNone/>
+              <a:defRPr sz="2400"/>
             </a:lvl1pPr>
             <a:lvl2pPr marL="457200" indent="0" algn="ctr">
               <a:buNone/>
-              <a:defRPr>
-                <a:solidFill>
-                  <a:schemeClr val="tx1">
-                    <a:tint val="75000"/>
-                  </a:schemeClr>
-                </a:solidFill>
-              </a:defRPr>
+              <a:defRPr sz="2000"/>
             </a:lvl2pPr>
             <a:lvl3pPr marL="914400" indent="0" algn="ctr">
               <a:buNone/>
-              <a:defRPr>
-                <a:solidFill>
-                  <a:schemeClr val="tx1">
-                    <a:tint val="75000"/>
-                  </a:schemeClr>
-                </a:solidFill>
-              </a:defRPr>
+              <a:defRPr sz="1800"/>
             </a:lvl3pPr>
             <a:lvl4pPr marL="1371600" indent="0" algn="ctr">
               <a:buNone/>
-              <a:defRPr>
-                <a:solidFill>
-                  <a:schemeClr val="tx1">
-                    <a:tint val="75000"/>
-                  </a:schemeClr>
-                </a:solidFill>
-              </a:defRPr>
+              <a:defRPr sz="1600"/>
             </a:lvl4pPr>
             <a:lvl5pPr marL="1828800" indent="0" algn="ctr">
               <a:buNone/>
-              <a:defRPr>
-                <a:solidFill>
-                  <a:schemeClr val="tx1">
-                    <a:tint val="75000"/>
-                  </a:schemeClr>
-                </a:solidFill>
-              </a:defRPr>
+              <a:defRPr sz="1600"/>
             </a:lvl5pPr>
             <a:lvl6pPr marL="2286000" indent="0" algn="ctr">
               <a:buNone/>
-              <a:defRPr>
-                <a:solidFill>
-                  <a:schemeClr val="tx1">
-                    <a:tint val="75000"/>
-                  </a:schemeClr>
-                </a:solidFill>
-              </a:defRPr>
+              <a:defRPr sz="1600"/>
             </a:lvl6pPr>
             <a:lvl7pPr marL="2743200" indent="0" algn="ctr">
               <a:buNone/>
-              <a:defRPr>
-                <a:solidFill>
-                  <a:schemeClr val="tx1">
-                    <a:tint val="75000"/>
-                  </a:schemeClr>
-                </a:solidFill>
-              </a:defRPr>
+              <a:defRPr sz="1600"/>
             </a:lvl7pPr>
             <a:lvl8pPr marL="3200400" indent="0" algn="ctr">
               <a:buNone/>
-              <a:defRPr>
-                <a:solidFill>
-                  <a:schemeClr val="tx1">
-                    <a:tint val="75000"/>
-                  </a:schemeClr>
-                </a:solidFill>
-              </a:defRPr>
+              <a:defRPr sz="1600"/>
             </a:lvl8pPr>
             <a:lvl9pPr marL="3657600" indent="0" algn="ctr">
               <a:buNone/>
-              <a:defRPr>
-                <a:solidFill>
-                  <a:schemeClr val="tx1">
-                    <a:tint val="75000"/>
-                  </a:schemeClr>
-                </a:solidFill>
-              </a:defRPr>
+              <a:defRPr sz="1600"/>
             </a:lvl9pPr>
           </a:lstStyle>
           <a:p>
             <a:r>
-              <a:rPr lang="ru-RU" dirty="0"/>
+              <a:rPr lang="ru-RU"/>
               <a:t>Образец подзаголовка</a:t>
             </a:r>
-          </a:p>
-        </p:txBody>
-      </p:sp>
-      <p:sp>
-        <p:nvSpPr>
-          <p:cNvPr id="9" name="Текст 8"/>
+            <a:endParaRPr lang="en-US" dirty="0"/>
+          </a:p>
+        </p:txBody>
+      </p:sp>
+      <p:sp>
+        <p:nvSpPr>
+          <p:cNvPr id="4" name="Date Placeholder 3"/>
           <p:cNvSpPr>
             <a:spLocks noGrp="1"/>
           </p:cNvSpPr>
           <p:nvPr>
-            <p:ph type="body" sz="quarter" idx="10"/>
+            <p:ph type="dt" sz="half" idx="10"/>
           </p:nvPr>
         </p:nvSpPr>
-        <p:spPr>
-          <a:xfrm>
-            <a:off x="1381126" y="590550"/>
-            <a:ext cx="6772274" cy="2828925"/>
-          </a:xfrm>
-        </p:spPr>
-        <p:txBody>
-          <a:bodyPr anchor="ctr">
-            <a:normAutofit/>
-          </a:bodyPr>
-          <a:lstStyle>
-            <a:lvl1pPr marL="0" indent="0">
-              <a:buNone/>
-              <a:tabLst/>
-              <a:defRPr sz="2800" b="1">
-                <a:solidFill>
-                  <a:schemeClr val="accent2">
-                    <a:lumMod val="75000"/>
-                  </a:schemeClr>
-                </a:solidFill>
-              </a:defRPr>
-            </a:lvl1pPr>
-          </a:lstStyle>
-          <a:p>
-            <a:pPr lvl="0"/>
-            <a:r>
-              <a:rPr lang="ru-RU"/>
-              <a:t>Образец текста</a:t>
-            </a:r>
+        <p:spPr/>
+        <p:txBody>
+          <a:bodyPr/>
+          <a:lstStyle/>
+          <a:p>
+            <a:fld id="{96DFF08F-DC6B-4601-B491-B0F83F6DD2DA}" type="datetimeFigureOut">
+              <a:rPr lang="en-US" smtClean="0"/>
+              <a:t>6/7/2023</a:t>
+            </a:fld>
+            <a:endParaRPr lang="en-US" dirty="0"/>
+          </a:p>
+        </p:txBody>
+      </p:sp>
+      <p:sp>
+        <p:nvSpPr>
+          <p:cNvPr id="5" name="Footer Placeholder 4"/>
+          <p:cNvSpPr>
+            <a:spLocks noGrp="1"/>
+          </p:cNvSpPr>
+          <p:nvPr>
+            <p:ph type="ftr" sz="quarter" idx="11"/>
+          </p:nvPr>
+        </p:nvSpPr>
+        <p:spPr/>
+        <p:txBody>
+          <a:bodyPr/>
+          <a:lstStyle/>
+          <a:p>
+            <a:endParaRPr lang="en-US" dirty="0"/>
+          </a:p>
+        </p:txBody>
+      </p:sp>
+      <p:sp>
+        <p:nvSpPr>
+          <p:cNvPr id="6" name="Slide Number Placeholder 5"/>
+          <p:cNvSpPr>
+            <a:spLocks noGrp="1"/>
+          </p:cNvSpPr>
+          <p:nvPr>
+            <p:ph type="sldNum" sz="quarter" idx="12"/>
+          </p:nvPr>
+        </p:nvSpPr>
+        <p:spPr/>
+        <p:txBody>
+          <a:bodyPr/>
+          <a:lstStyle/>
+          <a:p>
+            <a:fld id="{40DBE02E-E4E1-4195-8E3B-57DFF273681B}" type="slidenum">
+              <a:rPr lang="ru-RU" altLang="ru-RU" smtClean="0"/>
+              <a:pPr/>
+              <a:t>‹#›</a:t>
+            </a:fld>
+            <a:endParaRPr lang="ru-RU" altLang="ru-RU"/>
           </a:p>
         </p:txBody>
       </p:sp>
     </p:spTree>
     <p:extLst>
       <p:ext uri="{BB962C8B-B14F-4D97-AF65-F5344CB8AC3E}">
-        <p14:creationId xmlns:p14="http://schemas.microsoft.com/office/powerpoint/2010/main" val="2056057224"/>
+        <p14:creationId xmlns:p14="http://schemas.microsoft.com/office/powerpoint/2010/main" val="368816400"/>
       </p:ext>
     </p:extLst>
   </p:cSld>
   <p:clrMapOvr>
     <a:masterClrMapping/>
   </p:clrMapOvr>
-  <p:transition>
-    <p:dissolve/>
-  </p:transition>
+  <p:hf hdr="0" ftr="0" dt="0"/>
 </p:sldLayout>
 </file>
 
@@ -824,7 +780,7 @@
       </p:grpSpPr>
       <p:sp>
         <p:nvSpPr>
-          <p:cNvPr id="2" name="Заголовок 1"/>
+          <p:cNvPr id="2" name="Title 1"/>
           <p:cNvSpPr>
             <a:spLocks noGrp="1"/>
           </p:cNvSpPr>
@@ -841,12 +797,13 @@
               <a:rPr lang="ru-RU"/>
               <a:t>Образец заголовка</a:t>
             </a:r>
-          </a:p>
-        </p:txBody>
-      </p:sp>
-      <p:sp>
-        <p:nvSpPr>
-          <p:cNvPr id="3" name="Вертикальный текст 2"/>
+            <a:endParaRPr lang="en-US" dirty="0"/>
+          </a:p>
+        </p:txBody>
+      </p:sp>
+      <p:sp>
+        <p:nvSpPr>
+          <p:cNvPr id="3" name="Vertical Text Placeholder 2"/>
           <p:cNvSpPr>
             <a:spLocks noGrp="1"/>
           </p:cNvSpPr>
@@ -892,30 +849,69 @@
               <a:rPr lang="ru-RU"/>
               <a:t>Пятый уровень</a:t>
             </a:r>
-          </a:p>
-        </p:txBody>
-      </p:sp>
-      <p:sp>
-        <p:nvSpPr>
-          <p:cNvPr id="4" name="Номер слайда 5"/>
+            <a:endParaRPr lang="en-US" dirty="0"/>
+          </a:p>
+        </p:txBody>
+      </p:sp>
+      <p:sp>
+        <p:nvSpPr>
+          <p:cNvPr id="4" name="Date Placeholder 3"/>
           <p:cNvSpPr>
             <a:spLocks noGrp="1"/>
           </p:cNvSpPr>
           <p:nvPr>
-            <p:ph type="sldNum" sz="quarter" idx="10"/>
+            <p:ph type="dt" sz="half" idx="10"/>
           </p:nvPr>
         </p:nvSpPr>
         <p:spPr/>
         <p:txBody>
           <a:bodyPr/>
-          <a:lstStyle>
-            <a:lvl1pPr>
-              <a:defRPr/>
-            </a:lvl1pPr>
-          </a:lstStyle>
+          <a:lstStyle/>
+          <a:p>
+            <a:fld id="{96DFF08F-DC6B-4601-B491-B0F83F6DD2DA}" type="datetimeFigureOut">
+              <a:rPr lang="en-US" smtClean="0"/>
+              <a:t>6/7/2023</a:t>
+            </a:fld>
+            <a:endParaRPr lang="en-US" dirty="0"/>
+          </a:p>
+        </p:txBody>
+      </p:sp>
+      <p:sp>
+        <p:nvSpPr>
+          <p:cNvPr id="5" name="Footer Placeholder 4"/>
+          <p:cNvSpPr>
+            <a:spLocks noGrp="1"/>
+          </p:cNvSpPr>
+          <p:nvPr>
+            <p:ph type="ftr" sz="quarter" idx="11"/>
+          </p:nvPr>
+        </p:nvSpPr>
+        <p:spPr/>
+        <p:txBody>
+          <a:bodyPr/>
+          <a:lstStyle/>
+          <a:p>
+            <a:endParaRPr lang="en-US" dirty="0"/>
+          </a:p>
+        </p:txBody>
+      </p:sp>
+      <p:sp>
+        <p:nvSpPr>
+          <p:cNvPr id="6" name="Slide Number Placeholder 5"/>
+          <p:cNvSpPr>
+            <a:spLocks noGrp="1"/>
+          </p:cNvSpPr>
+          <p:nvPr>
+            <p:ph type="sldNum" sz="quarter" idx="12"/>
+          </p:nvPr>
+        </p:nvSpPr>
+        <p:spPr/>
+        <p:txBody>
+          <a:bodyPr/>
+          <a:lstStyle/>
           <a:p>
             <a:fld id="{FFED575D-8022-4389-8E74-76BD91679870}" type="slidenum">
-              <a:rPr lang="ru-RU" altLang="ru-RU"/>
+              <a:rPr lang="ru-RU" altLang="ru-RU" smtClean="0"/>
               <a:pPr/>
               <a:t>‹#›</a:t>
             </a:fld>
@@ -926,7 +922,7 @@
     </p:spTree>
     <p:extLst>
       <p:ext uri="{BB962C8B-B14F-4D97-AF65-F5344CB8AC3E}">
-        <p14:creationId xmlns:p14="http://schemas.microsoft.com/office/powerpoint/2010/main" val="2363604734"/>
+        <p14:creationId xmlns:p14="http://schemas.microsoft.com/office/powerpoint/2010/main" val="1570006182"/>
       </p:ext>
     </p:extLst>
   </p:cSld>
@@ -958,7 +954,7 @@
       </p:grpSpPr>
       <p:sp>
         <p:nvSpPr>
-          <p:cNvPr id="2" name="Вертикальный заголовок 1"/>
+          <p:cNvPr id="2" name="Vertical Title 1"/>
           <p:cNvSpPr>
             <a:spLocks noGrp="1"/>
           </p:cNvSpPr>
@@ -968,8 +964,8 @@
         </p:nvSpPr>
         <p:spPr>
           <a:xfrm>
-            <a:off x="6629400" y="274638"/>
-            <a:ext cx="2057400" cy="5851525"/>
+            <a:off x="6543675" y="365125"/>
+            <a:ext cx="1971675" cy="5811838"/>
           </a:xfrm>
         </p:spPr>
         <p:txBody>
@@ -980,12 +976,13 @@
               <a:rPr lang="ru-RU"/>
               <a:t>Образец заголовка</a:t>
             </a:r>
-          </a:p>
-        </p:txBody>
-      </p:sp>
-      <p:sp>
-        <p:nvSpPr>
-          <p:cNvPr id="3" name="Вертикальный текст 2"/>
+            <a:endParaRPr lang="en-US" dirty="0"/>
+          </a:p>
+        </p:txBody>
+      </p:sp>
+      <p:sp>
+        <p:nvSpPr>
+          <p:cNvPr id="3" name="Vertical Text Placeholder 2"/>
           <p:cNvSpPr>
             <a:spLocks noGrp="1"/>
           </p:cNvSpPr>
@@ -995,8 +992,8 @@
         </p:nvSpPr>
         <p:spPr>
           <a:xfrm>
-            <a:off x="457200" y="1038225"/>
-            <a:ext cx="6019800" cy="5087938"/>
+            <a:off x="628650" y="365125"/>
+            <a:ext cx="5800725" cy="5811838"/>
           </a:xfrm>
         </p:spPr>
         <p:txBody>
@@ -1036,30 +1033,69 @@
               <a:rPr lang="ru-RU"/>
               <a:t>Пятый уровень</a:t>
             </a:r>
-          </a:p>
-        </p:txBody>
-      </p:sp>
-      <p:sp>
-        <p:nvSpPr>
-          <p:cNvPr id="4" name="Номер слайда 5"/>
+            <a:endParaRPr lang="en-US" dirty="0"/>
+          </a:p>
+        </p:txBody>
+      </p:sp>
+      <p:sp>
+        <p:nvSpPr>
+          <p:cNvPr id="4" name="Date Placeholder 3"/>
           <p:cNvSpPr>
             <a:spLocks noGrp="1"/>
           </p:cNvSpPr>
           <p:nvPr>
-            <p:ph type="sldNum" sz="quarter" idx="10"/>
+            <p:ph type="dt" sz="half" idx="10"/>
           </p:nvPr>
         </p:nvSpPr>
         <p:spPr/>
         <p:txBody>
           <a:bodyPr/>
-          <a:lstStyle>
-            <a:lvl1pPr>
-              <a:defRPr/>
-            </a:lvl1pPr>
-          </a:lstStyle>
+          <a:lstStyle/>
+          <a:p>
+            <a:fld id="{96DFF08F-DC6B-4601-B491-B0F83F6DD2DA}" type="datetimeFigureOut">
+              <a:rPr lang="en-US" smtClean="0"/>
+              <a:t>6/7/2023</a:t>
+            </a:fld>
+            <a:endParaRPr lang="en-US" dirty="0"/>
+          </a:p>
+        </p:txBody>
+      </p:sp>
+      <p:sp>
+        <p:nvSpPr>
+          <p:cNvPr id="5" name="Footer Placeholder 4"/>
+          <p:cNvSpPr>
+            <a:spLocks noGrp="1"/>
+          </p:cNvSpPr>
+          <p:nvPr>
+            <p:ph type="ftr" sz="quarter" idx="11"/>
+          </p:nvPr>
+        </p:nvSpPr>
+        <p:spPr/>
+        <p:txBody>
+          <a:bodyPr/>
+          <a:lstStyle/>
+          <a:p>
+            <a:endParaRPr lang="en-US" dirty="0"/>
+          </a:p>
+        </p:txBody>
+      </p:sp>
+      <p:sp>
+        <p:nvSpPr>
+          <p:cNvPr id="6" name="Slide Number Placeholder 5"/>
+          <p:cNvSpPr>
+            <a:spLocks noGrp="1"/>
+          </p:cNvSpPr>
+          <p:nvPr>
+            <p:ph type="sldNum" sz="quarter" idx="12"/>
+          </p:nvPr>
+        </p:nvSpPr>
+        <p:spPr/>
+        <p:txBody>
+          <a:bodyPr/>
+          <a:lstStyle/>
           <a:p>
             <a:fld id="{17E625AB-115E-409E-B299-5166DDD5526C}" type="slidenum">
-              <a:rPr lang="ru-RU" altLang="ru-RU"/>
+              <a:rPr lang="ru-RU" altLang="ru-RU" smtClean="0"/>
               <a:pPr/>
               <a:t>‹#›</a:t>
             </a:fld>
@@ -1070,7 +1106,215 @@
     </p:spTree>
     <p:extLst>
       <p:ext uri="{BB962C8B-B14F-4D97-AF65-F5344CB8AC3E}">
-        <p14:creationId xmlns:p14="http://schemas.microsoft.com/office/powerpoint/2010/main" val="826981486"/>
+        <p14:creationId xmlns:p14="http://schemas.microsoft.com/office/powerpoint/2010/main" val="2091604615"/>
+      </p:ext>
+    </p:extLst>
+  </p:cSld>
+  <p:clrMapOvr>
+    <a:masterClrMapping/>
+  </p:clrMapOvr>
+  <p:transition>
+    <p:dissolve/>
+  </p:transition>
+</p:sldLayout>
+</file>
+
+<file path=ppt/slideLayouts/slideLayout12.xml><?xml version="1.0" encoding="utf-8"?>
+<p:sldLayout xmlns:a="http://schemas.openxmlformats.org/drawingml/2006/main" xmlns:r="http://schemas.openxmlformats.org/officeDocument/2006/relationships" xmlns:p="http://schemas.openxmlformats.org/presentationml/2006/main" userDrawn="1">
+  <p:cSld name="1_Титульный слайд">
+    <p:bg>
+      <p:bgPr>
+        <a:blipFill dpi="0" rotWithShape="0">
+          <a:blip r:embed="rId2"/>
+          <a:srcRect/>
+          <a:stretch>
+            <a:fillRect/>
+          </a:stretch>
+        </a:blipFill>
+        <a:effectLst/>
+      </p:bgPr>
+    </p:bg>
+    <p:spTree>
+      <p:nvGrpSpPr>
+        <p:cNvPr id="1" name=""/>
+        <p:cNvGrpSpPr/>
+        <p:nvPr/>
+      </p:nvGrpSpPr>
+      <p:grpSpPr>
+        <a:xfrm>
+          <a:off x="0" y="0"/>
+          <a:ext cx="0" cy="0"/>
+          <a:chOff x="0" y="0"/>
+          <a:chExt cx="0" cy="0"/>
+        </a:xfrm>
+      </p:grpSpPr>
+      <p:sp>
+        <p:nvSpPr>
+          <p:cNvPr id="3" name="Подзаголовок 2"/>
+          <p:cNvSpPr>
+            <a:spLocks noGrp="1"/>
+          </p:cNvSpPr>
+          <p:nvPr>
+            <p:ph type="subTitle" idx="1"/>
+          </p:nvPr>
+        </p:nvSpPr>
+        <p:spPr>
+          <a:xfrm>
+            <a:off x="1400146" y="3486150"/>
+            <a:ext cx="3429030" cy="1609725"/>
+          </a:xfrm>
+        </p:spPr>
+        <p:txBody>
+          <a:bodyPr anchor="ctr">
+            <a:normAutofit/>
+          </a:bodyPr>
+          <a:lstStyle>
+            <a:lvl1pPr marL="0" indent="0" algn="l">
+              <a:buNone/>
+              <a:defRPr sz="1400">
+                <a:solidFill>
+                  <a:schemeClr val="tx1">
+                    <a:lumMod val="75000"/>
+                    <a:lumOff val="25000"/>
+                  </a:schemeClr>
+                </a:solidFill>
+              </a:defRPr>
+            </a:lvl1pPr>
+            <a:lvl2pPr marL="457200" indent="0" algn="ctr">
+              <a:buNone/>
+              <a:defRPr>
+                <a:solidFill>
+                  <a:schemeClr val="tx1">
+                    <a:tint val="75000"/>
+                  </a:schemeClr>
+                </a:solidFill>
+              </a:defRPr>
+            </a:lvl2pPr>
+            <a:lvl3pPr marL="914400" indent="0" algn="ctr">
+              <a:buNone/>
+              <a:defRPr>
+                <a:solidFill>
+                  <a:schemeClr val="tx1">
+                    <a:tint val="75000"/>
+                  </a:schemeClr>
+                </a:solidFill>
+              </a:defRPr>
+            </a:lvl3pPr>
+            <a:lvl4pPr marL="1371600" indent="0" algn="ctr">
+              <a:buNone/>
+              <a:defRPr>
+                <a:solidFill>
+                  <a:schemeClr val="tx1">
+                    <a:tint val="75000"/>
+                  </a:schemeClr>
+                </a:solidFill>
+              </a:defRPr>
+            </a:lvl4pPr>
+            <a:lvl5pPr marL="1828800" indent="0" algn="ctr">
+              <a:buNone/>
+              <a:defRPr>
+                <a:solidFill>
+                  <a:schemeClr val="tx1">
+                    <a:tint val="75000"/>
+                  </a:schemeClr>
+                </a:solidFill>
+              </a:defRPr>
+            </a:lvl5pPr>
+            <a:lvl6pPr marL="2286000" indent="0" algn="ctr">
+              <a:buNone/>
+              <a:defRPr>
+                <a:solidFill>
+                  <a:schemeClr val="tx1">
+                    <a:tint val="75000"/>
+                  </a:schemeClr>
+                </a:solidFill>
+              </a:defRPr>
+            </a:lvl6pPr>
+            <a:lvl7pPr marL="2743200" indent="0" algn="ctr">
+              <a:buNone/>
+              <a:defRPr>
+                <a:solidFill>
+                  <a:schemeClr val="tx1">
+                    <a:tint val="75000"/>
+                  </a:schemeClr>
+                </a:solidFill>
+              </a:defRPr>
+            </a:lvl7pPr>
+            <a:lvl8pPr marL="3200400" indent="0" algn="ctr">
+              <a:buNone/>
+              <a:defRPr>
+                <a:solidFill>
+                  <a:schemeClr val="tx1">
+                    <a:tint val="75000"/>
+                  </a:schemeClr>
+                </a:solidFill>
+              </a:defRPr>
+            </a:lvl8pPr>
+            <a:lvl9pPr marL="3657600" indent="0" algn="ctr">
+              <a:buNone/>
+              <a:defRPr>
+                <a:solidFill>
+                  <a:schemeClr val="tx1">
+                    <a:tint val="75000"/>
+                  </a:schemeClr>
+                </a:solidFill>
+              </a:defRPr>
+            </a:lvl9pPr>
+          </a:lstStyle>
+          <a:p>
+            <a:r>
+              <a:rPr lang="ru-RU" dirty="0"/>
+              <a:t>Образец подзаголовка</a:t>
+            </a:r>
+          </a:p>
+        </p:txBody>
+      </p:sp>
+      <p:sp>
+        <p:nvSpPr>
+          <p:cNvPr id="9" name="Текст 8"/>
+          <p:cNvSpPr>
+            <a:spLocks noGrp="1"/>
+          </p:cNvSpPr>
+          <p:nvPr>
+            <p:ph type="body" sz="quarter" idx="10"/>
+          </p:nvPr>
+        </p:nvSpPr>
+        <p:spPr>
+          <a:xfrm>
+            <a:off x="1381126" y="590550"/>
+            <a:ext cx="6772274" cy="2828925"/>
+          </a:xfrm>
+        </p:spPr>
+        <p:txBody>
+          <a:bodyPr anchor="ctr">
+            <a:normAutofit/>
+          </a:bodyPr>
+          <a:lstStyle>
+            <a:lvl1pPr marL="0" indent="0">
+              <a:buNone/>
+              <a:tabLst/>
+              <a:defRPr sz="2800" b="1">
+                <a:solidFill>
+                  <a:schemeClr val="accent2">
+                    <a:lumMod val="75000"/>
+                  </a:schemeClr>
+                </a:solidFill>
+              </a:defRPr>
+            </a:lvl1pPr>
+          </a:lstStyle>
+          <a:p>
+            <a:pPr lvl="0"/>
+            <a:r>
+              <a:rPr lang="ru-RU"/>
+              <a:t>Образец текста</a:t>
+            </a:r>
+          </a:p>
+        </p:txBody>
+      </p:sp>
+    </p:spTree>
+    <p:extLst>
+      <p:ext uri="{BB962C8B-B14F-4D97-AF65-F5344CB8AC3E}">
+        <p14:creationId xmlns:p14="http://schemas.microsoft.com/office/powerpoint/2010/main" val="1297291675"/>
       </p:ext>
     </p:extLst>
   </p:cSld>
@@ -1102,7 +1346,7 @@
       </p:grpSpPr>
       <p:sp>
         <p:nvSpPr>
-          <p:cNvPr id="2" name="Заголовок 1"/>
+          <p:cNvPr id="2" name="Title 1"/>
           <p:cNvSpPr>
             <a:spLocks noGrp="1"/>
           </p:cNvSpPr>
@@ -1119,12 +1363,13 @@
               <a:rPr lang="ru-RU"/>
               <a:t>Образец заголовка</a:t>
             </a:r>
-          </a:p>
-        </p:txBody>
-      </p:sp>
-      <p:sp>
-        <p:nvSpPr>
-          <p:cNvPr id="3" name="Содержимое 2"/>
+            <a:endParaRPr lang="en-US" dirty="0"/>
+          </a:p>
+        </p:txBody>
+      </p:sp>
+      <p:sp>
+        <p:nvSpPr>
+          <p:cNvPr id="3" name="Content Placeholder 2"/>
           <p:cNvSpPr>
             <a:spLocks noGrp="1"/>
           </p:cNvSpPr>
@@ -1170,30 +1415,69 @@
               <a:rPr lang="ru-RU"/>
               <a:t>Пятый уровень</a:t>
             </a:r>
-          </a:p>
-        </p:txBody>
-      </p:sp>
-      <p:sp>
-        <p:nvSpPr>
-          <p:cNvPr id="4" name="Номер слайда 5"/>
+            <a:endParaRPr lang="en-US" dirty="0"/>
+          </a:p>
+        </p:txBody>
+      </p:sp>
+      <p:sp>
+        <p:nvSpPr>
+          <p:cNvPr id="4" name="Date Placeholder 3"/>
           <p:cNvSpPr>
             <a:spLocks noGrp="1"/>
           </p:cNvSpPr>
           <p:nvPr>
-            <p:ph type="sldNum" sz="quarter" idx="10"/>
+            <p:ph type="dt" sz="half" idx="10"/>
           </p:nvPr>
         </p:nvSpPr>
         <p:spPr/>
         <p:txBody>
           <a:bodyPr/>
-          <a:lstStyle>
-            <a:lvl1pPr>
-              <a:defRPr/>
-            </a:lvl1pPr>
-          </a:lstStyle>
+          <a:lstStyle/>
+          <a:p>
+            <a:fld id="{A3E28D29-1ECB-41DF-951B-2A23F95AD026}" type="datetimeFigureOut">
+              <a:rPr lang="en-US" smtClean="0"/>
+              <a:t>6/7/2023</a:t>
+            </a:fld>
+            <a:endParaRPr lang="en-US" dirty="0"/>
+          </a:p>
+        </p:txBody>
+      </p:sp>
+      <p:sp>
+        <p:nvSpPr>
+          <p:cNvPr id="5" name="Footer Placeholder 4"/>
+          <p:cNvSpPr>
+            <a:spLocks noGrp="1"/>
+          </p:cNvSpPr>
+          <p:nvPr>
+            <p:ph type="ftr" sz="quarter" idx="11"/>
+          </p:nvPr>
+        </p:nvSpPr>
+        <p:spPr/>
+        <p:txBody>
+          <a:bodyPr/>
+          <a:lstStyle/>
+          <a:p>
+            <a:endParaRPr lang="en-US" dirty="0"/>
+          </a:p>
+        </p:txBody>
+      </p:sp>
+      <p:sp>
+        <p:nvSpPr>
+          <p:cNvPr id="6" name="Slide Number Placeholder 5"/>
+          <p:cNvSpPr>
+            <a:spLocks noGrp="1"/>
+          </p:cNvSpPr>
+          <p:nvPr>
+            <p:ph type="sldNum" sz="quarter" idx="12"/>
+          </p:nvPr>
+        </p:nvSpPr>
+        <p:spPr/>
+        <p:txBody>
+          <a:bodyPr/>
+          <a:lstStyle/>
           <a:p>
             <a:fld id="{6D116CD5-848C-4CD7-ADB7-17554B54769D}" type="slidenum">
-              <a:rPr lang="ru-RU" altLang="ru-RU"/>
+              <a:rPr lang="ru-RU" altLang="ru-RU" smtClean="0"/>
               <a:pPr/>
               <a:t>‹#›</a:t>
             </a:fld>
@@ -1204,7 +1488,7 @@
     </p:spTree>
     <p:extLst>
       <p:ext uri="{BB962C8B-B14F-4D97-AF65-F5344CB8AC3E}">
-        <p14:creationId xmlns:p14="http://schemas.microsoft.com/office/powerpoint/2010/main" val="919463146"/>
+        <p14:creationId xmlns:p14="http://schemas.microsoft.com/office/powerpoint/2010/main" val="168092543"/>
       </p:ext>
     </p:extLst>
   </p:cSld>
@@ -1236,7 +1520,7 @@
       </p:grpSpPr>
       <p:sp>
         <p:nvSpPr>
-          <p:cNvPr id="2" name="Заголовок 1"/>
+          <p:cNvPr id="2" name="Title 1"/>
           <p:cNvSpPr>
             <a:spLocks noGrp="1"/>
           </p:cNvSpPr>
@@ -1246,15 +1530,15 @@
         </p:nvSpPr>
         <p:spPr>
           <a:xfrm>
-            <a:off x="722313" y="4406900"/>
-            <a:ext cx="7772400" cy="1362075"/>
+            <a:off x="623888" y="1709739"/>
+            <a:ext cx="7886700" cy="2852737"/>
           </a:xfrm>
         </p:spPr>
         <p:txBody>
-          <a:bodyPr anchor="t"/>
+          <a:bodyPr anchor="b"/>
           <a:lstStyle>
-            <a:lvl1pPr algn="l">
-              <a:defRPr sz="4000" b="1" cap="all"/>
+            <a:lvl1pPr>
+              <a:defRPr sz="6000"/>
             </a:lvl1pPr>
           </a:lstStyle>
           <a:p>
@@ -1262,12 +1546,13 @@
               <a:rPr lang="ru-RU"/>
               <a:t>Образец заголовка</a:t>
             </a:r>
-          </a:p>
-        </p:txBody>
-      </p:sp>
-      <p:sp>
-        <p:nvSpPr>
-          <p:cNvPr id="3" name="Текст 2"/>
+            <a:endParaRPr lang="en-US" dirty="0"/>
+          </a:p>
+        </p:txBody>
+      </p:sp>
+      <p:sp>
+        <p:nvSpPr>
+          <p:cNvPr id="3" name="Text Placeholder 2"/>
           <p:cNvSpPr>
             <a:spLocks noGrp="1"/>
           </p:cNvSpPr>
@@ -1277,14 +1562,22 @@
         </p:nvSpPr>
         <p:spPr>
           <a:xfrm>
-            <a:off x="722313" y="1057275"/>
-            <a:ext cx="7772400" cy="3349625"/>
+            <a:off x="623888" y="4589464"/>
+            <a:ext cx="7886700" cy="1500187"/>
           </a:xfrm>
         </p:spPr>
         <p:txBody>
-          <a:bodyPr anchor="b"/>
+          <a:bodyPr/>
           <a:lstStyle>
             <a:lvl1pPr marL="0" indent="0">
+              <a:buNone/>
+              <a:defRPr sz="2400">
+                <a:solidFill>
+                  <a:schemeClr val="tx1"/>
+                </a:solidFill>
+              </a:defRPr>
+            </a:lvl1pPr>
+            <a:lvl2pPr marL="457200" indent="0">
               <a:buNone/>
               <a:defRPr sz="2000">
                 <a:solidFill>
@@ -1293,8 +1586,8 @@
                   </a:schemeClr>
                 </a:solidFill>
               </a:defRPr>
-            </a:lvl1pPr>
-            <a:lvl2pPr marL="457200" indent="0">
+            </a:lvl2pPr>
+            <a:lvl3pPr marL="914400" indent="0">
               <a:buNone/>
               <a:defRPr sz="1800">
                 <a:solidFill>
@@ -1303,8 +1596,8 @@
                   </a:schemeClr>
                 </a:solidFill>
               </a:defRPr>
-            </a:lvl2pPr>
-            <a:lvl3pPr marL="914400" indent="0">
+            </a:lvl3pPr>
+            <a:lvl4pPr marL="1371600" indent="0">
               <a:buNone/>
               <a:defRPr sz="1600">
                 <a:solidFill>
@@ -1313,66 +1606,56 @@
                   </a:schemeClr>
                 </a:solidFill>
               </a:defRPr>
-            </a:lvl3pPr>
-            <a:lvl4pPr marL="1371600" indent="0">
-              <a:buNone/>
-              <a:defRPr sz="1400">
+            </a:lvl4pPr>
+            <a:lvl5pPr marL="1828800" indent="0">
+              <a:buNone/>
+              <a:defRPr sz="1600">
                 <a:solidFill>
                   <a:schemeClr val="tx1">
                     <a:tint val="75000"/>
                   </a:schemeClr>
                 </a:solidFill>
               </a:defRPr>
-            </a:lvl4pPr>
-            <a:lvl5pPr marL="1828800" indent="0">
-              <a:buNone/>
-              <a:defRPr sz="1400">
+            </a:lvl5pPr>
+            <a:lvl6pPr marL="2286000" indent="0">
+              <a:buNone/>
+              <a:defRPr sz="1600">
                 <a:solidFill>
                   <a:schemeClr val="tx1">
                     <a:tint val="75000"/>
                   </a:schemeClr>
                 </a:solidFill>
               </a:defRPr>
-            </a:lvl5pPr>
-            <a:lvl6pPr marL="2286000" indent="0">
-              <a:buNone/>
-              <a:defRPr sz="1400">
+            </a:lvl6pPr>
+            <a:lvl7pPr marL="2743200" indent="0">
+              <a:buNone/>
+              <a:defRPr sz="1600">
                 <a:solidFill>
                   <a:schemeClr val="tx1">
                     <a:tint val="75000"/>
                   </a:schemeClr>
                 </a:solidFill>
               </a:defRPr>
-            </a:lvl6pPr>
-            <a:lvl7pPr marL="2743200" indent="0">
-              <a:buNone/>
-              <a:defRPr sz="1400">
+            </a:lvl7pPr>
+            <a:lvl8pPr marL="3200400" indent="0">
+              <a:buNone/>
+              <a:defRPr sz="1600">
                 <a:solidFill>
                   <a:schemeClr val="tx1">
                     <a:tint val="75000"/>
                   </a:schemeClr>
                 </a:solidFill>
               </a:defRPr>
-            </a:lvl7pPr>
-            <a:lvl8pPr marL="3200400" indent="0">
-              <a:buNone/>
-              <a:defRPr sz="1400">
+            </a:lvl8pPr>
+            <a:lvl9pPr marL="3657600" indent="0">
+              <a:buNone/>
+              <a:defRPr sz="1600">
                 <a:solidFill>
                   <a:schemeClr val="tx1">
                     <a:tint val="75000"/>
                   </a:schemeClr>
                 </a:solidFill>
               </a:defRPr>
-            </a:lvl8pPr>
-            <a:lvl9pPr marL="3657600" indent="0">
-              <a:buNone/>
-              <a:defRPr sz="1400">
-                <a:solidFill>
-                  <a:schemeClr val="tx1">
-                    <a:tint val="75000"/>
-                  </a:schemeClr>
-                </a:solidFill>
-              </a:defRPr>
             </a:lvl9pPr>
           </a:lstStyle>
           <a:p>
@@ -1386,25 +1669,63 @@
       </p:sp>
       <p:sp>
         <p:nvSpPr>
-          <p:cNvPr id="4" name="Номер слайда 5"/>
+          <p:cNvPr id="4" name="Date Placeholder 3"/>
           <p:cNvSpPr>
             <a:spLocks noGrp="1"/>
           </p:cNvSpPr>
           <p:nvPr>
-            <p:ph type="sldNum" sz="quarter" idx="10"/>
+            <p:ph type="dt" sz="half" idx="10"/>
           </p:nvPr>
         </p:nvSpPr>
         <p:spPr/>
         <p:txBody>
           <a:bodyPr/>
-          <a:lstStyle>
-            <a:lvl1pPr>
-              <a:defRPr/>
-            </a:lvl1pPr>
-          </a:lstStyle>
+          <a:lstStyle/>
+          <a:p>
+            <a:fld id="{96DFF08F-DC6B-4601-B491-B0F83F6DD2DA}" type="datetimeFigureOut">
+              <a:rPr lang="en-US" smtClean="0"/>
+              <a:t>6/7/2023</a:t>
+            </a:fld>
+            <a:endParaRPr lang="en-US" dirty="0"/>
+          </a:p>
+        </p:txBody>
+      </p:sp>
+      <p:sp>
+        <p:nvSpPr>
+          <p:cNvPr id="5" name="Footer Placeholder 4"/>
+          <p:cNvSpPr>
+            <a:spLocks noGrp="1"/>
+          </p:cNvSpPr>
+          <p:nvPr>
+            <p:ph type="ftr" sz="quarter" idx="11"/>
+          </p:nvPr>
+        </p:nvSpPr>
+        <p:spPr/>
+        <p:txBody>
+          <a:bodyPr/>
+          <a:lstStyle/>
+          <a:p>
+            <a:endParaRPr lang="en-US" dirty="0"/>
+          </a:p>
+        </p:txBody>
+      </p:sp>
+      <p:sp>
+        <p:nvSpPr>
+          <p:cNvPr id="6" name="Slide Number Placeholder 5"/>
+          <p:cNvSpPr>
+            <a:spLocks noGrp="1"/>
+          </p:cNvSpPr>
+          <p:nvPr>
+            <p:ph type="sldNum" sz="quarter" idx="12"/>
+          </p:nvPr>
+        </p:nvSpPr>
+        <p:spPr/>
+        <p:txBody>
+          <a:bodyPr/>
+          <a:lstStyle/>
           <a:p>
             <a:fld id="{E19A1F4B-2E2F-420B-84FE-C95BEB8779FD}" type="slidenum">
-              <a:rPr lang="ru-RU" altLang="ru-RU"/>
+              <a:rPr lang="ru-RU" altLang="ru-RU" smtClean="0"/>
               <a:pPr/>
               <a:t>‹#›</a:t>
             </a:fld>
@@ -1415,7 +1736,7 @@
     </p:spTree>
     <p:extLst>
       <p:ext uri="{BB962C8B-B14F-4D97-AF65-F5344CB8AC3E}">
-        <p14:creationId xmlns:p14="http://schemas.microsoft.com/office/powerpoint/2010/main" val="2051105971"/>
+        <p14:creationId xmlns:p14="http://schemas.microsoft.com/office/powerpoint/2010/main" val="2448102166"/>
       </p:ext>
     </p:extLst>
   </p:cSld>
@@ -1447,7 +1768,7 @@
       </p:grpSpPr>
       <p:sp>
         <p:nvSpPr>
-          <p:cNvPr id="2" name="Заголовок 1"/>
+          <p:cNvPr id="2" name="Title 1"/>
           <p:cNvSpPr>
             <a:spLocks noGrp="1"/>
           </p:cNvSpPr>
@@ -1464,12 +1785,13 @@
               <a:rPr lang="ru-RU"/>
               <a:t>Образец заголовка</a:t>
             </a:r>
-          </a:p>
-        </p:txBody>
-      </p:sp>
-      <p:sp>
-        <p:nvSpPr>
-          <p:cNvPr id="3" name="Содержимое 2"/>
+            <a:endParaRPr lang="en-US" dirty="0"/>
+          </a:p>
+        </p:txBody>
+      </p:sp>
+      <p:sp>
+        <p:nvSpPr>
+          <p:cNvPr id="3" name="Content Placeholder 2"/>
           <p:cNvSpPr>
             <a:spLocks noGrp="1"/>
           </p:cNvSpPr>
@@ -1479,81 +1801,54 @@
         </p:nvSpPr>
         <p:spPr>
           <a:xfrm>
-            <a:off x="457200" y="1600200"/>
-            <a:ext cx="4038600" cy="4525963"/>
+            <a:off x="628650" y="1825625"/>
+            <a:ext cx="3886200" cy="4351338"/>
           </a:xfrm>
         </p:spPr>
         <p:txBody>
           <a:bodyPr/>
-          <a:lstStyle>
-            <a:lvl1pPr>
-              <a:defRPr sz="2000"/>
-            </a:lvl1pPr>
-            <a:lvl2pPr>
-              <a:defRPr sz="1800"/>
-            </a:lvl2pPr>
-            <a:lvl3pPr>
-              <a:defRPr sz="1600"/>
-            </a:lvl3pPr>
-            <a:lvl4pPr>
-              <a:defRPr sz="1400"/>
-            </a:lvl4pPr>
-            <a:lvl5pPr>
-              <a:defRPr sz="1400"/>
-            </a:lvl5pPr>
-            <a:lvl6pPr>
-              <a:defRPr sz="1800"/>
-            </a:lvl6pPr>
-            <a:lvl7pPr>
-              <a:defRPr sz="1800"/>
-            </a:lvl7pPr>
-            <a:lvl8pPr>
-              <a:defRPr sz="1800"/>
-            </a:lvl8pPr>
-            <a:lvl9pPr>
-              <a:defRPr sz="1800"/>
-            </a:lvl9pPr>
-          </a:lstStyle>
+          <a:lstStyle/>
           <a:p>
             <a:pPr lvl="0"/>
             <a:r>
-              <a:rPr lang="ru-RU" dirty="0"/>
+              <a:rPr lang="ru-RU"/>
               <a:t>Образец текста</a:t>
             </a:r>
           </a:p>
           <a:p>
             <a:pPr lvl="1"/>
             <a:r>
-              <a:rPr lang="ru-RU" dirty="0"/>
+              <a:rPr lang="ru-RU"/>
               <a:t>Второй уровень</a:t>
             </a:r>
           </a:p>
           <a:p>
             <a:pPr lvl="2"/>
             <a:r>
-              <a:rPr lang="ru-RU" dirty="0"/>
+              <a:rPr lang="ru-RU"/>
               <a:t>Третий уровень</a:t>
             </a:r>
           </a:p>
           <a:p>
             <a:pPr lvl="3"/>
             <a:r>
-              <a:rPr lang="ru-RU" dirty="0"/>
+              <a:rPr lang="ru-RU"/>
               <a:t>Четвертый уровень</a:t>
             </a:r>
           </a:p>
           <a:p>
             <a:pPr lvl="4"/>
             <a:r>
-              <a:rPr lang="ru-RU" dirty="0"/>
+              <a:rPr lang="ru-RU"/>
               <a:t>Пятый уровень</a:t>
             </a:r>
-          </a:p>
-        </p:txBody>
-      </p:sp>
-      <p:sp>
-        <p:nvSpPr>
-          <p:cNvPr id="4" name="Содержимое 3"/>
+            <a:endParaRPr lang="en-US" dirty="0"/>
+          </a:p>
+        </p:txBody>
+      </p:sp>
+      <p:sp>
+        <p:nvSpPr>
+          <p:cNvPr id="4" name="Content Placeholder 3"/>
           <p:cNvSpPr>
             <a:spLocks noGrp="1"/>
           </p:cNvSpPr>
@@ -1563,146 +1858,110 @@
         </p:nvSpPr>
         <p:spPr>
           <a:xfrm>
-            <a:off x="4648200" y="1600200"/>
-            <a:ext cx="4038600" cy="4525963"/>
+            <a:off x="4629150" y="1825625"/>
+            <a:ext cx="3886200" cy="4351338"/>
           </a:xfrm>
         </p:spPr>
         <p:txBody>
           <a:bodyPr/>
-          <a:lstStyle>
-            <a:lvl1pPr>
-              <a:defRPr lang="ru-RU" sz="2000" kern="1200" dirty="0" smtClean="0">
-                <a:solidFill>
-                  <a:schemeClr val="tx1"/>
-                </a:solidFill>
-                <a:latin typeface="Arial" pitchFamily="34" charset="0"/>
-                <a:ea typeface="+mn-ea"/>
-                <a:cs typeface="Arial" pitchFamily="34" charset="0"/>
-              </a:defRPr>
-            </a:lvl1pPr>
-            <a:lvl2pPr>
-              <a:defRPr lang="ru-RU" sz="1800" kern="1200" dirty="0" smtClean="0">
-                <a:solidFill>
-                  <a:schemeClr val="tx1">
-                    <a:lumMod val="75000"/>
-                    <a:lumOff val="25000"/>
-                  </a:schemeClr>
-                </a:solidFill>
-                <a:latin typeface="Arial" pitchFamily="34" charset="0"/>
-                <a:ea typeface="+mn-ea"/>
-                <a:cs typeface="Arial" pitchFamily="34" charset="0"/>
-              </a:defRPr>
-            </a:lvl2pPr>
-            <a:lvl3pPr>
-              <a:defRPr lang="ru-RU" sz="1600" kern="1200" dirty="0" smtClean="0">
-                <a:solidFill>
-                  <a:schemeClr val="tx1">
-                    <a:lumMod val="65000"/>
-                    <a:lumOff val="35000"/>
-                  </a:schemeClr>
-                </a:solidFill>
-                <a:latin typeface="Arial" pitchFamily="34" charset="0"/>
-                <a:ea typeface="+mn-ea"/>
-                <a:cs typeface="Arial" pitchFamily="34" charset="0"/>
-              </a:defRPr>
-            </a:lvl3pPr>
-            <a:lvl4pPr>
-              <a:defRPr lang="ru-RU" sz="1400" kern="1200" dirty="0" smtClean="0">
-                <a:solidFill>
-                  <a:schemeClr val="tx1">
-                    <a:lumMod val="65000"/>
-                    <a:lumOff val="35000"/>
-                  </a:schemeClr>
-                </a:solidFill>
-                <a:latin typeface="Arial" pitchFamily="34" charset="0"/>
-                <a:ea typeface="+mn-ea"/>
-                <a:cs typeface="Arial" pitchFamily="34" charset="0"/>
-              </a:defRPr>
-            </a:lvl4pPr>
-            <a:lvl5pPr>
-              <a:defRPr lang="ru-RU" sz="1400" kern="1200" dirty="0" smtClean="0">
-                <a:solidFill>
-                  <a:schemeClr val="tx1">
-                    <a:lumMod val="65000"/>
-                    <a:lumOff val="35000"/>
-                  </a:schemeClr>
-                </a:solidFill>
-                <a:latin typeface="Arial" pitchFamily="34" charset="0"/>
-                <a:ea typeface="+mn-ea"/>
-                <a:cs typeface="Arial" pitchFamily="34" charset="0"/>
-              </a:defRPr>
-            </a:lvl5pPr>
-            <a:lvl6pPr>
-              <a:defRPr sz="1800"/>
-            </a:lvl6pPr>
-            <a:lvl7pPr>
-              <a:defRPr sz="1800"/>
-            </a:lvl7pPr>
-            <a:lvl8pPr>
-              <a:defRPr sz="1800"/>
-            </a:lvl8pPr>
-            <a:lvl9pPr>
-              <a:defRPr sz="1800"/>
-            </a:lvl9pPr>
-          </a:lstStyle>
+          <a:lstStyle/>
           <a:p>
             <a:pPr lvl="0"/>
             <a:r>
-              <a:rPr lang="ru-RU" dirty="0"/>
+              <a:rPr lang="ru-RU"/>
               <a:t>Образец текста</a:t>
             </a:r>
           </a:p>
           <a:p>
             <a:pPr lvl="1"/>
             <a:r>
-              <a:rPr lang="ru-RU" dirty="0"/>
+              <a:rPr lang="ru-RU"/>
               <a:t>Второй уровень</a:t>
             </a:r>
           </a:p>
           <a:p>
             <a:pPr lvl="2"/>
             <a:r>
-              <a:rPr lang="ru-RU" dirty="0"/>
+              <a:rPr lang="ru-RU"/>
               <a:t>Третий уровень</a:t>
             </a:r>
           </a:p>
           <a:p>
             <a:pPr lvl="3"/>
             <a:r>
-              <a:rPr lang="ru-RU" dirty="0"/>
+              <a:rPr lang="ru-RU"/>
               <a:t>Четвертый уровень</a:t>
             </a:r>
           </a:p>
           <a:p>
             <a:pPr lvl="4"/>
             <a:r>
-              <a:rPr lang="ru-RU" dirty="0"/>
+              <a:rPr lang="ru-RU"/>
               <a:t>Пятый уровень</a:t>
             </a:r>
-          </a:p>
-        </p:txBody>
-      </p:sp>
-      <p:sp>
-        <p:nvSpPr>
-          <p:cNvPr id="5" name="Номер слайда 5"/>
+            <a:endParaRPr lang="en-US" dirty="0"/>
+          </a:p>
+        </p:txBody>
+      </p:sp>
+      <p:sp>
+        <p:nvSpPr>
+          <p:cNvPr id="5" name="Date Placeholder 4"/>
           <p:cNvSpPr>
             <a:spLocks noGrp="1"/>
           </p:cNvSpPr>
           <p:nvPr>
-            <p:ph type="sldNum" sz="quarter" idx="10"/>
+            <p:ph type="dt" sz="half" idx="10"/>
           </p:nvPr>
         </p:nvSpPr>
         <p:spPr/>
         <p:txBody>
           <a:bodyPr/>
-          <a:lstStyle>
-            <a:lvl1pPr>
-              <a:defRPr/>
-            </a:lvl1pPr>
-          </a:lstStyle>
+          <a:lstStyle/>
+          <a:p>
+            <a:fld id="{96DFF08F-DC6B-4601-B491-B0F83F6DD2DA}" type="datetimeFigureOut">
+              <a:rPr lang="en-US" smtClean="0"/>
+              <a:t>6/7/2023</a:t>
+            </a:fld>
+            <a:endParaRPr lang="en-US" dirty="0"/>
+          </a:p>
+        </p:txBody>
+      </p:sp>
+      <p:sp>
+        <p:nvSpPr>
+          <p:cNvPr id="6" name="Footer Placeholder 5"/>
+          <p:cNvSpPr>
+            <a:spLocks noGrp="1"/>
+          </p:cNvSpPr>
+          <p:nvPr>
+            <p:ph type="ftr" sz="quarter" idx="11"/>
+          </p:nvPr>
+        </p:nvSpPr>
+        <p:spPr/>
+        <p:txBody>
+          <a:bodyPr/>
+          <a:lstStyle/>
+          <a:p>
+            <a:endParaRPr lang="en-US" dirty="0"/>
+          </a:p>
+        </p:txBody>
+      </p:sp>
+      <p:sp>
+        <p:nvSpPr>
+          <p:cNvPr id="7" name="Slide Number Placeholder 6"/>
+          <p:cNvSpPr>
+            <a:spLocks noGrp="1"/>
+          </p:cNvSpPr>
+          <p:nvPr>
+            <p:ph type="sldNum" sz="quarter" idx="12"/>
+          </p:nvPr>
+        </p:nvSpPr>
+        <p:spPr/>
+        <p:txBody>
+          <a:bodyPr/>
+          <a:lstStyle/>
           <a:p>
             <a:fld id="{347AD313-7A9E-4217-A410-076DCDF01E3D}" type="slidenum">
-              <a:rPr lang="ru-RU" altLang="ru-RU"/>
+              <a:rPr lang="ru-RU" altLang="ru-RU" smtClean="0"/>
               <a:pPr/>
               <a:t>‹#›</a:t>
             </a:fld>
@@ -1713,7 +1972,7 @@
     </p:spTree>
     <p:extLst>
       <p:ext uri="{BB962C8B-B14F-4D97-AF65-F5344CB8AC3E}">
-        <p14:creationId xmlns:p14="http://schemas.microsoft.com/office/powerpoint/2010/main" val="3253669229"/>
+        <p14:creationId xmlns:p14="http://schemas.microsoft.com/office/powerpoint/2010/main" val="4175153895"/>
       </p:ext>
     </p:extLst>
   </p:cSld>
@@ -1745,7 +2004,7 @@
       </p:grpSpPr>
       <p:sp>
         <p:nvSpPr>
-          <p:cNvPr id="2" name="Заголовок 1"/>
+          <p:cNvPr id="2" name="Title 1"/>
           <p:cNvSpPr>
             <a:spLocks noGrp="1"/>
           </p:cNvSpPr>
@@ -1753,25 +2012,27 @@
             <p:ph type="title"/>
           </p:nvPr>
         </p:nvSpPr>
-        <p:spPr/>
+        <p:spPr>
+          <a:xfrm>
+            <a:off x="629841" y="365126"/>
+            <a:ext cx="7886700" cy="1325563"/>
+          </a:xfrm>
+        </p:spPr>
         <p:txBody>
           <a:bodyPr/>
-          <a:lstStyle>
-            <a:lvl1pPr>
-              <a:defRPr/>
-            </a:lvl1pPr>
-          </a:lstStyle>
-          <a:p>
-            <a:r>
-              <a:rPr lang="ru-RU" dirty="0"/>
+          <a:lstStyle/>
+          <a:p>
+            <a:r>
+              <a:rPr lang="ru-RU"/>
               <a:t>Образец заголовка</a:t>
             </a:r>
-          </a:p>
-        </p:txBody>
-      </p:sp>
-      <p:sp>
-        <p:nvSpPr>
-          <p:cNvPr id="3" name="Текст 2"/>
+            <a:endParaRPr lang="en-US" dirty="0"/>
+          </a:p>
+        </p:txBody>
+      </p:sp>
+      <p:sp>
+        <p:nvSpPr>
+          <p:cNvPr id="3" name="Text Placeholder 2"/>
           <p:cNvSpPr>
             <a:spLocks noGrp="1"/>
           </p:cNvSpPr>
@@ -1781,8 +2042,8 @@
         </p:nvSpPr>
         <p:spPr>
           <a:xfrm>
-            <a:off x="457200" y="1535113"/>
-            <a:ext cx="4040188" cy="639762"/>
+            <a:off x="629842" y="1681163"/>
+            <a:ext cx="3868340" cy="823912"/>
           </a:xfrm>
         </p:spPr>
         <p:txBody>
@@ -1836,7 +2097,7 @@
       </p:sp>
       <p:sp>
         <p:nvSpPr>
-          <p:cNvPr id="4" name="Содержимое 3"/>
+          <p:cNvPr id="4" name="Content Placeholder 3"/>
           <p:cNvSpPr>
             <a:spLocks noGrp="1"/>
           </p:cNvSpPr>
@@ -1846,41 +2107,13 @@
         </p:nvSpPr>
         <p:spPr>
           <a:xfrm>
-            <a:off x="457200" y="2174875"/>
-            <a:ext cx="4040188" cy="3951288"/>
+            <a:off x="629842" y="2505075"/>
+            <a:ext cx="3868340" cy="3684588"/>
           </a:xfrm>
         </p:spPr>
         <p:txBody>
           <a:bodyPr/>
-          <a:lstStyle>
-            <a:lvl1pPr>
-              <a:defRPr sz="2400"/>
-            </a:lvl1pPr>
-            <a:lvl2pPr>
-              <a:defRPr sz="2000"/>
-            </a:lvl2pPr>
-            <a:lvl3pPr>
-              <a:defRPr sz="1800"/>
-            </a:lvl3pPr>
-            <a:lvl4pPr>
-              <a:defRPr sz="1600"/>
-            </a:lvl4pPr>
-            <a:lvl5pPr>
-              <a:defRPr sz="1600"/>
-            </a:lvl5pPr>
-            <a:lvl6pPr>
-              <a:defRPr sz="1600"/>
-            </a:lvl6pPr>
-            <a:lvl7pPr>
-              <a:defRPr sz="1600"/>
-            </a:lvl7pPr>
-            <a:lvl8pPr>
-              <a:defRPr sz="1600"/>
-            </a:lvl8pPr>
-            <a:lvl9pPr>
-              <a:defRPr sz="1600"/>
-            </a:lvl9pPr>
-          </a:lstStyle>
+          <a:lstStyle/>
           <a:p>
             <a:pPr lvl="0"/>
             <a:r>
@@ -1915,12 +2148,13 @@
               <a:rPr lang="ru-RU"/>
               <a:t>Пятый уровень</a:t>
             </a:r>
-          </a:p>
-        </p:txBody>
-      </p:sp>
-      <p:sp>
-        <p:nvSpPr>
-          <p:cNvPr id="5" name="Текст 4"/>
+            <a:endParaRPr lang="en-US" dirty="0"/>
+          </a:p>
+        </p:txBody>
+      </p:sp>
+      <p:sp>
+        <p:nvSpPr>
+          <p:cNvPr id="5" name="Text Placeholder 4"/>
           <p:cNvSpPr>
             <a:spLocks noGrp="1"/>
           </p:cNvSpPr>
@@ -1930,8 +2164,8 @@
         </p:nvSpPr>
         <p:spPr>
           <a:xfrm>
-            <a:off x="4645025" y="1535113"/>
-            <a:ext cx="4041775" cy="639762"/>
+            <a:off x="4629150" y="1681163"/>
+            <a:ext cx="3887391" cy="823912"/>
           </a:xfrm>
         </p:spPr>
         <p:txBody>
@@ -1985,7 +2219,7 @@
       </p:sp>
       <p:sp>
         <p:nvSpPr>
-          <p:cNvPr id="6" name="Содержимое 5"/>
+          <p:cNvPr id="6" name="Content Placeholder 5"/>
           <p:cNvSpPr>
             <a:spLocks noGrp="1"/>
           </p:cNvSpPr>
@@ -1995,41 +2229,13 @@
         </p:nvSpPr>
         <p:spPr>
           <a:xfrm>
-            <a:off x="4645025" y="2174875"/>
-            <a:ext cx="4041775" cy="3951288"/>
+            <a:off x="4629150" y="2505075"/>
+            <a:ext cx="3887391" cy="3684588"/>
           </a:xfrm>
         </p:spPr>
         <p:txBody>
           <a:bodyPr/>
-          <a:lstStyle>
-            <a:lvl1pPr>
-              <a:defRPr sz="2400"/>
-            </a:lvl1pPr>
-            <a:lvl2pPr>
-              <a:defRPr sz="2000"/>
-            </a:lvl2pPr>
-            <a:lvl3pPr>
-              <a:defRPr sz="1800"/>
-            </a:lvl3pPr>
-            <a:lvl4pPr>
-              <a:defRPr sz="1600"/>
-            </a:lvl4pPr>
-            <a:lvl5pPr>
-              <a:defRPr sz="1600"/>
-            </a:lvl5pPr>
-            <a:lvl6pPr>
-              <a:defRPr sz="1600"/>
-            </a:lvl6pPr>
-            <a:lvl7pPr>
-              <a:defRPr sz="1600"/>
-            </a:lvl7pPr>
-            <a:lvl8pPr>
-              <a:defRPr sz="1600"/>
-            </a:lvl8pPr>
-            <a:lvl9pPr>
-              <a:defRPr sz="1600"/>
-            </a:lvl9pPr>
-          </a:lstStyle>
+          <a:lstStyle/>
           <a:p>
             <a:pPr lvl="0"/>
             <a:r>
@@ -2064,30 +2270,69 @@
               <a:rPr lang="ru-RU"/>
               <a:t>Пятый уровень</a:t>
             </a:r>
-          </a:p>
-        </p:txBody>
-      </p:sp>
-      <p:sp>
-        <p:nvSpPr>
-          <p:cNvPr id="7" name="Номер слайда 5"/>
+            <a:endParaRPr lang="en-US" dirty="0"/>
+          </a:p>
+        </p:txBody>
+      </p:sp>
+      <p:sp>
+        <p:nvSpPr>
+          <p:cNvPr id="7" name="Date Placeholder 6"/>
           <p:cNvSpPr>
             <a:spLocks noGrp="1"/>
           </p:cNvSpPr>
           <p:nvPr>
-            <p:ph type="sldNum" sz="quarter" idx="10"/>
+            <p:ph type="dt" sz="half" idx="10"/>
           </p:nvPr>
         </p:nvSpPr>
         <p:spPr/>
         <p:txBody>
           <a:bodyPr/>
-          <a:lstStyle>
-            <a:lvl1pPr>
-              <a:defRPr/>
-            </a:lvl1pPr>
-          </a:lstStyle>
+          <a:lstStyle/>
+          <a:p>
+            <a:fld id="{96DFF08F-DC6B-4601-B491-B0F83F6DD2DA}" type="datetimeFigureOut">
+              <a:rPr lang="en-US" smtClean="0"/>
+              <a:t>6/7/2023</a:t>
+            </a:fld>
+            <a:endParaRPr lang="en-US" dirty="0"/>
+          </a:p>
+        </p:txBody>
+      </p:sp>
+      <p:sp>
+        <p:nvSpPr>
+          <p:cNvPr id="8" name="Footer Placeholder 7"/>
+          <p:cNvSpPr>
+            <a:spLocks noGrp="1"/>
+          </p:cNvSpPr>
+          <p:nvPr>
+            <p:ph type="ftr" sz="quarter" idx="11"/>
+          </p:nvPr>
+        </p:nvSpPr>
+        <p:spPr/>
+        <p:txBody>
+          <a:bodyPr/>
+          <a:lstStyle/>
+          <a:p>
+            <a:endParaRPr lang="en-US" dirty="0"/>
+          </a:p>
+        </p:txBody>
+      </p:sp>
+      <p:sp>
+        <p:nvSpPr>
+          <p:cNvPr id="9" name="Slide Number Placeholder 8"/>
+          <p:cNvSpPr>
+            <a:spLocks noGrp="1"/>
+          </p:cNvSpPr>
+          <p:nvPr>
+            <p:ph type="sldNum" sz="quarter" idx="12"/>
+          </p:nvPr>
+        </p:nvSpPr>
+        <p:spPr/>
+        <p:txBody>
+          <a:bodyPr/>
+          <a:lstStyle/>
           <a:p>
             <a:fld id="{3CB5BCC6-89EA-4145-A7DB-FBC6F8C0BB9F}" type="slidenum">
-              <a:rPr lang="ru-RU" altLang="ru-RU"/>
+              <a:rPr lang="ru-RU" altLang="ru-RU" smtClean="0"/>
               <a:pPr/>
               <a:t>‹#›</a:t>
             </a:fld>
@@ -2098,7 +2343,7 @@
     </p:spTree>
     <p:extLst>
       <p:ext uri="{BB962C8B-B14F-4D97-AF65-F5344CB8AC3E}">
-        <p14:creationId xmlns:p14="http://schemas.microsoft.com/office/powerpoint/2010/main" val="1451070669"/>
+        <p14:creationId xmlns:p14="http://schemas.microsoft.com/office/powerpoint/2010/main" val="3375617903"/>
       </p:ext>
     </p:extLst>
   </p:cSld>
@@ -2130,7 +2375,7 @@
       </p:grpSpPr>
       <p:sp>
         <p:nvSpPr>
-          <p:cNvPr id="2" name="Заголовок 1"/>
+          <p:cNvPr id="2" name="Title 1"/>
           <p:cNvSpPr>
             <a:spLocks noGrp="1"/>
           </p:cNvSpPr>
@@ -2144,33 +2389,72 @@
           <a:lstStyle/>
           <a:p>
             <a:r>
-              <a:rPr lang="ru-RU" dirty="0"/>
+              <a:rPr lang="ru-RU"/>
               <a:t>Образец заголовка</a:t>
             </a:r>
-          </a:p>
-        </p:txBody>
-      </p:sp>
-      <p:sp>
-        <p:nvSpPr>
-          <p:cNvPr id="3" name="Номер слайда 5"/>
+            <a:endParaRPr lang="en-US" dirty="0"/>
+          </a:p>
+        </p:txBody>
+      </p:sp>
+      <p:sp>
+        <p:nvSpPr>
+          <p:cNvPr id="3" name="Date Placeholder 2"/>
           <p:cNvSpPr>
             <a:spLocks noGrp="1"/>
           </p:cNvSpPr>
           <p:nvPr>
-            <p:ph type="sldNum" sz="quarter" idx="10"/>
+            <p:ph type="dt" sz="half" idx="10"/>
           </p:nvPr>
         </p:nvSpPr>
         <p:spPr/>
         <p:txBody>
           <a:bodyPr/>
-          <a:lstStyle>
-            <a:lvl1pPr>
-              <a:defRPr/>
-            </a:lvl1pPr>
-          </a:lstStyle>
+          <a:lstStyle/>
+          <a:p>
+            <a:fld id="{96DFF08F-DC6B-4601-B491-B0F83F6DD2DA}" type="datetimeFigureOut">
+              <a:rPr lang="en-US" smtClean="0"/>
+              <a:t>6/7/2023</a:t>
+            </a:fld>
+            <a:endParaRPr lang="en-US" dirty="0"/>
+          </a:p>
+        </p:txBody>
+      </p:sp>
+      <p:sp>
+        <p:nvSpPr>
+          <p:cNvPr id="4" name="Footer Placeholder 3"/>
+          <p:cNvSpPr>
+            <a:spLocks noGrp="1"/>
+          </p:cNvSpPr>
+          <p:nvPr>
+            <p:ph type="ftr" sz="quarter" idx="11"/>
+          </p:nvPr>
+        </p:nvSpPr>
+        <p:spPr/>
+        <p:txBody>
+          <a:bodyPr/>
+          <a:lstStyle/>
+          <a:p>
+            <a:endParaRPr lang="en-US" dirty="0"/>
+          </a:p>
+        </p:txBody>
+      </p:sp>
+      <p:sp>
+        <p:nvSpPr>
+          <p:cNvPr id="5" name="Slide Number Placeholder 4"/>
+          <p:cNvSpPr>
+            <a:spLocks noGrp="1"/>
+          </p:cNvSpPr>
+          <p:nvPr>
+            <p:ph type="sldNum" sz="quarter" idx="12"/>
+          </p:nvPr>
+        </p:nvSpPr>
+        <p:spPr/>
+        <p:txBody>
+          <a:bodyPr/>
+          <a:lstStyle/>
           <a:p>
             <a:fld id="{1CFE4EE0-0E45-4F13-ACCA-55885F056095}" type="slidenum">
-              <a:rPr lang="ru-RU" altLang="ru-RU"/>
+              <a:rPr lang="ru-RU" altLang="ru-RU" smtClean="0"/>
               <a:pPr/>
               <a:t>‹#›</a:t>
             </a:fld>
@@ -2181,7 +2465,7 @@
     </p:spTree>
     <p:extLst>
       <p:ext uri="{BB962C8B-B14F-4D97-AF65-F5344CB8AC3E}">
-        <p14:creationId xmlns:p14="http://schemas.microsoft.com/office/powerpoint/2010/main" val="1542631857"/>
+        <p14:creationId xmlns:p14="http://schemas.microsoft.com/office/powerpoint/2010/main" val="1151134470"/>
       </p:ext>
     </p:extLst>
   </p:cSld>
@@ -2213,25 +2497,64 @@
       </p:grpSpPr>
       <p:sp>
         <p:nvSpPr>
-          <p:cNvPr id="2" name="Номер слайда 5"/>
+          <p:cNvPr id="2" name="Date Placeholder 1"/>
           <p:cNvSpPr>
             <a:spLocks noGrp="1"/>
           </p:cNvSpPr>
           <p:nvPr>
-            <p:ph type="sldNum" sz="quarter" idx="10"/>
+            <p:ph type="dt" sz="half" idx="10"/>
           </p:nvPr>
         </p:nvSpPr>
         <p:spPr/>
         <p:txBody>
           <a:bodyPr/>
-          <a:lstStyle>
-            <a:lvl1pPr>
-              <a:defRPr/>
-            </a:lvl1pPr>
-          </a:lstStyle>
+          <a:lstStyle/>
+          <a:p>
+            <a:fld id="{96DFF08F-DC6B-4601-B491-B0F83F6DD2DA}" type="datetimeFigureOut">
+              <a:rPr lang="en-US" smtClean="0"/>
+              <a:pPr/>
+              <a:t>6/7/2023</a:t>
+            </a:fld>
+            <a:endParaRPr lang="en-US" dirty="0"/>
+          </a:p>
+        </p:txBody>
+      </p:sp>
+      <p:sp>
+        <p:nvSpPr>
+          <p:cNvPr id="3" name="Footer Placeholder 2"/>
+          <p:cNvSpPr>
+            <a:spLocks noGrp="1"/>
+          </p:cNvSpPr>
+          <p:nvPr>
+            <p:ph type="ftr" sz="quarter" idx="11"/>
+          </p:nvPr>
+        </p:nvSpPr>
+        <p:spPr/>
+        <p:txBody>
+          <a:bodyPr/>
+          <a:lstStyle/>
+          <a:p>
+            <a:endParaRPr lang="en-US" dirty="0"/>
+          </a:p>
+        </p:txBody>
+      </p:sp>
+      <p:sp>
+        <p:nvSpPr>
+          <p:cNvPr id="4" name="Slide Number Placeholder 3"/>
+          <p:cNvSpPr>
+            <a:spLocks noGrp="1"/>
+          </p:cNvSpPr>
+          <p:nvPr>
+            <p:ph type="sldNum" sz="quarter" idx="12"/>
+          </p:nvPr>
+        </p:nvSpPr>
+        <p:spPr/>
+        <p:txBody>
+          <a:bodyPr/>
+          <a:lstStyle/>
           <a:p>
             <a:fld id="{65D807CC-13A7-4972-9555-4C2F9A43C504}" type="slidenum">
-              <a:rPr lang="ru-RU" altLang="ru-RU"/>
+              <a:rPr lang="ru-RU" altLang="ru-RU" smtClean="0"/>
               <a:pPr/>
               <a:t>‹#›</a:t>
             </a:fld>
@@ -2242,7 +2565,7 @@
     </p:spTree>
     <p:extLst>
       <p:ext uri="{BB962C8B-B14F-4D97-AF65-F5344CB8AC3E}">
-        <p14:creationId xmlns:p14="http://schemas.microsoft.com/office/powerpoint/2010/main" val="1593520511"/>
+        <p14:creationId xmlns:p14="http://schemas.microsoft.com/office/powerpoint/2010/main" val="954446719"/>
       </p:ext>
     </p:extLst>
   </p:cSld>
@@ -2274,7 +2597,7 @@
       </p:grpSpPr>
       <p:sp>
         <p:nvSpPr>
-          <p:cNvPr id="2" name="Заголовок 1"/>
+          <p:cNvPr id="2" name="Title 1"/>
           <p:cNvSpPr>
             <a:spLocks noGrp="1"/>
           </p:cNvSpPr>
@@ -2284,15 +2607,15 @@
         </p:nvSpPr>
         <p:spPr>
           <a:xfrm>
-            <a:off x="457200" y="996533"/>
-            <a:ext cx="3008313" cy="1019591"/>
+            <a:off x="629841" y="457200"/>
+            <a:ext cx="2949178" cy="1600200"/>
           </a:xfrm>
         </p:spPr>
         <p:txBody>
           <a:bodyPr anchor="b"/>
           <a:lstStyle>
-            <a:lvl1pPr algn="l">
-              <a:defRPr sz="2000" b="1"/>
+            <a:lvl1pPr>
+              <a:defRPr sz="3200"/>
             </a:lvl1pPr>
           </a:lstStyle>
           <a:p>
@@ -2300,12 +2623,13 @@
               <a:rPr lang="ru-RU"/>
               <a:t>Образец заголовка</a:t>
             </a:r>
-          </a:p>
-        </p:txBody>
-      </p:sp>
-      <p:sp>
-        <p:nvSpPr>
-          <p:cNvPr id="3" name="Содержимое 2"/>
+            <a:endParaRPr lang="en-US" dirty="0"/>
+          </a:p>
+        </p:txBody>
+      </p:sp>
+      <p:sp>
+        <p:nvSpPr>
+          <p:cNvPr id="3" name="Content Placeholder 2"/>
           <p:cNvSpPr>
             <a:spLocks noGrp="1"/>
           </p:cNvSpPr>
@@ -2315,8 +2639,8 @@
         </p:nvSpPr>
         <p:spPr>
           <a:xfrm>
-            <a:off x="3575050" y="990600"/>
-            <a:ext cx="5111750" cy="5135563"/>
+            <a:off x="3887391" y="987426"/>
+            <a:ext cx="4629150" cy="4873625"/>
           </a:xfrm>
         </p:spPr>
         <p:txBody>
@@ -2384,12 +2708,13 @@
               <a:rPr lang="ru-RU"/>
               <a:t>Пятый уровень</a:t>
             </a:r>
-          </a:p>
-        </p:txBody>
-      </p:sp>
-      <p:sp>
-        <p:nvSpPr>
-          <p:cNvPr id="4" name="Текст 3"/>
+            <a:endParaRPr lang="en-US" dirty="0"/>
+          </a:p>
+        </p:txBody>
+      </p:sp>
+      <p:sp>
+        <p:nvSpPr>
+          <p:cNvPr id="4" name="Text Placeholder 3"/>
           <p:cNvSpPr>
             <a:spLocks noGrp="1"/>
           </p:cNvSpPr>
@@ -2399,8 +2724,8 @@
         </p:nvSpPr>
         <p:spPr>
           <a:xfrm>
-            <a:off x="457200" y="2010191"/>
-            <a:ext cx="3008313" cy="4115972"/>
+            <a:off x="629841" y="2057400"/>
+            <a:ext cx="2949178" cy="3811588"/>
           </a:xfrm>
         </p:spPr>
         <p:txBody>
@@ -2408,39 +2733,39 @@
           <a:lstStyle>
             <a:lvl1pPr marL="0" indent="0">
               <a:buNone/>
-              <a:defRPr sz="1400"/>
+              <a:defRPr sz="1600"/>
             </a:lvl1pPr>
             <a:lvl2pPr marL="457200" indent="0">
               <a:buNone/>
-              <a:defRPr sz="1200"/>
+              <a:defRPr sz="1400"/>
             </a:lvl2pPr>
             <a:lvl3pPr marL="914400" indent="0">
               <a:buNone/>
-              <a:defRPr sz="1000"/>
+              <a:defRPr sz="1200"/>
             </a:lvl3pPr>
             <a:lvl4pPr marL="1371600" indent="0">
               <a:buNone/>
-              <a:defRPr sz="900"/>
+              <a:defRPr sz="1000"/>
             </a:lvl4pPr>
             <a:lvl5pPr marL="1828800" indent="0">
               <a:buNone/>
-              <a:defRPr sz="900"/>
+              <a:defRPr sz="1000"/>
             </a:lvl5pPr>
             <a:lvl6pPr marL="2286000" indent="0">
               <a:buNone/>
-              <a:defRPr sz="900"/>
+              <a:defRPr sz="1000"/>
             </a:lvl6pPr>
             <a:lvl7pPr marL="2743200" indent="0">
               <a:buNone/>
-              <a:defRPr sz="900"/>
+              <a:defRPr sz="1000"/>
             </a:lvl7pPr>
             <a:lvl8pPr marL="3200400" indent="0">
               <a:buNone/>
-              <a:defRPr sz="900"/>
+              <a:defRPr sz="1000"/>
             </a:lvl8pPr>
             <a:lvl9pPr marL="3657600" indent="0">
               <a:buNone/>
-              <a:defRPr sz="900"/>
+              <a:defRPr sz="1000"/>
             </a:lvl9pPr>
           </a:lstStyle>
           <a:p>
@@ -2454,25 +2779,64 @@
       </p:sp>
       <p:sp>
         <p:nvSpPr>
-          <p:cNvPr id="5" name="Номер слайда 5"/>
+          <p:cNvPr id="5" name="Date Placeholder 4"/>
           <p:cNvSpPr>
             <a:spLocks noGrp="1"/>
           </p:cNvSpPr>
           <p:nvPr>
-            <p:ph type="sldNum" sz="quarter" idx="10"/>
+            <p:ph type="dt" sz="half" idx="10"/>
           </p:nvPr>
         </p:nvSpPr>
         <p:spPr/>
         <p:txBody>
           <a:bodyPr/>
-          <a:lstStyle>
-            <a:lvl1pPr>
-              <a:defRPr/>
-            </a:lvl1pPr>
-          </a:lstStyle>
+          <a:lstStyle/>
+          <a:p>
+            <a:fld id="{96DFF08F-DC6B-4601-B491-B0F83F6DD2DA}" type="datetimeFigureOut">
+              <a:rPr lang="en-US" smtClean="0"/>
+              <a:pPr/>
+              <a:t>6/7/2023</a:t>
+            </a:fld>
+            <a:endParaRPr lang="en-US" dirty="0"/>
+          </a:p>
+        </p:txBody>
+      </p:sp>
+      <p:sp>
+        <p:nvSpPr>
+          <p:cNvPr id="6" name="Footer Placeholder 5"/>
+          <p:cNvSpPr>
+            <a:spLocks noGrp="1"/>
+          </p:cNvSpPr>
+          <p:nvPr>
+            <p:ph type="ftr" sz="quarter" idx="11"/>
+          </p:nvPr>
+        </p:nvSpPr>
+        <p:spPr/>
+        <p:txBody>
+          <a:bodyPr/>
+          <a:lstStyle/>
+          <a:p>
+            <a:endParaRPr lang="en-US" dirty="0"/>
+          </a:p>
+        </p:txBody>
+      </p:sp>
+      <p:sp>
+        <p:nvSpPr>
+          <p:cNvPr id="7" name="Slide Number Placeholder 6"/>
+          <p:cNvSpPr>
+            <a:spLocks noGrp="1"/>
+          </p:cNvSpPr>
+          <p:nvPr>
+            <p:ph type="sldNum" sz="quarter" idx="12"/>
+          </p:nvPr>
+        </p:nvSpPr>
+        <p:spPr/>
+        <p:txBody>
+          <a:bodyPr/>
+          <a:lstStyle/>
           <a:p>
             <a:fld id="{F2E68096-F5B7-4B93-AF0F-1C0174FEDCBF}" type="slidenum">
-              <a:rPr lang="ru-RU" altLang="ru-RU"/>
+              <a:rPr lang="ru-RU" altLang="ru-RU" smtClean="0"/>
               <a:pPr/>
               <a:t>‹#›</a:t>
             </a:fld>
@@ -2483,7 +2847,7 @@
     </p:spTree>
     <p:extLst>
       <p:ext uri="{BB962C8B-B14F-4D97-AF65-F5344CB8AC3E}">
-        <p14:creationId xmlns:p14="http://schemas.microsoft.com/office/powerpoint/2010/main" val="2148713495"/>
+        <p14:creationId xmlns:p14="http://schemas.microsoft.com/office/powerpoint/2010/main" val="435062175"/>
       </p:ext>
     </p:extLst>
   </p:cSld>
@@ -2515,7 +2879,7 @@
       </p:grpSpPr>
       <p:sp>
         <p:nvSpPr>
-          <p:cNvPr id="2" name="Заголовок 1"/>
+          <p:cNvPr id="2" name="Title 1"/>
           <p:cNvSpPr>
             <a:spLocks noGrp="1"/>
           </p:cNvSpPr>
@@ -2525,15 +2889,15 @@
         </p:nvSpPr>
         <p:spPr>
           <a:xfrm>
-            <a:off x="304800" y="4800600"/>
-            <a:ext cx="8610600" cy="566738"/>
+            <a:off x="629841" y="457200"/>
+            <a:ext cx="2949178" cy="1600200"/>
           </a:xfrm>
         </p:spPr>
         <p:txBody>
           <a:bodyPr anchor="b"/>
           <a:lstStyle>
-            <a:lvl1pPr algn="l">
-              <a:defRPr sz="2000" b="1"/>
+            <a:lvl1pPr>
+              <a:defRPr sz="3200"/>
             </a:lvl1pPr>
           </a:lstStyle>
           <a:p>
@@ -2541,14 +2905,15 @@
               <a:rPr lang="ru-RU"/>
               <a:t>Образец заголовка</a:t>
             </a:r>
-          </a:p>
-        </p:txBody>
-      </p:sp>
-      <p:sp>
-        <p:nvSpPr>
-          <p:cNvPr id="3" name="Рисунок 2"/>
+            <a:endParaRPr lang="en-US" dirty="0"/>
+          </a:p>
+        </p:txBody>
+      </p:sp>
+      <p:sp>
+        <p:nvSpPr>
+          <p:cNvPr id="3" name="Picture Placeholder 2"/>
           <p:cNvSpPr>
-            <a:spLocks noGrp="1"/>
+            <a:spLocks noGrp="1" noChangeAspect="1"/>
           </p:cNvSpPr>
           <p:nvPr>
             <p:ph type="pic" idx="1"/>
@@ -2556,14 +2921,12 @@
         </p:nvSpPr>
         <p:spPr>
           <a:xfrm>
-            <a:off x="333375" y="612775"/>
-            <a:ext cx="8553450" cy="4114800"/>
+            <a:off x="3887391" y="987426"/>
+            <a:ext cx="4629150" cy="4873625"/>
           </a:xfrm>
         </p:spPr>
         <p:txBody>
-          <a:bodyPr rtlCol="0">
-            <a:normAutofit/>
-          </a:bodyPr>
+          <a:bodyPr anchor="t"/>
           <a:lstStyle>
             <a:lvl1pPr marL="0" indent="0">
               <a:buNone/>
@@ -2603,14 +2966,17 @@
             </a:lvl9pPr>
           </a:lstStyle>
           <a:p>
-            <a:pPr lvl="0"/>
-            <a:endParaRPr lang="ru-RU" noProof="0"/>
-          </a:p>
-        </p:txBody>
-      </p:sp>
-      <p:sp>
-        <p:nvSpPr>
-          <p:cNvPr id="4" name="Текст 3"/>
+            <a:r>
+              <a:rPr lang="ru-RU"/>
+              <a:t>Вставка рисунка</a:t>
+            </a:r>
+            <a:endParaRPr lang="en-US" dirty="0"/>
+          </a:p>
+        </p:txBody>
+      </p:sp>
+      <p:sp>
+        <p:nvSpPr>
+          <p:cNvPr id="4" name="Text Placeholder 3"/>
           <p:cNvSpPr>
             <a:spLocks noGrp="1"/>
           </p:cNvSpPr>
@@ -2620,8 +2986,8 @@
         </p:nvSpPr>
         <p:spPr>
           <a:xfrm>
-            <a:off x="304800" y="5367338"/>
-            <a:ext cx="8610600" cy="804862"/>
+            <a:off x="629841" y="2057400"/>
+            <a:ext cx="2949178" cy="3811588"/>
           </a:xfrm>
         </p:spPr>
         <p:txBody>
@@ -2629,39 +2995,39 @@
           <a:lstStyle>
             <a:lvl1pPr marL="0" indent="0">
               <a:buNone/>
-              <a:defRPr sz="1400"/>
+              <a:defRPr sz="1600"/>
             </a:lvl1pPr>
             <a:lvl2pPr marL="457200" indent="0">
               <a:buNone/>
-              <a:defRPr sz="1200"/>
+              <a:defRPr sz="1400"/>
             </a:lvl2pPr>
             <a:lvl3pPr marL="914400" indent="0">
               <a:buNone/>
-              <a:defRPr sz="1000"/>
+              <a:defRPr sz="1200"/>
             </a:lvl3pPr>
             <a:lvl4pPr marL="1371600" indent="0">
               <a:buNone/>
-              <a:defRPr sz="900"/>
+              <a:defRPr sz="1000"/>
             </a:lvl4pPr>
             <a:lvl5pPr marL="1828800" indent="0">
               <a:buNone/>
-              <a:defRPr sz="900"/>
+              <a:defRPr sz="1000"/>
             </a:lvl5pPr>
             <a:lvl6pPr marL="2286000" indent="0">
               <a:buNone/>
-              <a:defRPr sz="900"/>
+              <a:defRPr sz="1000"/>
             </a:lvl6pPr>
             <a:lvl7pPr marL="2743200" indent="0">
               <a:buNone/>
-              <a:defRPr sz="900"/>
+              <a:defRPr sz="1000"/>
             </a:lvl7pPr>
             <a:lvl8pPr marL="3200400" indent="0">
               <a:buNone/>
-              <a:defRPr sz="900"/>
+              <a:defRPr sz="1000"/>
             </a:lvl8pPr>
             <a:lvl9pPr marL="3657600" indent="0">
               <a:buNone/>
-              <a:defRPr sz="900"/>
+              <a:defRPr sz="1000"/>
             </a:lvl9pPr>
           </a:lstStyle>
           <a:p>
@@ -2675,25 +3041,63 @@
       </p:sp>
       <p:sp>
         <p:nvSpPr>
-          <p:cNvPr id="5" name="Номер слайда 5"/>
+          <p:cNvPr id="5" name="Date Placeholder 4"/>
           <p:cNvSpPr>
             <a:spLocks noGrp="1"/>
           </p:cNvSpPr>
           <p:nvPr>
-            <p:ph type="sldNum" sz="quarter" idx="10"/>
+            <p:ph type="dt" sz="half" idx="10"/>
           </p:nvPr>
         </p:nvSpPr>
         <p:spPr/>
         <p:txBody>
           <a:bodyPr/>
-          <a:lstStyle>
-            <a:lvl1pPr>
-              <a:defRPr/>
-            </a:lvl1pPr>
-          </a:lstStyle>
+          <a:lstStyle/>
+          <a:p>
+            <a:fld id="{96DFF08F-DC6B-4601-B491-B0F83F6DD2DA}" type="datetimeFigureOut">
+              <a:rPr lang="en-US" smtClean="0"/>
+              <a:t>6/7/2023</a:t>
+            </a:fld>
+            <a:endParaRPr lang="en-US" dirty="0"/>
+          </a:p>
+        </p:txBody>
+      </p:sp>
+      <p:sp>
+        <p:nvSpPr>
+          <p:cNvPr id="6" name="Footer Placeholder 5"/>
+          <p:cNvSpPr>
+            <a:spLocks noGrp="1"/>
+          </p:cNvSpPr>
+          <p:nvPr>
+            <p:ph type="ftr" sz="quarter" idx="11"/>
+          </p:nvPr>
+        </p:nvSpPr>
+        <p:spPr/>
+        <p:txBody>
+          <a:bodyPr/>
+          <a:lstStyle/>
+          <a:p>
+            <a:endParaRPr lang="en-US" dirty="0"/>
+          </a:p>
+        </p:txBody>
+      </p:sp>
+      <p:sp>
+        <p:nvSpPr>
+          <p:cNvPr id="7" name="Slide Number Placeholder 6"/>
+          <p:cNvSpPr>
+            <a:spLocks noGrp="1"/>
+          </p:cNvSpPr>
+          <p:nvPr>
+            <p:ph type="sldNum" sz="quarter" idx="12"/>
+          </p:nvPr>
+        </p:nvSpPr>
+        <p:spPr/>
+        <p:txBody>
+          <a:bodyPr/>
+          <a:lstStyle/>
           <a:p>
             <a:fld id="{B652A1DD-F7AB-42D6-AE63-D04C1B36F737}" type="slidenum">
-              <a:rPr lang="ru-RU" altLang="ru-RU"/>
+              <a:rPr lang="ru-RU" altLang="ru-RU" smtClean="0"/>
               <a:pPr/>
               <a:t>‹#›</a:t>
             </a:fld>
@@ -2704,7 +3108,7 @@
     </p:spTree>
     <p:extLst>
       <p:ext uri="{BB962C8B-B14F-4D97-AF65-F5344CB8AC3E}">
-        <p14:creationId xmlns:p14="http://schemas.microsoft.com/office/powerpoint/2010/main" val="2859458068"/>
+        <p14:creationId xmlns:p14="http://schemas.microsoft.com/office/powerpoint/2010/main" val="598080778"/>
       </p:ext>
     </p:extLst>
   </p:cSld>
@@ -2721,16 +3125,9 @@
 <p:sldMaster xmlns:a="http://schemas.openxmlformats.org/drawingml/2006/main" xmlns:r="http://schemas.openxmlformats.org/officeDocument/2006/relationships" xmlns:p="http://schemas.openxmlformats.org/presentationml/2006/main">
   <p:cSld>
     <p:bg>
-      <p:bgPr>
-        <a:blipFill dpi="0" rotWithShape="0">
-          <a:blip r:embed="rId13"/>
-          <a:srcRect/>
-          <a:stretch>
-            <a:fillRect/>
-          </a:stretch>
-        </a:blipFill>
-        <a:effectLst/>
-      </p:bgPr>
+      <p:bgRef idx="1001">
+        <a:schemeClr val="bg1"/>
+      </p:bgRef>
     </p:bg>
     <p:spTree>
       <p:nvGrpSpPr>
@@ -2748,7 +3145,7 @@
       </p:grpSpPr>
       <p:sp>
         <p:nvSpPr>
-          <p:cNvPr id="2" name="Заголовок 1"/>
+          <p:cNvPr id="2" name="Title Placeholder 1"/>
           <p:cNvSpPr>
             <a:spLocks noGrp="1"/>
           </p:cNvSpPr>
@@ -2758,159 +3155,203 @@
         </p:nvSpPr>
         <p:spPr>
           <a:xfrm>
-            <a:off x="457200" y="160338"/>
-            <a:ext cx="8458200" cy="887412"/>
-          </a:xfrm>
-          <a:prstGeom prst="rect">
-            <a:avLst/>
-          </a:prstGeom>
-          <a:effectLst>
-            <a:outerShdw blurRad="25400" dist="25400" dir="2400000" algn="ctr" rotWithShape="0">
-              <a:schemeClr val="tx1">
-                <a:lumMod val="65000"/>
-                <a:lumOff val="35000"/>
-                <a:alpha val="71000"/>
-              </a:schemeClr>
-            </a:outerShdw>
-          </a:effectLst>
-        </p:spPr>
-        <p:txBody>
-          <a:bodyPr vert="horz" lIns="91440" tIns="45720" rIns="91440" bIns="45720" rtlCol="0" anchor="ctr">
-            <a:normAutofit/>
-          </a:bodyPr>
-          <a:lstStyle/>
-          <a:p>
-            <a:r>
-              <a:rPr lang="ru-RU" dirty="0"/>
-              <a:t>Образец заголовка</a:t>
-            </a:r>
-          </a:p>
-        </p:txBody>
-      </p:sp>
-      <p:sp>
-        <p:nvSpPr>
-          <p:cNvPr id="1027" name="Текст 2"/>
-          <p:cNvSpPr>
-            <a:spLocks noGrp="1"/>
-          </p:cNvSpPr>
-          <p:nvPr>
-            <p:ph type="body" idx="1"/>
-          </p:nvPr>
-        </p:nvSpPr>
-        <p:spPr bwMode="auto">
-          <a:xfrm>
-            <a:off x="457200" y="1076325"/>
-            <a:ext cx="8458200" cy="5049838"/>
-          </a:xfrm>
-          <a:prstGeom prst="rect">
-            <a:avLst/>
-          </a:prstGeom>
-          <a:noFill/>
-          <a:ln>
-            <a:noFill/>
-          </a:ln>
-          <a:extLst>
-            <a:ext uri="{909E8E84-426E-40DD-AFC4-6F175D3DCCD1}">
-              <a14:hiddenFill xmlns:a14="http://schemas.microsoft.com/office/drawing/2010/main">
-                <a:solidFill>
-                  <a:srgbClr val="FFFFFF"/>
-                </a:solidFill>
-              </a14:hiddenFill>
-            </a:ext>
-            <a:ext uri="{91240B29-F687-4F45-9708-019B960494DF}">
-              <a14:hiddenLine xmlns:a14="http://schemas.microsoft.com/office/drawing/2010/main" w="9525">
-                <a:solidFill>
-                  <a:srgbClr val="000000"/>
-                </a:solidFill>
-                <a:miter lim="800000"/>
-                <a:headEnd/>
-                <a:tailEnd/>
-              </a14:hiddenLine>
-            </a:ext>
-          </a:extLst>
-        </p:spPr>
-        <p:txBody>
-          <a:bodyPr vert="horz" wrap="square" lIns="91440" tIns="45720" rIns="91440" bIns="45720" numCol="1" anchor="t" anchorCtr="0" compatLnSpc="1">
-            <a:prstTxWarp prst="textNoShape">
-              <a:avLst/>
-            </a:prstTxWarp>
-          </a:bodyPr>
-          <a:lstStyle/>
-          <a:p>
-            <a:pPr lvl="0"/>
-            <a:r>
-              <a:rPr lang="ru-RU" altLang="ru-RU"/>
-              <a:t>Образец текста</a:t>
-            </a:r>
-          </a:p>
-          <a:p>
-            <a:pPr lvl="1"/>
-            <a:r>
-              <a:rPr lang="ru-RU" altLang="ru-RU"/>
-              <a:t>Второй уровень</a:t>
-            </a:r>
-          </a:p>
-          <a:p>
-            <a:pPr lvl="2"/>
-            <a:r>
-              <a:rPr lang="ru-RU" altLang="ru-RU"/>
-              <a:t>Третий уровень</a:t>
-            </a:r>
-          </a:p>
-          <a:p>
-            <a:pPr lvl="3"/>
-            <a:r>
-              <a:rPr lang="ru-RU" altLang="ru-RU"/>
-              <a:t>Четвертый уровень</a:t>
-            </a:r>
-          </a:p>
-          <a:p>
-            <a:pPr lvl="4"/>
-            <a:r>
-              <a:rPr lang="ru-RU" altLang="ru-RU"/>
-              <a:t>Пятый уровень</a:t>
-            </a:r>
-          </a:p>
-        </p:txBody>
-      </p:sp>
-      <p:sp>
-        <p:nvSpPr>
-          <p:cNvPr id="6" name="Номер слайда 5"/>
-          <p:cNvSpPr>
-            <a:spLocks noGrp="1"/>
-          </p:cNvSpPr>
-          <p:nvPr>
-            <p:ph type="sldNum" sz="quarter" idx="4"/>
-          </p:nvPr>
-        </p:nvSpPr>
-        <p:spPr>
-          <a:xfrm>
-            <a:off x="8643938" y="6446838"/>
-            <a:ext cx="461962" cy="365125"/>
+            <a:off x="628650" y="365126"/>
+            <a:ext cx="7886700" cy="1325563"/>
           </a:xfrm>
           <a:prstGeom prst="rect">
             <a:avLst/>
           </a:prstGeom>
         </p:spPr>
         <p:txBody>
-          <a:bodyPr vert="horz" wrap="square" lIns="91440" tIns="45720" rIns="91440" bIns="45720" numCol="1" anchor="ctr" anchorCtr="0" compatLnSpc="1">
-            <a:prstTxWarp prst="textNoShape">
-              <a:avLst/>
-            </a:prstTxWarp>
+          <a:bodyPr vert="horz" lIns="91440" tIns="45720" rIns="91440" bIns="45720" rtlCol="0" anchor="ctr">
+            <a:normAutofit/>
           </a:bodyPr>
+          <a:lstStyle/>
+          <a:p>
+            <a:r>
+              <a:rPr lang="ru-RU"/>
+              <a:t>Образец заголовка</a:t>
+            </a:r>
+            <a:endParaRPr lang="en-US" dirty="0"/>
+          </a:p>
+        </p:txBody>
+      </p:sp>
+      <p:sp>
+        <p:nvSpPr>
+          <p:cNvPr id="3" name="Text Placeholder 2"/>
+          <p:cNvSpPr>
+            <a:spLocks noGrp="1"/>
+          </p:cNvSpPr>
+          <p:nvPr>
+            <p:ph type="body" idx="1"/>
+          </p:nvPr>
+        </p:nvSpPr>
+        <p:spPr>
+          <a:xfrm>
+            <a:off x="628650" y="1825625"/>
+            <a:ext cx="7886700" cy="4351338"/>
+          </a:xfrm>
+          <a:prstGeom prst="rect">
+            <a:avLst/>
+          </a:prstGeom>
+        </p:spPr>
+        <p:txBody>
+          <a:bodyPr vert="horz" lIns="91440" tIns="45720" rIns="91440" bIns="45720" rtlCol="0">
+            <a:normAutofit/>
+          </a:bodyPr>
+          <a:lstStyle/>
+          <a:p>
+            <a:pPr lvl="0"/>
+            <a:r>
+              <a:rPr lang="ru-RU"/>
+              <a:t>Образец текста</a:t>
+            </a:r>
+          </a:p>
+          <a:p>
+            <a:pPr lvl="1"/>
+            <a:r>
+              <a:rPr lang="ru-RU"/>
+              <a:t>Второй уровень</a:t>
+            </a:r>
+          </a:p>
+          <a:p>
+            <a:pPr lvl="2"/>
+            <a:r>
+              <a:rPr lang="ru-RU"/>
+              <a:t>Третий уровень</a:t>
+            </a:r>
+          </a:p>
+          <a:p>
+            <a:pPr lvl="3"/>
+            <a:r>
+              <a:rPr lang="ru-RU"/>
+              <a:t>Четвертый уровень</a:t>
+            </a:r>
+          </a:p>
+          <a:p>
+            <a:pPr lvl="4"/>
+            <a:r>
+              <a:rPr lang="ru-RU"/>
+              <a:t>Пятый уровень</a:t>
+            </a:r>
+            <a:endParaRPr lang="en-US" dirty="0"/>
+          </a:p>
+        </p:txBody>
+      </p:sp>
+      <p:sp>
+        <p:nvSpPr>
+          <p:cNvPr id="4" name="Date Placeholder 3"/>
+          <p:cNvSpPr>
+            <a:spLocks noGrp="1"/>
+          </p:cNvSpPr>
+          <p:nvPr>
+            <p:ph type="dt" sz="half" idx="2"/>
+          </p:nvPr>
+        </p:nvSpPr>
+        <p:spPr>
+          <a:xfrm>
+            <a:off x="628650" y="6356351"/>
+            <a:ext cx="2057400" cy="365125"/>
+          </a:xfrm>
+          <a:prstGeom prst="rect">
+            <a:avLst/>
+          </a:prstGeom>
+        </p:spPr>
+        <p:txBody>
+          <a:bodyPr vert="horz" lIns="91440" tIns="45720" rIns="91440" bIns="45720" rtlCol="0" anchor="ctr"/>
           <a:lstStyle>
-            <a:lvl1pPr algn="ctr" eaLnBrk="1" hangingPunct="1">
-              <a:defRPr sz="1000">
-                <a:solidFill>
-                  <a:srgbClr val="262626"/>
-                </a:solidFill>
-                <a:cs typeface="Arial" charset="0"/>
+            <a:lvl1pPr algn="l">
+              <a:defRPr sz="1200">
+                <a:solidFill>
+                  <a:schemeClr val="tx1">
+                    <a:tint val="75000"/>
+                  </a:schemeClr>
+                </a:solidFill>
               </a:defRPr>
             </a:lvl1pPr>
           </a:lstStyle>
           <a:p>
+            <a:fld id="{96DFF08F-DC6B-4601-B491-B0F83F6DD2DA}" type="datetimeFigureOut">
+              <a:rPr lang="en-US" smtClean="0"/>
+              <a:pPr/>
+              <a:t>6/7/2023</a:t>
+            </a:fld>
+            <a:endParaRPr lang="en-US" dirty="0"/>
+          </a:p>
+        </p:txBody>
+      </p:sp>
+      <p:sp>
+        <p:nvSpPr>
+          <p:cNvPr id="5" name="Footer Placeholder 4"/>
+          <p:cNvSpPr>
+            <a:spLocks noGrp="1"/>
+          </p:cNvSpPr>
+          <p:nvPr>
+            <p:ph type="ftr" sz="quarter" idx="3"/>
+          </p:nvPr>
+        </p:nvSpPr>
+        <p:spPr>
+          <a:xfrm>
+            <a:off x="3028950" y="6356351"/>
+            <a:ext cx="3086100" cy="365125"/>
+          </a:xfrm>
+          <a:prstGeom prst="rect">
+            <a:avLst/>
+          </a:prstGeom>
+        </p:spPr>
+        <p:txBody>
+          <a:bodyPr vert="horz" lIns="91440" tIns="45720" rIns="91440" bIns="45720" rtlCol="0" anchor="ctr"/>
+          <a:lstStyle>
+            <a:lvl1pPr algn="ctr">
+              <a:defRPr sz="1200">
+                <a:solidFill>
+                  <a:schemeClr val="tx1">
+                    <a:tint val="75000"/>
+                  </a:schemeClr>
+                </a:solidFill>
+              </a:defRPr>
+            </a:lvl1pPr>
+          </a:lstStyle>
+          <a:p>
+            <a:endParaRPr lang="en-US" dirty="0"/>
+          </a:p>
+        </p:txBody>
+      </p:sp>
+      <p:sp>
+        <p:nvSpPr>
+          <p:cNvPr id="6" name="Slide Number Placeholder 5"/>
+          <p:cNvSpPr>
+            <a:spLocks noGrp="1"/>
+          </p:cNvSpPr>
+          <p:nvPr>
+            <p:ph type="sldNum" sz="quarter" idx="4"/>
+          </p:nvPr>
+        </p:nvSpPr>
+        <p:spPr>
+          <a:xfrm>
+            <a:off x="6457950" y="6356351"/>
+            <a:ext cx="2057400" cy="365125"/>
+          </a:xfrm>
+          <a:prstGeom prst="rect">
+            <a:avLst/>
+          </a:prstGeom>
+        </p:spPr>
+        <p:txBody>
+          <a:bodyPr vert="horz" lIns="91440" tIns="45720" rIns="91440" bIns="45720" rtlCol="0" anchor="ctr"/>
+          <a:lstStyle>
+            <a:lvl1pPr algn="r">
+              <a:defRPr sz="1200">
+                <a:solidFill>
+                  <a:schemeClr val="tx1">
+                    <a:tint val="75000"/>
+                  </a:schemeClr>
+                </a:solidFill>
+              </a:defRPr>
+            </a:lvl1pPr>
+          </a:lstStyle>
+          <a:p>
             <a:fld id="{40DBE02E-E4E1-4195-8E3B-57DFF273681B}" type="slidenum">
-              <a:rPr lang="ru-RU" altLang="ru-RU"/>
+              <a:rPr lang="ru-RU" altLang="ru-RU" smtClean="0"/>
               <a:pPr/>
               <a:t>‹#›</a:t>
             </a:fld>
@@ -2919,20 +3360,26 @@
         </p:txBody>
       </p:sp>
     </p:spTree>
+    <p:extLst>
+      <p:ext uri="{BB962C8B-B14F-4D97-AF65-F5344CB8AC3E}">
+        <p14:creationId xmlns:p14="http://schemas.microsoft.com/office/powerpoint/2010/main" val="3205793768"/>
+      </p:ext>
+    </p:extLst>
   </p:cSld>
   <p:clrMap bg1="lt1" tx1="dk1" bg2="lt2" tx2="dk2" accent1="accent1" accent2="accent2" accent3="accent3" accent4="accent4" accent5="accent5" accent6="accent6" hlink="hlink" folHlink="folHlink"/>
   <p:sldLayoutIdLst>
-    <p:sldLayoutId id="2147483839" r:id="rId1"/>
-    <p:sldLayoutId id="2147483829" r:id="rId2"/>
-    <p:sldLayoutId id="2147483830" r:id="rId3"/>
-    <p:sldLayoutId id="2147483831" r:id="rId4"/>
-    <p:sldLayoutId id="2147483832" r:id="rId5"/>
-    <p:sldLayoutId id="2147483833" r:id="rId6"/>
-    <p:sldLayoutId id="2147483834" r:id="rId7"/>
-    <p:sldLayoutId id="2147483835" r:id="rId8"/>
-    <p:sldLayoutId id="2147483836" r:id="rId9"/>
-    <p:sldLayoutId id="2147483837" r:id="rId10"/>
-    <p:sldLayoutId id="2147483838" r:id="rId11"/>
+    <p:sldLayoutId id="2147483958" r:id="rId1"/>
+    <p:sldLayoutId id="2147483959" r:id="rId2"/>
+    <p:sldLayoutId id="2147483960" r:id="rId3"/>
+    <p:sldLayoutId id="2147483961" r:id="rId4"/>
+    <p:sldLayoutId id="2147483962" r:id="rId5"/>
+    <p:sldLayoutId id="2147483963" r:id="rId6"/>
+    <p:sldLayoutId id="2147483964" r:id="rId7"/>
+    <p:sldLayoutId id="2147483965" r:id="rId8"/>
+    <p:sldLayoutId id="2147483966" r:id="rId9"/>
+    <p:sldLayoutId id="2147483967" r:id="rId10"/>
+    <p:sldLayoutId id="2147483968" r:id="rId11"/>
+    <p:sldLayoutId id="2147483969" r:id="rId12"/>
   </p:sldLayoutIdLst>
   <p:transition>
     <p:dissolve/>
@@ -2940,252 +3387,69 @@
   <p:hf hdr="0" ftr="0" dt="0"/>
   <p:txStyles>
     <p:titleStyle>
-      <a:lvl1pPr algn="l" rtl="0" eaLnBrk="0" fontAlgn="base" hangingPunct="0">
+      <a:lvl1pPr algn="l" defTabSz="914400" rtl="0" eaLnBrk="1" latinLnBrk="0" hangingPunct="1">
+        <a:lnSpc>
+          <a:spcPct val="90000"/>
+        </a:lnSpc>
         <a:spcBef>
           <a:spcPct val="0"/>
         </a:spcBef>
-        <a:spcAft>
-          <a:spcPct val="0"/>
-        </a:spcAft>
-        <a:defRPr sz="2800" b="1" kern="1200">
-          <a:solidFill>
-            <a:srgbClr val="DD7E0E"/>
-          </a:solidFill>
-          <a:latin typeface="Arial" pitchFamily="34" charset="0"/>
-          <a:ea typeface="+mj-ea"/>
-          <a:cs typeface="Arial" pitchFamily="34" charset="0"/>
-        </a:defRPr>
-      </a:lvl1pPr>
-      <a:lvl2pPr algn="l" rtl="0" eaLnBrk="0" fontAlgn="base" hangingPunct="0">
-        <a:spcBef>
-          <a:spcPct val="0"/>
-        </a:spcBef>
-        <a:spcAft>
-          <a:spcPct val="0"/>
-        </a:spcAft>
-        <a:defRPr sz="2800" b="1">
-          <a:solidFill>
-            <a:srgbClr val="DD7E0E"/>
-          </a:solidFill>
-          <a:latin typeface="Arial" charset="0"/>
-          <a:cs typeface="Arial" charset="0"/>
-        </a:defRPr>
-      </a:lvl2pPr>
-      <a:lvl3pPr algn="l" rtl="0" eaLnBrk="0" fontAlgn="base" hangingPunct="0">
-        <a:spcBef>
-          <a:spcPct val="0"/>
-        </a:spcBef>
-        <a:spcAft>
-          <a:spcPct val="0"/>
-        </a:spcAft>
-        <a:defRPr sz="2800" b="1">
-          <a:solidFill>
-            <a:srgbClr val="DD7E0E"/>
-          </a:solidFill>
-          <a:latin typeface="Arial" charset="0"/>
-          <a:cs typeface="Arial" charset="0"/>
-        </a:defRPr>
-      </a:lvl3pPr>
-      <a:lvl4pPr algn="l" rtl="0" eaLnBrk="0" fontAlgn="base" hangingPunct="0">
-        <a:spcBef>
-          <a:spcPct val="0"/>
-        </a:spcBef>
-        <a:spcAft>
-          <a:spcPct val="0"/>
-        </a:spcAft>
-        <a:defRPr sz="2800" b="1">
-          <a:solidFill>
-            <a:srgbClr val="DD7E0E"/>
-          </a:solidFill>
-          <a:latin typeface="Arial" charset="0"/>
-          <a:cs typeface="Arial" charset="0"/>
-        </a:defRPr>
-      </a:lvl4pPr>
-      <a:lvl5pPr algn="l" rtl="0" eaLnBrk="0" fontAlgn="base" hangingPunct="0">
-        <a:spcBef>
-          <a:spcPct val="0"/>
-        </a:spcBef>
-        <a:spcAft>
-          <a:spcPct val="0"/>
-        </a:spcAft>
-        <a:defRPr sz="2800" b="1">
-          <a:solidFill>
-            <a:srgbClr val="DD7E0E"/>
-          </a:solidFill>
-          <a:latin typeface="Arial" charset="0"/>
-          <a:cs typeface="Arial" charset="0"/>
-        </a:defRPr>
-      </a:lvl5pPr>
-      <a:lvl6pPr marL="457200" algn="l" rtl="0" fontAlgn="base">
-        <a:spcBef>
-          <a:spcPct val="0"/>
-        </a:spcBef>
-        <a:spcAft>
-          <a:spcPct val="0"/>
-        </a:spcAft>
-        <a:defRPr sz="2800" b="1">
-          <a:solidFill>
-            <a:srgbClr val="DD7E0E"/>
-          </a:solidFill>
-          <a:latin typeface="Arial" charset="0"/>
-          <a:cs typeface="Arial" charset="0"/>
-        </a:defRPr>
-      </a:lvl6pPr>
-      <a:lvl7pPr marL="914400" algn="l" rtl="0" fontAlgn="base">
-        <a:spcBef>
-          <a:spcPct val="0"/>
-        </a:spcBef>
-        <a:spcAft>
-          <a:spcPct val="0"/>
-        </a:spcAft>
-        <a:defRPr sz="2800" b="1">
-          <a:solidFill>
-            <a:srgbClr val="DD7E0E"/>
-          </a:solidFill>
-          <a:latin typeface="Arial" charset="0"/>
-          <a:cs typeface="Arial" charset="0"/>
-        </a:defRPr>
-      </a:lvl7pPr>
-      <a:lvl8pPr marL="1371600" algn="l" rtl="0" fontAlgn="base">
-        <a:spcBef>
-          <a:spcPct val="0"/>
-        </a:spcBef>
-        <a:spcAft>
-          <a:spcPct val="0"/>
-        </a:spcAft>
-        <a:defRPr sz="2800" b="1">
-          <a:solidFill>
-            <a:srgbClr val="DD7E0E"/>
-          </a:solidFill>
-          <a:latin typeface="Arial" charset="0"/>
-          <a:cs typeface="Arial" charset="0"/>
-        </a:defRPr>
-      </a:lvl8pPr>
-      <a:lvl9pPr marL="1828800" algn="l" rtl="0" fontAlgn="base">
-        <a:spcBef>
-          <a:spcPct val="0"/>
-        </a:spcBef>
-        <a:spcAft>
-          <a:spcPct val="0"/>
-        </a:spcAft>
-        <a:defRPr sz="2800" b="1">
-          <a:solidFill>
-            <a:srgbClr val="DD7E0E"/>
-          </a:solidFill>
-          <a:latin typeface="Arial" charset="0"/>
-          <a:cs typeface="Arial" charset="0"/>
-        </a:defRPr>
-      </a:lvl9pPr>
-    </p:titleStyle>
-    <p:bodyStyle>
-      <a:lvl1pPr marL="179388" indent="-179388" algn="l" rtl="0" eaLnBrk="0" fontAlgn="base" hangingPunct="0">
-        <a:spcBef>
-          <a:spcPct val="20000"/>
-        </a:spcBef>
-        <a:spcAft>
-          <a:spcPct val="0"/>
-        </a:spcAft>
-        <a:buClr>
-          <a:srgbClr val="DD7E0E"/>
-        </a:buClr>
-        <a:buSzPct val="80000"/>
-        <a:buFont typeface="Wingdings" pitchFamily="2" charset="2"/>
-        <a:buChar char="§"/>
-        <a:tabLst>
-          <a:tab pos="179388" algn="l"/>
-        </a:tabLst>
-        <a:defRPr sz="2200" kern="1200">
+        <a:buNone/>
+        <a:defRPr sz="4400" kern="1200">
           <a:solidFill>
             <a:schemeClr val="tx1"/>
           </a:solidFill>
-          <a:latin typeface="Arial" pitchFamily="34" charset="0"/>
-          <a:ea typeface="+mn-ea"/>
-          <a:cs typeface="Arial" pitchFamily="34" charset="0"/>
+          <a:latin typeface="+mj-lt"/>
+          <a:ea typeface="+mj-ea"/>
+          <a:cs typeface="+mj-cs"/>
         </a:defRPr>
       </a:lvl1pPr>
-      <a:lvl2pPr marL="538163" indent="-273050" algn="l" rtl="0" eaLnBrk="0" fontAlgn="base" hangingPunct="0">
+    </p:titleStyle>
+    <p:bodyStyle>
+      <a:lvl1pPr marL="228600" indent="-228600" algn="l" defTabSz="914400" rtl="0" eaLnBrk="1" latinLnBrk="0" hangingPunct="1">
+        <a:lnSpc>
+          <a:spcPct val="90000"/>
+        </a:lnSpc>
         <a:spcBef>
-          <a:spcPct val="20000"/>
+          <a:spcPts val="1000"/>
         </a:spcBef>
-        <a:spcAft>
-          <a:spcPct val="0"/>
-        </a:spcAft>
-        <a:buClr>
-          <a:srgbClr val="DD7E0E"/>
-        </a:buClr>
-        <a:buFont typeface="Arial" charset="0"/>
-        <a:buChar char="–"/>
+        <a:buFont typeface="Arial" panose="020B0604020202020204" pitchFamily="34" charset="0"/>
+        <a:buChar char="•"/>
         <a:defRPr sz="2800" kern="1200">
           <a:solidFill>
-            <a:srgbClr val="404040"/>
+            <a:schemeClr val="tx1"/>
           </a:solidFill>
-          <a:latin typeface="Arial" pitchFamily="34" charset="0"/>
+          <a:latin typeface="+mn-lt"/>
           <a:ea typeface="+mn-ea"/>
-          <a:cs typeface="Arial" pitchFamily="34" charset="0"/>
+          <a:cs typeface="+mn-cs"/>
+        </a:defRPr>
+      </a:lvl1pPr>
+      <a:lvl2pPr marL="685800" indent="-228600" algn="l" defTabSz="914400" rtl="0" eaLnBrk="1" latinLnBrk="0" hangingPunct="1">
+        <a:lnSpc>
+          <a:spcPct val="90000"/>
+        </a:lnSpc>
+        <a:spcBef>
+          <a:spcPts val="500"/>
+        </a:spcBef>
+        <a:buFont typeface="Arial" panose="020B0604020202020204" pitchFamily="34" charset="0"/>
+        <a:buChar char="•"/>
+        <a:defRPr sz="2400" kern="1200">
+          <a:solidFill>
+            <a:schemeClr val="tx1"/>
+          </a:solidFill>
+          <a:latin typeface="+mn-lt"/>
+          <a:ea typeface="+mn-ea"/>
+          <a:cs typeface="+mn-cs"/>
         </a:defRPr>
       </a:lvl2pPr>
-      <a:lvl3pPr marL="717550" indent="-179388" algn="l" rtl="0" eaLnBrk="0" fontAlgn="base" hangingPunct="0">
+      <a:lvl3pPr marL="1143000" indent="-228600" algn="l" defTabSz="914400" rtl="0" eaLnBrk="1" latinLnBrk="0" hangingPunct="1">
+        <a:lnSpc>
+          <a:spcPct val="90000"/>
+        </a:lnSpc>
         <a:spcBef>
-          <a:spcPct val="20000"/>
+          <a:spcPts val="500"/>
         </a:spcBef>
-        <a:spcAft>
-          <a:spcPct val="0"/>
-        </a:spcAft>
-        <a:buClr>
-          <a:srgbClr val="DD7E0E"/>
-        </a:buClr>
-        <a:buFont typeface="Arial" charset="0"/>
-        <a:buChar char="•"/>
-        <a:defRPr sz="1600" kern="1200">
-          <a:solidFill>
-            <a:srgbClr val="595959"/>
-          </a:solidFill>
-          <a:latin typeface="Arial" pitchFamily="34" charset="0"/>
-          <a:ea typeface="+mn-ea"/>
-          <a:cs typeface="Arial" pitchFamily="34" charset="0"/>
-        </a:defRPr>
-      </a:lvl3pPr>
-      <a:lvl4pPr marL="896938" indent="-179388" algn="l" rtl="0" eaLnBrk="0" fontAlgn="base" hangingPunct="0">
-        <a:spcBef>
-          <a:spcPct val="20000"/>
-        </a:spcBef>
-        <a:spcAft>
-          <a:spcPct val="0"/>
-        </a:spcAft>
-        <a:buFont typeface="Arial" charset="0"/>
-        <a:buChar char="–"/>
-        <a:defRPr sz="1400" kern="1200">
-          <a:solidFill>
-            <a:srgbClr val="595959"/>
-          </a:solidFill>
-          <a:latin typeface="Arial" pitchFamily="34" charset="0"/>
-          <a:ea typeface="+mn-ea"/>
-          <a:cs typeface="Arial" pitchFamily="34" charset="0"/>
-        </a:defRPr>
-      </a:lvl4pPr>
-      <a:lvl5pPr marL="1076325" indent="-273050" algn="l" rtl="0" eaLnBrk="0" fontAlgn="base" hangingPunct="0">
-        <a:spcBef>
-          <a:spcPct val="20000"/>
-        </a:spcBef>
-        <a:spcAft>
-          <a:spcPct val="0"/>
-        </a:spcAft>
-        <a:buFont typeface="Arial" charset="0"/>
-        <a:buChar char="»"/>
-        <a:defRPr sz="1200" kern="1200">
-          <a:solidFill>
-            <a:srgbClr val="595959"/>
-          </a:solidFill>
-          <a:latin typeface="Arial" pitchFamily="34" charset="0"/>
-          <a:ea typeface="+mn-ea"/>
-          <a:cs typeface="Arial" pitchFamily="34" charset="0"/>
-        </a:defRPr>
-      </a:lvl5pPr>
-      <a:lvl6pPr marL="2514600" indent="-228600" algn="l" defTabSz="914400" rtl="0" eaLnBrk="1" latinLnBrk="0" hangingPunct="1">
-        <a:spcBef>
-          <a:spcPct val="20000"/>
-        </a:spcBef>
-        <a:buFont typeface="Arial" pitchFamily="34" charset="0"/>
+        <a:buFont typeface="Arial" panose="020B0604020202020204" pitchFamily="34" charset="0"/>
         <a:buChar char="•"/>
         <a:defRPr sz="2000" kern="1200">
           <a:solidFill>
@@ -3195,14 +3459,71 @@
           <a:ea typeface="+mn-ea"/>
           <a:cs typeface="+mn-cs"/>
         </a:defRPr>
+      </a:lvl3pPr>
+      <a:lvl4pPr marL="1600200" indent="-228600" algn="l" defTabSz="914400" rtl="0" eaLnBrk="1" latinLnBrk="0" hangingPunct="1">
+        <a:lnSpc>
+          <a:spcPct val="90000"/>
+        </a:lnSpc>
+        <a:spcBef>
+          <a:spcPts val="500"/>
+        </a:spcBef>
+        <a:buFont typeface="Arial" panose="020B0604020202020204" pitchFamily="34" charset="0"/>
+        <a:buChar char="•"/>
+        <a:defRPr sz="1800" kern="1200">
+          <a:solidFill>
+            <a:schemeClr val="tx1"/>
+          </a:solidFill>
+          <a:latin typeface="+mn-lt"/>
+          <a:ea typeface="+mn-ea"/>
+          <a:cs typeface="+mn-cs"/>
+        </a:defRPr>
+      </a:lvl4pPr>
+      <a:lvl5pPr marL="2057400" indent="-228600" algn="l" defTabSz="914400" rtl="0" eaLnBrk="1" latinLnBrk="0" hangingPunct="1">
+        <a:lnSpc>
+          <a:spcPct val="90000"/>
+        </a:lnSpc>
+        <a:spcBef>
+          <a:spcPts val="500"/>
+        </a:spcBef>
+        <a:buFont typeface="Arial" panose="020B0604020202020204" pitchFamily="34" charset="0"/>
+        <a:buChar char="•"/>
+        <a:defRPr sz="1800" kern="1200">
+          <a:solidFill>
+            <a:schemeClr val="tx1"/>
+          </a:solidFill>
+          <a:latin typeface="+mn-lt"/>
+          <a:ea typeface="+mn-ea"/>
+          <a:cs typeface="+mn-cs"/>
+        </a:defRPr>
+      </a:lvl5pPr>
+      <a:lvl6pPr marL="2514600" indent="-228600" algn="l" defTabSz="914400" rtl="0" eaLnBrk="1" latinLnBrk="0" hangingPunct="1">
+        <a:lnSpc>
+          <a:spcPct val="90000"/>
+        </a:lnSpc>
+        <a:spcBef>
+          <a:spcPts val="500"/>
+        </a:spcBef>
+        <a:buFont typeface="Arial" panose="020B0604020202020204" pitchFamily="34" charset="0"/>
+        <a:buChar char="•"/>
+        <a:defRPr sz="1800" kern="1200">
+          <a:solidFill>
+            <a:schemeClr val="tx1"/>
+          </a:solidFill>
+          <a:latin typeface="+mn-lt"/>
+          <a:ea typeface="+mn-ea"/>
+          <a:cs typeface="+mn-cs"/>
+        </a:defRPr>
       </a:lvl6pPr>
       <a:lvl7pPr marL="2971800" indent="-228600" algn="l" defTabSz="914400" rtl="0" eaLnBrk="1" latinLnBrk="0" hangingPunct="1">
+        <a:lnSpc>
+          <a:spcPct val="90000"/>
+        </a:lnSpc>
         <a:spcBef>
-          <a:spcPct val="20000"/>
+          <a:spcPts val="500"/>
         </a:spcBef>
-        <a:buFont typeface="Arial" pitchFamily="34" charset="0"/>
+        <a:buFont typeface="Arial" panose="020B0604020202020204" pitchFamily="34" charset="0"/>
         <a:buChar char="•"/>
-        <a:defRPr sz="2000" kern="1200">
+        <a:defRPr sz="1800" kern="1200">
           <a:solidFill>
             <a:schemeClr val="tx1"/>
           </a:solidFill>
@@ -3212,12 +3533,15 @@
         </a:defRPr>
       </a:lvl7pPr>
       <a:lvl8pPr marL="3429000" indent="-228600" algn="l" defTabSz="914400" rtl="0" eaLnBrk="1" latinLnBrk="0" hangingPunct="1">
+        <a:lnSpc>
+          <a:spcPct val="90000"/>
+        </a:lnSpc>
         <a:spcBef>
-          <a:spcPct val="20000"/>
+          <a:spcPts val="500"/>
         </a:spcBef>
-        <a:buFont typeface="Arial" pitchFamily="34" charset="0"/>
+        <a:buFont typeface="Arial" panose="020B0604020202020204" pitchFamily="34" charset="0"/>
         <a:buChar char="•"/>
-        <a:defRPr sz="2000" kern="1200">
+        <a:defRPr sz="1800" kern="1200">
           <a:solidFill>
             <a:schemeClr val="tx1"/>
           </a:solidFill>
@@ -3227,12 +3551,15 @@
         </a:defRPr>
       </a:lvl8pPr>
       <a:lvl9pPr marL="3886200" indent="-228600" algn="l" defTabSz="914400" rtl="0" eaLnBrk="1" latinLnBrk="0" hangingPunct="1">
+        <a:lnSpc>
+          <a:spcPct val="90000"/>
+        </a:lnSpc>
         <a:spcBef>
-          <a:spcPct val="20000"/>
+          <a:spcPts val="500"/>
         </a:spcBef>
-        <a:buFont typeface="Arial" pitchFamily="34" charset="0"/>
+        <a:buFont typeface="Arial" panose="020B0604020202020204" pitchFamily="34" charset="0"/>
         <a:buChar char="•"/>
-        <a:defRPr sz="2000" kern="1200">
+        <a:defRPr sz="1800" kern="1200">
           <a:solidFill>
             <a:schemeClr val="tx1"/>
           </a:solidFill>
@@ -3244,7 +3571,7 @@
     </p:bodyStyle>
     <p:otherStyle>
       <a:defPPr>
-        <a:defRPr lang="ru-RU"/>
+        <a:defRPr lang="en-US"/>
       </a:defPPr>
       <a:lvl1pPr marL="0" algn="l" defTabSz="914400" rtl="0" eaLnBrk="1" latinLnBrk="0" hangingPunct="1">
         <a:defRPr sz="1800" kern="1200">
@@ -3344,6 +3671,14 @@
 <file path=ppt/slides/slide1.xml><?xml version="1.0" encoding="utf-8"?>
 <p:sld xmlns:a="http://schemas.openxmlformats.org/drawingml/2006/main" xmlns:r="http://schemas.openxmlformats.org/officeDocument/2006/relationships" xmlns:p="http://schemas.openxmlformats.org/presentationml/2006/main">
   <p:cSld>
+    <p:bg>
+      <p:bgPr>
+        <a:solidFill>
+          <a:schemeClr val="bg1"/>
+        </a:solidFill>
+        <a:effectLst/>
+      </p:bgPr>
+    </p:bg>
     <p:spTree>
       <p:nvGrpSpPr>
         <p:cNvPr id="1" name=""/>
@@ -3368,7 +3703,7 @@
         </p:nvSpPr>
         <p:spPr bwMode="auto">
           <a:xfrm>
-            <a:off x="1409700" y="177800"/>
+            <a:off x="914400" y="184133"/>
             <a:ext cx="7315199" cy="876300"/>
           </a:xfrm>
           <a:prstGeom prst="rect">
@@ -3573,7 +3908,7 @@
         </p:nvSpPr>
         <p:spPr bwMode="auto">
           <a:xfrm>
-            <a:off x="1236662" y="1054100"/>
+            <a:off x="827881" y="1050334"/>
             <a:ext cx="7488237" cy="338554"/>
           </a:xfrm>
           <a:prstGeom prst="rect">
@@ -4214,13 +4549,23 @@
         </p:txBody>
       </p:sp>
     </p:spTree>
+    <p:extLst>
+      <p:ext uri="{BB962C8B-B14F-4D97-AF65-F5344CB8AC3E}">
+        <p14:creationId xmlns:p14="http://schemas.microsoft.com/office/powerpoint/2010/main" val="2223157921"/>
+      </p:ext>
+    </p:extLst>
   </p:cSld>
   <p:clrMapOvr>
     <a:masterClrMapping/>
   </p:clrMapOvr>
-  <p:transition>
-    <p:dissolve/>
-  </p:transition>
+  <mc:AlternateContent xmlns:mc="http://schemas.openxmlformats.org/markup-compatibility/2006">
+    <mc:Choice xmlns:p14="http://schemas.microsoft.com/office/powerpoint/2010/main" Requires="p14">
+      <p:transition p14:dur="10"/>
+    </mc:Choice>
+    <mc:Fallback>
+      <p:transition/>
+    </mc:Fallback>
+  </mc:AlternateContent>
 </p:sld>
 </file>
 
@@ -4379,9 +4724,14 @@
   <p:clrMapOvr>
     <a:masterClrMapping/>
   </p:clrMapOvr>
-  <p:transition>
-    <p:dissolve/>
-  </p:transition>
+  <mc:AlternateContent xmlns:mc="http://schemas.openxmlformats.org/markup-compatibility/2006">
+    <mc:Choice xmlns:p14="http://schemas.microsoft.com/office/powerpoint/2010/main" Requires="p14">
+      <p:transition p14:dur="0"/>
+    </mc:Choice>
+    <mc:Fallback>
+      <p:transition/>
+    </mc:Fallback>
+  </mc:AlternateContent>
 </p:sld>
 </file>
 
@@ -4516,9 +4866,14 @@
   <p:clrMapOvr>
     <a:masterClrMapping/>
   </p:clrMapOvr>
-  <p:transition>
-    <p:dissolve/>
-  </p:transition>
+  <mc:AlternateContent xmlns:mc="http://schemas.openxmlformats.org/markup-compatibility/2006">
+    <mc:Choice xmlns:p14="http://schemas.microsoft.com/office/powerpoint/2010/main" Requires="p14">
+      <p:transition p14:dur="0"/>
+    </mc:Choice>
+    <mc:Fallback>
+      <p:transition/>
+    </mc:Fallback>
+  </mc:AlternateContent>
 </p:sld>
 </file>
 
@@ -4677,9 +5032,14 @@
   <p:clrMapOvr>
     <a:masterClrMapping/>
   </p:clrMapOvr>
-  <p:transition>
-    <p:dissolve/>
-  </p:transition>
+  <mc:AlternateContent xmlns:mc="http://schemas.openxmlformats.org/markup-compatibility/2006">
+    <mc:Choice xmlns:p14="http://schemas.microsoft.com/office/powerpoint/2010/main" Requires="p14">
+      <p:transition p14:dur="0"/>
+    </mc:Choice>
+    <mc:Fallback>
+      <p:transition/>
+    </mc:Fallback>
+  </mc:AlternateContent>
 </p:sld>
 </file>
 
@@ -4814,15 +5174,28 @@
   <p:clrMapOvr>
     <a:masterClrMapping/>
   </p:clrMapOvr>
-  <p:transition>
-    <p:dissolve/>
-  </p:transition>
+  <mc:AlternateContent xmlns:mc="http://schemas.openxmlformats.org/markup-compatibility/2006">
+    <mc:Choice xmlns:p14="http://schemas.microsoft.com/office/powerpoint/2010/main" Requires="p14">
+      <p:transition p14:dur="0"/>
+    </mc:Choice>
+    <mc:Fallback>
+      <p:transition/>
+    </mc:Fallback>
+  </mc:AlternateContent>
 </p:sld>
 </file>
 
 <file path=ppt/slides/slide14.xml><?xml version="1.0" encoding="utf-8"?>
 <p:sld xmlns:a="http://schemas.openxmlformats.org/drawingml/2006/main" xmlns:r="http://schemas.openxmlformats.org/officeDocument/2006/relationships" xmlns:p="http://schemas.openxmlformats.org/presentationml/2006/main">
   <p:cSld>
+    <p:bg>
+      <p:bgPr>
+        <a:solidFill>
+          <a:schemeClr val="bg1"/>
+        </a:solidFill>
+        <a:effectLst/>
+      </p:bgPr>
+    </p:bg>
     <p:spTree>
       <p:nvGrpSpPr>
         <p:cNvPr id="1" name=""/>
@@ -4847,7 +5220,7 @@
         </p:nvSpPr>
         <p:spPr bwMode="auto">
           <a:xfrm>
-            <a:off x="1409700" y="177800"/>
+            <a:off x="914400" y="184133"/>
             <a:ext cx="7315199" cy="876300"/>
           </a:xfrm>
           <a:prstGeom prst="rect">
@@ -5052,7 +5425,7 @@
         </p:nvSpPr>
         <p:spPr bwMode="auto">
           <a:xfrm>
-            <a:off x="1236662" y="1054100"/>
+            <a:off x="827881" y="1050334"/>
             <a:ext cx="7488237" cy="338554"/>
           </a:xfrm>
           <a:prstGeom prst="rect">
@@ -5695,16 +6068,21 @@
     </p:spTree>
     <p:extLst>
       <p:ext uri="{BB962C8B-B14F-4D97-AF65-F5344CB8AC3E}">
-        <p14:creationId xmlns:p14="http://schemas.microsoft.com/office/powerpoint/2010/main" val="2779284121"/>
+        <p14:creationId xmlns:p14="http://schemas.microsoft.com/office/powerpoint/2010/main" val="21252752"/>
       </p:ext>
     </p:extLst>
   </p:cSld>
   <p:clrMapOvr>
     <a:masterClrMapping/>
   </p:clrMapOvr>
-  <p:transition>
-    <p:dissolve/>
-  </p:transition>
+  <mc:AlternateContent xmlns:mc="http://schemas.openxmlformats.org/markup-compatibility/2006">
+    <mc:Choice xmlns:p14="http://schemas.microsoft.com/office/powerpoint/2010/main" Requires="p14">
+      <p:transition p14:dur="10"/>
+    </mc:Choice>
+    <mc:Fallback>
+      <p:transition/>
+    </mc:Fallback>
+  </mc:AlternateContent>
 </p:sld>
 </file>
 
@@ -5727,97 +6105,272 @@
       </p:grpSpPr>
       <p:sp>
         <p:nvSpPr>
-          <p:cNvPr id="2" name="Заголовок 1">
-            <a:extLst>
-              <a:ext uri="{FF2B5EF4-FFF2-40B4-BE49-F238E27FC236}">
-                <a16:creationId xmlns:a16="http://schemas.microsoft.com/office/drawing/2014/main" id="{A3531C3E-91C9-935F-3CB8-9231CF58A8FA}"/>
-              </a:ext>
-            </a:extLst>
-          </p:cNvPr>
-          <p:cNvSpPr>
-            <a:spLocks noGrp="1"/>
-          </p:cNvSpPr>
-          <p:nvPr>
-            <p:ph type="title"/>
-          </p:nvPr>
-        </p:nvSpPr>
-        <p:spPr/>
-        <p:txBody>
-          <a:bodyPr/>
+          <p:cNvPr id="12" name="Содержимое 2"/>
+          <p:cNvSpPr txBox="1">
+            <a:spLocks/>
+          </p:cNvSpPr>
+          <p:nvPr/>
+        </p:nvSpPr>
+        <p:spPr>
+          <a:xfrm>
+            <a:off x="771786" y="732341"/>
+            <a:ext cx="7617205" cy="5711824"/>
+          </a:xfrm>
+          <a:prstGeom prst="rect">
+            <a:avLst/>
+          </a:prstGeom>
+        </p:spPr>
+        <p:txBody>
+          <a:bodyPr>
+            <a:normAutofit/>
+            <a:scene3d>
+              <a:camera prst="orthographicFront"/>
+              <a:lightRig rig="threePt" dir="t"/>
+            </a:scene3d>
+            <a:sp3d extrusionH="57150">
+              <a:bevelT w="38100" h="38100" prst="relaxedInset"/>
+            </a:sp3d>
+          </a:bodyPr>
           <a:lstStyle/>
           <a:p>
-            <a:endParaRPr lang="ru-RU"/>
-          </a:p>
-        </p:txBody>
-      </p:sp>
-      <p:sp>
-        <p:nvSpPr>
-          <p:cNvPr id="3" name="Объект 2">
-            <a:extLst>
-              <a:ext uri="{FF2B5EF4-FFF2-40B4-BE49-F238E27FC236}">
-                <a16:creationId xmlns:a16="http://schemas.microsoft.com/office/drawing/2014/main" id="{AC14D87F-2D6F-DAA9-B1F8-B7A766580D49}"/>
-              </a:ext>
-            </a:extLst>
-          </p:cNvPr>
-          <p:cNvSpPr>
-            <a:spLocks noGrp="1"/>
-          </p:cNvSpPr>
-          <p:nvPr>
-            <p:ph idx="1"/>
-          </p:nvPr>
-        </p:nvSpPr>
-        <p:spPr/>
-        <p:txBody>
-          <a:bodyPr/>
+            <a:pPr marL="342900" indent="-342900" algn="just" fontAlgn="auto">
+              <a:spcBef>
+                <a:spcPts val="580"/>
+              </a:spcBef>
+              <a:spcAft>
+                <a:spcPts val="0"/>
+              </a:spcAft>
+              <a:buClr>
+                <a:schemeClr val="accent1"/>
+              </a:buClr>
+              <a:buSzPct val="85000"/>
+              <a:buFont typeface="Symbol" panose="05050102010706020507" pitchFamily="18" charset="2"/>
+              <a:buChar char="-"/>
+              <a:defRPr/>
+            </a:pPr>
+            <a:r>
+              <a:rPr lang="ru-RU" dirty="0">
+                <a:latin typeface="Times New Roman" pitchFamily="18" charset="0"/>
+                <a:cs typeface="Times New Roman" pitchFamily="18" charset="0"/>
+                <a:hlinkClick r:id="rId2" action="ppaction://hlinksldjump"/>
+              </a:rPr>
+              <a:t>Цели и задачи</a:t>
+            </a:r>
+            <a:r>
+              <a:rPr lang="ru-RU" dirty="0">
+                <a:latin typeface="Times New Roman" pitchFamily="18" charset="0"/>
+                <a:cs typeface="Times New Roman" pitchFamily="18" charset="0"/>
+              </a:rPr>
+              <a:t>;</a:t>
+            </a:r>
+          </a:p>
+          <a:p>
+            <a:pPr marL="342900" indent="-342900" algn="just" fontAlgn="auto">
+              <a:spcBef>
+                <a:spcPts val="580"/>
+              </a:spcBef>
+              <a:spcAft>
+                <a:spcPts val="0"/>
+              </a:spcAft>
+              <a:buClr>
+                <a:schemeClr val="accent1"/>
+              </a:buClr>
+              <a:buSzPct val="85000"/>
+              <a:buFont typeface="Symbol" panose="05050102010706020507" pitchFamily="18" charset="2"/>
+              <a:buChar char="-"/>
+              <a:defRPr/>
+            </a:pPr>
+            <a:r>
+              <a:rPr lang="ru-RU" dirty="0">
+                <a:latin typeface="Times New Roman" pitchFamily="18" charset="0"/>
+                <a:cs typeface="Times New Roman" pitchFamily="18" charset="0"/>
+                <a:hlinkClick r:id="rId3" action="ppaction://hlinksldjump"/>
+              </a:rPr>
+              <a:t>Актуализация</a:t>
+            </a:r>
+            <a:r>
+              <a:rPr lang="ru-RU" dirty="0">
+                <a:latin typeface="Times New Roman" pitchFamily="18" charset="0"/>
+                <a:cs typeface="Times New Roman" pitchFamily="18" charset="0"/>
+              </a:rPr>
+              <a:t>;</a:t>
+            </a:r>
+          </a:p>
+          <a:p>
+            <a:pPr marL="342900" indent="-342900" algn="just" fontAlgn="auto">
+              <a:spcBef>
+                <a:spcPts val="580"/>
+              </a:spcBef>
+              <a:spcAft>
+                <a:spcPts val="0"/>
+              </a:spcAft>
+              <a:buClr>
+                <a:schemeClr val="accent1"/>
+              </a:buClr>
+              <a:buSzPct val="85000"/>
+              <a:buFont typeface="Symbol" panose="05050102010706020507" pitchFamily="18" charset="2"/>
+              <a:buChar char="-"/>
+              <a:defRPr/>
+            </a:pPr>
+            <a:r>
+              <a:rPr lang="ru-RU" dirty="0">
+                <a:latin typeface="Times New Roman" pitchFamily="18" charset="0"/>
+                <a:cs typeface="Times New Roman" pitchFamily="18" charset="0"/>
+                <a:hlinkClick r:id="rId4" action="ppaction://hlinksldjump"/>
+              </a:rPr>
+              <a:t>Практическая значимость</a:t>
+            </a:r>
+            <a:r>
+              <a:rPr lang="ru-RU" dirty="0">
+                <a:latin typeface="Times New Roman" pitchFamily="18" charset="0"/>
+                <a:cs typeface="Times New Roman" pitchFamily="18" charset="0"/>
+              </a:rPr>
+              <a:t>;</a:t>
+            </a:r>
+          </a:p>
+          <a:p>
+            <a:pPr marL="342900" indent="-342900" algn="just" fontAlgn="auto">
+              <a:spcBef>
+                <a:spcPts val="580"/>
+              </a:spcBef>
+              <a:spcAft>
+                <a:spcPts val="0"/>
+              </a:spcAft>
+              <a:buClr>
+                <a:schemeClr val="accent1"/>
+              </a:buClr>
+              <a:buSzPct val="85000"/>
+              <a:buFont typeface="Symbol" panose="05050102010706020507" pitchFamily="18" charset="2"/>
+              <a:buChar char="-"/>
+              <a:defRPr/>
+            </a:pPr>
+            <a:r>
+              <a:rPr lang="ru-RU" dirty="0">
+                <a:latin typeface="Times New Roman" pitchFamily="18" charset="0"/>
+                <a:cs typeface="Times New Roman" pitchFamily="18" charset="0"/>
+                <a:hlinkClick r:id="rId5" action="ppaction://hlinksldjump"/>
+              </a:rPr>
+              <a:t>Техническое задание</a:t>
+            </a:r>
+            <a:r>
+              <a:rPr lang="ru-RU" dirty="0">
+                <a:latin typeface="Times New Roman" pitchFamily="18" charset="0"/>
+                <a:cs typeface="Times New Roman" pitchFamily="18" charset="0"/>
+              </a:rPr>
+              <a:t>;</a:t>
+            </a:r>
+          </a:p>
+          <a:p>
+            <a:pPr marL="342900" indent="-342900" algn="just" fontAlgn="auto">
+              <a:spcBef>
+                <a:spcPts val="580"/>
+              </a:spcBef>
+              <a:spcAft>
+                <a:spcPts val="0"/>
+              </a:spcAft>
+              <a:buClr>
+                <a:schemeClr val="accent1"/>
+              </a:buClr>
+              <a:buSzPct val="85000"/>
+              <a:buFont typeface="Symbol" panose="05050102010706020507" pitchFamily="18" charset="2"/>
+              <a:buChar char="-"/>
+              <a:defRPr/>
+            </a:pPr>
+            <a:endParaRPr lang="ru-RU" dirty="0">
+              <a:latin typeface="Times New Roman" pitchFamily="18" charset="0"/>
+              <a:cs typeface="Times New Roman" pitchFamily="18" charset="0"/>
+            </a:endParaRPr>
+          </a:p>
+          <a:p>
+            <a:pPr marL="342900" indent="-342900" algn="just" fontAlgn="auto">
+              <a:spcBef>
+                <a:spcPts val="580"/>
+              </a:spcBef>
+              <a:spcAft>
+                <a:spcPts val="0"/>
+              </a:spcAft>
+              <a:buClr>
+                <a:schemeClr val="accent1"/>
+              </a:buClr>
+              <a:buSzPct val="85000"/>
+              <a:buFont typeface="Symbol" panose="05050102010706020507" pitchFamily="18" charset="2"/>
+              <a:buChar char="-"/>
+              <a:defRPr/>
+            </a:pPr>
+            <a:endParaRPr lang="ru-RU" dirty="0">
+              <a:latin typeface="Times New Roman" pitchFamily="18" charset="0"/>
+              <a:cs typeface="Times New Roman" pitchFamily="18" charset="0"/>
+            </a:endParaRPr>
+          </a:p>
+        </p:txBody>
+      </p:sp>
+      <p:sp>
+        <p:nvSpPr>
+          <p:cNvPr id="4" name="Прямоугольник 3"/>
+          <p:cNvSpPr/>
+          <p:nvPr/>
+        </p:nvSpPr>
+        <p:spPr>
+          <a:xfrm>
+            <a:off x="1143000" y="196810"/>
+            <a:ext cx="6858000" cy="535531"/>
+          </a:xfrm>
+          <a:prstGeom prst="rect">
+            <a:avLst/>
+          </a:prstGeom>
+        </p:spPr>
+        <p:txBody>
+          <a:bodyPr>
+            <a:spAutoFit/>
+          </a:bodyPr>
           <a:lstStyle/>
           <a:p>
-            <a:endParaRPr lang="ru-RU" dirty="0"/>
-          </a:p>
-        </p:txBody>
-      </p:sp>
-      <p:sp>
-        <p:nvSpPr>
-          <p:cNvPr id="4" name="Номер слайда 3">
-            <a:extLst>
-              <a:ext uri="{FF2B5EF4-FFF2-40B4-BE49-F238E27FC236}">
-                <a16:creationId xmlns:a16="http://schemas.microsoft.com/office/drawing/2014/main" id="{9767D089-8AC9-78B0-50CF-18A1ADAB8C4E}"/>
-              </a:ext>
-            </a:extLst>
-          </p:cNvPr>
-          <p:cNvSpPr>
-            <a:spLocks noGrp="1"/>
-          </p:cNvSpPr>
-          <p:nvPr>
-            <p:ph type="sldNum" sz="quarter" idx="10"/>
-          </p:nvPr>
-        </p:nvSpPr>
-        <p:spPr/>
-        <p:txBody>
-          <a:bodyPr/>
-          <a:lstStyle/>
-          <a:p>
-            <a:fld id="{6D116CD5-848C-4CD7-ADB7-17554B54769D}" type="slidenum">
-              <a:rPr lang="ru-RU" altLang="ru-RU" smtClean="0"/>
-              <a:pPr/>
-              <a:t>2</a:t>
-            </a:fld>
-            <a:endParaRPr lang="ru-RU" altLang="ru-RU"/>
+            <a:pPr marL="342900" indent="-342900" algn="ctr" fontAlgn="auto">
+              <a:lnSpc>
+                <a:spcPct val="80000"/>
+              </a:lnSpc>
+              <a:spcBef>
+                <a:spcPct val="20000"/>
+              </a:spcBef>
+              <a:spcAft>
+                <a:spcPts val="0"/>
+              </a:spcAft>
+              <a:buClr>
+                <a:schemeClr val="accent1">
+                  <a:shade val="75000"/>
+                </a:schemeClr>
+              </a:buClr>
+              <a:buSzPct val="55000"/>
+              <a:defRPr/>
+            </a:pPr>
+            <a:r>
+              <a:rPr kumimoji="1" lang="ru-RU" sz="3600" b="1" dirty="0">
+                <a:latin typeface="Times New Roman" pitchFamily="18" charset="0"/>
+                <a:cs typeface="Times New Roman" pitchFamily="18" charset="0"/>
+              </a:rPr>
+              <a:t>Содержание</a:t>
+            </a:r>
           </a:p>
         </p:txBody>
       </p:sp>
     </p:spTree>
     <p:extLst>
       <p:ext uri="{BB962C8B-B14F-4D97-AF65-F5344CB8AC3E}">
-        <p14:creationId xmlns:p14="http://schemas.microsoft.com/office/powerpoint/2010/main" val="1882984085"/>
+        <p14:creationId xmlns:p14="http://schemas.microsoft.com/office/powerpoint/2010/main" val="799068459"/>
       </p:ext>
     </p:extLst>
   </p:cSld>
   <p:clrMapOvr>
     <a:masterClrMapping/>
   </p:clrMapOvr>
-  <p:transition>
-    <p:dissolve/>
-  </p:transition>
+  <mc:AlternateContent xmlns:mc="http://schemas.openxmlformats.org/markup-compatibility/2006">
+    <mc:Choice xmlns:p14="http://schemas.microsoft.com/office/powerpoint/2010/main" Requires="p14">
+      <p:transition p14:dur="0"/>
+    </mc:Choice>
+    <mc:Fallback>
+      <p:transition/>
+    </mc:Fallback>
+  </mc:AlternateContent>
 </p:sld>
 </file>
 
@@ -5848,8 +6401,8 @@
         </p:nvSpPr>
         <p:spPr>
           <a:xfrm>
-            <a:off x="285688" y="1003300"/>
-            <a:ext cx="8858312" cy="5711824"/>
+            <a:off x="755009" y="732341"/>
+            <a:ext cx="7633981" cy="5711824"/>
           </a:xfrm>
           <a:prstGeom prst="rect">
             <a:avLst/>
@@ -5868,13 +6421,10 @@
           </a:bodyPr>
           <a:lstStyle/>
           <a:p>
-            <a:pPr marL="274320" indent="-274320" fontAlgn="auto">
-              <a:spcBef>
-                <a:spcPts val="580"/>
-              </a:spcBef>
-              <a:spcAft>
-                <a:spcPts val="0"/>
-              </a:spcAft>
+            <a:pPr indent="450000" algn="just" fontAlgn="auto">
+              <a:lnSpc>
+                <a:spcPct val="150000"/>
+              </a:lnSpc>
               <a:buClr>
                 <a:schemeClr val="accent1"/>
               </a:buClr>
@@ -5884,149 +6434,18 @@
               <a:defRPr/>
             </a:pPr>
             <a:r>
-              <a:rPr lang="ru-RU" sz="2400" b="1" dirty="0">
+              <a:rPr lang="ru-RU" dirty="0">
                 <a:latin typeface="Times New Roman" pitchFamily="18" charset="0"/>
                 <a:cs typeface="Times New Roman" pitchFamily="18" charset="0"/>
               </a:rPr>
-              <a:t>Цель</a:t>
-            </a:r>
-            <a:r>
-              <a:rPr lang="en-US" sz="2400" b="1" dirty="0">
-                <a:latin typeface="Times New Roman" pitchFamily="18" charset="0"/>
-                <a:cs typeface="Times New Roman" pitchFamily="18" charset="0"/>
-              </a:rPr>
-              <a:t>:</a:t>
-            </a:r>
-            <a:r>
-              <a:rPr lang="ru-RU" sz="2400" b="1" dirty="0">
-                <a:latin typeface="Times New Roman" pitchFamily="18" charset="0"/>
-                <a:cs typeface="Times New Roman" pitchFamily="18" charset="0"/>
-              </a:rPr>
-              <a:t> </a:t>
-            </a:r>
-          </a:p>
-          <a:p>
-            <a:pPr algn="just" fontAlgn="auto">
-              <a:spcBef>
-                <a:spcPts val="580"/>
-              </a:spcBef>
-              <a:spcAft>
-                <a:spcPts val="0"/>
-              </a:spcAft>
-              <a:buClr>
-                <a:schemeClr val="accent1"/>
-              </a:buClr>
-              <a:buSzPct val="85000"/>
-              <a:buFont typeface="Wingdings 2"/>
-              <a:buNone/>
-              <a:defRPr/>
-            </a:pPr>
-            <a:r>
-              <a:rPr lang="ru-RU" sz="2400" dirty="0">
-                <a:latin typeface="Times New Roman" pitchFamily="18" charset="0"/>
-                <a:cs typeface="Times New Roman" pitchFamily="18" charset="0"/>
-              </a:rPr>
-              <a:t>Разработка комплекса программных решений для автоматизации </a:t>
-            </a:r>
-          </a:p>
-          <a:p>
-            <a:pPr marL="274320" indent="-274320" fontAlgn="auto">
-              <a:spcBef>
-                <a:spcPts val="580"/>
-              </a:spcBef>
-              <a:spcAft>
-                <a:spcPts val="0"/>
-              </a:spcAft>
-              <a:buClr>
-                <a:schemeClr val="accent1"/>
-              </a:buClr>
-              <a:buSzPct val="85000"/>
-              <a:buFont typeface="Wingdings 2"/>
-              <a:buNone/>
-              <a:defRPr/>
-            </a:pPr>
-            <a:r>
-              <a:rPr lang="ru-RU" sz="2400" b="1" dirty="0">
-                <a:latin typeface="Times New Roman" pitchFamily="18" charset="0"/>
-                <a:cs typeface="Times New Roman" pitchFamily="18" charset="0"/>
-              </a:rPr>
-              <a:t>большинство операций и процессов, протекающих в торговых точках, относящихся к сетям по продажам музыкальных товаров.</a:t>
-            </a:r>
-          </a:p>
-          <a:p>
-            <a:pPr marL="274320" indent="-274320" fontAlgn="auto">
-              <a:spcBef>
-                <a:spcPts val="580"/>
-              </a:spcBef>
-              <a:spcAft>
-                <a:spcPts val="0"/>
-              </a:spcAft>
-              <a:buClr>
-                <a:schemeClr val="accent1"/>
-              </a:buClr>
-              <a:buSzPct val="85000"/>
-              <a:buFont typeface="Wingdings 2"/>
-              <a:buNone/>
-              <a:defRPr/>
-            </a:pPr>
-            <a:endParaRPr lang="ru-RU" sz="2400" b="1" dirty="0">
-              <a:latin typeface="Times New Roman" pitchFamily="18" charset="0"/>
-              <a:cs typeface="Times New Roman" pitchFamily="18" charset="0"/>
-            </a:endParaRPr>
-          </a:p>
-          <a:p>
-            <a:pPr marL="274320" indent="-274320" fontAlgn="auto">
-              <a:spcBef>
-                <a:spcPts val="580"/>
-              </a:spcBef>
-              <a:spcAft>
-                <a:spcPts val="0"/>
-              </a:spcAft>
-              <a:buClr>
-                <a:schemeClr val="accent1"/>
-              </a:buClr>
-              <a:buSzPct val="85000"/>
-              <a:buFont typeface="Wingdings 2"/>
-              <a:buNone/>
-              <a:defRPr/>
-            </a:pPr>
-            <a:endParaRPr lang="ru-RU" sz="2400" b="1" dirty="0">
-              <a:latin typeface="Times New Roman" pitchFamily="18" charset="0"/>
-              <a:cs typeface="Times New Roman" pitchFamily="18" charset="0"/>
-            </a:endParaRPr>
-          </a:p>
-          <a:p>
-            <a:pPr marL="274320" indent="-274320" fontAlgn="auto">
-              <a:spcBef>
-                <a:spcPts val="580"/>
-              </a:spcBef>
-              <a:spcAft>
-                <a:spcPts val="0"/>
-              </a:spcAft>
-              <a:buClr>
-                <a:schemeClr val="accent1"/>
-              </a:buClr>
-              <a:buSzPct val="85000"/>
-              <a:buFont typeface="Wingdings 2"/>
-              <a:buNone/>
-              <a:defRPr/>
-            </a:pPr>
-            <a:r>
-              <a:rPr lang="ru-RU" sz="2400" b="1" dirty="0">
-                <a:latin typeface="Times New Roman" pitchFamily="18" charset="0"/>
-                <a:cs typeface="Times New Roman" pitchFamily="18" charset="0"/>
-              </a:rPr>
-              <a:t>Задачи:</a:t>
-            </a:r>
-          </a:p>
-          <a:p>
-            <a:pPr marL="342900" indent="-342900" algn="just" fontAlgn="auto">
-              <a:spcBef>
-                <a:spcPts val="580"/>
-              </a:spcBef>
-              <a:spcAft>
-                <a:spcPts val="600"/>
-              </a:spcAft>
+              <a:t>Целью разработки проекта является:</a:t>
+            </a:r>
+          </a:p>
+          <a:p>
+            <a:pPr indent="450000" algn="just" fontAlgn="auto">
+              <a:lnSpc>
+                <a:spcPct val="150000"/>
+              </a:lnSpc>
               <a:buClr>
                 <a:schemeClr val="accent1"/>
               </a:buClr>
@@ -6036,21 +6455,39 @@
               <a:defRPr/>
             </a:pPr>
             <a:r>
-              <a:rPr lang="ru-RU" sz="2400" dirty="0">
+              <a:rPr lang="ru-RU" dirty="0">
                 <a:latin typeface="Times New Roman" pitchFamily="18" charset="0"/>
                 <a:cs typeface="Times New Roman" pitchFamily="18" charset="0"/>
               </a:rPr>
-              <a:t>Изучить предметную область;</a:t>
-            </a:r>
-          </a:p>
-          <a:p>
-            <a:pPr marL="342900" indent="-342900" algn="just" fontAlgn="auto">
-              <a:spcBef>
-                <a:spcPts val="580"/>
-              </a:spcBef>
-              <a:spcAft>
-                <a:spcPts val="600"/>
-              </a:spcAft>
+              <a:t>разработка комплекса программных решений для автоматизации большинство операций и процессов, протекающих в торговых точках, относящихся к сетям по продажам музыкальных товаров.</a:t>
+            </a:r>
+          </a:p>
+          <a:p>
+            <a:pPr indent="450000" algn="just" fontAlgn="auto">
+              <a:lnSpc>
+                <a:spcPct val="150000"/>
+              </a:lnSpc>
+              <a:buClr>
+                <a:schemeClr val="accent1"/>
+              </a:buClr>
+              <a:buSzPct val="85000"/>
+              <a:buFont typeface="Wingdings 2"/>
+              <a:buNone/>
+              <a:defRPr/>
+            </a:pPr>
+            <a:r>
+              <a:rPr lang="ru-RU" dirty="0">
+                <a:latin typeface="Times New Roman" pitchFamily="18" charset="0"/>
+                <a:cs typeface="Times New Roman" pitchFamily="18" charset="0"/>
+              </a:rPr>
+              <a:t>Задачами разработки проекта являются:</a:t>
+            </a:r>
+          </a:p>
+          <a:p>
+            <a:pPr indent="450000" algn="just" fontAlgn="auto">
+              <a:lnSpc>
+                <a:spcPct val="150000"/>
+              </a:lnSpc>
               <a:buClr>
                 <a:schemeClr val="accent1"/>
               </a:buClr>
@@ -6060,21 +6497,18 @@
               <a:defRPr/>
             </a:pPr>
             <a:r>
-              <a:rPr lang="ru-RU" sz="2400" dirty="0">
+              <a:rPr lang="ru-RU" dirty="0">
                 <a:latin typeface="Times New Roman" pitchFamily="18" charset="0"/>
                 <a:cs typeface="Times New Roman" pitchFamily="18" charset="0"/>
               </a:rPr>
-              <a:t>Спроектировать базу данных;</a:t>
-            </a:r>
-          </a:p>
-          <a:p>
-            <a:pPr marL="342900" indent="-342900" algn="just" fontAlgn="auto">
-              <a:spcBef>
-                <a:spcPts val="580"/>
-              </a:spcBef>
-              <a:spcAft>
-                <a:spcPts val="600"/>
-              </a:spcAft>
+              <a:t>изучить предметную область;</a:t>
+            </a:r>
+          </a:p>
+          <a:p>
+            <a:pPr indent="450000" algn="just" fontAlgn="auto">
+              <a:lnSpc>
+                <a:spcPct val="150000"/>
+              </a:lnSpc>
               <a:buClr>
                 <a:schemeClr val="accent1"/>
               </a:buClr>
@@ -6084,23 +6518,33 @@
               <a:defRPr/>
             </a:pPr>
             <a:r>
-              <a:rPr lang="ru-RU" sz="2400" dirty="0">
+              <a:rPr lang="ru-RU" dirty="0">
                 <a:latin typeface="Times New Roman" pitchFamily="18" charset="0"/>
                 <a:cs typeface="Times New Roman" pitchFamily="18" charset="0"/>
               </a:rPr>
-              <a:t>Разработать комплекс из десктопного и </a:t>
-            </a:r>
-            <a:r>
-              <a:rPr lang="ru-RU" sz="2400">
+              <a:t>спроектировать базу данных;</a:t>
+            </a:r>
+          </a:p>
+          <a:p>
+            <a:pPr indent="450000" algn="just" fontAlgn="auto">
+              <a:lnSpc>
+                <a:spcPct val="150000"/>
+              </a:lnSpc>
+              <a:buClr>
+                <a:schemeClr val="accent1"/>
+              </a:buClr>
+              <a:buSzPct val="85000"/>
+              <a:buFont typeface="Symbol" panose="05050102010706020507" pitchFamily="18" charset="2"/>
+              <a:buChar char="-"/>
+              <a:defRPr/>
+            </a:pPr>
+            <a:r>
+              <a:rPr lang="ru-RU" dirty="0">
                 <a:latin typeface="Times New Roman" pitchFamily="18" charset="0"/>
                 <a:cs typeface="Times New Roman" pitchFamily="18" charset="0"/>
               </a:rPr>
-              <a:t>мобильного приложения.</a:t>
-            </a:r>
-            <a:endParaRPr lang="ru-RU" sz="2400" dirty="0">
-              <a:latin typeface="Times New Roman" pitchFamily="18" charset="0"/>
-              <a:cs typeface="Times New Roman" pitchFamily="18" charset="0"/>
-            </a:endParaRPr>
+              <a:t>разработать комплекс из десктопного и мобильного приложения.</a:t>
+            </a:r>
           </a:p>
         </p:txBody>
       </p:sp>
@@ -6112,7 +6556,7 @@
         </p:nvSpPr>
         <p:spPr>
           <a:xfrm>
-            <a:off x="1214438" y="196810"/>
+            <a:off x="1143000" y="199309"/>
             <a:ext cx="6858000" cy="535531"/>
           </a:xfrm>
           <a:prstGeom prst="rect">
@@ -6153,19 +6597,67 @@
           </a:p>
         </p:txBody>
       </p:sp>
+      <p:sp>
+        <p:nvSpPr>
+          <p:cNvPr id="2" name="TextBox 1">
+            <a:extLst>
+              <a:ext uri="{FF2B5EF4-FFF2-40B4-BE49-F238E27FC236}">
+                <a16:creationId xmlns:a16="http://schemas.microsoft.com/office/drawing/2014/main" id="{AB38F26F-C73F-88F4-740B-F663067BEA04}"/>
+              </a:ext>
+            </a:extLst>
+          </p:cNvPr>
+          <p:cNvSpPr txBox="1"/>
+          <p:nvPr/>
+        </p:nvSpPr>
+        <p:spPr>
+          <a:xfrm>
+            <a:off x="661558" y="310687"/>
+            <a:ext cx="646331" cy="307777"/>
+          </a:xfrm>
+          <a:prstGeom prst="rect">
+            <a:avLst/>
+          </a:prstGeom>
+          <a:noFill/>
+        </p:spPr>
+        <p:txBody>
+          <a:bodyPr wrap="none" rtlCol="0">
+            <a:spAutoFit/>
+          </a:bodyPr>
+          <a:lstStyle/>
+          <a:p>
+            <a:r>
+              <a:rPr lang="ru-RU" sz="1400" dirty="0">
+                <a:latin typeface="Times New Roman" panose="02020603050405020304" pitchFamily="18" charset="0"/>
+                <a:cs typeface="Times New Roman" panose="02020603050405020304" pitchFamily="18" charset="0"/>
+                <a:hlinkClick r:id="rId2" action="ppaction://hlinksldjump"/>
+              </a:rPr>
+              <a:t>Назад</a:t>
+            </a:r>
+            <a:endParaRPr lang="ru-RU" sz="1400" dirty="0">
+              <a:latin typeface="Times New Roman" panose="02020603050405020304" pitchFamily="18" charset="0"/>
+              <a:cs typeface="Times New Roman" panose="02020603050405020304" pitchFamily="18" charset="0"/>
+            </a:endParaRPr>
+          </a:p>
+        </p:txBody>
+      </p:sp>
     </p:spTree>
     <p:extLst>
       <p:ext uri="{BB962C8B-B14F-4D97-AF65-F5344CB8AC3E}">
-        <p14:creationId xmlns:p14="http://schemas.microsoft.com/office/powerpoint/2010/main" val="799068459"/>
+        <p14:creationId xmlns:p14="http://schemas.microsoft.com/office/powerpoint/2010/main" val="3025096603"/>
       </p:ext>
     </p:extLst>
   </p:cSld>
   <p:clrMapOvr>
     <a:masterClrMapping/>
   </p:clrMapOvr>
-  <p:transition>
-    <p:dissolve/>
-  </p:transition>
+  <mc:AlternateContent xmlns:mc="http://schemas.openxmlformats.org/markup-compatibility/2006">
+    <mc:Choice xmlns:p14="http://schemas.microsoft.com/office/powerpoint/2010/main" Requires="p14">
+      <p:transition p14:dur="0"/>
+    </mc:Choice>
+    <mc:Fallback>
+      <p:transition/>
+    </mc:Fallback>
+  </mc:AlternateContent>
 </p:sld>
 </file>
 
@@ -6196,8 +6688,8 @@
         </p:nvSpPr>
         <p:spPr>
           <a:xfrm>
-            <a:off x="357126" y="850900"/>
-            <a:ext cx="8490012" cy="5711824"/>
+            <a:off x="746620" y="732341"/>
+            <a:ext cx="7659149" cy="5711824"/>
           </a:xfrm>
           <a:prstGeom prst="rect">
             <a:avLst/>
@@ -6216,10 +6708,10 @@
           </a:bodyPr>
           <a:lstStyle/>
           <a:p>
-            <a:pPr marL="274320" indent="-274320" fontAlgn="auto">
-              <a:spcBef>
-                <a:spcPts val="580"/>
-              </a:spcBef>
+            <a:pPr indent="450000" algn="just" fontAlgn="auto">
+              <a:lnSpc>
+                <a:spcPct val="150000"/>
+              </a:lnSpc>
               <a:spcAft>
                 <a:spcPts val="0"/>
               </a:spcAft>
@@ -6232,18 +6724,18 @@
               <a:defRPr/>
             </a:pPr>
             <a:r>
-              <a:rPr lang="ru-RU" sz="2400" b="1" dirty="0">
+              <a:rPr lang="ru-RU" dirty="0">
                 <a:latin typeface="Times New Roman" pitchFamily="18" charset="0"/>
                 <a:cs typeface="Times New Roman" pitchFamily="18" charset="0"/>
               </a:rPr>
-              <a:t>От куда взялась тема, </a:t>
-            </a:r>
-          </a:p>
-          <a:p>
-            <a:pPr marL="274320" indent="-274320" fontAlgn="auto">
-              <a:spcBef>
-                <a:spcPts val="580"/>
-              </a:spcBef>
+              <a:t>Тема была определена в задании на дипломное проектирование и преддипломную практику, а источником являются увлечения:</a:t>
+            </a:r>
+          </a:p>
+          <a:p>
+            <a:pPr indent="444500" algn="just" fontAlgn="auto">
+              <a:lnSpc>
+                <a:spcPct val="150000"/>
+              </a:lnSpc>
               <a:spcAft>
                 <a:spcPts val="0"/>
               </a:spcAft>
@@ -6251,23 +6743,38 @@
                 <a:schemeClr val="accent1"/>
               </a:buClr>
               <a:buSzPct val="85000"/>
-              <a:buFont typeface="Wingdings 2"/>
-              <a:buNone/>
+              <a:buFont typeface="Symbol" panose="05050102010706020507" pitchFamily="18" charset="2"/>
+              <a:buChar char="-"/>
               <a:defRPr/>
             </a:pPr>
             <a:r>
-              <a:rPr lang="ru-RU" sz="2400" b="1" dirty="0">
+              <a:rPr lang="ru-RU" dirty="0">
                 <a:latin typeface="Times New Roman" pitchFamily="18" charset="0"/>
                 <a:cs typeface="Times New Roman" pitchFamily="18" charset="0"/>
               </a:rPr>
-              <a:t>Предметная область</a:t>
-            </a:r>
-          </a:p>
-          <a:p>
-            <a:pPr marL="274320" indent="-274320" fontAlgn="auto">
-              <a:spcBef>
-                <a:spcPts val="580"/>
-              </a:spcBef>
+              <a:t>музыка (инструменты </a:t>
+            </a:r>
+            <a:r>
+              <a:rPr lang="ru-RU" dirty="0">
+                <a:latin typeface="Times New Roman" pitchFamily="18" charset="0"/>
+                <a:cs typeface="Times New Roman" pitchFamily="18" charset="0"/>
+                <a:sym typeface="Symbol" panose="05050102010706020507" pitchFamily="18" charset="2"/>
+              </a:rPr>
+              <a:t></a:t>
+            </a:r>
+            <a:r>
+              <a:rPr lang="ru-RU" dirty="0">
+                <a:latin typeface="Times New Roman" pitchFamily="18" charset="0"/>
+                <a:cs typeface="Times New Roman" pitchFamily="18" charset="0"/>
+              </a:rPr>
+              <a:t> гитара, синтезатор, укулеле и электрогитара);</a:t>
+            </a:r>
+          </a:p>
+          <a:p>
+            <a:pPr indent="444500" algn="just" fontAlgn="auto">
+              <a:lnSpc>
+                <a:spcPct val="150000"/>
+              </a:lnSpc>
               <a:spcAft>
                 <a:spcPts val="0"/>
               </a:spcAft>
@@ -6275,21 +6782,39 @@
                 <a:schemeClr val="accent1"/>
               </a:buClr>
               <a:buSzPct val="85000"/>
-              <a:buFont typeface="Wingdings 2"/>
-              <a:buNone/>
+              <a:buFont typeface="Symbol" panose="05050102010706020507" pitchFamily="18" charset="2"/>
+              <a:buChar char="-"/>
               <a:defRPr/>
             </a:pPr>
             <a:r>
-              <a:rPr lang="ru-RU" sz="2400" b="1" dirty="0">
+              <a:rPr lang="ru-RU" dirty="0">
                 <a:latin typeface="Times New Roman" pitchFamily="18" charset="0"/>
                 <a:cs typeface="Times New Roman" pitchFamily="18" charset="0"/>
               </a:rPr>
-              <a:t>Похожие аналоги</a:t>
-            </a:r>
-            <a:endParaRPr lang="ru-RU" sz="2400" dirty="0">
-              <a:latin typeface="Times New Roman" pitchFamily="18" charset="0"/>
-              <a:cs typeface="Times New Roman" pitchFamily="18" charset="0"/>
-            </a:endParaRPr>
+              <a:t>сочинение мелодий.</a:t>
+            </a:r>
+          </a:p>
+          <a:p>
+            <a:pPr indent="444500" algn="just" fontAlgn="auto">
+              <a:lnSpc>
+                <a:spcPct val="150000"/>
+              </a:lnSpc>
+              <a:spcAft>
+                <a:spcPts val="0"/>
+              </a:spcAft>
+              <a:buClr>
+                <a:schemeClr val="accent1"/>
+              </a:buClr>
+              <a:buSzPct val="85000"/>
+              <a:defRPr/>
+            </a:pPr>
+            <a:r>
+              <a:rPr lang="ru-RU" dirty="0">
+                <a:latin typeface="Times New Roman" pitchFamily="18" charset="0"/>
+                <a:cs typeface="Times New Roman" pitchFamily="18" charset="0"/>
+              </a:rPr>
+              <a:t>Помимо, перечисленного, ещё имеет место быть  выступления на концертах. В первую очередь семейные. Также, занятия в ансамбле гитаристов в ДДЮТе Московского района, и выступление этим ансамблем в социальные дома, а также на концертах в БКЗ и в Аничковом дворце.</a:t>
+            </a:r>
           </a:p>
         </p:txBody>
       </p:sp>
@@ -6301,7 +6826,7 @@
         </p:nvSpPr>
         <p:spPr>
           <a:xfrm>
-            <a:off x="1214438" y="196810"/>
+            <a:off x="1143000" y="196810"/>
             <a:ext cx="6858000" cy="535531"/>
           </a:xfrm>
           <a:prstGeom prst="rect">
@@ -6342,14 +6867,62 @@
           </a:p>
         </p:txBody>
       </p:sp>
+      <p:sp>
+        <p:nvSpPr>
+          <p:cNvPr id="5" name="TextBox 4">
+            <a:extLst>
+              <a:ext uri="{FF2B5EF4-FFF2-40B4-BE49-F238E27FC236}">
+                <a16:creationId xmlns:a16="http://schemas.microsoft.com/office/drawing/2014/main" id="{0D6935BC-CFE3-43B2-18CB-9AC94E469070}"/>
+              </a:ext>
+            </a:extLst>
+          </p:cNvPr>
+          <p:cNvSpPr txBox="1"/>
+          <p:nvPr/>
+        </p:nvSpPr>
+        <p:spPr>
+          <a:xfrm>
+            <a:off x="661558" y="310687"/>
+            <a:ext cx="646331" cy="307777"/>
+          </a:xfrm>
+          <a:prstGeom prst="rect">
+            <a:avLst/>
+          </a:prstGeom>
+          <a:noFill/>
+        </p:spPr>
+        <p:txBody>
+          <a:bodyPr wrap="none" rtlCol="0">
+            <a:spAutoFit/>
+          </a:bodyPr>
+          <a:lstStyle/>
+          <a:p>
+            <a:r>
+              <a:rPr lang="ru-RU" sz="1400" dirty="0">
+                <a:latin typeface="Times New Roman" panose="02020603050405020304" pitchFamily="18" charset="0"/>
+                <a:cs typeface="Times New Roman" panose="02020603050405020304" pitchFamily="18" charset="0"/>
+                <a:hlinkClick r:id="rId2" action="ppaction://hlinksldjump"/>
+              </a:rPr>
+              <a:t>Назад</a:t>
+            </a:r>
+            <a:endParaRPr lang="ru-RU" sz="1400" dirty="0">
+              <a:latin typeface="Times New Roman" panose="02020603050405020304" pitchFamily="18" charset="0"/>
+              <a:cs typeface="Times New Roman" panose="02020603050405020304" pitchFamily="18" charset="0"/>
+            </a:endParaRPr>
+          </a:p>
+        </p:txBody>
+      </p:sp>
     </p:spTree>
   </p:cSld>
   <p:clrMapOvr>
     <a:masterClrMapping/>
   </p:clrMapOvr>
-  <p:transition>
-    <p:dissolve/>
-  </p:transition>
+  <mc:AlternateContent xmlns:mc="http://schemas.openxmlformats.org/markup-compatibility/2006">
+    <mc:Choice xmlns:p14="http://schemas.microsoft.com/office/powerpoint/2010/main" Requires="p14">
+      <p:transition p14:dur="0"/>
+    </mc:Choice>
+    <mc:Fallback>
+      <p:transition/>
+    </mc:Fallback>
+  </mc:AlternateContent>
 </p:sld>
 </file>
 
@@ -6380,8 +6953,8 @@
         </p:nvSpPr>
         <p:spPr>
           <a:xfrm>
-            <a:off x="285688" y="1003300"/>
-            <a:ext cx="8858312" cy="5711824"/>
+            <a:off x="763398" y="732341"/>
+            <a:ext cx="7625593" cy="5711824"/>
           </a:xfrm>
           <a:prstGeom prst="rect">
             <a:avLst/>
@@ -6400,10 +6973,10 @@
           </a:bodyPr>
           <a:lstStyle/>
           <a:p>
-            <a:pPr marL="274320" indent="-274320" fontAlgn="auto">
-              <a:spcBef>
-                <a:spcPts val="580"/>
-              </a:spcBef>
+            <a:pPr indent="450000" algn="just" fontAlgn="auto">
+              <a:lnSpc>
+                <a:spcPct val="150000"/>
+              </a:lnSpc>
               <a:spcAft>
                 <a:spcPts val="0"/>
               </a:spcAft>
@@ -6416,18 +6989,18 @@
               <a:defRPr/>
             </a:pPr>
             <a:r>
-              <a:rPr lang="ru-RU" sz="2400" b="1" dirty="0">
+              <a:rPr lang="ru-RU" dirty="0">
                 <a:latin typeface="Times New Roman" pitchFamily="18" charset="0"/>
                 <a:cs typeface="Times New Roman" pitchFamily="18" charset="0"/>
               </a:rPr>
-              <a:t>Кто пользователи проекта</a:t>
-            </a:r>
-          </a:p>
-          <a:p>
-            <a:pPr marL="274320" indent="-274320" fontAlgn="auto">
-              <a:spcBef>
-                <a:spcPts val="580"/>
-              </a:spcBef>
+              <a:t>Пользователями разработанного ПО будут:</a:t>
+            </a:r>
+          </a:p>
+          <a:p>
+            <a:pPr indent="450000" algn="just" fontAlgn="auto">
+              <a:lnSpc>
+                <a:spcPct val="150000"/>
+              </a:lnSpc>
               <a:spcAft>
                 <a:spcPts val="0"/>
               </a:spcAft>
@@ -6435,16 +7008,40 @@
                 <a:schemeClr val="accent1"/>
               </a:buClr>
               <a:buSzPct val="85000"/>
-              <a:buFont typeface="Wingdings 2"/>
-              <a:buNone/>
+              <a:buFont typeface="Symbol" panose="05050102010706020507" pitchFamily="18" charset="2"/>
+              <a:buChar char="-"/>
               <a:defRPr/>
             </a:pPr>
             <a:r>
-              <a:rPr lang="ru-RU" sz="2400" b="1" dirty="0">
+              <a:rPr lang="ru-RU" dirty="0">
                 <a:latin typeface="Times New Roman" pitchFamily="18" charset="0"/>
                 <a:cs typeface="Times New Roman" pitchFamily="18" charset="0"/>
               </a:rPr>
-              <a:t>Как они будут пользоваться</a:t>
+              <a:t>сотрудники торговых точек, занимающихся продажей музыкальных товаров, среди которых: директора, администраторы, операторы, продавцы (формируют заказы в магазине), менеджеры по заказам (формируют заказы на пункт выдачи) и менеджеры по складам;</a:t>
+            </a:r>
+          </a:p>
+          <a:p>
+            <a:pPr indent="450000" algn="just" fontAlgn="auto">
+              <a:lnSpc>
+                <a:spcPct val="150000"/>
+              </a:lnSpc>
+              <a:spcAft>
+                <a:spcPts val="0"/>
+              </a:spcAft>
+              <a:buClr>
+                <a:schemeClr val="accent1"/>
+              </a:buClr>
+              <a:buSzPct val="85000"/>
+              <a:buFont typeface="Symbol" panose="05050102010706020507" pitchFamily="18" charset="2"/>
+              <a:buChar char="-"/>
+              <a:defRPr/>
+            </a:pPr>
+            <a:r>
+              <a:rPr lang="ru-RU" dirty="0">
+                <a:latin typeface="Times New Roman" pitchFamily="18" charset="0"/>
+                <a:cs typeface="Times New Roman" pitchFamily="18" charset="0"/>
+              </a:rPr>
+              <a:t>Клиенты этих торговых точек (покупатели).</a:t>
             </a:r>
           </a:p>
         </p:txBody>
@@ -6457,7 +7054,7 @@
         </p:nvSpPr>
         <p:spPr>
           <a:xfrm>
-            <a:off x="1214438" y="196810"/>
+            <a:off x="1143000" y="196810"/>
             <a:ext cx="6858000" cy="535531"/>
           </a:xfrm>
           <a:prstGeom prst="rect">
@@ -6498,6 +7095,49 @@
           </a:p>
         </p:txBody>
       </p:sp>
+      <p:sp>
+        <p:nvSpPr>
+          <p:cNvPr id="2" name="TextBox 1">
+            <a:extLst>
+              <a:ext uri="{FF2B5EF4-FFF2-40B4-BE49-F238E27FC236}">
+                <a16:creationId xmlns:a16="http://schemas.microsoft.com/office/drawing/2014/main" id="{C0705596-B198-5BD4-4A61-7B475B4F12B7}"/>
+              </a:ext>
+            </a:extLst>
+          </p:cNvPr>
+          <p:cNvSpPr txBox="1"/>
+          <p:nvPr/>
+        </p:nvSpPr>
+        <p:spPr>
+          <a:xfrm>
+            <a:off x="661558" y="310687"/>
+            <a:ext cx="646331" cy="307777"/>
+          </a:xfrm>
+          <a:prstGeom prst="rect">
+            <a:avLst/>
+          </a:prstGeom>
+          <a:noFill/>
+        </p:spPr>
+        <p:txBody>
+          <a:bodyPr wrap="none" rtlCol="0">
+            <a:spAutoFit/>
+          </a:bodyPr>
+          <a:lstStyle/>
+          <a:p>
+            <a:r>
+              <a:rPr lang="ru-RU" sz="1400" dirty="0">
+                <a:latin typeface="Times New Roman" panose="02020603050405020304" pitchFamily="18" charset="0"/>
+                <a:cs typeface="Times New Roman" panose="02020603050405020304" pitchFamily="18" charset="0"/>
+                <a:hlinkClick r:id="rId2" action="ppaction://hlinksldjump"/>
+              </a:rPr>
+              <a:t>Назад</a:t>
+            </a:r>
+            <a:endParaRPr lang="ru-RU" sz="1400" dirty="0">
+              <a:latin typeface="Times New Roman" panose="02020603050405020304" pitchFamily="18" charset="0"/>
+              <a:cs typeface="Times New Roman" panose="02020603050405020304" pitchFamily="18" charset="0"/>
+            </a:endParaRPr>
+          </a:p>
+        </p:txBody>
+      </p:sp>
     </p:spTree>
     <p:extLst>
       <p:ext uri="{BB962C8B-B14F-4D97-AF65-F5344CB8AC3E}">
@@ -6508,9 +7148,14 @@
   <p:clrMapOvr>
     <a:masterClrMapping/>
   </p:clrMapOvr>
-  <p:transition>
-    <p:dissolve/>
-  </p:transition>
+  <mc:AlternateContent xmlns:mc="http://schemas.openxmlformats.org/markup-compatibility/2006">
+    <mc:Choice xmlns:p14="http://schemas.microsoft.com/office/powerpoint/2010/main" Requires="p14">
+      <p:transition p14:dur="0"/>
+    </mc:Choice>
+    <mc:Fallback>
+      <p:transition/>
+    </mc:Fallback>
+  </mc:AlternateContent>
 </p:sld>
 </file>
 
@@ -6541,8 +7186,8 @@
         </p:nvSpPr>
         <p:spPr>
           <a:xfrm>
-            <a:off x="285688" y="847658"/>
-            <a:ext cx="8858312" cy="5711824"/>
+            <a:off x="780176" y="732341"/>
+            <a:ext cx="7608815" cy="5711824"/>
           </a:xfrm>
           <a:prstGeom prst="rect">
             <a:avLst/>
@@ -6561,7 +7206,31 @@
           </a:bodyPr>
           <a:lstStyle/>
           <a:p>
-            <a:pPr marL="274320" indent="-274320" fontAlgn="auto">
+            <a:pPr indent="450000" algn="just" fontAlgn="auto">
+              <a:lnSpc>
+                <a:spcPct val="150000"/>
+              </a:lnSpc>
+              <a:spcAft>
+                <a:spcPts val="0"/>
+              </a:spcAft>
+              <a:buClr>
+                <a:schemeClr val="accent1"/>
+              </a:buClr>
+              <a:buSzPct val="85000"/>
+              <a:buFont typeface="Wingdings 2"/>
+              <a:buNone/>
+              <a:defRPr/>
+            </a:pPr>
+            <a:r>
+              <a:rPr lang="ru-RU" dirty="0">
+                <a:latin typeface="Times New Roman" pitchFamily="18" charset="0"/>
+                <a:cs typeface="Times New Roman" pitchFamily="18" charset="0"/>
+              </a:rPr>
+              <a:t>Требования к функциональным характеристикам:</a:t>
+            </a:r>
+          </a:p>
+          <a:p>
+            <a:pPr marL="274320" indent="-274320" algn="just" fontAlgn="auto">
               <a:spcBef>
                 <a:spcPts val="580"/>
               </a:spcBef>
@@ -6576,13 +7245,10 @@
               <a:buNone/>
               <a:defRPr/>
             </a:pPr>
-            <a:r>
-              <a:rPr lang="ru-RU" sz="2400" b="1" dirty="0">
-                <a:latin typeface="Times New Roman" pitchFamily="18" charset="0"/>
-                <a:cs typeface="Times New Roman" pitchFamily="18" charset="0"/>
-              </a:rPr>
-              <a:t>Требования к функциональным характеристикам</a:t>
-            </a:r>
+            <a:endParaRPr lang="ru-RU" sz="1600" dirty="0">
+              <a:latin typeface="Times New Roman" pitchFamily="18" charset="0"/>
+              <a:cs typeface="Times New Roman" pitchFamily="18" charset="0"/>
+            </a:endParaRPr>
           </a:p>
         </p:txBody>
       </p:sp>
@@ -6594,7 +7260,7 @@
         </p:nvSpPr>
         <p:spPr>
           <a:xfrm>
-            <a:off x="1214438" y="196810"/>
+            <a:off x="1143000" y="216087"/>
             <a:ext cx="6858000" cy="535531"/>
           </a:xfrm>
           <a:prstGeom prst="rect">
@@ -6635,6 +7301,49 @@
           </a:p>
         </p:txBody>
       </p:sp>
+      <p:sp>
+        <p:nvSpPr>
+          <p:cNvPr id="2" name="TextBox 1">
+            <a:extLst>
+              <a:ext uri="{FF2B5EF4-FFF2-40B4-BE49-F238E27FC236}">
+                <a16:creationId xmlns:a16="http://schemas.microsoft.com/office/drawing/2014/main" id="{8F25F430-8E1C-D735-102E-7B783B2181F8}"/>
+              </a:ext>
+            </a:extLst>
+          </p:cNvPr>
+          <p:cNvSpPr txBox="1"/>
+          <p:nvPr/>
+        </p:nvSpPr>
+        <p:spPr>
+          <a:xfrm>
+            <a:off x="661558" y="310687"/>
+            <a:ext cx="646331" cy="307777"/>
+          </a:xfrm>
+          <a:prstGeom prst="rect">
+            <a:avLst/>
+          </a:prstGeom>
+          <a:noFill/>
+        </p:spPr>
+        <p:txBody>
+          <a:bodyPr wrap="none" rtlCol="0">
+            <a:spAutoFit/>
+          </a:bodyPr>
+          <a:lstStyle/>
+          <a:p>
+            <a:r>
+              <a:rPr lang="ru-RU" sz="1400" dirty="0">
+                <a:latin typeface="Times New Roman" panose="02020603050405020304" pitchFamily="18" charset="0"/>
+                <a:cs typeface="Times New Roman" panose="02020603050405020304" pitchFamily="18" charset="0"/>
+                <a:hlinkClick r:id="rId2" action="ppaction://hlinksldjump"/>
+              </a:rPr>
+              <a:t>Назад</a:t>
+            </a:r>
+            <a:endParaRPr lang="ru-RU" sz="1400" dirty="0">
+              <a:latin typeface="Times New Roman" panose="02020603050405020304" pitchFamily="18" charset="0"/>
+              <a:cs typeface="Times New Roman" panose="02020603050405020304" pitchFamily="18" charset="0"/>
+            </a:endParaRPr>
+          </a:p>
+        </p:txBody>
+      </p:sp>
     </p:spTree>
     <p:extLst>
       <p:ext uri="{BB962C8B-B14F-4D97-AF65-F5344CB8AC3E}">
@@ -6645,9 +7354,14 @@
   <p:clrMapOvr>
     <a:masterClrMapping/>
   </p:clrMapOvr>
-  <p:transition>
-    <p:dissolve/>
-  </p:transition>
+  <mc:AlternateContent xmlns:mc="http://schemas.openxmlformats.org/markup-compatibility/2006">
+    <mc:Choice xmlns:p14="http://schemas.microsoft.com/office/powerpoint/2010/main" Requires="p14">
+      <p:transition p14:dur="0"/>
+    </mc:Choice>
+    <mc:Fallback>
+      <p:transition/>
+    </mc:Fallback>
+  </mc:AlternateContent>
 </p:sld>
 </file>
 
@@ -6782,9 +7496,14 @@
   <p:clrMapOvr>
     <a:masterClrMapping/>
   </p:clrMapOvr>
-  <p:transition>
-    <p:dissolve/>
-  </p:transition>
+  <mc:AlternateContent xmlns:mc="http://schemas.openxmlformats.org/markup-compatibility/2006">
+    <mc:Choice xmlns:p14="http://schemas.microsoft.com/office/powerpoint/2010/main" Requires="p14">
+      <p:transition p14:dur="0"/>
+    </mc:Choice>
+    <mc:Fallback>
+      <p:transition/>
+    </mc:Fallback>
+  </mc:AlternateContent>
 </p:sld>
 </file>
 
@@ -6971,9 +7690,14 @@
   <p:clrMapOvr>
     <a:masterClrMapping/>
   </p:clrMapOvr>
-  <p:transition>
-    <p:dissolve/>
-  </p:transition>
+  <mc:AlternateContent xmlns:mc="http://schemas.openxmlformats.org/markup-compatibility/2006">
+    <mc:Choice xmlns:p14="http://schemas.microsoft.com/office/powerpoint/2010/main" Requires="p14">
+      <p:transition p14:dur="0"/>
+    </mc:Choice>
+    <mc:Fallback>
+      <p:transition/>
+    </mc:Fallback>
+  </mc:AlternateContent>
 </p:sld>
 </file>
 
@@ -7139,16 +7863,21 @@
   <p:clrMapOvr>
     <a:masterClrMapping/>
   </p:clrMapOvr>
-  <p:transition>
-    <p:dissolve/>
-  </p:transition>
+  <mc:AlternateContent xmlns:mc="http://schemas.openxmlformats.org/markup-compatibility/2006">
+    <mc:Choice xmlns:p14="http://schemas.microsoft.com/office/powerpoint/2010/main" Requires="p14">
+      <p:transition p14:dur="0"/>
+    </mc:Choice>
+    <mc:Fallback>
+      <p:transition/>
+    </mc:Fallback>
+  </mc:AlternateContent>
 </p:sld>
 </file>
 
 <file path=ppt/theme/theme1.xml><?xml version="1.0" encoding="utf-8"?>
 <a:theme xmlns:a="http://schemas.openxmlformats.org/drawingml/2006/main" name="Тема Office">
   <a:themeElements>
-    <a:clrScheme name="Бумажная">
+    <a:clrScheme name="Тема Office">
       <a:dk1>
         <a:sysClr val="windowText" lastClr="000000"/>
       </a:dk1>
@@ -7156,45 +7885,80 @@
         <a:sysClr val="window" lastClr="FFFFFF"/>
       </a:lt1>
       <a:dk2>
-        <a:srgbClr val="444D26"/>
+        <a:srgbClr val="44546A"/>
       </a:dk2>
       <a:lt2>
-        <a:srgbClr val="FEFAC9"/>
+        <a:srgbClr val="E7E6E6"/>
       </a:lt2>
       <a:accent1>
-        <a:srgbClr val="A5B592"/>
+        <a:srgbClr val="4472C4"/>
       </a:accent1>
       <a:accent2>
-        <a:srgbClr val="F3A447"/>
+        <a:srgbClr val="ED7D31"/>
       </a:accent2>
       <a:accent3>
-        <a:srgbClr val="E7BC29"/>
+        <a:srgbClr val="A5A5A5"/>
       </a:accent3>
       <a:accent4>
-        <a:srgbClr val="D092A7"/>
+        <a:srgbClr val="FFC000"/>
       </a:accent4>
       <a:accent5>
-        <a:srgbClr val="9C85C0"/>
+        <a:srgbClr val="5B9BD5"/>
       </a:accent5>
       <a:accent6>
-        <a:srgbClr val="809EC2"/>
+        <a:srgbClr val="70AD47"/>
       </a:accent6>
       <a:hlink>
-        <a:srgbClr val="8E58B6"/>
+        <a:srgbClr val="0563C1"/>
       </a:hlink>
       <a:folHlink>
-        <a:srgbClr val="7F6F6F"/>
+        <a:srgbClr val="954F72"/>
       </a:folHlink>
     </a:clrScheme>
-    <a:fontScheme name="Классическая 2">
+    <a:fontScheme name="Тема Office">
       <a:majorFont>
-        <a:latin typeface="Arial"/>
+        <a:latin typeface="Calibri Light" panose="020F0302020204030204"/>
         <a:ea typeface=""/>
         <a:cs typeface=""/>
-        <a:font script="Jpan" typeface="ＭＳ Ｐゴシック"/>
-        <a:font script="Hang" typeface="굴림"/>
-        <a:font script="Hans" typeface="黑体"/>
-        <a:font script="Hant" typeface="微軟正黑體"/>
+        <a:font script="Jpan" typeface="游ゴシック Light"/>
+        <a:font script="Hang" typeface="맑은 고딕"/>
+        <a:font script="Hans" typeface="等线 Light"/>
+        <a:font script="Hant" typeface="新細明體"/>
+        <a:font script="Arab" typeface="Times New Roman"/>
+        <a:font script="Hebr" typeface="Times New Roman"/>
+        <a:font script="Thai" typeface="Angsana New"/>
+        <a:font script="Ethi" typeface="Nyala"/>
+        <a:font script="Beng" typeface="Vrinda"/>
+        <a:font script="Gujr" typeface="Shruti"/>
+        <a:font script="Khmr" typeface="MoolBoran"/>
+        <a:font script="Knda" typeface="Tunga"/>
+        <a:font script="Guru" typeface="Raavi"/>
+        <a:font script="Cans" typeface="Euphemia"/>
+        <a:font script="Cher" typeface="Plantagenet Cherokee"/>
+        <a:font script="Yiii" typeface="Microsoft Yi Baiti"/>
+        <a:font script="Tibt" typeface="Microsoft Himalaya"/>
+        <a:font script="Thaa" typeface="MV Boli"/>
+        <a:font script="Deva" typeface="Mangal"/>
+        <a:font script="Telu" typeface="Gautami"/>
+        <a:font script="Taml" typeface="Latha"/>
+        <a:font script="Syrc" typeface="Estrangelo Edessa"/>
+        <a:font script="Orya" typeface="Kalinga"/>
+        <a:font script="Mlym" typeface="Kartika"/>
+        <a:font script="Laoo" typeface="DokChampa"/>
+        <a:font script="Sinh" typeface="Iskoola Pota"/>
+        <a:font script="Mong" typeface="Mongolian Baiti"/>
+        <a:font script="Viet" typeface="Times New Roman"/>
+        <a:font script="Uigh" typeface="Microsoft Uighur"/>
+        <a:font script="Geor" typeface="Sylfaen"/>
+      </a:majorFont>
+      <a:minorFont>
+        <a:latin typeface="Calibri" panose="020F0502020204030204"/>
+        <a:ea typeface=""/>
+        <a:cs typeface=""/>
+        <a:font script="Jpan" typeface="游ゴシック"/>
+        <a:font script="Hang" typeface="맑은 고딕"/>
+        <a:font script="Hans" typeface="等线"/>
+        <a:font script="Hant" typeface="新細明體"/>
         <a:font script="Arab" typeface="Arial"/>
         <a:font script="Hebr" typeface="Arial"/>
         <a:font script="Thai" typeface="Cordia New"/>
@@ -7220,43 +7984,10 @@
         <a:font script="Mong" typeface="Mongolian Baiti"/>
         <a:font script="Viet" typeface="Arial"/>
         <a:font script="Uigh" typeface="Microsoft Uighur"/>
-      </a:majorFont>
-      <a:minorFont>
-        <a:latin typeface="Arial"/>
-        <a:ea typeface=""/>
-        <a:cs typeface=""/>
-        <a:font script="Jpan" typeface="ＭＳ Ｐゴシック"/>
-        <a:font script="Hang" typeface="굴림"/>
-        <a:font script="Hans" typeface="黑体"/>
-        <a:font script="Hant" typeface="微軟正黑體"/>
-        <a:font script="Arab" typeface="Arial"/>
-        <a:font script="Hebr" typeface="Arial"/>
-        <a:font script="Thai" typeface="Cordia New"/>
-        <a:font script="Ethi" typeface="Nyala"/>
-        <a:font script="Beng" typeface="Vrinda"/>
-        <a:font script="Gujr" typeface="Shruti"/>
-        <a:font script="Khmr" typeface="DaunPenh"/>
-        <a:font script="Knda" typeface="Tunga"/>
-        <a:font script="Guru" typeface="Raavi"/>
-        <a:font script="Cans" typeface="Euphemia"/>
-        <a:font script="Cher" typeface="Plantagenet Cherokee"/>
-        <a:font script="Yiii" typeface="Microsoft Yi Baiti"/>
-        <a:font script="Tibt" typeface="Microsoft Himalaya"/>
-        <a:font script="Thaa" typeface="MV Boli"/>
-        <a:font script="Deva" typeface="Mangal"/>
-        <a:font script="Telu" typeface="Gautami"/>
-        <a:font script="Taml" typeface="Latha"/>
-        <a:font script="Syrc" typeface="Estrangelo Edessa"/>
-        <a:font script="Orya" typeface="Kalinga"/>
-        <a:font script="Mlym" typeface="Kartika"/>
-        <a:font script="Laoo" typeface="DokChampa"/>
-        <a:font script="Sinh" typeface="Iskoola Pota"/>
-        <a:font script="Mong" typeface="Mongolian Baiti"/>
-        <a:font script="Viet" typeface="Arial"/>
-        <a:font script="Uigh" typeface="Microsoft Uighur"/>
+        <a:font script="Geor" typeface="Sylfaen"/>
       </a:minorFont>
     </a:fontScheme>
-    <a:fmtScheme name="Стандартная">
+    <a:fmtScheme name="Тема Office">
       <a:fillStyleLst>
         <a:solidFill>
           <a:schemeClr val="phClr"/>
@@ -7265,166 +7996,142 @@
           <a:gsLst>
             <a:gs pos="0">
               <a:schemeClr val="phClr">
-                <a:tint val="50000"/>
-                <a:satMod val="300000"/>
+                <a:lumMod val="110000"/>
+                <a:satMod val="105000"/>
+                <a:tint val="67000"/>
               </a:schemeClr>
             </a:gs>
-            <a:gs pos="35000">
+            <a:gs pos="50000">
               <a:schemeClr val="phClr">
-                <a:tint val="37000"/>
-                <a:satMod val="300000"/>
+                <a:lumMod val="105000"/>
+                <a:satMod val="103000"/>
+                <a:tint val="73000"/>
               </a:schemeClr>
             </a:gs>
             <a:gs pos="100000">
               <a:schemeClr val="phClr">
-                <a:tint val="15000"/>
-                <a:satMod val="350000"/>
+                <a:lumMod val="105000"/>
+                <a:satMod val="109000"/>
+                <a:tint val="81000"/>
               </a:schemeClr>
             </a:gs>
           </a:gsLst>
-          <a:lin ang="16200000" scaled="1"/>
+          <a:lin ang="5400000" scaled="0"/>
         </a:gradFill>
         <a:gradFill rotWithShape="1">
           <a:gsLst>
             <a:gs pos="0">
               <a:schemeClr val="phClr">
-                <a:shade val="51000"/>
-                <a:satMod val="130000"/>
+                <a:satMod val="103000"/>
+                <a:lumMod val="102000"/>
+                <a:tint val="94000"/>
               </a:schemeClr>
             </a:gs>
-            <a:gs pos="80000">
+            <a:gs pos="50000">
               <a:schemeClr val="phClr">
-                <a:shade val="93000"/>
-                <a:satMod val="130000"/>
+                <a:satMod val="110000"/>
+                <a:lumMod val="100000"/>
+                <a:shade val="100000"/>
               </a:schemeClr>
             </a:gs>
             <a:gs pos="100000">
               <a:schemeClr val="phClr">
-                <a:shade val="94000"/>
-                <a:satMod val="135000"/>
+                <a:lumMod val="99000"/>
+                <a:satMod val="120000"/>
+                <a:shade val="78000"/>
               </a:schemeClr>
             </a:gs>
           </a:gsLst>
-          <a:lin ang="16200000" scaled="0"/>
+          <a:lin ang="5400000" scaled="0"/>
         </a:gradFill>
       </a:fillStyleLst>
       <a:lnStyleLst>
-        <a:ln w="9525" cap="flat" cmpd="sng" algn="ctr">
-          <a:solidFill>
-            <a:schemeClr val="phClr">
-              <a:shade val="95000"/>
-              <a:satMod val="105000"/>
-            </a:schemeClr>
-          </a:solidFill>
-          <a:prstDash val="solid"/>
-        </a:ln>
-        <a:ln w="25400" cap="flat" cmpd="sng" algn="ctr">
+        <a:ln w="6350" cap="flat" cmpd="sng" algn="ctr">
           <a:solidFill>
             <a:schemeClr val="phClr"/>
           </a:solidFill>
           <a:prstDash val="solid"/>
+          <a:miter lim="800000"/>
         </a:ln>
-        <a:ln w="38100" cap="flat" cmpd="sng" algn="ctr">
+        <a:ln w="12700" cap="flat" cmpd="sng" algn="ctr">
           <a:solidFill>
             <a:schemeClr val="phClr"/>
           </a:solidFill>
           <a:prstDash val="solid"/>
+          <a:miter lim="800000"/>
+        </a:ln>
+        <a:ln w="19050" cap="flat" cmpd="sng" algn="ctr">
+          <a:solidFill>
+            <a:schemeClr val="phClr"/>
+          </a:solidFill>
+          <a:prstDash val="solid"/>
+          <a:miter lim="800000"/>
         </a:ln>
       </a:lnStyleLst>
       <a:effectStyleLst>
         <a:effectStyle>
+          <a:effectLst/>
+        </a:effectStyle>
+        <a:effectStyle>
+          <a:effectLst/>
+        </a:effectStyle>
+        <a:effectStyle>
           <a:effectLst>
-            <a:outerShdw blurRad="40000" dist="20000" dir="5400000" rotWithShape="0">
+            <a:outerShdw blurRad="57150" dist="19050" dir="5400000" algn="ctr" rotWithShape="0">
               <a:srgbClr val="000000">
-                <a:alpha val="38000"/>
+                <a:alpha val="63000"/>
               </a:srgbClr>
             </a:outerShdw>
           </a:effectLst>
-        </a:effectStyle>
-        <a:effectStyle>
-          <a:effectLst>
-            <a:outerShdw blurRad="40000" dist="23000" dir="5400000" rotWithShape="0">
-              <a:srgbClr val="000000">
-                <a:alpha val="35000"/>
-              </a:srgbClr>
-            </a:outerShdw>
-          </a:effectLst>
-        </a:effectStyle>
-        <a:effectStyle>
-          <a:effectLst>
-            <a:outerShdw blurRad="40000" dist="23000" dir="5400000" rotWithShape="0">
-              <a:srgbClr val="000000">
-                <a:alpha val="35000"/>
-              </a:srgbClr>
-            </a:outerShdw>
-          </a:effectLst>
-          <a:scene3d>
-            <a:camera prst="orthographicFront">
-              <a:rot lat="0" lon="0" rev="0"/>
-            </a:camera>
-            <a:lightRig rig="threePt" dir="t">
-              <a:rot lat="0" lon="0" rev="1200000"/>
-            </a:lightRig>
-          </a:scene3d>
-          <a:sp3d>
-            <a:bevelT w="63500" h="25400"/>
-          </a:sp3d>
         </a:effectStyle>
       </a:effectStyleLst>
       <a:bgFillStyleLst>
         <a:solidFill>
           <a:schemeClr val="phClr"/>
         </a:solidFill>
+        <a:solidFill>
+          <a:schemeClr val="phClr">
+            <a:tint val="95000"/>
+            <a:satMod val="170000"/>
+          </a:schemeClr>
+        </a:solidFill>
         <a:gradFill rotWithShape="1">
           <a:gsLst>
             <a:gs pos="0">
               <a:schemeClr val="phClr">
-                <a:tint val="40000"/>
-                <a:satMod val="350000"/>
+                <a:tint val="93000"/>
+                <a:satMod val="150000"/>
+                <a:shade val="98000"/>
+                <a:lumMod val="102000"/>
               </a:schemeClr>
             </a:gs>
-            <a:gs pos="40000">
+            <a:gs pos="50000">
               <a:schemeClr val="phClr">
-                <a:tint val="45000"/>
-                <a:shade val="99000"/>
-                <a:satMod val="350000"/>
+                <a:tint val="98000"/>
+                <a:satMod val="130000"/>
+                <a:shade val="90000"/>
+                <a:lumMod val="103000"/>
               </a:schemeClr>
             </a:gs>
             <a:gs pos="100000">
               <a:schemeClr val="phClr">
-                <a:shade val="20000"/>
-                <a:satMod val="255000"/>
+                <a:shade val="63000"/>
+                <a:satMod val="120000"/>
               </a:schemeClr>
             </a:gs>
           </a:gsLst>
-          <a:path path="circle">
-            <a:fillToRect l="50000" t="-80000" r="50000" b="180000"/>
-          </a:path>
-        </a:gradFill>
-        <a:gradFill rotWithShape="1">
-          <a:gsLst>
-            <a:gs pos="0">
-              <a:schemeClr val="phClr">
-                <a:tint val="80000"/>
-                <a:satMod val="300000"/>
-              </a:schemeClr>
-            </a:gs>
-            <a:gs pos="100000">
-              <a:schemeClr val="phClr">
-                <a:shade val="30000"/>
-                <a:satMod val="200000"/>
-              </a:schemeClr>
-            </a:gs>
-          </a:gsLst>
-          <a:path path="circle">
-            <a:fillToRect l="50000" t="50000" r="50000" b="50000"/>
-          </a:path>
+          <a:lin ang="5400000" scaled="0"/>
         </a:gradFill>
       </a:bgFillStyleLst>
     </a:fmtScheme>
   </a:themeElements>
   <a:objectDefaults/>
   <a:extraClrSchemeLst/>
+  <a:extLst>
+    <a:ext uri="{05A4C25C-085E-4340-85A3-A5531E510DB2}">
+      <thm15:themeFamily xmlns:thm15="http://schemas.microsoft.com/office/thememl/2012/main" name="Office Theme 2013 - 2022" id="{62F939B6-93AF-4DB8-9C6B-D6C7DFDC589F}" vid="{4A3C46E8-61CC-4603-A589-7422A47A8E4A}"/>
+    </a:ext>
+  </a:extLst>
 </a:theme>
 </file>
 

--- a/сидоров антон дмитриевич, Группа 493 - Презентация.pptx
+++ b/сидоров антон дмитриевич, Группа 493 - Презентация.pptx
@@ -5,7 +5,7 @@
     <p:sldMasterId id="2147483957" r:id="rId1"/>
   </p:sldMasterIdLst>
   <p:notesMasterIdLst>
-    <p:notesMasterId r:id="rId16"/>
+    <p:notesMasterId r:id="rId17"/>
   </p:notesMasterIdLst>
   <p:sldIdLst>
     <p:sldId id="302" r:id="rId2"/>
@@ -16,12 +16,13 @@
     <p:sldId id="291" r:id="rId7"/>
     <p:sldId id="299" r:id="rId8"/>
     <p:sldId id="294" r:id="rId9"/>
-    <p:sldId id="292" r:id="rId10"/>
-    <p:sldId id="293" r:id="rId11"/>
-    <p:sldId id="295" r:id="rId12"/>
-    <p:sldId id="296" r:id="rId13"/>
-    <p:sldId id="297" r:id="rId14"/>
-    <p:sldId id="305" r:id="rId15"/>
+    <p:sldId id="306" r:id="rId10"/>
+    <p:sldId id="292" r:id="rId11"/>
+    <p:sldId id="293" r:id="rId12"/>
+    <p:sldId id="295" r:id="rId13"/>
+    <p:sldId id="296" r:id="rId14"/>
+    <p:sldId id="297" r:id="rId15"/>
+    <p:sldId id="305" r:id="rId16"/>
   </p:sldIdLst>
   <p:sldSz cx="9144000" cy="6858000" type="screen4x3"/>
   <p:notesSz cx="6858000" cy="9144000"/>
@@ -4558,11 +4559,11 @@
   <p:clrMapOvr>
     <a:masterClrMapping/>
   </p:clrMapOvr>
-  <mc:AlternateContent xmlns:mc="http://schemas.openxmlformats.org/markup-compatibility/2006">
-    <mc:Choice xmlns:p14="http://schemas.microsoft.com/office/powerpoint/2010/main" Requires="p14">
+  <mc:AlternateContent xmlns:mc="http://schemas.openxmlformats.org/markup-compatibility/2006" xmlns:p14="http://schemas.microsoft.com/office/powerpoint/2010/main">
+    <mc:Choice Requires="p14">
       <p:transition p14:dur="10"/>
     </mc:Choice>
-    <mc:Fallback>
+    <mc:Fallback xmlns="">
       <p:transition/>
     </mc:Fallback>
   </mc:AlternateContent>
@@ -4632,11 +4633,18 @@
               <a:defRPr/>
             </a:pPr>
             <a:r>
+              <a:rPr lang="en-US" sz="2400" b="1" dirty="0">
+                <a:latin typeface="Times New Roman" pitchFamily="18" charset="0"/>
+                <a:cs typeface="Times New Roman" pitchFamily="18" charset="0"/>
+              </a:rPr>
+              <a:t>ER </a:t>
+            </a:r>
+            <a:r>
               <a:rPr lang="ru-RU" sz="2400" b="1" dirty="0">
                 <a:latin typeface="Times New Roman" pitchFamily="18" charset="0"/>
                 <a:cs typeface="Times New Roman" pitchFamily="18" charset="0"/>
               </a:rPr>
-              <a:t>Список с логотипами и подписями</a:t>
+              <a:t>диаграмма</a:t>
             </a:r>
           </a:p>
           <a:p>
@@ -4660,7 +4668,7 @@
                 <a:latin typeface="Times New Roman" pitchFamily="18" charset="0"/>
                 <a:cs typeface="Times New Roman" pitchFamily="18" charset="0"/>
               </a:rPr>
-              <a:t>Указать, что изучено самостоятельно</a:t>
+              <a:t>СУБД</a:t>
             </a:r>
           </a:p>
         </p:txBody>
@@ -4709,7 +4717,7 @@
                 <a:latin typeface="Times New Roman" pitchFamily="18" charset="0"/>
                 <a:cs typeface="Times New Roman" pitchFamily="18" charset="0"/>
               </a:rPr>
-              <a:t>Используемый стек технологий</a:t>
+              <a:t>Логическая схема данных</a:t>
             </a:r>
           </a:p>
         </p:txBody>
@@ -4717,18 +4725,18 @@
     </p:spTree>
     <p:extLst>
       <p:ext uri="{BB962C8B-B14F-4D97-AF65-F5344CB8AC3E}">
-        <p14:creationId xmlns:p14="http://schemas.microsoft.com/office/powerpoint/2010/main" val="395566625"/>
+        <p14:creationId xmlns:p14="http://schemas.microsoft.com/office/powerpoint/2010/main" val="2667103433"/>
       </p:ext>
     </p:extLst>
   </p:cSld>
   <p:clrMapOvr>
     <a:masterClrMapping/>
   </p:clrMapOvr>
-  <mc:AlternateContent xmlns:mc="http://schemas.openxmlformats.org/markup-compatibility/2006">
-    <mc:Choice xmlns:p14="http://schemas.microsoft.com/office/powerpoint/2010/main" Requires="p14">
+  <mc:AlternateContent xmlns:mc="http://schemas.openxmlformats.org/markup-compatibility/2006" xmlns:p14="http://schemas.microsoft.com/office/powerpoint/2010/main">
+    <mc:Choice Requires="p14">
       <p:transition p14:dur="0"/>
     </mc:Choice>
-    <mc:Fallback>
+    <mc:Fallback xmlns="">
       <p:transition/>
     </mc:Fallback>
   </mc:AlternateContent>
@@ -4802,7 +4810,31 @@
                 <a:latin typeface="Times New Roman" pitchFamily="18" charset="0"/>
                 <a:cs typeface="Times New Roman" pitchFamily="18" charset="0"/>
               </a:rPr>
-              <a:t>Таблица с расчетами</a:t>
+              <a:t>Список с логотипами и подписями</a:t>
+            </a:r>
+          </a:p>
+          <a:p>
+            <a:pPr marL="274320" indent="-274320" fontAlgn="auto">
+              <a:spcBef>
+                <a:spcPts val="580"/>
+              </a:spcBef>
+              <a:spcAft>
+                <a:spcPts val="0"/>
+              </a:spcAft>
+              <a:buClr>
+                <a:schemeClr val="accent1"/>
+              </a:buClr>
+              <a:buSzPct val="85000"/>
+              <a:buFont typeface="Wingdings 2"/>
+              <a:buNone/>
+              <a:defRPr/>
+            </a:pPr>
+            <a:r>
+              <a:rPr lang="ru-RU" sz="2400" b="1" dirty="0">
+                <a:latin typeface="Times New Roman" pitchFamily="18" charset="0"/>
+                <a:cs typeface="Times New Roman" pitchFamily="18" charset="0"/>
+              </a:rPr>
+              <a:t>Указать, что изучено самостоятельно</a:t>
             </a:r>
           </a:p>
         </p:txBody>
@@ -4851,7 +4883,7 @@
                 <a:latin typeface="Times New Roman" pitchFamily="18" charset="0"/>
                 <a:cs typeface="Times New Roman" pitchFamily="18" charset="0"/>
               </a:rPr>
-              <a:t>Экономическое обоснование</a:t>
+              <a:t>Используемый стек технологий</a:t>
             </a:r>
           </a:p>
         </p:txBody>
@@ -4859,18 +4891,18 @@
     </p:spTree>
     <p:extLst>
       <p:ext uri="{BB962C8B-B14F-4D97-AF65-F5344CB8AC3E}">
-        <p14:creationId xmlns:p14="http://schemas.microsoft.com/office/powerpoint/2010/main" val="2592537753"/>
+        <p14:creationId xmlns:p14="http://schemas.microsoft.com/office/powerpoint/2010/main" val="395566625"/>
       </p:ext>
     </p:extLst>
   </p:cSld>
   <p:clrMapOvr>
     <a:masterClrMapping/>
   </p:clrMapOvr>
-  <mc:AlternateContent xmlns:mc="http://schemas.openxmlformats.org/markup-compatibility/2006">
-    <mc:Choice xmlns:p14="http://schemas.microsoft.com/office/powerpoint/2010/main" Requires="p14">
+  <mc:AlternateContent xmlns:mc="http://schemas.openxmlformats.org/markup-compatibility/2006" xmlns:p14="http://schemas.microsoft.com/office/powerpoint/2010/main">
+    <mc:Choice Requires="p14">
       <p:transition p14:dur="0"/>
     </mc:Choice>
-    <mc:Fallback>
+    <mc:Fallback xmlns="">
       <p:transition/>
     </mc:Fallback>
   </mc:AlternateContent>
@@ -4944,31 +4976,7 @@
                 <a:latin typeface="Times New Roman" pitchFamily="18" charset="0"/>
                 <a:cs typeface="Times New Roman" pitchFamily="18" charset="0"/>
               </a:rPr>
-              <a:t>2 учебника</a:t>
-            </a:r>
-          </a:p>
-          <a:p>
-            <a:pPr marL="274320" indent="-274320" fontAlgn="auto">
-              <a:spcBef>
-                <a:spcPts val="580"/>
-              </a:spcBef>
-              <a:spcAft>
-                <a:spcPts val="0"/>
-              </a:spcAft>
-              <a:buClr>
-                <a:schemeClr val="accent1"/>
-              </a:buClr>
-              <a:buSzPct val="85000"/>
-              <a:buFont typeface="Wingdings 2"/>
-              <a:buNone/>
-              <a:defRPr/>
-            </a:pPr>
-            <a:r>
-              <a:rPr lang="ru-RU" sz="2400" b="1" dirty="0">
-                <a:latin typeface="Times New Roman" pitchFamily="18" charset="0"/>
-                <a:cs typeface="Times New Roman" pitchFamily="18" charset="0"/>
-              </a:rPr>
-              <a:t>5 ссылок в интернете</a:t>
+              <a:t>Таблица с расчетами</a:t>
             </a:r>
           </a:p>
         </p:txBody>
@@ -4981,15 +4989,15 @@
         </p:nvSpPr>
         <p:spPr>
           <a:xfrm>
-            <a:off x="800100" y="196810"/>
-            <a:ext cx="8077200" cy="535531"/>
+            <a:off x="1214438" y="196810"/>
+            <a:ext cx="6858000" cy="535531"/>
           </a:xfrm>
           <a:prstGeom prst="rect">
             <a:avLst/>
           </a:prstGeom>
         </p:spPr>
         <p:txBody>
-          <a:bodyPr wrap="square">
+          <a:bodyPr>
             <a:spAutoFit/>
           </a:bodyPr>
           <a:lstStyle/>
@@ -5017,7 +5025,7 @@
                 <a:latin typeface="Times New Roman" pitchFamily="18" charset="0"/>
                 <a:cs typeface="Times New Roman" pitchFamily="18" charset="0"/>
               </a:rPr>
-              <a:t>Список использованной литературы</a:t>
+              <a:t>Экономическое обоснование</a:t>
             </a:r>
           </a:p>
         </p:txBody>
@@ -5025,18 +5033,18 @@
     </p:spTree>
     <p:extLst>
       <p:ext uri="{BB962C8B-B14F-4D97-AF65-F5344CB8AC3E}">
-        <p14:creationId xmlns:p14="http://schemas.microsoft.com/office/powerpoint/2010/main" val="3259916622"/>
+        <p14:creationId xmlns:p14="http://schemas.microsoft.com/office/powerpoint/2010/main" val="2592537753"/>
       </p:ext>
     </p:extLst>
   </p:cSld>
   <p:clrMapOvr>
     <a:masterClrMapping/>
   </p:clrMapOvr>
-  <mc:AlternateContent xmlns:mc="http://schemas.openxmlformats.org/markup-compatibility/2006">
-    <mc:Choice xmlns:p14="http://schemas.microsoft.com/office/powerpoint/2010/main" Requires="p14">
+  <mc:AlternateContent xmlns:mc="http://schemas.openxmlformats.org/markup-compatibility/2006" xmlns:p14="http://schemas.microsoft.com/office/powerpoint/2010/main">
+    <mc:Choice Requires="p14">
       <p:transition p14:dur="0"/>
     </mc:Choice>
-    <mc:Fallback>
+    <mc:Fallback xmlns="">
       <p:transition/>
     </mc:Fallback>
   </mc:AlternateContent>
@@ -5110,7 +5118,31 @@
                 <a:latin typeface="Times New Roman" pitchFamily="18" charset="0"/>
                 <a:cs typeface="Times New Roman" pitchFamily="18" charset="0"/>
               </a:rPr>
-              <a:t>Список ПК</a:t>
+              <a:t>2 учебника</a:t>
+            </a:r>
+          </a:p>
+          <a:p>
+            <a:pPr marL="274320" indent="-274320" fontAlgn="auto">
+              <a:spcBef>
+                <a:spcPts val="580"/>
+              </a:spcBef>
+              <a:spcAft>
+                <a:spcPts val="0"/>
+              </a:spcAft>
+              <a:buClr>
+                <a:schemeClr val="accent1"/>
+              </a:buClr>
+              <a:buSzPct val="85000"/>
+              <a:buFont typeface="Wingdings 2"/>
+              <a:buNone/>
+              <a:defRPr/>
+            </a:pPr>
+            <a:r>
+              <a:rPr lang="ru-RU" sz="2400" b="1" dirty="0">
+                <a:latin typeface="Times New Roman" pitchFamily="18" charset="0"/>
+                <a:cs typeface="Times New Roman" pitchFamily="18" charset="0"/>
+              </a:rPr>
+              <a:t>5 ссылок в интернете</a:t>
             </a:r>
           </a:p>
         </p:txBody>
@@ -5159,6 +5191,148 @@
                 <a:latin typeface="Times New Roman" pitchFamily="18" charset="0"/>
                 <a:cs typeface="Times New Roman" pitchFamily="18" charset="0"/>
               </a:rPr>
+              <a:t>Список использованной литературы</a:t>
+            </a:r>
+          </a:p>
+        </p:txBody>
+      </p:sp>
+    </p:spTree>
+    <p:extLst>
+      <p:ext uri="{BB962C8B-B14F-4D97-AF65-F5344CB8AC3E}">
+        <p14:creationId xmlns:p14="http://schemas.microsoft.com/office/powerpoint/2010/main" val="3259916622"/>
+      </p:ext>
+    </p:extLst>
+  </p:cSld>
+  <p:clrMapOvr>
+    <a:masterClrMapping/>
+  </p:clrMapOvr>
+  <mc:AlternateContent xmlns:mc="http://schemas.openxmlformats.org/markup-compatibility/2006" xmlns:p14="http://schemas.microsoft.com/office/powerpoint/2010/main">
+    <mc:Choice Requires="p14">
+      <p:transition p14:dur="0"/>
+    </mc:Choice>
+    <mc:Fallback xmlns="">
+      <p:transition/>
+    </mc:Fallback>
+  </mc:AlternateContent>
+</p:sld>
+</file>
+
+<file path=ppt/slides/slide14.xml><?xml version="1.0" encoding="utf-8"?>
+<p:sld xmlns:a="http://schemas.openxmlformats.org/drawingml/2006/main" xmlns:r="http://schemas.openxmlformats.org/officeDocument/2006/relationships" xmlns:p="http://schemas.openxmlformats.org/presentationml/2006/main">
+  <p:cSld>
+    <p:spTree>
+      <p:nvGrpSpPr>
+        <p:cNvPr id="1" name=""/>
+        <p:cNvGrpSpPr/>
+        <p:nvPr/>
+      </p:nvGrpSpPr>
+      <p:grpSpPr>
+        <a:xfrm>
+          <a:off x="0" y="0"/>
+          <a:ext cx="0" cy="0"/>
+          <a:chOff x="0" y="0"/>
+          <a:chExt cx="0" cy="0"/>
+        </a:xfrm>
+      </p:grpSpPr>
+      <p:sp>
+        <p:nvSpPr>
+          <p:cNvPr id="12" name="Содержимое 2"/>
+          <p:cNvSpPr txBox="1">
+            <a:spLocks/>
+          </p:cNvSpPr>
+          <p:nvPr/>
+        </p:nvSpPr>
+        <p:spPr>
+          <a:xfrm>
+            <a:off x="285688" y="1003300"/>
+            <a:ext cx="8858312" cy="5711824"/>
+          </a:xfrm>
+          <a:prstGeom prst="rect">
+            <a:avLst/>
+          </a:prstGeom>
+        </p:spPr>
+        <p:txBody>
+          <a:bodyPr>
+            <a:normAutofit/>
+            <a:scene3d>
+              <a:camera prst="orthographicFront"/>
+              <a:lightRig rig="threePt" dir="t"/>
+            </a:scene3d>
+            <a:sp3d extrusionH="57150">
+              <a:bevelT w="38100" h="38100" prst="relaxedInset"/>
+            </a:sp3d>
+          </a:bodyPr>
+          <a:lstStyle/>
+          <a:p>
+            <a:pPr marL="274320" indent="-274320" fontAlgn="auto">
+              <a:spcBef>
+                <a:spcPts val="580"/>
+              </a:spcBef>
+              <a:spcAft>
+                <a:spcPts val="0"/>
+              </a:spcAft>
+              <a:buClr>
+                <a:schemeClr val="accent1"/>
+              </a:buClr>
+              <a:buSzPct val="85000"/>
+              <a:buFont typeface="Wingdings 2"/>
+              <a:buNone/>
+              <a:defRPr/>
+            </a:pPr>
+            <a:r>
+              <a:rPr lang="ru-RU" sz="2400" b="1" dirty="0">
+                <a:latin typeface="Times New Roman" pitchFamily="18" charset="0"/>
+                <a:cs typeface="Times New Roman" pitchFamily="18" charset="0"/>
+              </a:rPr>
+              <a:t>Список ПК</a:t>
+            </a:r>
+          </a:p>
+        </p:txBody>
+      </p:sp>
+      <p:sp>
+        <p:nvSpPr>
+          <p:cNvPr id="4" name="Прямоугольник 3"/>
+          <p:cNvSpPr/>
+          <p:nvPr/>
+        </p:nvSpPr>
+        <p:spPr>
+          <a:xfrm>
+            <a:off x="800100" y="196810"/>
+            <a:ext cx="8077200" cy="535531"/>
+          </a:xfrm>
+          <a:prstGeom prst="rect">
+            <a:avLst/>
+          </a:prstGeom>
+        </p:spPr>
+        <p:txBody>
+          <a:bodyPr wrap="square">
+            <a:spAutoFit/>
+          </a:bodyPr>
+          <a:lstStyle/>
+          <a:p>
+            <a:pPr marL="342900" indent="-342900" algn="ctr" fontAlgn="auto">
+              <a:lnSpc>
+                <a:spcPct val="80000"/>
+              </a:lnSpc>
+              <a:spcBef>
+                <a:spcPct val="20000"/>
+              </a:spcBef>
+              <a:spcAft>
+                <a:spcPts val="0"/>
+              </a:spcAft>
+              <a:buClr>
+                <a:schemeClr val="accent1">
+                  <a:shade val="75000"/>
+                </a:schemeClr>
+              </a:buClr>
+              <a:buSzPct val="55000"/>
+              <a:defRPr/>
+            </a:pPr>
+            <a:r>
+              <a:rPr kumimoji="1" lang="ru-RU" sz="3600" b="1" dirty="0">
+                <a:latin typeface="Times New Roman" pitchFamily="18" charset="0"/>
+                <a:cs typeface="Times New Roman" pitchFamily="18" charset="0"/>
+              </a:rPr>
               <a:t>Список ПК</a:t>
             </a:r>
           </a:p>
@@ -5174,18 +5348,18 @@
   <p:clrMapOvr>
     <a:masterClrMapping/>
   </p:clrMapOvr>
-  <mc:AlternateContent xmlns:mc="http://schemas.openxmlformats.org/markup-compatibility/2006">
-    <mc:Choice xmlns:p14="http://schemas.microsoft.com/office/powerpoint/2010/main" Requires="p14">
+  <mc:AlternateContent xmlns:mc="http://schemas.openxmlformats.org/markup-compatibility/2006" xmlns:p14="http://schemas.microsoft.com/office/powerpoint/2010/main">
+    <mc:Choice Requires="p14">
       <p:transition p14:dur="0"/>
     </mc:Choice>
-    <mc:Fallback>
+    <mc:Fallback xmlns="">
       <p:transition/>
     </mc:Fallback>
   </mc:AlternateContent>
 </p:sld>
 </file>
 
-<file path=ppt/slides/slide14.xml><?xml version="1.0" encoding="utf-8"?>
+<file path=ppt/slides/slide15.xml><?xml version="1.0" encoding="utf-8"?>
 <p:sld xmlns:a="http://schemas.openxmlformats.org/drawingml/2006/main" xmlns:r="http://schemas.openxmlformats.org/officeDocument/2006/relationships" xmlns:p="http://schemas.openxmlformats.org/presentationml/2006/main">
   <p:cSld>
     <p:bg>
@@ -6075,11 +6249,11 @@
   <p:clrMapOvr>
     <a:masterClrMapping/>
   </p:clrMapOvr>
-  <mc:AlternateContent xmlns:mc="http://schemas.openxmlformats.org/markup-compatibility/2006">
-    <mc:Choice xmlns:p14="http://schemas.microsoft.com/office/powerpoint/2010/main" Requires="p14">
+  <mc:AlternateContent xmlns:mc="http://schemas.openxmlformats.org/markup-compatibility/2006" xmlns:p14="http://schemas.microsoft.com/office/powerpoint/2010/main">
+    <mc:Choice Requires="p14">
       <p:transition p14:dur="10"/>
     </mc:Choice>
-    <mc:Fallback>
+    <mc:Fallback xmlns="">
       <p:transition/>
     </mc:Fallback>
   </mc:AlternateContent>
@@ -6149,7 +6323,7 @@
               <a:defRPr/>
             </a:pPr>
             <a:r>
-              <a:rPr lang="ru-RU" dirty="0">
+              <a:rPr lang="ru-RU" sz="1600" dirty="0">
                 <a:latin typeface="Times New Roman" pitchFamily="18" charset="0"/>
                 <a:cs typeface="Times New Roman" pitchFamily="18" charset="0"/>
                 <a:hlinkClick r:id="rId2" action="ppaction://hlinksldjump"/>
@@ -6157,7 +6331,7 @@
               <a:t>Цели и задачи</a:t>
             </a:r>
             <a:r>
-              <a:rPr lang="ru-RU" dirty="0">
+              <a:rPr lang="ru-RU" sz="1600" dirty="0">
                 <a:latin typeface="Times New Roman" pitchFamily="18" charset="0"/>
                 <a:cs typeface="Times New Roman" pitchFamily="18" charset="0"/>
               </a:rPr>
@@ -6181,7 +6355,7 @@
               <a:defRPr/>
             </a:pPr>
             <a:r>
-              <a:rPr lang="ru-RU" dirty="0">
+              <a:rPr lang="ru-RU" sz="1600" dirty="0">
                 <a:latin typeface="Times New Roman" pitchFamily="18" charset="0"/>
                 <a:cs typeface="Times New Roman" pitchFamily="18" charset="0"/>
                 <a:hlinkClick r:id="rId3" action="ppaction://hlinksldjump"/>
@@ -6189,7 +6363,7 @@
               <a:t>Актуализация</a:t>
             </a:r>
             <a:r>
-              <a:rPr lang="ru-RU" dirty="0">
+              <a:rPr lang="ru-RU" sz="1600" dirty="0">
                 <a:latin typeface="Times New Roman" pitchFamily="18" charset="0"/>
                 <a:cs typeface="Times New Roman" pitchFamily="18" charset="0"/>
               </a:rPr>
@@ -6213,7 +6387,7 @@
               <a:defRPr/>
             </a:pPr>
             <a:r>
-              <a:rPr lang="ru-RU" dirty="0">
+              <a:rPr lang="ru-RU" sz="1600" dirty="0">
                 <a:latin typeface="Times New Roman" pitchFamily="18" charset="0"/>
                 <a:cs typeface="Times New Roman" pitchFamily="18" charset="0"/>
                 <a:hlinkClick r:id="rId4" action="ppaction://hlinksldjump"/>
@@ -6221,7 +6395,7 @@
               <a:t>Практическая значимость</a:t>
             </a:r>
             <a:r>
-              <a:rPr lang="ru-RU" dirty="0">
+              <a:rPr lang="ru-RU" sz="1600" dirty="0">
                 <a:latin typeface="Times New Roman" pitchFamily="18" charset="0"/>
                 <a:cs typeface="Times New Roman" pitchFamily="18" charset="0"/>
               </a:rPr>
@@ -6245,7 +6419,7 @@
               <a:defRPr/>
             </a:pPr>
             <a:r>
-              <a:rPr lang="ru-RU" dirty="0">
+              <a:rPr lang="ru-RU" sz="1600" dirty="0">
                 <a:latin typeface="Times New Roman" pitchFamily="18" charset="0"/>
                 <a:cs typeface="Times New Roman" pitchFamily="18" charset="0"/>
                 <a:hlinkClick r:id="rId5" action="ppaction://hlinksldjump"/>
@@ -6253,7 +6427,71 @@
               <a:t>Техническое задание</a:t>
             </a:r>
             <a:r>
-              <a:rPr lang="ru-RU" dirty="0">
+              <a:rPr lang="ru-RU" sz="1600" dirty="0">
+                <a:latin typeface="Times New Roman" pitchFamily="18" charset="0"/>
+                <a:cs typeface="Times New Roman" pitchFamily="18" charset="0"/>
+              </a:rPr>
+              <a:t>;</a:t>
+            </a:r>
+          </a:p>
+          <a:p>
+            <a:pPr marL="342900" indent="-342900" algn="just" fontAlgn="auto">
+              <a:spcBef>
+                <a:spcPts val="580"/>
+              </a:spcBef>
+              <a:spcAft>
+                <a:spcPts val="0"/>
+              </a:spcAft>
+              <a:buClr>
+                <a:schemeClr val="accent1"/>
+              </a:buClr>
+              <a:buSzPct val="85000"/>
+              <a:buFont typeface="Symbol" panose="05050102010706020507" pitchFamily="18" charset="2"/>
+              <a:buChar char="-"/>
+              <a:defRPr/>
+            </a:pPr>
+            <a:r>
+              <a:rPr lang="ru-RU" sz="1600" dirty="0">
+                <a:latin typeface="Times New Roman" pitchFamily="18" charset="0"/>
+                <a:cs typeface="Times New Roman" pitchFamily="18" charset="0"/>
+                <a:hlinkClick r:id="rId6" action="ppaction://hlinksldjump"/>
+              </a:rPr>
+              <a:t>Особенности проекта</a:t>
+            </a:r>
+            <a:r>
+              <a:rPr lang="ru-RU" sz="1600" dirty="0">
+                <a:latin typeface="Times New Roman" pitchFamily="18" charset="0"/>
+                <a:cs typeface="Times New Roman" pitchFamily="18" charset="0"/>
+              </a:rPr>
+              <a:t>;</a:t>
+            </a:r>
+          </a:p>
+          <a:p>
+            <a:pPr marL="342900" indent="-342900" algn="just" fontAlgn="auto">
+              <a:spcBef>
+                <a:spcPts val="580"/>
+              </a:spcBef>
+              <a:spcAft>
+                <a:spcPts val="0"/>
+              </a:spcAft>
+              <a:buClr>
+                <a:schemeClr val="accent1"/>
+              </a:buClr>
+              <a:buSzPct val="85000"/>
+              <a:buFont typeface="Symbol" panose="05050102010706020507" pitchFamily="18" charset="2"/>
+              <a:buChar char="-"/>
+              <a:defRPr/>
+            </a:pPr>
+            <a:r>
+              <a:rPr lang="ru-RU" sz="1600" dirty="0">
+                <a:latin typeface="Times New Roman" pitchFamily="18" charset="0"/>
+                <a:cs typeface="Times New Roman" pitchFamily="18" charset="0"/>
+                <a:hlinkClick r:id="rId7" action="ppaction://hlinksldjump"/>
+              </a:rPr>
+              <a:t>Функционально-логическая схема</a:t>
+            </a:r>
+            <a:r>
+              <a:rPr lang="ru-RU" sz="1600" dirty="0">
                 <a:latin typeface="Times New Roman" pitchFamily="18" charset="0"/>
                 <a:cs typeface="Times New Roman" pitchFamily="18" charset="0"/>
               </a:rPr>
@@ -6363,11 +6601,11 @@
   <p:clrMapOvr>
     <a:masterClrMapping/>
   </p:clrMapOvr>
-  <mc:AlternateContent xmlns:mc="http://schemas.openxmlformats.org/markup-compatibility/2006">
-    <mc:Choice xmlns:p14="http://schemas.microsoft.com/office/powerpoint/2010/main" Requires="p14">
+  <mc:AlternateContent xmlns:mc="http://schemas.openxmlformats.org/markup-compatibility/2006" xmlns:p14="http://schemas.microsoft.com/office/powerpoint/2010/main">
+    <mc:Choice Requires="p14">
       <p:transition p14:dur="0"/>
     </mc:Choice>
-    <mc:Fallback>
+    <mc:Fallback xmlns="">
       <p:transition/>
     </mc:Fallback>
   </mc:AlternateContent>
@@ -6434,7 +6672,7 @@
               <a:defRPr/>
             </a:pPr>
             <a:r>
-              <a:rPr lang="ru-RU" dirty="0">
+              <a:rPr lang="ru-RU" sz="1600" dirty="0">
                 <a:latin typeface="Times New Roman" pitchFamily="18" charset="0"/>
                 <a:cs typeface="Times New Roman" pitchFamily="18" charset="0"/>
               </a:rPr>
@@ -6442,7 +6680,7 @@
             </a:r>
           </a:p>
           <a:p>
-            <a:pPr indent="450000" algn="just" fontAlgn="auto">
+            <a:pPr marL="360363" indent="449263" algn="just" fontAlgn="auto">
               <a:lnSpc>
                 <a:spcPct val="150000"/>
               </a:lnSpc>
@@ -6455,7 +6693,7 @@
               <a:defRPr/>
             </a:pPr>
             <a:r>
-              <a:rPr lang="ru-RU" dirty="0">
+              <a:rPr lang="ru-RU" sz="1600" dirty="0">
                 <a:latin typeface="Times New Roman" pitchFamily="18" charset="0"/>
                 <a:cs typeface="Times New Roman" pitchFamily="18" charset="0"/>
               </a:rPr>
@@ -6463,7 +6701,7 @@
             </a:r>
           </a:p>
           <a:p>
-            <a:pPr indent="450000" algn="just" fontAlgn="auto">
+            <a:pPr marL="360363" indent="449263" algn="just" fontAlgn="auto">
               <a:lnSpc>
                 <a:spcPct val="150000"/>
               </a:lnSpc>
@@ -6476,7 +6714,7 @@
               <a:defRPr/>
             </a:pPr>
             <a:r>
-              <a:rPr lang="ru-RU" dirty="0">
+              <a:rPr lang="ru-RU" sz="1600" dirty="0">
                 <a:latin typeface="Times New Roman" pitchFamily="18" charset="0"/>
                 <a:cs typeface="Times New Roman" pitchFamily="18" charset="0"/>
               </a:rPr>
@@ -6484,7 +6722,7 @@
             </a:r>
           </a:p>
           <a:p>
-            <a:pPr indent="450000" algn="just" fontAlgn="auto">
+            <a:pPr marL="360363" indent="449263" algn="just" fontAlgn="auto">
               <a:lnSpc>
                 <a:spcPct val="150000"/>
               </a:lnSpc>
@@ -6497,7 +6735,7 @@
               <a:defRPr/>
             </a:pPr>
             <a:r>
-              <a:rPr lang="ru-RU" dirty="0">
+              <a:rPr lang="ru-RU" sz="1600" dirty="0">
                 <a:latin typeface="Times New Roman" pitchFamily="18" charset="0"/>
                 <a:cs typeface="Times New Roman" pitchFamily="18" charset="0"/>
               </a:rPr>
@@ -6505,7 +6743,7 @@
             </a:r>
           </a:p>
           <a:p>
-            <a:pPr indent="450000" algn="just" fontAlgn="auto">
+            <a:pPr marL="360363" indent="449263" algn="just" fontAlgn="auto">
               <a:lnSpc>
                 <a:spcPct val="150000"/>
               </a:lnSpc>
@@ -6518,7 +6756,7 @@
               <a:defRPr/>
             </a:pPr>
             <a:r>
-              <a:rPr lang="ru-RU" dirty="0">
+              <a:rPr lang="ru-RU" sz="1600" dirty="0">
                 <a:latin typeface="Times New Roman" pitchFamily="18" charset="0"/>
                 <a:cs typeface="Times New Roman" pitchFamily="18" charset="0"/>
               </a:rPr>
@@ -6526,7 +6764,7 @@
             </a:r>
           </a:p>
           <a:p>
-            <a:pPr indent="450000" algn="just" fontAlgn="auto">
+            <a:pPr marL="360363" indent="449263" algn="just" fontAlgn="auto">
               <a:lnSpc>
                 <a:spcPct val="150000"/>
               </a:lnSpc>
@@ -6539,12 +6777,16 @@
               <a:defRPr/>
             </a:pPr>
             <a:r>
-              <a:rPr lang="ru-RU" dirty="0">
+              <a:rPr lang="ru-RU" sz="1600" dirty="0">
                 <a:latin typeface="Times New Roman" pitchFamily="18" charset="0"/>
                 <a:cs typeface="Times New Roman" pitchFamily="18" charset="0"/>
               </a:rPr>
               <a:t>разработать комплекс из десктопного и мобильного приложения.</a:t>
             </a:r>
+            <a:endParaRPr lang="ru-RU" dirty="0">
+              <a:latin typeface="Times New Roman" pitchFamily="18" charset="0"/>
+              <a:cs typeface="Times New Roman" pitchFamily="18" charset="0"/>
+            </a:endParaRPr>
           </a:p>
         </p:txBody>
       </p:sp>
@@ -6650,11 +6892,11 @@
   <p:clrMapOvr>
     <a:masterClrMapping/>
   </p:clrMapOvr>
-  <mc:AlternateContent xmlns:mc="http://schemas.openxmlformats.org/markup-compatibility/2006">
-    <mc:Choice xmlns:p14="http://schemas.microsoft.com/office/powerpoint/2010/main" Requires="p14">
+  <mc:AlternateContent xmlns:mc="http://schemas.openxmlformats.org/markup-compatibility/2006" xmlns:p14="http://schemas.microsoft.com/office/powerpoint/2010/main">
+    <mc:Choice Requires="p14">
       <p:transition p14:dur="0"/>
     </mc:Choice>
-    <mc:Fallback>
+    <mc:Fallback xmlns="">
       <p:transition/>
     </mc:Fallback>
   </mc:AlternateContent>
@@ -6724,7 +6966,7 @@
               <a:defRPr/>
             </a:pPr>
             <a:r>
-              <a:rPr lang="ru-RU" dirty="0">
+              <a:rPr lang="ru-RU" sz="1600" dirty="0">
                 <a:latin typeface="Times New Roman" pitchFamily="18" charset="0"/>
                 <a:cs typeface="Times New Roman" pitchFamily="18" charset="0"/>
               </a:rPr>
@@ -6732,7 +6974,7 @@
             </a:r>
           </a:p>
           <a:p>
-            <a:pPr indent="444500" algn="just" fontAlgn="auto">
+            <a:pPr marL="360363" indent="444500" algn="just" fontAlgn="auto">
               <a:lnSpc>
                 <a:spcPct val="150000"/>
               </a:lnSpc>
@@ -6748,14 +6990,14 @@
               <a:defRPr/>
             </a:pPr>
             <a:r>
-              <a:rPr lang="ru-RU" dirty="0">
+              <a:rPr lang="ru-RU" sz="1600" dirty="0">
                 <a:latin typeface="Times New Roman" pitchFamily="18" charset="0"/>
                 <a:cs typeface="Times New Roman" pitchFamily="18" charset="0"/>
               </a:rPr>
               <a:t>музыка (инструменты </a:t>
             </a:r>
             <a:r>
-              <a:rPr lang="ru-RU" dirty="0">
+              <a:rPr lang="ru-RU" sz="1600" dirty="0">
                 <a:latin typeface="Times New Roman" pitchFamily="18" charset="0"/>
                 <a:cs typeface="Times New Roman" pitchFamily="18" charset="0"/>
                 <a:sym typeface="Symbol" panose="05050102010706020507" pitchFamily="18" charset="2"/>
@@ -6763,7 +7005,7 @@
               <a:t></a:t>
             </a:r>
             <a:r>
-              <a:rPr lang="ru-RU" dirty="0">
+              <a:rPr lang="ru-RU" sz="1600" dirty="0">
                 <a:latin typeface="Times New Roman" pitchFamily="18" charset="0"/>
                 <a:cs typeface="Times New Roman" pitchFamily="18" charset="0"/>
               </a:rPr>
@@ -6771,7 +7013,7 @@
             </a:r>
           </a:p>
           <a:p>
-            <a:pPr indent="444500" algn="just" fontAlgn="auto">
+            <a:pPr marL="360363" indent="444500" algn="just" fontAlgn="auto">
               <a:lnSpc>
                 <a:spcPct val="150000"/>
               </a:lnSpc>
@@ -6787,7 +7029,7 @@
               <a:defRPr/>
             </a:pPr>
             <a:r>
-              <a:rPr lang="ru-RU" dirty="0">
+              <a:rPr lang="ru-RU" sz="1600" dirty="0">
                 <a:latin typeface="Times New Roman" pitchFamily="18" charset="0"/>
                 <a:cs typeface="Times New Roman" pitchFamily="18" charset="0"/>
               </a:rPr>
@@ -6809,7 +7051,7 @@
               <a:defRPr/>
             </a:pPr>
             <a:r>
-              <a:rPr lang="ru-RU" dirty="0">
+              <a:rPr lang="ru-RU" sz="1600" dirty="0">
                 <a:latin typeface="Times New Roman" pitchFamily="18" charset="0"/>
                 <a:cs typeface="Times New Roman" pitchFamily="18" charset="0"/>
               </a:rPr>
@@ -6915,11 +7157,11 @@
   <p:clrMapOvr>
     <a:masterClrMapping/>
   </p:clrMapOvr>
-  <mc:AlternateContent xmlns:mc="http://schemas.openxmlformats.org/markup-compatibility/2006">
-    <mc:Choice xmlns:p14="http://schemas.microsoft.com/office/powerpoint/2010/main" Requires="p14">
+  <mc:AlternateContent xmlns:mc="http://schemas.openxmlformats.org/markup-compatibility/2006" xmlns:p14="http://schemas.microsoft.com/office/powerpoint/2010/main">
+    <mc:Choice Requires="p14">
       <p:transition p14:dur="0"/>
     </mc:Choice>
-    <mc:Fallback>
+    <mc:Fallback xmlns="">
       <p:transition/>
     </mc:Fallback>
   </mc:AlternateContent>
@@ -6989,7 +7231,7 @@
               <a:defRPr/>
             </a:pPr>
             <a:r>
-              <a:rPr lang="ru-RU" dirty="0">
+              <a:rPr lang="ru-RU" sz="1600" dirty="0">
                 <a:latin typeface="Times New Roman" pitchFamily="18" charset="0"/>
                 <a:cs typeface="Times New Roman" pitchFamily="18" charset="0"/>
               </a:rPr>
@@ -6997,7 +7239,31 @@
             </a:r>
           </a:p>
           <a:p>
-            <a:pPr indent="450000" algn="just" fontAlgn="auto">
+            <a:pPr marL="360363" lvl="1" indent="449263" algn="just">
+              <a:lnSpc>
+                <a:spcPct val="150000"/>
+              </a:lnSpc>
+              <a:buClr>
+                <a:schemeClr val="tx1"/>
+              </a:buClr>
+              <a:buSzPct val="85000"/>
+              <a:buFont typeface="Symbol" panose="05050102010706020507" pitchFamily="18" charset="2"/>
+              <a:buChar char="-"/>
+              <a:tabLst>
+                <a:tab pos="576000" algn="l"/>
+              </a:tabLst>
+              <a:defRPr/>
+            </a:pPr>
+            <a:r>
+              <a:rPr lang="ru-RU" sz="1600" dirty="0">
+                <a:latin typeface="Times New Roman" pitchFamily="18" charset="0"/>
+                <a:cs typeface="Times New Roman" pitchFamily="18" charset="0"/>
+              </a:rPr>
+              <a:t>сотрудники торговых точек, занимающихся продажей музыкальных товаров, среди которых: директора, администраторы, операторы, продавцы (формируют заказы в магазине), менеджеры по заказам (формируют заказы на пункт выдачи) и менеджеры по складам;</a:t>
+            </a:r>
+          </a:p>
+          <a:p>
+            <a:pPr marL="360363" indent="449263" algn="just" fontAlgn="auto">
               <a:lnSpc>
                 <a:spcPct val="150000"/>
               </a:lnSpc>
@@ -7005,7 +7271,7 @@
                 <a:spcPts val="0"/>
               </a:spcAft>
               <a:buClr>
-                <a:schemeClr val="accent1"/>
+                <a:schemeClr val="tx1"/>
               </a:buClr>
               <a:buSzPct val="85000"/>
               <a:buFont typeface="Symbol" panose="05050102010706020507" pitchFamily="18" charset="2"/>
@@ -7013,31 +7279,7 @@
               <a:defRPr/>
             </a:pPr>
             <a:r>
-              <a:rPr lang="ru-RU" dirty="0">
-                <a:latin typeface="Times New Roman" pitchFamily="18" charset="0"/>
-                <a:cs typeface="Times New Roman" pitchFamily="18" charset="0"/>
-              </a:rPr>
-              <a:t>сотрудники торговых точек, занимающихся продажей музыкальных товаров, среди которых: директора, администраторы, операторы, продавцы (формируют заказы в магазине), менеджеры по заказам (формируют заказы на пункт выдачи) и менеджеры по складам;</a:t>
-            </a:r>
-          </a:p>
-          <a:p>
-            <a:pPr indent="450000" algn="just" fontAlgn="auto">
-              <a:lnSpc>
-                <a:spcPct val="150000"/>
-              </a:lnSpc>
-              <a:spcAft>
-                <a:spcPts val="0"/>
-              </a:spcAft>
-              <a:buClr>
-                <a:schemeClr val="accent1"/>
-              </a:buClr>
-              <a:buSzPct val="85000"/>
-              <a:buFont typeface="Symbol" panose="05050102010706020507" pitchFamily="18" charset="2"/>
-              <a:buChar char="-"/>
-              <a:defRPr/>
-            </a:pPr>
-            <a:r>
-              <a:rPr lang="ru-RU" dirty="0">
+              <a:rPr lang="ru-RU" sz="1600" dirty="0">
                 <a:latin typeface="Times New Roman" pitchFamily="18" charset="0"/>
                 <a:cs typeface="Times New Roman" pitchFamily="18" charset="0"/>
               </a:rPr>
@@ -7148,11 +7390,11 @@
   <p:clrMapOvr>
     <a:masterClrMapping/>
   </p:clrMapOvr>
-  <mc:AlternateContent xmlns:mc="http://schemas.openxmlformats.org/markup-compatibility/2006">
-    <mc:Choice xmlns:p14="http://schemas.microsoft.com/office/powerpoint/2010/main" Requires="p14">
+  <mc:AlternateContent xmlns:mc="http://schemas.openxmlformats.org/markup-compatibility/2006" xmlns:p14="http://schemas.microsoft.com/office/powerpoint/2010/main">
+    <mc:Choice Requires="p14">
       <p:transition p14:dur="0"/>
     </mc:Choice>
-    <mc:Fallback>
+    <mc:Fallback xmlns="">
       <p:transition/>
     </mc:Fallback>
   </mc:AlternateContent>
@@ -7222,12 +7464,222 @@
               <a:defRPr/>
             </a:pPr>
             <a:r>
-              <a:rPr lang="ru-RU" dirty="0">
+              <a:rPr lang="ru-RU" sz="1600" dirty="0">
                 <a:latin typeface="Times New Roman" pitchFamily="18" charset="0"/>
                 <a:cs typeface="Times New Roman" pitchFamily="18" charset="0"/>
               </a:rPr>
-              <a:t>Требования к функциональным характеристикам:</a:t>
-            </a:r>
+              <a:t>Требования к функциональным характеристикам – ПО должно содержать следующий функционал:</a:t>
+            </a:r>
+          </a:p>
+          <a:p>
+            <a:pPr marL="360363" lvl="0" indent="449263" algn="just">
+              <a:lnSpc>
+                <a:spcPct val="150000"/>
+              </a:lnSpc>
+              <a:spcAft>
+                <a:spcPts val="0"/>
+              </a:spcAft>
+              <a:buFont typeface="Symbol" panose="05050102010706020507" pitchFamily="18" charset="2"/>
+              <a:buChar char=""/>
+              <a:tabLst>
+                <a:tab pos="540385" algn="l"/>
+                <a:tab pos="630555" algn="l"/>
+              </a:tabLst>
+            </a:pPr>
+            <a:r>
+              <a:rPr lang="ru-RU" sz="1600" dirty="0">
+                <a:effectLst/>
+                <a:latin typeface="Times New Roman" panose="02020603050405020304" pitchFamily="18" charset="0"/>
+                <a:ea typeface="Times New Roman" panose="02020603050405020304" pitchFamily="18" charset="0"/>
+              </a:rPr>
+              <a:t>авторизация (проверка аутотификационных данных, исходя из информации в БД);</a:t>
+            </a:r>
+          </a:p>
+          <a:p>
+            <a:pPr marL="360363" lvl="0" indent="449263" algn="just">
+              <a:lnSpc>
+                <a:spcPct val="150000"/>
+              </a:lnSpc>
+              <a:spcAft>
+                <a:spcPts val="0"/>
+              </a:spcAft>
+              <a:buFont typeface="Symbol" panose="05050102010706020507" pitchFamily="18" charset="2"/>
+              <a:buChar char=""/>
+              <a:tabLst>
+                <a:tab pos="540385" algn="l"/>
+                <a:tab pos="630555" algn="l"/>
+              </a:tabLst>
+            </a:pPr>
+            <a:r>
+              <a:rPr lang="ru-RU" sz="1600" dirty="0">
+                <a:effectLst/>
+                <a:latin typeface="Times New Roman" panose="02020603050405020304" pitchFamily="18" charset="0"/>
+                <a:ea typeface="Times New Roman" panose="02020603050405020304" pitchFamily="18" charset="0"/>
+              </a:rPr>
+              <a:t>регистрация (ввод логина и пароля нового клиента в БД);</a:t>
+            </a:r>
+          </a:p>
+          <a:p>
+            <a:pPr marL="360363" lvl="0" indent="449263" algn="just">
+              <a:lnSpc>
+                <a:spcPct val="150000"/>
+              </a:lnSpc>
+              <a:spcAft>
+                <a:spcPts val="0"/>
+              </a:spcAft>
+              <a:buFont typeface="Symbol" panose="05050102010706020507" pitchFamily="18" charset="2"/>
+              <a:buChar char=""/>
+              <a:tabLst>
+                <a:tab pos="540385" algn="l"/>
+                <a:tab pos="630555" algn="l"/>
+              </a:tabLst>
+            </a:pPr>
+            <a:r>
+              <a:rPr lang="ru-RU" sz="1600" dirty="0">
+                <a:effectLst/>
+                <a:latin typeface="Times New Roman" panose="02020603050405020304" pitchFamily="18" charset="0"/>
+                <a:ea typeface="Times New Roman" panose="02020603050405020304" pitchFamily="18" charset="0"/>
+              </a:rPr>
+              <a:t>просмотр списка товаров (получения списка товаров из БД);</a:t>
+            </a:r>
+          </a:p>
+          <a:p>
+            <a:pPr marL="360363" lvl="0" indent="449263" algn="just">
+              <a:lnSpc>
+                <a:spcPct val="150000"/>
+              </a:lnSpc>
+              <a:spcAft>
+                <a:spcPts val="0"/>
+              </a:spcAft>
+              <a:buFont typeface="Symbol" panose="05050102010706020507" pitchFamily="18" charset="2"/>
+              <a:buChar char=""/>
+              <a:tabLst>
+                <a:tab pos="540385" algn="l"/>
+                <a:tab pos="630555" algn="l"/>
+              </a:tabLst>
+            </a:pPr>
+            <a:r>
+              <a:rPr lang="ru-RU" sz="1600" dirty="0">
+                <a:effectLst/>
+                <a:latin typeface="Times New Roman" panose="02020603050405020304" pitchFamily="18" charset="0"/>
+                <a:ea typeface="Times New Roman" panose="02020603050405020304" pitchFamily="18" charset="0"/>
+              </a:rPr>
+              <a:t>просмотр информации о конкретном товаре (получение списка товаров из БД);</a:t>
+            </a:r>
+          </a:p>
+          <a:p>
+            <a:pPr marL="360363" lvl="0" indent="449263" algn="just">
+              <a:lnSpc>
+                <a:spcPct val="150000"/>
+              </a:lnSpc>
+              <a:spcAft>
+                <a:spcPts val="0"/>
+              </a:spcAft>
+              <a:buFont typeface="Symbol" panose="05050102010706020507" pitchFamily="18" charset="2"/>
+              <a:buChar char=""/>
+              <a:tabLst>
+                <a:tab pos="540385" algn="l"/>
+                <a:tab pos="630555" algn="l"/>
+              </a:tabLst>
+            </a:pPr>
+            <a:r>
+              <a:rPr lang="ru-RU" sz="1600" dirty="0">
+                <a:effectLst/>
+                <a:latin typeface="Times New Roman" panose="02020603050405020304" pitchFamily="18" charset="0"/>
+                <a:ea typeface="Times New Roman" panose="02020603050405020304" pitchFamily="18" charset="0"/>
+              </a:rPr>
+              <a:t>формирование корзины (выбор товаров для заказа и определение их количества);</a:t>
+            </a:r>
+          </a:p>
+          <a:p>
+            <a:pPr marL="360363" lvl="0" indent="449263" algn="just">
+              <a:lnSpc>
+                <a:spcPct val="150000"/>
+              </a:lnSpc>
+              <a:spcAft>
+                <a:spcPts val="0"/>
+              </a:spcAft>
+              <a:buFont typeface="Symbol" panose="05050102010706020507" pitchFamily="18" charset="2"/>
+              <a:buChar char=""/>
+              <a:tabLst>
+                <a:tab pos="540385" algn="l"/>
+                <a:tab pos="630555" algn="l"/>
+              </a:tabLst>
+            </a:pPr>
+            <a:r>
+              <a:rPr lang="ru-RU" sz="1600" dirty="0">
+                <a:effectLst/>
+                <a:latin typeface="Times New Roman" panose="02020603050405020304" pitchFamily="18" charset="0"/>
+                <a:ea typeface="Times New Roman" panose="02020603050405020304" pitchFamily="18" charset="0"/>
+              </a:rPr>
+              <a:t>определение пункта получения заказа (выбор торгового пункта из списка, выведенного из БД);</a:t>
+            </a:r>
+          </a:p>
+          <a:p>
+            <a:pPr marL="360363" lvl="0" indent="449263" algn="just">
+              <a:lnSpc>
+                <a:spcPct val="150000"/>
+              </a:lnSpc>
+              <a:spcAft>
+                <a:spcPts val="0"/>
+              </a:spcAft>
+              <a:buFont typeface="Symbol" panose="05050102010706020507" pitchFamily="18" charset="2"/>
+              <a:buChar char=""/>
+              <a:tabLst>
+                <a:tab pos="540385" algn="l"/>
+                <a:tab pos="630555" algn="l"/>
+              </a:tabLst>
+            </a:pPr>
+            <a:r>
+              <a:rPr lang="ru-RU" sz="1600" dirty="0">
+                <a:effectLst/>
+                <a:latin typeface="Times New Roman" panose="02020603050405020304" pitchFamily="18" charset="0"/>
+                <a:ea typeface="Times New Roman" panose="02020603050405020304" pitchFamily="18" charset="0"/>
+              </a:rPr>
+              <a:t>формирование заказа (внесение данных о заказе в БД).</a:t>
+            </a:r>
+          </a:p>
+          <a:p>
+            <a:pPr indent="450000" algn="just" fontAlgn="auto">
+              <a:lnSpc>
+                <a:spcPct val="150000"/>
+              </a:lnSpc>
+              <a:spcAft>
+                <a:spcPts val="0"/>
+              </a:spcAft>
+              <a:buClr>
+                <a:schemeClr val="accent1"/>
+              </a:buClr>
+              <a:buSzPct val="85000"/>
+              <a:buFont typeface="Wingdings 2"/>
+              <a:buNone/>
+              <a:defRPr/>
+            </a:pPr>
+            <a:endParaRPr lang="ru-RU" dirty="0">
+              <a:latin typeface="Times New Roman" pitchFamily="18" charset="0"/>
+              <a:cs typeface="Times New Roman" pitchFamily="18" charset="0"/>
+            </a:endParaRPr>
+          </a:p>
+          <a:p>
+            <a:pPr indent="450000" algn="just" fontAlgn="auto">
+              <a:lnSpc>
+                <a:spcPct val="150000"/>
+              </a:lnSpc>
+              <a:spcAft>
+                <a:spcPts val="0"/>
+              </a:spcAft>
+              <a:buClr>
+                <a:schemeClr val="accent1"/>
+              </a:buClr>
+              <a:buSzPct val="85000"/>
+              <a:buFont typeface="Wingdings 2"/>
+              <a:buNone/>
+              <a:defRPr/>
+            </a:pPr>
+            <a:endParaRPr lang="ru-RU" dirty="0">
+              <a:latin typeface="Times New Roman" pitchFamily="18" charset="0"/>
+              <a:cs typeface="Times New Roman" pitchFamily="18" charset="0"/>
+            </a:endParaRPr>
           </a:p>
           <a:p>
             <a:pPr marL="274320" indent="-274320" algn="just" fontAlgn="auto">
@@ -7354,11 +7806,11 @@
   <p:clrMapOvr>
     <a:masterClrMapping/>
   </p:clrMapOvr>
-  <mc:AlternateContent xmlns:mc="http://schemas.openxmlformats.org/markup-compatibility/2006">
-    <mc:Choice xmlns:p14="http://schemas.microsoft.com/office/powerpoint/2010/main" Requires="p14">
+  <mc:AlternateContent xmlns:mc="http://schemas.openxmlformats.org/markup-compatibility/2006" xmlns:p14="http://schemas.microsoft.com/office/powerpoint/2010/main">
+    <mc:Choice Requires="p14">
       <p:transition p14:dur="0"/>
     </mc:Choice>
-    <mc:Fallback>
+    <mc:Fallback xmlns="">
       <p:transition/>
     </mc:Fallback>
   </mc:AlternateContent>
@@ -7392,8 +7844,8 @@
         </p:nvSpPr>
         <p:spPr>
           <a:xfrm>
-            <a:off x="285688" y="847658"/>
-            <a:ext cx="8858312" cy="5711824"/>
+            <a:off x="763398" y="847658"/>
+            <a:ext cx="7633982" cy="5711824"/>
           </a:xfrm>
           <a:prstGeom prst="rect">
             <a:avLst/>
@@ -7412,10 +7864,10 @@
           </a:bodyPr>
           <a:lstStyle/>
           <a:p>
-            <a:pPr marL="274320" indent="-274320" fontAlgn="auto">
-              <a:spcBef>
-                <a:spcPts val="580"/>
-              </a:spcBef>
+            <a:pPr indent="450000" algn="just" fontAlgn="auto">
+              <a:lnSpc>
+                <a:spcPct val="150000"/>
+              </a:lnSpc>
               <a:spcAft>
                 <a:spcPts val="0"/>
               </a:spcAft>
@@ -7428,12 +7880,126 @@
               <a:defRPr/>
             </a:pPr>
             <a:r>
-              <a:rPr lang="ru-RU" sz="2400" b="1" dirty="0">
+              <a:rPr lang="ru-RU" sz="1600" dirty="0">
                 <a:latin typeface="Times New Roman" pitchFamily="18" charset="0"/>
                 <a:cs typeface="Times New Roman" pitchFamily="18" charset="0"/>
               </a:rPr>
-              <a:t>Сравнение с программными аналогами</a:t>
-            </a:r>
+              <a:t>Формирование корзины, с расчётом стоимости со скидкой и без скидки, а также с выбором пункта получения заказа:</a:t>
+            </a:r>
+          </a:p>
+          <a:p>
+            <a:pPr marL="360363" indent="450000" algn="just" fontAlgn="auto">
+              <a:lnSpc>
+                <a:spcPct val="150000"/>
+              </a:lnSpc>
+              <a:spcAft>
+                <a:spcPts val="0"/>
+              </a:spcAft>
+              <a:buClr>
+                <a:schemeClr val="tx1"/>
+              </a:buClr>
+              <a:buSzPct val="85000"/>
+              <a:buFont typeface="Symbol" panose="05050102010706020507" pitchFamily="18" charset="2"/>
+              <a:buChar char="-"/>
+              <a:defRPr/>
+            </a:pPr>
+            <a:r>
+              <a:rPr lang="ru-RU" sz="1600" dirty="0">
+                <a:latin typeface="Times New Roman" pitchFamily="18" charset="0"/>
+                <a:cs typeface="Times New Roman" pitchFamily="18" charset="0"/>
+              </a:rPr>
+              <a:t>Музторг (</a:t>
+            </a:r>
+            <a:r>
+              <a:rPr lang="en-US" sz="1600" dirty="0">
+                <a:latin typeface="Times New Roman" pitchFamily="18" charset="0"/>
+                <a:cs typeface="Times New Roman" pitchFamily="18" charset="0"/>
+              </a:rPr>
+              <a:t>https://www.muztorg.ru/</a:t>
+            </a:r>
+            <a:r>
+              <a:rPr lang="ru-RU" sz="1600" dirty="0">
+                <a:latin typeface="Times New Roman" pitchFamily="18" charset="0"/>
+                <a:cs typeface="Times New Roman" pitchFamily="18" charset="0"/>
+              </a:rPr>
+              <a:t>), логотип которого показан на рисунке 1;</a:t>
+            </a:r>
+          </a:p>
+          <a:p>
+            <a:pPr marL="360363" indent="450000" algn="just" fontAlgn="auto">
+              <a:lnSpc>
+                <a:spcPct val="150000"/>
+              </a:lnSpc>
+              <a:spcAft>
+                <a:spcPts val="0"/>
+              </a:spcAft>
+              <a:buClr>
+                <a:schemeClr val="tx1"/>
+              </a:buClr>
+              <a:buSzPct val="85000"/>
+              <a:buFont typeface="Symbol" panose="05050102010706020507" pitchFamily="18" charset="2"/>
+              <a:buChar char="-"/>
+              <a:defRPr/>
+            </a:pPr>
+            <a:r>
+              <a:rPr lang="ru-RU" sz="1600" dirty="0">
+                <a:latin typeface="Times New Roman" pitchFamily="18" charset="0"/>
+                <a:cs typeface="Times New Roman" pitchFamily="18" charset="0"/>
+              </a:rPr>
+              <a:t>Мир музыки, логотип которого показан на рисунке 2;</a:t>
+            </a:r>
+          </a:p>
+          <a:p>
+            <a:pPr indent="450000" algn="just">
+              <a:lnSpc>
+                <a:spcPct val="150000"/>
+              </a:lnSpc>
+              <a:buClr>
+                <a:schemeClr val="tx1"/>
+              </a:buClr>
+              <a:buSzPct val="85000"/>
+              <a:defRPr/>
+            </a:pPr>
+            <a:r>
+              <a:rPr lang="ru-RU" sz="1600" dirty="0">
+                <a:latin typeface="Times New Roman" pitchFamily="18" charset="0"/>
+                <a:cs typeface="Times New Roman" pitchFamily="18" charset="0"/>
+              </a:rPr>
+              <a:t>Иерархическая структура списка категорий – Музторг (</a:t>
+            </a:r>
+            <a:r>
+              <a:rPr lang="en-US" sz="1600" dirty="0">
+                <a:latin typeface="Times New Roman" panose="02020603050405020304" pitchFamily="18" charset="0"/>
+                <a:cs typeface="Times New Roman" pitchFamily="18" charset="0"/>
+              </a:rPr>
+              <a:t>https://www.muztorg.ru/</a:t>
+            </a:r>
+            <a:r>
+              <a:rPr lang="ru-RU" sz="1600" dirty="0">
+                <a:latin typeface="Times New Roman" pitchFamily="18" charset="0"/>
+                <a:cs typeface="Times New Roman" pitchFamily="18" charset="0"/>
+              </a:rPr>
+              <a:t>), логотип которого показан на рисунке 1</a:t>
+            </a:r>
+          </a:p>
+          <a:p>
+            <a:pPr marL="360363" algn="just" fontAlgn="auto">
+              <a:lnSpc>
+                <a:spcPct val="150000"/>
+              </a:lnSpc>
+              <a:spcAft>
+                <a:spcPts val="0"/>
+              </a:spcAft>
+              <a:buClr>
+                <a:schemeClr val="tx1"/>
+              </a:buClr>
+              <a:buSzPct val="85000"/>
+              <a:defRPr/>
+            </a:pPr>
+            <a:endParaRPr lang="ru-RU" sz="1600" dirty="0">
+              <a:latin typeface="Times New Roman" pitchFamily="18" charset="0"/>
+              <a:cs typeface="Times New Roman" pitchFamily="18" charset="0"/>
+            </a:endParaRPr>
           </a:p>
         </p:txBody>
       </p:sp>
@@ -7446,14 +8012,14 @@
         <p:spPr>
           <a:xfrm>
             <a:off x="1214438" y="196810"/>
-            <a:ext cx="6858000" cy="535531"/>
+            <a:ext cx="6721547" cy="535531"/>
           </a:xfrm>
           <a:prstGeom prst="rect">
             <a:avLst/>
           </a:prstGeom>
         </p:spPr>
         <p:txBody>
-          <a:bodyPr>
+          <a:bodyPr wrap="square">
             <a:spAutoFit/>
           </a:bodyPr>
           <a:lstStyle/>
@@ -7486,6 +8052,206 @@
           </a:p>
         </p:txBody>
       </p:sp>
+      <p:sp>
+        <p:nvSpPr>
+          <p:cNvPr id="2" name="TextBox 1">
+            <a:extLst>
+              <a:ext uri="{FF2B5EF4-FFF2-40B4-BE49-F238E27FC236}">
+                <a16:creationId xmlns:a16="http://schemas.microsoft.com/office/drawing/2014/main" id="{8B3E5AD4-9BF8-8DCC-3D79-4AEB536A8F23}"/>
+              </a:ext>
+            </a:extLst>
+          </p:cNvPr>
+          <p:cNvSpPr txBox="1"/>
+          <p:nvPr/>
+        </p:nvSpPr>
+        <p:spPr>
+          <a:xfrm>
+            <a:off x="661558" y="310687"/>
+            <a:ext cx="646331" cy="307777"/>
+          </a:xfrm>
+          <a:prstGeom prst="rect">
+            <a:avLst/>
+          </a:prstGeom>
+          <a:noFill/>
+        </p:spPr>
+        <p:txBody>
+          <a:bodyPr wrap="none" rtlCol="0">
+            <a:spAutoFit/>
+          </a:bodyPr>
+          <a:lstStyle/>
+          <a:p>
+            <a:r>
+              <a:rPr lang="ru-RU" sz="1400" dirty="0">
+                <a:latin typeface="Times New Roman" panose="02020603050405020304" pitchFamily="18" charset="0"/>
+                <a:cs typeface="Times New Roman" panose="02020603050405020304" pitchFamily="18" charset="0"/>
+                <a:hlinkClick r:id="rId2" action="ppaction://hlinksldjump"/>
+              </a:rPr>
+              <a:t>Назад</a:t>
+            </a:r>
+            <a:endParaRPr lang="ru-RU" sz="1400" dirty="0">
+              <a:latin typeface="Times New Roman" panose="02020603050405020304" pitchFamily="18" charset="0"/>
+              <a:cs typeface="Times New Roman" panose="02020603050405020304" pitchFamily="18" charset="0"/>
+            </a:endParaRPr>
+          </a:p>
+        </p:txBody>
+      </p:sp>
+      <p:pic>
+        <p:nvPicPr>
+          <p:cNvPr id="5" name="Рисунок 4" descr="Изображение выглядит как логотип, Шрифт, Графика, символ&#10;&#10;Автоматически созданное описание">
+            <a:extLst>
+              <a:ext uri="{FF2B5EF4-FFF2-40B4-BE49-F238E27FC236}">
+                <a16:creationId xmlns:a16="http://schemas.microsoft.com/office/drawing/2014/main" id="{0B4FF1F6-0728-5BD3-5E93-FFE8B926A5A0}"/>
+              </a:ext>
+            </a:extLst>
+          </p:cNvPr>
+          <p:cNvPicPr>
+            <a:picLocks noChangeAspect="1"/>
+          </p:cNvPicPr>
+          <p:nvPr/>
+        </p:nvPicPr>
+        <p:blipFill>
+          <a:blip r:embed="rId3">
+            <a:extLst>
+              <a:ext uri="{28A0092B-C50C-407E-A947-70E740481C1C}">
+                <a14:useLocalDpi xmlns:a14="http://schemas.microsoft.com/office/drawing/2010/main" val="0"/>
+              </a:ext>
+            </a:extLst>
+          </a:blip>
+          <a:stretch>
+            <a:fillRect/>
+          </a:stretch>
+        </p:blipFill>
+        <p:spPr>
+          <a:xfrm>
+            <a:off x="1000499" y="3472795"/>
+            <a:ext cx="2138218" cy="942836"/>
+          </a:xfrm>
+          <a:prstGeom prst="rect">
+            <a:avLst/>
+          </a:prstGeom>
+          <a:ln w="12700">
+            <a:solidFill>
+              <a:schemeClr val="tx1"/>
+            </a:solidFill>
+          </a:ln>
+        </p:spPr>
+      </p:pic>
+      <p:sp>
+        <p:nvSpPr>
+          <p:cNvPr id="6" name="TextBox 5">
+            <a:extLst>
+              <a:ext uri="{FF2B5EF4-FFF2-40B4-BE49-F238E27FC236}">
+                <a16:creationId xmlns:a16="http://schemas.microsoft.com/office/drawing/2014/main" id="{E875AF1A-AA56-7A7B-B11D-8FF543A3D12C}"/>
+              </a:ext>
+            </a:extLst>
+          </p:cNvPr>
+          <p:cNvSpPr txBox="1"/>
+          <p:nvPr/>
+        </p:nvSpPr>
+        <p:spPr>
+          <a:xfrm>
+            <a:off x="5095208" y="4138632"/>
+            <a:ext cx="3750466" cy="276999"/>
+          </a:xfrm>
+          <a:prstGeom prst="rect">
+            <a:avLst/>
+          </a:prstGeom>
+          <a:noFill/>
+        </p:spPr>
+        <p:txBody>
+          <a:bodyPr wrap="square" rtlCol="0">
+            <a:spAutoFit/>
+          </a:bodyPr>
+          <a:lstStyle/>
+          <a:p>
+            <a:r>
+              <a:rPr lang="ru-RU" sz="1200" dirty="0">
+                <a:latin typeface="Times New Roman" panose="02020603050405020304" pitchFamily="18" charset="0"/>
+                <a:cs typeface="Times New Roman" panose="02020603050405020304" pitchFamily="18" charset="0"/>
+              </a:rPr>
+              <a:t>Рисунок 2 – Логотип интернет-магазина Мир музыки</a:t>
+            </a:r>
+          </a:p>
+        </p:txBody>
+      </p:sp>
+      <p:pic>
+        <p:nvPicPr>
+          <p:cNvPr id="7" name="Рисунок 6">
+            <a:extLst>
+              <a:ext uri="{FF2B5EF4-FFF2-40B4-BE49-F238E27FC236}">
+                <a16:creationId xmlns:a16="http://schemas.microsoft.com/office/drawing/2014/main" id="{1D451BF4-F501-5EDD-BC80-8192CEECE931}"/>
+              </a:ext>
+            </a:extLst>
+          </p:cNvPr>
+          <p:cNvPicPr>
+            <a:picLocks noChangeAspect="1"/>
+          </p:cNvPicPr>
+          <p:nvPr/>
+        </p:nvPicPr>
+        <p:blipFill>
+          <a:blip r:embed="rId4">
+            <a:extLst>
+              <a:ext uri="{28A0092B-C50C-407E-A947-70E740481C1C}">
+                <a14:useLocalDpi xmlns:a14="http://schemas.microsoft.com/office/drawing/2010/main" val="0"/>
+              </a:ext>
+            </a:extLst>
+          </a:blip>
+          <a:srcRect/>
+          <a:stretch/>
+        </p:blipFill>
+        <p:spPr>
+          <a:xfrm>
+            <a:off x="6000337" y="3426679"/>
+            <a:ext cx="2200012" cy="558091"/>
+          </a:xfrm>
+          <a:prstGeom prst="rect">
+            <a:avLst/>
+          </a:prstGeom>
+          <a:ln w="12700">
+            <a:solidFill>
+              <a:schemeClr val="tx1"/>
+            </a:solidFill>
+          </a:ln>
+        </p:spPr>
+      </p:pic>
+      <p:sp>
+        <p:nvSpPr>
+          <p:cNvPr id="8" name="TextBox 7">
+            <a:extLst>
+              <a:ext uri="{FF2B5EF4-FFF2-40B4-BE49-F238E27FC236}">
+                <a16:creationId xmlns:a16="http://schemas.microsoft.com/office/drawing/2014/main" id="{89488EC2-7170-D19B-5EAA-40CB02F03B3C}"/>
+              </a:ext>
+            </a:extLst>
+          </p:cNvPr>
+          <p:cNvSpPr txBox="1"/>
+          <p:nvPr/>
+        </p:nvSpPr>
+        <p:spPr>
+          <a:xfrm>
+            <a:off x="315104" y="4644825"/>
+            <a:ext cx="3440658" cy="276999"/>
+          </a:xfrm>
+          <a:prstGeom prst="rect">
+            <a:avLst/>
+          </a:prstGeom>
+          <a:noFill/>
+        </p:spPr>
+        <p:txBody>
+          <a:bodyPr wrap="square" rtlCol="0">
+            <a:spAutoFit/>
+          </a:bodyPr>
+          <a:lstStyle/>
+          <a:p>
+            <a:r>
+              <a:rPr lang="ru-RU" sz="1200" dirty="0">
+                <a:latin typeface="Times New Roman" panose="02020603050405020304" pitchFamily="18" charset="0"/>
+                <a:cs typeface="Times New Roman" panose="02020603050405020304" pitchFamily="18" charset="0"/>
+              </a:rPr>
+              <a:t>Рисунок 1 – Логотип интернет-магазина Музторг</a:t>
+            </a:r>
+          </a:p>
+        </p:txBody>
+      </p:sp>
     </p:spTree>
     <p:extLst>
       <p:ext uri="{BB962C8B-B14F-4D97-AF65-F5344CB8AC3E}">
@@ -7496,11 +8262,11 @@
   <p:clrMapOvr>
     <a:masterClrMapping/>
   </p:clrMapOvr>
-  <mc:AlternateContent xmlns:mc="http://schemas.openxmlformats.org/markup-compatibility/2006">
-    <mc:Choice xmlns:p14="http://schemas.microsoft.com/office/powerpoint/2010/main" Requires="p14">
+  <mc:AlternateContent xmlns:mc="http://schemas.openxmlformats.org/markup-compatibility/2006" xmlns:p14="http://schemas.microsoft.com/office/powerpoint/2010/main">
+    <mc:Choice Requires="p14">
       <p:transition p14:dur="0"/>
     </mc:Choice>
-    <mc:Fallback>
+    <mc:Fallback xmlns="">
       <p:transition/>
     </mc:Fallback>
   </mc:AlternateContent>
@@ -7534,8 +8300,8 @@
         </p:nvSpPr>
         <p:spPr>
           <a:xfrm>
-            <a:off x="214282" y="857385"/>
-            <a:ext cx="8858312" cy="5711824"/>
+            <a:off x="746619" y="690395"/>
+            <a:ext cx="7650761" cy="5711824"/>
           </a:xfrm>
           <a:prstGeom prst="rect">
             <a:avLst/>
@@ -7553,6 +8319,72 @@
             </a:sp3d>
           </a:bodyPr>
           <a:lstStyle/>
+          <a:p>
+            <a:pPr indent="450000" algn="just" fontAlgn="auto">
+              <a:lnSpc>
+                <a:spcPct val="150000"/>
+              </a:lnSpc>
+              <a:spcAft>
+                <a:spcPts val="0"/>
+              </a:spcAft>
+              <a:buClr>
+                <a:schemeClr val="accent1"/>
+              </a:buClr>
+              <a:buSzPct val="85000"/>
+              <a:buFont typeface="Wingdings 2"/>
+              <a:buNone/>
+              <a:defRPr/>
+            </a:pPr>
+            <a:r>
+              <a:rPr lang="ru-RU" sz="1600" dirty="0">
+                <a:latin typeface="Times New Roman" pitchFamily="18" charset="0"/>
+                <a:cs typeface="Times New Roman" pitchFamily="18" charset="0"/>
+              </a:rPr>
+              <a:t>Схема взаимодействия компонентов системы представлена на рисунке 3.</a:t>
+            </a:r>
+          </a:p>
+          <a:p>
+            <a:pPr indent="450000" algn="just" fontAlgn="auto">
+              <a:lnSpc>
+                <a:spcPct val="150000"/>
+              </a:lnSpc>
+              <a:spcAft>
+                <a:spcPts val="0"/>
+              </a:spcAft>
+              <a:buClr>
+                <a:schemeClr val="accent1"/>
+              </a:buClr>
+              <a:buSzPct val="85000"/>
+              <a:buFont typeface="Wingdings 2"/>
+              <a:buNone/>
+              <a:defRPr/>
+            </a:pPr>
+            <a:endParaRPr lang="ru-RU" sz="1600" dirty="0">
+              <a:latin typeface="Times New Roman" pitchFamily="18" charset="0"/>
+              <a:cs typeface="Times New Roman" pitchFamily="18" charset="0"/>
+            </a:endParaRPr>
+          </a:p>
+          <a:p>
+            <a:pPr indent="450000" algn="just" fontAlgn="auto">
+              <a:lnSpc>
+                <a:spcPct val="150000"/>
+              </a:lnSpc>
+              <a:spcAft>
+                <a:spcPts val="0"/>
+              </a:spcAft>
+              <a:buClr>
+                <a:schemeClr val="accent1"/>
+              </a:buClr>
+              <a:buSzPct val="85000"/>
+              <a:buFont typeface="Wingdings 2"/>
+              <a:buNone/>
+              <a:defRPr/>
+            </a:pPr>
+            <a:endParaRPr lang="ru-RU" sz="1600" dirty="0">
+              <a:latin typeface="Times New Roman" pitchFamily="18" charset="0"/>
+              <a:cs typeface="Times New Roman" pitchFamily="18" charset="0"/>
+            </a:endParaRPr>
+          </a:p>
           <a:p>
             <a:pPr marL="274320" indent="-274320" fontAlgn="auto">
               <a:spcBef>
@@ -7569,61 +8401,6 @@
               <a:buNone/>
               <a:defRPr/>
             </a:pPr>
-            <a:r>
-              <a:rPr lang="en-US" sz="2400" b="1" dirty="0">
-                <a:latin typeface="Times New Roman" pitchFamily="18" charset="0"/>
-                <a:cs typeface="Times New Roman" pitchFamily="18" charset="0"/>
-              </a:rPr>
-              <a:t>IDEF0 </a:t>
-            </a:r>
-            <a:r>
-              <a:rPr lang="ru-RU" sz="2400" b="1" dirty="0">
-                <a:latin typeface="Times New Roman" pitchFamily="18" charset="0"/>
-                <a:cs typeface="Times New Roman" pitchFamily="18" charset="0"/>
-              </a:rPr>
-              <a:t>или любая другая</a:t>
-            </a:r>
-          </a:p>
-          <a:p>
-            <a:pPr marL="274320" indent="-274320" fontAlgn="auto">
-              <a:spcBef>
-                <a:spcPts val="580"/>
-              </a:spcBef>
-              <a:spcAft>
-                <a:spcPts val="0"/>
-              </a:spcAft>
-              <a:buClr>
-                <a:schemeClr val="accent1"/>
-              </a:buClr>
-              <a:buSzPct val="85000"/>
-              <a:buFont typeface="Wingdings 2"/>
-              <a:buNone/>
-              <a:defRPr/>
-            </a:pPr>
-            <a:r>
-              <a:rPr lang="ru-RU" sz="2400" b="1" dirty="0">
-                <a:latin typeface="Times New Roman" pitchFamily="18" charset="0"/>
-                <a:cs typeface="Times New Roman" pitchFamily="18" charset="0"/>
-              </a:rPr>
-              <a:t>Инфраструктура приложения </a:t>
-            </a:r>
-          </a:p>
-          <a:p>
-            <a:pPr marL="274320" indent="-274320" fontAlgn="auto">
-              <a:spcBef>
-                <a:spcPts val="580"/>
-              </a:spcBef>
-              <a:spcAft>
-                <a:spcPts val="0"/>
-              </a:spcAft>
-              <a:buClr>
-                <a:schemeClr val="accent1"/>
-              </a:buClr>
-              <a:buSzPct val="85000"/>
-              <a:buFont typeface="Wingdings 2"/>
-              <a:buNone/>
-              <a:defRPr/>
-            </a:pPr>
             <a:endParaRPr lang="ru-RU" sz="2400" b="1" dirty="0">
               <a:latin typeface="Times New Roman" pitchFamily="18" charset="0"/>
               <a:cs typeface="Times New Roman" pitchFamily="18" charset="0"/>
@@ -7639,7 +8416,7 @@
         </p:nvSpPr>
         <p:spPr>
           <a:xfrm>
-            <a:off x="714360" y="196810"/>
+            <a:off x="642922" y="154865"/>
             <a:ext cx="7858156" cy="535531"/>
           </a:xfrm>
           <a:prstGeom prst="rect">
@@ -7680,6 +8457,129 @@
           </a:p>
         </p:txBody>
       </p:sp>
+      <p:sp>
+        <p:nvSpPr>
+          <p:cNvPr id="2" name="TextBox 1">
+            <a:extLst>
+              <a:ext uri="{FF2B5EF4-FFF2-40B4-BE49-F238E27FC236}">
+                <a16:creationId xmlns:a16="http://schemas.microsoft.com/office/drawing/2014/main" id="{52AA56F4-200A-F5ED-F108-ADEC28F73D12}"/>
+              </a:ext>
+            </a:extLst>
+          </p:cNvPr>
+          <p:cNvSpPr txBox="1"/>
+          <p:nvPr/>
+        </p:nvSpPr>
+        <p:spPr>
+          <a:xfrm>
+            <a:off x="8177912" y="536507"/>
+            <a:ext cx="777777" cy="307777"/>
+          </a:xfrm>
+          <a:prstGeom prst="rect">
+            <a:avLst/>
+          </a:prstGeom>
+          <a:noFill/>
+        </p:spPr>
+        <p:txBody>
+          <a:bodyPr wrap="none" rtlCol="0">
+            <a:spAutoFit/>
+          </a:bodyPr>
+          <a:lstStyle/>
+          <a:p>
+            <a:r>
+              <a:rPr lang="ru-RU" sz="1400" dirty="0">
+                <a:latin typeface="Times New Roman" panose="02020603050405020304" pitchFamily="18" charset="0"/>
+                <a:cs typeface="Times New Roman" panose="02020603050405020304" pitchFamily="18" charset="0"/>
+                <a:hlinkClick r:id="rId2" action="ppaction://hlinksldjump"/>
+              </a:rPr>
+              <a:t>Дальше</a:t>
+            </a:r>
+            <a:endParaRPr lang="ru-RU" sz="1400" dirty="0">
+              <a:latin typeface="Times New Roman" panose="02020603050405020304" pitchFamily="18" charset="0"/>
+              <a:cs typeface="Times New Roman" panose="02020603050405020304" pitchFamily="18" charset="0"/>
+            </a:endParaRPr>
+          </a:p>
+        </p:txBody>
+      </p:sp>
+      <p:pic>
+        <p:nvPicPr>
+          <p:cNvPr id="5" name="Рисунок 4" descr="Изображение выглядит как диаграмма, текст, снимок экрана, зарисовка&#10;&#10;Автоматически созданное описание">
+            <a:extLst>
+              <a:ext uri="{FF2B5EF4-FFF2-40B4-BE49-F238E27FC236}">
+                <a16:creationId xmlns:a16="http://schemas.microsoft.com/office/drawing/2014/main" id="{03257B84-40AD-F0D0-33FC-18584F513B64}"/>
+              </a:ext>
+            </a:extLst>
+          </p:cNvPr>
+          <p:cNvPicPr>
+            <a:picLocks noChangeAspect="1"/>
+          </p:cNvPicPr>
+          <p:nvPr/>
+        </p:nvPicPr>
+        <p:blipFill>
+          <a:blip r:embed="rId3">
+            <a:extLst>
+              <a:ext uri="{28A0092B-C50C-407E-A947-70E740481C1C}">
+                <a14:useLocalDpi xmlns:a14="http://schemas.microsoft.com/office/drawing/2010/main" val="0"/>
+              </a:ext>
+            </a:extLst>
+          </a:blip>
+          <a:stretch>
+            <a:fillRect/>
+          </a:stretch>
+        </p:blipFill>
+        <p:spPr>
+          <a:xfrm>
+            <a:off x="2328862" y="1185862"/>
+            <a:ext cx="4486275" cy="4486275"/>
+          </a:xfrm>
+          <a:prstGeom prst="rect">
+            <a:avLst/>
+          </a:prstGeom>
+          <a:ln w="12700">
+            <a:solidFill>
+              <a:schemeClr val="tx1"/>
+            </a:solidFill>
+          </a:ln>
+        </p:spPr>
+      </p:pic>
+      <p:sp>
+        <p:nvSpPr>
+          <p:cNvPr id="6" name="TextBox 5">
+            <a:extLst>
+              <a:ext uri="{FF2B5EF4-FFF2-40B4-BE49-F238E27FC236}">
+                <a16:creationId xmlns:a16="http://schemas.microsoft.com/office/drawing/2014/main" id="{8BD710AA-99D5-6BCD-509E-7A750F61C114}"/>
+              </a:ext>
+            </a:extLst>
+          </p:cNvPr>
+          <p:cNvSpPr txBox="1"/>
+          <p:nvPr/>
+        </p:nvSpPr>
+        <p:spPr>
+          <a:xfrm>
+            <a:off x="2433766" y="5672137"/>
+            <a:ext cx="4287264" cy="276999"/>
+          </a:xfrm>
+          <a:prstGeom prst="rect">
+            <a:avLst/>
+          </a:prstGeom>
+          <a:noFill/>
+        </p:spPr>
+        <p:txBody>
+          <a:bodyPr wrap="none" rtlCol="0">
+            <a:spAutoFit/>
+          </a:bodyPr>
+          <a:lstStyle/>
+          <a:p>
+            <a:pPr algn="ctr"/>
+            <a:r>
+              <a:rPr lang="ru-RU" sz="1200" dirty="0">
+                <a:latin typeface="Times New Roman" panose="02020603050405020304" pitchFamily="18" charset="0"/>
+                <a:cs typeface="Times New Roman" panose="02020603050405020304" pitchFamily="18" charset="0"/>
+              </a:rPr>
+              <a:t>Рисунок 3 – Диаграмма взаимодействия компонентов системы</a:t>
+            </a:r>
+          </a:p>
+        </p:txBody>
+      </p:sp>
     </p:spTree>
     <p:extLst>
       <p:ext uri="{BB962C8B-B14F-4D97-AF65-F5344CB8AC3E}">
@@ -7690,11 +8590,11 @@
   <p:clrMapOvr>
     <a:masterClrMapping/>
   </p:clrMapOvr>
-  <mc:AlternateContent xmlns:mc="http://schemas.openxmlformats.org/markup-compatibility/2006">
-    <mc:Choice xmlns:p14="http://schemas.microsoft.com/office/powerpoint/2010/main" Requires="p14">
+  <mc:AlternateContent xmlns:mc="http://schemas.openxmlformats.org/markup-compatibility/2006" xmlns:p14="http://schemas.microsoft.com/office/powerpoint/2010/main">
+    <mc:Choice Requires="p14">
       <p:transition p14:dur="0"/>
     </mc:Choice>
-    <mc:Fallback>
+    <mc:Fallback xmlns="">
       <p:transition/>
     </mc:Fallback>
   </mc:AlternateContent>
@@ -7728,8 +8628,8 @@
         </p:nvSpPr>
         <p:spPr>
           <a:xfrm>
-            <a:off x="285688" y="1003300"/>
-            <a:ext cx="8858312" cy="5711824"/>
+            <a:off x="763398" y="874836"/>
+            <a:ext cx="7625593" cy="5711824"/>
           </a:xfrm>
           <a:prstGeom prst="rect">
             <a:avLst/>
@@ -7747,6 +8647,54 @@
             </a:sp3d>
           </a:bodyPr>
           <a:lstStyle/>
+          <a:p>
+            <a:pPr indent="450000" algn="just" fontAlgn="auto">
+              <a:lnSpc>
+                <a:spcPct val="150000"/>
+              </a:lnSpc>
+              <a:spcAft>
+                <a:spcPts val="0"/>
+              </a:spcAft>
+              <a:buClr>
+                <a:schemeClr val="accent1"/>
+              </a:buClr>
+              <a:buSzPct val="85000"/>
+              <a:buFont typeface="Wingdings 2"/>
+              <a:buNone/>
+              <a:defRPr/>
+            </a:pPr>
+            <a:r>
+              <a:rPr lang="ru-RU" sz="1600" dirty="0">
+                <a:latin typeface="Times New Roman" pitchFamily="18" charset="0"/>
+                <a:cs typeface="Times New Roman" pitchFamily="18" charset="0"/>
+              </a:rPr>
+              <a:t>Диаграмма деятельности пользователей системы представлена на рисунке 4.</a:t>
+            </a:r>
+          </a:p>
+          <a:p>
+            <a:pPr indent="450000" algn="just" fontAlgn="auto">
+              <a:lnSpc>
+                <a:spcPct val="150000"/>
+              </a:lnSpc>
+              <a:spcAft>
+                <a:spcPts val="0"/>
+              </a:spcAft>
+              <a:buClr>
+                <a:schemeClr val="accent1"/>
+              </a:buClr>
+              <a:buSzPct val="85000"/>
+              <a:buFont typeface="Wingdings 2"/>
+              <a:buNone/>
+              <a:defRPr/>
+            </a:pPr>
+            <a:r>
+              <a:rPr lang="ru-RU" sz="1600" dirty="0">
+                <a:latin typeface="Times New Roman" pitchFamily="18" charset="0"/>
+                <a:cs typeface="Times New Roman" pitchFamily="18" charset="0"/>
+              </a:rPr>
+              <a:t> </a:t>
+            </a:r>
+          </a:p>
           <a:p>
             <a:pPr marL="274320" indent="-274320" fontAlgn="auto">
               <a:spcBef>
@@ -7763,44 +8711,10 @@
               <a:buNone/>
               <a:defRPr/>
             </a:pPr>
-            <a:r>
-              <a:rPr lang="en-US" sz="2400" b="1" dirty="0">
-                <a:latin typeface="Times New Roman" pitchFamily="18" charset="0"/>
-                <a:cs typeface="Times New Roman" pitchFamily="18" charset="0"/>
-              </a:rPr>
-              <a:t>ER </a:t>
-            </a:r>
-            <a:r>
-              <a:rPr lang="ru-RU" sz="2400" b="1" dirty="0">
-                <a:latin typeface="Times New Roman" pitchFamily="18" charset="0"/>
-                <a:cs typeface="Times New Roman" pitchFamily="18" charset="0"/>
-              </a:rPr>
-              <a:t>диаграмма</a:t>
-            </a:r>
-          </a:p>
-          <a:p>
-            <a:pPr marL="274320" indent="-274320" fontAlgn="auto">
-              <a:spcBef>
-                <a:spcPts val="580"/>
-              </a:spcBef>
-              <a:spcAft>
-                <a:spcPts val="0"/>
-              </a:spcAft>
-              <a:buClr>
-                <a:schemeClr val="accent1"/>
-              </a:buClr>
-              <a:buSzPct val="85000"/>
-              <a:buFont typeface="Wingdings 2"/>
-              <a:buNone/>
-              <a:defRPr/>
-            </a:pPr>
-            <a:r>
-              <a:rPr lang="ru-RU" sz="2400" b="1" dirty="0">
-                <a:latin typeface="Times New Roman" pitchFamily="18" charset="0"/>
-                <a:cs typeface="Times New Roman" pitchFamily="18" charset="0"/>
-              </a:rPr>
-              <a:t>СУБД</a:t>
-            </a:r>
+            <a:endParaRPr lang="ru-RU" sz="2400" b="1" dirty="0">
+              <a:latin typeface="Times New Roman" pitchFamily="18" charset="0"/>
+              <a:cs typeface="Times New Roman" pitchFamily="18" charset="0"/>
+            </a:endParaRPr>
           </a:p>
         </p:txBody>
       </p:sp>
@@ -7812,15 +8726,15 @@
         </p:nvSpPr>
         <p:spPr>
           <a:xfrm>
-            <a:off x="1214438" y="196810"/>
-            <a:ext cx="6858000" cy="535531"/>
+            <a:off x="642922" y="154865"/>
+            <a:ext cx="7858156" cy="535531"/>
           </a:xfrm>
           <a:prstGeom prst="rect">
             <a:avLst/>
           </a:prstGeom>
         </p:spPr>
         <p:txBody>
-          <a:bodyPr>
+          <a:bodyPr wrap="square">
             <a:spAutoFit/>
           </a:bodyPr>
           <a:lstStyle/>
@@ -7848,7 +8762,144 @@
                 <a:latin typeface="Times New Roman" pitchFamily="18" charset="0"/>
                 <a:cs typeface="Times New Roman" pitchFamily="18" charset="0"/>
               </a:rPr>
-              <a:t>Логическая схема данных</a:t>
+              <a:t>Функционально-логическая схема</a:t>
+            </a:r>
+          </a:p>
+        </p:txBody>
+      </p:sp>
+      <p:sp>
+        <p:nvSpPr>
+          <p:cNvPr id="2" name="TextBox 1">
+            <a:extLst>
+              <a:ext uri="{FF2B5EF4-FFF2-40B4-BE49-F238E27FC236}">
+                <a16:creationId xmlns:a16="http://schemas.microsoft.com/office/drawing/2014/main" id="{52AA56F4-200A-F5ED-F108-ADEC28F73D12}"/>
+              </a:ext>
+            </a:extLst>
+          </p:cNvPr>
+          <p:cNvSpPr txBox="1"/>
+          <p:nvPr/>
+        </p:nvSpPr>
+        <p:spPr>
+          <a:xfrm>
+            <a:off x="8177912" y="536507"/>
+            <a:ext cx="636713" cy="307777"/>
+          </a:xfrm>
+          <a:prstGeom prst="rect">
+            <a:avLst/>
+          </a:prstGeom>
+          <a:noFill/>
+        </p:spPr>
+        <p:txBody>
+          <a:bodyPr wrap="none" rtlCol="0">
+            <a:spAutoFit/>
+          </a:bodyPr>
+          <a:lstStyle/>
+          <a:p>
+            <a:r>
+              <a:rPr lang="ru-RU" sz="1400" dirty="0">
+                <a:latin typeface="Times New Roman" panose="02020603050405020304" pitchFamily="18" charset="0"/>
+                <a:cs typeface="Times New Roman" panose="02020603050405020304" pitchFamily="18" charset="0"/>
+                <a:hlinkClick r:id="rId2" action="ppaction://hlinksldjump"/>
+              </a:rPr>
+              <a:t>Назад</a:t>
+            </a:r>
+            <a:endParaRPr lang="ru-RU" sz="1400" dirty="0">
+              <a:latin typeface="Times New Roman" panose="02020603050405020304" pitchFamily="18" charset="0"/>
+              <a:cs typeface="Times New Roman" panose="02020603050405020304" pitchFamily="18" charset="0"/>
+            </a:endParaRPr>
+          </a:p>
+        </p:txBody>
+      </p:sp>
+      <p:pic>
+        <p:nvPicPr>
+          <p:cNvPr id="5" name="Рисунок 4" descr="Изображение выглядит как текст, диаграмма, карта, зарисовка&#10;&#10;Автоматически созданное описание">
+            <a:extLst>
+              <a:ext uri="{FF2B5EF4-FFF2-40B4-BE49-F238E27FC236}">
+                <a16:creationId xmlns:a16="http://schemas.microsoft.com/office/drawing/2014/main" id="{2130212F-9867-4160-98BB-75783D4543B5}"/>
+              </a:ext>
+            </a:extLst>
+          </p:cNvPr>
+          <p:cNvPicPr>
+            <a:picLocks noChangeAspect="1"/>
+          </p:cNvPicPr>
+          <p:nvPr/>
+        </p:nvPicPr>
+        <p:blipFill>
+          <a:blip r:embed="rId3" cstate="print">
+            <a:extLst>
+              <a:ext uri="{28A0092B-C50C-407E-A947-70E740481C1C}">
+                <a14:useLocalDpi xmlns:a14="http://schemas.microsoft.com/office/drawing/2010/main" val="0"/>
+              </a:ext>
+            </a:extLst>
+          </a:blip>
+          <a:stretch>
+            <a:fillRect/>
+          </a:stretch>
+        </p:blipFill>
+        <p:spPr>
+          <a:xfrm>
+            <a:off x="1730187" y="1468725"/>
+            <a:ext cx="5683625" cy="4514439"/>
+          </a:xfrm>
+          <a:prstGeom prst="rect">
+            <a:avLst/>
+          </a:prstGeom>
+          <a:ln w="12700">
+            <a:solidFill>
+              <a:schemeClr val="tx1"/>
+            </a:solidFill>
+          </a:ln>
+        </p:spPr>
+      </p:pic>
+      <p:sp>
+        <p:nvSpPr>
+          <p:cNvPr id="7" name="TextBox 6">
+            <a:extLst>
+              <a:ext uri="{FF2B5EF4-FFF2-40B4-BE49-F238E27FC236}">
+                <a16:creationId xmlns:a16="http://schemas.microsoft.com/office/drawing/2014/main" id="{CF9B1EC6-C327-5CD1-43C2-E543BC96E3CC}"/>
+              </a:ext>
+            </a:extLst>
+          </p:cNvPr>
+          <p:cNvSpPr txBox="1"/>
+          <p:nvPr/>
+        </p:nvSpPr>
+        <p:spPr>
+          <a:xfrm>
+            <a:off x="3407993" y="6029104"/>
+            <a:ext cx="2328010" cy="276999"/>
+          </a:xfrm>
+          <a:prstGeom prst="rect">
+            <a:avLst/>
+          </a:prstGeom>
+          <a:noFill/>
+        </p:spPr>
+        <p:txBody>
+          <a:bodyPr wrap="none" rtlCol="0">
+            <a:spAutoFit/>
+          </a:bodyPr>
+          <a:lstStyle/>
+          <a:p>
+            <a:pPr algn="ctr"/>
+            <a:r>
+              <a:rPr lang="ru-RU" sz="1200" dirty="0">
+                <a:latin typeface="Times New Roman" panose="02020603050405020304" pitchFamily="18" charset="0"/>
+                <a:cs typeface="Times New Roman" panose="02020603050405020304" pitchFamily="18" charset="0"/>
+              </a:rPr>
+              <a:t>Рисунок 4 – </a:t>
+            </a:r>
+            <a:r>
+              <a:rPr lang="en-US" sz="1200" dirty="0">
+                <a:latin typeface="Times New Roman" panose="02020603050405020304" pitchFamily="18" charset="0"/>
+                <a:cs typeface="Times New Roman" panose="02020603050405020304" pitchFamily="18" charset="0"/>
+              </a:rPr>
+              <a:t>Use-Case </a:t>
+            </a:r>
+            <a:r>
+              <a:rPr lang="ru-RU" sz="1200" dirty="0">
+                <a:latin typeface="Times New Roman" panose="02020603050405020304" pitchFamily="18" charset="0"/>
+                <a:cs typeface="Times New Roman" panose="02020603050405020304" pitchFamily="18" charset="0"/>
+              </a:rPr>
+              <a:t>диаграмма</a:t>
             </a:r>
           </a:p>
         </p:txBody>
@@ -7856,7 +8907,7 @@
     </p:spTree>
     <p:extLst>
       <p:ext uri="{BB962C8B-B14F-4D97-AF65-F5344CB8AC3E}">
-        <p14:creationId xmlns:p14="http://schemas.microsoft.com/office/powerpoint/2010/main" val="2667103433"/>
+        <p14:creationId xmlns:p14="http://schemas.microsoft.com/office/powerpoint/2010/main" val="877687619"/>
       </p:ext>
     </p:extLst>
   </p:cSld>

--- a/сидоров антон дмитриевич, Группа 493 - Презентация.pptx
+++ b/сидоров антон дмитриевич, Группа 493 - Презентация.pptx
@@ -5,7 +5,7 @@
     <p:sldMasterId id="2147483957" r:id="rId1"/>
   </p:sldMasterIdLst>
   <p:notesMasterIdLst>
-    <p:notesMasterId r:id="rId17"/>
+    <p:notesMasterId r:id="rId22"/>
   </p:notesMasterIdLst>
   <p:sldIdLst>
     <p:sldId id="302" r:id="rId2"/>
@@ -18,11 +18,16 @@
     <p:sldId id="294" r:id="rId9"/>
     <p:sldId id="306" r:id="rId10"/>
     <p:sldId id="292" r:id="rId11"/>
-    <p:sldId id="293" r:id="rId12"/>
-    <p:sldId id="295" r:id="rId13"/>
-    <p:sldId id="296" r:id="rId14"/>
-    <p:sldId id="297" r:id="rId15"/>
-    <p:sldId id="305" r:id="rId16"/>
+    <p:sldId id="307" r:id="rId12"/>
+    <p:sldId id="308" r:id="rId13"/>
+    <p:sldId id="309" r:id="rId14"/>
+    <p:sldId id="310" r:id="rId15"/>
+    <p:sldId id="311" r:id="rId16"/>
+    <p:sldId id="293" r:id="rId17"/>
+    <p:sldId id="295" r:id="rId18"/>
+    <p:sldId id="296" r:id="rId19"/>
+    <p:sldId id="297" r:id="rId20"/>
+    <p:sldId id="305" r:id="rId21"/>
   </p:sldIdLst>
   <p:sldSz cx="9144000" cy="6858000" type="screen4x3"/>
   <p:notesSz cx="6858000" cy="9144000"/>
@@ -4597,8 +4602,8 @@
         </p:nvSpPr>
         <p:spPr>
           <a:xfrm>
-            <a:off x="285688" y="1003300"/>
-            <a:ext cx="8858312" cy="5711824"/>
+            <a:off x="759204" y="791064"/>
+            <a:ext cx="7625592" cy="5711824"/>
           </a:xfrm>
           <a:prstGeom prst="rect">
             <a:avLst/>
@@ -4617,10 +4622,10 @@
           </a:bodyPr>
           <a:lstStyle/>
           <a:p>
-            <a:pPr marL="274320" indent="-274320" fontAlgn="auto">
-              <a:spcBef>
-                <a:spcPts val="580"/>
-              </a:spcBef>
+            <a:pPr indent="450000" algn="just" fontAlgn="auto">
+              <a:lnSpc>
+                <a:spcPct val="150000"/>
+              </a:lnSpc>
               <a:spcAft>
                 <a:spcPts val="0"/>
               </a:spcAft>
@@ -4633,25 +4638,18 @@
               <a:defRPr/>
             </a:pPr>
             <a:r>
-              <a:rPr lang="en-US" sz="2400" b="1" dirty="0">
+              <a:rPr lang="ru-RU" sz="1600" dirty="0">
                 <a:latin typeface="Times New Roman" pitchFamily="18" charset="0"/>
                 <a:cs typeface="Times New Roman" pitchFamily="18" charset="0"/>
               </a:rPr>
-              <a:t>ER </a:t>
-            </a:r>
-            <a:r>
-              <a:rPr lang="ru-RU" sz="2400" b="1" dirty="0">
-                <a:latin typeface="Times New Roman" pitchFamily="18" charset="0"/>
-                <a:cs typeface="Times New Roman" pitchFamily="18" charset="0"/>
-              </a:rPr>
-              <a:t>диаграмма</a:t>
-            </a:r>
-          </a:p>
-          <a:p>
-            <a:pPr marL="274320" indent="-274320" fontAlgn="auto">
-              <a:spcBef>
-                <a:spcPts val="580"/>
-              </a:spcBef>
+              <a:t>Диаграмма базы данных была разбита на несколько модулей. Первый модуль – работа с пользователей, как показано на рисунке 5.</a:t>
+            </a:r>
+          </a:p>
+          <a:p>
+            <a:pPr indent="450000" algn="just" fontAlgn="auto">
+              <a:lnSpc>
+                <a:spcPct val="150000"/>
+              </a:lnSpc>
               <a:spcAft>
                 <a:spcPts val="0"/>
               </a:spcAft>
@@ -4664,11 +4662,11 @@
               <a:defRPr/>
             </a:pPr>
             <a:r>
-              <a:rPr lang="ru-RU" sz="2400" b="1" dirty="0">
+              <a:rPr lang="ru-RU" sz="1600" dirty="0">
                 <a:latin typeface="Times New Roman" pitchFamily="18" charset="0"/>
                 <a:cs typeface="Times New Roman" pitchFamily="18" charset="0"/>
               </a:rPr>
-              <a:t>СУБД</a:t>
+              <a:t> </a:t>
             </a:r>
           </a:p>
         </p:txBody>
@@ -4681,7 +4679,7 @@
         </p:nvSpPr>
         <p:spPr>
           <a:xfrm>
-            <a:off x="1214438" y="196810"/>
+            <a:off x="1143000" y="196810"/>
             <a:ext cx="6858000" cy="535531"/>
           </a:xfrm>
           <a:prstGeom prst="rect">
@@ -4722,6 +4720,145 @@
           </a:p>
         </p:txBody>
       </p:sp>
+      <p:sp>
+        <p:nvSpPr>
+          <p:cNvPr id="3" name="TextBox 2">
+            <a:hlinkClick r:id="rId2" action="ppaction://hlinksldjump"/>
+            <a:extLst>
+              <a:ext uri="{FF2B5EF4-FFF2-40B4-BE49-F238E27FC236}">
+                <a16:creationId xmlns:a16="http://schemas.microsoft.com/office/drawing/2014/main" id="{739DE089-339F-93B1-4C68-9EFF752E5718}"/>
+              </a:ext>
+            </a:extLst>
+          </p:cNvPr>
+          <p:cNvSpPr txBox="1"/>
+          <p:nvPr/>
+        </p:nvSpPr>
+        <p:spPr>
+          <a:xfrm>
+            <a:off x="8152745" y="298888"/>
+            <a:ext cx="777777" cy="307777"/>
+          </a:xfrm>
+          <a:prstGeom prst="rect">
+            <a:avLst/>
+          </a:prstGeom>
+          <a:noFill/>
+        </p:spPr>
+        <p:txBody>
+          <a:bodyPr wrap="none" rtlCol="0">
+            <a:spAutoFit/>
+          </a:bodyPr>
+          <a:lstStyle/>
+          <a:p>
+            <a:r>
+              <a:rPr lang="ru-RU" sz="1400" dirty="0">
+                <a:latin typeface="Times New Roman" panose="02020603050405020304" pitchFamily="18" charset="0"/>
+                <a:cs typeface="Times New Roman" panose="02020603050405020304" pitchFamily="18" charset="0"/>
+                <a:hlinkClick r:id="rId2" action="ppaction://hlinksldjump"/>
+              </a:rPr>
+              <a:t>Дальше</a:t>
+            </a:r>
+            <a:endParaRPr lang="ru-RU" sz="1400" dirty="0">
+              <a:latin typeface="Times New Roman" panose="02020603050405020304" pitchFamily="18" charset="0"/>
+              <a:cs typeface="Times New Roman" panose="02020603050405020304" pitchFamily="18" charset="0"/>
+            </a:endParaRPr>
+          </a:p>
+        </p:txBody>
+      </p:sp>
+      <p:grpSp>
+        <p:nvGrpSpPr>
+          <p:cNvPr id="7" name="Группа 6">
+            <a:extLst>
+              <a:ext uri="{FF2B5EF4-FFF2-40B4-BE49-F238E27FC236}">
+                <a16:creationId xmlns:a16="http://schemas.microsoft.com/office/drawing/2014/main" id="{FD2F50E3-0FAE-507B-0AA4-6AAA2CC65E1C}"/>
+              </a:ext>
+            </a:extLst>
+          </p:cNvPr>
+          <p:cNvGrpSpPr/>
+          <p:nvPr/>
+        </p:nvGrpSpPr>
+        <p:grpSpPr>
+          <a:xfrm>
+            <a:off x="1651952" y="1703876"/>
+            <a:ext cx="5840095" cy="4204106"/>
+            <a:chOff x="1651952" y="1703876"/>
+            <a:chExt cx="5840095" cy="4204106"/>
+          </a:xfrm>
+        </p:grpSpPr>
+        <p:pic>
+          <p:nvPicPr>
+            <p:cNvPr id="5" name="Рисунок 4" descr="Изображение выглядит как текст, снимок экрана, диаграмма, число&#10;&#10;Автоматически созданное описание">
+              <a:extLst>
+                <a:ext uri="{FF2B5EF4-FFF2-40B4-BE49-F238E27FC236}">
+                  <a16:creationId xmlns:a16="http://schemas.microsoft.com/office/drawing/2014/main" id="{C87A5D47-1E04-FF08-8DD7-6138E2292B67}"/>
+                </a:ext>
+              </a:extLst>
+            </p:cNvPr>
+            <p:cNvPicPr>
+              <a:picLocks noChangeAspect="1"/>
+            </p:cNvPicPr>
+            <p:nvPr/>
+          </p:nvPicPr>
+          <p:blipFill>
+            <a:blip r:embed="rId3"/>
+            <a:stretch>
+              <a:fillRect/>
+            </a:stretch>
+          </p:blipFill>
+          <p:spPr>
+            <a:xfrm>
+              <a:off x="1651952" y="1703876"/>
+              <a:ext cx="5840095" cy="3886200"/>
+            </a:xfrm>
+            <a:prstGeom prst="rect">
+              <a:avLst/>
+            </a:prstGeom>
+            <a:ln w="12700">
+              <a:solidFill>
+                <a:schemeClr val="tx1"/>
+              </a:solidFill>
+            </a:ln>
+          </p:spPr>
+        </p:pic>
+        <p:sp>
+          <p:nvSpPr>
+            <p:cNvPr id="6" name="TextBox 5">
+              <a:extLst>
+                <a:ext uri="{FF2B5EF4-FFF2-40B4-BE49-F238E27FC236}">
+                  <a16:creationId xmlns:a16="http://schemas.microsoft.com/office/drawing/2014/main" id="{9962B64C-FB80-B0D3-6EC4-96FF83944D57}"/>
+                </a:ext>
+              </a:extLst>
+            </p:cNvPr>
+            <p:cNvSpPr txBox="1"/>
+            <p:nvPr/>
+          </p:nvSpPr>
+          <p:spPr>
+            <a:xfrm>
+              <a:off x="2036505" y="5630983"/>
+              <a:ext cx="5071005" cy="276999"/>
+            </a:xfrm>
+            <a:prstGeom prst="rect">
+              <a:avLst/>
+            </a:prstGeom>
+            <a:noFill/>
+          </p:spPr>
+          <p:txBody>
+            <a:bodyPr wrap="none" rtlCol="0">
+              <a:spAutoFit/>
+            </a:bodyPr>
+            <a:lstStyle/>
+            <a:p>
+              <a:pPr algn="ctr"/>
+              <a:r>
+                <a:rPr lang="ru-RU" sz="1200" dirty="0">
+                  <a:latin typeface="Times New Roman" panose="02020603050405020304" pitchFamily="18" charset="0"/>
+                  <a:cs typeface="Times New Roman" panose="02020603050405020304" pitchFamily="18" charset="0"/>
+                </a:rPr>
+                <a:t>Рисунок 5 – Диаграмма модуля базы данных для работы с пользователями</a:t>
+              </a:r>
+            </a:p>
+          </p:txBody>
+        </p:sp>
+      </p:grpSp>
     </p:spTree>
     <p:extLst>
       <p:ext uri="{BB962C8B-B14F-4D97-AF65-F5344CB8AC3E}">
@@ -4770,8 +4907,8 @@
         </p:nvSpPr>
         <p:spPr>
           <a:xfrm>
-            <a:off x="285688" y="1003300"/>
-            <a:ext cx="8858312" cy="5711824"/>
+            <a:off x="759204" y="791064"/>
+            <a:ext cx="7625592" cy="5711824"/>
           </a:xfrm>
           <a:prstGeom prst="rect">
             <a:avLst/>
@@ -4790,10 +4927,10 @@
           </a:bodyPr>
           <a:lstStyle/>
           <a:p>
-            <a:pPr marL="274320" indent="-274320" fontAlgn="auto">
-              <a:spcBef>
-                <a:spcPts val="580"/>
-              </a:spcBef>
+            <a:pPr indent="450000" algn="just" fontAlgn="auto">
+              <a:lnSpc>
+                <a:spcPct val="150000"/>
+              </a:lnSpc>
               <a:spcAft>
                 <a:spcPts val="0"/>
               </a:spcAft>
@@ -4806,18 +4943,18 @@
               <a:defRPr/>
             </a:pPr>
             <a:r>
-              <a:rPr lang="ru-RU" sz="2400" b="1" dirty="0">
+              <a:rPr lang="ru-RU" sz="1600" dirty="0">
                 <a:latin typeface="Times New Roman" pitchFamily="18" charset="0"/>
                 <a:cs typeface="Times New Roman" pitchFamily="18" charset="0"/>
               </a:rPr>
-              <a:t>Список с логотипами и подписями</a:t>
-            </a:r>
-          </a:p>
-          <a:p>
-            <a:pPr marL="274320" indent="-274320" fontAlgn="auto">
-              <a:spcBef>
-                <a:spcPts val="580"/>
-              </a:spcBef>
+              <a:t>Далее – история входов, как показано на рисунке 6.</a:t>
+            </a:r>
+          </a:p>
+          <a:p>
+            <a:pPr indent="450000" algn="just" fontAlgn="auto">
+              <a:lnSpc>
+                <a:spcPct val="150000"/>
+              </a:lnSpc>
               <a:spcAft>
                 <a:spcPts val="0"/>
               </a:spcAft>
@@ -4829,13 +4966,10 @@
               <a:buNone/>
               <a:defRPr/>
             </a:pPr>
-            <a:r>
-              <a:rPr lang="ru-RU" sz="2400" b="1" dirty="0">
-                <a:latin typeface="Times New Roman" pitchFamily="18" charset="0"/>
-                <a:cs typeface="Times New Roman" pitchFamily="18" charset="0"/>
-              </a:rPr>
-              <a:t>Указать, что изучено самостоятельно</a:t>
-            </a:r>
+            <a:endParaRPr lang="ru-RU" sz="1600" dirty="0">
+              <a:latin typeface="Times New Roman" pitchFamily="18" charset="0"/>
+              <a:cs typeface="Times New Roman" pitchFamily="18" charset="0"/>
+            </a:endParaRPr>
           </a:p>
         </p:txBody>
       </p:sp>
@@ -4847,7 +4981,7 @@
         </p:nvSpPr>
         <p:spPr>
           <a:xfrm>
-            <a:off x="1214438" y="196810"/>
+            <a:off x="1143000" y="196810"/>
             <a:ext cx="6858000" cy="535531"/>
           </a:xfrm>
           <a:prstGeom prst="rect">
@@ -4883,26 +5017,170 @@
                 <a:latin typeface="Times New Roman" pitchFamily="18" charset="0"/>
                 <a:cs typeface="Times New Roman" pitchFamily="18" charset="0"/>
               </a:rPr>
-              <a:t>Используемый стек технологий</a:t>
+              <a:t>Логическая схема данных</a:t>
             </a:r>
           </a:p>
         </p:txBody>
       </p:sp>
+      <p:sp>
+        <p:nvSpPr>
+          <p:cNvPr id="3" name="TextBox 2">
+            <a:hlinkClick r:id="rId2" action="ppaction://hlinksldjump"/>
+            <a:extLst>
+              <a:ext uri="{FF2B5EF4-FFF2-40B4-BE49-F238E27FC236}">
+                <a16:creationId xmlns:a16="http://schemas.microsoft.com/office/drawing/2014/main" id="{739DE089-339F-93B1-4C68-9EFF752E5718}"/>
+              </a:ext>
+            </a:extLst>
+          </p:cNvPr>
+          <p:cNvSpPr txBox="1"/>
+          <p:nvPr/>
+        </p:nvSpPr>
+        <p:spPr>
+          <a:xfrm>
+            <a:off x="8152745" y="298888"/>
+            <a:ext cx="777777" cy="307777"/>
+          </a:xfrm>
+          <a:prstGeom prst="rect">
+            <a:avLst/>
+          </a:prstGeom>
+          <a:noFill/>
+        </p:spPr>
+        <p:txBody>
+          <a:bodyPr wrap="none" rtlCol="0">
+            <a:spAutoFit/>
+          </a:bodyPr>
+          <a:lstStyle/>
+          <a:p>
+            <a:r>
+              <a:rPr lang="ru-RU" sz="1400" dirty="0">
+                <a:latin typeface="Times New Roman" panose="02020603050405020304" pitchFamily="18" charset="0"/>
+                <a:cs typeface="Times New Roman" panose="02020603050405020304" pitchFamily="18" charset="0"/>
+                <a:hlinkClick r:id="rId3" action="ppaction://hlinksldjump"/>
+              </a:rPr>
+              <a:t>Дальше</a:t>
+            </a:r>
+            <a:endParaRPr lang="ru-RU" sz="1400" dirty="0">
+              <a:latin typeface="Times New Roman" panose="02020603050405020304" pitchFamily="18" charset="0"/>
+              <a:cs typeface="Times New Roman" panose="02020603050405020304" pitchFamily="18" charset="0"/>
+            </a:endParaRPr>
+          </a:p>
+        </p:txBody>
+      </p:sp>
+      <p:grpSp>
+        <p:nvGrpSpPr>
+          <p:cNvPr id="2" name="Группа 1">
+            <a:extLst>
+              <a:ext uri="{FF2B5EF4-FFF2-40B4-BE49-F238E27FC236}">
+                <a16:creationId xmlns:a16="http://schemas.microsoft.com/office/drawing/2014/main" id="{9D29DD25-57DE-F3F7-4FD8-B339AB7E4670}"/>
+              </a:ext>
+            </a:extLst>
+          </p:cNvPr>
+          <p:cNvGrpSpPr/>
+          <p:nvPr/>
+        </p:nvGrpSpPr>
+        <p:grpSpPr>
+          <a:xfrm>
+            <a:off x="1963307" y="1703876"/>
+            <a:ext cx="5217384" cy="4204106"/>
+            <a:chOff x="1963307" y="1703876"/>
+            <a:chExt cx="5217384" cy="4204106"/>
+          </a:xfrm>
+        </p:grpSpPr>
+        <p:pic>
+          <p:nvPicPr>
+            <p:cNvPr id="5" name="Рисунок 4">
+              <a:extLst>
+                <a:ext uri="{FF2B5EF4-FFF2-40B4-BE49-F238E27FC236}">
+                  <a16:creationId xmlns:a16="http://schemas.microsoft.com/office/drawing/2014/main" id="{95BB35A1-3E86-97F3-5867-602E3E80E5E5}"/>
+                </a:ext>
+              </a:extLst>
+            </p:cNvPr>
+            <p:cNvPicPr>
+              <a:picLocks noChangeAspect="1"/>
+            </p:cNvPicPr>
+            <p:nvPr/>
+          </p:nvPicPr>
+          <p:blipFill>
+            <a:blip r:embed="rId4">
+              <a:extLst>
+                <a:ext uri="{28A0092B-C50C-407E-A947-70E740481C1C}">
+                  <a14:useLocalDpi xmlns:a14="http://schemas.microsoft.com/office/drawing/2010/main" val="0"/>
+                </a:ext>
+              </a:extLst>
+            </a:blip>
+            <a:srcRect/>
+            <a:stretch/>
+          </p:blipFill>
+          <p:spPr>
+            <a:xfrm>
+              <a:off x="1963307" y="1703876"/>
+              <a:ext cx="5217384" cy="3886200"/>
+            </a:xfrm>
+            <a:prstGeom prst="rect">
+              <a:avLst/>
+            </a:prstGeom>
+            <a:ln w="12700">
+              <a:solidFill>
+                <a:schemeClr val="tx1"/>
+              </a:solidFill>
+            </a:ln>
+          </p:spPr>
+        </p:pic>
+        <p:sp>
+          <p:nvSpPr>
+            <p:cNvPr id="6" name="TextBox 5">
+              <a:extLst>
+                <a:ext uri="{FF2B5EF4-FFF2-40B4-BE49-F238E27FC236}">
+                  <a16:creationId xmlns:a16="http://schemas.microsoft.com/office/drawing/2014/main" id="{D2EE8A2F-405D-EA3B-85B3-4DC4DEA400DD}"/>
+                </a:ext>
+              </a:extLst>
+            </p:cNvPr>
+            <p:cNvSpPr txBox="1"/>
+            <p:nvPr/>
+          </p:nvSpPr>
+          <p:spPr>
+            <a:xfrm>
+              <a:off x="2356948" y="5630983"/>
+              <a:ext cx="4430124" cy="276999"/>
+            </a:xfrm>
+            <a:prstGeom prst="rect">
+              <a:avLst/>
+            </a:prstGeom>
+            <a:noFill/>
+          </p:spPr>
+          <p:txBody>
+            <a:bodyPr wrap="none" rtlCol="0">
+              <a:spAutoFit/>
+            </a:bodyPr>
+            <a:lstStyle/>
+            <a:p>
+              <a:pPr algn="ctr"/>
+              <a:r>
+                <a:rPr lang="ru-RU" sz="1200" dirty="0">
+                  <a:latin typeface="Times New Roman" panose="02020603050405020304" pitchFamily="18" charset="0"/>
+                  <a:cs typeface="Times New Roman" panose="02020603050405020304" pitchFamily="18" charset="0"/>
+                </a:rPr>
+                <a:t>Рисунок 6 – Диаграмма модуля базы данных для истории входов</a:t>
+              </a:r>
+            </a:p>
+          </p:txBody>
+        </p:sp>
+      </p:grpSp>
     </p:spTree>
     <p:extLst>
       <p:ext uri="{BB962C8B-B14F-4D97-AF65-F5344CB8AC3E}">
-        <p14:creationId xmlns:p14="http://schemas.microsoft.com/office/powerpoint/2010/main" val="395566625"/>
+        <p14:creationId xmlns:p14="http://schemas.microsoft.com/office/powerpoint/2010/main" val="3247310229"/>
       </p:ext>
     </p:extLst>
   </p:cSld>
   <p:clrMapOvr>
     <a:masterClrMapping/>
   </p:clrMapOvr>
-  <mc:AlternateContent xmlns:mc="http://schemas.openxmlformats.org/markup-compatibility/2006" xmlns:p14="http://schemas.microsoft.com/office/powerpoint/2010/main">
-    <mc:Choice Requires="p14">
+  <mc:AlternateContent xmlns:mc="http://schemas.openxmlformats.org/markup-compatibility/2006">
+    <mc:Choice xmlns:p14="http://schemas.microsoft.com/office/powerpoint/2010/main" Requires="p14">
       <p:transition p14:dur="0"/>
     </mc:Choice>
-    <mc:Fallback xmlns="">
+    <mc:Fallback>
       <p:transition/>
     </mc:Fallback>
   </mc:AlternateContent>
@@ -4936,8 +5214,8 @@
         </p:nvSpPr>
         <p:spPr>
           <a:xfrm>
-            <a:off x="285688" y="1003300"/>
-            <a:ext cx="8858312" cy="5711824"/>
+            <a:off x="759204" y="791064"/>
+            <a:ext cx="7625592" cy="5711824"/>
           </a:xfrm>
           <a:prstGeom prst="rect">
             <a:avLst/>
@@ -4956,10 +5234,10 @@
           </a:bodyPr>
           <a:lstStyle/>
           <a:p>
-            <a:pPr marL="274320" indent="-274320" fontAlgn="auto">
-              <a:spcBef>
-                <a:spcPts val="580"/>
-              </a:spcBef>
+            <a:pPr indent="450000" algn="just" fontAlgn="auto">
+              <a:lnSpc>
+                <a:spcPct val="150000"/>
+              </a:lnSpc>
               <a:spcAft>
                 <a:spcPts val="0"/>
               </a:spcAft>
@@ -4972,11 +5250,11 @@
               <a:defRPr/>
             </a:pPr>
             <a:r>
-              <a:rPr lang="ru-RU" sz="2400" b="1" dirty="0">
+              <a:rPr lang="ru-RU" sz="1600" dirty="0">
                 <a:latin typeface="Times New Roman" pitchFamily="18" charset="0"/>
                 <a:cs typeface="Times New Roman" pitchFamily="18" charset="0"/>
               </a:rPr>
-              <a:t>Таблица с расчетами</a:t>
+              <a:t>Далее – работа с товарами, как показано на рисунке 7.</a:t>
             </a:r>
           </a:p>
         </p:txBody>
@@ -4989,7 +5267,7 @@
         </p:nvSpPr>
         <p:spPr>
           <a:xfrm>
-            <a:off x="1214438" y="196810"/>
+            <a:off x="1143000" y="196810"/>
             <a:ext cx="6858000" cy="535531"/>
           </a:xfrm>
           <a:prstGeom prst="rect">
@@ -5025,26 +5303,170 @@
                 <a:latin typeface="Times New Roman" pitchFamily="18" charset="0"/>
                 <a:cs typeface="Times New Roman" pitchFamily="18" charset="0"/>
               </a:rPr>
-              <a:t>Экономическое обоснование</a:t>
+              <a:t>Логическая схема данных</a:t>
             </a:r>
           </a:p>
         </p:txBody>
       </p:sp>
+      <p:sp>
+        <p:nvSpPr>
+          <p:cNvPr id="3" name="TextBox 2">
+            <a:hlinkClick r:id="rId2" action="ppaction://hlinksldjump"/>
+            <a:extLst>
+              <a:ext uri="{FF2B5EF4-FFF2-40B4-BE49-F238E27FC236}">
+                <a16:creationId xmlns:a16="http://schemas.microsoft.com/office/drawing/2014/main" id="{739DE089-339F-93B1-4C68-9EFF752E5718}"/>
+              </a:ext>
+            </a:extLst>
+          </p:cNvPr>
+          <p:cNvSpPr txBox="1"/>
+          <p:nvPr/>
+        </p:nvSpPr>
+        <p:spPr>
+          <a:xfrm>
+            <a:off x="8152745" y="298888"/>
+            <a:ext cx="777777" cy="307777"/>
+          </a:xfrm>
+          <a:prstGeom prst="rect">
+            <a:avLst/>
+          </a:prstGeom>
+          <a:noFill/>
+        </p:spPr>
+        <p:txBody>
+          <a:bodyPr wrap="none" rtlCol="0">
+            <a:spAutoFit/>
+          </a:bodyPr>
+          <a:lstStyle/>
+          <a:p>
+            <a:r>
+              <a:rPr lang="ru-RU" sz="1400" dirty="0">
+                <a:latin typeface="Times New Roman" panose="02020603050405020304" pitchFamily="18" charset="0"/>
+                <a:cs typeface="Times New Roman" panose="02020603050405020304" pitchFamily="18" charset="0"/>
+                <a:hlinkClick r:id="rId3" action="ppaction://hlinksldjump"/>
+              </a:rPr>
+              <a:t>Дальше</a:t>
+            </a:r>
+            <a:endParaRPr lang="ru-RU" sz="1400" dirty="0">
+              <a:latin typeface="Times New Roman" panose="02020603050405020304" pitchFamily="18" charset="0"/>
+              <a:cs typeface="Times New Roman" panose="02020603050405020304" pitchFamily="18" charset="0"/>
+            </a:endParaRPr>
+          </a:p>
+        </p:txBody>
+      </p:sp>
+      <p:grpSp>
+        <p:nvGrpSpPr>
+          <p:cNvPr id="2" name="Группа 1">
+            <a:extLst>
+              <a:ext uri="{FF2B5EF4-FFF2-40B4-BE49-F238E27FC236}">
+                <a16:creationId xmlns:a16="http://schemas.microsoft.com/office/drawing/2014/main" id="{C51ABDA0-1D62-86E8-739A-C6ED00BE667E}"/>
+              </a:ext>
+            </a:extLst>
+          </p:cNvPr>
+          <p:cNvGrpSpPr/>
+          <p:nvPr/>
+        </p:nvGrpSpPr>
+        <p:grpSpPr>
+          <a:xfrm>
+            <a:off x="1963307" y="1839092"/>
+            <a:ext cx="5217384" cy="4068890"/>
+            <a:chOff x="1963307" y="1839092"/>
+            <a:chExt cx="5217384" cy="4068890"/>
+          </a:xfrm>
+        </p:grpSpPr>
+        <p:pic>
+          <p:nvPicPr>
+            <p:cNvPr id="5" name="Рисунок 4">
+              <a:extLst>
+                <a:ext uri="{FF2B5EF4-FFF2-40B4-BE49-F238E27FC236}">
+                  <a16:creationId xmlns:a16="http://schemas.microsoft.com/office/drawing/2014/main" id="{1CA46810-55D9-F59D-E6A7-23C27E97AD36}"/>
+                </a:ext>
+              </a:extLst>
+            </p:cNvPr>
+            <p:cNvPicPr>
+              <a:picLocks noChangeAspect="1"/>
+            </p:cNvPicPr>
+            <p:nvPr/>
+          </p:nvPicPr>
+          <p:blipFill>
+            <a:blip r:embed="rId4">
+              <a:extLst>
+                <a:ext uri="{28A0092B-C50C-407E-A947-70E740481C1C}">
+                  <a14:useLocalDpi xmlns:a14="http://schemas.microsoft.com/office/drawing/2010/main" val="0"/>
+                </a:ext>
+              </a:extLst>
+            </a:blip>
+            <a:srcRect/>
+            <a:stretch/>
+          </p:blipFill>
+          <p:spPr>
+            <a:xfrm>
+              <a:off x="1963307" y="1839092"/>
+              <a:ext cx="5217384" cy="3615768"/>
+            </a:xfrm>
+            <a:prstGeom prst="rect">
+              <a:avLst/>
+            </a:prstGeom>
+            <a:ln w="12700">
+              <a:solidFill>
+                <a:schemeClr val="tx1"/>
+              </a:solidFill>
+            </a:ln>
+          </p:spPr>
+        </p:pic>
+        <p:sp>
+          <p:nvSpPr>
+            <p:cNvPr id="6" name="TextBox 5">
+              <a:extLst>
+                <a:ext uri="{FF2B5EF4-FFF2-40B4-BE49-F238E27FC236}">
+                  <a16:creationId xmlns:a16="http://schemas.microsoft.com/office/drawing/2014/main" id="{9FFF3C2F-48F2-B15D-B701-C198B1089E56}"/>
+                </a:ext>
+              </a:extLst>
+            </p:cNvPr>
+            <p:cNvSpPr txBox="1"/>
+            <p:nvPr/>
+          </p:nvSpPr>
+          <p:spPr>
+            <a:xfrm>
+              <a:off x="2252886" y="5630983"/>
+              <a:ext cx="4638257" cy="276999"/>
+            </a:xfrm>
+            <a:prstGeom prst="rect">
+              <a:avLst/>
+            </a:prstGeom>
+            <a:noFill/>
+          </p:spPr>
+          <p:txBody>
+            <a:bodyPr wrap="none" rtlCol="0">
+              <a:spAutoFit/>
+            </a:bodyPr>
+            <a:lstStyle/>
+            <a:p>
+              <a:pPr algn="ctr"/>
+              <a:r>
+                <a:rPr lang="ru-RU" sz="1200" dirty="0">
+                  <a:latin typeface="Times New Roman" panose="02020603050405020304" pitchFamily="18" charset="0"/>
+                  <a:cs typeface="Times New Roman" panose="02020603050405020304" pitchFamily="18" charset="0"/>
+                </a:rPr>
+                <a:t>Рисунок 7 – Диаграмма модуля базы данных для работы с товарами</a:t>
+              </a:r>
+            </a:p>
+          </p:txBody>
+        </p:sp>
+      </p:grpSp>
     </p:spTree>
     <p:extLst>
       <p:ext uri="{BB962C8B-B14F-4D97-AF65-F5344CB8AC3E}">
-        <p14:creationId xmlns:p14="http://schemas.microsoft.com/office/powerpoint/2010/main" val="2592537753"/>
+        <p14:creationId xmlns:p14="http://schemas.microsoft.com/office/powerpoint/2010/main" val="1358650744"/>
       </p:ext>
     </p:extLst>
   </p:cSld>
   <p:clrMapOvr>
     <a:masterClrMapping/>
   </p:clrMapOvr>
-  <mc:AlternateContent xmlns:mc="http://schemas.openxmlformats.org/markup-compatibility/2006" xmlns:p14="http://schemas.microsoft.com/office/powerpoint/2010/main">
-    <mc:Choice Requires="p14">
+  <mc:AlternateContent xmlns:mc="http://schemas.openxmlformats.org/markup-compatibility/2006">
+    <mc:Choice xmlns:p14="http://schemas.microsoft.com/office/powerpoint/2010/main" Requires="p14">
       <p:transition p14:dur="0"/>
     </mc:Choice>
-    <mc:Fallback xmlns="">
+    <mc:Fallback>
       <p:transition/>
     </mc:Fallback>
   </mc:AlternateContent>
@@ -5078,8 +5500,8 @@
         </p:nvSpPr>
         <p:spPr>
           <a:xfrm>
-            <a:off x="285688" y="1003300"/>
-            <a:ext cx="8858312" cy="5711824"/>
+            <a:off x="759204" y="791064"/>
+            <a:ext cx="7625592" cy="5711824"/>
           </a:xfrm>
           <a:prstGeom prst="rect">
             <a:avLst/>
@@ -5098,10 +5520,10 @@
           </a:bodyPr>
           <a:lstStyle/>
           <a:p>
-            <a:pPr marL="274320" indent="-274320" fontAlgn="auto">
-              <a:spcBef>
-                <a:spcPts val="580"/>
-              </a:spcBef>
+            <a:pPr indent="450000" algn="just" fontAlgn="auto">
+              <a:lnSpc>
+                <a:spcPct val="150000"/>
+              </a:lnSpc>
               <a:spcAft>
                 <a:spcPts val="0"/>
               </a:spcAft>
@@ -5114,35 +5536,11 @@
               <a:defRPr/>
             </a:pPr>
             <a:r>
-              <a:rPr lang="ru-RU" sz="2400" b="1" dirty="0">
+              <a:rPr lang="ru-RU" sz="1600" dirty="0">
                 <a:latin typeface="Times New Roman" pitchFamily="18" charset="0"/>
                 <a:cs typeface="Times New Roman" pitchFamily="18" charset="0"/>
               </a:rPr>
-              <a:t>2 учебника</a:t>
-            </a:r>
-          </a:p>
-          <a:p>
-            <a:pPr marL="274320" indent="-274320" fontAlgn="auto">
-              <a:spcBef>
-                <a:spcPts val="580"/>
-              </a:spcBef>
-              <a:spcAft>
-                <a:spcPts val="0"/>
-              </a:spcAft>
-              <a:buClr>
-                <a:schemeClr val="accent1"/>
-              </a:buClr>
-              <a:buSzPct val="85000"/>
-              <a:buFont typeface="Wingdings 2"/>
-              <a:buNone/>
-              <a:defRPr/>
-            </a:pPr>
-            <a:r>
-              <a:rPr lang="ru-RU" sz="2400" b="1" dirty="0">
-                <a:latin typeface="Times New Roman" pitchFamily="18" charset="0"/>
-                <a:cs typeface="Times New Roman" pitchFamily="18" charset="0"/>
-              </a:rPr>
-              <a:t>5 ссылок в интернете</a:t>
+              <a:t>Далее – работа с пунктами получения заказов, как показано на рисунке 8. </a:t>
             </a:r>
           </a:p>
         </p:txBody>
@@ -5155,15 +5553,15 @@
         </p:nvSpPr>
         <p:spPr>
           <a:xfrm>
-            <a:off x="800100" y="196810"/>
-            <a:ext cx="8077200" cy="535531"/>
+            <a:off x="1143000" y="196810"/>
+            <a:ext cx="6858000" cy="535531"/>
           </a:xfrm>
           <a:prstGeom prst="rect">
             <a:avLst/>
           </a:prstGeom>
         </p:spPr>
         <p:txBody>
-          <a:bodyPr wrap="square">
+          <a:bodyPr>
             <a:spAutoFit/>
           </a:bodyPr>
           <a:lstStyle/>
@@ -5191,26 +5589,170 @@
                 <a:latin typeface="Times New Roman" pitchFamily="18" charset="0"/>
                 <a:cs typeface="Times New Roman" pitchFamily="18" charset="0"/>
               </a:rPr>
-              <a:t>Список использованной литературы</a:t>
+              <a:t>Логическая схема данных</a:t>
             </a:r>
           </a:p>
         </p:txBody>
       </p:sp>
+      <p:sp>
+        <p:nvSpPr>
+          <p:cNvPr id="3" name="TextBox 2">
+            <a:hlinkClick r:id="rId2" action="ppaction://hlinksldjump"/>
+            <a:extLst>
+              <a:ext uri="{FF2B5EF4-FFF2-40B4-BE49-F238E27FC236}">
+                <a16:creationId xmlns:a16="http://schemas.microsoft.com/office/drawing/2014/main" id="{739DE089-339F-93B1-4C68-9EFF752E5718}"/>
+              </a:ext>
+            </a:extLst>
+          </p:cNvPr>
+          <p:cNvSpPr txBox="1"/>
+          <p:nvPr/>
+        </p:nvSpPr>
+        <p:spPr>
+          <a:xfrm>
+            <a:off x="8152745" y="298888"/>
+            <a:ext cx="777777" cy="307777"/>
+          </a:xfrm>
+          <a:prstGeom prst="rect">
+            <a:avLst/>
+          </a:prstGeom>
+          <a:noFill/>
+        </p:spPr>
+        <p:txBody>
+          <a:bodyPr wrap="none" rtlCol="0">
+            <a:spAutoFit/>
+          </a:bodyPr>
+          <a:lstStyle/>
+          <a:p>
+            <a:r>
+              <a:rPr lang="ru-RU" sz="1400" dirty="0">
+                <a:latin typeface="Times New Roman" panose="02020603050405020304" pitchFamily="18" charset="0"/>
+                <a:cs typeface="Times New Roman" panose="02020603050405020304" pitchFamily="18" charset="0"/>
+                <a:hlinkClick r:id="rId3" action="ppaction://hlinksldjump"/>
+              </a:rPr>
+              <a:t>Дальше</a:t>
+            </a:r>
+            <a:endParaRPr lang="ru-RU" sz="1400" dirty="0">
+              <a:latin typeface="Times New Roman" panose="02020603050405020304" pitchFamily="18" charset="0"/>
+              <a:cs typeface="Times New Roman" panose="02020603050405020304" pitchFamily="18" charset="0"/>
+            </a:endParaRPr>
+          </a:p>
+        </p:txBody>
+      </p:sp>
+      <p:grpSp>
+        <p:nvGrpSpPr>
+          <p:cNvPr id="2" name="Группа 1">
+            <a:extLst>
+              <a:ext uri="{FF2B5EF4-FFF2-40B4-BE49-F238E27FC236}">
+                <a16:creationId xmlns:a16="http://schemas.microsoft.com/office/drawing/2014/main" id="{034C757F-85F8-F9F1-E718-91ECC61781F8}"/>
+              </a:ext>
+            </a:extLst>
+          </p:cNvPr>
+          <p:cNvGrpSpPr/>
+          <p:nvPr/>
+        </p:nvGrpSpPr>
+        <p:grpSpPr>
+          <a:xfrm>
+            <a:off x="1616368" y="1839092"/>
+            <a:ext cx="5911298" cy="4068890"/>
+            <a:chOff x="1616368" y="1839092"/>
+            <a:chExt cx="5911298" cy="4068890"/>
+          </a:xfrm>
+        </p:grpSpPr>
+        <p:pic>
+          <p:nvPicPr>
+            <p:cNvPr id="5" name="Рисунок 4">
+              <a:extLst>
+                <a:ext uri="{FF2B5EF4-FFF2-40B4-BE49-F238E27FC236}">
+                  <a16:creationId xmlns:a16="http://schemas.microsoft.com/office/drawing/2014/main" id="{79700AA9-990B-7870-2127-FF3297EDF5A5}"/>
+                </a:ext>
+              </a:extLst>
+            </p:cNvPr>
+            <p:cNvPicPr>
+              <a:picLocks noChangeAspect="1"/>
+            </p:cNvPicPr>
+            <p:nvPr/>
+          </p:nvPicPr>
+          <p:blipFill>
+            <a:blip r:embed="rId4">
+              <a:extLst>
+                <a:ext uri="{28A0092B-C50C-407E-A947-70E740481C1C}">
+                  <a14:useLocalDpi xmlns:a14="http://schemas.microsoft.com/office/drawing/2010/main" val="0"/>
+                </a:ext>
+              </a:extLst>
+            </a:blip>
+            <a:srcRect/>
+            <a:stretch/>
+          </p:blipFill>
+          <p:spPr>
+            <a:xfrm>
+              <a:off x="2062370" y="1839092"/>
+              <a:ext cx="5019257" cy="3615768"/>
+            </a:xfrm>
+            <a:prstGeom prst="rect">
+              <a:avLst/>
+            </a:prstGeom>
+            <a:ln w="12700">
+              <a:solidFill>
+                <a:schemeClr val="tx1"/>
+              </a:solidFill>
+            </a:ln>
+          </p:spPr>
+        </p:pic>
+        <p:sp>
+          <p:nvSpPr>
+            <p:cNvPr id="6" name="TextBox 5">
+              <a:extLst>
+                <a:ext uri="{FF2B5EF4-FFF2-40B4-BE49-F238E27FC236}">
+                  <a16:creationId xmlns:a16="http://schemas.microsoft.com/office/drawing/2014/main" id="{CDB9864C-6330-3553-0533-8D26C5BFA27D}"/>
+                </a:ext>
+              </a:extLst>
+            </p:cNvPr>
+            <p:cNvSpPr txBox="1"/>
+            <p:nvPr/>
+          </p:nvSpPr>
+          <p:spPr>
+            <a:xfrm>
+              <a:off x="1616368" y="5630983"/>
+              <a:ext cx="5911298" cy="276999"/>
+            </a:xfrm>
+            <a:prstGeom prst="rect">
+              <a:avLst/>
+            </a:prstGeom>
+            <a:noFill/>
+          </p:spPr>
+          <p:txBody>
+            <a:bodyPr wrap="none" rtlCol="0">
+              <a:spAutoFit/>
+            </a:bodyPr>
+            <a:lstStyle/>
+            <a:p>
+              <a:pPr algn="ctr"/>
+              <a:r>
+                <a:rPr lang="ru-RU" sz="1200" dirty="0">
+                  <a:latin typeface="Times New Roman" panose="02020603050405020304" pitchFamily="18" charset="0"/>
+                  <a:cs typeface="Times New Roman" panose="02020603050405020304" pitchFamily="18" charset="0"/>
+                </a:rPr>
+                <a:t>Рисунок 8 – Диаграмма модуля базы данных для работы с пунктами получения заказов</a:t>
+              </a:r>
+            </a:p>
+          </p:txBody>
+        </p:sp>
+      </p:grpSp>
     </p:spTree>
     <p:extLst>
       <p:ext uri="{BB962C8B-B14F-4D97-AF65-F5344CB8AC3E}">
-        <p14:creationId xmlns:p14="http://schemas.microsoft.com/office/powerpoint/2010/main" val="3259916622"/>
+        <p14:creationId xmlns:p14="http://schemas.microsoft.com/office/powerpoint/2010/main" val="2524094030"/>
       </p:ext>
     </p:extLst>
   </p:cSld>
   <p:clrMapOvr>
     <a:masterClrMapping/>
   </p:clrMapOvr>
-  <mc:AlternateContent xmlns:mc="http://schemas.openxmlformats.org/markup-compatibility/2006" xmlns:p14="http://schemas.microsoft.com/office/powerpoint/2010/main">
-    <mc:Choice Requires="p14">
+  <mc:AlternateContent xmlns:mc="http://schemas.openxmlformats.org/markup-compatibility/2006">
+    <mc:Choice xmlns:p14="http://schemas.microsoft.com/office/powerpoint/2010/main" Requires="p14">
       <p:transition p14:dur="0"/>
     </mc:Choice>
-    <mc:Fallback xmlns="">
+    <mc:Fallback>
       <p:transition/>
     </mc:Fallback>
   </mc:AlternateContent>
@@ -5244,8 +5786,8 @@
         </p:nvSpPr>
         <p:spPr>
           <a:xfrm>
-            <a:off x="285688" y="1003300"/>
-            <a:ext cx="8858312" cy="5711824"/>
+            <a:off x="759204" y="791064"/>
+            <a:ext cx="7625592" cy="5711824"/>
           </a:xfrm>
           <a:prstGeom prst="rect">
             <a:avLst/>
@@ -5264,10 +5806,10 @@
           </a:bodyPr>
           <a:lstStyle/>
           <a:p>
-            <a:pPr marL="274320" indent="-274320" fontAlgn="auto">
-              <a:spcBef>
-                <a:spcPts val="580"/>
-              </a:spcBef>
+            <a:pPr indent="450000" algn="just" fontAlgn="auto">
+              <a:lnSpc>
+                <a:spcPct val="150000"/>
+              </a:lnSpc>
               <a:spcAft>
                 <a:spcPts val="0"/>
               </a:spcAft>
@@ -5280,12 +5822,33 @@
               <a:defRPr/>
             </a:pPr>
             <a:r>
-              <a:rPr lang="ru-RU" sz="2400" b="1" dirty="0">
+              <a:rPr lang="ru-RU" sz="1600" dirty="0">
                 <a:latin typeface="Times New Roman" pitchFamily="18" charset="0"/>
                 <a:cs typeface="Times New Roman" pitchFamily="18" charset="0"/>
               </a:rPr>
-              <a:t>Список ПК</a:t>
-            </a:r>
+              <a:t>Далее – работа с позициями товаров, как показано на рисунке 9.</a:t>
+            </a:r>
+          </a:p>
+          <a:p>
+            <a:pPr indent="450000" algn="just" fontAlgn="auto">
+              <a:lnSpc>
+                <a:spcPct val="150000"/>
+              </a:lnSpc>
+              <a:spcAft>
+                <a:spcPts val="0"/>
+              </a:spcAft>
+              <a:buClr>
+                <a:schemeClr val="accent1"/>
+              </a:buClr>
+              <a:buSzPct val="85000"/>
+              <a:buFont typeface="Wingdings 2"/>
+              <a:buNone/>
+              <a:defRPr/>
+            </a:pPr>
+            <a:endParaRPr lang="ru-RU" sz="1600" dirty="0">
+              <a:latin typeface="Times New Roman" pitchFamily="18" charset="0"/>
+              <a:cs typeface="Times New Roman" pitchFamily="18" charset="0"/>
+            </a:endParaRPr>
           </a:p>
         </p:txBody>
       </p:sp>
@@ -5297,15 +5860,15 @@
         </p:nvSpPr>
         <p:spPr>
           <a:xfrm>
-            <a:off x="800100" y="196810"/>
-            <a:ext cx="8077200" cy="535531"/>
+            <a:off x="1143000" y="196810"/>
+            <a:ext cx="6858000" cy="535531"/>
           </a:xfrm>
           <a:prstGeom prst="rect">
             <a:avLst/>
           </a:prstGeom>
         </p:spPr>
         <p:txBody>
-          <a:bodyPr wrap="square">
+          <a:bodyPr>
             <a:spAutoFit/>
           </a:bodyPr>
           <a:lstStyle/>
@@ -5333,8 +5896,4519 @@
                 <a:latin typeface="Times New Roman" pitchFamily="18" charset="0"/>
                 <a:cs typeface="Times New Roman" pitchFamily="18" charset="0"/>
               </a:rPr>
+              <a:t>Логическая схема данных</a:t>
+            </a:r>
+          </a:p>
+        </p:txBody>
+      </p:sp>
+      <p:sp>
+        <p:nvSpPr>
+          <p:cNvPr id="3" name="TextBox 2">
+            <a:hlinkClick r:id="rId2" action="ppaction://hlinksldjump"/>
+            <a:extLst>
+              <a:ext uri="{FF2B5EF4-FFF2-40B4-BE49-F238E27FC236}">
+                <a16:creationId xmlns:a16="http://schemas.microsoft.com/office/drawing/2014/main" id="{739DE089-339F-93B1-4C68-9EFF752E5718}"/>
+              </a:ext>
+            </a:extLst>
+          </p:cNvPr>
+          <p:cNvSpPr txBox="1"/>
+          <p:nvPr/>
+        </p:nvSpPr>
+        <p:spPr>
+          <a:xfrm>
+            <a:off x="8152745" y="298888"/>
+            <a:ext cx="777777" cy="307777"/>
+          </a:xfrm>
+          <a:prstGeom prst="rect">
+            <a:avLst/>
+          </a:prstGeom>
+          <a:noFill/>
+        </p:spPr>
+        <p:txBody>
+          <a:bodyPr wrap="none" rtlCol="0">
+            <a:spAutoFit/>
+          </a:bodyPr>
+          <a:lstStyle/>
+          <a:p>
+            <a:r>
+              <a:rPr lang="ru-RU" sz="1400" dirty="0">
+                <a:latin typeface="Times New Roman" panose="02020603050405020304" pitchFamily="18" charset="0"/>
+                <a:cs typeface="Times New Roman" panose="02020603050405020304" pitchFamily="18" charset="0"/>
+                <a:hlinkClick r:id="rId3" action="ppaction://hlinksldjump"/>
+              </a:rPr>
+              <a:t>Дальше</a:t>
+            </a:r>
+            <a:endParaRPr lang="ru-RU" sz="1400" dirty="0">
+              <a:latin typeface="Times New Roman" panose="02020603050405020304" pitchFamily="18" charset="0"/>
+              <a:cs typeface="Times New Roman" panose="02020603050405020304" pitchFamily="18" charset="0"/>
+            </a:endParaRPr>
+          </a:p>
+        </p:txBody>
+      </p:sp>
+      <p:grpSp>
+        <p:nvGrpSpPr>
+          <p:cNvPr id="2" name="Группа 1">
+            <a:extLst>
+              <a:ext uri="{FF2B5EF4-FFF2-40B4-BE49-F238E27FC236}">
+                <a16:creationId xmlns:a16="http://schemas.microsoft.com/office/drawing/2014/main" id="{81C4000D-A7CF-6711-2EAE-75CE157D2F6E}"/>
+              </a:ext>
+            </a:extLst>
+          </p:cNvPr>
+          <p:cNvGrpSpPr/>
+          <p:nvPr/>
+        </p:nvGrpSpPr>
+        <p:grpSpPr>
+          <a:xfrm>
+            <a:off x="1925877" y="1839092"/>
+            <a:ext cx="5292283" cy="4068890"/>
+            <a:chOff x="1925877" y="1839092"/>
+            <a:chExt cx="5292283" cy="4068890"/>
+          </a:xfrm>
+        </p:grpSpPr>
+        <p:pic>
+          <p:nvPicPr>
+            <p:cNvPr id="5" name="Рисунок 4">
+              <a:extLst>
+                <a:ext uri="{FF2B5EF4-FFF2-40B4-BE49-F238E27FC236}">
+                  <a16:creationId xmlns:a16="http://schemas.microsoft.com/office/drawing/2014/main" id="{E7B870C9-5A61-1B6B-78A1-EEC90C1FEA39}"/>
+                </a:ext>
+              </a:extLst>
+            </p:cNvPr>
+            <p:cNvPicPr>
+              <a:picLocks noChangeAspect="1"/>
+            </p:cNvPicPr>
+            <p:nvPr/>
+          </p:nvPicPr>
+          <p:blipFill>
+            <a:blip r:embed="rId4">
+              <a:extLst>
+                <a:ext uri="{28A0092B-C50C-407E-A947-70E740481C1C}">
+                  <a14:useLocalDpi xmlns:a14="http://schemas.microsoft.com/office/drawing/2010/main" val="0"/>
+                </a:ext>
+              </a:extLst>
+            </a:blip>
+            <a:srcRect/>
+            <a:stretch/>
+          </p:blipFill>
+          <p:spPr>
+            <a:xfrm>
+              <a:off x="2212557" y="1839092"/>
+              <a:ext cx="4718883" cy="3615768"/>
+            </a:xfrm>
+            <a:prstGeom prst="rect">
+              <a:avLst/>
+            </a:prstGeom>
+            <a:ln w="12700">
+              <a:solidFill>
+                <a:schemeClr val="tx1"/>
+              </a:solidFill>
+            </a:ln>
+          </p:spPr>
+        </p:pic>
+        <p:sp>
+          <p:nvSpPr>
+            <p:cNvPr id="6" name="TextBox 5">
+              <a:extLst>
+                <a:ext uri="{FF2B5EF4-FFF2-40B4-BE49-F238E27FC236}">
+                  <a16:creationId xmlns:a16="http://schemas.microsoft.com/office/drawing/2014/main" id="{D98D7999-BD4E-2532-FF5F-90E7959DF837}"/>
+                </a:ext>
+              </a:extLst>
+            </p:cNvPr>
+            <p:cNvSpPr txBox="1"/>
+            <p:nvPr/>
+          </p:nvSpPr>
+          <p:spPr>
+            <a:xfrm>
+              <a:off x="1925877" y="5630983"/>
+              <a:ext cx="5292283" cy="276999"/>
+            </a:xfrm>
+            <a:prstGeom prst="rect">
+              <a:avLst/>
+            </a:prstGeom>
+            <a:noFill/>
+          </p:spPr>
+          <p:txBody>
+            <a:bodyPr wrap="none" rtlCol="0">
+              <a:spAutoFit/>
+            </a:bodyPr>
+            <a:lstStyle/>
+            <a:p>
+              <a:pPr algn="ctr"/>
+              <a:r>
+                <a:rPr lang="ru-RU" sz="1200" dirty="0">
+                  <a:latin typeface="Times New Roman" panose="02020603050405020304" pitchFamily="18" charset="0"/>
+                  <a:cs typeface="Times New Roman" panose="02020603050405020304" pitchFamily="18" charset="0"/>
+                </a:rPr>
+                <a:t>Рисунок 9 – Диаграмма модуля базы данных для работы с позициями товаров</a:t>
+              </a:r>
+            </a:p>
+          </p:txBody>
+        </p:sp>
+      </p:grpSp>
+    </p:spTree>
+    <p:extLst>
+      <p:ext uri="{BB962C8B-B14F-4D97-AF65-F5344CB8AC3E}">
+        <p14:creationId xmlns:p14="http://schemas.microsoft.com/office/powerpoint/2010/main" val="4034179473"/>
+      </p:ext>
+    </p:extLst>
+  </p:cSld>
+  <p:clrMapOvr>
+    <a:masterClrMapping/>
+  </p:clrMapOvr>
+  <mc:AlternateContent xmlns:mc="http://schemas.openxmlformats.org/markup-compatibility/2006">
+    <mc:Choice xmlns:p14="http://schemas.microsoft.com/office/powerpoint/2010/main" Requires="p14">
+      <p:transition p14:dur="0"/>
+    </mc:Choice>
+    <mc:Fallback>
+      <p:transition/>
+    </mc:Fallback>
+  </mc:AlternateContent>
+</p:sld>
+</file>
+
+<file path=ppt/slides/slide15.xml><?xml version="1.0" encoding="utf-8"?>
+<p:sld xmlns:a="http://schemas.openxmlformats.org/drawingml/2006/main" xmlns:r="http://schemas.openxmlformats.org/officeDocument/2006/relationships" xmlns:p="http://schemas.openxmlformats.org/presentationml/2006/main">
+  <p:cSld>
+    <p:spTree>
+      <p:nvGrpSpPr>
+        <p:cNvPr id="1" name=""/>
+        <p:cNvGrpSpPr/>
+        <p:nvPr/>
+      </p:nvGrpSpPr>
+      <p:grpSpPr>
+        <a:xfrm>
+          <a:off x="0" y="0"/>
+          <a:ext cx="0" cy="0"/>
+          <a:chOff x="0" y="0"/>
+          <a:chExt cx="0" cy="0"/>
+        </a:xfrm>
+      </p:grpSpPr>
+      <p:sp>
+        <p:nvSpPr>
+          <p:cNvPr id="12" name="Содержимое 2"/>
+          <p:cNvSpPr txBox="1">
+            <a:spLocks/>
+          </p:cNvSpPr>
+          <p:nvPr/>
+        </p:nvSpPr>
+        <p:spPr>
+          <a:xfrm>
+            <a:off x="759204" y="791064"/>
+            <a:ext cx="7625592" cy="5711824"/>
+          </a:xfrm>
+          <a:prstGeom prst="rect">
+            <a:avLst/>
+          </a:prstGeom>
+        </p:spPr>
+        <p:txBody>
+          <a:bodyPr>
+            <a:normAutofit/>
+            <a:scene3d>
+              <a:camera prst="orthographicFront"/>
+              <a:lightRig rig="threePt" dir="t"/>
+            </a:scene3d>
+            <a:sp3d extrusionH="57150">
+              <a:bevelT w="38100" h="38100" prst="relaxedInset"/>
+            </a:sp3d>
+          </a:bodyPr>
+          <a:lstStyle/>
+          <a:p>
+            <a:pPr indent="450000" algn="just" fontAlgn="auto">
+              <a:lnSpc>
+                <a:spcPct val="150000"/>
+              </a:lnSpc>
+              <a:spcAft>
+                <a:spcPts val="0"/>
+              </a:spcAft>
+              <a:buClr>
+                <a:schemeClr val="accent1"/>
+              </a:buClr>
+              <a:buSzPct val="85000"/>
+              <a:buFont typeface="Wingdings 2"/>
+              <a:buNone/>
+              <a:defRPr/>
+            </a:pPr>
+            <a:r>
+              <a:rPr lang="ru-RU" sz="1600" dirty="0">
+                <a:latin typeface="Times New Roman" pitchFamily="18" charset="0"/>
+                <a:cs typeface="Times New Roman" pitchFamily="18" charset="0"/>
+              </a:rPr>
+              <a:t>И наконец – работа с заказами, как показано на рисунке 10.</a:t>
+            </a:r>
+          </a:p>
+          <a:p>
+            <a:pPr indent="450000" algn="just" fontAlgn="auto">
+              <a:lnSpc>
+                <a:spcPct val="150000"/>
+              </a:lnSpc>
+              <a:spcAft>
+                <a:spcPts val="0"/>
+              </a:spcAft>
+              <a:buClr>
+                <a:schemeClr val="accent1"/>
+              </a:buClr>
+              <a:buSzPct val="85000"/>
+              <a:buFont typeface="Wingdings 2"/>
+              <a:buNone/>
+              <a:defRPr/>
+            </a:pPr>
+            <a:r>
+              <a:rPr lang="ru-RU" sz="1600" dirty="0">
+                <a:latin typeface="Times New Roman" pitchFamily="18" charset="0"/>
+                <a:cs typeface="Times New Roman" pitchFamily="18" charset="0"/>
+              </a:rPr>
+              <a:t> </a:t>
+            </a:r>
+          </a:p>
+        </p:txBody>
+      </p:sp>
+      <p:sp>
+        <p:nvSpPr>
+          <p:cNvPr id="4" name="Прямоугольник 3"/>
+          <p:cNvSpPr/>
+          <p:nvPr/>
+        </p:nvSpPr>
+        <p:spPr>
+          <a:xfrm>
+            <a:off x="1143000" y="196810"/>
+            <a:ext cx="6858000" cy="535531"/>
+          </a:xfrm>
+          <a:prstGeom prst="rect">
+            <a:avLst/>
+          </a:prstGeom>
+        </p:spPr>
+        <p:txBody>
+          <a:bodyPr>
+            <a:spAutoFit/>
+          </a:bodyPr>
+          <a:lstStyle/>
+          <a:p>
+            <a:pPr marL="342900" indent="-342900" algn="ctr" fontAlgn="auto">
+              <a:lnSpc>
+                <a:spcPct val="80000"/>
+              </a:lnSpc>
+              <a:spcBef>
+                <a:spcPct val="20000"/>
+              </a:spcBef>
+              <a:spcAft>
+                <a:spcPts val="0"/>
+              </a:spcAft>
+              <a:buClr>
+                <a:schemeClr val="accent1">
+                  <a:shade val="75000"/>
+                </a:schemeClr>
+              </a:buClr>
+              <a:buSzPct val="55000"/>
+              <a:defRPr/>
+            </a:pPr>
+            <a:r>
+              <a:rPr kumimoji="1" lang="ru-RU" sz="3600" b="1" dirty="0">
+                <a:latin typeface="Times New Roman" pitchFamily="18" charset="0"/>
+                <a:cs typeface="Times New Roman" pitchFamily="18" charset="0"/>
+              </a:rPr>
+              <a:t>Логическая схема данных</a:t>
+            </a:r>
+          </a:p>
+        </p:txBody>
+      </p:sp>
+      <p:sp>
+        <p:nvSpPr>
+          <p:cNvPr id="3" name="TextBox 2">
+            <a:hlinkClick r:id="rId2" action="ppaction://hlinksldjump"/>
+            <a:extLst>
+              <a:ext uri="{FF2B5EF4-FFF2-40B4-BE49-F238E27FC236}">
+                <a16:creationId xmlns:a16="http://schemas.microsoft.com/office/drawing/2014/main" id="{739DE089-339F-93B1-4C68-9EFF752E5718}"/>
+              </a:ext>
+            </a:extLst>
+          </p:cNvPr>
+          <p:cNvSpPr txBox="1"/>
+          <p:nvPr/>
+        </p:nvSpPr>
+        <p:spPr>
+          <a:xfrm>
+            <a:off x="8152745" y="298888"/>
+            <a:ext cx="636713" cy="307777"/>
+          </a:xfrm>
+          <a:prstGeom prst="rect">
+            <a:avLst/>
+          </a:prstGeom>
+          <a:noFill/>
+        </p:spPr>
+        <p:txBody>
+          <a:bodyPr wrap="none" rtlCol="0">
+            <a:spAutoFit/>
+          </a:bodyPr>
+          <a:lstStyle/>
+          <a:p>
+            <a:r>
+              <a:rPr lang="ru-RU" sz="1400" dirty="0">
+                <a:latin typeface="Times New Roman" panose="02020603050405020304" pitchFamily="18" charset="0"/>
+                <a:cs typeface="Times New Roman" panose="02020603050405020304" pitchFamily="18" charset="0"/>
+                <a:hlinkClick r:id="rId3" action="ppaction://hlinksldjump"/>
+              </a:rPr>
+              <a:t>Назад</a:t>
+            </a:r>
+            <a:endParaRPr lang="ru-RU" sz="1400" dirty="0">
+              <a:latin typeface="Times New Roman" panose="02020603050405020304" pitchFamily="18" charset="0"/>
+              <a:cs typeface="Times New Roman" panose="02020603050405020304" pitchFamily="18" charset="0"/>
+            </a:endParaRPr>
+          </a:p>
+        </p:txBody>
+      </p:sp>
+      <p:grpSp>
+        <p:nvGrpSpPr>
+          <p:cNvPr id="2" name="Группа 1">
+            <a:extLst>
+              <a:ext uri="{FF2B5EF4-FFF2-40B4-BE49-F238E27FC236}">
+                <a16:creationId xmlns:a16="http://schemas.microsoft.com/office/drawing/2014/main" id="{F4981289-5472-7564-0DEA-5CA7B9999BA9}"/>
+              </a:ext>
+            </a:extLst>
+          </p:cNvPr>
+          <p:cNvGrpSpPr/>
+          <p:nvPr/>
+        </p:nvGrpSpPr>
+        <p:grpSpPr>
+          <a:xfrm>
+            <a:off x="2227147" y="1839092"/>
+            <a:ext cx="4689745" cy="4068890"/>
+            <a:chOff x="2227147" y="1839092"/>
+            <a:chExt cx="4689745" cy="4068890"/>
+          </a:xfrm>
+        </p:grpSpPr>
+        <p:pic>
+          <p:nvPicPr>
+            <p:cNvPr id="5" name="Рисунок 4">
+              <a:extLst>
+                <a:ext uri="{FF2B5EF4-FFF2-40B4-BE49-F238E27FC236}">
+                  <a16:creationId xmlns:a16="http://schemas.microsoft.com/office/drawing/2014/main" id="{5695236E-0D87-734B-60B7-0B2A6E0EB94F}"/>
+                </a:ext>
+              </a:extLst>
+            </p:cNvPr>
+            <p:cNvPicPr>
+              <a:picLocks noChangeAspect="1"/>
+            </p:cNvPicPr>
+            <p:nvPr/>
+          </p:nvPicPr>
+          <p:blipFill>
+            <a:blip r:embed="rId4">
+              <a:extLst>
+                <a:ext uri="{28A0092B-C50C-407E-A947-70E740481C1C}">
+                  <a14:useLocalDpi xmlns:a14="http://schemas.microsoft.com/office/drawing/2010/main" val="0"/>
+                </a:ext>
+              </a:extLst>
+            </a:blip>
+            <a:srcRect/>
+            <a:stretch/>
+          </p:blipFill>
+          <p:spPr>
+            <a:xfrm>
+              <a:off x="2251920" y="1839092"/>
+              <a:ext cx="4640157" cy="3615768"/>
+            </a:xfrm>
+            <a:prstGeom prst="rect">
+              <a:avLst/>
+            </a:prstGeom>
+            <a:ln w="12700">
+              <a:solidFill>
+                <a:schemeClr val="tx1"/>
+              </a:solidFill>
+            </a:ln>
+          </p:spPr>
+        </p:pic>
+        <p:sp>
+          <p:nvSpPr>
+            <p:cNvPr id="6" name="TextBox 5">
+              <a:extLst>
+                <a:ext uri="{FF2B5EF4-FFF2-40B4-BE49-F238E27FC236}">
+                  <a16:creationId xmlns:a16="http://schemas.microsoft.com/office/drawing/2014/main" id="{4FC85095-8A0F-8B77-B9A5-BAB4A566A243}"/>
+                </a:ext>
+              </a:extLst>
+            </p:cNvPr>
+            <p:cNvSpPr txBox="1"/>
+            <p:nvPr/>
+          </p:nvSpPr>
+          <p:spPr>
+            <a:xfrm>
+              <a:off x="2227147" y="5630983"/>
+              <a:ext cx="4689745" cy="276999"/>
+            </a:xfrm>
+            <a:prstGeom prst="rect">
+              <a:avLst/>
+            </a:prstGeom>
+            <a:noFill/>
+          </p:spPr>
+          <p:txBody>
+            <a:bodyPr wrap="none" rtlCol="0">
+              <a:spAutoFit/>
+            </a:bodyPr>
+            <a:lstStyle/>
+            <a:p>
+              <a:pPr algn="ctr"/>
+              <a:r>
+                <a:rPr lang="ru-RU" sz="1200" dirty="0">
+                  <a:latin typeface="Times New Roman" panose="02020603050405020304" pitchFamily="18" charset="0"/>
+                  <a:cs typeface="Times New Roman" panose="02020603050405020304" pitchFamily="18" charset="0"/>
+                </a:rPr>
+                <a:t>Рисунок 10 – Диаграмма модуля базы данных для работы с заказами</a:t>
+              </a:r>
+            </a:p>
+          </p:txBody>
+        </p:sp>
+      </p:grpSp>
+    </p:spTree>
+    <p:extLst>
+      <p:ext uri="{BB962C8B-B14F-4D97-AF65-F5344CB8AC3E}">
+        <p14:creationId xmlns:p14="http://schemas.microsoft.com/office/powerpoint/2010/main" val="798123042"/>
+      </p:ext>
+    </p:extLst>
+  </p:cSld>
+  <p:clrMapOvr>
+    <a:masterClrMapping/>
+  </p:clrMapOvr>
+  <mc:AlternateContent xmlns:mc="http://schemas.openxmlformats.org/markup-compatibility/2006">
+    <mc:Choice xmlns:p14="http://schemas.microsoft.com/office/powerpoint/2010/main" Requires="p14">
+      <p:transition p14:dur="0"/>
+    </mc:Choice>
+    <mc:Fallback>
+      <p:transition/>
+    </mc:Fallback>
+  </mc:AlternateContent>
+</p:sld>
+</file>
+
+<file path=ppt/slides/slide16.xml><?xml version="1.0" encoding="utf-8"?>
+<p:sld xmlns:a="http://schemas.openxmlformats.org/drawingml/2006/main" xmlns:r="http://schemas.openxmlformats.org/officeDocument/2006/relationships" xmlns:p="http://schemas.openxmlformats.org/presentationml/2006/main">
+  <p:cSld>
+    <p:spTree>
+      <p:nvGrpSpPr>
+        <p:cNvPr id="1" name=""/>
+        <p:cNvGrpSpPr/>
+        <p:nvPr/>
+      </p:nvGrpSpPr>
+      <p:grpSpPr>
+        <a:xfrm>
+          <a:off x="0" y="0"/>
+          <a:ext cx="0" cy="0"/>
+          <a:chOff x="0" y="0"/>
+          <a:chExt cx="0" cy="0"/>
+        </a:xfrm>
+      </p:grpSpPr>
+      <p:sp>
+        <p:nvSpPr>
+          <p:cNvPr id="12" name="Содержимое 2"/>
+          <p:cNvSpPr txBox="1">
+            <a:spLocks/>
+          </p:cNvSpPr>
+          <p:nvPr/>
+        </p:nvSpPr>
+        <p:spPr>
+          <a:xfrm>
+            <a:off x="755008" y="1003300"/>
+            <a:ext cx="7650761" cy="5711824"/>
+          </a:xfrm>
+          <a:prstGeom prst="rect">
+            <a:avLst/>
+          </a:prstGeom>
+        </p:spPr>
+        <p:txBody>
+          <a:bodyPr>
+            <a:normAutofit/>
+            <a:scene3d>
+              <a:camera prst="orthographicFront"/>
+              <a:lightRig rig="threePt" dir="t"/>
+            </a:scene3d>
+            <a:sp3d extrusionH="57150">
+              <a:bevelT w="38100" h="38100" prst="relaxedInset"/>
+            </a:sp3d>
+          </a:bodyPr>
+          <a:lstStyle/>
+          <a:p>
+            <a:pPr indent="450000" algn="just" fontAlgn="auto">
+              <a:lnSpc>
+                <a:spcPct val="150000"/>
+              </a:lnSpc>
+              <a:spcAft>
+                <a:spcPts val="0"/>
+              </a:spcAft>
+              <a:buClr>
+                <a:schemeClr val="accent1"/>
+              </a:buClr>
+              <a:buSzPct val="85000"/>
+              <a:buFont typeface="Wingdings 2"/>
+              <a:buNone/>
+              <a:defRPr/>
+            </a:pPr>
+            <a:endParaRPr lang="ru-RU" sz="1600" dirty="0">
+              <a:latin typeface="Times New Roman" pitchFamily="18" charset="0"/>
+              <a:cs typeface="Times New Roman" pitchFamily="18" charset="0"/>
+            </a:endParaRPr>
+          </a:p>
+        </p:txBody>
+      </p:sp>
+      <p:sp>
+        <p:nvSpPr>
+          <p:cNvPr id="4" name="Прямоугольник 3"/>
+          <p:cNvSpPr/>
+          <p:nvPr/>
+        </p:nvSpPr>
+        <p:spPr>
+          <a:xfrm>
+            <a:off x="1143000" y="221977"/>
+            <a:ext cx="6858000" cy="535531"/>
+          </a:xfrm>
+          <a:prstGeom prst="rect">
+            <a:avLst/>
+          </a:prstGeom>
+        </p:spPr>
+        <p:txBody>
+          <a:bodyPr>
+            <a:spAutoFit/>
+          </a:bodyPr>
+          <a:lstStyle/>
+          <a:p>
+            <a:pPr marL="342900" indent="-342900" algn="ctr" fontAlgn="auto">
+              <a:lnSpc>
+                <a:spcPct val="80000"/>
+              </a:lnSpc>
+              <a:spcBef>
+                <a:spcPct val="20000"/>
+              </a:spcBef>
+              <a:spcAft>
+                <a:spcPts val="0"/>
+              </a:spcAft>
+              <a:buClr>
+                <a:schemeClr val="accent1">
+                  <a:shade val="75000"/>
+                </a:schemeClr>
+              </a:buClr>
+              <a:buSzPct val="55000"/>
+              <a:defRPr/>
+            </a:pPr>
+            <a:r>
+              <a:rPr kumimoji="1" lang="ru-RU" sz="3600" b="1" dirty="0">
+                <a:latin typeface="Times New Roman" pitchFamily="18" charset="0"/>
+                <a:cs typeface="Times New Roman" pitchFamily="18" charset="0"/>
+              </a:rPr>
+              <a:t>Используемый стек технологий</a:t>
+            </a:r>
+          </a:p>
+        </p:txBody>
+      </p:sp>
+      <p:grpSp>
+        <p:nvGrpSpPr>
+          <p:cNvPr id="2" name="Группа 1">
+            <a:extLst>
+              <a:ext uri="{FF2B5EF4-FFF2-40B4-BE49-F238E27FC236}">
+                <a16:creationId xmlns:a16="http://schemas.microsoft.com/office/drawing/2014/main" id="{AE2AA29E-A901-1E34-A4C3-F9F80108B5E4}"/>
+              </a:ext>
+            </a:extLst>
+          </p:cNvPr>
+          <p:cNvGrpSpPr/>
+          <p:nvPr/>
+        </p:nvGrpSpPr>
+        <p:grpSpPr>
+          <a:xfrm>
+            <a:off x="738231" y="2900522"/>
+            <a:ext cx="1625318" cy="1326583"/>
+            <a:chOff x="1938607" y="1839092"/>
+            <a:chExt cx="5266837" cy="4792618"/>
+          </a:xfrm>
+        </p:grpSpPr>
+        <p:pic>
+          <p:nvPicPr>
+            <p:cNvPr id="3" name="Рисунок 2">
+              <a:extLst>
+                <a:ext uri="{FF2B5EF4-FFF2-40B4-BE49-F238E27FC236}">
+                  <a16:creationId xmlns:a16="http://schemas.microsoft.com/office/drawing/2014/main" id="{71C633A1-3CF7-A96C-C15F-97D68495011F}"/>
+                </a:ext>
+              </a:extLst>
+            </p:cNvPr>
+            <p:cNvPicPr>
+              <a:picLocks noChangeAspect="1"/>
+            </p:cNvPicPr>
+            <p:nvPr/>
+          </p:nvPicPr>
+          <p:blipFill>
+            <a:blip r:embed="rId2">
+              <a:extLst>
+                <a:ext uri="{28A0092B-C50C-407E-A947-70E740481C1C}">
+                  <a14:useLocalDpi xmlns:a14="http://schemas.microsoft.com/office/drawing/2010/main" val="0"/>
+                </a:ext>
+              </a:extLst>
+            </a:blip>
+            <a:srcRect/>
+            <a:stretch/>
+          </p:blipFill>
+          <p:spPr>
+            <a:xfrm>
+              <a:off x="3175035" y="1839092"/>
+              <a:ext cx="2793924" cy="3615767"/>
+            </a:xfrm>
+            <a:prstGeom prst="rect">
+              <a:avLst/>
+            </a:prstGeom>
+            <a:ln w="12700">
+              <a:solidFill>
+                <a:schemeClr val="tx1"/>
+              </a:solidFill>
+            </a:ln>
+          </p:spPr>
+        </p:pic>
+        <p:sp>
+          <p:nvSpPr>
+            <p:cNvPr id="5" name="TextBox 4">
+              <a:extLst>
+                <a:ext uri="{FF2B5EF4-FFF2-40B4-BE49-F238E27FC236}">
+                  <a16:creationId xmlns:a16="http://schemas.microsoft.com/office/drawing/2014/main" id="{51F7F5A0-3A98-FF50-FBC5-D9DC5AD6366F}"/>
+                </a:ext>
+              </a:extLst>
+            </p:cNvPr>
+            <p:cNvSpPr txBox="1"/>
+            <p:nvPr/>
+          </p:nvSpPr>
+          <p:spPr>
+            <a:xfrm>
+              <a:off x="1938607" y="5630981"/>
+              <a:ext cx="5266837" cy="1000729"/>
+            </a:xfrm>
+            <a:prstGeom prst="rect">
+              <a:avLst/>
+            </a:prstGeom>
+            <a:noFill/>
+          </p:spPr>
+          <p:txBody>
+            <a:bodyPr wrap="none" rtlCol="0">
+              <a:spAutoFit/>
+            </a:bodyPr>
+            <a:lstStyle/>
+            <a:p>
+              <a:pPr algn="ctr"/>
+              <a:r>
+                <a:rPr lang="ru-RU" sz="1200" dirty="0">
+                  <a:latin typeface="Times New Roman" panose="02020603050405020304" pitchFamily="18" charset="0"/>
+                  <a:cs typeface="Times New Roman" panose="02020603050405020304" pitchFamily="18" charset="0"/>
+                </a:rPr>
+                <a:t>Рисунок 1</a:t>
+              </a:r>
+              <a:r>
+                <a:rPr lang="en-US" sz="1200" dirty="0">
+                  <a:latin typeface="Times New Roman" panose="02020603050405020304" pitchFamily="18" charset="0"/>
+                  <a:cs typeface="Times New Roman" panose="02020603050405020304" pitchFamily="18" charset="0"/>
+                </a:rPr>
+                <a:t>5</a:t>
+              </a:r>
+              <a:r>
+                <a:rPr lang="ru-RU" sz="1200" dirty="0">
+                  <a:latin typeface="Times New Roman" panose="02020603050405020304" pitchFamily="18" charset="0"/>
+                  <a:cs typeface="Times New Roman" panose="02020603050405020304" pitchFamily="18" charset="0"/>
+                </a:rPr>
+                <a:t> – </a:t>
+              </a:r>
+              <a:r>
+                <a:rPr lang="en-US" sz="1200" dirty="0">
+                  <a:latin typeface="Times New Roman" panose="02020603050405020304" pitchFamily="18" charset="0"/>
+                  <a:cs typeface="Times New Roman" panose="02020603050405020304" pitchFamily="18" charset="0"/>
+                </a:rPr>
+                <a:t>MS SQL</a:t>
+              </a:r>
+              <a:endParaRPr lang="ru-RU" sz="1200" dirty="0">
+                <a:latin typeface="Times New Roman" panose="02020603050405020304" pitchFamily="18" charset="0"/>
+                <a:cs typeface="Times New Roman" panose="02020603050405020304" pitchFamily="18" charset="0"/>
+              </a:endParaRPr>
+            </a:p>
+          </p:txBody>
+        </p:sp>
+      </p:grpSp>
+      <p:grpSp>
+        <p:nvGrpSpPr>
+          <p:cNvPr id="6" name="Группа 5">
+            <a:extLst>
+              <a:ext uri="{FF2B5EF4-FFF2-40B4-BE49-F238E27FC236}">
+                <a16:creationId xmlns:a16="http://schemas.microsoft.com/office/drawing/2014/main" id="{249CF34A-755F-7FE0-E9E7-D9BC2FCB7666}"/>
+              </a:ext>
+            </a:extLst>
+          </p:cNvPr>
+          <p:cNvGrpSpPr/>
+          <p:nvPr/>
+        </p:nvGrpSpPr>
+        <p:grpSpPr>
+          <a:xfrm>
+            <a:off x="2722833" y="1258348"/>
+            <a:ext cx="1579984" cy="1326583"/>
+            <a:chOff x="2012058" y="1839092"/>
+            <a:chExt cx="5119934" cy="4792618"/>
+          </a:xfrm>
+        </p:grpSpPr>
+        <p:pic>
+          <p:nvPicPr>
+            <p:cNvPr id="7" name="Рисунок 6">
+              <a:extLst>
+                <a:ext uri="{FF2B5EF4-FFF2-40B4-BE49-F238E27FC236}">
+                  <a16:creationId xmlns:a16="http://schemas.microsoft.com/office/drawing/2014/main" id="{7140D544-53C4-5B99-CDF8-28A749A4F022}"/>
+                </a:ext>
+              </a:extLst>
+            </p:cNvPr>
+            <p:cNvPicPr>
+              <a:picLocks noChangeAspect="1"/>
+            </p:cNvPicPr>
+            <p:nvPr/>
+          </p:nvPicPr>
+          <p:blipFill>
+            <a:blip r:embed="rId3" cstate="print">
+              <a:extLst>
+                <a:ext uri="{28A0092B-C50C-407E-A947-70E740481C1C}">
+                  <a14:useLocalDpi xmlns:a14="http://schemas.microsoft.com/office/drawing/2010/main" val="0"/>
+                </a:ext>
+              </a:extLst>
+            </a:blip>
+            <a:srcRect/>
+            <a:stretch/>
+          </p:blipFill>
+          <p:spPr>
+            <a:xfrm>
+              <a:off x="3207435" y="1839092"/>
+              <a:ext cx="2729124" cy="3615767"/>
+            </a:xfrm>
+            <a:prstGeom prst="rect">
+              <a:avLst/>
+            </a:prstGeom>
+            <a:ln w="12700">
+              <a:solidFill>
+                <a:schemeClr val="tx1"/>
+              </a:solidFill>
+            </a:ln>
+          </p:spPr>
+        </p:pic>
+        <p:sp>
+          <p:nvSpPr>
+            <p:cNvPr id="8" name="TextBox 7">
+              <a:extLst>
+                <a:ext uri="{FF2B5EF4-FFF2-40B4-BE49-F238E27FC236}">
+                  <a16:creationId xmlns:a16="http://schemas.microsoft.com/office/drawing/2014/main" id="{6373E410-56AE-1998-19C4-C78541934590}"/>
+                </a:ext>
+              </a:extLst>
+            </p:cNvPr>
+            <p:cNvSpPr txBox="1"/>
+            <p:nvPr/>
+          </p:nvSpPr>
+          <p:spPr>
+            <a:xfrm>
+              <a:off x="2012058" y="5630981"/>
+              <a:ext cx="5119934" cy="1000729"/>
+            </a:xfrm>
+            <a:prstGeom prst="rect">
+              <a:avLst/>
+            </a:prstGeom>
+            <a:noFill/>
+          </p:spPr>
+          <p:txBody>
+            <a:bodyPr wrap="none" rtlCol="0">
+              <a:spAutoFit/>
+            </a:bodyPr>
+            <a:lstStyle/>
+            <a:p>
+              <a:pPr algn="ctr"/>
+              <a:r>
+                <a:rPr lang="ru-RU" sz="1200" dirty="0">
+                  <a:latin typeface="Times New Roman" panose="02020603050405020304" pitchFamily="18" charset="0"/>
+                  <a:cs typeface="Times New Roman" panose="02020603050405020304" pitchFamily="18" charset="0"/>
+                </a:rPr>
+                <a:t>Рисунок 1</a:t>
+              </a:r>
+              <a:r>
+                <a:rPr lang="en-US" sz="1200" dirty="0">
+                  <a:latin typeface="Times New Roman" panose="02020603050405020304" pitchFamily="18" charset="0"/>
+                  <a:cs typeface="Times New Roman" panose="02020603050405020304" pitchFamily="18" charset="0"/>
+                </a:rPr>
+                <a:t>2</a:t>
+              </a:r>
+              <a:r>
+                <a:rPr lang="ru-RU" sz="1200" dirty="0">
+                  <a:latin typeface="Times New Roman" panose="02020603050405020304" pitchFamily="18" charset="0"/>
+                  <a:cs typeface="Times New Roman" panose="02020603050405020304" pitchFamily="18" charset="0"/>
+                </a:rPr>
+                <a:t> – </a:t>
+              </a:r>
+              <a:r>
+                <a:rPr lang="en-US" sz="1200" dirty="0">
+                  <a:latin typeface="Times New Roman" panose="02020603050405020304" pitchFamily="18" charset="0"/>
+                  <a:cs typeface="Times New Roman" panose="02020603050405020304" pitchFamily="18" charset="0"/>
+                </a:rPr>
+                <a:t>Android</a:t>
+              </a:r>
+              <a:endParaRPr lang="ru-RU" sz="1200" dirty="0">
+                <a:latin typeface="Times New Roman" panose="02020603050405020304" pitchFamily="18" charset="0"/>
+                <a:cs typeface="Times New Roman" panose="02020603050405020304" pitchFamily="18" charset="0"/>
+              </a:endParaRPr>
+            </a:p>
+          </p:txBody>
+        </p:sp>
+      </p:grpSp>
+      <p:grpSp>
+        <p:nvGrpSpPr>
+          <p:cNvPr id="9" name="Группа 8">
+            <a:extLst>
+              <a:ext uri="{FF2B5EF4-FFF2-40B4-BE49-F238E27FC236}">
+                <a16:creationId xmlns:a16="http://schemas.microsoft.com/office/drawing/2014/main" id="{CB39C819-8DB8-759B-D3F2-3524A0F09307}"/>
+              </a:ext>
+            </a:extLst>
+          </p:cNvPr>
+          <p:cNvGrpSpPr/>
+          <p:nvPr/>
+        </p:nvGrpSpPr>
+        <p:grpSpPr>
+          <a:xfrm>
+            <a:off x="4690291" y="1342101"/>
+            <a:ext cx="1906677" cy="1242830"/>
+            <a:chOff x="1482741" y="2141671"/>
+            <a:chExt cx="6178580" cy="4490039"/>
+          </a:xfrm>
+        </p:grpSpPr>
+        <p:pic>
+          <p:nvPicPr>
+            <p:cNvPr id="10" name="Рисунок 9">
+              <a:extLst>
+                <a:ext uri="{FF2B5EF4-FFF2-40B4-BE49-F238E27FC236}">
+                  <a16:creationId xmlns:a16="http://schemas.microsoft.com/office/drawing/2014/main" id="{F0C53E7C-F3A4-A578-A847-AC383D6178E4}"/>
+                </a:ext>
+              </a:extLst>
+            </p:cNvPr>
+            <p:cNvPicPr>
+              <a:picLocks noChangeAspect="1"/>
+            </p:cNvPicPr>
+            <p:nvPr/>
+          </p:nvPicPr>
+          <p:blipFill>
+            <a:blip r:embed="rId4" cstate="print">
+              <a:extLst>
+                <a:ext uri="{28A0092B-C50C-407E-A947-70E740481C1C}">
+                  <a14:useLocalDpi xmlns:a14="http://schemas.microsoft.com/office/drawing/2010/main" val="0"/>
+                </a:ext>
+              </a:extLst>
+            </a:blip>
+            <a:srcRect/>
+            <a:stretch/>
+          </p:blipFill>
+          <p:spPr>
+            <a:xfrm>
+              <a:off x="3207434" y="2141671"/>
+              <a:ext cx="2729123" cy="3010605"/>
+            </a:xfrm>
+            <a:prstGeom prst="rect">
+              <a:avLst/>
+            </a:prstGeom>
+            <a:ln w="12700">
+              <a:solidFill>
+                <a:schemeClr val="tx1"/>
+              </a:solidFill>
+            </a:ln>
+          </p:spPr>
+        </p:pic>
+        <p:sp>
+          <p:nvSpPr>
+            <p:cNvPr id="11" name="TextBox 10">
+              <a:extLst>
+                <a:ext uri="{FF2B5EF4-FFF2-40B4-BE49-F238E27FC236}">
+                  <a16:creationId xmlns:a16="http://schemas.microsoft.com/office/drawing/2014/main" id="{B75B0DDF-09D5-6498-D341-73847519AA3E}"/>
+                </a:ext>
+              </a:extLst>
+            </p:cNvPr>
+            <p:cNvSpPr txBox="1"/>
+            <p:nvPr/>
+          </p:nvSpPr>
+          <p:spPr>
+            <a:xfrm>
+              <a:off x="1482741" y="5630981"/>
+              <a:ext cx="6178580" cy="1000729"/>
+            </a:xfrm>
+            <a:prstGeom prst="rect">
+              <a:avLst/>
+            </a:prstGeom>
+            <a:noFill/>
+          </p:spPr>
+          <p:txBody>
+            <a:bodyPr wrap="none" rtlCol="0">
+              <a:spAutoFit/>
+            </a:bodyPr>
+            <a:lstStyle/>
+            <a:p>
+              <a:pPr algn="ctr"/>
+              <a:r>
+                <a:rPr lang="ru-RU" sz="1200" dirty="0">
+                  <a:latin typeface="Times New Roman" panose="02020603050405020304" pitchFamily="18" charset="0"/>
+                  <a:cs typeface="Times New Roman" panose="02020603050405020304" pitchFamily="18" charset="0"/>
+                </a:rPr>
+                <a:t>Рисунок 1</a:t>
+              </a:r>
+              <a:r>
+                <a:rPr lang="en-US" sz="1200" dirty="0">
+                  <a:latin typeface="Times New Roman" panose="02020603050405020304" pitchFamily="18" charset="0"/>
+                  <a:cs typeface="Times New Roman" panose="02020603050405020304" pitchFamily="18" charset="0"/>
+                </a:rPr>
+                <a:t>3</a:t>
+              </a:r>
+              <a:r>
+                <a:rPr lang="ru-RU" sz="1200" dirty="0">
+                  <a:latin typeface="Times New Roman" panose="02020603050405020304" pitchFamily="18" charset="0"/>
+                  <a:cs typeface="Times New Roman" panose="02020603050405020304" pitchFamily="18" charset="0"/>
+                </a:rPr>
+                <a:t> – </a:t>
+              </a:r>
+              <a:r>
+                <a:rPr lang="en-US" sz="1200" dirty="0">
+                  <a:latin typeface="Times New Roman" panose="02020603050405020304" pitchFamily="18" charset="0"/>
+                  <a:cs typeface="Times New Roman" panose="02020603050405020304" pitchFamily="18" charset="0"/>
+                </a:rPr>
+                <a:t>Visual Studio</a:t>
+              </a:r>
+              <a:endParaRPr lang="ru-RU" sz="1200" dirty="0">
+                <a:latin typeface="Times New Roman" panose="02020603050405020304" pitchFamily="18" charset="0"/>
+                <a:cs typeface="Times New Roman" panose="02020603050405020304" pitchFamily="18" charset="0"/>
+              </a:endParaRPr>
+            </a:p>
+          </p:txBody>
+        </p:sp>
+      </p:grpSp>
+      <p:grpSp>
+        <p:nvGrpSpPr>
+          <p:cNvPr id="13" name="Группа 12">
+            <a:extLst>
+              <a:ext uri="{FF2B5EF4-FFF2-40B4-BE49-F238E27FC236}">
+                <a16:creationId xmlns:a16="http://schemas.microsoft.com/office/drawing/2014/main" id="{8E77B20B-9D82-87A5-3FC9-91C47EBCEBB8}"/>
+              </a:ext>
+            </a:extLst>
+          </p:cNvPr>
+          <p:cNvGrpSpPr/>
+          <p:nvPr/>
+        </p:nvGrpSpPr>
+        <p:grpSpPr>
+          <a:xfrm>
+            <a:off x="6569979" y="1258348"/>
+            <a:ext cx="2020811" cy="1326583"/>
+            <a:chOff x="1297814" y="1839092"/>
+            <a:chExt cx="6548430" cy="4792618"/>
+          </a:xfrm>
+        </p:grpSpPr>
+        <p:pic>
+          <p:nvPicPr>
+            <p:cNvPr id="14" name="Рисунок 13">
+              <a:extLst>
+                <a:ext uri="{FF2B5EF4-FFF2-40B4-BE49-F238E27FC236}">
+                  <a16:creationId xmlns:a16="http://schemas.microsoft.com/office/drawing/2014/main" id="{75ADBEFC-E9CD-D710-C87E-CDFC8BCB323B}"/>
+                </a:ext>
+              </a:extLst>
+            </p:cNvPr>
+            <p:cNvPicPr>
+              <a:picLocks noChangeAspect="1"/>
+            </p:cNvPicPr>
+            <p:nvPr/>
+          </p:nvPicPr>
+          <p:blipFill>
+            <a:blip r:embed="rId5" cstate="print">
+              <a:extLst>
+                <a:ext uri="{28A0092B-C50C-407E-A947-70E740481C1C}">
+                  <a14:useLocalDpi xmlns:a14="http://schemas.microsoft.com/office/drawing/2010/main" val="0"/>
+                </a:ext>
+              </a:extLst>
+            </a:blip>
+            <a:srcRect/>
+            <a:stretch/>
+          </p:blipFill>
+          <p:spPr>
+            <a:xfrm>
+              <a:off x="3128546" y="1839092"/>
+              <a:ext cx="2886903" cy="3615767"/>
+            </a:xfrm>
+            <a:prstGeom prst="rect">
+              <a:avLst/>
+            </a:prstGeom>
+            <a:ln w="12700">
+              <a:solidFill>
+                <a:schemeClr val="tx1"/>
+              </a:solidFill>
+            </a:ln>
+          </p:spPr>
+        </p:pic>
+        <p:sp>
+          <p:nvSpPr>
+            <p:cNvPr id="15" name="TextBox 14">
+              <a:extLst>
+                <a:ext uri="{FF2B5EF4-FFF2-40B4-BE49-F238E27FC236}">
+                  <a16:creationId xmlns:a16="http://schemas.microsoft.com/office/drawing/2014/main" id="{D7E8BC85-EF81-0044-8082-DBD30809C899}"/>
+                </a:ext>
+              </a:extLst>
+            </p:cNvPr>
+            <p:cNvSpPr txBox="1"/>
+            <p:nvPr/>
+          </p:nvSpPr>
+          <p:spPr>
+            <a:xfrm>
+              <a:off x="1297814" y="5630981"/>
+              <a:ext cx="6548430" cy="1000729"/>
+            </a:xfrm>
+            <a:prstGeom prst="rect">
+              <a:avLst/>
+            </a:prstGeom>
+            <a:noFill/>
+          </p:spPr>
+          <p:txBody>
+            <a:bodyPr wrap="none" rtlCol="0">
+              <a:spAutoFit/>
+            </a:bodyPr>
+            <a:lstStyle/>
+            <a:p>
+              <a:pPr algn="ctr"/>
+              <a:r>
+                <a:rPr lang="ru-RU" sz="1200" dirty="0">
+                  <a:latin typeface="Times New Roman" panose="02020603050405020304" pitchFamily="18" charset="0"/>
+                  <a:cs typeface="Times New Roman" panose="02020603050405020304" pitchFamily="18" charset="0"/>
+                </a:rPr>
+                <a:t>Рисунок 1</a:t>
+              </a:r>
+              <a:r>
+                <a:rPr lang="en-US" sz="1200" dirty="0">
+                  <a:latin typeface="Times New Roman" panose="02020603050405020304" pitchFamily="18" charset="0"/>
+                  <a:cs typeface="Times New Roman" panose="02020603050405020304" pitchFamily="18" charset="0"/>
+                </a:rPr>
+                <a:t>4</a:t>
+              </a:r>
+              <a:r>
+                <a:rPr lang="ru-RU" sz="1200" dirty="0">
+                  <a:latin typeface="Times New Roman" panose="02020603050405020304" pitchFamily="18" charset="0"/>
+                  <a:cs typeface="Times New Roman" panose="02020603050405020304" pitchFamily="18" charset="0"/>
+                </a:rPr>
+                <a:t> – </a:t>
+              </a:r>
+              <a:r>
+                <a:rPr lang="en-US" sz="1200" dirty="0">
+                  <a:latin typeface="Times New Roman" panose="02020603050405020304" pitchFamily="18" charset="0"/>
+                  <a:cs typeface="Times New Roman" panose="02020603050405020304" pitchFamily="18" charset="0"/>
+                </a:rPr>
+                <a:t>Android Studio</a:t>
+              </a:r>
+              <a:endParaRPr lang="ru-RU" sz="1200" dirty="0">
+                <a:latin typeface="Times New Roman" panose="02020603050405020304" pitchFamily="18" charset="0"/>
+                <a:cs typeface="Times New Roman" panose="02020603050405020304" pitchFamily="18" charset="0"/>
+              </a:endParaRPr>
+            </a:p>
+          </p:txBody>
+        </p:sp>
+      </p:grpSp>
+      <p:grpSp>
+        <p:nvGrpSpPr>
+          <p:cNvPr id="16" name="Группа 15">
+            <a:extLst>
+              <a:ext uri="{FF2B5EF4-FFF2-40B4-BE49-F238E27FC236}">
+                <a16:creationId xmlns:a16="http://schemas.microsoft.com/office/drawing/2014/main" id="{94F701B2-1156-48A1-F910-B3C69952E481}"/>
+              </a:ext>
+            </a:extLst>
+          </p:cNvPr>
+          <p:cNvGrpSpPr/>
+          <p:nvPr/>
+        </p:nvGrpSpPr>
+        <p:grpSpPr>
+          <a:xfrm>
+            <a:off x="738231" y="1258348"/>
+            <a:ext cx="1650773" cy="1326583"/>
+            <a:chOff x="1897358" y="1839092"/>
+            <a:chExt cx="5349323" cy="4792618"/>
+          </a:xfrm>
+        </p:grpSpPr>
+        <p:pic>
+          <p:nvPicPr>
+            <p:cNvPr id="17" name="Рисунок 16">
+              <a:extLst>
+                <a:ext uri="{FF2B5EF4-FFF2-40B4-BE49-F238E27FC236}">
+                  <a16:creationId xmlns:a16="http://schemas.microsoft.com/office/drawing/2014/main" id="{59CBC2F5-0D6B-C87D-4832-37BD5556F93B}"/>
+                </a:ext>
+              </a:extLst>
+            </p:cNvPr>
+            <p:cNvPicPr>
+              <a:picLocks noChangeAspect="1"/>
+            </p:cNvPicPr>
+            <p:nvPr/>
+          </p:nvPicPr>
+          <p:blipFill>
+            <a:blip r:embed="rId6" cstate="print">
+              <a:extLst>
+                <a:ext uri="{28A0092B-C50C-407E-A947-70E740481C1C}">
+                  <a14:useLocalDpi xmlns:a14="http://schemas.microsoft.com/office/drawing/2010/main" val="0"/>
+                </a:ext>
+              </a:extLst>
+            </a:blip>
+            <a:srcRect/>
+            <a:stretch/>
+          </p:blipFill>
+          <p:spPr>
+            <a:xfrm>
+              <a:off x="2738886" y="1839092"/>
+              <a:ext cx="3666223" cy="3615767"/>
+            </a:xfrm>
+            <a:prstGeom prst="rect">
+              <a:avLst/>
+            </a:prstGeom>
+            <a:ln w="12700">
+              <a:solidFill>
+                <a:schemeClr val="tx1"/>
+              </a:solidFill>
+            </a:ln>
+          </p:spPr>
+        </p:pic>
+        <p:sp>
+          <p:nvSpPr>
+            <p:cNvPr id="18" name="TextBox 17">
+              <a:extLst>
+                <a:ext uri="{FF2B5EF4-FFF2-40B4-BE49-F238E27FC236}">
+                  <a16:creationId xmlns:a16="http://schemas.microsoft.com/office/drawing/2014/main" id="{5D41438D-35B1-B582-69B9-5185D148D623}"/>
+                </a:ext>
+              </a:extLst>
+            </p:cNvPr>
+            <p:cNvSpPr txBox="1"/>
+            <p:nvPr/>
+          </p:nvSpPr>
+          <p:spPr>
+            <a:xfrm>
+              <a:off x="1897358" y="5630981"/>
+              <a:ext cx="5349323" cy="1000729"/>
+            </a:xfrm>
+            <a:prstGeom prst="rect">
+              <a:avLst/>
+            </a:prstGeom>
+            <a:noFill/>
+          </p:spPr>
+          <p:txBody>
+            <a:bodyPr wrap="none" rtlCol="0">
+              <a:spAutoFit/>
+            </a:bodyPr>
+            <a:lstStyle/>
+            <a:p>
+              <a:pPr algn="ctr"/>
+              <a:r>
+                <a:rPr lang="ru-RU" sz="1200" dirty="0">
+                  <a:latin typeface="Times New Roman" panose="02020603050405020304" pitchFamily="18" charset="0"/>
+                  <a:cs typeface="Times New Roman" panose="02020603050405020304" pitchFamily="18" charset="0"/>
+                </a:rPr>
+                <a:t>Рисунок 1</a:t>
+              </a:r>
+              <a:r>
+                <a:rPr lang="en-US" sz="1200" dirty="0">
+                  <a:latin typeface="Times New Roman" panose="02020603050405020304" pitchFamily="18" charset="0"/>
+                  <a:cs typeface="Times New Roman" panose="02020603050405020304" pitchFamily="18" charset="0"/>
+                </a:rPr>
+                <a:t>1</a:t>
+              </a:r>
+              <a:r>
+                <a:rPr lang="ru-RU" sz="1200" dirty="0">
+                  <a:latin typeface="Times New Roman" panose="02020603050405020304" pitchFamily="18" charset="0"/>
+                  <a:cs typeface="Times New Roman" panose="02020603050405020304" pitchFamily="18" charset="0"/>
+                </a:rPr>
+                <a:t> – </a:t>
+              </a:r>
+              <a:r>
+                <a:rPr lang="en-US" sz="1200" dirty="0">
+                  <a:latin typeface="Times New Roman" panose="02020603050405020304" pitchFamily="18" charset="0"/>
+                  <a:cs typeface="Times New Roman" panose="02020603050405020304" pitchFamily="18" charset="0"/>
+                </a:rPr>
+                <a:t>Windows</a:t>
+              </a:r>
+              <a:endParaRPr lang="ru-RU" sz="1200" dirty="0">
+                <a:latin typeface="Times New Roman" panose="02020603050405020304" pitchFamily="18" charset="0"/>
+                <a:cs typeface="Times New Roman" panose="02020603050405020304" pitchFamily="18" charset="0"/>
+              </a:endParaRPr>
+            </a:p>
+          </p:txBody>
+        </p:sp>
+      </p:grpSp>
+      <p:grpSp>
+        <p:nvGrpSpPr>
+          <p:cNvPr id="19" name="Группа 18">
+            <a:extLst>
+              <a:ext uri="{FF2B5EF4-FFF2-40B4-BE49-F238E27FC236}">
+                <a16:creationId xmlns:a16="http://schemas.microsoft.com/office/drawing/2014/main" id="{6AC06DFF-B423-2AAF-FFA1-ACB0B787501A}"/>
+              </a:ext>
+            </a:extLst>
+          </p:cNvPr>
+          <p:cNvGrpSpPr/>
+          <p:nvPr/>
+        </p:nvGrpSpPr>
+        <p:grpSpPr>
+          <a:xfrm>
+            <a:off x="2825287" y="2920224"/>
+            <a:ext cx="1349600" cy="1326583"/>
+            <a:chOff x="2385340" y="1839092"/>
+            <a:chExt cx="4373373" cy="4792618"/>
+          </a:xfrm>
+        </p:grpSpPr>
+        <p:pic>
+          <p:nvPicPr>
+            <p:cNvPr id="20" name="Рисунок 19">
+              <a:extLst>
+                <a:ext uri="{FF2B5EF4-FFF2-40B4-BE49-F238E27FC236}">
+                  <a16:creationId xmlns:a16="http://schemas.microsoft.com/office/drawing/2014/main" id="{F28D0224-8F56-3BC7-A16B-3D44FDB2EA44}"/>
+                </a:ext>
+              </a:extLst>
+            </p:cNvPr>
+            <p:cNvPicPr>
+              <a:picLocks noChangeAspect="1"/>
+            </p:cNvPicPr>
+            <p:nvPr/>
+          </p:nvPicPr>
+          <p:blipFill>
+            <a:blip r:embed="rId7" cstate="print">
+              <a:extLst>
+                <a:ext uri="{28A0092B-C50C-407E-A947-70E740481C1C}">
+                  <a14:useLocalDpi xmlns:a14="http://schemas.microsoft.com/office/drawing/2010/main" val="0"/>
+                </a:ext>
+              </a:extLst>
+            </a:blip>
+            <a:srcRect/>
+            <a:stretch/>
+          </p:blipFill>
+          <p:spPr>
+            <a:xfrm>
+              <a:off x="3306359" y="1839092"/>
+              <a:ext cx="2531275" cy="3615767"/>
+            </a:xfrm>
+            <a:prstGeom prst="rect">
+              <a:avLst/>
+            </a:prstGeom>
+            <a:ln w="12700">
+              <a:solidFill>
+                <a:schemeClr val="tx1"/>
+              </a:solidFill>
+            </a:ln>
+          </p:spPr>
+        </p:pic>
+        <p:sp>
+          <p:nvSpPr>
+            <p:cNvPr id="21" name="TextBox 20">
+              <a:extLst>
+                <a:ext uri="{FF2B5EF4-FFF2-40B4-BE49-F238E27FC236}">
+                  <a16:creationId xmlns:a16="http://schemas.microsoft.com/office/drawing/2014/main" id="{E061E8A0-AE44-DDEA-0AA4-0374B6A6E834}"/>
+                </a:ext>
+              </a:extLst>
+            </p:cNvPr>
+            <p:cNvSpPr txBox="1"/>
+            <p:nvPr/>
+          </p:nvSpPr>
+          <p:spPr>
+            <a:xfrm>
+              <a:off x="2385340" y="5630981"/>
+              <a:ext cx="4373373" cy="1000729"/>
+            </a:xfrm>
+            <a:prstGeom prst="rect">
+              <a:avLst/>
+            </a:prstGeom>
+            <a:noFill/>
+          </p:spPr>
+          <p:txBody>
+            <a:bodyPr wrap="none" rtlCol="0">
+              <a:spAutoFit/>
+            </a:bodyPr>
+            <a:lstStyle/>
+            <a:p>
+              <a:pPr algn="ctr"/>
+              <a:r>
+                <a:rPr lang="ru-RU" sz="1200" dirty="0">
+                  <a:latin typeface="Times New Roman" panose="02020603050405020304" pitchFamily="18" charset="0"/>
+                  <a:cs typeface="Times New Roman" panose="02020603050405020304" pitchFamily="18" charset="0"/>
+                </a:rPr>
+                <a:t>Рисунок 1</a:t>
+              </a:r>
+              <a:r>
+                <a:rPr lang="en-US" sz="1200" dirty="0">
+                  <a:latin typeface="Times New Roman" panose="02020603050405020304" pitchFamily="18" charset="0"/>
+                  <a:cs typeface="Times New Roman" panose="02020603050405020304" pitchFamily="18" charset="0"/>
+                </a:rPr>
+                <a:t>6</a:t>
+              </a:r>
+              <a:r>
+                <a:rPr lang="ru-RU" sz="1200" dirty="0">
+                  <a:latin typeface="Times New Roman" panose="02020603050405020304" pitchFamily="18" charset="0"/>
+                  <a:cs typeface="Times New Roman" panose="02020603050405020304" pitchFamily="18" charset="0"/>
+                </a:rPr>
+                <a:t> –</a:t>
+              </a:r>
+              <a:r>
+                <a:rPr lang="en-US" sz="1200" dirty="0">
+                  <a:latin typeface="Times New Roman" panose="02020603050405020304" pitchFamily="18" charset="0"/>
+                  <a:cs typeface="Times New Roman" panose="02020603050405020304" pitchFamily="18" charset="0"/>
+                </a:rPr>
+                <a:t> Java</a:t>
+              </a:r>
+              <a:endParaRPr lang="ru-RU" sz="1200" dirty="0">
+                <a:latin typeface="Times New Roman" panose="02020603050405020304" pitchFamily="18" charset="0"/>
+                <a:cs typeface="Times New Roman" panose="02020603050405020304" pitchFamily="18" charset="0"/>
+              </a:endParaRPr>
+            </a:p>
+          </p:txBody>
+        </p:sp>
+      </p:grpSp>
+      <p:grpSp>
+        <p:nvGrpSpPr>
+          <p:cNvPr id="22" name="Группа 21">
+            <a:extLst>
+              <a:ext uri="{FF2B5EF4-FFF2-40B4-BE49-F238E27FC236}">
+                <a16:creationId xmlns:a16="http://schemas.microsoft.com/office/drawing/2014/main" id="{6A204A79-6BE6-14C3-E2EB-B99C05AC08AB}"/>
+              </a:ext>
+            </a:extLst>
+          </p:cNvPr>
+          <p:cNvGrpSpPr/>
+          <p:nvPr/>
+        </p:nvGrpSpPr>
+        <p:grpSpPr>
+          <a:xfrm>
+            <a:off x="4989733" y="3026922"/>
+            <a:ext cx="1255024" cy="1219885"/>
+            <a:chOff x="2538580" y="2224566"/>
+            <a:chExt cx="4066900" cy="4407144"/>
+          </a:xfrm>
+        </p:grpSpPr>
+        <p:pic>
+          <p:nvPicPr>
+            <p:cNvPr id="23" name="Рисунок 22">
+              <a:extLst>
+                <a:ext uri="{FF2B5EF4-FFF2-40B4-BE49-F238E27FC236}">
+                  <a16:creationId xmlns:a16="http://schemas.microsoft.com/office/drawing/2014/main" id="{30A07176-C5E4-6A21-0BFA-09E772A024E6}"/>
+                </a:ext>
+              </a:extLst>
+            </p:cNvPr>
+            <p:cNvPicPr>
+              <a:picLocks noChangeAspect="1"/>
+            </p:cNvPicPr>
+            <p:nvPr/>
+          </p:nvPicPr>
+          <p:blipFill>
+            <a:blip r:embed="rId8" cstate="print">
+              <a:extLst>
+                <a:ext uri="{28A0092B-C50C-407E-A947-70E740481C1C}">
+                  <a14:useLocalDpi xmlns:a14="http://schemas.microsoft.com/office/drawing/2010/main" val="0"/>
+                </a:ext>
+              </a:extLst>
+            </a:blip>
+            <a:srcRect/>
+            <a:stretch/>
+          </p:blipFill>
+          <p:spPr>
+            <a:xfrm>
+              <a:off x="3306360" y="2224566"/>
+              <a:ext cx="2531274" cy="2844816"/>
+            </a:xfrm>
+            <a:prstGeom prst="rect">
+              <a:avLst/>
+            </a:prstGeom>
+            <a:ln w="12700">
+              <a:solidFill>
+                <a:schemeClr val="tx1"/>
+              </a:solidFill>
+            </a:ln>
+          </p:spPr>
+        </p:pic>
+        <p:sp>
+          <p:nvSpPr>
+            <p:cNvPr id="24" name="TextBox 23">
+              <a:extLst>
+                <a:ext uri="{FF2B5EF4-FFF2-40B4-BE49-F238E27FC236}">
+                  <a16:creationId xmlns:a16="http://schemas.microsoft.com/office/drawing/2014/main" id="{AABC9A09-658A-EB3A-E6DF-9FD639D2A779}"/>
+                </a:ext>
+              </a:extLst>
+            </p:cNvPr>
+            <p:cNvSpPr txBox="1"/>
+            <p:nvPr/>
+          </p:nvSpPr>
+          <p:spPr>
+            <a:xfrm>
+              <a:off x="2538580" y="5630981"/>
+              <a:ext cx="4066900" cy="1000729"/>
+            </a:xfrm>
+            <a:prstGeom prst="rect">
+              <a:avLst/>
+            </a:prstGeom>
+            <a:noFill/>
+          </p:spPr>
+          <p:txBody>
+            <a:bodyPr wrap="none" rtlCol="0">
+              <a:spAutoFit/>
+            </a:bodyPr>
+            <a:lstStyle/>
+            <a:p>
+              <a:pPr algn="ctr"/>
+              <a:r>
+                <a:rPr lang="ru-RU" sz="1200" dirty="0">
+                  <a:latin typeface="Times New Roman" panose="02020603050405020304" pitchFamily="18" charset="0"/>
+                  <a:cs typeface="Times New Roman" panose="02020603050405020304" pitchFamily="18" charset="0"/>
+                </a:rPr>
+                <a:t>Рисунок 1</a:t>
+              </a:r>
+              <a:r>
+                <a:rPr lang="en-US" sz="1200" dirty="0">
+                  <a:latin typeface="Times New Roman" panose="02020603050405020304" pitchFamily="18" charset="0"/>
+                  <a:cs typeface="Times New Roman" panose="02020603050405020304" pitchFamily="18" charset="0"/>
+                </a:rPr>
+                <a:t>7</a:t>
+              </a:r>
+              <a:r>
+                <a:rPr lang="ru-RU" sz="1200" dirty="0">
+                  <a:latin typeface="Times New Roman" panose="02020603050405020304" pitchFamily="18" charset="0"/>
+                  <a:cs typeface="Times New Roman" panose="02020603050405020304" pitchFamily="18" charset="0"/>
+                </a:rPr>
+                <a:t> –</a:t>
+              </a:r>
+              <a:r>
+                <a:rPr lang="en-US" sz="1200" dirty="0">
+                  <a:latin typeface="Times New Roman" panose="02020603050405020304" pitchFamily="18" charset="0"/>
+                  <a:cs typeface="Times New Roman" panose="02020603050405020304" pitchFamily="18" charset="0"/>
+                </a:rPr>
+                <a:t> C#</a:t>
+              </a:r>
+              <a:endParaRPr lang="ru-RU" sz="1200" dirty="0">
+                <a:latin typeface="Times New Roman" panose="02020603050405020304" pitchFamily="18" charset="0"/>
+                <a:cs typeface="Times New Roman" panose="02020603050405020304" pitchFamily="18" charset="0"/>
+              </a:endParaRPr>
+            </a:p>
+          </p:txBody>
+        </p:sp>
+      </p:grpSp>
+      <p:grpSp>
+        <p:nvGrpSpPr>
+          <p:cNvPr id="26" name="Группа 25">
+            <a:extLst>
+              <a:ext uri="{FF2B5EF4-FFF2-40B4-BE49-F238E27FC236}">
+                <a16:creationId xmlns:a16="http://schemas.microsoft.com/office/drawing/2014/main" id="{E76D7354-0DAD-6F3D-3BFD-07A489A962CE}"/>
+              </a:ext>
+            </a:extLst>
+          </p:cNvPr>
+          <p:cNvGrpSpPr/>
+          <p:nvPr/>
+        </p:nvGrpSpPr>
+        <p:grpSpPr>
+          <a:xfrm>
+            <a:off x="6756556" y="2965052"/>
+            <a:ext cx="1614096" cy="1281755"/>
+            <a:chOff x="1956791" y="2001045"/>
+            <a:chExt cx="5230473" cy="4630665"/>
+          </a:xfrm>
+        </p:grpSpPr>
+        <p:pic>
+          <p:nvPicPr>
+            <p:cNvPr id="27" name="Рисунок 26">
+              <a:extLst>
+                <a:ext uri="{FF2B5EF4-FFF2-40B4-BE49-F238E27FC236}">
+                  <a16:creationId xmlns:a16="http://schemas.microsoft.com/office/drawing/2014/main" id="{9486E243-C6FA-DC04-1E5A-388E0E45320C}"/>
+                </a:ext>
+              </a:extLst>
+            </p:cNvPr>
+            <p:cNvPicPr>
+              <a:picLocks noChangeAspect="1"/>
+            </p:cNvPicPr>
+            <p:nvPr/>
+          </p:nvPicPr>
+          <p:blipFill>
+            <a:blip r:embed="rId9" cstate="print">
+              <a:extLst>
+                <a:ext uri="{28A0092B-C50C-407E-A947-70E740481C1C}">
+                  <a14:useLocalDpi xmlns:a14="http://schemas.microsoft.com/office/drawing/2010/main" val="0"/>
+                </a:ext>
+              </a:extLst>
+            </a:blip>
+            <a:srcRect/>
+            <a:stretch/>
+          </p:blipFill>
+          <p:spPr>
+            <a:xfrm>
+              <a:off x="3175036" y="2001045"/>
+              <a:ext cx="2793924" cy="3291862"/>
+            </a:xfrm>
+            <a:prstGeom prst="rect">
+              <a:avLst/>
+            </a:prstGeom>
+            <a:ln w="12700">
+              <a:solidFill>
+                <a:schemeClr val="tx1"/>
+              </a:solidFill>
+            </a:ln>
+          </p:spPr>
+        </p:pic>
+        <p:sp>
+          <p:nvSpPr>
+            <p:cNvPr id="28" name="TextBox 27">
+              <a:extLst>
+                <a:ext uri="{FF2B5EF4-FFF2-40B4-BE49-F238E27FC236}">
+                  <a16:creationId xmlns:a16="http://schemas.microsoft.com/office/drawing/2014/main" id="{F8C87495-2FB5-432E-2405-567E1AD65676}"/>
+                </a:ext>
+              </a:extLst>
+            </p:cNvPr>
+            <p:cNvSpPr txBox="1"/>
+            <p:nvPr/>
+          </p:nvSpPr>
+          <p:spPr>
+            <a:xfrm>
+              <a:off x="1956791" y="5630981"/>
+              <a:ext cx="5230473" cy="1000729"/>
+            </a:xfrm>
+            <a:prstGeom prst="rect">
+              <a:avLst/>
+            </a:prstGeom>
+            <a:noFill/>
+          </p:spPr>
+          <p:txBody>
+            <a:bodyPr wrap="none" rtlCol="0">
+              <a:spAutoFit/>
+            </a:bodyPr>
+            <a:lstStyle/>
+            <a:p>
+              <a:pPr algn="ctr"/>
+              <a:r>
+                <a:rPr lang="ru-RU" sz="1200" dirty="0">
+                  <a:latin typeface="Times New Roman" panose="02020603050405020304" pitchFamily="18" charset="0"/>
+                  <a:cs typeface="Times New Roman" panose="02020603050405020304" pitchFamily="18" charset="0"/>
+                </a:rPr>
+                <a:t>Рисунок 1</a:t>
+              </a:r>
+              <a:r>
+                <a:rPr lang="en-US" sz="1200" dirty="0">
+                  <a:latin typeface="Times New Roman" panose="02020603050405020304" pitchFamily="18" charset="0"/>
+                  <a:cs typeface="Times New Roman" panose="02020603050405020304" pitchFamily="18" charset="0"/>
+                </a:rPr>
+                <a:t>8</a:t>
+              </a:r>
+              <a:r>
+                <a:rPr lang="ru-RU" sz="1200" dirty="0">
+                  <a:latin typeface="Times New Roman" panose="02020603050405020304" pitchFamily="18" charset="0"/>
+                  <a:cs typeface="Times New Roman" panose="02020603050405020304" pitchFamily="18" charset="0"/>
+                </a:rPr>
+                <a:t> – </a:t>
+              </a:r>
+              <a:r>
+                <a:rPr lang="en-US" sz="1200" dirty="0">
+                  <a:latin typeface="Times New Roman" panose="02020603050405020304" pitchFamily="18" charset="0"/>
+                  <a:cs typeface="Times New Roman" panose="02020603050405020304" pitchFamily="18" charset="0"/>
+                </a:rPr>
+                <a:t>Swagger</a:t>
+              </a:r>
+              <a:endParaRPr lang="ru-RU" sz="1200" dirty="0">
+                <a:latin typeface="Times New Roman" panose="02020603050405020304" pitchFamily="18" charset="0"/>
+                <a:cs typeface="Times New Roman" panose="02020603050405020304" pitchFamily="18" charset="0"/>
+              </a:endParaRPr>
+            </a:p>
+          </p:txBody>
+        </p:sp>
+      </p:grpSp>
+      <p:grpSp>
+        <p:nvGrpSpPr>
+          <p:cNvPr id="29" name="Группа 28">
+            <a:extLst>
+              <a:ext uri="{FF2B5EF4-FFF2-40B4-BE49-F238E27FC236}">
+                <a16:creationId xmlns:a16="http://schemas.microsoft.com/office/drawing/2014/main" id="{69351E55-CA74-FF09-C15B-C7A44B945A62}"/>
+              </a:ext>
+            </a:extLst>
+          </p:cNvPr>
+          <p:cNvGrpSpPr/>
+          <p:nvPr/>
+        </p:nvGrpSpPr>
+        <p:grpSpPr>
+          <a:xfrm>
+            <a:off x="747850" y="4455880"/>
+            <a:ext cx="1606081" cy="1239299"/>
+            <a:chOff x="1969779" y="2154428"/>
+            <a:chExt cx="5204500" cy="4477282"/>
+          </a:xfrm>
+        </p:grpSpPr>
+        <p:pic>
+          <p:nvPicPr>
+            <p:cNvPr id="30" name="Рисунок 29">
+              <a:extLst>
+                <a:ext uri="{FF2B5EF4-FFF2-40B4-BE49-F238E27FC236}">
+                  <a16:creationId xmlns:a16="http://schemas.microsoft.com/office/drawing/2014/main" id="{C546CCC4-C080-CFE8-BBBB-0F715994B034}"/>
+                </a:ext>
+              </a:extLst>
+            </p:cNvPr>
+            <p:cNvPicPr>
+              <a:picLocks noChangeAspect="1"/>
+            </p:cNvPicPr>
+            <p:nvPr/>
+          </p:nvPicPr>
+          <p:blipFill>
+            <a:blip r:embed="rId10" cstate="print">
+              <a:extLst>
+                <a:ext uri="{28A0092B-C50C-407E-A947-70E740481C1C}">
+                  <a14:useLocalDpi xmlns:a14="http://schemas.microsoft.com/office/drawing/2010/main" val="0"/>
+                </a:ext>
+              </a:extLst>
+            </a:blip>
+            <a:srcRect/>
+            <a:stretch/>
+          </p:blipFill>
+          <p:spPr>
+            <a:xfrm>
+              <a:off x="3175036" y="2154428"/>
+              <a:ext cx="2793924" cy="2985092"/>
+            </a:xfrm>
+            <a:prstGeom prst="rect">
+              <a:avLst/>
+            </a:prstGeom>
+            <a:ln w="12700">
+              <a:solidFill>
+                <a:schemeClr val="tx1"/>
+              </a:solidFill>
+            </a:ln>
+          </p:spPr>
+        </p:pic>
+        <p:sp>
+          <p:nvSpPr>
+            <p:cNvPr id="31" name="TextBox 30">
+              <a:extLst>
+                <a:ext uri="{FF2B5EF4-FFF2-40B4-BE49-F238E27FC236}">
+                  <a16:creationId xmlns:a16="http://schemas.microsoft.com/office/drawing/2014/main" id="{ED6FDD07-7601-9D6D-C183-AF1CE8E2F531}"/>
+                </a:ext>
+              </a:extLst>
+            </p:cNvPr>
+            <p:cNvSpPr txBox="1"/>
+            <p:nvPr/>
+          </p:nvSpPr>
+          <p:spPr>
+            <a:xfrm>
+              <a:off x="1969779" y="5630981"/>
+              <a:ext cx="5204500" cy="1000729"/>
+            </a:xfrm>
+            <a:prstGeom prst="rect">
+              <a:avLst/>
+            </a:prstGeom>
+            <a:noFill/>
+          </p:spPr>
+          <p:txBody>
+            <a:bodyPr wrap="none" rtlCol="0">
+              <a:spAutoFit/>
+            </a:bodyPr>
+            <a:lstStyle/>
+            <a:p>
+              <a:pPr algn="ctr"/>
+              <a:r>
+                <a:rPr lang="ru-RU" sz="1200" dirty="0">
+                  <a:latin typeface="Times New Roman" panose="02020603050405020304" pitchFamily="18" charset="0"/>
+                  <a:cs typeface="Times New Roman" panose="02020603050405020304" pitchFamily="18" charset="0"/>
+                </a:rPr>
+                <a:t>Рисунок 1</a:t>
+              </a:r>
+              <a:r>
+                <a:rPr lang="en-US" sz="1200" dirty="0">
+                  <a:latin typeface="Times New Roman" panose="02020603050405020304" pitchFamily="18" charset="0"/>
+                  <a:cs typeface="Times New Roman" panose="02020603050405020304" pitchFamily="18" charset="0"/>
+                </a:rPr>
+                <a:t>9</a:t>
+              </a:r>
+              <a:r>
+                <a:rPr lang="ru-RU" sz="1200" dirty="0">
+                  <a:latin typeface="Times New Roman" panose="02020603050405020304" pitchFamily="18" charset="0"/>
+                  <a:cs typeface="Times New Roman" panose="02020603050405020304" pitchFamily="18" charset="0"/>
+                </a:rPr>
+                <a:t> – </a:t>
+              </a:r>
+              <a:r>
+                <a:rPr lang="en-US" sz="1200" dirty="0">
+                  <a:latin typeface="Times New Roman" panose="02020603050405020304" pitchFamily="18" charset="0"/>
+                  <a:cs typeface="Times New Roman" panose="02020603050405020304" pitchFamily="18" charset="0"/>
+                </a:rPr>
+                <a:t>Postman</a:t>
+              </a:r>
+              <a:endParaRPr lang="ru-RU" sz="1200" dirty="0">
+                <a:latin typeface="Times New Roman" panose="02020603050405020304" pitchFamily="18" charset="0"/>
+                <a:cs typeface="Times New Roman" panose="02020603050405020304" pitchFamily="18" charset="0"/>
+              </a:endParaRPr>
+            </a:p>
+          </p:txBody>
+        </p:sp>
+      </p:grpSp>
+      <p:grpSp>
+        <p:nvGrpSpPr>
+          <p:cNvPr id="32" name="Группа 31">
+            <a:extLst>
+              <a:ext uri="{FF2B5EF4-FFF2-40B4-BE49-F238E27FC236}">
+                <a16:creationId xmlns:a16="http://schemas.microsoft.com/office/drawing/2014/main" id="{BD575BA4-9828-68BE-BA71-8791B9AA3467}"/>
+              </a:ext>
+            </a:extLst>
+          </p:cNvPr>
+          <p:cNvGrpSpPr/>
+          <p:nvPr/>
+        </p:nvGrpSpPr>
+        <p:grpSpPr>
+          <a:xfrm>
+            <a:off x="2673781" y="4455880"/>
+            <a:ext cx="1629036" cy="1213570"/>
+            <a:chOff x="1932589" y="2247381"/>
+            <a:chExt cx="5278883" cy="4384329"/>
+          </a:xfrm>
+        </p:grpSpPr>
+        <p:pic>
+          <p:nvPicPr>
+            <p:cNvPr id="33" name="Рисунок 32">
+              <a:extLst>
+                <a:ext uri="{FF2B5EF4-FFF2-40B4-BE49-F238E27FC236}">
+                  <a16:creationId xmlns:a16="http://schemas.microsoft.com/office/drawing/2014/main" id="{067CC9D9-EE5E-C18A-D94E-EC2D7BF4D013}"/>
+                </a:ext>
+              </a:extLst>
+            </p:cNvPr>
+            <p:cNvPicPr>
+              <a:picLocks noChangeAspect="1"/>
+            </p:cNvPicPr>
+            <p:nvPr/>
+          </p:nvPicPr>
+          <p:blipFill>
+            <a:blip r:embed="rId11">
+              <a:extLst>
+                <a:ext uri="{28A0092B-C50C-407E-A947-70E740481C1C}">
+                  <a14:useLocalDpi xmlns:a14="http://schemas.microsoft.com/office/drawing/2010/main" val="0"/>
+                </a:ext>
+              </a:extLst>
+            </a:blip>
+            <a:srcRect/>
+            <a:stretch/>
+          </p:blipFill>
+          <p:spPr>
+            <a:xfrm>
+              <a:off x="3175037" y="2247381"/>
+              <a:ext cx="2793926" cy="2799183"/>
+            </a:xfrm>
+            <a:prstGeom prst="rect">
+              <a:avLst/>
+            </a:prstGeom>
+            <a:ln w="12700">
+              <a:solidFill>
+                <a:schemeClr val="tx1"/>
+              </a:solidFill>
+            </a:ln>
+          </p:spPr>
+        </p:pic>
+        <p:sp>
+          <p:nvSpPr>
+            <p:cNvPr id="34" name="TextBox 33">
+              <a:extLst>
+                <a:ext uri="{FF2B5EF4-FFF2-40B4-BE49-F238E27FC236}">
+                  <a16:creationId xmlns:a16="http://schemas.microsoft.com/office/drawing/2014/main" id="{A301258A-4470-0EC4-B065-3B15C2444A41}"/>
+                </a:ext>
+              </a:extLst>
+            </p:cNvPr>
+            <p:cNvSpPr txBox="1"/>
+            <p:nvPr/>
+          </p:nvSpPr>
+          <p:spPr>
+            <a:xfrm>
+              <a:off x="1932589" y="5630981"/>
+              <a:ext cx="5278883" cy="1000729"/>
+            </a:xfrm>
+            <a:prstGeom prst="rect">
+              <a:avLst/>
+            </a:prstGeom>
+            <a:noFill/>
+          </p:spPr>
+          <p:txBody>
+            <a:bodyPr wrap="none" rtlCol="0">
+              <a:spAutoFit/>
+            </a:bodyPr>
+            <a:lstStyle/>
+            <a:p>
+              <a:pPr algn="ctr"/>
+              <a:r>
+                <a:rPr lang="ru-RU" sz="1200" dirty="0">
+                  <a:latin typeface="Times New Roman" panose="02020603050405020304" pitchFamily="18" charset="0"/>
+                  <a:cs typeface="Times New Roman" panose="02020603050405020304" pitchFamily="18" charset="0"/>
+                </a:rPr>
+                <a:t>Рисунок </a:t>
+              </a:r>
+              <a:r>
+                <a:rPr lang="en-US" sz="1200" dirty="0">
+                  <a:latin typeface="Times New Roman" panose="02020603050405020304" pitchFamily="18" charset="0"/>
+                  <a:cs typeface="Times New Roman" panose="02020603050405020304" pitchFamily="18" charset="0"/>
+                </a:rPr>
+                <a:t>20</a:t>
+              </a:r>
+              <a:r>
+                <a:rPr lang="ru-RU" sz="1200" dirty="0">
+                  <a:latin typeface="Times New Roman" panose="02020603050405020304" pitchFamily="18" charset="0"/>
+                  <a:cs typeface="Times New Roman" panose="02020603050405020304" pitchFamily="18" charset="0"/>
+                </a:rPr>
+                <a:t> – </a:t>
+              </a:r>
+              <a:r>
+                <a:rPr lang="en-US" sz="1200" dirty="0">
+                  <a:latin typeface="Times New Roman" panose="02020603050405020304" pitchFamily="18" charset="0"/>
+                  <a:cs typeface="Times New Roman" panose="02020603050405020304" pitchFamily="18" charset="0"/>
+                </a:rPr>
+                <a:t>Web API</a:t>
+              </a:r>
+              <a:endParaRPr lang="ru-RU" sz="1200" dirty="0">
+                <a:latin typeface="Times New Roman" panose="02020603050405020304" pitchFamily="18" charset="0"/>
+                <a:cs typeface="Times New Roman" panose="02020603050405020304" pitchFamily="18" charset="0"/>
+              </a:endParaRPr>
+            </a:p>
+          </p:txBody>
+        </p:sp>
+      </p:grpSp>
+      <p:grpSp>
+        <p:nvGrpSpPr>
+          <p:cNvPr id="35" name="Группа 34">
+            <a:extLst>
+              <a:ext uri="{FF2B5EF4-FFF2-40B4-BE49-F238E27FC236}">
+                <a16:creationId xmlns:a16="http://schemas.microsoft.com/office/drawing/2014/main" id="{31A9B502-E7B7-B952-B990-E875C1896D73}"/>
+              </a:ext>
+            </a:extLst>
+          </p:cNvPr>
+          <p:cNvGrpSpPr/>
+          <p:nvPr/>
+        </p:nvGrpSpPr>
+        <p:grpSpPr>
+          <a:xfrm>
+            <a:off x="5104040" y="4455880"/>
+            <a:ext cx="2879571" cy="1213570"/>
+            <a:chOff x="-93568" y="2247381"/>
+            <a:chExt cx="9331235" cy="4384329"/>
+          </a:xfrm>
+        </p:grpSpPr>
+        <p:pic>
+          <p:nvPicPr>
+            <p:cNvPr id="36" name="Рисунок 35">
+              <a:extLst>
+                <a:ext uri="{FF2B5EF4-FFF2-40B4-BE49-F238E27FC236}">
+                  <a16:creationId xmlns:a16="http://schemas.microsoft.com/office/drawing/2014/main" id="{1517456B-BA2C-FFDD-FF3B-5D492F2BD6DC}"/>
+                </a:ext>
+              </a:extLst>
+            </p:cNvPr>
+            <p:cNvPicPr>
+              <a:picLocks noChangeAspect="1"/>
+            </p:cNvPicPr>
+            <p:nvPr/>
+          </p:nvPicPr>
+          <p:blipFill>
+            <a:blip r:embed="rId12" cstate="print">
+              <a:extLst>
+                <a:ext uri="{28A0092B-C50C-407E-A947-70E740481C1C}">
+                  <a14:useLocalDpi xmlns:a14="http://schemas.microsoft.com/office/drawing/2010/main" val="0"/>
+                </a:ext>
+              </a:extLst>
+            </a:blip>
+            <a:srcRect/>
+            <a:stretch/>
+          </p:blipFill>
+          <p:spPr>
+            <a:xfrm>
+              <a:off x="3361634" y="2247381"/>
+              <a:ext cx="2420728" cy="2799183"/>
+            </a:xfrm>
+            <a:prstGeom prst="rect">
+              <a:avLst/>
+            </a:prstGeom>
+            <a:ln w="12700">
+              <a:solidFill>
+                <a:schemeClr val="tx1"/>
+              </a:solidFill>
+            </a:ln>
+          </p:spPr>
+        </p:pic>
+        <p:sp>
+          <p:nvSpPr>
+            <p:cNvPr id="37" name="TextBox 36">
+              <a:extLst>
+                <a:ext uri="{FF2B5EF4-FFF2-40B4-BE49-F238E27FC236}">
+                  <a16:creationId xmlns:a16="http://schemas.microsoft.com/office/drawing/2014/main" id="{E6F42154-CCBA-30CC-2414-694FA63EBD14}"/>
+                </a:ext>
+              </a:extLst>
+            </p:cNvPr>
+            <p:cNvSpPr txBox="1"/>
+            <p:nvPr/>
+          </p:nvSpPr>
+          <p:spPr>
+            <a:xfrm>
+              <a:off x="-93568" y="5630981"/>
+              <a:ext cx="9331235" cy="1000729"/>
+            </a:xfrm>
+            <a:prstGeom prst="rect">
+              <a:avLst/>
+            </a:prstGeom>
+            <a:noFill/>
+          </p:spPr>
+          <p:txBody>
+            <a:bodyPr wrap="none" rtlCol="0">
+              <a:spAutoFit/>
+            </a:bodyPr>
+            <a:lstStyle/>
+            <a:p>
+              <a:pPr algn="ctr"/>
+              <a:r>
+                <a:rPr lang="ru-RU" sz="1200" dirty="0">
+                  <a:latin typeface="Times New Roman" panose="02020603050405020304" pitchFamily="18" charset="0"/>
+                  <a:cs typeface="Times New Roman" panose="02020603050405020304" pitchFamily="18" charset="0"/>
+                </a:rPr>
+                <a:t>Рисунок </a:t>
+              </a:r>
+              <a:r>
+                <a:rPr lang="en-US" sz="1200" dirty="0">
+                  <a:latin typeface="Times New Roman" panose="02020603050405020304" pitchFamily="18" charset="0"/>
+                  <a:cs typeface="Times New Roman" panose="02020603050405020304" pitchFamily="18" charset="0"/>
+                </a:rPr>
+                <a:t>21</a:t>
+              </a:r>
+              <a:r>
+                <a:rPr lang="ru-RU" sz="1200" dirty="0">
+                  <a:latin typeface="Times New Roman" panose="02020603050405020304" pitchFamily="18" charset="0"/>
+                  <a:cs typeface="Times New Roman" panose="02020603050405020304" pitchFamily="18" charset="0"/>
+                </a:rPr>
+                <a:t> – </a:t>
+              </a:r>
+              <a:r>
+                <a:rPr lang="en-US" sz="1200" dirty="0">
+                  <a:latin typeface="Times New Roman" panose="02020603050405020304" pitchFamily="18" charset="0"/>
+                  <a:cs typeface="Times New Roman" panose="02020603050405020304" pitchFamily="18" charset="0"/>
+                </a:rPr>
+                <a:t>MS SQL Management Studio</a:t>
+              </a:r>
+              <a:endParaRPr lang="ru-RU" sz="1200" dirty="0">
+                <a:latin typeface="Times New Roman" panose="02020603050405020304" pitchFamily="18" charset="0"/>
+                <a:cs typeface="Times New Roman" panose="02020603050405020304" pitchFamily="18" charset="0"/>
+              </a:endParaRPr>
+            </a:p>
+          </p:txBody>
+        </p:sp>
+      </p:grpSp>
+      <p:sp>
+        <p:nvSpPr>
+          <p:cNvPr id="38" name="TextBox 37">
+            <a:hlinkClick r:id="rId13" action="ppaction://hlinksldjump"/>
+            <a:extLst>
+              <a:ext uri="{FF2B5EF4-FFF2-40B4-BE49-F238E27FC236}">
+                <a16:creationId xmlns:a16="http://schemas.microsoft.com/office/drawing/2014/main" id="{757B0880-C6A1-6AFA-F5A5-7A136CDF5689}"/>
+              </a:ext>
+            </a:extLst>
+          </p:cNvPr>
+          <p:cNvSpPr txBox="1"/>
+          <p:nvPr/>
+        </p:nvSpPr>
+        <p:spPr>
+          <a:xfrm>
+            <a:off x="8152745" y="298888"/>
+            <a:ext cx="636713" cy="307777"/>
+          </a:xfrm>
+          <a:prstGeom prst="rect">
+            <a:avLst/>
+          </a:prstGeom>
+          <a:noFill/>
+        </p:spPr>
+        <p:txBody>
+          <a:bodyPr wrap="none" rtlCol="0">
+            <a:spAutoFit/>
+          </a:bodyPr>
+          <a:lstStyle/>
+          <a:p>
+            <a:r>
+              <a:rPr lang="ru-RU" sz="1400" dirty="0">
+                <a:latin typeface="Times New Roman" panose="02020603050405020304" pitchFamily="18" charset="0"/>
+                <a:cs typeface="Times New Roman" panose="02020603050405020304" pitchFamily="18" charset="0"/>
+                <a:hlinkClick r:id="rId14" action="ppaction://hlinksldjump"/>
+              </a:rPr>
+              <a:t>Назад</a:t>
+            </a:r>
+            <a:endParaRPr lang="ru-RU" sz="1400" dirty="0">
+              <a:latin typeface="Times New Roman" panose="02020603050405020304" pitchFamily="18" charset="0"/>
+              <a:cs typeface="Times New Roman" panose="02020603050405020304" pitchFamily="18" charset="0"/>
+            </a:endParaRPr>
+          </a:p>
+        </p:txBody>
+      </p:sp>
+    </p:spTree>
+    <p:extLst>
+      <p:ext uri="{BB962C8B-B14F-4D97-AF65-F5344CB8AC3E}">
+        <p14:creationId xmlns:p14="http://schemas.microsoft.com/office/powerpoint/2010/main" val="395566625"/>
+      </p:ext>
+    </p:extLst>
+  </p:cSld>
+  <p:clrMapOvr>
+    <a:masterClrMapping/>
+  </p:clrMapOvr>
+  <mc:AlternateContent xmlns:mc="http://schemas.openxmlformats.org/markup-compatibility/2006" xmlns:p14="http://schemas.microsoft.com/office/powerpoint/2010/main">
+    <mc:Choice Requires="p14">
+      <p:transition p14:dur="0"/>
+    </mc:Choice>
+    <mc:Fallback xmlns="">
+      <p:transition/>
+    </mc:Fallback>
+  </mc:AlternateContent>
+</p:sld>
+</file>
+
+<file path=ppt/slides/slide17.xml><?xml version="1.0" encoding="utf-8"?>
+<p:sld xmlns:a="http://schemas.openxmlformats.org/drawingml/2006/main" xmlns:r="http://schemas.openxmlformats.org/officeDocument/2006/relationships" xmlns:p="http://schemas.openxmlformats.org/presentationml/2006/main">
+  <p:cSld>
+    <p:spTree>
+      <p:nvGrpSpPr>
+        <p:cNvPr id="1" name=""/>
+        <p:cNvGrpSpPr/>
+        <p:nvPr/>
+      </p:nvGrpSpPr>
+      <p:grpSpPr>
+        <a:xfrm>
+          <a:off x="0" y="0"/>
+          <a:ext cx="0" cy="0"/>
+          <a:chOff x="0" y="0"/>
+          <a:chExt cx="0" cy="0"/>
+        </a:xfrm>
+      </p:grpSpPr>
+      <p:sp>
+        <p:nvSpPr>
+          <p:cNvPr id="12" name="Содержимое 2"/>
+          <p:cNvSpPr txBox="1">
+            <a:spLocks/>
+          </p:cNvSpPr>
+          <p:nvPr/>
+        </p:nvSpPr>
+        <p:spPr>
+          <a:xfrm>
+            <a:off x="755009" y="1003300"/>
+            <a:ext cx="7659150" cy="5711824"/>
+          </a:xfrm>
+          <a:prstGeom prst="rect">
+            <a:avLst/>
+          </a:prstGeom>
+        </p:spPr>
+        <p:txBody>
+          <a:bodyPr>
+            <a:normAutofit/>
+            <a:scene3d>
+              <a:camera prst="orthographicFront"/>
+              <a:lightRig rig="threePt" dir="t"/>
+            </a:scene3d>
+            <a:sp3d extrusionH="57150">
+              <a:bevelT w="38100" h="38100" prst="relaxedInset"/>
+            </a:sp3d>
+          </a:bodyPr>
+          <a:lstStyle/>
+          <a:p>
+            <a:pPr indent="450000" algn="just" fontAlgn="auto">
+              <a:lnSpc>
+                <a:spcPct val="150000"/>
+              </a:lnSpc>
+              <a:spcAft>
+                <a:spcPts val="0"/>
+              </a:spcAft>
+              <a:buClr>
+                <a:schemeClr val="accent1"/>
+              </a:buClr>
+              <a:buSzPct val="85000"/>
+              <a:buFont typeface="Wingdings 2"/>
+              <a:buNone/>
+              <a:defRPr/>
+            </a:pPr>
+            <a:r>
+              <a:rPr lang="ru-RU" sz="1600">
+                <a:latin typeface="Times New Roman" pitchFamily="18" charset="0"/>
+                <a:cs typeface="Times New Roman" pitchFamily="18" charset="0"/>
+              </a:rPr>
+              <a:t>Расчёты представлены в таблице 1.</a:t>
+            </a:r>
+          </a:p>
+          <a:p>
+            <a:pPr indent="450215" algn="just">
+              <a:lnSpc>
+                <a:spcPct val="150000"/>
+              </a:lnSpc>
+            </a:pPr>
+            <a:r>
+              <a:rPr lang="ru-RU" sz="1800">
+                <a:effectLst/>
+                <a:latin typeface="Times New Roman" panose="02020603050405020304" pitchFamily="18" charset="0"/>
+                <a:ea typeface="Times New Roman" panose="02020603050405020304" pitchFamily="18" charset="0"/>
+              </a:rPr>
+              <a:t> </a:t>
+            </a:r>
+          </a:p>
+          <a:p>
+            <a:pPr indent="450215" algn="just">
+              <a:lnSpc>
+                <a:spcPct val="150000"/>
+              </a:lnSpc>
+            </a:pPr>
+            <a:r>
+              <a:rPr lang="ru-RU" sz="1600" b="1">
+                <a:effectLst/>
+                <a:latin typeface="Times New Roman" panose="02020603050405020304" pitchFamily="18" charset="0"/>
+                <a:ea typeface="Times New Roman" panose="02020603050405020304" pitchFamily="18" charset="0"/>
+              </a:rPr>
+              <a:t>Таблица 1 – Смета всех затрат</a:t>
+            </a:r>
+            <a:endParaRPr lang="ru-RU" sz="1600">
+              <a:effectLst/>
+              <a:latin typeface="Times New Roman" panose="02020603050405020304" pitchFamily="18" charset="0"/>
+              <a:ea typeface="Times New Roman" panose="02020603050405020304" pitchFamily="18" charset="0"/>
+            </a:endParaRPr>
+          </a:p>
+          <a:p>
+            <a:pPr indent="450000" algn="just" fontAlgn="auto">
+              <a:lnSpc>
+                <a:spcPct val="150000"/>
+              </a:lnSpc>
+              <a:spcAft>
+                <a:spcPts val="0"/>
+              </a:spcAft>
+              <a:buClr>
+                <a:schemeClr val="accent1"/>
+              </a:buClr>
+              <a:buSzPct val="85000"/>
+              <a:buFont typeface="Wingdings 2"/>
+              <a:buNone/>
+              <a:defRPr/>
+            </a:pPr>
+            <a:endParaRPr lang="ru-RU" sz="1600" dirty="0">
+              <a:latin typeface="Times New Roman" pitchFamily="18" charset="0"/>
+              <a:cs typeface="Times New Roman" pitchFamily="18" charset="0"/>
+            </a:endParaRPr>
+          </a:p>
+        </p:txBody>
+      </p:sp>
+      <p:sp>
+        <p:nvSpPr>
+          <p:cNvPr id="4" name="Прямоугольник 3"/>
+          <p:cNvSpPr/>
+          <p:nvPr/>
+        </p:nvSpPr>
+        <p:spPr>
+          <a:xfrm>
+            <a:off x="1143000" y="255533"/>
+            <a:ext cx="6858000" cy="535531"/>
+          </a:xfrm>
+          <a:prstGeom prst="rect">
+            <a:avLst/>
+          </a:prstGeom>
+        </p:spPr>
+        <p:txBody>
+          <a:bodyPr>
+            <a:spAutoFit/>
+          </a:bodyPr>
+          <a:lstStyle/>
+          <a:p>
+            <a:pPr marL="342900" indent="-342900" algn="ctr" fontAlgn="auto">
+              <a:lnSpc>
+                <a:spcPct val="80000"/>
+              </a:lnSpc>
+              <a:spcBef>
+                <a:spcPct val="20000"/>
+              </a:spcBef>
+              <a:spcAft>
+                <a:spcPts val="0"/>
+              </a:spcAft>
+              <a:buClr>
+                <a:schemeClr val="accent1">
+                  <a:shade val="75000"/>
+                </a:schemeClr>
+              </a:buClr>
+              <a:buSzPct val="55000"/>
+              <a:defRPr/>
+            </a:pPr>
+            <a:r>
+              <a:rPr kumimoji="1" lang="ru-RU" sz="3600" b="1">
+                <a:latin typeface="Times New Roman" pitchFamily="18" charset="0"/>
+                <a:cs typeface="Times New Roman" pitchFamily="18" charset="0"/>
+              </a:rPr>
+              <a:t>Экономическое обоснование</a:t>
+            </a:r>
+            <a:endParaRPr kumimoji="1" lang="ru-RU" sz="3600" b="1" dirty="0">
+              <a:latin typeface="Times New Roman" pitchFamily="18" charset="0"/>
+              <a:cs typeface="Times New Roman" pitchFamily="18" charset="0"/>
+            </a:endParaRPr>
+          </a:p>
+        </p:txBody>
+      </p:sp>
+      <p:graphicFrame>
+        <p:nvGraphicFramePr>
+          <p:cNvPr id="5" name="Таблица 4">
+            <a:extLst>
+              <a:ext uri="{FF2B5EF4-FFF2-40B4-BE49-F238E27FC236}">
+                <a16:creationId xmlns:a16="http://schemas.microsoft.com/office/drawing/2014/main" id="{4BF488D3-8098-0F3B-9157-EB18259D03F6}"/>
+              </a:ext>
+            </a:extLst>
+          </p:cNvPr>
+          <p:cNvGraphicFramePr>
+            <a:graphicFrameLocks noGrp="1"/>
+          </p:cNvGraphicFramePr>
+          <p:nvPr>
+            <p:extLst>
+              <p:ext uri="{D42A27DB-BD31-4B8C-83A1-F6EECF244321}">
+                <p14:modId xmlns:p14="http://schemas.microsoft.com/office/powerpoint/2010/main" val="3352100950"/>
+              </p:ext>
+            </p:extLst>
+          </p:nvPr>
+        </p:nvGraphicFramePr>
+        <p:xfrm>
+          <a:off x="889233" y="2336829"/>
+          <a:ext cx="7365534" cy="2562343"/>
+        </p:xfrm>
+        <a:graphic>
+          <a:graphicData uri="http://schemas.openxmlformats.org/drawingml/2006/table">
+            <a:tbl>
+              <a:tblPr>
+                <a:tableStyleId>{5C22544A-7EE6-4342-B048-85BDC9FD1C3A}</a:tableStyleId>
+              </a:tblPr>
+              <a:tblGrid>
+                <a:gridCol w="3651630">
+                  <a:extLst>
+                    <a:ext uri="{9D8B030D-6E8A-4147-A177-3AD203B41FA5}">
+                      <a16:colId xmlns:a16="http://schemas.microsoft.com/office/drawing/2014/main" val="2823463062"/>
+                    </a:ext>
+                  </a:extLst>
+                </a:gridCol>
+                <a:gridCol w="3713904">
+                  <a:extLst>
+                    <a:ext uri="{9D8B030D-6E8A-4147-A177-3AD203B41FA5}">
+                      <a16:colId xmlns:a16="http://schemas.microsoft.com/office/drawing/2014/main" val="1729906653"/>
+                    </a:ext>
+                  </a:extLst>
+                </a:gridCol>
+              </a:tblGrid>
+              <a:tr h="366049">
+                <a:tc>
+                  <a:txBody>
+                    <a:bodyPr/>
+                    <a:lstStyle/>
+                    <a:p>
+                      <a:pPr indent="450215" algn="ctr">
+                        <a:lnSpc>
+                          <a:spcPct val="150000"/>
+                        </a:lnSpc>
+                      </a:pPr>
+                      <a:r>
+                        <a:rPr lang="ru-RU" sz="1200">
+                          <a:effectLst/>
+                        </a:rPr>
+                        <a:t>Наименование статей затрат</a:t>
+                      </a:r>
+                      <a:endParaRPr lang="ru-RU" sz="1200">
+                        <a:effectLst/>
+                        <a:latin typeface="Times New Roman" panose="02020603050405020304" pitchFamily="18" charset="0"/>
+                        <a:ea typeface="Times New Roman" panose="02020603050405020304" pitchFamily="18" charset="0"/>
+                        <a:cs typeface="Times New Roman" panose="02020603050405020304" pitchFamily="18" charset="0"/>
+                      </a:endParaRPr>
+                    </a:p>
+                  </a:txBody>
+                  <a:tcPr marL="68580" marR="68580" marT="0" marB="0">
+                    <a:lnL w="12700" cap="flat" cmpd="sng" algn="ctr">
+                      <a:solidFill>
+                        <a:schemeClr val="tx1"/>
+                      </a:solidFill>
+                      <a:prstDash val="solid"/>
+                      <a:round/>
+                      <a:headEnd type="none" w="med" len="med"/>
+                      <a:tailEnd type="none" w="med" len="med"/>
+                    </a:lnL>
+                    <a:lnR w="12700" cap="flat" cmpd="sng" algn="ctr">
+                      <a:solidFill>
+                        <a:schemeClr val="tx1"/>
+                      </a:solidFill>
+                      <a:prstDash val="solid"/>
+                      <a:round/>
+                      <a:headEnd type="none" w="med" len="med"/>
+                      <a:tailEnd type="none" w="med" len="med"/>
+                    </a:lnR>
+                    <a:lnT w="12700" cap="flat" cmpd="sng" algn="ctr">
+                      <a:solidFill>
+                        <a:schemeClr val="tx1"/>
+                      </a:solidFill>
+                      <a:prstDash val="solid"/>
+                      <a:round/>
+                      <a:headEnd type="none" w="med" len="med"/>
+                      <a:tailEnd type="none" w="med" len="med"/>
+                    </a:lnT>
+                    <a:lnB w="12700" cap="flat" cmpd="sng" algn="ctr">
+                      <a:solidFill>
+                        <a:schemeClr val="tx1"/>
+                      </a:solidFill>
+                      <a:prstDash val="solid"/>
+                      <a:round/>
+                      <a:headEnd type="none" w="med" len="med"/>
+                      <a:tailEnd type="none" w="med" len="med"/>
+                    </a:lnB>
+                    <a:lnTlToBr w="12700" cmpd="sng">
+                      <a:noFill/>
+                      <a:prstDash val="solid"/>
+                    </a:lnTlToBr>
+                    <a:lnBlToTr w="12700" cmpd="sng">
+                      <a:noFill/>
+                      <a:prstDash val="solid"/>
+                    </a:lnBlToTr>
+                    <a:noFill/>
+                  </a:tcPr>
+                </a:tc>
+                <a:tc>
+                  <a:txBody>
+                    <a:bodyPr/>
+                    <a:lstStyle/>
+                    <a:p>
+                      <a:pPr indent="450215" algn="ctr">
+                        <a:lnSpc>
+                          <a:spcPct val="150000"/>
+                        </a:lnSpc>
+                      </a:pPr>
+                      <a:r>
+                        <a:rPr lang="ru-RU" sz="1200" dirty="0">
+                          <a:effectLst/>
+                        </a:rPr>
+                        <a:t>Сумма, руб.</a:t>
+                      </a:r>
+                      <a:endParaRPr lang="ru-RU" sz="1200" dirty="0">
+                        <a:effectLst/>
+                        <a:latin typeface="Times New Roman" panose="02020603050405020304" pitchFamily="18" charset="0"/>
+                        <a:ea typeface="Times New Roman" panose="02020603050405020304" pitchFamily="18" charset="0"/>
+                        <a:cs typeface="Times New Roman" panose="02020603050405020304" pitchFamily="18" charset="0"/>
+                      </a:endParaRPr>
+                    </a:p>
+                  </a:txBody>
+                  <a:tcPr marL="68580" marR="68580" marT="0" marB="0">
+                    <a:lnL w="12700" cap="flat" cmpd="sng" algn="ctr">
+                      <a:solidFill>
+                        <a:schemeClr val="tx1"/>
+                      </a:solidFill>
+                      <a:prstDash val="solid"/>
+                      <a:round/>
+                      <a:headEnd type="none" w="med" len="med"/>
+                      <a:tailEnd type="none" w="med" len="med"/>
+                    </a:lnL>
+                    <a:lnR w="12700" cap="flat" cmpd="sng" algn="ctr">
+                      <a:solidFill>
+                        <a:schemeClr val="tx1"/>
+                      </a:solidFill>
+                      <a:prstDash val="solid"/>
+                      <a:round/>
+                      <a:headEnd type="none" w="med" len="med"/>
+                      <a:tailEnd type="none" w="med" len="med"/>
+                    </a:lnR>
+                    <a:lnT w="12700" cap="flat" cmpd="sng" algn="ctr">
+                      <a:solidFill>
+                        <a:schemeClr val="tx1"/>
+                      </a:solidFill>
+                      <a:prstDash val="solid"/>
+                      <a:round/>
+                      <a:headEnd type="none" w="med" len="med"/>
+                      <a:tailEnd type="none" w="med" len="med"/>
+                    </a:lnT>
+                    <a:lnB w="12700" cap="flat" cmpd="sng" algn="ctr">
+                      <a:solidFill>
+                        <a:schemeClr val="tx1"/>
+                      </a:solidFill>
+                      <a:prstDash val="solid"/>
+                      <a:round/>
+                      <a:headEnd type="none" w="med" len="med"/>
+                      <a:tailEnd type="none" w="med" len="med"/>
+                    </a:lnB>
+                    <a:lnTlToBr w="12700" cmpd="sng">
+                      <a:noFill/>
+                      <a:prstDash val="solid"/>
+                    </a:lnTlToBr>
+                    <a:lnBlToTr w="12700" cmpd="sng">
+                      <a:noFill/>
+                      <a:prstDash val="solid"/>
+                    </a:lnBlToTr>
+                    <a:noFill/>
+                  </a:tcPr>
+                </a:tc>
+                <a:extLst>
+                  <a:ext uri="{0D108BD9-81ED-4DB2-BD59-A6C34878D82A}">
+                    <a16:rowId xmlns:a16="http://schemas.microsoft.com/office/drawing/2014/main" val="1957714083"/>
+                  </a:ext>
+                </a:extLst>
+              </a:tr>
+              <a:tr h="366049">
+                <a:tc>
+                  <a:txBody>
+                    <a:bodyPr/>
+                    <a:lstStyle/>
+                    <a:p>
+                      <a:pPr indent="450215" algn="l">
+                        <a:lnSpc>
+                          <a:spcPct val="150000"/>
+                        </a:lnSpc>
+                      </a:pPr>
+                      <a:r>
+                        <a:rPr lang="ru-RU" sz="1200">
+                          <a:effectLst/>
+                        </a:rPr>
+                        <a:t>Расходные материалы</a:t>
+                      </a:r>
+                      <a:endParaRPr lang="ru-RU" sz="1200">
+                        <a:effectLst/>
+                        <a:latin typeface="Times New Roman" panose="02020603050405020304" pitchFamily="18" charset="0"/>
+                        <a:ea typeface="Times New Roman" panose="02020603050405020304" pitchFamily="18" charset="0"/>
+                        <a:cs typeface="Times New Roman" panose="02020603050405020304" pitchFamily="18" charset="0"/>
+                      </a:endParaRPr>
+                    </a:p>
+                  </a:txBody>
+                  <a:tcPr marL="68580" marR="68580" marT="0" marB="0">
+                    <a:lnL w="12700" cap="flat" cmpd="sng" algn="ctr">
+                      <a:solidFill>
+                        <a:schemeClr val="tx1"/>
+                      </a:solidFill>
+                      <a:prstDash val="solid"/>
+                      <a:round/>
+                      <a:headEnd type="none" w="med" len="med"/>
+                      <a:tailEnd type="none" w="med" len="med"/>
+                    </a:lnL>
+                    <a:lnR w="12700" cap="flat" cmpd="sng" algn="ctr">
+                      <a:solidFill>
+                        <a:schemeClr val="tx1"/>
+                      </a:solidFill>
+                      <a:prstDash val="solid"/>
+                      <a:round/>
+                      <a:headEnd type="none" w="med" len="med"/>
+                      <a:tailEnd type="none" w="med" len="med"/>
+                    </a:lnR>
+                    <a:lnT w="12700" cap="flat" cmpd="sng" algn="ctr">
+                      <a:solidFill>
+                        <a:schemeClr val="tx1"/>
+                      </a:solidFill>
+                      <a:prstDash val="solid"/>
+                      <a:round/>
+                      <a:headEnd type="none" w="med" len="med"/>
+                      <a:tailEnd type="none" w="med" len="med"/>
+                    </a:lnT>
+                    <a:lnB w="12700" cap="flat" cmpd="sng" algn="ctr">
+                      <a:solidFill>
+                        <a:schemeClr val="tx1"/>
+                      </a:solidFill>
+                      <a:prstDash val="solid"/>
+                      <a:round/>
+                      <a:headEnd type="none" w="med" len="med"/>
+                      <a:tailEnd type="none" w="med" len="med"/>
+                    </a:lnB>
+                    <a:lnTlToBr w="12700" cmpd="sng">
+                      <a:noFill/>
+                      <a:prstDash val="solid"/>
+                    </a:lnTlToBr>
+                    <a:lnBlToTr w="12700" cmpd="sng">
+                      <a:noFill/>
+                      <a:prstDash val="solid"/>
+                    </a:lnBlToTr>
+                    <a:noFill/>
+                  </a:tcPr>
+                </a:tc>
+                <a:tc>
+                  <a:txBody>
+                    <a:bodyPr/>
+                    <a:lstStyle/>
+                    <a:p>
+                      <a:pPr indent="450215" algn="l">
+                        <a:lnSpc>
+                          <a:spcPct val="150000"/>
+                        </a:lnSpc>
+                      </a:pPr>
+                      <a:r>
+                        <a:rPr lang="ru-RU" sz="1200">
+                          <a:effectLst/>
+                        </a:rPr>
+                        <a:t>10270</a:t>
+                      </a:r>
+                      <a:endParaRPr lang="ru-RU" sz="1200">
+                        <a:effectLst/>
+                        <a:latin typeface="Times New Roman" panose="02020603050405020304" pitchFamily="18" charset="0"/>
+                        <a:ea typeface="Times New Roman" panose="02020603050405020304" pitchFamily="18" charset="0"/>
+                        <a:cs typeface="Times New Roman" panose="02020603050405020304" pitchFamily="18" charset="0"/>
+                      </a:endParaRPr>
+                    </a:p>
+                  </a:txBody>
+                  <a:tcPr marL="68580" marR="68580" marT="0" marB="0">
+                    <a:lnL w="12700" cap="flat" cmpd="sng" algn="ctr">
+                      <a:solidFill>
+                        <a:schemeClr val="tx1"/>
+                      </a:solidFill>
+                      <a:prstDash val="solid"/>
+                      <a:round/>
+                      <a:headEnd type="none" w="med" len="med"/>
+                      <a:tailEnd type="none" w="med" len="med"/>
+                    </a:lnL>
+                    <a:lnR w="12700" cap="flat" cmpd="sng" algn="ctr">
+                      <a:solidFill>
+                        <a:schemeClr val="tx1"/>
+                      </a:solidFill>
+                      <a:prstDash val="solid"/>
+                      <a:round/>
+                      <a:headEnd type="none" w="med" len="med"/>
+                      <a:tailEnd type="none" w="med" len="med"/>
+                    </a:lnR>
+                    <a:lnT w="12700" cap="flat" cmpd="sng" algn="ctr">
+                      <a:solidFill>
+                        <a:schemeClr val="tx1"/>
+                      </a:solidFill>
+                      <a:prstDash val="solid"/>
+                      <a:round/>
+                      <a:headEnd type="none" w="med" len="med"/>
+                      <a:tailEnd type="none" w="med" len="med"/>
+                    </a:lnT>
+                    <a:lnB w="12700" cap="flat" cmpd="sng" algn="ctr">
+                      <a:solidFill>
+                        <a:schemeClr val="tx1"/>
+                      </a:solidFill>
+                      <a:prstDash val="solid"/>
+                      <a:round/>
+                      <a:headEnd type="none" w="med" len="med"/>
+                      <a:tailEnd type="none" w="med" len="med"/>
+                    </a:lnB>
+                    <a:lnTlToBr w="12700" cmpd="sng">
+                      <a:noFill/>
+                      <a:prstDash val="solid"/>
+                    </a:lnTlToBr>
+                    <a:lnBlToTr w="12700" cmpd="sng">
+                      <a:noFill/>
+                      <a:prstDash val="solid"/>
+                    </a:lnBlToTr>
+                    <a:noFill/>
+                  </a:tcPr>
+                </a:tc>
+                <a:extLst>
+                  <a:ext uri="{0D108BD9-81ED-4DB2-BD59-A6C34878D82A}">
+                    <a16:rowId xmlns:a16="http://schemas.microsoft.com/office/drawing/2014/main" val="293633584"/>
+                  </a:ext>
+                </a:extLst>
+              </a:tr>
+              <a:tr h="366049">
+                <a:tc>
+                  <a:txBody>
+                    <a:bodyPr/>
+                    <a:lstStyle/>
+                    <a:p>
+                      <a:pPr indent="450215" algn="l">
+                        <a:lnSpc>
+                          <a:spcPct val="150000"/>
+                        </a:lnSpc>
+                      </a:pPr>
+                      <a:r>
+                        <a:rPr lang="ru-RU" sz="1200">
+                          <a:effectLst/>
+                        </a:rPr>
+                        <a:t>Основная заработная плата</a:t>
+                      </a:r>
+                      <a:endParaRPr lang="ru-RU" sz="1200">
+                        <a:effectLst/>
+                        <a:latin typeface="Times New Roman" panose="02020603050405020304" pitchFamily="18" charset="0"/>
+                        <a:ea typeface="Times New Roman" panose="02020603050405020304" pitchFamily="18" charset="0"/>
+                        <a:cs typeface="Times New Roman" panose="02020603050405020304" pitchFamily="18" charset="0"/>
+                      </a:endParaRPr>
+                    </a:p>
+                  </a:txBody>
+                  <a:tcPr marL="68580" marR="68580" marT="0" marB="0" anchor="ctr">
+                    <a:lnL w="12700" cap="flat" cmpd="sng" algn="ctr">
+                      <a:solidFill>
+                        <a:schemeClr val="tx1"/>
+                      </a:solidFill>
+                      <a:prstDash val="solid"/>
+                      <a:round/>
+                      <a:headEnd type="none" w="med" len="med"/>
+                      <a:tailEnd type="none" w="med" len="med"/>
+                    </a:lnL>
+                    <a:lnR w="12700" cap="flat" cmpd="sng" algn="ctr">
+                      <a:solidFill>
+                        <a:schemeClr val="tx1"/>
+                      </a:solidFill>
+                      <a:prstDash val="solid"/>
+                      <a:round/>
+                      <a:headEnd type="none" w="med" len="med"/>
+                      <a:tailEnd type="none" w="med" len="med"/>
+                    </a:lnR>
+                    <a:lnT w="12700" cap="flat" cmpd="sng" algn="ctr">
+                      <a:solidFill>
+                        <a:schemeClr val="tx1"/>
+                      </a:solidFill>
+                      <a:prstDash val="solid"/>
+                      <a:round/>
+                      <a:headEnd type="none" w="med" len="med"/>
+                      <a:tailEnd type="none" w="med" len="med"/>
+                    </a:lnT>
+                    <a:lnB w="12700" cap="flat" cmpd="sng" algn="ctr">
+                      <a:solidFill>
+                        <a:schemeClr val="tx1"/>
+                      </a:solidFill>
+                      <a:prstDash val="solid"/>
+                      <a:round/>
+                      <a:headEnd type="none" w="med" len="med"/>
+                      <a:tailEnd type="none" w="med" len="med"/>
+                    </a:lnB>
+                    <a:lnTlToBr w="12700" cmpd="sng">
+                      <a:noFill/>
+                      <a:prstDash val="solid"/>
+                    </a:lnTlToBr>
+                    <a:lnBlToTr w="12700" cmpd="sng">
+                      <a:noFill/>
+                      <a:prstDash val="solid"/>
+                    </a:lnBlToTr>
+                    <a:noFill/>
+                  </a:tcPr>
+                </a:tc>
+                <a:tc>
+                  <a:txBody>
+                    <a:bodyPr/>
+                    <a:lstStyle/>
+                    <a:p>
+                      <a:pPr indent="450215" algn="l">
+                        <a:lnSpc>
+                          <a:spcPct val="150000"/>
+                        </a:lnSpc>
+                      </a:pPr>
+                      <a:r>
+                        <a:rPr lang="ru-RU" sz="1200">
+                          <a:effectLst/>
+                        </a:rPr>
+                        <a:t>2797,44</a:t>
+                      </a:r>
+                      <a:endParaRPr lang="ru-RU" sz="1200">
+                        <a:effectLst/>
+                        <a:latin typeface="Times New Roman" panose="02020603050405020304" pitchFamily="18" charset="0"/>
+                        <a:ea typeface="Times New Roman" panose="02020603050405020304" pitchFamily="18" charset="0"/>
+                        <a:cs typeface="Times New Roman" panose="02020603050405020304" pitchFamily="18" charset="0"/>
+                      </a:endParaRPr>
+                    </a:p>
+                  </a:txBody>
+                  <a:tcPr marL="68580" marR="68580" marT="0" marB="0">
+                    <a:lnL w="12700" cap="flat" cmpd="sng" algn="ctr">
+                      <a:solidFill>
+                        <a:schemeClr val="tx1"/>
+                      </a:solidFill>
+                      <a:prstDash val="solid"/>
+                      <a:round/>
+                      <a:headEnd type="none" w="med" len="med"/>
+                      <a:tailEnd type="none" w="med" len="med"/>
+                    </a:lnL>
+                    <a:lnR w="12700" cap="flat" cmpd="sng" algn="ctr">
+                      <a:solidFill>
+                        <a:schemeClr val="tx1"/>
+                      </a:solidFill>
+                      <a:prstDash val="solid"/>
+                      <a:round/>
+                      <a:headEnd type="none" w="med" len="med"/>
+                      <a:tailEnd type="none" w="med" len="med"/>
+                    </a:lnR>
+                    <a:lnT w="12700" cap="flat" cmpd="sng" algn="ctr">
+                      <a:solidFill>
+                        <a:schemeClr val="tx1"/>
+                      </a:solidFill>
+                      <a:prstDash val="solid"/>
+                      <a:round/>
+                      <a:headEnd type="none" w="med" len="med"/>
+                      <a:tailEnd type="none" w="med" len="med"/>
+                    </a:lnT>
+                    <a:lnB w="12700" cap="flat" cmpd="sng" algn="ctr">
+                      <a:solidFill>
+                        <a:schemeClr val="tx1"/>
+                      </a:solidFill>
+                      <a:prstDash val="solid"/>
+                      <a:round/>
+                      <a:headEnd type="none" w="med" len="med"/>
+                      <a:tailEnd type="none" w="med" len="med"/>
+                    </a:lnB>
+                    <a:lnTlToBr w="12700" cmpd="sng">
+                      <a:noFill/>
+                      <a:prstDash val="solid"/>
+                    </a:lnTlToBr>
+                    <a:lnBlToTr w="12700" cmpd="sng">
+                      <a:noFill/>
+                      <a:prstDash val="solid"/>
+                    </a:lnBlToTr>
+                    <a:noFill/>
+                  </a:tcPr>
+                </a:tc>
+                <a:extLst>
+                  <a:ext uri="{0D108BD9-81ED-4DB2-BD59-A6C34878D82A}">
+                    <a16:rowId xmlns:a16="http://schemas.microsoft.com/office/drawing/2014/main" val="2969899990"/>
+                  </a:ext>
+                </a:extLst>
+              </a:tr>
+              <a:tr h="366049">
+                <a:tc>
+                  <a:txBody>
+                    <a:bodyPr/>
+                    <a:lstStyle/>
+                    <a:p>
+                      <a:pPr indent="450215" algn="l">
+                        <a:lnSpc>
+                          <a:spcPct val="150000"/>
+                        </a:lnSpc>
+                      </a:pPr>
+                      <a:r>
+                        <a:rPr lang="ru-RU" sz="1200">
+                          <a:effectLst/>
+                        </a:rPr>
+                        <a:t>Расходы на электроэнергию</a:t>
+                      </a:r>
+                      <a:endParaRPr lang="ru-RU" sz="1200">
+                        <a:effectLst/>
+                        <a:latin typeface="Times New Roman" panose="02020603050405020304" pitchFamily="18" charset="0"/>
+                        <a:ea typeface="Times New Roman" panose="02020603050405020304" pitchFamily="18" charset="0"/>
+                        <a:cs typeface="Times New Roman" panose="02020603050405020304" pitchFamily="18" charset="0"/>
+                      </a:endParaRPr>
+                    </a:p>
+                  </a:txBody>
+                  <a:tcPr marL="68580" marR="68580" marT="0" marB="0" anchor="ctr">
+                    <a:lnL w="12700" cap="flat" cmpd="sng" algn="ctr">
+                      <a:solidFill>
+                        <a:schemeClr val="tx1"/>
+                      </a:solidFill>
+                      <a:prstDash val="solid"/>
+                      <a:round/>
+                      <a:headEnd type="none" w="med" len="med"/>
+                      <a:tailEnd type="none" w="med" len="med"/>
+                    </a:lnL>
+                    <a:lnR w="12700" cap="flat" cmpd="sng" algn="ctr">
+                      <a:solidFill>
+                        <a:schemeClr val="tx1"/>
+                      </a:solidFill>
+                      <a:prstDash val="solid"/>
+                      <a:round/>
+                      <a:headEnd type="none" w="med" len="med"/>
+                      <a:tailEnd type="none" w="med" len="med"/>
+                    </a:lnR>
+                    <a:lnT w="12700" cap="flat" cmpd="sng" algn="ctr">
+                      <a:solidFill>
+                        <a:schemeClr val="tx1"/>
+                      </a:solidFill>
+                      <a:prstDash val="solid"/>
+                      <a:round/>
+                      <a:headEnd type="none" w="med" len="med"/>
+                      <a:tailEnd type="none" w="med" len="med"/>
+                    </a:lnT>
+                    <a:lnB w="12700" cap="flat" cmpd="sng" algn="ctr">
+                      <a:solidFill>
+                        <a:schemeClr val="tx1"/>
+                      </a:solidFill>
+                      <a:prstDash val="solid"/>
+                      <a:round/>
+                      <a:headEnd type="none" w="med" len="med"/>
+                      <a:tailEnd type="none" w="med" len="med"/>
+                    </a:lnB>
+                    <a:lnTlToBr w="12700" cmpd="sng">
+                      <a:noFill/>
+                      <a:prstDash val="solid"/>
+                    </a:lnTlToBr>
+                    <a:lnBlToTr w="12700" cmpd="sng">
+                      <a:noFill/>
+                      <a:prstDash val="solid"/>
+                    </a:lnBlToTr>
+                    <a:noFill/>
+                  </a:tcPr>
+                </a:tc>
+                <a:tc>
+                  <a:txBody>
+                    <a:bodyPr/>
+                    <a:lstStyle/>
+                    <a:p>
+                      <a:pPr indent="450215" algn="l">
+                        <a:lnSpc>
+                          <a:spcPct val="150000"/>
+                        </a:lnSpc>
+                      </a:pPr>
+                      <a:r>
+                        <a:rPr lang="ru-RU" sz="1200">
+                          <a:effectLst/>
+                        </a:rPr>
+                        <a:t>28,08</a:t>
+                      </a:r>
+                      <a:endParaRPr lang="ru-RU" sz="1200">
+                        <a:effectLst/>
+                        <a:latin typeface="Times New Roman" panose="02020603050405020304" pitchFamily="18" charset="0"/>
+                        <a:ea typeface="Times New Roman" panose="02020603050405020304" pitchFamily="18" charset="0"/>
+                        <a:cs typeface="Times New Roman" panose="02020603050405020304" pitchFamily="18" charset="0"/>
+                      </a:endParaRPr>
+                    </a:p>
+                  </a:txBody>
+                  <a:tcPr marL="68580" marR="68580" marT="0" marB="0">
+                    <a:lnL w="12700" cap="flat" cmpd="sng" algn="ctr">
+                      <a:solidFill>
+                        <a:schemeClr val="tx1"/>
+                      </a:solidFill>
+                      <a:prstDash val="solid"/>
+                      <a:round/>
+                      <a:headEnd type="none" w="med" len="med"/>
+                      <a:tailEnd type="none" w="med" len="med"/>
+                    </a:lnL>
+                    <a:lnR w="12700" cap="flat" cmpd="sng" algn="ctr">
+                      <a:solidFill>
+                        <a:schemeClr val="tx1"/>
+                      </a:solidFill>
+                      <a:prstDash val="solid"/>
+                      <a:round/>
+                      <a:headEnd type="none" w="med" len="med"/>
+                      <a:tailEnd type="none" w="med" len="med"/>
+                    </a:lnR>
+                    <a:lnT w="12700" cap="flat" cmpd="sng" algn="ctr">
+                      <a:solidFill>
+                        <a:schemeClr val="tx1"/>
+                      </a:solidFill>
+                      <a:prstDash val="solid"/>
+                      <a:round/>
+                      <a:headEnd type="none" w="med" len="med"/>
+                      <a:tailEnd type="none" w="med" len="med"/>
+                    </a:lnT>
+                    <a:lnB w="12700" cap="flat" cmpd="sng" algn="ctr">
+                      <a:solidFill>
+                        <a:schemeClr val="tx1"/>
+                      </a:solidFill>
+                      <a:prstDash val="solid"/>
+                      <a:round/>
+                      <a:headEnd type="none" w="med" len="med"/>
+                      <a:tailEnd type="none" w="med" len="med"/>
+                    </a:lnB>
+                    <a:lnTlToBr w="12700" cmpd="sng">
+                      <a:noFill/>
+                      <a:prstDash val="solid"/>
+                    </a:lnTlToBr>
+                    <a:lnBlToTr w="12700" cmpd="sng">
+                      <a:noFill/>
+                      <a:prstDash val="solid"/>
+                    </a:lnBlToTr>
+                    <a:noFill/>
+                  </a:tcPr>
+                </a:tc>
+                <a:extLst>
+                  <a:ext uri="{0D108BD9-81ED-4DB2-BD59-A6C34878D82A}">
+                    <a16:rowId xmlns:a16="http://schemas.microsoft.com/office/drawing/2014/main" val="2709530882"/>
+                  </a:ext>
+                </a:extLst>
+              </a:tr>
+              <a:tr h="366049">
+                <a:tc>
+                  <a:txBody>
+                    <a:bodyPr/>
+                    <a:lstStyle/>
+                    <a:p>
+                      <a:pPr indent="450215" algn="l">
+                        <a:lnSpc>
+                          <a:spcPct val="150000"/>
+                        </a:lnSpc>
+                      </a:pPr>
+                      <a:r>
+                        <a:rPr lang="ru-RU" sz="1200">
+                          <a:effectLst/>
+                        </a:rPr>
+                        <a:t>Амортизационные отчисления</a:t>
+                      </a:r>
+                      <a:endParaRPr lang="ru-RU" sz="1200">
+                        <a:effectLst/>
+                        <a:latin typeface="Times New Roman" panose="02020603050405020304" pitchFamily="18" charset="0"/>
+                        <a:ea typeface="Times New Roman" panose="02020603050405020304" pitchFamily="18" charset="0"/>
+                        <a:cs typeface="Times New Roman" panose="02020603050405020304" pitchFamily="18" charset="0"/>
+                      </a:endParaRPr>
+                    </a:p>
+                  </a:txBody>
+                  <a:tcPr marL="68580" marR="68580" marT="0" marB="0" anchor="ctr">
+                    <a:lnL w="12700" cap="flat" cmpd="sng" algn="ctr">
+                      <a:solidFill>
+                        <a:schemeClr val="tx1"/>
+                      </a:solidFill>
+                      <a:prstDash val="solid"/>
+                      <a:round/>
+                      <a:headEnd type="none" w="med" len="med"/>
+                      <a:tailEnd type="none" w="med" len="med"/>
+                    </a:lnL>
+                    <a:lnR w="12700" cap="flat" cmpd="sng" algn="ctr">
+                      <a:solidFill>
+                        <a:schemeClr val="tx1"/>
+                      </a:solidFill>
+                      <a:prstDash val="solid"/>
+                      <a:round/>
+                      <a:headEnd type="none" w="med" len="med"/>
+                      <a:tailEnd type="none" w="med" len="med"/>
+                    </a:lnR>
+                    <a:lnT w="12700" cap="flat" cmpd="sng" algn="ctr">
+                      <a:solidFill>
+                        <a:schemeClr val="tx1"/>
+                      </a:solidFill>
+                      <a:prstDash val="solid"/>
+                      <a:round/>
+                      <a:headEnd type="none" w="med" len="med"/>
+                      <a:tailEnd type="none" w="med" len="med"/>
+                    </a:lnT>
+                    <a:lnB w="12700" cap="flat" cmpd="sng" algn="ctr">
+                      <a:solidFill>
+                        <a:schemeClr val="tx1"/>
+                      </a:solidFill>
+                      <a:prstDash val="solid"/>
+                      <a:round/>
+                      <a:headEnd type="none" w="med" len="med"/>
+                      <a:tailEnd type="none" w="med" len="med"/>
+                    </a:lnB>
+                    <a:lnTlToBr w="12700" cmpd="sng">
+                      <a:noFill/>
+                      <a:prstDash val="solid"/>
+                    </a:lnTlToBr>
+                    <a:lnBlToTr w="12700" cmpd="sng">
+                      <a:noFill/>
+                      <a:prstDash val="solid"/>
+                    </a:lnBlToTr>
+                    <a:noFill/>
+                  </a:tcPr>
+                </a:tc>
+                <a:tc>
+                  <a:txBody>
+                    <a:bodyPr/>
+                    <a:lstStyle/>
+                    <a:p>
+                      <a:pPr indent="450215" algn="l">
+                        <a:lnSpc>
+                          <a:spcPct val="150000"/>
+                        </a:lnSpc>
+                      </a:pPr>
+                      <a:r>
+                        <a:rPr lang="ru-RU" sz="1200">
+                          <a:effectLst/>
+                        </a:rPr>
+                        <a:t>0</a:t>
+                      </a:r>
+                      <a:endParaRPr lang="ru-RU" sz="1200">
+                        <a:effectLst/>
+                        <a:latin typeface="Times New Roman" panose="02020603050405020304" pitchFamily="18" charset="0"/>
+                        <a:ea typeface="Times New Roman" panose="02020603050405020304" pitchFamily="18" charset="0"/>
+                        <a:cs typeface="Times New Roman" panose="02020603050405020304" pitchFamily="18" charset="0"/>
+                      </a:endParaRPr>
+                    </a:p>
+                  </a:txBody>
+                  <a:tcPr marL="68580" marR="68580" marT="0" marB="0">
+                    <a:lnL w="12700" cap="flat" cmpd="sng" algn="ctr">
+                      <a:solidFill>
+                        <a:schemeClr val="tx1"/>
+                      </a:solidFill>
+                      <a:prstDash val="solid"/>
+                      <a:round/>
+                      <a:headEnd type="none" w="med" len="med"/>
+                      <a:tailEnd type="none" w="med" len="med"/>
+                    </a:lnL>
+                    <a:lnR w="12700" cap="flat" cmpd="sng" algn="ctr">
+                      <a:solidFill>
+                        <a:schemeClr val="tx1"/>
+                      </a:solidFill>
+                      <a:prstDash val="solid"/>
+                      <a:round/>
+                      <a:headEnd type="none" w="med" len="med"/>
+                      <a:tailEnd type="none" w="med" len="med"/>
+                    </a:lnR>
+                    <a:lnT w="12700" cap="flat" cmpd="sng" algn="ctr">
+                      <a:solidFill>
+                        <a:schemeClr val="tx1"/>
+                      </a:solidFill>
+                      <a:prstDash val="solid"/>
+                      <a:round/>
+                      <a:headEnd type="none" w="med" len="med"/>
+                      <a:tailEnd type="none" w="med" len="med"/>
+                    </a:lnT>
+                    <a:lnB w="12700" cap="flat" cmpd="sng" algn="ctr">
+                      <a:solidFill>
+                        <a:schemeClr val="tx1"/>
+                      </a:solidFill>
+                      <a:prstDash val="solid"/>
+                      <a:round/>
+                      <a:headEnd type="none" w="med" len="med"/>
+                      <a:tailEnd type="none" w="med" len="med"/>
+                    </a:lnB>
+                    <a:lnTlToBr w="12700" cmpd="sng">
+                      <a:noFill/>
+                      <a:prstDash val="solid"/>
+                    </a:lnTlToBr>
+                    <a:lnBlToTr w="12700" cmpd="sng">
+                      <a:noFill/>
+                      <a:prstDash val="solid"/>
+                    </a:lnBlToTr>
+                    <a:noFill/>
+                  </a:tcPr>
+                </a:tc>
+                <a:extLst>
+                  <a:ext uri="{0D108BD9-81ED-4DB2-BD59-A6C34878D82A}">
+                    <a16:rowId xmlns:a16="http://schemas.microsoft.com/office/drawing/2014/main" val="2176967263"/>
+                  </a:ext>
+                </a:extLst>
+              </a:tr>
+              <a:tr h="366049">
+                <a:tc>
+                  <a:txBody>
+                    <a:bodyPr/>
+                    <a:lstStyle/>
+                    <a:p>
+                      <a:pPr indent="450215" algn="l">
+                        <a:lnSpc>
+                          <a:spcPct val="150000"/>
+                        </a:lnSpc>
+                      </a:pPr>
+                      <a:r>
+                        <a:rPr lang="ru-RU" sz="1200">
+                          <a:effectLst/>
+                        </a:rPr>
+                        <a:t>Отчисления на ЗП</a:t>
+                      </a:r>
+                      <a:endParaRPr lang="ru-RU" sz="1200">
+                        <a:effectLst/>
+                        <a:latin typeface="Times New Roman" panose="02020603050405020304" pitchFamily="18" charset="0"/>
+                        <a:ea typeface="Times New Roman" panose="02020603050405020304" pitchFamily="18" charset="0"/>
+                        <a:cs typeface="Times New Roman" panose="02020603050405020304" pitchFamily="18" charset="0"/>
+                      </a:endParaRPr>
+                    </a:p>
+                  </a:txBody>
+                  <a:tcPr marL="68580" marR="68580" marT="0" marB="0" anchor="ctr">
+                    <a:lnL w="12700" cap="flat" cmpd="sng" algn="ctr">
+                      <a:solidFill>
+                        <a:schemeClr val="tx1"/>
+                      </a:solidFill>
+                      <a:prstDash val="solid"/>
+                      <a:round/>
+                      <a:headEnd type="none" w="med" len="med"/>
+                      <a:tailEnd type="none" w="med" len="med"/>
+                    </a:lnL>
+                    <a:lnR w="12700" cap="flat" cmpd="sng" algn="ctr">
+                      <a:solidFill>
+                        <a:schemeClr val="tx1"/>
+                      </a:solidFill>
+                      <a:prstDash val="solid"/>
+                      <a:round/>
+                      <a:headEnd type="none" w="med" len="med"/>
+                      <a:tailEnd type="none" w="med" len="med"/>
+                    </a:lnR>
+                    <a:lnT w="12700" cap="flat" cmpd="sng" algn="ctr">
+                      <a:solidFill>
+                        <a:schemeClr val="tx1"/>
+                      </a:solidFill>
+                      <a:prstDash val="solid"/>
+                      <a:round/>
+                      <a:headEnd type="none" w="med" len="med"/>
+                      <a:tailEnd type="none" w="med" len="med"/>
+                    </a:lnT>
+                    <a:lnB w="12700" cap="flat" cmpd="sng" algn="ctr">
+                      <a:solidFill>
+                        <a:schemeClr val="tx1"/>
+                      </a:solidFill>
+                      <a:prstDash val="solid"/>
+                      <a:round/>
+                      <a:headEnd type="none" w="med" len="med"/>
+                      <a:tailEnd type="none" w="med" len="med"/>
+                    </a:lnB>
+                    <a:lnTlToBr w="12700" cmpd="sng">
+                      <a:noFill/>
+                      <a:prstDash val="solid"/>
+                    </a:lnTlToBr>
+                    <a:lnBlToTr w="12700" cmpd="sng">
+                      <a:noFill/>
+                      <a:prstDash val="solid"/>
+                    </a:lnBlToTr>
+                    <a:noFill/>
+                  </a:tcPr>
+                </a:tc>
+                <a:tc>
+                  <a:txBody>
+                    <a:bodyPr/>
+                    <a:lstStyle/>
+                    <a:p>
+                      <a:pPr indent="450215" algn="l">
+                        <a:lnSpc>
+                          <a:spcPct val="150000"/>
+                        </a:lnSpc>
+                      </a:pPr>
+                      <a:r>
+                        <a:rPr lang="ru-RU" sz="1200">
+                          <a:effectLst/>
+                        </a:rPr>
+                        <a:t>844,82</a:t>
+                      </a:r>
+                      <a:endParaRPr lang="ru-RU" sz="1200">
+                        <a:effectLst/>
+                        <a:latin typeface="Times New Roman" panose="02020603050405020304" pitchFamily="18" charset="0"/>
+                        <a:ea typeface="Times New Roman" panose="02020603050405020304" pitchFamily="18" charset="0"/>
+                        <a:cs typeface="Times New Roman" panose="02020603050405020304" pitchFamily="18" charset="0"/>
+                      </a:endParaRPr>
+                    </a:p>
+                  </a:txBody>
+                  <a:tcPr marL="68580" marR="68580" marT="0" marB="0">
+                    <a:lnL w="12700" cap="flat" cmpd="sng" algn="ctr">
+                      <a:solidFill>
+                        <a:schemeClr val="tx1"/>
+                      </a:solidFill>
+                      <a:prstDash val="solid"/>
+                      <a:round/>
+                      <a:headEnd type="none" w="med" len="med"/>
+                      <a:tailEnd type="none" w="med" len="med"/>
+                    </a:lnL>
+                    <a:lnR w="12700" cap="flat" cmpd="sng" algn="ctr">
+                      <a:solidFill>
+                        <a:schemeClr val="tx1"/>
+                      </a:solidFill>
+                      <a:prstDash val="solid"/>
+                      <a:round/>
+                      <a:headEnd type="none" w="med" len="med"/>
+                      <a:tailEnd type="none" w="med" len="med"/>
+                    </a:lnR>
+                    <a:lnT w="12700" cap="flat" cmpd="sng" algn="ctr">
+                      <a:solidFill>
+                        <a:schemeClr val="tx1"/>
+                      </a:solidFill>
+                      <a:prstDash val="solid"/>
+                      <a:round/>
+                      <a:headEnd type="none" w="med" len="med"/>
+                      <a:tailEnd type="none" w="med" len="med"/>
+                    </a:lnT>
+                    <a:lnB w="12700" cap="flat" cmpd="sng" algn="ctr">
+                      <a:solidFill>
+                        <a:schemeClr val="tx1"/>
+                      </a:solidFill>
+                      <a:prstDash val="solid"/>
+                      <a:round/>
+                      <a:headEnd type="none" w="med" len="med"/>
+                      <a:tailEnd type="none" w="med" len="med"/>
+                    </a:lnB>
+                    <a:lnTlToBr w="12700" cmpd="sng">
+                      <a:noFill/>
+                      <a:prstDash val="solid"/>
+                    </a:lnTlToBr>
+                    <a:lnBlToTr w="12700" cmpd="sng">
+                      <a:noFill/>
+                      <a:prstDash val="solid"/>
+                    </a:lnBlToTr>
+                    <a:noFill/>
+                  </a:tcPr>
+                </a:tc>
+                <a:extLst>
+                  <a:ext uri="{0D108BD9-81ED-4DB2-BD59-A6C34878D82A}">
+                    <a16:rowId xmlns:a16="http://schemas.microsoft.com/office/drawing/2014/main" val="3899964638"/>
+                  </a:ext>
+                </a:extLst>
+              </a:tr>
+              <a:tr h="366049">
+                <a:tc>
+                  <a:txBody>
+                    <a:bodyPr/>
+                    <a:lstStyle/>
+                    <a:p>
+                      <a:pPr indent="450215" algn="l">
+                        <a:lnSpc>
+                          <a:spcPct val="150000"/>
+                        </a:lnSpc>
+                      </a:pPr>
+                      <a:r>
+                        <a:rPr lang="ru-RU" sz="1200">
+                          <a:effectLst/>
+                        </a:rPr>
+                        <a:t>Итого</a:t>
+                      </a:r>
+                      <a:endParaRPr lang="ru-RU" sz="1200">
+                        <a:effectLst/>
+                        <a:latin typeface="Times New Roman" panose="02020603050405020304" pitchFamily="18" charset="0"/>
+                        <a:ea typeface="Times New Roman" panose="02020603050405020304" pitchFamily="18" charset="0"/>
+                        <a:cs typeface="Times New Roman" panose="02020603050405020304" pitchFamily="18" charset="0"/>
+                      </a:endParaRPr>
+                    </a:p>
+                  </a:txBody>
+                  <a:tcPr marL="68580" marR="68580" marT="0" marB="0" anchor="ctr">
+                    <a:lnL w="12700" cap="flat" cmpd="sng" algn="ctr">
+                      <a:solidFill>
+                        <a:schemeClr val="tx1"/>
+                      </a:solidFill>
+                      <a:prstDash val="solid"/>
+                      <a:round/>
+                      <a:headEnd type="none" w="med" len="med"/>
+                      <a:tailEnd type="none" w="med" len="med"/>
+                    </a:lnL>
+                    <a:lnR w="12700" cap="flat" cmpd="sng" algn="ctr">
+                      <a:solidFill>
+                        <a:schemeClr val="tx1"/>
+                      </a:solidFill>
+                      <a:prstDash val="solid"/>
+                      <a:round/>
+                      <a:headEnd type="none" w="med" len="med"/>
+                      <a:tailEnd type="none" w="med" len="med"/>
+                    </a:lnR>
+                    <a:lnT w="12700" cap="flat" cmpd="sng" algn="ctr">
+                      <a:solidFill>
+                        <a:schemeClr val="tx1"/>
+                      </a:solidFill>
+                      <a:prstDash val="solid"/>
+                      <a:round/>
+                      <a:headEnd type="none" w="med" len="med"/>
+                      <a:tailEnd type="none" w="med" len="med"/>
+                    </a:lnT>
+                    <a:lnB w="12700" cap="flat" cmpd="sng" algn="ctr">
+                      <a:solidFill>
+                        <a:schemeClr val="tx1"/>
+                      </a:solidFill>
+                      <a:prstDash val="solid"/>
+                      <a:round/>
+                      <a:headEnd type="none" w="med" len="med"/>
+                      <a:tailEnd type="none" w="med" len="med"/>
+                    </a:lnB>
+                    <a:lnTlToBr w="12700" cmpd="sng">
+                      <a:noFill/>
+                      <a:prstDash val="solid"/>
+                    </a:lnTlToBr>
+                    <a:lnBlToTr w="12700" cmpd="sng">
+                      <a:noFill/>
+                      <a:prstDash val="solid"/>
+                    </a:lnBlToTr>
+                    <a:noFill/>
+                  </a:tcPr>
+                </a:tc>
+                <a:tc>
+                  <a:txBody>
+                    <a:bodyPr/>
+                    <a:lstStyle/>
+                    <a:p>
+                      <a:pPr indent="450215" algn="l">
+                        <a:lnSpc>
+                          <a:spcPct val="150000"/>
+                        </a:lnSpc>
+                      </a:pPr>
+                      <a:r>
+                        <a:rPr lang="ru-RU" sz="1200" dirty="0">
+                          <a:effectLst/>
+                        </a:rPr>
+                        <a:t>13340,34</a:t>
+                      </a:r>
+                      <a:endParaRPr lang="ru-RU" sz="1200" dirty="0">
+                        <a:effectLst/>
+                        <a:latin typeface="Times New Roman" panose="02020603050405020304" pitchFamily="18" charset="0"/>
+                        <a:ea typeface="Times New Roman" panose="02020603050405020304" pitchFamily="18" charset="0"/>
+                        <a:cs typeface="Times New Roman" panose="02020603050405020304" pitchFamily="18" charset="0"/>
+                      </a:endParaRPr>
+                    </a:p>
+                  </a:txBody>
+                  <a:tcPr marL="68580" marR="68580" marT="0" marB="0">
+                    <a:lnL w="12700" cap="flat" cmpd="sng" algn="ctr">
+                      <a:solidFill>
+                        <a:schemeClr val="tx1"/>
+                      </a:solidFill>
+                      <a:prstDash val="solid"/>
+                      <a:round/>
+                      <a:headEnd type="none" w="med" len="med"/>
+                      <a:tailEnd type="none" w="med" len="med"/>
+                    </a:lnL>
+                    <a:lnR w="12700" cap="flat" cmpd="sng" algn="ctr">
+                      <a:solidFill>
+                        <a:schemeClr val="tx1"/>
+                      </a:solidFill>
+                      <a:prstDash val="solid"/>
+                      <a:round/>
+                      <a:headEnd type="none" w="med" len="med"/>
+                      <a:tailEnd type="none" w="med" len="med"/>
+                    </a:lnR>
+                    <a:lnT w="12700" cap="flat" cmpd="sng" algn="ctr">
+                      <a:solidFill>
+                        <a:schemeClr val="tx1"/>
+                      </a:solidFill>
+                      <a:prstDash val="solid"/>
+                      <a:round/>
+                      <a:headEnd type="none" w="med" len="med"/>
+                      <a:tailEnd type="none" w="med" len="med"/>
+                    </a:lnT>
+                    <a:lnB w="12700" cap="flat" cmpd="sng" algn="ctr">
+                      <a:solidFill>
+                        <a:schemeClr val="tx1"/>
+                      </a:solidFill>
+                      <a:prstDash val="solid"/>
+                      <a:round/>
+                      <a:headEnd type="none" w="med" len="med"/>
+                      <a:tailEnd type="none" w="med" len="med"/>
+                    </a:lnB>
+                    <a:lnTlToBr w="12700" cmpd="sng">
+                      <a:noFill/>
+                      <a:prstDash val="solid"/>
+                    </a:lnTlToBr>
+                    <a:lnBlToTr w="12700" cmpd="sng">
+                      <a:noFill/>
+                      <a:prstDash val="solid"/>
+                    </a:lnBlToTr>
+                    <a:noFill/>
+                  </a:tcPr>
+                </a:tc>
+                <a:extLst>
+                  <a:ext uri="{0D108BD9-81ED-4DB2-BD59-A6C34878D82A}">
+                    <a16:rowId xmlns:a16="http://schemas.microsoft.com/office/drawing/2014/main" val="4161271214"/>
+                  </a:ext>
+                </a:extLst>
+              </a:tr>
+            </a:tbl>
+          </a:graphicData>
+        </a:graphic>
+      </p:graphicFrame>
+      <p:sp>
+        <p:nvSpPr>
+          <p:cNvPr id="6" name="TextBox 5">
+            <a:hlinkClick r:id="rId2" action="ppaction://hlinksldjump"/>
+            <a:extLst>
+              <a:ext uri="{FF2B5EF4-FFF2-40B4-BE49-F238E27FC236}">
+                <a16:creationId xmlns:a16="http://schemas.microsoft.com/office/drawing/2014/main" id="{4FC93EB7-0FE1-A4F1-4434-0569E3C2596C}"/>
+              </a:ext>
+            </a:extLst>
+          </p:cNvPr>
+          <p:cNvSpPr txBox="1"/>
+          <p:nvPr/>
+        </p:nvSpPr>
+        <p:spPr>
+          <a:xfrm>
+            <a:off x="8152745" y="298888"/>
+            <a:ext cx="636713" cy="307777"/>
+          </a:xfrm>
+          <a:prstGeom prst="rect">
+            <a:avLst/>
+          </a:prstGeom>
+          <a:noFill/>
+        </p:spPr>
+        <p:txBody>
+          <a:bodyPr wrap="none" rtlCol="0">
+            <a:spAutoFit/>
+          </a:bodyPr>
+          <a:lstStyle/>
+          <a:p>
+            <a:r>
+              <a:rPr lang="ru-RU" sz="1400" dirty="0">
+                <a:latin typeface="Times New Roman" panose="02020603050405020304" pitchFamily="18" charset="0"/>
+                <a:cs typeface="Times New Roman" panose="02020603050405020304" pitchFamily="18" charset="0"/>
+                <a:hlinkClick r:id="rId3" action="ppaction://hlinksldjump"/>
+              </a:rPr>
+              <a:t>Назад</a:t>
+            </a:r>
+            <a:endParaRPr lang="ru-RU" sz="1400" dirty="0">
+              <a:latin typeface="Times New Roman" panose="02020603050405020304" pitchFamily="18" charset="0"/>
+              <a:cs typeface="Times New Roman" panose="02020603050405020304" pitchFamily="18" charset="0"/>
+            </a:endParaRPr>
+          </a:p>
+        </p:txBody>
+      </p:sp>
+    </p:spTree>
+    <p:extLst>
+      <p:ext uri="{BB962C8B-B14F-4D97-AF65-F5344CB8AC3E}">
+        <p14:creationId xmlns:p14="http://schemas.microsoft.com/office/powerpoint/2010/main" val="2592537753"/>
+      </p:ext>
+    </p:extLst>
+  </p:cSld>
+  <p:clrMapOvr>
+    <a:masterClrMapping/>
+  </p:clrMapOvr>
+  <mc:AlternateContent xmlns:mc="http://schemas.openxmlformats.org/markup-compatibility/2006" xmlns:p14="http://schemas.microsoft.com/office/powerpoint/2010/main">
+    <mc:Choice Requires="p14">
+      <p:transition p14:dur="0"/>
+    </mc:Choice>
+    <mc:Fallback xmlns="">
+      <p:transition/>
+    </mc:Fallback>
+  </mc:AlternateContent>
+</p:sld>
+</file>
+
+<file path=ppt/slides/slide18.xml><?xml version="1.0" encoding="utf-8"?>
+<p:sld xmlns:a="http://schemas.openxmlformats.org/drawingml/2006/main" xmlns:r="http://schemas.openxmlformats.org/officeDocument/2006/relationships" xmlns:p="http://schemas.openxmlformats.org/presentationml/2006/main">
+  <p:cSld>
+    <p:spTree>
+      <p:nvGrpSpPr>
+        <p:cNvPr id="1" name=""/>
+        <p:cNvGrpSpPr/>
+        <p:nvPr/>
+      </p:nvGrpSpPr>
+      <p:grpSpPr>
+        <a:xfrm>
+          <a:off x="0" y="0"/>
+          <a:ext cx="0" cy="0"/>
+          <a:chOff x="0" y="0"/>
+          <a:chExt cx="0" cy="0"/>
+        </a:xfrm>
+      </p:grpSpPr>
+      <p:sp>
+        <p:nvSpPr>
+          <p:cNvPr id="12" name="Содержимое 2"/>
+          <p:cNvSpPr txBox="1">
+            <a:spLocks/>
+          </p:cNvSpPr>
+          <p:nvPr/>
+        </p:nvSpPr>
+        <p:spPr>
+          <a:xfrm>
+            <a:off x="742425" y="678407"/>
+            <a:ext cx="7659150" cy="5711824"/>
+          </a:xfrm>
+          <a:prstGeom prst="rect">
+            <a:avLst/>
+          </a:prstGeom>
+        </p:spPr>
+        <p:txBody>
+          <a:bodyPr>
+            <a:noAutofit/>
+            <a:scene3d>
+              <a:camera prst="orthographicFront"/>
+              <a:lightRig rig="threePt" dir="t"/>
+            </a:scene3d>
+            <a:sp3d extrusionH="57150">
+              <a:bevelT w="38100" h="38100" prst="relaxedInset"/>
+            </a:sp3d>
+          </a:bodyPr>
+          <a:lstStyle/>
+          <a:p>
+            <a:pPr lvl="0" indent="444500" algn="just" fontAlgn="base">
+              <a:lnSpc>
+                <a:spcPct val="150000"/>
+              </a:lnSpc>
+              <a:buFont typeface="+mj-lt"/>
+              <a:buAutoNum type="arabicPeriod"/>
+            </a:pPr>
+            <a:r>
+              <a:rPr lang="ru-RU" sz="1100" dirty="0">
+                <a:solidFill>
+                  <a:srgbClr val="000000"/>
+                </a:solidFill>
+                <a:effectLst/>
+                <a:latin typeface="Times New Roman" panose="02020603050405020304" pitchFamily="18" charset="0"/>
+                <a:ea typeface="Times New Roman" panose="02020603050405020304" pitchFamily="18" charset="0"/>
+              </a:rPr>
+              <a:t>ГОСТ Р 2.105-2019 – национальный стандарт Российской Федерации. Единая система конструкторской документации. Общие требования к текстовым документам.</a:t>
+            </a:r>
+          </a:p>
+          <a:p>
+            <a:pPr lvl="0" indent="444500" algn="just" fontAlgn="base">
+              <a:lnSpc>
+                <a:spcPct val="150000"/>
+              </a:lnSpc>
+              <a:buFont typeface="+mj-lt"/>
+              <a:buAutoNum type="arabicPeriod"/>
+            </a:pPr>
+            <a:r>
+              <a:rPr lang="ru-RU" sz="1100" dirty="0">
+                <a:solidFill>
+                  <a:srgbClr val="000000"/>
+                </a:solidFill>
+                <a:effectLst/>
+                <a:latin typeface="Times New Roman" panose="02020603050405020304" pitchFamily="18" charset="0"/>
+                <a:ea typeface="Times New Roman" panose="02020603050405020304" pitchFamily="18" charset="0"/>
+              </a:rPr>
+              <a:t>ГОСТ Р 7.0.100-2018 – Библиографическая запись. Библиографическое описание. Общие требования и правила составления.</a:t>
+            </a:r>
+          </a:p>
+          <a:p>
+            <a:pPr lvl="0" indent="444500" algn="just" fontAlgn="base">
+              <a:lnSpc>
+                <a:spcPct val="150000"/>
+              </a:lnSpc>
+              <a:buFont typeface="+mj-lt"/>
+              <a:buAutoNum type="arabicPeriod"/>
+            </a:pPr>
+            <a:r>
+              <a:rPr lang="ru-RU" sz="1100" dirty="0">
+                <a:solidFill>
+                  <a:srgbClr val="000000"/>
+                </a:solidFill>
+                <a:effectLst/>
+                <a:latin typeface="Times New Roman" panose="02020603050405020304" pitchFamily="18" charset="0"/>
+                <a:ea typeface="Times New Roman" panose="02020603050405020304" pitchFamily="18" charset="0"/>
+              </a:rPr>
+              <a:t>ГОСТ 7.32-2017 – система стандартов по информации, библиотечному и издательскому делу. Отчет о научно-исследовательской работе. Структура и правила оформления.</a:t>
+            </a:r>
+          </a:p>
+          <a:p>
+            <a:pPr lvl="0" indent="444500" algn="just" fontAlgn="base">
+              <a:lnSpc>
+                <a:spcPct val="150000"/>
+              </a:lnSpc>
+              <a:buFont typeface="+mj-lt"/>
+              <a:buAutoNum type="arabicPeriod"/>
+            </a:pPr>
+            <a:r>
+              <a:rPr lang="ru-RU" sz="1100" dirty="0">
+                <a:solidFill>
+                  <a:srgbClr val="000000"/>
+                </a:solidFill>
+                <a:effectLst/>
+                <a:latin typeface="Times New Roman" panose="02020603050405020304" pitchFamily="18" charset="0"/>
+                <a:ea typeface="Times New Roman" panose="02020603050405020304" pitchFamily="18" charset="0"/>
+              </a:rPr>
+              <a:t>Бен</a:t>
+            </a:r>
+            <a:r>
+              <a:rPr lang="en-US" sz="1100" dirty="0">
+                <a:solidFill>
+                  <a:srgbClr val="000000"/>
+                </a:solidFill>
+                <a:effectLst/>
+                <a:latin typeface="Times New Roman" panose="02020603050405020304" pitchFamily="18" charset="0"/>
+                <a:ea typeface="Times New Roman" panose="02020603050405020304" pitchFamily="18" charset="0"/>
+              </a:rPr>
+              <a:t>-</a:t>
+            </a:r>
+            <a:r>
+              <a:rPr lang="ru-RU" sz="1100" dirty="0">
+                <a:solidFill>
+                  <a:srgbClr val="000000"/>
+                </a:solidFill>
+                <a:effectLst/>
+                <a:latin typeface="Times New Roman" panose="02020603050405020304" pitchFamily="18" charset="0"/>
+                <a:ea typeface="Times New Roman" panose="02020603050405020304" pitchFamily="18" charset="0"/>
+              </a:rPr>
+              <a:t>Ган</a:t>
+            </a:r>
+            <a:r>
+              <a:rPr lang="en-US" sz="1100" dirty="0">
+                <a:solidFill>
+                  <a:srgbClr val="000000"/>
+                </a:solidFill>
+                <a:effectLst/>
+                <a:latin typeface="Times New Roman" panose="02020603050405020304" pitchFamily="18" charset="0"/>
+                <a:ea typeface="Times New Roman" panose="02020603050405020304" pitchFamily="18" charset="0"/>
+              </a:rPr>
+              <a:t>, </a:t>
+            </a:r>
+            <a:r>
+              <a:rPr lang="ru-RU" sz="1100" dirty="0">
+                <a:solidFill>
+                  <a:srgbClr val="000000"/>
+                </a:solidFill>
+                <a:effectLst/>
+                <a:latin typeface="Times New Roman" panose="02020603050405020304" pitchFamily="18" charset="0"/>
+                <a:ea typeface="Times New Roman" panose="02020603050405020304" pitchFamily="18" charset="0"/>
+              </a:rPr>
+              <a:t>Ицик</a:t>
+            </a:r>
+            <a:r>
+              <a:rPr lang="en-US" sz="1100" dirty="0">
+                <a:solidFill>
+                  <a:srgbClr val="000000"/>
+                </a:solidFill>
+                <a:effectLst/>
+                <a:latin typeface="Times New Roman" panose="02020603050405020304" pitchFamily="18" charset="0"/>
+                <a:ea typeface="Times New Roman" panose="02020603050405020304" pitchFamily="18" charset="0"/>
+              </a:rPr>
+              <a:t> Microsoft SQL Server 2012. </a:t>
+            </a:r>
+            <a:r>
+              <a:rPr lang="ru-RU" sz="1100" dirty="0">
+                <a:solidFill>
+                  <a:srgbClr val="000000"/>
+                </a:solidFill>
+                <a:effectLst/>
+                <a:latin typeface="Times New Roman" panose="02020603050405020304" pitchFamily="18" charset="0"/>
+                <a:ea typeface="Times New Roman" panose="02020603050405020304" pitchFamily="18" charset="0"/>
+              </a:rPr>
+              <a:t>Создание запросов. Учебный курс Microsoft (+ CD-ROM) / Ицик Бен-Ган , Деян Сарка , Рон Талмейдж. - Москва: Машиностроение, 2022. - 720 c.</a:t>
+            </a:r>
+          </a:p>
+          <a:p>
+            <a:pPr lvl="0" indent="444500" algn="just" fontAlgn="base">
+              <a:lnSpc>
+                <a:spcPct val="150000"/>
+              </a:lnSpc>
+              <a:buFont typeface="+mj-lt"/>
+              <a:buAutoNum type="arabicPeriod"/>
+            </a:pPr>
+            <a:r>
+              <a:rPr lang="ru-RU" sz="1100" dirty="0">
+                <a:solidFill>
+                  <a:srgbClr val="000000"/>
+                </a:solidFill>
+                <a:effectLst/>
+                <a:latin typeface="Times New Roman" panose="02020603050405020304" pitchFamily="18" charset="0"/>
+                <a:ea typeface="Times New Roman" panose="02020603050405020304" pitchFamily="18" charset="0"/>
+              </a:rPr>
+              <a:t>Гончарова А.Г., Леонтьева Т.В. Основные проблемы при разработке графической составляющей мобильного приложения</a:t>
+            </a:r>
+          </a:p>
+          <a:p>
+            <a:pPr lvl="0" indent="444500" algn="just">
+              <a:lnSpc>
+                <a:spcPct val="150000"/>
+              </a:lnSpc>
+              <a:buFont typeface="+mj-lt"/>
+              <a:buAutoNum type="arabicPeriod"/>
+            </a:pPr>
+            <a:r>
+              <a:rPr lang="ru-RU" sz="1100" dirty="0">
+                <a:solidFill>
+                  <a:srgbClr val="000000"/>
+                </a:solidFill>
+                <a:effectLst/>
+                <a:latin typeface="Times New Roman" panose="02020603050405020304" pitchFamily="18" charset="0"/>
+                <a:ea typeface="Times New Roman" panose="02020603050405020304" pitchFamily="18" charset="0"/>
+              </a:rPr>
+              <a:t>Никифоров, И. В. Курсовое проектирование по учебной дисциплине "Наука о данных и аналитика больших объемов информации": Учебное пособие / И. В. Никифоров. – Санкт-Петербург: Федеральное государственное автономное образовательное учреждение высшего образования "Санкт-Петербургский политехнический университет Петра Великого", 2017. – 62 с. – ISBN 978-5-7422-5638-0</a:t>
+            </a:r>
+          </a:p>
+          <a:p>
+            <a:pPr lvl="0" indent="444500" algn="just">
+              <a:lnSpc>
+                <a:spcPct val="150000"/>
+              </a:lnSpc>
+              <a:buFont typeface="+mj-lt"/>
+              <a:buAutoNum type="arabicPeriod"/>
+            </a:pPr>
+            <a:r>
+              <a:rPr lang="ru-RU" sz="1100" dirty="0">
+                <a:solidFill>
+                  <a:srgbClr val="000000"/>
+                </a:solidFill>
+                <a:effectLst/>
+                <a:latin typeface="Times New Roman" panose="02020603050405020304" pitchFamily="18" charset="0"/>
+                <a:ea typeface="Times New Roman" panose="02020603050405020304" pitchFamily="18" charset="0"/>
+              </a:rPr>
+              <a:t>Ицик</a:t>
+            </a:r>
+            <a:r>
+              <a:rPr lang="en-US" sz="1100" dirty="0">
+                <a:solidFill>
+                  <a:srgbClr val="000000"/>
+                </a:solidFill>
+                <a:effectLst/>
+                <a:latin typeface="Times New Roman" panose="02020603050405020304" pitchFamily="18" charset="0"/>
+                <a:ea typeface="Times New Roman" panose="02020603050405020304" pitchFamily="18" charset="0"/>
+              </a:rPr>
+              <a:t>, </a:t>
+            </a:r>
+            <a:r>
+              <a:rPr lang="ru-RU" sz="1100" dirty="0">
+                <a:solidFill>
+                  <a:srgbClr val="000000"/>
+                </a:solidFill>
+                <a:effectLst/>
+                <a:latin typeface="Times New Roman" panose="02020603050405020304" pitchFamily="18" charset="0"/>
+                <a:ea typeface="Times New Roman" panose="02020603050405020304" pitchFamily="18" charset="0"/>
+              </a:rPr>
+              <a:t>Бен</a:t>
+            </a:r>
+            <a:r>
+              <a:rPr lang="en-US" sz="1100" dirty="0">
+                <a:solidFill>
+                  <a:srgbClr val="000000"/>
+                </a:solidFill>
+                <a:effectLst/>
+                <a:latin typeface="Times New Roman" panose="02020603050405020304" pitchFamily="18" charset="0"/>
+                <a:ea typeface="Times New Roman" panose="02020603050405020304" pitchFamily="18" charset="0"/>
+              </a:rPr>
+              <a:t>-</a:t>
+            </a:r>
+            <a:r>
+              <a:rPr lang="ru-RU" sz="1100" dirty="0">
+                <a:solidFill>
+                  <a:srgbClr val="000000"/>
+                </a:solidFill>
+                <a:effectLst/>
+                <a:latin typeface="Times New Roman" panose="02020603050405020304" pitchFamily="18" charset="0"/>
+                <a:ea typeface="Times New Roman" panose="02020603050405020304" pitchFamily="18" charset="0"/>
+              </a:rPr>
+              <a:t>Ган</a:t>
+            </a:r>
+            <a:r>
+              <a:rPr lang="en-US" sz="1100" dirty="0">
+                <a:solidFill>
+                  <a:srgbClr val="000000"/>
+                </a:solidFill>
+                <a:effectLst/>
+                <a:latin typeface="Times New Roman" panose="02020603050405020304" pitchFamily="18" charset="0"/>
+                <a:ea typeface="Times New Roman" panose="02020603050405020304" pitchFamily="18" charset="0"/>
+              </a:rPr>
+              <a:t> Microsoft SQL Server 2012. </a:t>
+            </a:r>
+            <a:r>
+              <a:rPr lang="ru-RU" sz="1100" dirty="0">
+                <a:solidFill>
+                  <a:srgbClr val="000000"/>
+                </a:solidFill>
+                <a:effectLst/>
+                <a:latin typeface="Times New Roman" panose="02020603050405020304" pitchFamily="18" charset="0"/>
+                <a:ea typeface="Times New Roman" panose="02020603050405020304" pitchFamily="18" charset="0"/>
+              </a:rPr>
+              <a:t>Высокопроизводительный код T-SQL. Оконные функции / Бен-Ган Ицик. - М.: Русская Редакция, 2022. - 788 c.</a:t>
+            </a:r>
+          </a:p>
+          <a:p>
+            <a:pPr lvl="0" indent="444500" algn="just">
+              <a:lnSpc>
+                <a:spcPct val="150000"/>
+              </a:lnSpc>
+              <a:buFont typeface="+mj-lt"/>
+              <a:buAutoNum type="arabicPeriod"/>
+            </a:pPr>
+            <a:r>
+              <a:rPr lang="ru-RU" sz="1100" dirty="0">
+                <a:solidFill>
+                  <a:srgbClr val="000000"/>
+                </a:solidFill>
+                <a:effectLst/>
+                <a:latin typeface="Times New Roman" panose="02020603050405020304" pitchFamily="18" charset="0"/>
+                <a:ea typeface="Times New Roman" panose="02020603050405020304" pitchFamily="18" charset="0"/>
+              </a:rPr>
+              <a:t>Скрипчук А.В., Воинов Н.В., Каплан Е.В. Клиент-серверное приложение для управления паролями</a:t>
+            </a:r>
+          </a:p>
+          <a:p>
+            <a:pPr lvl="0" indent="444500" algn="just">
+              <a:lnSpc>
+                <a:spcPct val="150000"/>
+              </a:lnSpc>
+              <a:buFont typeface="+mj-lt"/>
+              <a:buAutoNum type="arabicPeriod"/>
+            </a:pPr>
+            <a:r>
+              <a:rPr lang="en-US" sz="1100" dirty="0">
+                <a:solidFill>
+                  <a:srgbClr val="000000"/>
+                </a:solidFill>
+                <a:effectLst/>
+                <a:latin typeface="Times New Roman" panose="02020603050405020304" pitchFamily="18" charset="0"/>
+                <a:ea typeface="Times New Roman" panose="02020603050405020304" pitchFamily="18" charset="0"/>
+              </a:rPr>
+              <a:t>developer.android.com – </a:t>
+            </a:r>
+            <a:r>
+              <a:rPr lang="ru-RU" sz="1100" dirty="0">
+                <a:solidFill>
+                  <a:srgbClr val="000000"/>
+                </a:solidFill>
+                <a:effectLst/>
+                <a:latin typeface="Times New Roman" panose="02020603050405020304" pitchFamily="18" charset="0"/>
+                <a:ea typeface="Times New Roman" panose="02020603050405020304" pitchFamily="18" charset="0"/>
+              </a:rPr>
+              <a:t>руководство по </a:t>
+            </a:r>
+            <a:r>
+              <a:rPr lang="en-US" sz="1100" dirty="0">
+                <a:solidFill>
+                  <a:srgbClr val="000000"/>
+                </a:solidFill>
+                <a:effectLst/>
+                <a:latin typeface="Times New Roman" panose="02020603050405020304" pitchFamily="18" charset="0"/>
+                <a:ea typeface="Times New Roman" panose="02020603050405020304" pitchFamily="18" charset="0"/>
+              </a:rPr>
+              <a:t>Android Studio</a:t>
+            </a:r>
+            <a:endParaRPr lang="ru-RU" sz="1100" dirty="0">
+              <a:solidFill>
+                <a:srgbClr val="000000"/>
+              </a:solidFill>
+              <a:effectLst/>
+              <a:latin typeface="Times New Roman" panose="02020603050405020304" pitchFamily="18" charset="0"/>
+              <a:ea typeface="Times New Roman" panose="02020603050405020304" pitchFamily="18" charset="0"/>
+            </a:endParaRPr>
+          </a:p>
+          <a:p>
+            <a:pPr lvl="0" indent="444500" algn="just">
+              <a:lnSpc>
+                <a:spcPct val="150000"/>
+              </a:lnSpc>
+              <a:buFont typeface="+mj-lt"/>
+              <a:buAutoNum type="arabicPeriod"/>
+            </a:pPr>
+            <a:r>
+              <a:rPr lang="ru-RU" sz="1100" dirty="0">
+                <a:solidFill>
+                  <a:srgbClr val="000000"/>
+                </a:solidFill>
+                <a:effectLst/>
+                <a:latin typeface="Times New Roman" panose="02020603050405020304" pitchFamily="18" charset="0"/>
+                <a:ea typeface="Times New Roman" panose="02020603050405020304" pitchFamily="18" charset="0"/>
+              </a:rPr>
+              <a:t>habr.com</a:t>
+            </a:r>
+            <a:r>
+              <a:rPr lang="en-US" sz="1100" dirty="0">
+                <a:solidFill>
+                  <a:srgbClr val="000000"/>
+                </a:solidFill>
+                <a:effectLst/>
+                <a:latin typeface="Times New Roman" panose="02020603050405020304" pitchFamily="18" charset="0"/>
+                <a:ea typeface="Times New Roman" panose="02020603050405020304" pitchFamily="18" charset="0"/>
+              </a:rPr>
+              <a:t> – </a:t>
+            </a:r>
+            <a:r>
+              <a:rPr lang="ru-RU" sz="1100" dirty="0">
+                <a:solidFill>
+                  <a:srgbClr val="000000"/>
+                </a:solidFill>
+                <a:effectLst/>
+                <a:latin typeface="Times New Roman" panose="02020603050405020304" pitchFamily="18" charset="0"/>
+                <a:ea typeface="Times New Roman" panose="02020603050405020304" pitchFamily="18" charset="0"/>
+              </a:rPr>
+              <a:t>хабр</a:t>
+            </a:r>
+          </a:p>
+          <a:p>
+            <a:pPr lvl="0" indent="444500" algn="just">
+              <a:lnSpc>
+                <a:spcPct val="150000"/>
+              </a:lnSpc>
+              <a:buFont typeface="+mj-lt"/>
+              <a:buAutoNum type="arabicPeriod"/>
+            </a:pPr>
+            <a:r>
+              <a:rPr lang="ru-RU" sz="1100" dirty="0">
+                <a:solidFill>
+                  <a:srgbClr val="000000"/>
+                </a:solidFill>
+                <a:effectLst/>
+                <a:latin typeface="Times New Roman" panose="02020603050405020304" pitchFamily="18" charset="0"/>
+                <a:ea typeface="Times New Roman" panose="02020603050405020304" pitchFamily="18" charset="0"/>
+              </a:rPr>
+              <a:t>learn.microsoft.com – сайт описания продуктов </a:t>
+            </a:r>
+            <a:r>
+              <a:rPr lang="en-US" sz="1100" dirty="0">
+                <a:solidFill>
+                  <a:srgbClr val="000000"/>
+                </a:solidFill>
+                <a:effectLst/>
+                <a:latin typeface="Times New Roman" panose="02020603050405020304" pitchFamily="18" charset="0"/>
+                <a:ea typeface="Times New Roman" panose="02020603050405020304" pitchFamily="18" charset="0"/>
+              </a:rPr>
+              <a:t>Microsoft</a:t>
+            </a:r>
+            <a:endParaRPr lang="ru-RU" sz="1100" dirty="0">
+              <a:solidFill>
+                <a:srgbClr val="000000"/>
+              </a:solidFill>
+              <a:effectLst/>
+              <a:latin typeface="Times New Roman" panose="02020603050405020304" pitchFamily="18" charset="0"/>
+              <a:ea typeface="Times New Roman" panose="02020603050405020304" pitchFamily="18" charset="0"/>
+            </a:endParaRPr>
+          </a:p>
+          <a:p>
+            <a:pPr lvl="0" indent="444500" algn="just">
+              <a:lnSpc>
+                <a:spcPct val="150000"/>
+              </a:lnSpc>
+              <a:spcAft>
+                <a:spcPts val="70"/>
+              </a:spcAft>
+              <a:buFont typeface="+mj-lt"/>
+              <a:buAutoNum type="arabicPeriod"/>
+            </a:pPr>
+            <a:r>
+              <a:rPr lang="ru-RU" sz="1100" dirty="0">
+                <a:solidFill>
+                  <a:srgbClr val="000000"/>
+                </a:solidFill>
+                <a:effectLst/>
+                <a:latin typeface="Times New Roman" panose="02020603050405020304" pitchFamily="18" charset="0"/>
+                <a:ea typeface="Times New Roman" panose="02020603050405020304" pitchFamily="18" charset="0"/>
+              </a:rPr>
+              <a:t>metanit.com</a:t>
+            </a:r>
+            <a:r>
+              <a:rPr lang="en-US" sz="1100" dirty="0">
+                <a:solidFill>
+                  <a:srgbClr val="000000"/>
+                </a:solidFill>
+                <a:effectLst/>
+                <a:latin typeface="Times New Roman" panose="02020603050405020304" pitchFamily="18" charset="0"/>
+                <a:ea typeface="Times New Roman" panose="02020603050405020304" pitchFamily="18" charset="0"/>
+              </a:rPr>
+              <a:t> – </a:t>
+            </a:r>
+            <a:r>
+              <a:rPr lang="ru-RU" sz="1100" dirty="0">
+                <a:solidFill>
+                  <a:srgbClr val="000000"/>
+                </a:solidFill>
+                <a:effectLst/>
+                <a:latin typeface="Times New Roman" panose="02020603050405020304" pitchFamily="18" charset="0"/>
+                <a:ea typeface="Times New Roman" panose="02020603050405020304" pitchFamily="18" charset="0"/>
+              </a:rPr>
+              <a:t>метанит</a:t>
+            </a:r>
+          </a:p>
+          <a:p>
+            <a:pPr lvl="0" indent="444500" algn="just">
+              <a:lnSpc>
+                <a:spcPct val="150000"/>
+              </a:lnSpc>
+              <a:spcAft>
+                <a:spcPts val="70"/>
+              </a:spcAft>
+              <a:buFont typeface="+mj-lt"/>
+              <a:buAutoNum type="arabicPeriod"/>
+            </a:pPr>
+            <a:r>
+              <a:rPr lang="ru-RU" sz="1100" dirty="0">
+                <a:solidFill>
+                  <a:srgbClr val="000000"/>
+                </a:solidFill>
+                <a:effectLst/>
+                <a:latin typeface="Times New Roman" panose="02020603050405020304" pitchFamily="18" charset="0"/>
+                <a:ea typeface="Times New Roman" panose="02020603050405020304" pitchFamily="18" charset="0"/>
+              </a:rPr>
+              <a:t>ru.wikipedia.org – википедия</a:t>
+            </a:r>
+            <a:endParaRPr lang="ru-RU" sz="1100" dirty="0">
+              <a:latin typeface="Times New Roman" pitchFamily="18" charset="0"/>
+              <a:cs typeface="Times New Roman" pitchFamily="18" charset="0"/>
+            </a:endParaRPr>
+          </a:p>
+        </p:txBody>
+      </p:sp>
+      <p:sp>
+        <p:nvSpPr>
+          <p:cNvPr id="4" name="Прямоугольник 3"/>
+          <p:cNvSpPr/>
+          <p:nvPr/>
+        </p:nvSpPr>
+        <p:spPr>
+          <a:xfrm>
+            <a:off x="533400" y="142876"/>
+            <a:ext cx="8077200" cy="535531"/>
+          </a:xfrm>
+          <a:prstGeom prst="rect">
+            <a:avLst/>
+          </a:prstGeom>
+        </p:spPr>
+        <p:txBody>
+          <a:bodyPr wrap="square">
+            <a:spAutoFit/>
+          </a:bodyPr>
+          <a:lstStyle/>
+          <a:p>
+            <a:pPr marL="342900" indent="-342900" algn="ctr" fontAlgn="auto">
+              <a:lnSpc>
+                <a:spcPct val="80000"/>
+              </a:lnSpc>
+              <a:spcBef>
+                <a:spcPct val="20000"/>
+              </a:spcBef>
+              <a:spcAft>
+                <a:spcPts val="0"/>
+              </a:spcAft>
+              <a:buClr>
+                <a:schemeClr val="accent1">
+                  <a:shade val="75000"/>
+                </a:schemeClr>
+              </a:buClr>
+              <a:buSzPct val="55000"/>
+              <a:defRPr/>
+            </a:pPr>
+            <a:r>
+              <a:rPr kumimoji="1" lang="ru-RU" sz="3600" b="1" dirty="0">
+                <a:latin typeface="Times New Roman" pitchFamily="18" charset="0"/>
+                <a:cs typeface="Times New Roman" pitchFamily="18" charset="0"/>
+              </a:rPr>
+              <a:t>Список использованной литературы</a:t>
+            </a:r>
+          </a:p>
+        </p:txBody>
+      </p:sp>
+      <p:sp>
+        <p:nvSpPr>
+          <p:cNvPr id="2" name="TextBox 1">
+            <a:hlinkClick r:id="rId2" action="ppaction://hlinksldjump"/>
+            <a:extLst>
+              <a:ext uri="{FF2B5EF4-FFF2-40B4-BE49-F238E27FC236}">
+                <a16:creationId xmlns:a16="http://schemas.microsoft.com/office/drawing/2014/main" id="{0B3321C2-5A78-8E91-42E5-640D94E6D828}"/>
+              </a:ext>
+            </a:extLst>
+          </p:cNvPr>
+          <p:cNvSpPr txBox="1"/>
+          <p:nvPr/>
+        </p:nvSpPr>
+        <p:spPr>
+          <a:xfrm>
+            <a:off x="8166059" y="524518"/>
+            <a:ext cx="636713" cy="307777"/>
+          </a:xfrm>
+          <a:prstGeom prst="rect">
+            <a:avLst/>
+          </a:prstGeom>
+          <a:noFill/>
+        </p:spPr>
+        <p:txBody>
+          <a:bodyPr wrap="none" rtlCol="0">
+            <a:spAutoFit/>
+          </a:bodyPr>
+          <a:lstStyle/>
+          <a:p>
+            <a:r>
+              <a:rPr lang="ru-RU" sz="1400" dirty="0">
+                <a:latin typeface="Times New Roman" panose="02020603050405020304" pitchFamily="18" charset="0"/>
+                <a:cs typeface="Times New Roman" panose="02020603050405020304" pitchFamily="18" charset="0"/>
+                <a:hlinkClick r:id="rId3" action="ppaction://hlinksldjump"/>
+              </a:rPr>
+              <a:t>Назад</a:t>
+            </a:r>
+            <a:endParaRPr lang="ru-RU" sz="1400" dirty="0">
+              <a:latin typeface="Times New Roman" panose="02020603050405020304" pitchFamily="18" charset="0"/>
+              <a:cs typeface="Times New Roman" panose="02020603050405020304" pitchFamily="18" charset="0"/>
+            </a:endParaRPr>
+          </a:p>
+        </p:txBody>
+      </p:sp>
+    </p:spTree>
+    <p:extLst>
+      <p:ext uri="{BB962C8B-B14F-4D97-AF65-F5344CB8AC3E}">
+        <p14:creationId xmlns:p14="http://schemas.microsoft.com/office/powerpoint/2010/main" val="3259916622"/>
+      </p:ext>
+    </p:extLst>
+  </p:cSld>
+  <p:clrMapOvr>
+    <a:masterClrMapping/>
+  </p:clrMapOvr>
+  <mc:AlternateContent xmlns:mc="http://schemas.openxmlformats.org/markup-compatibility/2006" xmlns:p14="http://schemas.microsoft.com/office/powerpoint/2010/main">
+    <mc:Choice Requires="p14">
+      <p:transition p14:dur="0"/>
+    </mc:Choice>
+    <mc:Fallback xmlns="">
+      <p:transition/>
+    </mc:Fallback>
+  </mc:AlternateContent>
+</p:sld>
+</file>
+
+<file path=ppt/slides/slide19.xml><?xml version="1.0" encoding="utf-8"?>
+<p:sld xmlns:a="http://schemas.openxmlformats.org/drawingml/2006/main" xmlns:r="http://schemas.openxmlformats.org/officeDocument/2006/relationships" xmlns:p="http://schemas.openxmlformats.org/presentationml/2006/main">
+  <p:cSld>
+    <p:spTree>
+      <p:nvGrpSpPr>
+        <p:cNvPr id="1" name=""/>
+        <p:cNvGrpSpPr/>
+        <p:nvPr/>
+      </p:nvGrpSpPr>
+      <p:grpSpPr>
+        <a:xfrm>
+          <a:off x="0" y="0"/>
+          <a:ext cx="0" cy="0"/>
+          <a:chOff x="0" y="0"/>
+          <a:chExt cx="0" cy="0"/>
+        </a:xfrm>
+      </p:grpSpPr>
+      <p:sp>
+        <p:nvSpPr>
+          <p:cNvPr id="12" name="Содержимое 2"/>
+          <p:cNvSpPr txBox="1">
+            <a:spLocks/>
+          </p:cNvSpPr>
+          <p:nvPr/>
+        </p:nvSpPr>
+        <p:spPr>
+          <a:xfrm>
+            <a:off x="763398" y="1003300"/>
+            <a:ext cx="7625593" cy="5711824"/>
+          </a:xfrm>
+          <a:prstGeom prst="rect">
+            <a:avLst/>
+          </a:prstGeom>
+        </p:spPr>
+        <p:txBody>
+          <a:bodyPr>
+            <a:noAutofit/>
+            <a:scene3d>
+              <a:camera prst="orthographicFront"/>
+              <a:lightRig rig="threePt" dir="t"/>
+            </a:scene3d>
+            <a:sp3d extrusionH="57150">
+              <a:bevelT w="38100" h="38100" prst="relaxedInset"/>
+            </a:sp3d>
+          </a:bodyPr>
+          <a:lstStyle/>
+          <a:p>
+            <a:pPr indent="449263" algn="just">
+              <a:lnSpc>
+                <a:spcPct val="150000"/>
+              </a:lnSpc>
+            </a:pPr>
+            <a:r>
+              <a:rPr lang="ru-RU" sz="1200" dirty="0">
+                <a:solidFill>
+                  <a:srgbClr val="000000"/>
+                </a:solidFill>
+                <a:effectLst/>
+                <a:latin typeface="Times New Roman" panose="02020603050405020304" pitchFamily="18" charset="0"/>
+                <a:ea typeface="Times New Roman" panose="02020603050405020304" pitchFamily="18" charset="0"/>
+              </a:rPr>
+              <a:t>ПМ. 01 «Разработка программных модулей программного обеспечения для компьютерных сетей»:</a:t>
+            </a:r>
+            <a:endParaRPr lang="ru-RU" sz="1200" dirty="0">
+              <a:effectLst/>
+              <a:latin typeface="Times New Roman" panose="02020603050405020304" pitchFamily="18" charset="0"/>
+              <a:ea typeface="Times New Roman" panose="02020603050405020304" pitchFamily="18" charset="0"/>
+            </a:endParaRPr>
+          </a:p>
+          <a:p>
+            <a:pPr lvl="0" indent="449263" algn="just">
+              <a:lnSpc>
+                <a:spcPct val="150000"/>
+              </a:lnSpc>
+              <a:spcAft>
+                <a:spcPts val="0"/>
+              </a:spcAft>
+              <a:buFont typeface="Symbol" panose="05050102010706020507" pitchFamily="18" charset="2"/>
+              <a:buChar char=""/>
+              <a:tabLst>
+                <a:tab pos="540385" algn="l"/>
+                <a:tab pos="630555" algn="l"/>
+              </a:tabLst>
+            </a:pPr>
+            <a:r>
+              <a:rPr lang="ru-RU" sz="1200" dirty="0">
+                <a:effectLst/>
+                <a:latin typeface="Times New Roman" panose="02020603050405020304" pitchFamily="18" charset="0"/>
+                <a:ea typeface="Times New Roman" panose="02020603050405020304" pitchFamily="18" charset="0"/>
+              </a:rPr>
+              <a:t> ПК. 1.1 Формировать алгоритмы разработки программных модулей в соответствии с техническим заданием;</a:t>
+            </a:r>
+          </a:p>
+          <a:p>
+            <a:pPr lvl="0" indent="449263" algn="just">
+              <a:lnSpc>
+                <a:spcPct val="150000"/>
+              </a:lnSpc>
+              <a:spcAft>
+                <a:spcPts val="0"/>
+              </a:spcAft>
+              <a:buFont typeface="Symbol" panose="05050102010706020507" pitchFamily="18" charset="2"/>
+              <a:buChar char=""/>
+              <a:tabLst>
+                <a:tab pos="540385" algn="l"/>
+                <a:tab pos="630555" algn="l"/>
+              </a:tabLst>
+            </a:pPr>
+            <a:r>
+              <a:rPr lang="ru-RU" sz="1200" dirty="0">
+                <a:effectLst/>
+                <a:latin typeface="Times New Roman" panose="02020603050405020304" pitchFamily="18" charset="0"/>
+                <a:ea typeface="Times New Roman" panose="02020603050405020304" pitchFamily="18" charset="0"/>
+              </a:rPr>
+              <a:t>ПК. 1.2 Осуществлять разработку кода программного продукта на основе готовых спецификаций на уровне модуля;</a:t>
+            </a:r>
+          </a:p>
+          <a:p>
+            <a:pPr lvl="0" indent="449263" algn="just">
+              <a:lnSpc>
+                <a:spcPct val="150000"/>
+              </a:lnSpc>
+              <a:spcAft>
+                <a:spcPts val="0"/>
+              </a:spcAft>
+              <a:buFont typeface="Symbol" panose="05050102010706020507" pitchFamily="18" charset="2"/>
+              <a:buChar char=""/>
+              <a:tabLst>
+                <a:tab pos="540385" algn="l"/>
+                <a:tab pos="630555" algn="l"/>
+              </a:tabLst>
+            </a:pPr>
+            <a:r>
+              <a:rPr lang="ru-RU" sz="1200" dirty="0">
+                <a:effectLst/>
+                <a:latin typeface="Times New Roman" panose="02020603050405020304" pitchFamily="18" charset="0"/>
+                <a:ea typeface="Times New Roman" panose="02020603050405020304" pitchFamily="18" charset="0"/>
+              </a:rPr>
+              <a:t>ПК. 1.4 Выполнять тестирование программных модулей;</a:t>
+            </a:r>
+          </a:p>
+          <a:p>
+            <a:pPr lvl="0" indent="449263" algn="just">
+              <a:lnSpc>
+                <a:spcPct val="150000"/>
+              </a:lnSpc>
+              <a:spcAft>
+                <a:spcPts val="0"/>
+              </a:spcAft>
+              <a:buFont typeface="Symbol" panose="05050102010706020507" pitchFamily="18" charset="2"/>
+              <a:buChar char=""/>
+              <a:tabLst>
+                <a:tab pos="540385" algn="l"/>
+                <a:tab pos="630555" algn="l"/>
+              </a:tabLst>
+            </a:pPr>
+            <a:r>
+              <a:rPr lang="ru-RU" sz="1200" dirty="0">
+                <a:effectLst/>
+                <a:latin typeface="Times New Roman" panose="02020603050405020304" pitchFamily="18" charset="0"/>
+                <a:ea typeface="Times New Roman" panose="02020603050405020304" pitchFamily="18" charset="0"/>
+              </a:rPr>
+              <a:t>ПК. 1.6 Разрабатывать модули программного обеспечения для мобильных платформ.</a:t>
+            </a:r>
+          </a:p>
+          <a:p>
+            <a:pPr indent="449263" algn="just">
+              <a:lnSpc>
+                <a:spcPct val="150000"/>
+              </a:lnSpc>
+            </a:pPr>
+            <a:r>
+              <a:rPr lang="ru-RU" sz="1200" dirty="0">
+                <a:solidFill>
+                  <a:srgbClr val="000000"/>
+                </a:solidFill>
+                <a:effectLst/>
+                <a:latin typeface="Times New Roman" panose="02020603050405020304" pitchFamily="18" charset="0"/>
+                <a:ea typeface="Times New Roman" panose="02020603050405020304" pitchFamily="18" charset="0"/>
+              </a:rPr>
+              <a:t>ПМ. 02 «Осуществление интеграции программных модулей»:</a:t>
+            </a:r>
+            <a:endParaRPr lang="ru-RU" sz="1200" dirty="0">
+              <a:effectLst/>
+              <a:latin typeface="Times New Roman" panose="02020603050405020304" pitchFamily="18" charset="0"/>
+              <a:ea typeface="Times New Roman" panose="02020603050405020304" pitchFamily="18" charset="0"/>
+            </a:endParaRPr>
+          </a:p>
+          <a:p>
+            <a:pPr lvl="0" indent="449263" algn="just">
+              <a:lnSpc>
+                <a:spcPct val="150000"/>
+              </a:lnSpc>
+              <a:spcAft>
+                <a:spcPts val="0"/>
+              </a:spcAft>
+              <a:buFont typeface="Symbol" panose="05050102010706020507" pitchFamily="18" charset="2"/>
+              <a:buChar char=""/>
+              <a:tabLst>
+                <a:tab pos="540385" algn="l"/>
+                <a:tab pos="630555" algn="l"/>
+              </a:tabLst>
+            </a:pPr>
+            <a:r>
+              <a:rPr lang="ru-RU" sz="1200" dirty="0">
+                <a:effectLst/>
+                <a:latin typeface="Times New Roman" panose="02020603050405020304" pitchFamily="18" charset="0"/>
+                <a:ea typeface="Times New Roman" panose="02020603050405020304" pitchFamily="18" charset="0"/>
+              </a:rPr>
+              <a:t>ПК. 2.1 Разрабатывать требования к программным модулям на основе анализа проектной и технической документации на предмет взаимодействия компонент;</a:t>
+            </a:r>
+          </a:p>
+          <a:p>
+            <a:pPr lvl="0" indent="449263" algn="just">
+              <a:lnSpc>
+                <a:spcPct val="150000"/>
+              </a:lnSpc>
+              <a:spcAft>
+                <a:spcPts val="0"/>
+              </a:spcAft>
+              <a:buFont typeface="Symbol" panose="05050102010706020507" pitchFamily="18" charset="2"/>
+              <a:buChar char=""/>
+              <a:tabLst>
+                <a:tab pos="540385" algn="l"/>
+                <a:tab pos="630555" algn="l"/>
+              </a:tabLst>
+            </a:pPr>
+            <a:r>
+              <a:rPr lang="ru-RU" sz="1200" dirty="0">
+                <a:effectLst/>
+                <a:latin typeface="Times New Roman" panose="02020603050405020304" pitchFamily="18" charset="0"/>
+                <a:ea typeface="Times New Roman" panose="02020603050405020304" pitchFamily="18" charset="0"/>
+              </a:rPr>
+              <a:t>ПК. 2.2 Выполнять интеграцию модулей в программное обеспечение.</a:t>
+            </a:r>
+          </a:p>
+          <a:p>
+            <a:pPr indent="449263" algn="just">
+              <a:lnSpc>
+                <a:spcPct val="150000"/>
+              </a:lnSpc>
+            </a:pPr>
+            <a:r>
+              <a:rPr lang="ru-RU" sz="1200" dirty="0">
+                <a:solidFill>
+                  <a:srgbClr val="000000"/>
+                </a:solidFill>
+                <a:effectLst/>
+                <a:latin typeface="Times New Roman" panose="02020603050405020304" pitchFamily="18" charset="0"/>
+                <a:ea typeface="Times New Roman" panose="02020603050405020304" pitchFamily="18" charset="0"/>
+              </a:rPr>
+              <a:t>ПМ. 04 «Сопровождение и обслуживание программного обеспечения компьютерных систем»:</a:t>
+            </a:r>
+            <a:endParaRPr lang="ru-RU" sz="1200" dirty="0">
+              <a:effectLst/>
+              <a:latin typeface="Times New Roman" panose="02020603050405020304" pitchFamily="18" charset="0"/>
+              <a:ea typeface="Times New Roman" panose="02020603050405020304" pitchFamily="18" charset="0"/>
+            </a:endParaRPr>
+          </a:p>
+          <a:p>
+            <a:pPr lvl="0" indent="449263" algn="just">
+              <a:lnSpc>
+                <a:spcPct val="150000"/>
+              </a:lnSpc>
+              <a:spcAft>
+                <a:spcPts val="0"/>
+              </a:spcAft>
+              <a:buFont typeface="Symbol" panose="05050102010706020507" pitchFamily="18" charset="2"/>
+              <a:buChar char=""/>
+              <a:tabLst>
+                <a:tab pos="540385" algn="l"/>
+                <a:tab pos="630555" algn="l"/>
+              </a:tabLst>
+            </a:pPr>
+            <a:r>
+              <a:rPr lang="ru-RU" sz="1200" dirty="0">
+                <a:effectLst/>
+                <a:latin typeface="Times New Roman" panose="02020603050405020304" pitchFamily="18" charset="0"/>
+                <a:ea typeface="Times New Roman" panose="02020603050405020304" pitchFamily="18" charset="0"/>
+              </a:rPr>
+              <a:t>ПК. 4.1 Осуществлять инсталляцию, настройку и обслуживание программного обеспечения компьютерных систем.</a:t>
+            </a:r>
+          </a:p>
+          <a:p>
+            <a:pPr indent="449263" algn="just">
+              <a:lnSpc>
+                <a:spcPct val="150000"/>
+              </a:lnSpc>
+            </a:pPr>
+            <a:r>
+              <a:rPr lang="ru-RU" sz="1200" dirty="0">
+                <a:solidFill>
+                  <a:srgbClr val="000000"/>
+                </a:solidFill>
+                <a:effectLst/>
+                <a:latin typeface="Times New Roman" panose="02020603050405020304" pitchFamily="18" charset="0"/>
+                <a:ea typeface="Times New Roman" panose="02020603050405020304" pitchFamily="18" charset="0"/>
+              </a:rPr>
+              <a:t>ПМ. 11 «Разработка, администрирование и защита баз данных»:</a:t>
+            </a:r>
+            <a:endParaRPr lang="ru-RU" sz="1200" dirty="0">
+              <a:effectLst/>
+              <a:latin typeface="Times New Roman" panose="02020603050405020304" pitchFamily="18" charset="0"/>
+              <a:ea typeface="Times New Roman" panose="02020603050405020304" pitchFamily="18" charset="0"/>
+            </a:endParaRPr>
+          </a:p>
+          <a:p>
+            <a:pPr lvl="0" indent="449263" algn="just">
+              <a:lnSpc>
+                <a:spcPct val="150000"/>
+              </a:lnSpc>
+              <a:spcAft>
+                <a:spcPts val="0"/>
+              </a:spcAft>
+              <a:buFont typeface="Symbol" panose="05050102010706020507" pitchFamily="18" charset="2"/>
+              <a:buChar char=""/>
+              <a:tabLst>
+                <a:tab pos="540385" algn="l"/>
+                <a:tab pos="630555" algn="l"/>
+              </a:tabLst>
+            </a:pPr>
+            <a:r>
+              <a:rPr lang="ru-RU" sz="1200" dirty="0">
+                <a:effectLst/>
+                <a:latin typeface="Times New Roman" panose="02020603050405020304" pitchFamily="18" charset="0"/>
+                <a:ea typeface="Times New Roman" panose="02020603050405020304" pitchFamily="18" charset="0"/>
+              </a:rPr>
+              <a:t>ПК. 11.2 Проектировать базу данных на основе анализа предметной области;</a:t>
+            </a:r>
+          </a:p>
+          <a:p>
+            <a:pPr lvl="0" indent="449263" algn="just">
+              <a:lnSpc>
+                <a:spcPct val="150000"/>
+              </a:lnSpc>
+              <a:spcAft>
+                <a:spcPts val="0"/>
+              </a:spcAft>
+              <a:buFont typeface="Symbol" panose="05050102010706020507" pitchFamily="18" charset="2"/>
+              <a:buChar char=""/>
+              <a:tabLst>
+                <a:tab pos="540385" algn="l"/>
+                <a:tab pos="630555" algn="l"/>
+              </a:tabLst>
+            </a:pPr>
+            <a:r>
+              <a:rPr lang="ru-RU" sz="1200" dirty="0">
+                <a:effectLst/>
+                <a:latin typeface="Times New Roman" panose="02020603050405020304" pitchFamily="18" charset="0"/>
+                <a:ea typeface="Times New Roman" panose="02020603050405020304" pitchFamily="18" charset="0"/>
+              </a:rPr>
+              <a:t>ПК. 11.3 Разрабатывать объекты базы данных в соответствии с результатами анализа предметной области;</a:t>
+            </a:r>
+          </a:p>
+          <a:p>
+            <a:pPr indent="449263" algn="just">
+              <a:lnSpc>
+                <a:spcPct val="150000"/>
+              </a:lnSpc>
+            </a:pPr>
+            <a:r>
+              <a:rPr lang="ru-RU" sz="1200" dirty="0">
+                <a:effectLst/>
+                <a:latin typeface="Times New Roman" panose="02020603050405020304" pitchFamily="18" charset="0"/>
+                <a:ea typeface="Times New Roman" panose="02020603050405020304" pitchFamily="18" charset="0"/>
+              </a:rPr>
+              <a:t>ПК. 11.4 Реализовывать базу данных в конкретной системе управления базами данных.</a:t>
+            </a:r>
+            <a:endParaRPr lang="ru-RU" sz="1200" dirty="0">
+              <a:latin typeface="Times New Roman" pitchFamily="18" charset="0"/>
+              <a:cs typeface="Times New Roman" pitchFamily="18" charset="0"/>
+            </a:endParaRPr>
+          </a:p>
+        </p:txBody>
+      </p:sp>
+      <p:sp>
+        <p:nvSpPr>
+          <p:cNvPr id="4" name="Прямоугольник 3"/>
+          <p:cNvSpPr/>
+          <p:nvPr/>
+        </p:nvSpPr>
+        <p:spPr>
+          <a:xfrm>
+            <a:off x="533400" y="269451"/>
+            <a:ext cx="8077200" cy="535531"/>
+          </a:xfrm>
+          <a:prstGeom prst="rect">
+            <a:avLst/>
+          </a:prstGeom>
+        </p:spPr>
+        <p:txBody>
+          <a:bodyPr wrap="square">
+            <a:spAutoFit/>
+          </a:bodyPr>
+          <a:lstStyle/>
+          <a:p>
+            <a:pPr marL="342900" indent="-342900" algn="ctr" fontAlgn="auto">
+              <a:lnSpc>
+                <a:spcPct val="80000"/>
+              </a:lnSpc>
+              <a:spcBef>
+                <a:spcPct val="20000"/>
+              </a:spcBef>
+              <a:spcAft>
+                <a:spcPts val="0"/>
+              </a:spcAft>
+              <a:buClr>
+                <a:schemeClr val="accent1">
+                  <a:shade val="75000"/>
+                </a:schemeClr>
+              </a:buClr>
+              <a:buSzPct val="55000"/>
+              <a:defRPr/>
+            </a:pPr>
+            <a:r>
+              <a:rPr kumimoji="1" lang="ru-RU" sz="3600" b="1" dirty="0">
+                <a:latin typeface="Times New Roman" pitchFamily="18" charset="0"/>
+                <a:cs typeface="Times New Roman" pitchFamily="18" charset="0"/>
+              </a:rPr>
               <a:t>Список ПК</a:t>
             </a:r>
+          </a:p>
+        </p:txBody>
+      </p:sp>
+      <p:sp>
+        <p:nvSpPr>
+          <p:cNvPr id="2" name="TextBox 1">
+            <a:hlinkClick r:id="rId2" action="ppaction://hlinksldjump"/>
+            <a:extLst>
+              <a:ext uri="{FF2B5EF4-FFF2-40B4-BE49-F238E27FC236}">
+                <a16:creationId xmlns:a16="http://schemas.microsoft.com/office/drawing/2014/main" id="{41CA9C1E-2CE5-7444-C8BF-E5499B31B2FF}"/>
+              </a:ext>
+            </a:extLst>
+          </p:cNvPr>
+          <p:cNvSpPr txBox="1"/>
+          <p:nvPr/>
+        </p:nvSpPr>
+        <p:spPr>
+          <a:xfrm>
+            <a:off x="8152745" y="298888"/>
+            <a:ext cx="636713" cy="307777"/>
+          </a:xfrm>
+          <a:prstGeom prst="rect">
+            <a:avLst/>
+          </a:prstGeom>
+          <a:noFill/>
+        </p:spPr>
+        <p:txBody>
+          <a:bodyPr wrap="none" rtlCol="0">
+            <a:spAutoFit/>
+          </a:bodyPr>
+          <a:lstStyle/>
+          <a:p>
+            <a:r>
+              <a:rPr lang="ru-RU" sz="1400" dirty="0">
+                <a:latin typeface="Times New Roman" panose="02020603050405020304" pitchFamily="18" charset="0"/>
+                <a:cs typeface="Times New Roman" panose="02020603050405020304" pitchFamily="18" charset="0"/>
+                <a:hlinkClick r:id="rId3" action="ppaction://hlinksldjump"/>
+              </a:rPr>
+              <a:t>Назад</a:t>
+            </a:r>
+            <a:endParaRPr lang="ru-RU" sz="1400" dirty="0">
+              <a:latin typeface="Times New Roman" panose="02020603050405020304" pitchFamily="18" charset="0"/>
+              <a:cs typeface="Times New Roman" panose="02020603050405020304" pitchFamily="18" charset="0"/>
+            </a:endParaRPr>
           </a:p>
         </p:txBody>
       </p:sp>
@@ -5359,7 +10433,540 @@
 </p:sld>
 </file>
 
-<file path=ppt/slides/slide15.xml><?xml version="1.0" encoding="utf-8"?>
+<file path=ppt/slides/slide2.xml><?xml version="1.0" encoding="utf-8"?>
+<p:sld xmlns:a="http://schemas.openxmlformats.org/drawingml/2006/main" xmlns:r="http://schemas.openxmlformats.org/officeDocument/2006/relationships" xmlns:p="http://schemas.openxmlformats.org/presentationml/2006/main">
+  <p:cSld>
+    <p:spTree>
+      <p:nvGrpSpPr>
+        <p:cNvPr id="1" name=""/>
+        <p:cNvGrpSpPr/>
+        <p:nvPr/>
+      </p:nvGrpSpPr>
+      <p:grpSpPr>
+        <a:xfrm>
+          <a:off x="0" y="0"/>
+          <a:ext cx="0" cy="0"/>
+          <a:chOff x="0" y="0"/>
+          <a:chExt cx="0" cy="0"/>
+        </a:xfrm>
+      </p:grpSpPr>
+      <p:sp>
+        <p:nvSpPr>
+          <p:cNvPr id="12" name="Содержимое 2"/>
+          <p:cNvSpPr txBox="1">
+            <a:spLocks/>
+          </p:cNvSpPr>
+          <p:nvPr/>
+        </p:nvSpPr>
+        <p:spPr>
+          <a:xfrm>
+            <a:off x="771786" y="732341"/>
+            <a:ext cx="7617205" cy="5711824"/>
+          </a:xfrm>
+          <a:prstGeom prst="rect">
+            <a:avLst/>
+          </a:prstGeom>
+        </p:spPr>
+        <p:txBody>
+          <a:bodyPr>
+            <a:normAutofit/>
+            <a:scene3d>
+              <a:camera prst="orthographicFront"/>
+              <a:lightRig rig="threePt" dir="t"/>
+            </a:scene3d>
+            <a:sp3d extrusionH="57150">
+              <a:bevelT w="38100" h="38100" prst="relaxedInset"/>
+            </a:sp3d>
+          </a:bodyPr>
+          <a:lstStyle/>
+          <a:p>
+            <a:pPr marL="342900" indent="-342900" algn="just" fontAlgn="auto">
+              <a:spcBef>
+                <a:spcPts val="580"/>
+              </a:spcBef>
+              <a:spcAft>
+                <a:spcPts val="0"/>
+              </a:spcAft>
+              <a:buClr>
+                <a:schemeClr val="accent1"/>
+              </a:buClr>
+              <a:buSzPct val="85000"/>
+              <a:buFont typeface="Symbol" panose="05050102010706020507" pitchFamily="18" charset="2"/>
+              <a:buChar char="-"/>
+              <a:defRPr/>
+            </a:pPr>
+            <a:r>
+              <a:rPr lang="ru-RU" sz="1600" dirty="0">
+                <a:latin typeface="Times New Roman" pitchFamily="18" charset="0"/>
+                <a:cs typeface="Times New Roman" pitchFamily="18" charset="0"/>
+                <a:hlinkClick r:id="rId2" action="ppaction://hlinksldjump"/>
+              </a:rPr>
+              <a:t>Цели и задачи</a:t>
+            </a:r>
+            <a:r>
+              <a:rPr lang="ru-RU" sz="1600" dirty="0">
+                <a:latin typeface="Times New Roman" pitchFamily="18" charset="0"/>
+                <a:cs typeface="Times New Roman" pitchFamily="18" charset="0"/>
+              </a:rPr>
+              <a:t>;</a:t>
+            </a:r>
+          </a:p>
+          <a:p>
+            <a:pPr marL="342900" indent="-342900" algn="just" fontAlgn="auto">
+              <a:spcBef>
+                <a:spcPts val="580"/>
+              </a:spcBef>
+              <a:spcAft>
+                <a:spcPts val="0"/>
+              </a:spcAft>
+              <a:buClr>
+                <a:schemeClr val="accent1"/>
+              </a:buClr>
+              <a:buSzPct val="85000"/>
+              <a:buFont typeface="Symbol" panose="05050102010706020507" pitchFamily="18" charset="2"/>
+              <a:buChar char="-"/>
+              <a:defRPr/>
+            </a:pPr>
+            <a:r>
+              <a:rPr lang="ru-RU" sz="1600" dirty="0">
+                <a:latin typeface="Times New Roman" pitchFamily="18" charset="0"/>
+                <a:cs typeface="Times New Roman" pitchFamily="18" charset="0"/>
+                <a:hlinkClick r:id="rId3" action="ppaction://hlinksldjump"/>
+              </a:rPr>
+              <a:t>Актуализация</a:t>
+            </a:r>
+            <a:r>
+              <a:rPr lang="ru-RU" sz="1600" dirty="0">
+                <a:latin typeface="Times New Roman" pitchFamily="18" charset="0"/>
+                <a:cs typeface="Times New Roman" pitchFamily="18" charset="0"/>
+              </a:rPr>
+              <a:t>;</a:t>
+            </a:r>
+          </a:p>
+          <a:p>
+            <a:pPr marL="342900" indent="-342900" algn="just" fontAlgn="auto">
+              <a:spcBef>
+                <a:spcPts val="580"/>
+              </a:spcBef>
+              <a:spcAft>
+                <a:spcPts val="0"/>
+              </a:spcAft>
+              <a:buClr>
+                <a:schemeClr val="accent1"/>
+              </a:buClr>
+              <a:buSzPct val="85000"/>
+              <a:buFont typeface="Symbol" panose="05050102010706020507" pitchFamily="18" charset="2"/>
+              <a:buChar char="-"/>
+              <a:defRPr/>
+            </a:pPr>
+            <a:r>
+              <a:rPr lang="ru-RU" sz="1600" dirty="0">
+                <a:latin typeface="Times New Roman" pitchFamily="18" charset="0"/>
+                <a:cs typeface="Times New Roman" pitchFamily="18" charset="0"/>
+                <a:hlinkClick r:id="rId4" action="ppaction://hlinksldjump"/>
+              </a:rPr>
+              <a:t>Практическая значимость</a:t>
+            </a:r>
+            <a:r>
+              <a:rPr lang="ru-RU" sz="1600" dirty="0">
+                <a:latin typeface="Times New Roman" pitchFamily="18" charset="0"/>
+                <a:cs typeface="Times New Roman" pitchFamily="18" charset="0"/>
+              </a:rPr>
+              <a:t>;</a:t>
+            </a:r>
+          </a:p>
+          <a:p>
+            <a:pPr marL="342900" indent="-342900" algn="just" fontAlgn="auto">
+              <a:spcBef>
+                <a:spcPts val="580"/>
+              </a:spcBef>
+              <a:spcAft>
+                <a:spcPts val="0"/>
+              </a:spcAft>
+              <a:buClr>
+                <a:schemeClr val="accent1"/>
+              </a:buClr>
+              <a:buSzPct val="85000"/>
+              <a:buFont typeface="Symbol" panose="05050102010706020507" pitchFamily="18" charset="2"/>
+              <a:buChar char="-"/>
+              <a:defRPr/>
+            </a:pPr>
+            <a:r>
+              <a:rPr lang="ru-RU" sz="1600" dirty="0">
+                <a:latin typeface="Times New Roman" pitchFamily="18" charset="0"/>
+                <a:cs typeface="Times New Roman" pitchFamily="18" charset="0"/>
+                <a:hlinkClick r:id="rId5" action="ppaction://hlinksldjump"/>
+              </a:rPr>
+              <a:t>Техническое задание</a:t>
+            </a:r>
+            <a:r>
+              <a:rPr lang="ru-RU" sz="1600" dirty="0">
+                <a:latin typeface="Times New Roman" pitchFamily="18" charset="0"/>
+                <a:cs typeface="Times New Roman" pitchFamily="18" charset="0"/>
+              </a:rPr>
+              <a:t>;</a:t>
+            </a:r>
+          </a:p>
+          <a:p>
+            <a:pPr marL="342900" indent="-342900" algn="just" fontAlgn="auto">
+              <a:spcBef>
+                <a:spcPts val="580"/>
+              </a:spcBef>
+              <a:spcAft>
+                <a:spcPts val="0"/>
+              </a:spcAft>
+              <a:buClr>
+                <a:schemeClr val="accent1"/>
+              </a:buClr>
+              <a:buSzPct val="85000"/>
+              <a:buFont typeface="Symbol" panose="05050102010706020507" pitchFamily="18" charset="2"/>
+              <a:buChar char="-"/>
+              <a:defRPr/>
+            </a:pPr>
+            <a:r>
+              <a:rPr lang="ru-RU" sz="1600" dirty="0">
+                <a:latin typeface="Times New Roman" pitchFamily="18" charset="0"/>
+                <a:cs typeface="Times New Roman" pitchFamily="18" charset="0"/>
+                <a:hlinkClick r:id="rId6" action="ppaction://hlinksldjump"/>
+              </a:rPr>
+              <a:t>Особенности проекта</a:t>
+            </a:r>
+            <a:r>
+              <a:rPr lang="ru-RU" sz="1600" dirty="0">
+                <a:latin typeface="Times New Roman" pitchFamily="18" charset="0"/>
+                <a:cs typeface="Times New Roman" pitchFamily="18" charset="0"/>
+              </a:rPr>
+              <a:t>;</a:t>
+            </a:r>
+          </a:p>
+          <a:p>
+            <a:pPr marL="342900" indent="-342900" algn="just" fontAlgn="auto">
+              <a:spcBef>
+                <a:spcPts val="580"/>
+              </a:spcBef>
+              <a:spcAft>
+                <a:spcPts val="0"/>
+              </a:spcAft>
+              <a:buClr>
+                <a:schemeClr val="accent1"/>
+              </a:buClr>
+              <a:buSzPct val="85000"/>
+              <a:buFont typeface="Symbol" panose="05050102010706020507" pitchFamily="18" charset="2"/>
+              <a:buChar char="-"/>
+              <a:defRPr/>
+            </a:pPr>
+            <a:r>
+              <a:rPr lang="ru-RU" sz="1600" dirty="0">
+                <a:latin typeface="Times New Roman" pitchFamily="18" charset="0"/>
+                <a:cs typeface="Times New Roman" pitchFamily="18" charset="0"/>
+                <a:hlinkClick r:id="rId7" action="ppaction://hlinksldjump"/>
+              </a:rPr>
+              <a:t>Функционально-логическая схема</a:t>
+            </a:r>
+            <a:r>
+              <a:rPr lang="ru-RU" sz="1600" dirty="0">
+                <a:latin typeface="Times New Roman" pitchFamily="18" charset="0"/>
+                <a:cs typeface="Times New Roman" pitchFamily="18" charset="0"/>
+              </a:rPr>
+              <a:t>;</a:t>
+            </a:r>
+          </a:p>
+          <a:p>
+            <a:pPr marL="342900" indent="-342900" algn="just" fontAlgn="auto">
+              <a:spcBef>
+                <a:spcPts val="580"/>
+              </a:spcBef>
+              <a:spcAft>
+                <a:spcPts val="0"/>
+              </a:spcAft>
+              <a:buClr>
+                <a:schemeClr val="accent1"/>
+              </a:buClr>
+              <a:buSzPct val="85000"/>
+              <a:buFont typeface="Symbol" panose="05050102010706020507" pitchFamily="18" charset="2"/>
+              <a:buChar char="-"/>
+              <a:defRPr/>
+            </a:pPr>
+            <a:r>
+              <a:rPr lang="ru-RU" sz="1600" dirty="0">
+                <a:latin typeface="Times New Roman" pitchFamily="18" charset="0"/>
+                <a:cs typeface="Times New Roman" pitchFamily="18" charset="0"/>
+                <a:hlinkClick r:id="rId8" action="ppaction://hlinksldjump"/>
+              </a:rPr>
+              <a:t>Логическая модель данных</a:t>
+            </a:r>
+            <a:r>
+              <a:rPr lang="ru-RU" sz="1600" dirty="0">
+                <a:latin typeface="Times New Roman" pitchFamily="18" charset="0"/>
+                <a:cs typeface="Times New Roman" pitchFamily="18" charset="0"/>
+              </a:rPr>
+              <a:t>;</a:t>
+            </a:r>
+          </a:p>
+          <a:p>
+            <a:pPr marL="342900" indent="-342900" algn="just" fontAlgn="auto">
+              <a:spcBef>
+                <a:spcPts val="580"/>
+              </a:spcBef>
+              <a:spcAft>
+                <a:spcPts val="0"/>
+              </a:spcAft>
+              <a:buClr>
+                <a:schemeClr val="accent1"/>
+              </a:buClr>
+              <a:buSzPct val="85000"/>
+              <a:buFont typeface="Symbol" panose="05050102010706020507" pitchFamily="18" charset="2"/>
+              <a:buChar char="-"/>
+              <a:defRPr/>
+            </a:pPr>
+            <a:r>
+              <a:rPr lang="ru-RU" sz="1600" dirty="0">
+                <a:latin typeface="Times New Roman" pitchFamily="18" charset="0"/>
+                <a:cs typeface="Times New Roman" pitchFamily="18" charset="0"/>
+                <a:hlinkClick r:id="rId9" action="ppaction://hlinksldjump"/>
+              </a:rPr>
+              <a:t>Стек используемых технологий</a:t>
+            </a:r>
+            <a:r>
+              <a:rPr lang="ru-RU" sz="1600" dirty="0">
+                <a:latin typeface="Times New Roman" pitchFamily="18" charset="0"/>
+                <a:cs typeface="Times New Roman" pitchFamily="18" charset="0"/>
+              </a:rPr>
+              <a:t>;</a:t>
+            </a:r>
+          </a:p>
+          <a:p>
+            <a:pPr marL="342900" indent="-342900" algn="just" fontAlgn="auto">
+              <a:spcBef>
+                <a:spcPts val="580"/>
+              </a:spcBef>
+              <a:spcAft>
+                <a:spcPts val="0"/>
+              </a:spcAft>
+              <a:buClr>
+                <a:schemeClr val="accent1"/>
+              </a:buClr>
+              <a:buSzPct val="85000"/>
+              <a:buFont typeface="Symbol" panose="05050102010706020507" pitchFamily="18" charset="2"/>
+              <a:buChar char="-"/>
+              <a:defRPr/>
+            </a:pPr>
+            <a:r>
+              <a:rPr lang="ru-RU" sz="1600" dirty="0">
+                <a:latin typeface="Times New Roman" pitchFamily="18" charset="0"/>
+                <a:cs typeface="Times New Roman" pitchFamily="18" charset="0"/>
+                <a:hlinkClick r:id="rId10" action="ppaction://hlinksldjump"/>
+              </a:rPr>
+              <a:t>Экономическое обоснование</a:t>
+            </a:r>
+            <a:r>
+              <a:rPr lang="ru-RU" sz="1600" dirty="0">
+                <a:latin typeface="Times New Roman" pitchFamily="18" charset="0"/>
+                <a:cs typeface="Times New Roman" pitchFamily="18" charset="0"/>
+              </a:rPr>
+              <a:t>;</a:t>
+            </a:r>
+          </a:p>
+          <a:p>
+            <a:pPr marL="342900" indent="-342900" algn="just" fontAlgn="auto">
+              <a:spcBef>
+                <a:spcPts val="580"/>
+              </a:spcBef>
+              <a:spcAft>
+                <a:spcPts val="0"/>
+              </a:spcAft>
+              <a:buClr>
+                <a:schemeClr val="accent1"/>
+              </a:buClr>
+              <a:buSzPct val="85000"/>
+              <a:buFont typeface="Symbol" panose="05050102010706020507" pitchFamily="18" charset="2"/>
+              <a:buChar char="-"/>
+              <a:defRPr/>
+            </a:pPr>
+            <a:r>
+              <a:rPr lang="ru-RU" sz="1600" dirty="0">
+                <a:latin typeface="Times New Roman" pitchFamily="18" charset="0"/>
+                <a:cs typeface="Times New Roman" pitchFamily="18" charset="0"/>
+                <a:hlinkClick r:id="rId11" action="ppaction://hlinksldjump"/>
+              </a:rPr>
+              <a:t>Список источников</a:t>
+            </a:r>
+            <a:r>
+              <a:rPr lang="ru-RU" sz="1600" dirty="0">
+                <a:latin typeface="Times New Roman" pitchFamily="18" charset="0"/>
+                <a:cs typeface="Times New Roman" pitchFamily="18" charset="0"/>
+              </a:rPr>
+              <a:t>;</a:t>
+            </a:r>
+          </a:p>
+          <a:p>
+            <a:pPr marL="342900" indent="-342900" algn="just" fontAlgn="auto">
+              <a:spcBef>
+                <a:spcPts val="580"/>
+              </a:spcBef>
+              <a:spcAft>
+                <a:spcPts val="0"/>
+              </a:spcAft>
+              <a:buClr>
+                <a:schemeClr val="accent1"/>
+              </a:buClr>
+              <a:buSzPct val="85000"/>
+              <a:buFont typeface="Symbol" panose="05050102010706020507" pitchFamily="18" charset="2"/>
+              <a:buChar char="-"/>
+              <a:defRPr/>
+            </a:pPr>
+            <a:r>
+              <a:rPr lang="ru-RU" sz="1600" dirty="0">
+                <a:latin typeface="Times New Roman" pitchFamily="18" charset="0"/>
+                <a:cs typeface="Times New Roman" pitchFamily="18" charset="0"/>
+                <a:hlinkClick r:id="rId12" action="ppaction://hlinksldjump"/>
+              </a:rPr>
+              <a:t>Список ПК</a:t>
+            </a:r>
+            <a:r>
+              <a:rPr lang="ru-RU" sz="1600" dirty="0">
+                <a:latin typeface="Times New Roman" pitchFamily="18" charset="0"/>
+                <a:cs typeface="Times New Roman" pitchFamily="18" charset="0"/>
+              </a:rPr>
+              <a:t>.</a:t>
+            </a:r>
+          </a:p>
+          <a:p>
+            <a:pPr marL="342900" indent="-342900" algn="just" fontAlgn="auto">
+              <a:spcBef>
+                <a:spcPts val="580"/>
+              </a:spcBef>
+              <a:spcAft>
+                <a:spcPts val="0"/>
+              </a:spcAft>
+              <a:buClr>
+                <a:schemeClr val="accent1"/>
+              </a:buClr>
+              <a:buSzPct val="85000"/>
+              <a:buFont typeface="Symbol" panose="05050102010706020507" pitchFamily="18" charset="2"/>
+              <a:buChar char="-"/>
+              <a:defRPr/>
+            </a:pPr>
+            <a:endParaRPr lang="ru-RU" sz="1600" dirty="0">
+              <a:latin typeface="Times New Roman" pitchFamily="18" charset="0"/>
+              <a:cs typeface="Times New Roman" pitchFamily="18" charset="0"/>
+            </a:endParaRPr>
+          </a:p>
+          <a:p>
+            <a:pPr marL="342900" indent="-342900" algn="just" fontAlgn="auto">
+              <a:spcBef>
+                <a:spcPts val="580"/>
+              </a:spcBef>
+              <a:spcAft>
+                <a:spcPts val="0"/>
+              </a:spcAft>
+              <a:buClr>
+                <a:schemeClr val="accent1"/>
+              </a:buClr>
+              <a:buSzPct val="85000"/>
+              <a:buFont typeface="Symbol" panose="05050102010706020507" pitchFamily="18" charset="2"/>
+              <a:buChar char="-"/>
+              <a:defRPr/>
+            </a:pPr>
+            <a:endParaRPr lang="ru-RU" dirty="0">
+              <a:latin typeface="Times New Roman" pitchFamily="18" charset="0"/>
+              <a:cs typeface="Times New Roman" pitchFamily="18" charset="0"/>
+            </a:endParaRPr>
+          </a:p>
+          <a:p>
+            <a:pPr marL="342900" indent="-342900" algn="just" fontAlgn="auto">
+              <a:spcBef>
+                <a:spcPts val="580"/>
+              </a:spcBef>
+              <a:spcAft>
+                <a:spcPts val="0"/>
+              </a:spcAft>
+              <a:buClr>
+                <a:schemeClr val="accent1"/>
+              </a:buClr>
+              <a:buSzPct val="85000"/>
+              <a:buFont typeface="Symbol" panose="05050102010706020507" pitchFamily="18" charset="2"/>
+              <a:buChar char="-"/>
+              <a:defRPr/>
+            </a:pPr>
+            <a:endParaRPr lang="ru-RU" dirty="0">
+              <a:latin typeface="Times New Roman" pitchFamily="18" charset="0"/>
+              <a:cs typeface="Times New Roman" pitchFamily="18" charset="0"/>
+            </a:endParaRPr>
+          </a:p>
+        </p:txBody>
+      </p:sp>
+      <p:sp>
+        <p:nvSpPr>
+          <p:cNvPr id="4" name="Прямоугольник 3"/>
+          <p:cNvSpPr/>
+          <p:nvPr/>
+        </p:nvSpPr>
+        <p:spPr>
+          <a:xfrm>
+            <a:off x="1143000" y="196810"/>
+            <a:ext cx="6858000" cy="535531"/>
+          </a:xfrm>
+          <a:prstGeom prst="rect">
+            <a:avLst/>
+          </a:prstGeom>
+        </p:spPr>
+        <p:txBody>
+          <a:bodyPr>
+            <a:spAutoFit/>
+          </a:bodyPr>
+          <a:lstStyle/>
+          <a:p>
+            <a:pPr marL="342900" indent="-342900" algn="ctr" fontAlgn="auto">
+              <a:lnSpc>
+                <a:spcPct val="80000"/>
+              </a:lnSpc>
+              <a:spcBef>
+                <a:spcPct val="20000"/>
+              </a:spcBef>
+              <a:spcAft>
+                <a:spcPts val="0"/>
+              </a:spcAft>
+              <a:buClr>
+                <a:schemeClr val="accent1">
+                  <a:shade val="75000"/>
+                </a:schemeClr>
+              </a:buClr>
+              <a:buSzPct val="55000"/>
+              <a:defRPr/>
+            </a:pPr>
+            <a:r>
+              <a:rPr kumimoji="1" lang="ru-RU" sz="3600" b="1" dirty="0">
+                <a:latin typeface="Times New Roman" pitchFamily="18" charset="0"/>
+                <a:cs typeface="Times New Roman" pitchFamily="18" charset="0"/>
+              </a:rPr>
+              <a:t>Содержание</a:t>
+            </a:r>
+          </a:p>
+        </p:txBody>
+      </p:sp>
+    </p:spTree>
+    <p:extLst>
+      <p:ext uri="{BB962C8B-B14F-4D97-AF65-F5344CB8AC3E}">
+        <p14:creationId xmlns:p14="http://schemas.microsoft.com/office/powerpoint/2010/main" val="799068459"/>
+      </p:ext>
+    </p:extLst>
+  </p:cSld>
+  <p:clrMapOvr>
+    <a:masterClrMapping/>
+  </p:clrMapOvr>
+  <mc:AlternateContent xmlns:mc="http://schemas.openxmlformats.org/markup-compatibility/2006" xmlns:p14="http://schemas.microsoft.com/office/powerpoint/2010/main">
+    <mc:Choice Requires="p14">
+      <p:transition p14:dur="0"/>
+    </mc:Choice>
+    <mc:Fallback xmlns="">
+      <p:transition/>
+    </mc:Fallback>
+  </mc:AlternateContent>
+</p:sld>
+</file>
+
+<file path=ppt/slides/slide20.xml><?xml version="1.0" encoding="utf-8"?>
 <p:sld xmlns:a="http://schemas.openxmlformats.org/drawingml/2006/main" xmlns:r="http://schemas.openxmlformats.org/officeDocument/2006/relationships" xmlns:p="http://schemas.openxmlformats.org/presentationml/2006/main">
   <p:cSld>
     <p:bg>
@@ -6260,358 +11867,6 @@
 </p:sld>
 </file>
 
-<file path=ppt/slides/slide2.xml><?xml version="1.0" encoding="utf-8"?>
-<p:sld xmlns:a="http://schemas.openxmlformats.org/drawingml/2006/main" xmlns:r="http://schemas.openxmlformats.org/officeDocument/2006/relationships" xmlns:p="http://schemas.openxmlformats.org/presentationml/2006/main">
-  <p:cSld>
-    <p:spTree>
-      <p:nvGrpSpPr>
-        <p:cNvPr id="1" name=""/>
-        <p:cNvGrpSpPr/>
-        <p:nvPr/>
-      </p:nvGrpSpPr>
-      <p:grpSpPr>
-        <a:xfrm>
-          <a:off x="0" y="0"/>
-          <a:ext cx="0" cy="0"/>
-          <a:chOff x="0" y="0"/>
-          <a:chExt cx="0" cy="0"/>
-        </a:xfrm>
-      </p:grpSpPr>
-      <p:sp>
-        <p:nvSpPr>
-          <p:cNvPr id="12" name="Содержимое 2"/>
-          <p:cNvSpPr txBox="1">
-            <a:spLocks/>
-          </p:cNvSpPr>
-          <p:nvPr/>
-        </p:nvSpPr>
-        <p:spPr>
-          <a:xfrm>
-            <a:off x="771786" y="732341"/>
-            <a:ext cx="7617205" cy="5711824"/>
-          </a:xfrm>
-          <a:prstGeom prst="rect">
-            <a:avLst/>
-          </a:prstGeom>
-        </p:spPr>
-        <p:txBody>
-          <a:bodyPr>
-            <a:normAutofit/>
-            <a:scene3d>
-              <a:camera prst="orthographicFront"/>
-              <a:lightRig rig="threePt" dir="t"/>
-            </a:scene3d>
-            <a:sp3d extrusionH="57150">
-              <a:bevelT w="38100" h="38100" prst="relaxedInset"/>
-            </a:sp3d>
-          </a:bodyPr>
-          <a:lstStyle/>
-          <a:p>
-            <a:pPr marL="342900" indent="-342900" algn="just" fontAlgn="auto">
-              <a:spcBef>
-                <a:spcPts val="580"/>
-              </a:spcBef>
-              <a:spcAft>
-                <a:spcPts val="0"/>
-              </a:spcAft>
-              <a:buClr>
-                <a:schemeClr val="accent1"/>
-              </a:buClr>
-              <a:buSzPct val="85000"/>
-              <a:buFont typeface="Symbol" panose="05050102010706020507" pitchFamily="18" charset="2"/>
-              <a:buChar char="-"/>
-              <a:defRPr/>
-            </a:pPr>
-            <a:r>
-              <a:rPr lang="ru-RU" sz="1600" dirty="0">
-                <a:latin typeface="Times New Roman" pitchFamily="18" charset="0"/>
-                <a:cs typeface="Times New Roman" pitchFamily="18" charset="0"/>
-                <a:hlinkClick r:id="rId2" action="ppaction://hlinksldjump"/>
-              </a:rPr>
-              <a:t>Цели и задачи</a:t>
-            </a:r>
-            <a:r>
-              <a:rPr lang="ru-RU" sz="1600" dirty="0">
-                <a:latin typeface="Times New Roman" pitchFamily="18" charset="0"/>
-                <a:cs typeface="Times New Roman" pitchFamily="18" charset="0"/>
-              </a:rPr>
-              <a:t>;</a:t>
-            </a:r>
-          </a:p>
-          <a:p>
-            <a:pPr marL="342900" indent="-342900" algn="just" fontAlgn="auto">
-              <a:spcBef>
-                <a:spcPts val="580"/>
-              </a:spcBef>
-              <a:spcAft>
-                <a:spcPts val="0"/>
-              </a:spcAft>
-              <a:buClr>
-                <a:schemeClr val="accent1"/>
-              </a:buClr>
-              <a:buSzPct val="85000"/>
-              <a:buFont typeface="Symbol" panose="05050102010706020507" pitchFamily="18" charset="2"/>
-              <a:buChar char="-"/>
-              <a:defRPr/>
-            </a:pPr>
-            <a:r>
-              <a:rPr lang="ru-RU" sz="1600" dirty="0">
-                <a:latin typeface="Times New Roman" pitchFamily="18" charset="0"/>
-                <a:cs typeface="Times New Roman" pitchFamily="18" charset="0"/>
-                <a:hlinkClick r:id="rId3" action="ppaction://hlinksldjump"/>
-              </a:rPr>
-              <a:t>Актуализация</a:t>
-            </a:r>
-            <a:r>
-              <a:rPr lang="ru-RU" sz="1600" dirty="0">
-                <a:latin typeface="Times New Roman" pitchFamily="18" charset="0"/>
-                <a:cs typeface="Times New Roman" pitchFamily="18" charset="0"/>
-              </a:rPr>
-              <a:t>;</a:t>
-            </a:r>
-          </a:p>
-          <a:p>
-            <a:pPr marL="342900" indent="-342900" algn="just" fontAlgn="auto">
-              <a:spcBef>
-                <a:spcPts val="580"/>
-              </a:spcBef>
-              <a:spcAft>
-                <a:spcPts val="0"/>
-              </a:spcAft>
-              <a:buClr>
-                <a:schemeClr val="accent1"/>
-              </a:buClr>
-              <a:buSzPct val="85000"/>
-              <a:buFont typeface="Symbol" panose="05050102010706020507" pitchFamily="18" charset="2"/>
-              <a:buChar char="-"/>
-              <a:defRPr/>
-            </a:pPr>
-            <a:r>
-              <a:rPr lang="ru-RU" sz="1600" dirty="0">
-                <a:latin typeface="Times New Roman" pitchFamily="18" charset="0"/>
-                <a:cs typeface="Times New Roman" pitchFamily="18" charset="0"/>
-                <a:hlinkClick r:id="rId4" action="ppaction://hlinksldjump"/>
-              </a:rPr>
-              <a:t>Практическая значимость</a:t>
-            </a:r>
-            <a:r>
-              <a:rPr lang="ru-RU" sz="1600" dirty="0">
-                <a:latin typeface="Times New Roman" pitchFamily="18" charset="0"/>
-                <a:cs typeface="Times New Roman" pitchFamily="18" charset="0"/>
-              </a:rPr>
-              <a:t>;</a:t>
-            </a:r>
-          </a:p>
-          <a:p>
-            <a:pPr marL="342900" indent="-342900" algn="just" fontAlgn="auto">
-              <a:spcBef>
-                <a:spcPts val="580"/>
-              </a:spcBef>
-              <a:spcAft>
-                <a:spcPts val="0"/>
-              </a:spcAft>
-              <a:buClr>
-                <a:schemeClr val="accent1"/>
-              </a:buClr>
-              <a:buSzPct val="85000"/>
-              <a:buFont typeface="Symbol" panose="05050102010706020507" pitchFamily="18" charset="2"/>
-              <a:buChar char="-"/>
-              <a:defRPr/>
-            </a:pPr>
-            <a:r>
-              <a:rPr lang="ru-RU" sz="1600" dirty="0">
-                <a:latin typeface="Times New Roman" pitchFamily="18" charset="0"/>
-                <a:cs typeface="Times New Roman" pitchFamily="18" charset="0"/>
-                <a:hlinkClick r:id="rId5" action="ppaction://hlinksldjump"/>
-              </a:rPr>
-              <a:t>Техническое задание</a:t>
-            </a:r>
-            <a:r>
-              <a:rPr lang="ru-RU" sz="1600" dirty="0">
-                <a:latin typeface="Times New Roman" pitchFamily="18" charset="0"/>
-                <a:cs typeface="Times New Roman" pitchFamily="18" charset="0"/>
-              </a:rPr>
-              <a:t>;</a:t>
-            </a:r>
-          </a:p>
-          <a:p>
-            <a:pPr marL="342900" indent="-342900" algn="just" fontAlgn="auto">
-              <a:spcBef>
-                <a:spcPts val="580"/>
-              </a:spcBef>
-              <a:spcAft>
-                <a:spcPts val="0"/>
-              </a:spcAft>
-              <a:buClr>
-                <a:schemeClr val="accent1"/>
-              </a:buClr>
-              <a:buSzPct val="85000"/>
-              <a:buFont typeface="Symbol" panose="05050102010706020507" pitchFamily="18" charset="2"/>
-              <a:buChar char="-"/>
-              <a:defRPr/>
-            </a:pPr>
-            <a:r>
-              <a:rPr lang="ru-RU" sz="1600" dirty="0">
-                <a:latin typeface="Times New Roman" pitchFamily="18" charset="0"/>
-                <a:cs typeface="Times New Roman" pitchFamily="18" charset="0"/>
-                <a:hlinkClick r:id="rId6" action="ppaction://hlinksldjump"/>
-              </a:rPr>
-              <a:t>Особенности проекта</a:t>
-            </a:r>
-            <a:r>
-              <a:rPr lang="ru-RU" sz="1600" dirty="0">
-                <a:latin typeface="Times New Roman" pitchFamily="18" charset="0"/>
-                <a:cs typeface="Times New Roman" pitchFamily="18" charset="0"/>
-              </a:rPr>
-              <a:t>;</a:t>
-            </a:r>
-          </a:p>
-          <a:p>
-            <a:pPr marL="342900" indent="-342900" algn="just" fontAlgn="auto">
-              <a:spcBef>
-                <a:spcPts val="580"/>
-              </a:spcBef>
-              <a:spcAft>
-                <a:spcPts val="0"/>
-              </a:spcAft>
-              <a:buClr>
-                <a:schemeClr val="accent1"/>
-              </a:buClr>
-              <a:buSzPct val="85000"/>
-              <a:buFont typeface="Symbol" panose="05050102010706020507" pitchFamily="18" charset="2"/>
-              <a:buChar char="-"/>
-              <a:defRPr/>
-            </a:pPr>
-            <a:r>
-              <a:rPr lang="ru-RU" sz="1600" dirty="0">
-                <a:latin typeface="Times New Roman" pitchFamily="18" charset="0"/>
-                <a:cs typeface="Times New Roman" pitchFamily="18" charset="0"/>
-                <a:hlinkClick r:id="rId7" action="ppaction://hlinksldjump"/>
-              </a:rPr>
-              <a:t>Функционально-логическая схема</a:t>
-            </a:r>
-            <a:r>
-              <a:rPr lang="ru-RU" sz="1600" dirty="0">
-                <a:latin typeface="Times New Roman" pitchFamily="18" charset="0"/>
-                <a:cs typeface="Times New Roman" pitchFamily="18" charset="0"/>
-              </a:rPr>
-              <a:t>;</a:t>
-            </a:r>
-          </a:p>
-          <a:p>
-            <a:pPr marL="342900" indent="-342900" algn="just" fontAlgn="auto">
-              <a:spcBef>
-                <a:spcPts val="580"/>
-              </a:spcBef>
-              <a:spcAft>
-                <a:spcPts val="0"/>
-              </a:spcAft>
-              <a:buClr>
-                <a:schemeClr val="accent1"/>
-              </a:buClr>
-              <a:buSzPct val="85000"/>
-              <a:buFont typeface="Symbol" panose="05050102010706020507" pitchFamily="18" charset="2"/>
-              <a:buChar char="-"/>
-              <a:defRPr/>
-            </a:pPr>
-            <a:endParaRPr lang="ru-RU" dirty="0">
-              <a:latin typeface="Times New Roman" pitchFamily="18" charset="0"/>
-              <a:cs typeface="Times New Roman" pitchFamily="18" charset="0"/>
-            </a:endParaRPr>
-          </a:p>
-          <a:p>
-            <a:pPr marL="342900" indent="-342900" algn="just" fontAlgn="auto">
-              <a:spcBef>
-                <a:spcPts val="580"/>
-              </a:spcBef>
-              <a:spcAft>
-                <a:spcPts val="0"/>
-              </a:spcAft>
-              <a:buClr>
-                <a:schemeClr val="accent1"/>
-              </a:buClr>
-              <a:buSzPct val="85000"/>
-              <a:buFont typeface="Symbol" panose="05050102010706020507" pitchFamily="18" charset="2"/>
-              <a:buChar char="-"/>
-              <a:defRPr/>
-            </a:pPr>
-            <a:endParaRPr lang="ru-RU" dirty="0">
-              <a:latin typeface="Times New Roman" pitchFamily="18" charset="0"/>
-              <a:cs typeface="Times New Roman" pitchFamily="18" charset="0"/>
-            </a:endParaRPr>
-          </a:p>
-        </p:txBody>
-      </p:sp>
-      <p:sp>
-        <p:nvSpPr>
-          <p:cNvPr id="4" name="Прямоугольник 3"/>
-          <p:cNvSpPr/>
-          <p:nvPr/>
-        </p:nvSpPr>
-        <p:spPr>
-          <a:xfrm>
-            <a:off x="1143000" y="196810"/>
-            <a:ext cx="6858000" cy="535531"/>
-          </a:xfrm>
-          <a:prstGeom prst="rect">
-            <a:avLst/>
-          </a:prstGeom>
-        </p:spPr>
-        <p:txBody>
-          <a:bodyPr>
-            <a:spAutoFit/>
-          </a:bodyPr>
-          <a:lstStyle/>
-          <a:p>
-            <a:pPr marL="342900" indent="-342900" algn="ctr" fontAlgn="auto">
-              <a:lnSpc>
-                <a:spcPct val="80000"/>
-              </a:lnSpc>
-              <a:spcBef>
-                <a:spcPct val="20000"/>
-              </a:spcBef>
-              <a:spcAft>
-                <a:spcPts val="0"/>
-              </a:spcAft>
-              <a:buClr>
-                <a:schemeClr val="accent1">
-                  <a:shade val="75000"/>
-                </a:schemeClr>
-              </a:buClr>
-              <a:buSzPct val="55000"/>
-              <a:defRPr/>
-            </a:pPr>
-            <a:r>
-              <a:rPr kumimoji="1" lang="ru-RU" sz="3600" b="1" dirty="0">
-                <a:latin typeface="Times New Roman" pitchFamily="18" charset="0"/>
-                <a:cs typeface="Times New Roman" pitchFamily="18" charset="0"/>
-              </a:rPr>
-              <a:t>Содержание</a:t>
-            </a:r>
-          </a:p>
-        </p:txBody>
-      </p:sp>
-    </p:spTree>
-    <p:extLst>
-      <p:ext uri="{BB962C8B-B14F-4D97-AF65-F5344CB8AC3E}">
-        <p14:creationId xmlns:p14="http://schemas.microsoft.com/office/powerpoint/2010/main" val="799068459"/>
-      </p:ext>
-    </p:extLst>
-  </p:cSld>
-  <p:clrMapOvr>
-    <a:masterClrMapping/>
-  </p:clrMapOvr>
-  <mc:AlternateContent xmlns:mc="http://schemas.openxmlformats.org/markup-compatibility/2006" xmlns:p14="http://schemas.microsoft.com/office/powerpoint/2010/main">
-    <mc:Choice Requires="p14">
-      <p:transition p14:dur="0"/>
-    </mc:Choice>
-    <mc:Fallback xmlns="">
-      <p:transition/>
-    </mc:Fallback>
-  </mc:AlternateContent>
-</p:sld>
-</file>
-
 <file path=ppt/slides/slide3.xml><?xml version="1.0" encoding="utf-8"?>
 <p:sld xmlns:a="http://schemas.openxmlformats.org/drawingml/2006/main" xmlns:r="http://schemas.openxmlformats.org/officeDocument/2006/relationships" xmlns:p="http://schemas.openxmlformats.org/presentationml/2006/main">
   <p:cSld>
@@ -8914,11 +14169,11 @@
   <p:clrMapOvr>
     <a:masterClrMapping/>
   </p:clrMapOvr>
-  <mc:AlternateContent xmlns:mc="http://schemas.openxmlformats.org/markup-compatibility/2006">
-    <mc:Choice xmlns:p14="http://schemas.microsoft.com/office/powerpoint/2010/main" Requires="p14">
+  <mc:AlternateContent xmlns:mc="http://schemas.openxmlformats.org/markup-compatibility/2006" xmlns:p14="http://schemas.microsoft.com/office/powerpoint/2010/main">
+    <mc:Choice Requires="p14">
       <p:transition p14:dur="0"/>
     </mc:Choice>
-    <mc:Fallback>
+    <mc:Fallback xmlns="">
       <p:transition/>
     </mc:Fallback>
   </mc:AlternateContent>

--- a/сидоров антон дмитриевич, Группа 493 - Презентация.pptx
+++ b/сидоров антон дмитриевич, Группа 493 - Презентация.pptx
@@ -5,27 +5,26 @@
     <p:sldMasterId id="2147483957" r:id="rId1"/>
   </p:sldMasterIdLst>
   <p:notesMasterIdLst>
-    <p:notesMasterId r:id="rId20"/>
+    <p:notesMasterId r:id="rId19"/>
   </p:notesMasterIdLst>
   <p:sldIdLst>
     <p:sldId id="302" r:id="rId2"/>
     <p:sldId id="289" r:id="rId3"/>
     <p:sldId id="304" r:id="rId4"/>
-    <p:sldId id="281" r:id="rId5"/>
-    <p:sldId id="290" r:id="rId6"/>
-    <p:sldId id="294" r:id="rId7"/>
-    <p:sldId id="306" r:id="rId8"/>
-    <p:sldId id="291" r:id="rId9"/>
-    <p:sldId id="292" r:id="rId10"/>
-    <p:sldId id="307" r:id="rId11"/>
-    <p:sldId id="308" r:id="rId12"/>
-    <p:sldId id="309" r:id="rId13"/>
-    <p:sldId id="310" r:id="rId14"/>
-    <p:sldId id="311" r:id="rId15"/>
-    <p:sldId id="293" r:id="rId16"/>
-    <p:sldId id="296" r:id="rId17"/>
-    <p:sldId id="297" r:id="rId18"/>
-    <p:sldId id="305" r:id="rId19"/>
+    <p:sldId id="290" r:id="rId5"/>
+    <p:sldId id="294" r:id="rId6"/>
+    <p:sldId id="306" r:id="rId7"/>
+    <p:sldId id="291" r:id="rId8"/>
+    <p:sldId id="292" r:id="rId9"/>
+    <p:sldId id="307" r:id="rId10"/>
+    <p:sldId id="308" r:id="rId11"/>
+    <p:sldId id="309" r:id="rId12"/>
+    <p:sldId id="310" r:id="rId13"/>
+    <p:sldId id="311" r:id="rId14"/>
+    <p:sldId id="293" r:id="rId15"/>
+    <p:sldId id="296" r:id="rId16"/>
+    <p:sldId id="297" r:id="rId17"/>
+    <p:sldId id="305" r:id="rId18"/>
   </p:sldIdLst>
   <p:sldSz cx="9144000" cy="6858000" type="screen4x3"/>
   <p:notesSz cx="6858000" cy="9144000"/>
@@ -126,7 +125,7 @@
   </p:defaultTextStyle>
   <p:extLst>
     <p:ext uri="{EFAFB233-063F-42B5-8137-9DF3F51BA10A}">
-      <p15:sldGuideLst xmlns="" xmlns:p15="http://schemas.microsoft.com/office/powerpoint/2012/main">
+      <p15:sldGuideLst xmlns:p15="http://schemas.microsoft.com/office/powerpoint/2012/main">
         <p15:guide id="1" orient="horz" pos="2160">
           <p15:clr>
             <a:srgbClr val="A4A3A4"/>
@@ -253,7 +252,7 @@
               <a:pPr>
                 <a:defRPr/>
               </a:pPr>
-              <a:t>08.06.2023</a:t>
+              <a:t>14.06.2023</a:t>
             </a:fld>
             <a:endParaRPr lang="ru-RU"/>
           </a:p>
@@ -615,54 +614,7 @@
           <a:bodyPr/>
           <a:lstStyle/>
           <a:p>
-            <a:pPr indent="444500" algn="just" fontAlgn="auto">
-              <a:lnSpc>
-                <a:spcPct val="150000"/>
-              </a:lnSpc>
-              <a:spcAft>
-                <a:spcPts val="0"/>
-              </a:spcAft>
-              <a:buClr>
-                <a:schemeClr val="accent1"/>
-              </a:buClr>
-              <a:buSzPct val="85000"/>
-              <a:defRPr/>
-            </a:pPr>
-            <a:r>
-              <a:rPr lang="ru-RU" sz="1200" dirty="0">
-                <a:latin typeface="Times New Roman" pitchFamily="18" charset="0"/>
-                <a:cs typeface="Times New Roman" pitchFamily="18" charset="0"/>
-              </a:rPr>
-              <a:t>Помимо, перечисленного, ещё имеет место быть  выступления на концертах. В первую очередь семейные. Также, занятия в ансамбле гитаристов в </a:t>
-            </a:r>
-            <a:r>
-              <a:rPr lang="ru-RU" sz="1200" dirty="0" err="1">
-                <a:latin typeface="Times New Roman" pitchFamily="18" charset="0"/>
-                <a:cs typeface="Times New Roman" pitchFamily="18" charset="0"/>
-              </a:rPr>
-              <a:t>ДДЮТе</a:t>
-            </a:r>
-            <a:r>
-              <a:rPr lang="ru-RU" sz="1200" dirty="0">
-                <a:latin typeface="Times New Roman" pitchFamily="18" charset="0"/>
-                <a:cs typeface="Times New Roman" pitchFamily="18" charset="0"/>
-              </a:rPr>
-              <a:t> Московского района, и выступление этим ансамблем в социальные дома, а также на концертах в БКЗ и в </a:t>
-            </a:r>
-            <a:r>
-              <a:rPr lang="ru-RU" sz="1200" dirty="0" err="1">
-                <a:latin typeface="Times New Roman" pitchFamily="18" charset="0"/>
-                <a:cs typeface="Times New Roman" pitchFamily="18" charset="0"/>
-              </a:rPr>
-              <a:t>Аничковом</a:t>
-            </a:r>
-            <a:r>
-              <a:rPr lang="ru-RU" sz="1200" dirty="0">
-                <a:latin typeface="Times New Roman" pitchFamily="18" charset="0"/>
-                <a:cs typeface="Times New Roman" pitchFamily="18" charset="0"/>
-              </a:rPr>
-              <a:t> дворце.</a:t>
-            </a:r>
+            <a:endParaRPr lang="ru-RU" dirty="0"/>
           </a:p>
         </p:txBody>
       </p:sp>
@@ -684,92 +636,7 @@
             <a:fld id="{3712345D-D7DE-4E0B-8C67-FE6E86D5DE56}" type="slidenum">
               <a:rPr lang="ru-RU" altLang="ru-RU" smtClean="0"/>
               <a:pPr/>
-              <a:t>4</a:t>
-            </a:fld>
-            <a:endParaRPr lang="ru-RU" altLang="ru-RU"/>
-          </a:p>
-        </p:txBody>
-      </p:sp>
-    </p:spTree>
-    <p:extLst>
-      <p:ext uri="{BB962C8B-B14F-4D97-AF65-F5344CB8AC3E}">
-        <p14:creationId xmlns:p14="http://schemas.microsoft.com/office/powerpoint/2010/main" val="2989414008"/>
-      </p:ext>
-    </p:extLst>
-  </p:cSld>
-  <p:clrMapOvr>
-    <a:masterClrMapping/>
-  </p:clrMapOvr>
-</p:notes>
-</file>
-
-<file path=ppt/notesSlides/notesSlide2.xml><?xml version="1.0" encoding="utf-8"?>
-<p:notes xmlns:a="http://schemas.openxmlformats.org/drawingml/2006/main" xmlns:r="http://schemas.openxmlformats.org/officeDocument/2006/relationships" xmlns:p="http://schemas.openxmlformats.org/presentationml/2006/main">
-  <p:cSld>
-    <p:spTree>
-      <p:nvGrpSpPr>
-        <p:cNvPr id="1" name=""/>
-        <p:cNvGrpSpPr/>
-        <p:nvPr/>
-      </p:nvGrpSpPr>
-      <p:grpSpPr>
-        <a:xfrm>
-          <a:off x="0" y="0"/>
-          <a:ext cx="0" cy="0"/>
-          <a:chOff x="0" y="0"/>
-          <a:chExt cx="0" cy="0"/>
-        </a:xfrm>
-      </p:grpSpPr>
-      <p:sp>
-        <p:nvSpPr>
-          <p:cNvPr id="2" name="Образ слайда 1"/>
-          <p:cNvSpPr>
-            <a:spLocks noGrp="1" noRot="1" noChangeAspect="1"/>
-          </p:cNvSpPr>
-          <p:nvPr>
-            <p:ph type="sldImg"/>
-          </p:nvPr>
-        </p:nvSpPr>
-        <p:spPr/>
-      </p:sp>
-      <p:sp>
-        <p:nvSpPr>
-          <p:cNvPr id="3" name="Заметки 2"/>
-          <p:cNvSpPr>
-            <a:spLocks noGrp="1"/>
-          </p:cNvSpPr>
-          <p:nvPr>
-            <p:ph type="body" idx="1"/>
-          </p:nvPr>
-        </p:nvSpPr>
-        <p:spPr/>
-        <p:txBody>
-          <a:bodyPr/>
-          <a:lstStyle/>
-          <a:p>
-            <a:endParaRPr lang="ru-RU" dirty="0"/>
-          </a:p>
-        </p:txBody>
-      </p:sp>
-      <p:sp>
-        <p:nvSpPr>
-          <p:cNvPr id="4" name="Номер слайда 3"/>
-          <p:cNvSpPr>
-            <a:spLocks noGrp="1"/>
-          </p:cNvSpPr>
-          <p:nvPr>
-            <p:ph type="sldNum" sz="quarter" idx="10"/>
-          </p:nvPr>
-        </p:nvSpPr>
-        <p:spPr/>
-        <p:txBody>
-          <a:bodyPr/>
-          <a:lstStyle/>
-          <a:p>
-            <a:fld id="{3712345D-D7DE-4E0B-8C67-FE6E86D5DE56}" type="slidenum">
-              <a:rPr lang="ru-RU" altLang="ru-RU" smtClean="0"/>
-              <a:pPr/>
-              <a:t>8</a:t>
+              <a:t>7</a:t>
             </a:fld>
             <a:endParaRPr lang="ru-RU" altLang="ru-RU"/>
           </a:p>
@@ -919,7 +786,7 @@
           <a:p>
             <a:fld id="{96DFF08F-DC6B-4601-B491-B0F83F6DD2DA}" type="datetimeFigureOut">
               <a:rPr lang="en-US" smtClean="0"/>
-              <a:t>6/8/2023</a:t>
+              <a:t>6/14/2023</a:t>
             </a:fld>
             <a:endParaRPr lang="en-US" dirty="0"/>
           </a:p>
@@ -1091,7 +958,7 @@
           <a:p>
             <a:fld id="{96DFF08F-DC6B-4601-B491-B0F83F6DD2DA}" type="datetimeFigureOut">
               <a:rPr lang="en-US" smtClean="0"/>
-              <a:t>6/8/2023</a:t>
+              <a:t>6/14/2023</a:t>
             </a:fld>
             <a:endParaRPr lang="en-US" dirty="0"/>
           </a:p>
@@ -1275,7 +1142,7 @@
           <a:p>
             <a:fld id="{96DFF08F-DC6B-4601-B491-B0F83F6DD2DA}" type="datetimeFigureOut">
               <a:rPr lang="en-US" smtClean="0"/>
-              <a:t>6/8/2023</a:t>
+              <a:t>6/14/2023</a:t>
             </a:fld>
             <a:endParaRPr lang="en-US" dirty="0"/>
           </a:p>
@@ -1657,7 +1524,7 @@
           <a:p>
             <a:fld id="{A3E28D29-1ECB-41DF-951B-2A23F95AD026}" type="datetimeFigureOut">
               <a:rPr lang="en-US" smtClean="0"/>
-              <a:t>6/8/2023</a:t>
+              <a:t>6/14/2023</a:t>
             </a:fld>
             <a:endParaRPr lang="en-US" dirty="0"/>
           </a:p>
@@ -1905,7 +1772,7 @@
           <a:p>
             <a:fld id="{96DFF08F-DC6B-4601-B491-B0F83F6DD2DA}" type="datetimeFigureOut">
               <a:rPr lang="en-US" smtClean="0"/>
-              <a:t>6/8/2023</a:t>
+              <a:t>6/14/2023</a:t>
             </a:fld>
             <a:endParaRPr lang="en-US" dirty="0"/>
           </a:p>
@@ -2141,7 +2008,7 @@
           <a:p>
             <a:fld id="{96DFF08F-DC6B-4601-B491-B0F83F6DD2DA}" type="datetimeFigureOut">
               <a:rPr lang="en-US" smtClean="0"/>
-              <a:t>6/8/2023</a:t>
+              <a:t>6/14/2023</a:t>
             </a:fld>
             <a:endParaRPr lang="en-US" dirty="0"/>
           </a:p>
@@ -2512,7 +2379,7 @@
           <a:p>
             <a:fld id="{96DFF08F-DC6B-4601-B491-B0F83F6DD2DA}" type="datetimeFigureOut">
               <a:rPr lang="en-US" smtClean="0"/>
-              <a:t>6/8/2023</a:t>
+              <a:t>6/14/2023</a:t>
             </a:fld>
             <a:endParaRPr lang="en-US" dirty="0"/>
           </a:p>
@@ -2634,7 +2501,7 @@
           <a:p>
             <a:fld id="{96DFF08F-DC6B-4601-B491-B0F83F6DD2DA}" type="datetimeFigureOut">
               <a:rPr lang="en-US" smtClean="0"/>
-              <a:t>6/8/2023</a:t>
+              <a:t>6/14/2023</a:t>
             </a:fld>
             <a:endParaRPr lang="en-US" dirty="0"/>
           </a:p>
@@ -2734,7 +2601,7 @@
             <a:fld id="{96DFF08F-DC6B-4601-B491-B0F83F6DD2DA}" type="datetimeFigureOut">
               <a:rPr lang="en-US" smtClean="0"/>
               <a:pPr/>
-              <a:t>6/8/2023</a:t>
+              <a:t>6/14/2023</a:t>
             </a:fld>
             <a:endParaRPr lang="en-US" dirty="0"/>
           </a:p>
@@ -3016,7 +2883,7 @@
             <a:fld id="{96DFF08F-DC6B-4601-B491-B0F83F6DD2DA}" type="datetimeFigureOut">
               <a:rPr lang="en-US" smtClean="0"/>
               <a:pPr/>
-              <a:t>6/8/2023</a:t>
+              <a:t>6/14/2023</a:t>
             </a:fld>
             <a:endParaRPr lang="en-US" dirty="0"/>
           </a:p>
@@ -3277,7 +3144,7 @@
           <a:p>
             <a:fld id="{96DFF08F-DC6B-4601-B491-B0F83F6DD2DA}" type="datetimeFigureOut">
               <a:rPr lang="en-US" smtClean="0"/>
-              <a:t>6/8/2023</a:t>
+              <a:t>6/14/2023</a:t>
             </a:fld>
             <a:endParaRPr lang="en-US" dirty="0"/>
           </a:p>
@@ -3495,7 +3362,7 @@
             <a:fld id="{96DFF08F-DC6B-4601-B491-B0F83F6DD2DA}" type="datetimeFigureOut">
               <a:rPr lang="en-US" smtClean="0"/>
               <a:pPr/>
-              <a:t>6/8/2023</a:t>
+              <a:t>6/14/2023</a:t>
             </a:fld>
             <a:endParaRPr lang="en-US" dirty="0"/>
           </a:p>
@@ -4809,61 +4676,6 @@
       </p:grpSpPr>
       <p:sp>
         <p:nvSpPr>
-          <p:cNvPr id="12" name="Содержимое 2"/>
-          <p:cNvSpPr txBox="1">
-            <a:spLocks/>
-          </p:cNvSpPr>
-          <p:nvPr/>
-        </p:nvSpPr>
-        <p:spPr>
-          <a:xfrm>
-            <a:off x="759204" y="791064"/>
-            <a:ext cx="7625592" cy="483554"/>
-          </a:xfrm>
-          <a:prstGeom prst="rect">
-            <a:avLst/>
-          </a:prstGeom>
-        </p:spPr>
-        <p:txBody>
-          <a:bodyPr>
-            <a:normAutofit/>
-            <a:scene3d>
-              <a:camera prst="orthographicFront"/>
-              <a:lightRig rig="threePt" dir="t"/>
-            </a:scene3d>
-            <a:sp3d extrusionH="57150">
-              <a:bevelT w="38100" h="38100" prst="relaxedInset"/>
-            </a:sp3d>
-          </a:bodyPr>
-          <a:lstStyle/>
-          <a:p>
-            <a:pPr indent="450000" algn="just" fontAlgn="auto">
-              <a:lnSpc>
-                <a:spcPct val="150000"/>
-              </a:lnSpc>
-              <a:spcAft>
-                <a:spcPts val="0"/>
-              </a:spcAft>
-              <a:buClr>
-                <a:schemeClr val="accent1"/>
-              </a:buClr>
-              <a:buSzPct val="85000"/>
-              <a:buFont typeface="Wingdings 2"/>
-              <a:buNone/>
-              <a:defRPr/>
-            </a:pPr>
-            <a:r>
-              <a:rPr lang="ru-RU" sz="1600" dirty="0">
-                <a:latin typeface="Times New Roman" pitchFamily="18" charset="0"/>
-                <a:cs typeface="Times New Roman" pitchFamily="18" charset="0"/>
-              </a:rPr>
-              <a:t>Модуль «История входов»</a:t>
-            </a:r>
-          </a:p>
-        </p:txBody>
-      </p:sp>
-      <p:sp>
-        <p:nvSpPr>
           <p:cNvPr id="4" name="Прямоугольник 3"/>
           <p:cNvSpPr/>
           <p:nvPr/>
@@ -4917,7 +4729,7 @@
             <a:hlinkClick r:id="rId2" action="ppaction://hlinksldjump"/>
             <a:extLst>
               <a:ext uri="{FF2B5EF4-FFF2-40B4-BE49-F238E27FC236}">
-                <a16:creationId xmlns="" xmlns:a16="http://schemas.microsoft.com/office/drawing/2014/main" id="{739DE089-339F-93B1-4C68-9EFF752E5718}"/>
+                <a16:creationId xmlns:a16="http://schemas.microsoft.com/office/drawing/2014/main" id="{739DE089-339F-93B1-4C68-9EFF752E5718}"/>
               </a:ext>
             </a:extLst>
           </p:cNvPr>
@@ -4960,7 +4772,7 @@
           <p:cNvPr id="5" name="Рисунок 4">
             <a:extLst>
               <a:ext uri="{FF2B5EF4-FFF2-40B4-BE49-F238E27FC236}">
-                <a16:creationId xmlns="" xmlns:a16="http://schemas.microsoft.com/office/drawing/2014/main" id="{95BB35A1-3E86-97F3-5867-602E3E80E5E5}"/>
+                <a16:creationId xmlns:a16="http://schemas.microsoft.com/office/drawing/2014/main" id="{1CA46810-55D9-F59D-E6A7-23C27E97AD36}"/>
               </a:ext>
             </a:extLst>
           </p:cNvPr>
@@ -4982,8 +4794,8 @@
         </p:blipFill>
         <p:spPr>
           <a:xfrm>
-            <a:off x="1058144" y="1274618"/>
-            <a:ext cx="7180692" cy="5348582"/>
+            <a:off x="908843" y="1331092"/>
+            <a:ext cx="7632790" cy="5289700"/>
           </a:xfrm>
           <a:prstGeom prst="rect">
             <a:avLst/>
@@ -4995,10 +4807,65 @@
           </a:ln>
         </p:spPr>
       </p:pic>
+      <p:sp>
+        <p:nvSpPr>
+          <p:cNvPr id="8" name="Содержимое 2"/>
+          <p:cNvSpPr txBox="1">
+            <a:spLocks/>
+          </p:cNvSpPr>
+          <p:nvPr/>
+        </p:nvSpPr>
+        <p:spPr>
+          <a:xfrm>
+            <a:off x="527153" y="733397"/>
+            <a:ext cx="7625592" cy="483554"/>
+          </a:xfrm>
+          <a:prstGeom prst="rect">
+            <a:avLst/>
+          </a:prstGeom>
+        </p:spPr>
+        <p:txBody>
+          <a:bodyPr>
+            <a:normAutofit/>
+            <a:scene3d>
+              <a:camera prst="orthographicFront"/>
+              <a:lightRig rig="threePt" dir="t"/>
+            </a:scene3d>
+            <a:sp3d extrusionH="57150">
+              <a:bevelT w="38100" h="38100" prst="relaxedInset"/>
+            </a:sp3d>
+          </a:bodyPr>
+          <a:lstStyle/>
+          <a:p>
+            <a:pPr indent="450000" algn="just" fontAlgn="auto">
+              <a:lnSpc>
+                <a:spcPct val="150000"/>
+              </a:lnSpc>
+              <a:spcAft>
+                <a:spcPts val="0"/>
+              </a:spcAft>
+              <a:buClr>
+                <a:schemeClr val="accent1"/>
+              </a:buClr>
+              <a:buSzPct val="85000"/>
+              <a:buFont typeface="Wingdings 2"/>
+              <a:buNone/>
+              <a:defRPr/>
+            </a:pPr>
+            <a:r>
+              <a:rPr lang="ru-RU" sz="1600" dirty="0">
+                <a:latin typeface="Times New Roman" pitchFamily="18" charset="0"/>
+                <a:cs typeface="Times New Roman" pitchFamily="18" charset="0"/>
+              </a:rPr>
+              <a:t>Модуль «Товары»</a:t>
+            </a:r>
+          </a:p>
+        </p:txBody>
+      </p:sp>
     </p:spTree>
     <p:extLst>
       <p:ext uri="{BB962C8B-B14F-4D97-AF65-F5344CB8AC3E}">
-        <p14:creationId xmlns:p14="http://schemas.microsoft.com/office/powerpoint/2010/main" val="3247310229"/>
+        <p14:creationId xmlns:p14="http://schemas.microsoft.com/office/powerpoint/2010/main" val="1358650744"/>
       </p:ext>
     </p:extLst>
   </p:cSld>
@@ -5088,7 +4955,7 @@
             <a:hlinkClick r:id="rId2" action="ppaction://hlinksldjump"/>
             <a:extLst>
               <a:ext uri="{FF2B5EF4-FFF2-40B4-BE49-F238E27FC236}">
-                <a16:creationId xmlns="" xmlns:a16="http://schemas.microsoft.com/office/drawing/2014/main" id="{739DE089-339F-93B1-4C68-9EFF752E5718}"/>
+                <a16:creationId xmlns:a16="http://schemas.microsoft.com/office/drawing/2014/main" id="{739DE089-339F-93B1-4C68-9EFF752E5718}"/>
               </a:ext>
             </a:extLst>
           </p:cNvPr>
@@ -5131,7 +4998,7 @@
           <p:cNvPr id="5" name="Рисунок 4">
             <a:extLst>
               <a:ext uri="{FF2B5EF4-FFF2-40B4-BE49-F238E27FC236}">
-                <a16:creationId xmlns="" xmlns:a16="http://schemas.microsoft.com/office/drawing/2014/main" id="{1CA46810-55D9-F59D-E6A7-23C27E97AD36}"/>
+                <a16:creationId xmlns:a16="http://schemas.microsoft.com/office/drawing/2014/main" id="{79700AA9-990B-7870-2127-FF3297EDF5A5}"/>
               </a:ext>
             </a:extLst>
           </p:cNvPr>
@@ -5153,8 +5020,8 @@
         </p:blipFill>
         <p:spPr>
           <a:xfrm>
-            <a:off x="908843" y="1331092"/>
-            <a:ext cx="7632790" cy="5289700"/>
+            <a:off x="1074079" y="1312619"/>
+            <a:ext cx="7386430" cy="5321030"/>
           </a:xfrm>
           <a:prstGeom prst="rect">
             <a:avLst/>
@@ -5176,7 +5043,7 @@
         </p:nvSpPr>
         <p:spPr>
           <a:xfrm>
-            <a:off x="527153" y="733397"/>
+            <a:off x="759204" y="791064"/>
             <a:ext cx="7625592" cy="483554"/>
           </a:xfrm>
           <a:prstGeom prst="rect">
@@ -5216,7 +5083,7 @@
                 <a:latin typeface="Times New Roman" pitchFamily="18" charset="0"/>
                 <a:cs typeface="Times New Roman" pitchFamily="18" charset="0"/>
               </a:rPr>
-              <a:t>Модуль «Товары»</a:t>
+              <a:t>Модуль «Пункты получения заказов»</a:t>
             </a:r>
           </a:p>
         </p:txBody>
@@ -5224,7 +5091,7 @@
     </p:spTree>
     <p:extLst>
       <p:ext uri="{BB962C8B-B14F-4D97-AF65-F5344CB8AC3E}">
-        <p14:creationId xmlns:p14="http://schemas.microsoft.com/office/powerpoint/2010/main" val="1358650744"/>
+        <p14:creationId xmlns:p14="http://schemas.microsoft.com/office/powerpoint/2010/main" val="2524094030"/>
       </p:ext>
     </p:extLst>
   </p:cSld>
@@ -5314,7 +5181,7 @@
             <a:hlinkClick r:id="rId2" action="ppaction://hlinksldjump"/>
             <a:extLst>
               <a:ext uri="{FF2B5EF4-FFF2-40B4-BE49-F238E27FC236}">
-                <a16:creationId xmlns="" xmlns:a16="http://schemas.microsoft.com/office/drawing/2014/main" id="{739DE089-339F-93B1-4C68-9EFF752E5718}"/>
+                <a16:creationId xmlns:a16="http://schemas.microsoft.com/office/drawing/2014/main" id="{739DE089-339F-93B1-4C68-9EFF752E5718}"/>
               </a:ext>
             </a:extLst>
           </p:cNvPr>
@@ -5357,7 +5224,7 @@
           <p:cNvPr id="5" name="Рисунок 4">
             <a:extLst>
               <a:ext uri="{FF2B5EF4-FFF2-40B4-BE49-F238E27FC236}">
-                <a16:creationId xmlns="" xmlns:a16="http://schemas.microsoft.com/office/drawing/2014/main" id="{79700AA9-990B-7870-2127-FF3297EDF5A5}"/>
+                <a16:creationId xmlns:a16="http://schemas.microsoft.com/office/drawing/2014/main" id="{E7B870C9-5A61-1B6B-78A1-EEC90C1FEA39}"/>
               </a:ext>
             </a:extLst>
           </p:cNvPr>
@@ -5379,8 +5246,8 @@
         </p:blipFill>
         <p:spPr>
           <a:xfrm>
-            <a:off x="1074079" y="1312619"/>
-            <a:ext cx="7386430" cy="5321030"/>
+            <a:off x="1378321" y="1274617"/>
+            <a:ext cx="6774424" cy="5190793"/>
           </a:xfrm>
           <a:prstGeom prst="rect">
             <a:avLst/>
@@ -5442,7 +5309,7 @@
                 <a:latin typeface="Times New Roman" pitchFamily="18" charset="0"/>
                 <a:cs typeface="Times New Roman" pitchFamily="18" charset="0"/>
               </a:rPr>
-              <a:t>Модуль «Пункты получения заказов»</a:t>
+              <a:t>Модуль «Позиция товаров»</a:t>
             </a:r>
           </a:p>
         </p:txBody>
@@ -5450,7 +5317,7 @@
     </p:spTree>
     <p:extLst>
       <p:ext uri="{BB962C8B-B14F-4D97-AF65-F5344CB8AC3E}">
-        <p14:creationId xmlns:p14="http://schemas.microsoft.com/office/powerpoint/2010/main" val="2524094030"/>
+        <p14:creationId xmlns:p14="http://schemas.microsoft.com/office/powerpoint/2010/main" val="4034179473"/>
       </p:ext>
     </p:extLst>
   </p:cSld>
@@ -5540,7 +5407,7 @@
             <a:hlinkClick r:id="rId2" action="ppaction://hlinksldjump"/>
             <a:extLst>
               <a:ext uri="{FF2B5EF4-FFF2-40B4-BE49-F238E27FC236}">
-                <a16:creationId xmlns="" xmlns:a16="http://schemas.microsoft.com/office/drawing/2014/main" id="{739DE089-339F-93B1-4C68-9EFF752E5718}"/>
+                <a16:creationId xmlns:a16="http://schemas.microsoft.com/office/drawing/2014/main" id="{739DE089-339F-93B1-4C68-9EFF752E5718}"/>
               </a:ext>
             </a:extLst>
           </p:cNvPr>
@@ -5550,7 +5417,7 @@
         <p:spPr>
           <a:xfrm>
             <a:off x="8152745" y="298888"/>
-            <a:ext cx="777777" cy="307777"/>
+            <a:ext cx="636713" cy="307777"/>
           </a:xfrm>
           <a:prstGeom prst="rect">
             <a:avLst/>
@@ -5569,7 +5436,7 @@
                 <a:cs typeface="Times New Roman" panose="02020603050405020304" pitchFamily="18" charset="0"/>
                 <a:hlinkClick r:id="rId3" action="ppaction://hlinksldjump"/>
               </a:rPr>
-              <a:t>Дальше</a:t>
+              <a:t>Назад</a:t>
             </a:r>
             <a:endParaRPr lang="ru-RU" sz="1400" dirty="0">
               <a:latin typeface="Times New Roman" panose="02020603050405020304" pitchFamily="18" charset="0"/>
@@ -5583,7 +5450,7 @@
           <p:cNvPr id="5" name="Рисунок 4">
             <a:extLst>
               <a:ext uri="{FF2B5EF4-FFF2-40B4-BE49-F238E27FC236}">
-                <a16:creationId xmlns="" xmlns:a16="http://schemas.microsoft.com/office/drawing/2014/main" id="{E7B870C9-5A61-1B6B-78A1-EEC90C1FEA39}"/>
+                <a16:creationId xmlns:a16="http://schemas.microsoft.com/office/drawing/2014/main" id="{5695236E-0D87-734B-60B7-0B2A6E0EB94F}"/>
               </a:ext>
             </a:extLst>
           </p:cNvPr>
@@ -5605,8 +5472,8 @@
         </p:blipFill>
         <p:spPr>
           <a:xfrm>
-            <a:off x="1378321" y="1274617"/>
-            <a:ext cx="6774424" cy="5190793"/>
+            <a:off x="1143000" y="1274617"/>
+            <a:ext cx="6726382" cy="5241425"/>
           </a:xfrm>
           <a:prstGeom prst="rect">
             <a:avLst/>
@@ -5668,7 +5535,7 @@
                 <a:latin typeface="Times New Roman" pitchFamily="18" charset="0"/>
                 <a:cs typeface="Times New Roman" pitchFamily="18" charset="0"/>
               </a:rPr>
-              <a:t>Модуль «Позиция товаров»</a:t>
+              <a:t>Модуль «Заказы»</a:t>
             </a:r>
           </a:p>
         </p:txBody>
@@ -5676,7 +5543,7 @@
     </p:spTree>
     <p:extLst>
       <p:ext uri="{BB962C8B-B14F-4D97-AF65-F5344CB8AC3E}">
-        <p14:creationId xmlns:p14="http://schemas.microsoft.com/office/powerpoint/2010/main" val="4034179473"/>
+        <p14:creationId xmlns:p14="http://schemas.microsoft.com/office/powerpoint/2010/main" val="798123042"/>
       </p:ext>
     </p:extLst>
   </p:cSld>
@@ -5713,232 +5580,6 @@
       </p:grpSpPr>
       <p:sp>
         <p:nvSpPr>
-          <p:cNvPr id="4" name="Прямоугольник 3"/>
-          <p:cNvSpPr/>
-          <p:nvPr/>
-        </p:nvSpPr>
-        <p:spPr>
-          <a:xfrm>
-            <a:off x="1143000" y="196810"/>
-            <a:ext cx="6858000" cy="535531"/>
-          </a:xfrm>
-          <a:prstGeom prst="rect">
-            <a:avLst/>
-          </a:prstGeom>
-        </p:spPr>
-        <p:txBody>
-          <a:bodyPr>
-            <a:spAutoFit/>
-          </a:bodyPr>
-          <a:lstStyle/>
-          <a:p>
-            <a:pPr marL="342900" indent="-342900" algn="ctr" fontAlgn="auto">
-              <a:lnSpc>
-                <a:spcPct val="80000"/>
-              </a:lnSpc>
-              <a:spcBef>
-                <a:spcPct val="20000"/>
-              </a:spcBef>
-              <a:spcAft>
-                <a:spcPts val="0"/>
-              </a:spcAft>
-              <a:buClr>
-                <a:schemeClr val="accent1">
-                  <a:shade val="75000"/>
-                </a:schemeClr>
-              </a:buClr>
-              <a:buSzPct val="55000"/>
-              <a:defRPr/>
-            </a:pPr>
-            <a:r>
-              <a:rPr kumimoji="1" lang="ru-RU" sz="3600" b="1" dirty="0">
-                <a:latin typeface="Times New Roman" pitchFamily="18" charset="0"/>
-                <a:cs typeface="Times New Roman" pitchFamily="18" charset="0"/>
-              </a:rPr>
-              <a:t>Логическая схема данных</a:t>
-            </a:r>
-          </a:p>
-        </p:txBody>
-      </p:sp>
-      <p:sp>
-        <p:nvSpPr>
-          <p:cNvPr id="3" name="TextBox 2">
-            <a:hlinkClick r:id="rId2" action="ppaction://hlinksldjump"/>
-            <a:extLst>
-              <a:ext uri="{FF2B5EF4-FFF2-40B4-BE49-F238E27FC236}">
-                <a16:creationId xmlns="" xmlns:a16="http://schemas.microsoft.com/office/drawing/2014/main" id="{739DE089-339F-93B1-4C68-9EFF752E5718}"/>
-              </a:ext>
-            </a:extLst>
-          </p:cNvPr>
-          <p:cNvSpPr txBox="1"/>
-          <p:nvPr/>
-        </p:nvSpPr>
-        <p:spPr>
-          <a:xfrm>
-            <a:off x="8152745" y="298888"/>
-            <a:ext cx="636713" cy="307777"/>
-          </a:xfrm>
-          <a:prstGeom prst="rect">
-            <a:avLst/>
-          </a:prstGeom>
-          <a:noFill/>
-        </p:spPr>
-        <p:txBody>
-          <a:bodyPr wrap="none" rtlCol="0">
-            <a:spAutoFit/>
-          </a:bodyPr>
-          <a:lstStyle/>
-          <a:p>
-            <a:r>
-              <a:rPr lang="ru-RU" sz="1400" dirty="0">
-                <a:latin typeface="Times New Roman" panose="02020603050405020304" pitchFamily="18" charset="0"/>
-                <a:cs typeface="Times New Roman" panose="02020603050405020304" pitchFamily="18" charset="0"/>
-                <a:hlinkClick r:id="rId3" action="ppaction://hlinksldjump"/>
-              </a:rPr>
-              <a:t>Назад</a:t>
-            </a:r>
-            <a:endParaRPr lang="ru-RU" sz="1400" dirty="0">
-              <a:latin typeface="Times New Roman" panose="02020603050405020304" pitchFamily="18" charset="0"/>
-              <a:cs typeface="Times New Roman" panose="02020603050405020304" pitchFamily="18" charset="0"/>
-            </a:endParaRPr>
-          </a:p>
-        </p:txBody>
-      </p:sp>
-      <p:pic>
-        <p:nvPicPr>
-          <p:cNvPr id="5" name="Рисунок 4">
-            <a:extLst>
-              <a:ext uri="{FF2B5EF4-FFF2-40B4-BE49-F238E27FC236}">
-                <a16:creationId xmlns="" xmlns:a16="http://schemas.microsoft.com/office/drawing/2014/main" id="{5695236E-0D87-734B-60B7-0B2A6E0EB94F}"/>
-              </a:ext>
-            </a:extLst>
-          </p:cNvPr>
-          <p:cNvPicPr>
-            <a:picLocks noChangeAspect="1"/>
-          </p:cNvPicPr>
-          <p:nvPr/>
-        </p:nvPicPr>
-        <p:blipFill>
-          <a:blip r:embed="rId4">
-            <a:extLst>
-              <a:ext uri="{28A0092B-C50C-407E-A947-70E740481C1C}">
-                <a14:useLocalDpi xmlns:a14="http://schemas.microsoft.com/office/drawing/2010/main" val="0"/>
-              </a:ext>
-            </a:extLst>
-          </a:blip>
-          <a:srcRect/>
-          <a:stretch/>
-        </p:blipFill>
-        <p:spPr>
-          <a:xfrm>
-            <a:off x="1143000" y="1274617"/>
-            <a:ext cx="6726382" cy="5241425"/>
-          </a:xfrm>
-          <a:prstGeom prst="rect">
-            <a:avLst/>
-          </a:prstGeom>
-          <a:ln w="12700">
-            <a:solidFill>
-              <a:schemeClr val="tx1"/>
-            </a:solidFill>
-          </a:ln>
-        </p:spPr>
-      </p:pic>
-      <p:sp>
-        <p:nvSpPr>
-          <p:cNvPr id="8" name="Содержимое 2"/>
-          <p:cNvSpPr txBox="1">
-            <a:spLocks/>
-          </p:cNvSpPr>
-          <p:nvPr/>
-        </p:nvSpPr>
-        <p:spPr>
-          <a:xfrm>
-            <a:off x="759204" y="791064"/>
-            <a:ext cx="7625592" cy="483554"/>
-          </a:xfrm>
-          <a:prstGeom prst="rect">
-            <a:avLst/>
-          </a:prstGeom>
-        </p:spPr>
-        <p:txBody>
-          <a:bodyPr>
-            <a:normAutofit/>
-            <a:scene3d>
-              <a:camera prst="orthographicFront"/>
-              <a:lightRig rig="threePt" dir="t"/>
-            </a:scene3d>
-            <a:sp3d extrusionH="57150">
-              <a:bevelT w="38100" h="38100" prst="relaxedInset"/>
-            </a:sp3d>
-          </a:bodyPr>
-          <a:lstStyle/>
-          <a:p>
-            <a:pPr indent="450000" algn="just" fontAlgn="auto">
-              <a:lnSpc>
-                <a:spcPct val="150000"/>
-              </a:lnSpc>
-              <a:spcAft>
-                <a:spcPts val="0"/>
-              </a:spcAft>
-              <a:buClr>
-                <a:schemeClr val="accent1"/>
-              </a:buClr>
-              <a:buSzPct val="85000"/>
-              <a:buFont typeface="Wingdings 2"/>
-              <a:buNone/>
-              <a:defRPr/>
-            </a:pPr>
-            <a:r>
-              <a:rPr lang="ru-RU" sz="1600" dirty="0">
-                <a:latin typeface="Times New Roman" pitchFamily="18" charset="0"/>
-                <a:cs typeface="Times New Roman" pitchFamily="18" charset="0"/>
-              </a:rPr>
-              <a:t>Модуль «Заказы»</a:t>
-            </a:r>
-          </a:p>
-        </p:txBody>
-      </p:sp>
-    </p:spTree>
-    <p:extLst>
-      <p:ext uri="{BB962C8B-B14F-4D97-AF65-F5344CB8AC3E}">
-        <p14:creationId xmlns:p14="http://schemas.microsoft.com/office/powerpoint/2010/main" val="798123042"/>
-      </p:ext>
-    </p:extLst>
-  </p:cSld>
-  <p:clrMapOvr>
-    <a:masterClrMapping/>
-  </p:clrMapOvr>
-  <mc:AlternateContent xmlns:mc="http://schemas.openxmlformats.org/markup-compatibility/2006" xmlns:p14="http://schemas.microsoft.com/office/powerpoint/2010/main">
-    <mc:Choice Requires="p14">
-      <p:transition p14:dur="0"/>
-    </mc:Choice>
-    <mc:Fallback xmlns="">
-      <p:transition/>
-    </mc:Fallback>
-  </mc:AlternateContent>
-</p:sld>
-</file>
-
-<file path=ppt/slides/slide15.xml><?xml version="1.0" encoding="utf-8"?>
-<p:sld xmlns:a="http://schemas.openxmlformats.org/drawingml/2006/main" xmlns:r="http://schemas.openxmlformats.org/officeDocument/2006/relationships" xmlns:p="http://schemas.openxmlformats.org/presentationml/2006/main">
-  <p:cSld>
-    <p:spTree>
-      <p:nvGrpSpPr>
-        <p:cNvPr id="1" name=""/>
-        <p:cNvGrpSpPr/>
-        <p:nvPr/>
-      </p:nvGrpSpPr>
-      <p:grpSpPr>
-        <a:xfrm>
-          <a:off x="0" y="0"/>
-          <a:ext cx="0" cy="0"/>
-          <a:chOff x="0" y="0"/>
-          <a:chExt cx="0" cy="0"/>
-        </a:xfrm>
-      </p:grpSpPr>
-      <p:sp>
-        <p:nvSpPr>
           <p:cNvPr id="12" name="Содержимое 2"/>
           <p:cNvSpPr txBox="1">
             <a:spLocks/>
@@ -6043,7 +5684,7 @@
           <p:cNvPr id="2" name="Группа 1">
             <a:extLst>
               <a:ext uri="{FF2B5EF4-FFF2-40B4-BE49-F238E27FC236}">
-                <a16:creationId xmlns="" xmlns:a16="http://schemas.microsoft.com/office/drawing/2014/main" id="{AE2AA29E-A901-1E34-A4C3-F9F80108B5E4}"/>
+                <a16:creationId xmlns:a16="http://schemas.microsoft.com/office/drawing/2014/main" id="{AE2AA29E-A901-1E34-A4C3-F9F80108B5E4}"/>
               </a:ext>
             </a:extLst>
           </p:cNvPr>
@@ -6063,7 +5704,7 @@
             <p:cNvPr id="3" name="Рисунок 2">
               <a:extLst>
                 <a:ext uri="{FF2B5EF4-FFF2-40B4-BE49-F238E27FC236}">
-                  <a16:creationId xmlns="" xmlns:a16="http://schemas.microsoft.com/office/drawing/2014/main" id="{71C633A1-3CF7-A96C-C15F-97D68495011F}"/>
+                  <a16:creationId xmlns:a16="http://schemas.microsoft.com/office/drawing/2014/main" id="{71C633A1-3CF7-A96C-C15F-97D68495011F}"/>
                 </a:ext>
               </a:extLst>
             </p:cNvPr>
@@ -6103,7 +5744,7 @@
             <p:cNvPr id="5" name="TextBox 4">
               <a:extLst>
                 <a:ext uri="{FF2B5EF4-FFF2-40B4-BE49-F238E27FC236}">
-                  <a16:creationId xmlns="" xmlns:a16="http://schemas.microsoft.com/office/drawing/2014/main" id="{51F7F5A0-3A98-FF50-FBC5-D9DC5AD6366F}"/>
+                  <a16:creationId xmlns:a16="http://schemas.microsoft.com/office/drawing/2014/main" id="{51F7F5A0-3A98-FF50-FBC5-D9DC5AD6366F}"/>
                 </a:ext>
               </a:extLst>
             </p:cNvPr>
@@ -6147,7 +5788,7 @@
           <p:cNvPr id="6" name="Группа 5">
             <a:extLst>
               <a:ext uri="{FF2B5EF4-FFF2-40B4-BE49-F238E27FC236}">
-                <a16:creationId xmlns="" xmlns:a16="http://schemas.microsoft.com/office/drawing/2014/main" id="{249CF34A-755F-7FE0-E9E7-D9BC2FCB7666}"/>
+                <a16:creationId xmlns:a16="http://schemas.microsoft.com/office/drawing/2014/main" id="{249CF34A-755F-7FE0-E9E7-D9BC2FCB7666}"/>
               </a:ext>
             </a:extLst>
           </p:cNvPr>
@@ -6167,7 +5808,7 @@
             <p:cNvPr id="7" name="Рисунок 6">
               <a:extLst>
                 <a:ext uri="{FF2B5EF4-FFF2-40B4-BE49-F238E27FC236}">
-                  <a16:creationId xmlns="" xmlns:a16="http://schemas.microsoft.com/office/drawing/2014/main" id="{7140D544-53C4-5B99-CDF8-28A749A4F022}"/>
+                  <a16:creationId xmlns:a16="http://schemas.microsoft.com/office/drawing/2014/main" id="{7140D544-53C4-5B99-CDF8-28A749A4F022}"/>
                 </a:ext>
               </a:extLst>
             </p:cNvPr>
@@ -6207,7 +5848,7 @@
             <p:cNvPr id="8" name="TextBox 7">
               <a:extLst>
                 <a:ext uri="{FF2B5EF4-FFF2-40B4-BE49-F238E27FC236}">
-                  <a16:creationId xmlns="" xmlns:a16="http://schemas.microsoft.com/office/drawing/2014/main" id="{6373E410-56AE-1998-19C4-C78541934590}"/>
+                  <a16:creationId xmlns:a16="http://schemas.microsoft.com/office/drawing/2014/main" id="{6373E410-56AE-1998-19C4-C78541934590}"/>
                 </a:ext>
               </a:extLst>
             </p:cNvPr>
@@ -6251,7 +5892,7 @@
           <p:cNvPr id="9" name="Группа 8">
             <a:extLst>
               <a:ext uri="{FF2B5EF4-FFF2-40B4-BE49-F238E27FC236}">
-                <a16:creationId xmlns="" xmlns:a16="http://schemas.microsoft.com/office/drawing/2014/main" id="{CB39C819-8DB8-759B-D3F2-3524A0F09307}"/>
+                <a16:creationId xmlns:a16="http://schemas.microsoft.com/office/drawing/2014/main" id="{CB39C819-8DB8-759B-D3F2-3524A0F09307}"/>
               </a:ext>
             </a:extLst>
           </p:cNvPr>
@@ -6271,7 +5912,7 @@
             <p:cNvPr id="10" name="Рисунок 9">
               <a:extLst>
                 <a:ext uri="{FF2B5EF4-FFF2-40B4-BE49-F238E27FC236}">
-                  <a16:creationId xmlns="" xmlns:a16="http://schemas.microsoft.com/office/drawing/2014/main" id="{F0C53E7C-F3A4-A578-A847-AC383D6178E4}"/>
+                  <a16:creationId xmlns:a16="http://schemas.microsoft.com/office/drawing/2014/main" id="{F0C53E7C-F3A4-A578-A847-AC383D6178E4}"/>
                 </a:ext>
               </a:extLst>
             </p:cNvPr>
@@ -6311,7 +5952,7 @@
             <p:cNvPr id="11" name="TextBox 10">
               <a:extLst>
                 <a:ext uri="{FF2B5EF4-FFF2-40B4-BE49-F238E27FC236}">
-                  <a16:creationId xmlns="" xmlns:a16="http://schemas.microsoft.com/office/drawing/2014/main" id="{B75B0DDF-09D5-6498-D341-73847519AA3E}"/>
+                  <a16:creationId xmlns:a16="http://schemas.microsoft.com/office/drawing/2014/main" id="{B75B0DDF-09D5-6498-D341-73847519AA3E}"/>
                 </a:ext>
               </a:extLst>
             </p:cNvPr>
@@ -6355,7 +5996,7 @@
           <p:cNvPr id="13" name="Группа 12">
             <a:extLst>
               <a:ext uri="{FF2B5EF4-FFF2-40B4-BE49-F238E27FC236}">
-                <a16:creationId xmlns="" xmlns:a16="http://schemas.microsoft.com/office/drawing/2014/main" id="{8E77B20B-9D82-87A5-3FC9-91C47EBCEBB8}"/>
+                <a16:creationId xmlns:a16="http://schemas.microsoft.com/office/drawing/2014/main" id="{8E77B20B-9D82-87A5-3FC9-91C47EBCEBB8}"/>
               </a:ext>
             </a:extLst>
           </p:cNvPr>
@@ -6375,7 +6016,7 @@
             <p:cNvPr id="14" name="Рисунок 13">
               <a:extLst>
                 <a:ext uri="{FF2B5EF4-FFF2-40B4-BE49-F238E27FC236}">
-                  <a16:creationId xmlns="" xmlns:a16="http://schemas.microsoft.com/office/drawing/2014/main" id="{75ADBEFC-E9CD-D710-C87E-CDFC8BCB323B}"/>
+                  <a16:creationId xmlns:a16="http://schemas.microsoft.com/office/drawing/2014/main" id="{75ADBEFC-E9CD-D710-C87E-CDFC8BCB323B}"/>
                 </a:ext>
               </a:extLst>
             </p:cNvPr>
@@ -6415,7 +6056,7 @@
             <p:cNvPr id="15" name="TextBox 14">
               <a:extLst>
                 <a:ext uri="{FF2B5EF4-FFF2-40B4-BE49-F238E27FC236}">
-                  <a16:creationId xmlns="" xmlns:a16="http://schemas.microsoft.com/office/drawing/2014/main" id="{D7E8BC85-EF81-0044-8082-DBD30809C899}"/>
+                  <a16:creationId xmlns:a16="http://schemas.microsoft.com/office/drawing/2014/main" id="{D7E8BC85-EF81-0044-8082-DBD30809C899}"/>
                 </a:ext>
               </a:extLst>
             </p:cNvPr>
@@ -6459,7 +6100,7 @@
           <p:cNvPr id="16" name="Группа 15">
             <a:extLst>
               <a:ext uri="{FF2B5EF4-FFF2-40B4-BE49-F238E27FC236}">
-                <a16:creationId xmlns="" xmlns:a16="http://schemas.microsoft.com/office/drawing/2014/main" id="{94F701B2-1156-48A1-F910-B3C69952E481}"/>
+                <a16:creationId xmlns:a16="http://schemas.microsoft.com/office/drawing/2014/main" id="{94F701B2-1156-48A1-F910-B3C69952E481}"/>
               </a:ext>
             </a:extLst>
           </p:cNvPr>
@@ -6479,7 +6120,7 @@
             <p:cNvPr id="17" name="Рисунок 16">
               <a:extLst>
                 <a:ext uri="{FF2B5EF4-FFF2-40B4-BE49-F238E27FC236}">
-                  <a16:creationId xmlns="" xmlns:a16="http://schemas.microsoft.com/office/drawing/2014/main" id="{59CBC2F5-0D6B-C87D-4832-37BD5556F93B}"/>
+                  <a16:creationId xmlns:a16="http://schemas.microsoft.com/office/drawing/2014/main" id="{59CBC2F5-0D6B-C87D-4832-37BD5556F93B}"/>
                 </a:ext>
               </a:extLst>
             </p:cNvPr>
@@ -6519,7 +6160,7 @@
             <p:cNvPr id="18" name="TextBox 17">
               <a:extLst>
                 <a:ext uri="{FF2B5EF4-FFF2-40B4-BE49-F238E27FC236}">
-                  <a16:creationId xmlns="" xmlns:a16="http://schemas.microsoft.com/office/drawing/2014/main" id="{5D41438D-35B1-B582-69B9-5185D148D623}"/>
+                  <a16:creationId xmlns:a16="http://schemas.microsoft.com/office/drawing/2014/main" id="{5D41438D-35B1-B582-69B9-5185D148D623}"/>
                 </a:ext>
               </a:extLst>
             </p:cNvPr>
@@ -6563,7 +6204,7 @@
           <p:cNvPr id="19" name="Группа 18">
             <a:extLst>
               <a:ext uri="{FF2B5EF4-FFF2-40B4-BE49-F238E27FC236}">
-                <a16:creationId xmlns="" xmlns:a16="http://schemas.microsoft.com/office/drawing/2014/main" id="{6AC06DFF-B423-2AAF-FFA1-ACB0B787501A}"/>
+                <a16:creationId xmlns:a16="http://schemas.microsoft.com/office/drawing/2014/main" id="{6AC06DFF-B423-2AAF-FFA1-ACB0B787501A}"/>
               </a:ext>
             </a:extLst>
           </p:cNvPr>
@@ -6583,7 +6224,7 @@
             <p:cNvPr id="20" name="Рисунок 19">
               <a:extLst>
                 <a:ext uri="{FF2B5EF4-FFF2-40B4-BE49-F238E27FC236}">
-                  <a16:creationId xmlns="" xmlns:a16="http://schemas.microsoft.com/office/drawing/2014/main" id="{F28D0224-8F56-3BC7-A16B-3D44FDB2EA44}"/>
+                  <a16:creationId xmlns:a16="http://schemas.microsoft.com/office/drawing/2014/main" id="{F28D0224-8F56-3BC7-A16B-3D44FDB2EA44}"/>
                 </a:ext>
               </a:extLst>
             </p:cNvPr>
@@ -6623,7 +6264,7 @@
             <p:cNvPr id="21" name="TextBox 20">
               <a:extLst>
                 <a:ext uri="{FF2B5EF4-FFF2-40B4-BE49-F238E27FC236}">
-                  <a16:creationId xmlns="" xmlns:a16="http://schemas.microsoft.com/office/drawing/2014/main" id="{E061E8A0-AE44-DDEA-0AA4-0374B6A6E834}"/>
+                  <a16:creationId xmlns:a16="http://schemas.microsoft.com/office/drawing/2014/main" id="{E061E8A0-AE44-DDEA-0AA4-0374B6A6E834}"/>
                 </a:ext>
               </a:extLst>
             </p:cNvPr>
@@ -6667,7 +6308,7 @@
           <p:cNvPr id="22" name="Группа 21">
             <a:extLst>
               <a:ext uri="{FF2B5EF4-FFF2-40B4-BE49-F238E27FC236}">
-                <a16:creationId xmlns="" xmlns:a16="http://schemas.microsoft.com/office/drawing/2014/main" id="{6A204A79-6BE6-14C3-E2EB-B99C05AC08AB}"/>
+                <a16:creationId xmlns:a16="http://schemas.microsoft.com/office/drawing/2014/main" id="{6A204A79-6BE6-14C3-E2EB-B99C05AC08AB}"/>
               </a:ext>
             </a:extLst>
           </p:cNvPr>
@@ -6687,7 +6328,7 @@
             <p:cNvPr id="23" name="Рисунок 22">
               <a:extLst>
                 <a:ext uri="{FF2B5EF4-FFF2-40B4-BE49-F238E27FC236}">
-                  <a16:creationId xmlns="" xmlns:a16="http://schemas.microsoft.com/office/drawing/2014/main" id="{30A07176-C5E4-6A21-0BFA-09E772A024E6}"/>
+                  <a16:creationId xmlns:a16="http://schemas.microsoft.com/office/drawing/2014/main" id="{30A07176-C5E4-6A21-0BFA-09E772A024E6}"/>
                 </a:ext>
               </a:extLst>
             </p:cNvPr>
@@ -6727,7 +6368,7 @@
             <p:cNvPr id="24" name="TextBox 23">
               <a:extLst>
                 <a:ext uri="{FF2B5EF4-FFF2-40B4-BE49-F238E27FC236}">
-                  <a16:creationId xmlns="" xmlns:a16="http://schemas.microsoft.com/office/drawing/2014/main" id="{AABC9A09-658A-EB3A-E6DF-9FD639D2A779}"/>
+                  <a16:creationId xmlns:a16="http://schemas.microsoft.com/office/drawing/2014/main" id="{AABC9A09-658A-EB3A-E6DF-9FD639D2A779}"/>
                 </a:ext>
               </a:extLst>
             </p:cNvPr>
@@ -6771,7 +6412,7 @@
           <p:cNvPr id="26" name="Группа 25">
             <a:extLst>
               <a:ext uri="{FF2B5EF4-FFF2-40B4-BE49-F238E27FC236}">
-                <a16:creationId xmlns="" xmlns:a16="http://schemas.microsoft.com/office/drawing/2014/main" id="{E76D7354-0DAD-6F3D-3BFD-07A489A962CE}"/>
+                <a16:creationId xmlns:a16="http://schemas.microsoft.com/office/drawing/2014/main" id="{E76D7354-0DAD-6F3D-3BFD-07A489A962CE}"/>
               </a:ext>
             </a:extLst>
           </p:cNvPr>
@@ -6791,7 +6432,7 @@
             <p:cNvPr id="27" name="Рисунок 26">
               <a:extLst>
                 <a:ext uri="{FF2B5EF4-FFF2-40B4-BE49-F238E27FC236}">
-                  <a16:creationId xmlns="" xmlns:a16="http://schemas.microsoft.com/office/drawing/2014/main" id="{9486E243-C6FA-DC04-1E5A-388E0E45320C}"/>
+                  <a16:creationId xmlns:a16="http://schemas.microsoft.com/office/drawing/2014/main" id="{9486E243-C6FA-DC04-1E5A-388E0E45320C}"/>
                 </a:ext>
               </a:extLst>
             </p:cNvPr>
@@ -6831,7 +6472,7 @@
             <p:cNvPr id="28" name="TextBox 27">
               <a:extLst>
                 <a:ext uri="{FF2B5EF4-FFF2-40B4-BE49-F238E27FC236}">
-                  <a16:creationId xmlns="" xmlns:a16="http://schemas.microsoft.com/office/drawing/2014/main" id="{F8C87495-2FB5-432E-2405-567E1AD65676}"/>
+                  <a16:creationId xmlns:a16="http://schemas.microsoft.com/office/drawing/2014/main" id="{F8C87495-2FB5-432E-2405-567E1AD65676}"/>
                 </a:ext>
               </a:extLst>
             </p:cNvPr>
@@ -6875,7 +6516,7 @@
           <p:cNvPr id="29" name="Группа 28">
             <a:extLst>
               <a:ext uri="{FF2B5EF4-FFF2-40B4-BE49-F238E27FC236}">
-                <a16:creationId xmlns="" xmlns:a16="http://schemas.microsoft.com/office/drawing/2014/main" id="{69351E55-CA74-FF09-C15B-C7A44B945A62}"/>
+                <a16:creationId xmlns:a16="http://schemas.microsoft.com/office/drawing/2014/main" id="{69351E55-CA74-FF09-C15B-C7A44B945A62}"/>
               </a:ext>
             </a:extLst>
           </p:cNvPr>
@@ -6895,7 +6536,7 @@
             <p:cNvPr id="30" name="Рисунок 29">
               <a:extLst>
                 <a:ext uri="{FF2B5EF4-FFF2-40B4-BE49-F238E27FC236}">
-                  <a16:creationId xmlns="" xmlns:a16="http://schemas.microsoft.com/office/drawing/2014/main" id="{C546CCC4-C080-CFE8-BBBB-0F715994B034}"/>
+                  <a16:creationId xmlns:a16="http://schemas.microsoft.com/office/drawing/2014/main" id="{C546CCC4-C080-CFE8-BBBB-0F715994B034}"/>
                 </a:ext>
               </a:extLst>
             </p:cNvPr>
@@ -6935,7 +6576,7 @@
             <p:cNvPr id="31" name="TextBox 30">
               <a:extLst>
                 <a:ext uri="{FF2B5EF4-FFF2-40B4-BE49-F238E27FC236}">
-                  <a16:creationId xmlns="" xmlns:a16="http://schemas.microsoft.com/office/drawing/2014/main" id="{ED6FDD07-7601-9D6D-C183-AF1CE8E2F531}"/>
+                  <a16:creationId xmlns:a16="http://schemas.microsoft.com/office/drawing/2014/main" id="{ED6FDD07-7601-9D6D-C183-AF1CE8E2F531}"/>
                 </a:ext>
               </a:extLst>
             </p:cNvPr>
@@ -6979,7 +6620,7 @@
           <p:cNvPr id="32" name="Группа 31">
             <a:extLst>
               <a:ext uri="{FF2B5EF4-FFF2-40B4-BE49-F238E27FC236}">
-                <a16:creationId xmlns="" xmlns:a16="http://schemas.microsoft.com/office/drawing/2014/main" id="{BD575BA4-9828-68BE-BA71-8791B9AA3467}"/>
+                <a16:creationId xmlns:a16="http://schemas.microsoft.com/office/drawing/2014/main" id="{BD575BA4-9828-68BE-BA71-8791B9AA3467}"/>
               </a:ext>
             </a:extLst>
           </p:cNvPr>
@@ -6999,7 +6640,7 @@
             <p:cNvPr id="33" name="Рисунок 32">
               <a:extLst>
                 <a:ext uri="{FF2B5EF4-FFF2-40B4-BE49-F238E27FC236}">
-                  <a16:creationId xmlns="" xmlns:a16="http://schemas.microsoft.com/office/drawing/2014/main" id="{067CC9D9-EE5E-C18A-D94E-EC2D7BF4D013}"/>
+                  <a16:creationId xmlns:a16="http://schemas.microsoft.com/office/drawing/2014/main" id="{067CC9D9-EE5E-C18A-D94E-EC2D7BF4D013}"/>
                 </a:ext>
               </a:extLst>
             </p:cNvPr>
@@ -7039,7 +6680,7 @@
             <p:cNvPr id="34" name="TextBox 33">
               <a:extLst>
                 <a:ext uri="{FF2B5EF4-FFF2-40B4-BE49-F238E27FC236}">
-                  <a16:creationId xmlns="" xmlns:a16="http://schemas.microsoft.com/office/drawing/2014/main" id="{A301258A-4470-0EC4-B065-3B15C2444A41}"/>
+                  <a16:creationId xmlns:a16="http://schemas.microsoft.com/office/drawing/2014/main" id="{A301258A-4470-0EC4-B065-3B15C2444A41}"/>
                 </a:ext>
               </a:extLst>
             </p:cNvPr>
@@ -7083,7 +6724,7 @@
           <p:cNvPr id="35" name="Группа 34">
             <a:extLst>
               <a:ext uri="{FF2B5EF4-FFF2-40B4-BE49-F238E27FC236}">
-                <a16:creationId xmlns="" xmlns:a16="http://schemas.microsoft.com/office/drawing/2014/main" id="{31A9B502-E7B7-B952-B990-E875C1896D73}"/>
+                <a16:creationId xmlns:a16="http://schemas.microsoft.com/office/drawing/2014/main" id="{31A9B502-E7B7-B952-B990-E875C1896D73}"/>
               </a:ext>
             </a:extLst>
           </p:cNvPr>
@@ -7103,7 +6744,7 @@
             <p:cNvPr id="36" name="Рисунок 35">
               <a:extLst>
                 <a:ext uri="{FF2B5EF4-FFF2-40B4-BE49-F238E27FC236}">
-                  <a16:creationId xmlns="" xmlns:a16="http://schemas.microsoft.com/office/drawing/2014/main" id="{1517456B-BA2C-FFDD-FF3B-5D492F2BD6DC}"/>
+                  <a16:creationId xmlns:a16="http://schemas.microsoft.com/office/drawing/2014/main" id="{1517456B-BA2C-FFDD-FF3B-5D492F2BD6DC}"/>
                 </a:ext>
               </a:extLst>
             </p:cNvPr>
@@ -7143,7 +6784,7 @@
             <p:cNvPr id="37" name="TextBox 36">
               <a:extLst>
                 <a:ext uri="{FF2B5EF4-FFF2-40B4-BE49-F238E27FC236}">
-                  <a16:creationId xmlns="" xmlns:a16="http://schemas.microsoft.com/office/drawing/2014/main" id="{E6F42154-CCBA-30CC-2414-694FA63EBD14}"/>
+                  <a16:creationId xmlns:a16="http://schemas.microsoft.com/office/drawing/2014/main" id="{E6F42154-CCBA-30CC-2414-694FA63EBD14}"/>
                 </a:ext>
               </a:extLst>
             </p:cNvPr>
@@ -7172,16 +6813,9 @@
                   <a:latin typeface="Times New Roman" panose="02020603050405020304" pitchFamily="18" charset="0"/>
                   <a:cs typeface="Times New Roman" panose="02020603050405020304" pitchFamily="18" charset="0"/>
                 </a:rPr>
-                <a:t>MS </a:t>
+                <a:t>MS SQL</a:t>
               </a:r>
-              <a:r>
-                <a:rPr lang="en-US" sz="1200" dirty="0" smtClean="0">
-                  <a:latin typeface="Times New Roman" panose="02020603050405020304" pitchFamily="18" charset="0"/>
-                  <a:cs typeface="Times New Roman" panose="02020603050405020304" pitchFamily="18" charset="0"/>
-                </a:rPr>
-                <a:t>SQL</a:t>
-              </a:r>
-              <a:endParaRPr lang="ru-RU" sz="1200" dirty="0" smtClean="0">
+              <a:endParaRPr lang="ru-RU" sz="1200" dirty="0">
                 <a:latin typeface="Times New Roman" panose="02020603050405020304" pitchFamily="18" charset="0"/>
                 <a:cs typeface="Times New Roman" panose="02020603050405020304" pitchFamily="18" charset="0"/>
               </a:endParaRPr>
@@ -7189,18 +6823,11 @@
             <a:p>
               <a:pPr algn="ctr"/>
               <a:r>
-                <a:rPr lang="en-US" sz="1200" dirty="0" smtClean="0">
-                  <a:latin typeface="Times New Roman" panose="02020603050405020304" pitchFamily="18" charset="0"/>
-                  <a:cs typeface="Times New Roman" panose="02020603050405020304" pitchFamily="18" charset="0"/>
-                </a:rPr>
-                <a:t>Management </a:t>
-              </a:r>
-              <a:r>
                 <a:rPr lang="en-US" sz="1200" dirty="0">
                   <a:latin typeface="Times New Roman" panose="02020603050405020304" pitchFamily="18" charset="0"/>
                   <a:cs typeface="Times New Roman" panose="02020603050405020304" pitchFamily="18" charset="0"/>
                 </a:rPr>
-                <a:t>Studio</a:t>
+                <a:t>Management Studio</a:t>
               </a:r>
               <a:endParaRPr lang="ru-RU" sz="1200" dirty="0">
                 <a:latin typeface="Times New Roman" panose="02020603050405020304" pitchFamily="18" charset="0"/>
@@ -7216,7 +6843,7 @@
             <a:hlinkClick r:id="rId13" action="ppaction://hlinksldjump"/>
             <a:extLst>
               <a:ext uri="{FF2B5EF4-FFF2-40B4-BE49-F238E27FC236}">
-                <a16:creationId xmlns="" xmlns:a16="http://schemas.microsoft.com/office/drawing/2014/main" id="{757B0880-C6A1-6AFA-F5A5-7A136CDF5689}"/>
+                <a16:creationId xmlns:a16="http://schemas.microsoft.com/office/drawing/2014/main" id="{757B0880-C6A1-6AFA-F5A5-7A136CDF5689}"/>
               </a:ext>
             </a:extLst>
           </p:cNvPr>
@@ -7259,7 +6886,7 @@
           <p:cNvPr id="25" name="TextBox 24">
             <a:extLst>
               <a:ext uri="{FF2B5EF4-FFF2-40B4-BE49-F238E27FC236}">
-                <a16:creationId xmlns="" xmlns:a16="http://schemas.microsoft.com/office/drawing/2014/main" id="{B6DF9F94-6DA8-FAF5-E6A9-E678589E22C8}"/>
+                <a16:creationId xmlns:a16="http://schemas.microsoft.com/office/drawing/2014/main" id="{B6DF9F94-6DA8-FAF5-E6A9-E678589E22C8}"/>
               </a:ext>
             </a:extLst>
           </p:cNvPr>
@@ -7284,7 +6911,7 @@
           <a:p>
             <a:pPr algn="ctr"/>
             <a:r>
-              <a:rPr lang="ru-RU" b="1" dirty="0" smtClean="0">
+              <a:rPr lang="ru-RU" b="1" dirty="0">
                 <a:latin typeface="Times New Roman" panose="02020603050405020304" pitchFamily="18" charset="0"/>
                 <a:cs typeface="Times New Roman" panose="02020603050405020304" pitchFamily="18" charset="0"/>
               </a:rPr>
@@ -7294,16 +6921,12 @@
           <a:p>
             <a:pPr algn="ctr"/>
             <a:r>
-              <a:rPr lang="ru-RU" b="1" dirty="0" smtClean="0">
+              <a:rPr lang="ru-RU" b="1" dirty="0">
                 <a:latin typeface="Times New Roman" panose="02020603050405020304" pitchFamily="18" charset="0"/>
                 <a:cs typeface="Times New Roman" panose="02020603050405020304" pitchFamily="18" charset="0"/>
               </a:rPr>
               <a:t>системы</a:t>
             </a:r>
-            <a:endParaRPr lang="ru-RU" b="1" dirty="0">
-              <a:latin typeface="Times New Roman" panose="02020603050405020304" pitchFamily="18" charset="0"/>
-              <a:cs typeface="Times New Roman" panose="02020603050405020304" pitchFamily="18" charset="0"/>
-            </a:endParaRPr>
           </a:p>
         </p:txBody>
       </p:sp>
@@ -7312,7 +6935,7 @@
           <p:cNvPr id="39" name="TextBox 38">
             <a:extLst>
               <a:ext uri="{FF2B5EF4-FFF2-40B4-BE49-F238E27FC236}">
-                <a16:creationId xmlns="" xmlns:a16="http://schemas.microsoft.com/office/drawing/2014/main" id="{C906EF49-2676-9AEA-DFC6-3916D6FBCCCD}"/>
+                <a16:creationId xmlns:a16="http://schemas.microsoft.com/office/drawing/2014/main" id="{C906EF49-2676-9AEA-DFC6-3916D6FBCCCD}"/>
               </a:ext>
             </a:extLst>
           </p:cNvPr>
@@ -7337,7 +6960,7 @@
           <a:p>
             <a:pPr algn="ctr"/>
             <a:r>
-              <a:rPr lang="ru-RU" b="1" dirty="0" smtClean="0">
+              <a:rPr lang="ru-RU" b="1" dirty="0">
                 <a:latin typeface="Times New Roman" panose="02020603050405020304" pitchFamily="18" charset="0"/>
                 <a:cs typeface="Times New Roman" panose="02020603050405020304" pitchFamily="18" charset="0"/>
               </a:rPr>
@@ -7347,16 +6970,12 @@
           <a:p>
             <a:pPr algn="ctr"/>
             <a:r>
-              <a:rPr lang="ru-RU" b="1" dirty="0" smtClean="0">
+              <a:rPr lang="ru-RU" b="1" dirty="0">
                 <a:latin typeface="Times New Roman" panose="02020603050405020304" pitchFamily="18" charset="0"/>
                 <a:cs typeface="Times New Roman" panose="02020603050405020304" pitchFamily="18" charset="0"/>
               </a:rPr>
               <a:t>разработки</a:t>
             </a:r>
-            <a:endParaRPr lang="ru-RU" b="1" dirty="0">
-              <a:latin typeface="Times New Roman" panose="02020603050405020304" pitchFamily="18" charset="0"/>
-              <a:cs typeface="Times New Roman" panose="02020603050405020304" pitchFamily="18" charset="0"/>
-            </a:endParaRPr>
           </a:p>
         </p:txBody>
       </p:sp>
@@ -7365,7 +6984,7 @@
           <p:cNvPr id="40" name="TextBox 39">
             <a:extLst>
               <a:ext uri="{FF2B5EF4-FFF2-40B4-BE49-F238E27FC236}">
-                <a16:creationId xmlns="" xmlns:a16="http://schemas.microsoft.com/office/drawing/2014/main" id="{8CA37712-B451-61A0-4C1E-9F7A03232854}"/>
+                <a16:creationId xmlns:a16="http://schemas.microsoft.com/office/drawing/2014/main" id="{8CA37712-B451-61A0-4C1E-9F7A03232854}"/>
               </a:ext>
             </a:extLst>
           </p:cNvPr>
@@ -7390,7 +7009,7 @@
           <a:p>
             <a:pPr algn="ctr"/>
             <a:r>
-              <a:rPr lang="ru-RU" b="1" dirty="0" smtClean="0">
+              <a:rPr lang="ru-RU" b="1" dirty="0">
                 <a:latin typeface="Times New Roman" panose="02020603050405020304" pitchFamily="18" charset="0"/>
                 <a:cs typeface="Times New Roman" panose="02020603050405020304" pitchFamily="18" charset="0"/>
               </a:rPr>
@@ -7400,16 +7019,12 @@
           <a:p>
             <a:pPr algn="ctr"/>
             <a:r>
-              <a:rPr lang="ru-RU" b="1" dirty="0" smtClean="0">
+              <a:rPr lang="ru-RU" b="1" dirty="0">
                 <a:latin typeface="Times New Roman" panose="02020603050405020304" pitchFamily="18" charset="0"/>
                 <a:cs typeface="Times New Roman" panose="02020603050405020304" pitchFamily="18" charset="0"/>
               </a:rPr>
               <a:t>программирования</a:t>
             </a:r>
-            <a:endParaRPr lang="ru-RU" b="1" dirty="0">
-              <a:latin typeface="Times New Roman" panose="02020603050405020304" pitchFamily="18" charset="0"/>
-              <a:cs typeface="Times New Roman" panose="02020603050405020304" pitchFamily="18" charset="0"/>
-            </a:endParaRPr>
           </a:p>
         </p:txBody>
       </p:sp>
@@ -7418,7 +7033,7 @@
           <p:cNvPr id="41" name="TextBox 40">
             <a:extLst>
               <a:ext uri="{FF2B5EF4-FFF2-40B4-BE49-F238E27FC236}">
-                <a16:creationId xmlns="" xmlns:a16="http://schemas.microsoft.com/office/drawing/2014/main" id="{2CE415A7-A4EC-97F1-BAE4-C29DEFDD1591}"/>
+                <a16:creationId xmlns:a16="http://schemas.microsoft.com/office/drawing/2014/main" id="{2CE415A7-A4EC-97F1-BAE4-C29DEFDD1591}"/>
               </a:ext>
             </a:extLst>
           </p:cNvPr>
@@ -7443,7 +7058,7 @@
           <a:p>
             <a:pPr algn="ctr"/>
             <a:r>
-              <a:rPr lang="ru-RU" b="1" dirty="0" smtClean="0">
+              <a:rPr lang="ru-RU" b="1" dirty="0">
                 <a:latin typeface="Times New Roman" panose="02020603050405020304" pitchFamily="18" charset="0"/>
                 <a:cs typeface="Times New Roman" panose="02020603050405020304" pitchFamily="18" charset="0"/>
               </a:rPr>
@@ -7453,16 +7068,12 @@
           <a:p>
             <a:pPr algn="ctr"/>
             <a:r>
-              <a:rPr lang="ru-RU" b="1" dirty="0" smtClean="0">
+              <a:rPr lang="ru-RU" b="1" dirty="0">
                 <a:latin typeface="Times New Roman" panose="02020603050405020304" pitchFamily="18" charset="0"/>
                 <a:cs typeface="Times New Roman" panose="02020603050405020304" pitchFamily="18" charset="0"/>
               </a:rPr>
               <a:t>тестирования</a:t>
             </a:r>
-            <a:endParaRPr lang="ru-RU" b="1" dirty="0">
-              <a:latin typeface="Times New Roman" panose="02020603050405020304" pitchFamily="18" charset="0"/>
-              <a:cs typeface="Times New Roman" panose="02020603050405020304" pitchFamily="18" charset="0"/>
-            </a:endParaRPr>
           </a:p>
         </p:txBody>
       </p:sp>
@@ -7471,7 +7082,7 @@
           <p:cNvPr id="44" name="TextBox 43">
             <a:extLst>
               <a:ext uri="{FF2B5EF4-FFF2-40B4-BE49-F238E27FC236}">
-                <a16:creationId xmlns="" xmlns:a16="http://schemas.microsoft.com/office/drawing/2014/main" id="{61879D38-1D6F-A98B-8EE4-E9BEDA780AA9}"/>
+                <a16:creationId xmlns:a16="http://schemas.microsoft.com/office/drawing/2014/main" id="{61879D38-1D6F-A98B-8EE4-E9BEDA780AA9}"/>
               </a:ext>
             </a:extLst>
           </p:cNvPr>
@@ -7509,6 +7120,663 @@
     <p:extLst>
       <p:ext uri="{BB962C8B-B14F-4D97-AF65-F5344CB8AC3E}">
         <p14:creationId xmlns:p14="http://schemas.microsoft.com/office/powerpoint/2010/main" val="395566625"/>
+      </p:ext>
+    </p:extLst>
+  </p:cSld>
+  <p:clrMapOvr>
+    <a:masterClrMapping/>
+  </p:clrMapOvr>
+  <mc:AlternateContent xmlns:mc="http://schemas.openxmlformats.org/markup-compatibility/2006" xmlns:p14="http://schemas.microsoft.com/office/powerpoint/2010/main">
+    <mc:Choice Requires="p14">
+      <p:transition p14:dur="0"/>
+    </mc:Choice>
+    <mc:Fallback xmlns="">
+      <p:transition/>
+    </mc:Fallback>
+  </mc:AlternateContent>
+</p:sld>
+</file>
+
+<file path=ppt/slides/slide15.xml><?xml version="1.0" encoding="utf-8"?>
+<p:sld xmlns:a="http://schemas.openxmlformats.org/drawingml/2006/main" xmlns:r="http://schemas.openxmlformats.org/officeDocument/2006/relationships" xmlns:p="http://schemas.openxmlformats.org/presentationml/2006/main">
+  <p:cSld>
+    <p:spTree>
+      <p:nvGrpSpPr>
+        <p:cNvPr id="1" name=""/>
+        <p:cNvGrpSpPr/>
+        <p:nvPr/>
+      </p:nvGrpSpPr>
+      <p:grpSpPr>
+        <a:xfrm>
+          <a:off x="0" y="0"/>
+          <a:ext cx="0" cy="0"/>
+          <a:chOff x="0" y="0"/>
+          <a:chExt cx="0" cy="0"/>
+        </a:xfrm>
+      </p:grpSpPr>
+      <p:sp>
+        <p:nvSpPr>
+          <p:cNvPr id="12" name="Содержимое 2"/>
+          <p:cNvSpPr txBox="1">
+            <a:spLocks/>
+          </p:cNvSpPr>
+          <p:nvPr/>
+        </p:nvSpPr>
+        <p:spPr>
+          <a:xfrm>
+            <a:off x="742425" y="678407"/>
+            <a:ext cx="7659150" cy="5711824"/>
+          </a:xfrm>
+          <a:prstGeom prst="rect">
+            <a:avLst/>
+          </a:prstGeom>
+        </p:spPr>
+        <p:txBody>
+          <a:bodyPr>
+            <a:noAutofit/>
+            <a:scene3d>
+              <a:camera prst="orthographicFront"/>
+              <a:lightRig rig="threePt" dir="t"/>
+            </a:scene3d>
+            <a:sp3d extrusionH="57150">
+              <a:bevelT w="38100" h="38100" prst="relaxedInset"/>
+            </a:sp3d>
+          </a:bodyPr>
+          <a:lstStyle/>
+          <a:p>
+            <a:pPr lvl="0" indent="444500" algn="just" fontAlgn="base">
+              <a:lnSpc>
+                <a:spcPct val="150000"/>
+              </a:lnSpc>
+              <a:buFont typeface="+mj-lt"/>
+              <a:buAutoNum type="arabicPeriod"/>
+            </a:pPr>
+            <a:r>
+              <a:rPr lang="ru-RU" sz="1100" dirty="0">
+                <a:solidFill>
+                  <a:srgbClr val="000000"/>
+                </a:solidFill>
+                <a:effectLst/>
+                <a:latin typeface="Times New Roman" panose="02020603050405020304" pitchFamily="18" charset="0"/>
+                <a:ea typeface="Times New Roman" panose="02020603050405020304" pitchFamily="18" charset="0"/>
+              </a:rPr>
+              <a:t>ГОСТ Р 2.105-2019 – национальный стандарт Российской Федерации. Единая система конструкторской документации. Общие требования к текстовым документам.</a:t>
+            </a:r>
+          </a:p>
+          <a:p>
+            <a:pPr lvl="0" indent="444500" algn="just" fontAlgn="base">
+              <a:lnSpc>
+                <a:spcPct val="150000"/>
+              </a:lnSpc>
+              <a:buFont typeface="+mj-lt"/>
+              <a:buAutoNum type="arabicPeriod"/>
+            </a:pPr>
+            <a:r>
+              <a:rPr lang="ru-RU" sz="1100" dirty="0">
+                <a:solidFill>
+                  <a:srgbClr val="000000"/>
+                </a:solidFill>
+                <a:effectLst/>
+                <a:latin typeface="Times New Roman" panose="02020603050405020304" pitchFamily="18" charset="0"/>
+                <a:ea typeface="Times New Roman" panose="02020603050405020304" pitchFamily="18" charset="0"/>
+              </a:rPr>
+              <a:t>ГОСТ Р 7.0.100-2018 – Библиографическая запись. Библиографическое описание. Общие требования и правила составления.</a:t>
+            </a:r>
+          </a:p>
+          <a:p>
+            <a:pPr lvl="0" indent="444500" algn="just" fontAlgn="base">
+              <a:lnSpc>
+                <a:spcPct val="150000"/>
+              </a:lnSpc>
+              <a:buFont typeface="+mj-lt"/>
+              <a:buAutoNum type="arabicPeriod"/>
+            </a:pPr>
+            <a:r>
+              <a:rPr lang="ru-RU" sz="1100" dirty="0">
+                <a:solidFill>
+                  <a:srgbClr val="000000"/>
+                </a:solidFill>
+                <a:effectLst/>
+                <a:latin typeface="Times New Roman" panose="02020603050405020304" pitchFamily="18" charset="0"/>
+                <a:ea typeface="Times New Roman" panose="02020603050405020304" pitchFamily="18" charset="0"/>
+              </a:rPr>
+              <a:t>ГОСТ 7.32-2017 – система стандартов по информации, библиотечному и издательскому делу. Отчет о научно-исследовательской работе. Структура и правила оформления.</a:t>
+            </a:r>
+          </a:p>
+          <a:p>
+            <a:pPr lvl="0" indent="444500" algn="just" fontAlgn="base">
+              <a:lnSpc>
+                <a:spcPct val="150000"/>
+              </a:lnSpc>
+              <a:buFont typeface="+mj-lt"/>
+              <a:buAutoNum type="arabicPeriod"/>
+            </a:pPr>
+            <a:r>
+              <a:rPr lang="ru-RU" sz="1100" dirty="0">
+                <a:solidFill>
+                  <a:srgbClr val="000000"/>
+                </a:solidFill>
+                <a:effectLst/>
+                <a:latin typeface="Times New Roman" panose="02020603050405020304" pitchFamily="18" charset="0"/>
+                <a:ea typeface="Times New Roman" panose="02020603050405020304" pitchFamily="18" charset="0"/>
+              </a:rPr>
+              <a:t>Бен</a:t>
+            </a:r>
+            <a:r>
+              <a:rPr lang="en-US" sz="1100" dirty="0">
+                <a:solidFill>
+                  <a:srgbClr val="000000"/>
+                </a:solidFill>
+                <a:effectLst/>
+                <a:latin typeface="Times New Roman" panose="02020603050405020304" pitchFamily="18" charset="0"/>
+                <a:ea typeface="Times New Roman" panose="02020603050405020304" pitchFamily="18" charset="0"/>
+              </a:rPr>
+              <a:t>-</a:t>
+            </a:r>
+            <a:r>
+              <a:rPr lang="ru-RU" sz="1100" dirty="0">
+                <a:solidFill>
+                  <a:srgbClr val="000000"/>
+                </a:solidFill>
+                <a:effectLst/>
+                <a:latin typeface="Times New Roman" panose="02020603050405020304" pitchFamily="18" charset="0"/>
+                <a:ea typeface="Times New Roman" panose="02020603050405020304" pitchFamily="18" charset="0"/>
+              </a:rPr>
+              <a:t>Ган</a:t>
+            </a:r>
+            <a:r>
+              <a:rPr lang="en-US" sz="1100" dirty="0">
+                <a:solidFill>
+                  <a:srgbClr val="000000"/>
+                </a:solidFill>
+                <a:effectLst/>
+                <a:latin typeface="Times New Roman" panose="02020603050405020304" pitchFamily="18" charset="0"/>
+                <a:ea typeface="Times New Roman" panose="02020603050405020304" pitchFamily="18" charset="0"/>
+              </a:rPr>
+              <a:t>, </a:t>
+            </a:r>
+            <a:r>
+              <a:rPr lang="ru-RU" sz="1100" dirty="0">
+                <a:solidFill>
+                  <a:srgbClr val="000000"/>
+                </a:solidFill>
+                <a:effectLst/>
+                <a:latin typeface="Times New Roman" panose="02020603050405020304" pitchFamily="18" charset="0"/>
+                <a:ea typeface="Times New Roman" panose="02020603050405020304" pitchFamily="18" charset="0"/>
+              </a:rPr>
+              <a:t>Ицик</a:t>
+            </a:r>
+            <a:r>
+              <a:rPr lang="en-US" sz="1100" dirty="0">
+                <a:solidFill>
+                  <a:srgbClr val="000000"/>
+                </a:solidFill>
+                <a:effectLst/>
+                <a:latin typeface="Times New Roman" panose="02020603050405020304" pitchFamily="18" charset="0"/>
+                <a:ea typeface="Times New Roman" panose="02020603050405020304" pitchFamily="18" charset="0"/>
+              </a:rPr>
+              <a:t> Microsoft SQL Server 2012. </a:t>
+            </a:r>
+            <a:r>
+              <a:rPr lang="ru-RU" sz="1100" dirty="0">
+                <a:solidFill>
+                  <a:srgbClr val="000000"/>
+                </a:solidFill>
+                <a:effectLst/>
+                <a:latin typeface="Times New Roman" panose="02020603050405020304" pitchFamily="18" charset="0"/>
+                <a:ea typeface="Times New Roman" panose="02020603050405020304" pitchFamily="18" charset="0"/>
+              </a:rPr>
+              <a:t>Создание запросов. Учебный курс Microsoft (+ CD-ROM) / Ицик Бен-Ган , Деян Сарка , Рон Талмейдж. - Москва: Машиностроение, 2022. - 720 c.</a:t>
+            </a:r>
+          </a:p>
+          <a:p>
+            <a:pPr lvl="0" indent="444500" algn="just" fontAlgn="base">
+              <a:lnSpc>
+                <a:spcPct val="150000"/>
+              </a:lnSpc>
+              <a:buFont typeface="+mj-lt"/>
+              <a:buAutoNum type="arabicPeriod"/>
+            </a:pPr>
+            <a:r>
+              <a:rPr lang="ru-RU" sz="1100" dirty="0">
+                <a:solidFill>
+                  <a:srgbClr val="000000"/>
+                </a:solidFill>
+                <a:effectLst/>
+                <a:latin typeface="Times New Roman" panose="02020603050405020304" pitchFamily="18" charset="0"/>
+                <a:ea typeface="Times New Roman" panose="02020603050405020304" pitchFamily="18" charset="0"/>
+              </a:rPr>
+              <a:t>Гончарова А.Г., Леонтьева Т.В. Основные проблемы при разработке графической составляющей мобильного приложения</a:t>
+            </a:r>
+          </a:p>
+          <a:p>
+            <a:pPr lvl="0" indent="444500" algn="just">
+              <a:lnSpc>
+                <a:spcPct val="150000"/>
+              </a:lnSpc>
+              <a:buFont typeface="+mj-lt"/>
+              <a:buAutoNum type="arabicPeriod"/>
+            </a:pPr>
+            <a:r>
+              <a:rPr lang="ru-RU" sz="1100" dirty="0">
+                <a:solidFill>
+                  <a:srgbClr val="000000"/>
+                </a:solidFill>
+                <a:effectLst/>
+                <a:latin typeface="Times New Roman" panose="02020603050405020304" pitchFamily="18" charset="0"/>
+                <a:ea typeface="Times New Roman" panose="02020603050405020304" pitchFamily="18" charset="0"/>
+              </a:rPr>
+              <a:t>Никифоров, И. В. Курсовое проектирование по учебной дисциплине "Наука о данных и аналитика больших объемов информации": Учебное пособие / И. В. Никифоров. – Санкт-Петербург: Федеральное государственное автономное образовательное учреждение высшего образования "Санкт-Петербургский политехнический университет Петра Великого", 2017. – 62 с. – ISBN 978-5-7422-5638-0</a:t>
+            </a:r>
+          </a:p>
+          <a:p>
+            <a:pPr lvl="0" indent="444500" algn="just">
+              <a:lnSpc>
+                <a:spcPct val="150000"/>
+              </a:lnSpc>
+              <a:buFont typeface="+mj-lt"/>
+              <a:buAutoNum type="arabicPeriod"/>
+            </a:pPr>
+            <a:r>
+              <a:rPr lang="ru-RU" sz="1100" dirty="0">
+                <a:solidFill>
+                  <a:srgbClr val="000000"/>
+                </a:solidFill>
+                <a:effectLst/>
+                <a:latin typeface="Times New Roman" panose="02020603050405020304" pitchFamily="18" charset="0"/>
+                <a:ea typeface="Times New Roman" panose="02020603050405020304" pitchFamily="18" charset="0"/>
+              </a:rPr>
+              <a:t>Ицик</a:t>
+            </a:r>
+            <a:r>
+              <a:rPr lang="en-US" sz="1100" dirty="0">
+                <a:solidFill>
+                  <a:srgbClr val="000000"/>
+                </a:solidFill>
+                <a:effectLst/>
+                <a:latin typeface="Times New Roman" panose="02020603050405020304" pitchFamily="18" charset="0"/>
+                <a:ea typeface="Times New Roman" panose="02020603050405020304" pitchFamily="18" charset="0"/>
+              </a:rPr>
+              <a:t>, </a:t>
+            </a:r>
+            <a:r>
+              <a:rPr lang="ru-RU" sz="1100" dirty="0">
+                <a:solidFill>
+                  <a:srgbClr val="000000"/>
+                </a:solidFill>
+                <a:effectLst/>
+                <a:latin typeface="Times New Roman" panose="02020603050405020304" pitchFamily="18" charset="0"/>
+                <a:ea typeface="Times New Roman" panose="02020603050405020304" pitchFamily="18" charset="0"/>
+              </a:rPr>
+              <a:t>Бен</a:t>
+            </a:r>
+            <a:r>
+              <a:rPr lang="en-US" sz="1100" dirty="0">
+                <a:solidFill>
+                  <a:srgbClr val="000000"/>
+                </a:solidFill>
+                <a:effectLst/>
+                <a:latin typeface="Times New Roman" panose="02020603050405020304" pitchFamily="18" charset="0"/>
+                <a:ea typeface="Times New Roman" panose="02020603050405020304" pitchFamily="18" charset="0"/>
+              </a:rPr>
+              <a:t>-</a:t>
+            </a:r>
+            <a:r>
+              <a:rPr lang="ru-RU" sz="1100" dirty="0">
+                <a:solidFill>
+                  <a:srgbClr val="000000"/>
+                </a:solidFill>
+                <a:effectLst/>
+                <a:latin typeface="Times New Roman" panose="02020603050405020304" pitchFamily="18" charset="0"/>
+                <a:ea typeface="Times New Roman" panose="02020603050405020304" pitchFamily="18" charset="0"/>
+              </a:rPr>
+              <a:t>Ган</a:t>
+            </a:r>
+            <a:r>
+              <a:rPr lang="en-US" sz="1100" dirty="0">
+                <a:solidFill>
+                  <a:srgbClr val="000000"/>
+                </a:solidFill>
+                <a:effectLst/>
+                <a:latin typeface="Times New Roman" panose="02020603050405020304" pitchFamily="18" charset="0"/>
+                <a:ea typeface="Times New Roman" panose="02020603050405020304" pitchFamily="18" charset="0"/>
+              </a:rPr>
+              <a:t> Microsoft SQL Server 2012. </a:t>
+            </a:r>
+            <a:r>
+              <a:rPr lang="ru-RU" sz="1100" dirty="0">
+                <a:solidFill>
+                  <a:srgbClr val="000000"/>
+                </a:solidFill>
+                <a:effectLst/>
+                <a:latin typeface="Times New Roman" panose="02020603050405020304" pitchFamily="18" charset="0"/>
+                <a:ea typeface="Times New Roman" panose="02020603050405020304" pitchFamily="18" charset="0"/>
+              </a:rPr>
+              <a:t>Высокопроизводительный код T-SQL. Оконные функции / Бен-Ган Ицик. - М.: Русская Редакция, 2022. - 788 c.</a:t>
+            </a:r>
+          </a:p>
+          <a:p>
+            <a:pPr lvl="0" indent="444500" algn="just">
+              <a:lnSpc>
+                <a:spcPct val="150000"/>
+              </a:lnSpc>
+              <a:buFont typeface="+mj-lt"/>
+              <a:buAutoNum type="arabicPeriod"/>
+            </a:pPr>
+            <a:r>
+              <a:rPr lang="ru-RU" sz="1100" dirty="0">
+                <a:solidFill>
+                  <a:srgbClr val="000000"/>
+                </a:solidFill>
+                <a:effectLst/>
+                <a:latin typeface="Times New Roman" panose="02020603050405020304" pitchFamily="18" charset="0"/>
+                <a:ea typeface="Times New Roman" panose="02020603050405020304" pitchFamily="18" charset="0"/>
+              </a:rPr>
+              <a:t>Скрипчук А.В., Воинов Н.В., Каплан Е.В. Клиент-серверное приложение для управления паролями</a:t>
+            </a:r>
+          </a:p>
+          <a:p>
+            <a:pPr lvl="0" indent="444500" algn="just">
+              <a:lnSpc>
+                <a:spcPct val="150000"/>
+              </a:lnSpc>
+              <a:buFont typeface="+mj-lt"/>
+              <a:buAutoNum type="arabicPeriod"/>
+            </a:pPr>
+            <a:r>
+              <a:rPr lang="en-US" sz="1100" dirty="0">
+                <a:solidFill>
+                  <a:srgbClr val="000000"/>
+                </a:solidFill>
+                <a:effectLst/>
+                <a:latin typeface="Times New Roman" panose="02020603050405020304" pitchFamily="18" charset="0"/>
+                <a:ea typeface="Times New Roman" panose="02020603050405020304" pitchFamily="18" charset="0"/>
+              </a:rPr>
+              <a:t>developer.android.com – </a:t>
+            </a:r>
+            <a:r>
+              <a:rPr lang="ru-RU" sz="1100" dirty="0">
+                <a:solidFill>
+                  <a:srgbClr val="000000"/>
+                </a:solidFill>
+                <a:effectLst/>
+                <a:latin typeface="Times New Roman" panose="02020603050405020304" pitchFamily="18" charset="0"/>
+                <a:ea typeface="Times New Roman" panose="02020603050405020304" pitchFamily="18" charset="0"/>
+              </a:rPr>
+              <a:t>руководство по </a:t>
+            </a:r>
+            <a:r>
+              <a:rPr lang="en-US" sz="1100" dirty="0">
+                <a:solidFill>
+                  <a:srgbClr val="000000"/>
+                </a:solidFill>
+                <a:effectLst/>
+                <a:latin typeface="Times New Roman" panose="02020603050405020304" pitchFamily="18" charset="0"/>
+                <a:ea typeface="Times New Roman" panose="02020603050405020304" pitchFamily="18" charset="0"/>
+              </a:rPr>
+              <a:t>Android Studio</a:t>
+            </a:r>
+            <a:endParaRPr lang="ru-RU" sz="1100" dirty="0">
+              <a:solidFill>
+                <a:srgbClr val="000000"/>
+              </a:solidFill>
+              <a:effectLst/>
+              <a:latin typeface="Times New Roman" panose="02020603050405020304" pitchFamily="18" charset="0"/>
+              <a:ea typeface="Times New Roman" panose="02020603050405020304" pitchFamily="18" charset="0"/>
+            </a:endParaRPr>
+          </a:p>
+          <a:p>
+            <a:pPr lvl="0" indent="444500" algn="just">
+              <a:lnSpc>
+                <a:spcPct val="150000"/>
+              </a:lnSpc>
+              <a:buFont typeface="+mj-lt"/>
+              <a:buAutoNum type="arabicPeriod"/>
+            </a:pPr>
+            <a:r>
+              <a:rPr lang="ru-RU" sz="1100" dirty="0">
+                <a:solidFill>
+                  <a:srgbClr val="000000"/>
+                </a:solidFill>
+                <a:effectLst/>
+                <a:latin typeface="Times New Roman" panose="02020603050405020304" pitchFamily="18" charset="0"/>
+                <a:ea typeface="Times New Roman" panose="02020603050405020304" pitchFamily="18" charset="0"/>
+              </a:rPr>
+              <a:t>habr.com</a:t>
+            </a:r>
+            <a:r>
+              <a:rPr lang="en-US" sz="1100" dirty="0">
+                <a:solidFill>
+                  <a:srgbClr val="000000"/>
+                </a:solidFill>
+                <a:effectLst/>
+                <a:latin typeface="Times New Roman" panose="02020603050405020304" pitchFamily="18" charset="0"/>
+                <a:ea typeface="Times New Roman" panose="02020603050405020304" pitchFamily="18" charset="0"/>
+              </a:rPr>
+              <a:t> – </a:t>
+            </a:r>
+            <a:r>
+              <a:rPr lang="ru-RU" sz="1100" dirty="0">
+                <a:solidFill>
+                  <a:srgbClr val="000000"/>
+                </a:solidFill>
+                <a:effectLst/>
+                <a:latin typeface="Times New Roman" panose="02020603050405020304" pitchFamily="18" charset="0"/>
+                <a:ea typeface="Times New Roman" panose="02020603050405020304" pitchFamily="18" charset="0"/>
+              </a:rPr>
+              <a:t>хабр</a:t>
+            </a:r>
+          </a:p>
+          <a:p>
+            <a:pPr lvl="0" indent="444500" algn="just">
+              <a:lnSpc>
+                <a:spcPct val="150000"/>
+              </a:lnSpc>
+              <a:buFont typeface="+mj-lt"/>
+              <a:buAutoNum type="arabicPeriod"/>
+            </a:pPr>
+            <a:r>
+              <a:rPr lang="ru-RU" sz="1100" dirty="0">
+                <a:solidFill>
+                  <a:srgbClr val="000000"/>
+                </a:solidFill>
+                <a:effectLst/>
+                <a:latin typeface="Times New Roman" panose="02020603050405020304" pitchFamily="18" charset="0"/>
+                <a:ea typeface="Times New Roman" panose="02020603050405020304" pitchFamily="18" charset="0"/>
+              </a:rPr>
+              <a:t>learn.microsoft.com – сайт описания продуктов </a:t>
+            </a:r>
+            <a:r>
+              <a:rPr lang="en-US" sz="1100" dirty="0">
+                <a:solidFill>
+                  <a:srgbClr val="000000"/>
+                </a:solidFill>
+                <a:effectLst/>
+                <a:latin typeface="Times New Roman" panose="02020603050405020304" pitchFamily="18" charset="0"/>
+                <a:ea typeface="Times New Roman" panose="02020603050405020304" pitchFamily="18" charset="0"/>
+              </a:rPr>
+              <a:t>Microsoft</a:t>
+            </a:r>
+            <a:endParaRPr lang="ru-RU" sz="1100" dirty="0">
+              <a:solidFill>
+                <a:srgbClr val="000000"/>
+              </a:solidFill>
+              <a:effectLst/>
+              <a:latin typeface="Times New Roman" panose="02020603050405020304" pitchFamily="18" charset="0"/>
+              <a:ea typeface="Times New Roman" panose="02020603050405020304" pitchFamily="18" charset="0"/>
+            </a:endParaRPr>
+          </a:p>
+          <a:p>
+            <a:pPr lvl="0" indent="444500" algn="just">
+              <a:lnSpc>
+                <a:spcPct val="150000"/>
+              </a:lnSpc>
+              <a:spcAft>
+                <a:spcPts val="70"/>
+              </a:spcAft>
+              <a:buFont typeface="+mj-lt"/>
+              <a:buAutoNum type="arabicPeriod"/>
+            </a:pPr>
+            <a:r>
+              <a:rPr lang="ru-RU" sz="1100" dirty="0">
+                <a:solidFill>
+                  <a:srgbClr val="000000"/>
+                </a:solidFill>
+                <a:effectLst/>
+                <a:latin typeface="Times New Roman" panose="02020603050405020304" pitchFamily="18" charset="0"/>
+                <a:ea typeface="Times New Roman" panose="02020603050405020304" pitchFamily="18" charset="0"/>
+              </a:rPr>
+              <a:t>metanit.com</a:t>
+            </a:r>
+            <a:r>
+              <a:rPr lang="en-US" sz="1100" dirty="0">
+                <a:solidFill>
+                  <a:srgbClr val="000000"/>
+                </a:solidFill>
+                <a:effectLst/>
+                <a:latin typeface="Times New Roman" panose="02020603050405020304" pitchFamily="18" charset="0"/>
+                <a:ea typeface="Times New Roman" panose="02020603050405020304" pitchFamily="18" charset="0"/>
+              </a:rPr>
+              <a:t> – </a:t>
+            </a:r>
+            <a:r>
+              <a:rPr lang="ru-RU" sz="1100" dirty="0">
+                <a:solidFill>
+                  <a:srgbClr val="000000"/>
+                </a:solidFill>
+                <a:effectLst/>
+                <a:latin typeface="Times New Roman" panose="02020603050405020304" pitchFamily="18" charset="0"/>
+                <a:ea typeface="Times New Roman" panose="02020603050405020304" pitchFamily="18" charset="0"/>
+              </a:rPr>
+              <a:t>метанит</a:t>
+            </a:r>
+          </a:p>
+          <a:p>
+            <a:pPr lvl="0" indent="444500" algn="just">
+              <a:lnSpc>
+                <a:spcPct val="150000"/>
+              </a:lnSpc>
+              <a:spcAft>
+                <a:spcPts val="70"/>
+              </a:spcAft>
+              <a:buFont typeface="+mj-lt"/>
+              <a:buAutoNum type="arabicPeriod"/>
+            </a:pPr>
+            <a:r>
+              <a:rPr lang="ru-RU" sz="1100" dirty="0">
+                <a:solidFill>
+                  <a:srgbClr val="000000"/>
+                </a:solidFill>
+                <a:effectLst/>
+                <a:latin typeface="Times New Roman" panose="02020603050405020304" pitchFamily="18" charset="0"/>
+                <a:ea typeface="Times New Roman" panose="02020603050405020304" pitchFamily="18" charset="0"/>
+              </a:rPr>
+              <a:t>ru.wikipedia.org – википедия</a:t>
+            </a:r>
+            <a:endParaRPr lang="ru-RU" sz="1100" dirty="0">
+              <a:latin typeface="Times New Roman" pitchFamily="18" charset="0"/>
+              <a:cs typeface="Times New Roman" pitchFamily="18" charset="0"/>
+            </a:endParaRPr>
+          </a:p>
+        </p:txBody>
+      </p:sp>
+      <p:sp>
+        <p:nvSpPr>
+          <p:cNvPr id="4" name="Прямоугольник 3"/>
+          <p:cNvSpPr/>
+          <p:nvPr/>
+        </p:nvSpPr>
+        <p:spPr>
+          <a:xfrm>
+            <a:off x="533400" y="142876"/>
+            <a:ext cx="8077200" cy="535531"/>
+          </a:xfrm>
+          <a:prstGeom prst="rect">
+            <a:avLst/>
+          </a:prstGeom>
+        </p:spPr>
+        <p:txBody>
+          <a:bodyPr wrap="square">
+            <a:spAutoFit/>
+          </a:bodyPr>
+          <a:lstStyle/>
+          <a:p>
+            <a:pPr marL="342900" indent="-342900" algn="ctr" fontAlgn="auto">
+              <a:lnSpc>
+                <a:spcPct val="80000"/>
+              </a:lnSpc>
+              <a:spcBef>
+                <a:spcPct val="20000"/>
+              </a:spcBef>
+              <a:spcAft>
+                <a:spcPts val="0"/>
+              </a:spcAft>
+              <a:buClr>
+                <a:schemeClr val="accent1">
+                  <a:shade val="75000"/>
+                </a:schemeClr>
+              </a:buClr>
+              <a:buSzPct val="55000"/>
+              <a:defRPr/>
+            </a:pPr>
+            <a:r>
+              <a:rPr kumimoji="1" lang="ru-RU" sz="3600" b="1" dirty="0">
+                <a:latin typeface="Times New Roman" pitchFamily="18" charset="0"/>
+                <a:cs typeface="Times New Roman" pitchFamily="18" charset="0"/>
+              </a:rPr>
+              <a:t>Список использованной литературы</a:t>
+            </a:r>
+          </a:p>
+        </p:txBody>
+      </p:sp>
+      <p:sp>
+        <p:nvSpPr>
+          <p:cNvPr id="2" name="TextBox 1">
+            <a:hlinkClick r:id="rId2" action="ppaction://hlinksldjump"/>
+            <a:extLst>
+              <a:ext uri="{FF2B5EF4-FFF2-40B4-BE49-F238E27FC236}">
+                <a16:creationId xmlns:a16="http://schemas.microsoft.com/office/drawing/2014/main" id="{0B3321C2-5A78-8E91-42E5-640D94E6D828}"/>
+              </a:ext>
+            </a:extLst>
+          </p:cNvPr>
+          <p:cNvSpPr txBox="1"/>
+          <p:nvPr/>
+        </p:nvSpPr>
+        <p:spPr>
+          <a:xfrm>
+            <a:off x="8166059" y="524518"/>
+            <a:ext cx="636713" cy="307777"/>
+          </a:xfrm>
+          <a:prstGeom prst="rect">
+            <a:avLst/>
+          </a:prstGeom>
+          <a:noFill/>
+        </p:spPr>
+        <p:txBody>
+          <a:bodyPr wrap="none" rtlCol="0">
+            <a:spAutoFit/>
+          </a:bodyPr>
+          <a:lstStyle/>
+          <a:p>
+            <a:r>
+              <a:rPr lang="ru-RU" sz="1400" dirty="0">
+                <a:latin typeface="Times New Roman" panose="02020603050405020304" pitchFamily="18" charset="0"/>
+                <a:cs typeface="Times New Roman" panose="02020603050405020304" pitchFamily="18" charset="0"/>
+                <a:hlinkClick r:id="rId3" action="ppaction://hlinksldjump"/>
+              </a:rPr>
+              <a:t>Назад</a:t>
+            </a:r>
+            <a:endParaRPr lang="ru-RU" sz="1400" dirty="0">
+              <a:latin typeface="Times New Roman" panose="02020603050405020304" pitchFamily="18" charset="0"/>
+              <a:cs typeface="Times New Roman" panose="02020603050405020304" pitchFamily="18" charset="0"/>
+            </a:endParaRPr>
+          </a:p>
+        </p:txBody>
+      </p:sp>
+    </p:spTree>
+    <p:extLst>
+      <p:ext uri="{BB962C8B-B14F-4D97-AF65-F5344CB8AC3E}">
+        <p14:creationId xmlns:p14="http://schemas.microsoft.com/office/powerpoint/2010/main" val="3259916622"/>
       </p:ext>
     </p:extLst>
   </p:cSld>
@@ -7553,8 +7821,8 @@
         </p:nvSpPr>
         <p:spPr>
           <a:xfrm>
-            <a:off x="742425" y="678407"/>
-            <a:ext cx="7659150" cy="5711824"/>
+            <a:off x="763398" y="1003300"/>
+            <a:ext cx="7625593" cy="5711824"/>
           </a:xfrm>
           <a:prstGeom prst="rect">
             <a:avLst/>
@@ -7573,15 +7841,13 @@
           </a:bodyPr>
           <a:lstStyle/>
           <a:p>
-            <a:pPr lvl="0" indent="444500" algn="just" fontAlgn="base">
+            <a:pPr indent="449263" algn="just">
               <a:lnSpc>
                 <a:spcPct val="150000"/>
               </a:lnSpc>
-              <a:buFont typeface="+mj-lt"/>
-              <a:buAutoNum type="arabicPeriod"/>
             </a:pPr>
             <a:r>
-              <a:rPr lang="ru-RU" sz="1100" dirty="0">
+              <a:rPr lang="ru-RU" sz="1200" dirty="0">
                 <a:solidFill>
                   <a:srgbClr val="000000"/>
                 </a:solidFill>
@@ -7589,394 +7855,118 @@
                 <a:latin typeface="Times New Roman" panose="02020603050405020304" pitchFamily="18" charset="0"/>
                 <a:ea typeface="Times New Roman" panose="02020603050405020304" pitchFamily="18" charset="0"/>
               </a:rPr>
-              <a:t>ГОСТ Р 2.105-2019 – национальный стандарт Российской Федерации. Единая система конструкторской документации. Общие требования к текстовым документам.</a:t>
-            </a:r>
-          </a:p>
-          <a:p>
-            <a:pPr lvl="0" indent="444500" algn="just" fontAlgn="base">
-              <a:lnSpc>
-                <a:spcPct val="150000"/>
-              </a:lnSpc>
-              <a:buFont typeface="+mj-lt"/>
-              <a:buAutoNum type="arabicPeriod"/>
-            </a:pPr>
-            <a:r>
-              <a:rPr lang="ru-RU" sz="1100" dirty="0">
-                <a:solidFill>
-                  <a:srgbClr val="000000"/>
-                </a:solidFill>
-                <a:effectLst/>
-                <a:latin typeface="Times New Roman" panose="02020603050405020304" pitchFamily="18" charset="0"/>
-                <a:ea typeface="Times New Roman" panose="02020603050405020304" pitchFamily="18" charset="0"/>
-              </a:rPr>
-              <a:t>ГОСТ Р 7.0.100-2018 – Библиографическая запись. Библиографическое описание. Общие требования и правила составления.</a:t>
-            </a:r>
-          </a:p>
-          <a:p>
-            <a:pPr lvl="0" indent="444500" algn="just" fontAlgn="base">
-              <a:lnSpc>
-                <a:spcPct val="150000"/>
-              </a:lnSpc>
-              <a:buFont typeface="+mj-lt"/>
-              <a:buAutoNum type="arabicPeriod"/>
-            </a:pPr>
-            <a:r>
-              <a:rPr lang="ru-RU" sz="1100" dirty="0">
-                <a:solidFill>
-                  <a:srgbClr val="000000"/>
-                </a:solidFill>
-                <a:effectLst/>
-                <a:latin typeface="Times New Roman" panose="02020603050405020304" pitchFamily="18" charset="0"/>
-                <a:ea typeface="Times New Roman" panose="02020603050405020304" pitchFamily="18" charset="0"/>
-              </a:rPr>
-              <a:t>ГОСТ 7.32-2017 – система стандартов по информации, библиотечному и издательскому делу. Отчет о научно-исследовательской работе. Структура и правила оформления.</a:t>
-            </a:r>
-          </a:p>
-          <a:p>
-            <a:pPr lvl="0" indent="444500" algn="just" fontAlgn="base">
-              <a:lnSpc>
-                <a:spcPct val="150000"/>
-              </a:lnSpc>
-              <a:buFont typeface="+mj-lt"/>
-              <a:buAutoNum type="arabicPeriod"/>
-            </a:pPr>
-            <a:r>
-              <a:rPr lang="ru-RU" sz="1100" dirty="0">
-                <a:solidFill>
-                  <a:srgbClr val="000000"/>
-                </a:solidFill>
-                <a:effectLst/>
-                <a:latin typeface="Times New Roman" panose="02020603050405020304" pitchFamily="18" charset="0"/>
-                <a:ea typeface="Times New Roman" panose="02020603050405020304" pitchFamily="18" charset="0"/>
-              </a:rPr>
-              <a:t>Бен</a:t>
-            </a:r>
-            <a:r>
-              <a:rPr lang="en-US" sz="1100" dirty="0">
-                <a:solidFill>
-                  <a:srgbClr val="000000"/>
-                </a:solidFill>
-                <a:effectLst/>
-                <a:latin typeface="Times New Roman" panose="02020603050405020304" pitchFamily="18" charset="0"/>
-                <a:ea typeface="Times New Roman" panose="02020603050405020304" pitchFamily="18" charset="0"/>
-              </a:rPr>
-              <a:t>-</a:t>
-            </a:r>
-            <a:r>
-              <a:rPr lang="ru-RU" sz="1100" dirty="0">
-                <a:solidFill>
-                  <a:srgbClr val="000000"/>
-                </a:solidFill>
-                <a:effectLst/>
-                <a:latin typeface="Times New Roman" panose="02020603050405020304" pitchFamily="18" charset="0"/>
-                <a:ea typeface="Times New Roman" panose="02020603050405020304" pitchFamily="18" charset="0"/>
-              </a:rPr>
-              <a:t>Ган</a:t>
-            </a:r>
-            <a:r>
-              <a:rPr lang="en-US" sz="1100" dirty="0">
-                <a:solidFill>
-                  <a:srgbClr val="000000"/>
-                </a:solidFill>
-                <a:effectLst/>
-                <a:latin typeface="Times New Roman" panose="02020603050405020304" pitchFamily="18" charset="0"/>
-                <a:ea typeface="Times New Roman" panose="02020603050405020304" pitchFamily="18" charset="0"/>
-              </a:rPr>
-              <a:t>, </a:t>
-            </a:r>
-            <a:r>
-              <a:rPr lang="ru-RU" sz="1100" dirty="0">
-                <a:solidFill>
-                  <a:srgbClr val="000000"/>
-                </a:solidFill>
-                <a:effectLst/>
-                <a:latin typeface="Times New Roman" panose="02020603050405020304" pitchFamily="18" charset="0"/>
-                <a:ea typeface="Times New Roman" panose="02020603050405020304" pitchFamily="18" charset="0"/>
-              </a:rPr>
-              <a:t>Ицик</a:t>
-            </a:r>
-            <a:r>
-              <a:rPr lang="en-US" sz="1100" dirty="0">
-                <a:solidFill>
-                  <a:srgbClr val="000000"/>
-                </a:solidFill>
-                <a:effectLst/>
-                <a:latin typeface="Times New Roman" panose="02020603050405020304" pitchFamily="18" charset="0"/>
-                <a:ea typeface="Times New Roman" panose="02020603050405020304" pitchFamily="18" charset="0"/>
-              </a:rPr>
-              <a:t> Microsoft SQL Server 2012. </a:t>
-            </a:r>
-            <a:r>
-              <a:rPr lang="ru-RU" sz="1100" dirty="0">
-                <a:solidFill>
-                  <a:srgbClr val="000000"/>
-                </a:solidFill>
-                <a:effectLst/>
-                <a:latin typeface="Times New Roman" panose="02020603050405020304" pitchFamily="18" charset="0"/>
-                <a:ea typeface="Times New Roman" panose="02020603050405020304" pitchFamily="18" charset="0"/>
-              </a:rPr>
-              <a:t>Создание запросов. Учебный курс Microsoft (+ CD-ROM) / Ицик Бен-Ган , Деян Сарка , Рон Талмейдж. - Москва: Машиностроение, 2022. - 720 c.</a:t>
-            </a:r>
-          </a:p>
-          <a:p>
-            <a:pPr lvl="0" indent="444500" algn="just" fontAlgn="base">
-              <a:lnSpc>
-                <a:spcPct val="150000"/>
-              </a:lnSpc>
-              <a:buFont typeface="+mj-lt"/>
-              <a:buAutoNum type="arabicPeriod"/>
-            </a:pPr>
-            <a:r>
-              <a:rPr lang="ru-RU" sz="1100" dirty="0">
-                <a:solidFill>
-                  <a:srgbClr val="000000"/>
-                </a:solidFill>
-                <a:effectLst/>
-                <a:latin typeface="Times New Roman" panose="02020603050405020304" pitchFamily="18" charset="0"/>
-                <a:ea typeface="Times New Roman" panose="02020603050405020304" pitchFamily="18" charset="0"/>
-              </a:rPr>
-              <a:t>Гончарова А.Г., Леонтьева Т.В. Основные проблемы при разработке графической составляющей мобильного приложения</a:t>
-            </a:r>
-          </a:p>
-          <a:p>
-            <a:pPr lvl="0" indent="444500" algn="just">
-              <a:lnSpc>
-                <a:spcPct val="150000"/>
-              </a:lnSpc>
-              <a:buFont typeface="+mj-lt"/>
-              <a:buAutoNum type="arabicPeriod"/>
-            </a:pPr>
-            <a:r>
-              <a:rPr lang="ru-RU" sz="1100" dirty="0">
-                <a:solidFill>
-                  <a:srgbClr val="000000"/>
-                </a:solidFill>
-                <a:effectLst/>
-                <a:latin typeface="Times New Roman" panose="02020603050405020304" pitchFamily="18" charset="0"/>
-                <a:ea typeface="Times New Roman" panose="02020603050405020304" pitchFamily="18" charset="0"/>
-              </a:rPr>
-              <a:t>Никифоров, И. В. Курсовое проектирование по учебной дисциплине "Наука о данных и аналитика больших объемов информации": Учебное пособие / И. В. Никифоров. – Санкт-Петербург: Федеральное государственное автономное образовательное учреждение высшего образования "Санкт-Петербургский политехнический университет Петра Великого", 2017. – 62 с. – ISBN 978-5-7422-5638-0</a:t>
-            </a:r>
-          </a:p>
-          <a:p>
-            <a:pPr lvl="0" indent="444500" algn="just">
-              <a:lnSpc>
-                <a:spcPct val="150000"/>
-              </a:lnSpc>
-              <a:buFont typeface="+mj-lt"/>
-              <a:buAutoNum type="arabicPeriod"/>
-            </a:pPr>
-            <a:r>
-              <a:rPr lang="ru-RU" sz="1100" dirty="0">
-                <a:solidFill>
-                  <a:srgbClr val="000000"/>
-                </a:solidFill>
-                <a:effectLst/>
-                <a:latin typeface="Times New Roman" panose="02020603050405020304" pitchFamily="18" charset="0"/>
-                <a:ea typeface="Times New Roman" panose="02020603050405020304" pitchFamily="18" charset="0"/>
-              </a:rPr>
-              <a:t>Ицик</a:t>
-            </a:r>
-            <a:r>
-              <a:rPr lang="en-US" sz="1100" dirty="0">
-                <a:solidFill>
-                  <a:srgbClr val="000000"/>
-                </a:solidFill>
-                <a:effectLst/>
-                <a:latin typeface="Times New Roman" panose="02020603050405020304" pitchFamily="18" charset="0"/>
-                <a:ea typeface="Times New Roman" panose="02020603050405020304" pitchFamily="18" charset="0"/>
-              </a:rPr>
-              <a:t>, </a:t>
-            </a:r>
-            <a:r>
-              <a:rPr lang="ru-RU" sz="1100" dirty="0">
-                <a:solidFill>
-                  <a:srgbClr val="000000"/>
-                </a:solidFill>
-                <a:effectLst/>
-                <a:latin typeface="Times New Roman" panose="02020603050405020304" pitchFamily="18" charset="0"/>
-                <a:ea typeface="Times New Roman" panose="02020603050405020304" pitchFamily="18" charset="0"/>
-              </a:rPr>
-              <a:t>Бен</a:t>
-            </a:r>
-            <a:r>
-              <a:rPr lang="en-US" sz="1100" dirty="0">
-                <a:solidFill>
-                  <a:srgbClr val="000000"/>
-                </a:solidFill>
-                <a:effectLst/>
-                <a:latin typeface="Times New Roman" panose="02020603050405020304" pitchFamily="18" charset="0"/>
-                <a:ea typeface="Times New Roman" panose="02020603050405020304" pitchFamily="18" charset="0"/>
-              </a:rPr>
-              <a:t>-</a:t>
-            </a:r>
-            <a:r>
-              <a:rPr lang="ru-RU" sz="1100" dirty="0">
-                <a:solidFill>
-                  <a:srgbClr val="000000"/>
-                </a:solidFill>
-                <a:effectLst/>
-                <a:latin typeface="Times New Roman" panose="02020603050405020304" pitchFamily="18" charset="0"/>
-                <a:ea typeface="Times New Roman" panose="02020603050405020304" pitchFamily="18" charset="0"/>
-              </a:rPr>
-              <a:t>Ган</a:t>
-            </a:r>
-            <a:r>
-              <a:rPr lang="en-US" sz="1100" dirty="0">
-                <a:solidFill>
-                  <a:srgbClr val="000000"/>
-                </a:solidFill>
-                <a:effectLst/>
-                <a:latin typeface="Times New Roman" panose="02020603050405020304" pitchFamily="18" charset="0"/>
-                <a:ea typeface="Times New Roman" panose="02020603050405020304" pitchFamily="18" charset="0"/>
-              </a:rPr>
-              <a:t> Microsoft SQL Server 2012. </a:t>
-            </a:r>
-            <a:r>
-              <a:rPr lang="ru-RU" sz="1100" dirty="0">
-                <a:solidFill>
-                  <a:srgbClr val="000000"/>
-                </a:solidFill>
-                <a:effectLst/>
-                <a:latin typeface="Times New Roman" panose="02020603050405020304" pitchFamily="18" charset="0"/>
-                <a:ea typeface="Times New Roman" panose="02020603050405020304" pitchFamily="18" charset="0"/>
-              </a:rPr>
-              <a:t>Высокопроизводительный код T-SQL. Оконные функции / Бен-Ган Ицик. - М.: Русская Редакция, 2022. - 788 c.</a:t>
-            </a:r>
-          </a:p>
-          <a:p>
-            <a:pPr lvl="0" indent="444500" algn="just">
-              <a:lnSpc>
-                <a:spcPct val="150000"/>
-              </a:lnSpc>
-              <a:buFont typeface="+mj-lt"/>
-              <a:buAutoNum type="arabicPeriod"/>
-            </a:pPr>
-            <a:r>
-              <a:rPr lang="ru-RU" sz="1100" dirty="0">
-                <a:solidFill>
-                  <a:srgbClr val="000000"/>
-                </a:solidFill>
-                <a:effectLst/>
-                <a:latin typeface="Times New Roman" panose="02020603050405020304" pitchFamily="18" charset="0"/>
-                <a:ea typeface="Times New Roman" panose="02020603050405020304" pitchFamily="18" charset="0"/>
-              </a:rPr>
-              <a:t>Скрипчук А.В., Воинов Н.В., Каплан Е.В. Клиент-серверное приложение для управления паролями</a:t>
-            </a:r>
-          </a:p>
-          <a:p>
-            <a:pPr lvl="0" indent="444500" algn="just">
-              <a:lnSpc>
-                <a:spcPct val="150000"/>
-              </a:lnSpc>
-              <a:buFont typeface="+mj-lt"/>
-              <a:buAutoNum type="arabicPeriod"/>
-            </a:pPr>
-            <a:r>
-              <a:rPr lang="en-US" sz="1100" dirty="0">
-                <a:solidFill>
-                  <a:srgbClr val="000000"/>
-                </a:solidFill>
-                <a:effectLst/>
-                <a:latin typeface="Times New Roman" panose="02020603050405020304" pitchFamily="18" charset="0"/>
-                <a:ea typeface="Times New Roman" panose="02020603050405020304" pitchFamily="18" charset="0"/>
-              </a:rPr>
-              <a:t>developer.android.com – </a:t>
-            </a:r>
-            <a:r>
-              <a:rPr lang="ru-RU" sz="1100" dirty="0">
-                <a:solidFill>
-                  <a:srgbClr val="000000"/>
-                </a:solidFill>
-                <a:effectLst/>
-                <a:latin typeface="Times New Roman" panose="02020603050405020304" pitchFamily="18" charset="0"/>
-                <a:ea typeface="Times New Roman" panose="02020603050405020304" pitchFamily="18" charset="0"/>
-              </a:rPr>
-              <a:t>руководство по </a:t>
-            </a:r>
-            <a:r>
-              <a:rPr lang="en-US" sz="1100" dirty="0">
-                <a:solidFill>
-                  <a:srgbClr val="000000"/>
-                </a:solidFill>
-                <a:effectLst/>
-                <a:latin typeface="Times New Roman" panose="02020603050405020304" pitchFamily="18" charset="0"/>
-                <a:ea typeface="Times New Roman" panose="02020603050405020304" pitchFamily="18" charset="0"/>
-              </a:rPr>
-              <a:t>Android Studio</a:t>
-            </a:r>
-            <a:endParaRPr lang="ru-RU" sz="1100" dirty="0">
-              <a:solidFill>
-                <a:srgbClr val="000000"/>
-              </a:solidFill>
+              <a:t>ПМ. 01 «Разработка программных модулей программного обеспечения для компьютерных сетей»:</a:t>
+            </a:r>
+            <a:endParaRPr lang="ru-RU" sz="1200" dirty="0">
               <a:effectLst/>
               <a:latin typeface="Times New Roman" panose="02020603050405020304" pitchFamily="18" charset="0"/>
               <a:ea typeface="Times New Roman" panose="02020603050405020304" pitchFamily="18" charset="0"/>
             </a:endParaRPr>
           </a:p>
           <a:p>
-            <a:pPr lvl="0" indent="444500" algn="just">
+            <a:pPr lvl="0" indent="449263" algn="just">
               <a:lnSpc>
                 <a:spcPct val="150000"/>
               </a:lnSpc>
-              <a:buFont typeface="+mj-lt"/>
-              <a:buAutoNum type="arabicPeriod"/>
+              <a:spcAft>
+                <a:spcPts val="0"/>
+              </a:spcAft>
+              <a:buFont typeface="Symbol" panose="05050102010706020507" pitchFamily="18" charset="2"/>
+              <a:buChar char=""/>
+              <a:tabLst>
+                <a:tab pos="540385" algn="l"/>
+                <a:tab pos="630555" algn="l"/>
+              </a:tabLst>
             </a:pPr>
             <a:r>
-              <a:rPr lang="ru-RU" sz="1100" dirty="0">
-                <a:solidFill>
-                  <a:srgbClr val="000000"/>
-                </a:solidFill>
+              <a:rPr lang="ru-RU" sz="1200" dirty="0">
                 <a:effectLst/>
                 <a:latin typeface="Times New Roman" panose="02020603050405020304" pitchFamily="18" charset="0"/>
                 <a:ea typeface="Times New Roman" panose="02020603050405020304" pitchFamily="18" charset="0"/>
               </a:rPr>
-              <a:t>habr.com</a:t>
-            </a:r>
-            <a:r>
-              <a:rPr lang="en-US" sz="1100" dirty="0">
-                <a:solidFill>
-                  <a:srgbClr val="000000"/>
-                </a:solidFill>
+              <a:t> ПК. 1.1 Формировать алгоритмы разработки программных модулей в соответствии с техническим заданием;</a:t>
+            </a:r>
+          </a:p>
+          <a:p>
+            <a:pPr lvl="0" indent="449263" algn="just">
+              <a:lnSpc>
+                <a:spcPct val="150000"/>
+              </a:lnSpc>
+              <a:spcAft>
+                <a:spcPts val="0"/>
+              </a:spcAft>
+              <a:buFont typeface="Symbol" panose="05050102010706020507" pitchFamily="18" charset="2"/>
+              <a:buChar char=""/>
+              <a:tabLst>
+                <a:tab pos="540385" algn="l"/>
+                <a:tab pos="630555" algn="l"/>
+              </a:tabLst>
+            </a:pPr>
+            <a:r>
+              <a:rPr lang="ru-RU" sz="1200" dirty="0">
                 <a:effectLst/>
                 <a:latin typeface="Times New Roman" panose="02020603050405020304" pitchFamily="18" charset="0"/>
                 <a:ea typeface="Times New Roman" panose="02020603050405020304" pitchFamily="18" charset="0"/>
               </a:rPr>
-              <a:t> – </a:t>
-            </a:r>
-            <a:r>
-              <a:rPr lang="ru-RU" sz="1100" dirty="0">
-                <a:solidFill>
-                  <a:srgbClr val="000000"/>
-                </a:solidFill>
+              <a:t>ПК. 1.2 Осуществлять разработку кода программного продукта на основе готовых спецификаций на уровне модуля;</a:t>
+            </a:r>
+          </a:p>
+          <a:p>
+            <a:pPr lvl="0" indent="449263" algn="just">
+              <a:lnSpc>
+                <a:spcPct val="150000"/>
+              </a:lnSpc>
+              <a:spcAft>
+                <a:spcPts val="0"/>
+              </a:spcAft>
+              <a:buFont typeface="Symbol" panose="05050102010706020507" pitchFamily="18" charset="2"/>
+              <a:buChar char=""/>
+              <a:tabLst>
+                <a:tab pos="540385" algn="l"/>
+                <a:tab pos="630555" algn="l"/>
+              </a:tabLst>
+            </a:pPr>
+            <a:r>
+              <a:rPr lang="ru-RU" sz="1200" dirty="0">
                 <a:effectLst/>
                 <a:latin typeface="Times New Roman" panose="02020603050405020304" pitchFamily="18" charset="0"/>
                 <a:ea typeface="Times New Roman" panose="02020603050405020304" pitchFamily="18" charset="0"/>
               </a:rPr>
-              <a:t>хабр</a:t>
-            </a:r>
-          </a:p>
-          <a:p>
-            <a:pPr lvl="0" indent="444500" algn="just">
+              <a:t>ПК. 1.4 Выполнять тестирование программных модулей;</a:t>
+            </a:r>
+          </a:p>
+          <a:p>
+            <a:pPr lvl="0" indent="449263" algn="just">
               <a:lnSpc>
                 <a:spcPct val="150000"/>
               </a:lnSpc>
-              <a:buFont typeface="+mj-lt"/>
-              <a:buAutoNum type="arabicPeriod"/>
+              <a:spcAft>
+                <a:spcPts val="0"/>
+              </a:spcAft>
+              <a:buFont typeface="Symbol" panose="05050102010706020507" pitchFamily="18" charset="2"/>
+              <a:buChar char=""/>
+              <a:tabLst>
+                <a:tab pos="540385" algn="l"/>
+                <a:tab pos="630555" algn="l"/>
+              </a:tabLst>
             </a:pPr>
             <a:r>
-              <a:rPr lang="ru-RU" sz="1100" dirty="0">
-                <a:solidFill>
-                  <a:srgbClr val="000000"/>
-                </a:solidFill>
+              <a:rPr lang="ru-RU" sz="1200" dirty="0">
                 <a:effectLst/>
                 <a:latin typeface="Times New Roman" panose="02020603050405020304" pitchFamily="18" charset="0"/>
                 <a:ea typeface="Times New Roman" panose="02020603050405020304" pitchFamily="18" charset="0"/>
               </a:rPr>
-              <a:t>learn.microsoft.com – сайт описания продуктов </a:t>
-            </a:r>
-            <a:r>
-              <a:rPr lang="en-US" sz="1100" dirty="0">
+              <a:t>ПК. 1.6 Разрабатывать модули программного обеспечения для мобильных платформ.</a:t>
+            </a:r>
+          </a:p>
+          <a:p>
+            <a:pPr indent="449263" algn="just">
+              <a:lnSpc>
+                <a:spcPct val="150000"/>
+              </a:lnSpc>
+            </a:pPr>
+            <a:r>
+              <a:rPr lang="ru-RU" sz="1200" dirty="0">
                 <a:solidFill>
                   <a:srgbClr val="000000"/>
                 </a:solidFill>
@@ -7984,85 +7974,195 @@
                 <a:latin typeface="Times New Roman" panose="02020603050405020304" pitchFamily="18" charset="0"/>
                 <a:ea typeface="Times New Roman" panose="02020603050405020304" pitchFamily="18" charset="0"/>
               </a:rPr>
-              <a:t>Microsoft</a:t>
-            </a:r>
-            <a:endParaRPr lang="ru-RU" sz="1100" dirty="0">
-              <a:solidFill>
-                <a:srgbClr val="000000"/>
-              </a:solidFill>
+              <a:t>ПМ. 02 «Осуществление интеграции программных модулей»:</a:t>
+            </a:r>
+            <a:endParaRPr lang="ru-RU" sz="1200" dirty="0">
               <a:effectLst/>
               <a:latin typeface="Times New Roman" panose="02020603050405020304" pitchFamily="18" charset="0"/>
               <a:ea typeface="Times New Roman" panose="02020603050405020304" pitchFamily="18" charset="0"/>
             </a:endParaRPr>
           </a:p>
           <a:p>
-            <a:pPr lvl="0" indent="444500" algn="just">
+            <a:pPr lvl="0" indent="449263" algn="just">
               <a:lnSpc>
                 <a:spcPct val="150000"/>
               </a:lnSpc>
               <a:spcAft>
-                <a:spcPts val="70"/>
+                <a:spcPts val="0"/>
               </a:spcAft>
-              <a:buFont typeface="+mj-lt"/>
-              <a:buAutoNum type="arabicPeriod"/>
+              <a:buFont typeface="Symbol" panose="05050102010706020507" pitchFamily="18" charset="2"/>
+              <a:buChar char=""/>
+              <a:tabLst>
+                <a:tab pos="540385" algn="l"/>
+                <a:tab pos="630555" algn="l"/>
+              </a:tabLst>
             </a:pPr>
             <a:r>
-              <a:rPr lang="ru-RU" sz="1100" dirty="0">
-                <a:solidFill>
-                  <a:srgbClr val="000000"/>
-                </a:solidFill>
+              <a:rPr lang="ru-RU" sz="1200" dirty="0">
                 <a:effectLst/>
                 <a:latin typeface="Times New Roman" panose="02020603050405020304" pitchFamily="18" charset="0"/>
                 <a:ea typeface="Times New Roman" panose="02020603050405020304" pitchFamily="18" charset="0"/>
               </a:rPr>
-              <a:t>metanit.com</a:t>
-            </a:r>
-            <a:r>
-              <a:rPr lang="en-US" sz="1100" dirty="0">
-                <a:solidFill>
-                  <a:srgbClr val="000000"/>
-                </a:solidFill>
-                <a:effectLst/>
-                <a:latin typeface="Times New Roman" panose="02020603050405020304" pitchFamily="18" charset="0"/>
-                <a:ea typeface="Times New Roman" panose="02020603050405020304" pitchFamily="18" charset="0"/>
-              </a:rPr>
-              <a:t> – </a:t>
-            </a:r>
-            <a:r>
-              <a:rPr lang="ru-RU" sz="1100" dirty="0">
-                <a:solidFill>
-                  <a:srgbClr val="000000"/>
-                </a:solidFill>
-                <a:effectLst/>
-                <a:latin typeface="Times New Roman" panose="02020603050405020304" pitchFamily="18" charset="0"/>
-                <a:ea typeface="Times New Roman" panose="02020603050405020304" pitchFamily="18" charset="0"/>
-              </a:rPr>
-              <a:t>метанит</a:t>
-            </a:r>
-          </a:p>
-          <a:p>
-            <a:pPr lvl="0" indent="444500" algn="just">
+              <a:t>ПК. 2.1 Разрабатывать требования к программным модулям на основе анализа проектной и технической документации на предмет взаимодействия компонент;</a:t>
+            </a:r>
+          </a:p>
+          <a:p>
+            <a:pPr lvl="0" indent="449263" algn="just">
               <a:lnSpc>
                 <a:spcPct val="150000"/>
               </a:lnSpc>
               <a:spcAft>
-                <a:spcPts val="70"/>
+                <a:spcPts val="0"/>
               </a:spcAft>
-              <a:buFont typeface="+mj-lt"/>
-              <a:buAutoNum type="arabicPeriod"/>
+              <a:buFont typeface="Symbol" panose="05050102010706020507" pitchFamily="18" charset="2"/>
+              <a:buChar char=""/>
+              <a:tabLst>
+                <a:tab pos="540385" algn="l"/>
+                <a:tab pos="630555" algn="l"/>
+              </a:tabLst>
             </a:pPr>
             <a:r>
-              <a:rPr lang="ru-RU" sz="1100" dirty="0">
-                <a:solidFill>
-                  <a:srgbClr val="000000"/>
-                </a:solidFill>
+              <a:rPr lang="ru-RU" sz="1200" dirty="0">
                 <a:effectLst/>
                 <a:latin typeface="Times New Roman" panose="02020603050405020304" pitchFamily="18" charset="0"/>
                 <a:ea typeface="Times New Roman" panose="02020603050405020304" pitchFamily="18" charset="0"/>
               </a:rPr>
-              <a:t>ru.wikipedia.org – википедия</a:t>
-            </a:r>
-            <a:endParaRPr lang="ru-RU" sz="1100" dirty="0">
+              <a:t>ПК. 2.2 Выполнять интеграцию модулей в программное обеспечение.</a:t>
+            </a:r>
+          </a:p>
+          <a:p>
+            <a:pPr indent="449263" algn="just">
+              <a:lnSpc>
+                <a:spcPct val="150000"/>
+              </a:lnSpc>
+            </a:pPr>
+            <a:r>
+              <a:rPr lang="ru-RU" sz="1200" dirty="0">
+                <a:solidFill>
+                  <a:srgbClr val="000000"/>
+                </a:solidFill>
+                <a:effectLst/>
+                <a:latin typeface="Times New Roman" panose="02020603050405020304" pitchFamily="18" charset="0"/>
+                <a:ea typeface="Times New Roman" panose="02020603050405020304" pitchFamily="18" charset="0"/>
+              </a:rPr>
+              <a:t>ПМ. 04 «Сопровождение и обслуживание программного обеспечения компьютерных систем»:</a:t>
+            </a:r>
+            <a:endParaRPr lang="ru-RU" sz="1200" dirty="0">
+              <a:effectLst/>
+              <a:latin typeface="Times New Roman" panose="02020603050405020304" pitchFamily="18" charset="0"/>
+              <a:ea typeface="Times New Roman" panose="02020603050405020304" pitchFamily="18" charset="0"/>
+            </a:endParaRPr>
+          </a:p>
+          <a:p>
+            <a:pPr lvl="0" indent="449263" algn="just">
+              <a:lnSpc>
+                <a:spcPct val="150000"/>
+              </a:lnSpc>
+              <a:spcAft>
+                <a:spcPts val="0"/>
+              </a:spcAft>
+              <a:buFont typeface="Symbol" panose="05050102010706020507" pitchFamily="18" charset="2"/>
+              <a:buChar char=""/>
+              <a:tabLst>
+                <a:tab pos="540385" algn="l"/>
+                <a:tab pos="630555" algn="l"/>
+              </a:tabLst>
+            </a:pPr>
+            <a:r>
+              <a:rPr lang="ru-RU" sz="1200" dirty="0">
+                <a:effectLst/>
+                <a:latin typeface="Times New Roman" panose="02020603050405020304" pitchFamily="18" charset="0"/>
+                <a:ea typeface="Times New Roman" panose="02020603050405020304" pitchFamily="18" charset="0"/>
+              </a:rPr>
+              <a:t>ПК. 4.1 Осуществлять инсталляцию, настройку и обслуживание программного обеспечения компьютерных систем.</a:t>
+            </a:r>
+          </a:p>
+          <a:p>
+            <a:pPr indent="449263" algn="just">
+              <a:lnSpc>
+                <a:spcPct val="150000"/>
+              </a:lnSpc>
+            </a:pPr>
+            <a:r>
+              <a:rPr lang="ru-RU" sz="1200" dirty="0">
+                <a:solidFill>
+                  <a:srgbClr val="000000"/>
+                </a:solidFill>
+                <a:effectLst/>
+                <a:latin typeface="Times New Roman" panose="02020603050405020304" pitchFamily="18" charset="0"/>
+                <a:ea typeface="Times New Roman" panose="02020603050405020304" pitchFamily="18" charset="0"/>
+              </a:rPr>
+              <a:t>ПМ. 11 «Разработка, администрирование и защита баз данных»:</a:t>
+            </a:r>
+            <a:endParaRPr lang="ru-RU" sz="1200" dirty="0">
+              <a:effectLst/>
+              <a:latin typeface="Times New Roman" panose="02020603050405020304" pitchFamily="18" charset="0"/>
+              <a:ea typeface="Times New Roman" panose="02020603050405020304" pitchFamily="18" charset="0"/>
+            </a:endParaRPr>
+          </a:p>
+          <a:p>
+            <a:pPr lvl="0" indent="449263" algn="just">
+              <a:lnSpc>
+                <a:spcPct val="150000"/>
+              </a:lnSpc>
+              <a:spcAft>
+                <a:spcPts val="0"/>
+              </a:spcAft>
+              <a:buFont typeface="Symbol" panose="05050102010706020507" pitchFamily="18" charset="2"/>
+              <a:buChar char=""/>
+              <a:tabLst>
+                <a:tab pos="540385" algn="l"/>
+                <a:tab pos="630555" algn="l"/>
+              </a:tabLst>
+            </a:pPr>
+            <a:r>
+              <a:rPr lang="ru-RU" sz="1200" dirty="0">
+                <a:effectLst/>
+                <a:latin typeface="Times New Roman" panose="02020603050405020304" pitchFamily="18" charset="0"/>
+                <a:ea typeface="Times New Roman" panose="02020603050405020304" pitchFamily="18" charset="0"/>
+              </a:rPr>
+              <a:t>ПК. 11.2 Проектировать базу данных на основе анализа предметной области;</a:t>
+            </a:r>
+          </a:p>
+          <a:p>
+            <a:pPr lvl="0" indent="449263" algn="just">
+              <a:lnSpc>
+                <a:spcPct val="150000"/>
+              </a:lnSpc>
+              <a:spcAft>
+                <a:spcPts val="0"/>
+              </a:spcAft>
+              <a:buFont typeface="Symbol" panose="05050102010706020507" pitchFamily="18" charset="2"/>
+              <a:buChar char=""/>
+              <a:tabLst>
+                <a:tab pos="540385" algn="l"/>
+                <a:tab pos="630555" algn="l"/>
+              </a:tabLst>
+            </a:pPr>
+            <a:r>
+              <a:rPr lang="ru-RU" sz="1200" dirty="0">
+                <a:effectLst/>
+                <a:latin typeface="Times New Roman" panose="02020603050405020304" pitchFamily="18" charset="0"/>
+                <a:ea typeface="Times New Roman" panose="02020603050405020304" pitchFamily="18" charset="0"/>
+              </a:rPr>
+              <a:t>ПК. 11.3 Разрабатывать объекты базы данных в соответствии с результатами анализа предметной области;</a:t>
+            </a:r>
+          </a:p>
+          <a:p>
+            <a:pPr indent="449263" algn="just">
+              <a:lnSpc>
+                <a:spcPct val="150000"/>
+              </a:lnSpc>
+            </a:pPr>
+            <a:r>
+              <a:rPr lang="ru-RU" sz="1200" dirty="0">
+                <a:effectLst/>
+                <a:latin typeface="Times New Roman" panose="02020603050405020304" pitchFamily="18" charset="0"/>
+                <a:ea typeface="Times New Roman" panose="02020603050405020304" pitchFamily="18" charset="0"/>
+              </a:rPr>
+              <a:t>ПК. 11.4 Реализовывать базу данных в конкретной системе управления базами данных.</a:t>
+            </a:r>
+            <a:endParaRPr lang="ru-RU" sz="1200" dirty="0">
               <a:latin typeface="Times New Roman" pitchFamily="18" charset="0"/>
               <a:cs typeface="Times New Roman" pitchFamily="18" charset="0"/>
             </a:endParaRPr>
@@ -8077,7 +8177,7 @@
         </p:nvSpPr>
         <p:spPr>
           <a:xfrm>
-            <a:off x="533400" y="142876"/>
+            <a:off x="533400" y="269451"/>
             <a:ext cx="8077200" cy="535531"/>
           </a:xfrm>
           <a:prstGeom prst="rect">
@@ -8113,7 +8213,7 @@
                 <a:latin typeface="Times New Roman" pitchFamily="18" charset="0"/>
                 <a:cs typeface="Times New Roman" pitchFamily="18" charset="0"/>
               </a:rPr>
-              <a:t>Список использованной литературы</a:t>
+              <a:t>Список ПК</a:t>
             </a:r>
           </a:p>
         </p:txBody>
@@ -8124,496 +8224,7 @@
             <a:hlinkClick r:id="rId2" action="ppaction://hlinksldjump"/>
             <a:extLst>
               <a:ext uri="{FF2B5EF4-FFF2-40B4-BE49-F238E27FC236}">
-                <a16:creationId xmlns="" xmlns:a16="http://schemas.microsoft.com/office/drawing/2014/main" id="{0B3321C2-5A78-8E91-42E5-640D94E6D828}"/>
-              </a:ext>
-            </a:extLst>
-          </p:cNvPr>
-          <p:cNvSpPr txBox="1"/>
-          <p:nvPr/>
-        </p:nvSpPr>
-        <p:spPr>
-          <a:xfrm>
-            <a:off x="8166059" y="524518"/>
-            <a:ext cx="636713" cy="307777"/>
-          </a:xfrm>
-          <a:prstGeom prst="rect">
-            <a:avLst/>
-          </a:prstGeom>
-          <a:noFill/>
-        </p:spPr>
-        <p:txBody>
-          <a:bodyPr wrap="none" rtlCol="0">
-            <a:spAutoFit/>
-          </a:bodyPr>
-          <a:lstStyle/>
-          <a:p>
-            <a:r>
-              <a:rPr lang="ru-RU" sz="1400" dirty="0">
-                <a:latin typeface="Times New Roman" panose="02020603050405020304" pitchFamily="18" charset="0"/>
-                <a:cs typeface="Times New Roman" panose="02020603050405020304" pitchFamily="18" charset="0"/>
-                <a:hlinkClick r:id="rId3" action="ppaction://hlinksldjump"/>
-              </a:rPr>
-              <a:t>Назад</a:t>
-            </a:r>
-            <a:endParaRPr lang="ru-RU" sz="1400" dirty="0">
-              <a:latin typeface="Times New Roman" panose="02020603050405020304" pitchFamily="18" charset="0"/>
-              <a:cs typeface="Times New Roman" panose="02020603050405020304" pitchFamily="18" charset="0"/>
-            </a:endParaRPr>
-          </a:p>
-        </p:txBody>
-      </p:sp>
-    </p:spTree>
-    <p:extLst>
-      <p:ext uri="{BB962C8B-B14F-4D97-AF65-F5344CB8AC3E}">
-        <p14:creationId xmlns:p14="http://schemas.microsoft.com/office/powerpoint/2010/main" val="3259916622"/>
-      </p:ext>
-    </p:extLst>
-  </p:cSld>
-  <p:clrMapOvr>
-    <a:masterClrMapping/>
-  </p:clrMapOvr>
-  <mc:AlternateContent xmlns:mc="http://schemas.openxmlformats.org/markup-compatibility/2006" xmlns:p14="http://schemas.microsoft.com/office/powerpoint/2010/main">
-    <mc:Choice Requires="p14">
-      <p:transition p14:dur="0"/>
-    </mc:Choice>
-    <mc:Fallback xmlns="">
-      <p:transition/>
-    </mc:Fallback>
-  </mc:AlternateContent>
-</p:sld>
-</file>
-
-<file path=ppt/slides/slide17.xml><?xml version="1.0" encoding="utf-8"?>
-<p:sld xmlns:a="http://schemas.openxmlformats.org/drawingml/2006/main" xmlns:r="http://schemas.openxmlformats.org/officeDocument/2006/relationships" xmlns:p="http://schemas.openxmlformats.org/presentationml/2006/main">
-  <p:cSld>
-    <p:spTree>
-      <p:nvGrpSpPr>
-        <p:cNvPr id="1" name=""/>
-        <p:cNvGrpSpPr/>
-        <p:nvPr/>
-      </p:nvGrpSpPr>
-      <p:grpSpPr>
-        <a:xfrm>
-          <a:off x="0" y="0"/>
-          <a:ext cx="0" cy="0"/>
-          <a:chOff x="0" y="0"/>
-          <a:chExt cx="0" cy="0"/>
-        </a:xfrm>
-      </p:grpSpPr>
-      <p:sp>
-        <p:nvSpPr>
-          <p:cNvPr id="12" name="Содержимое 2"/>
-          <p:cNvSpPr txBox="1">
-            <a:spLocks/>
-          </p:cNvSpPr>
-          <p:nvPr/>
-        </p:nvSpPr>
-        <p:spPr>
-          <a:xfrm>
-            <a:off x="763398" y="1003300"/>
-            <a:ext cx="7625593" cy="5711824"/>
-          </a:xfrm>
-          <a:prstGeom prst="rect">
-            <a:avLst/>
-          </a:prstGeom>
-        </p:spPr>
-        <p:txBody>
-          <a:bodyPr>
-            <a:noAutofit/>
-            <a:scene3d>
-              <a:camera prst="orthographicFront"/>
-              <a:lightRig rig="threePt" dir="t"/>
-            </a:scene3d>
-            <a:sp3d extrusionH="57150">
-              <a:bevelT w="38100" h="38100" prst="relaxedInset"/>
-            </a:sp3d>
-          </a:bodyPr>
-          <a:lstStyle/>
-          <a:p>
-            <a:pPr indent="449263" algn="just">
-              <a:lnSpc>
-                <a:spcPct val="150000"/>
-              </a:lnSpc>
-            </a:pPr>
-            <a:r>
-              <a:rPr lang="ru-RU" sz="1200" dirty="0">
-                <a:solidFill>
-                  <a:srgbClr val="000000"/>
-                </a:solidFill>
-                <a:effectLst/>
-                <a:latin typeface="Times New Roman" panose="02020603050405020304" pitchFamily="18" charset="0"/>
-                <a:ea typeface="Times New Roman" panose="02020603050405020304" pitchFamily="18" charset="0"/>
-              </a:rPr>
-              <a:t>ПМ. 01 «Разработка программных модулей программного обеспечения для компьютерных сетей»:</a:t>
-            </a:r>
-            <a:endParaRPr lang="ru-RU" sz="1200" dirty="0">
-              <a:effectLst/>
-              <a:latin typeface="Times New Roman" panose="02020603050405020304" pitchFamily="18" charset="0"/>
-              <a:ea typeface="Times New Roman" panose="02020603050405020304" pitchFamily="18" charset="0"/>
-            </a:endParaRPr>
-          </a:p>
-          <a:p>
-            <a:pPr lvl="0" indent="449263" algn="just">
-              <a:lnSpc>
-                <a:spcPct val="150000"/>
-              </a:lnSpc>
-              <a:spcAft>
-                <a:spcPts val="0"/>
-              </a:spcAft>
-              <a:buFont typeface="Symbol" panose="05050102010706020507" pitchFamily="18" charset="2"/>
-              <a:buChar char=""/>
-              <a:tabLst>
-                <a:tab pos="540385" algn="l"/>
-                <a:tab pos="630555" algn="l"/>
-              </a:tabLst>
-            </a:pPr>
-            <a:r>
-              <a:rPr lang="ru-RU" sz="1200" dirty="0">
-                <a:effectLst/>
-                <a:latin typeface="Times New Roman" panose="02020603050405020304" pitchFamily="18" charset="0"/>
-                <a:ea typeface="Times New Roman" panose="02020603050405020304" pitchFamily="18" charset="0"/>
-              </a:rPr>
-              <a:t> ПК. 1.1 Формировать алгоритмы разработки программных модулей в соответствии с техническим заданием;</a:t>
-            </a:r>
-          </a:p>
-          <a:p>
-            <a:pPr lvl="0" indent="449263" algn="just">
-              <a:lnSpc>
-                <a:spcPct val="150000"/>
-              </a:lnSpc>
-              <a:spcAft>
-                <a:spcPts val="0"/>
-              </a:spcAft>
-              <a:buFont typeface="Symbol" panose="05050102010706020507" pitchFamily="18" charset="2"/>
-              <a:buChar char=""/>
-              <a:tabLst>
-                <a:tab pos="540385" algn="l"/>
-                <a:tab pos="630555" algn="l"/>
-              </a:tabLst>
-            </a:pPr>
-            <a:r>
-              <a:rPr lang="ru-RU" sz="1200" dirty="0">
-                <a:effectLst/>
-                <a:latin typeface="Times New Roman" panose="02020603050405020304" pitchFamily="18" charset="0"/>
-                <a:ea typeface="Times New Roman" panose="02020603050405020304" pitchFamily="18" charset="0"/>
-              </a:rPr>
-              <a:t>ПК. 1.2 Осуществлять разработку кода программного продукта на основе готовых спецификаций на уровне модуля;</a:t>
-            </a:r>
-          </a:p>
-          <a:p>
-            <a:pPr lvl="0" indent="449263" algn="just">
-              <a:lnSpc>
-                <a:spcPct val="150000"/>
-              </a:lnSpc>
-              <a:spcAft>
-                <a:spcPts val="0"/>
-              </a:spcAft>
-              <a:buFont typeface="Symbol" panose="05050102010706020507" pitchFamily="18" charset="2"/>
-              <a:buChar char=""/>
-              <a:tabLst>
-                <a:tab pos="540385" algn="l"/>
-                <a:tab pos="630555" algn="l"/>
-              </a:tabLst>
-            </a:pPr>
-            <a:r>
-              <a:rPr lang="ru-RU" sz="1200" dirty="0">
-                <a:effectLst/>
-                <a:latin typeface="Times New Roman" panose="02020603050405020304" pitchFamily="18" charset="0"/>
-                <a:ea typeface="Times New Roman" panose="02020603050405020304" pitchFamily="18" charset="0"/>
-              </a:rPr>
-              <a:t>ПК. 1.4 Выполнять тестирование программных модулей;</a:t>
-            </a:r>
-          </a:p>
-          <a:p>
-            <a:pPr lvl="0" indent="449263" algn="just">
-              <a:lnSpc>
-                <a:spcPct val="150000"/>
-              </a:lnSpc>
-              <a:spcAft>
-                <a:spcPts val="0"/>
-              </a:spcAft>
-              <a:buFont typeface="Symbol" panose="05050102010706020507" pitchFamily="18" charset="2"/>
-              <a:buChar char=""/>
-              <a:tabLst>
-                <a:tab pos="540385" algn="l"/>
-                <a:tab pos="630555" algn="l"/>
-              </a:tabLst>
-            </a:pPr>
-            <a:r>
-              <a:rPr lang="ru-RU" sz="1200" dirty="0">
-                <a:effectLst/>
-                <a:latin typeface="Times New Roman" panose="02020603050405020304" pitchFamily="18" charset="0"/>
-                <a:ea typeface="Times New Roman" panose="02020603050405020304" pitchFamily="18" charset="0"/>
-              </a:rPr>
-              <a:t>ПК. 1.6 Разрабатывать модули программного обеспечения для мобильных платформ.</a:t>
-            </a:r>
-          </a:p>
-          <a:p>
-            <a:pPr indent="449263" algn="just">
-              <a:lnSpc>
-                <a:spcPct val="150000"/>
-              </a:lnSpc>
-            </a:pPr>
-            <a:r>
-              <a:rPr lang="ru-RU" sz="1200" dirty="0">
-                <a:solidFill>
-                  <a:srgbClr val="000000"/>
-                </a:solidFill>
-                <a:effectLst/>
-                <a:latin typeface="Times New Roman" panose="02020603050405020304" pitchFamily="18" charset="0"/>
-                <a:ea typeface="Times New Roman" panose="02020603050405020304" pitchFamily="18" charset="0"/>
-              </a:rPr>
-              <a:t>ПМ. 02 «Осуществление интеграции программных модулей»:</a:t>
-            </a:r>
-            <a:endParaRPr lang="ru-RU" sz="1200" dirty="0">
-              <a:effectLst/>
-              <a:latin typeface="Times New Roman" panose="02020603050405020304" pitchFamily="18" charset="0"/>
-              <a:ea typeface="Times New Roman" panose="02020603050405020304" pitchFamily="18" charset="0"/>
-            </a:endParaRPr>
-          </a:p>
-          <a:p>
-            <a:pPr lvl="0" indent="449263" algn="just">
-              <a:lnSpc>
-                <a:spcPct val="150000"/>
-              </a:lnSpc>
-              <a:spcAft>
-                <a:spcPts val="0"/>
-              </a:spcAft>
-              <a:buFont typeface="Symbol" panose="05050102010706020507" pitchFamily="18" charset="2"/>
-              <a:buChar char=""/>
-              <a:tabLst>
-                <a:tab pos="540385" algn="l"/>
-                <a:tab pos="630555" algn="l"/>
-              </a:tabLst>
-            </a:pPr>
-            <a:r>
-              <a:rPr lang="ru-RU" sz="1200" dirty="0">
-                <a:effectLst/>
-                <a:latin typeface="Times New Roman" panose="02020603050405020304" pitchFamily="18" charset="0"/>
-                <a:ea typeface="Times New Roman" panose="02020603050405020304" pitchFamily="18" charset="0"/>
-              </a:rPr>
-              <a:t>ПК. 2.1 Разрабатывать требования к программным модулям на основе анализа проектной и технической документации на предмет взаимодействия компонент;</a:t>
-            </a:r>
-          </a:p>
-          <a:p>
-            <a:pPr lvl="0" indent="449263" algn="just">
-              <a:lnSpc>
-                <a:spcPct val="150000"/>
-              </a:lnSpc>
-              <a:spcAft>
-                <a:spcPts val="0"/>
-              </a:spcAft>
-              <a:buFont typeface="Symbol" panose="05050102010706020507" pitchFamily="18" charset="2"/>
-              <a:buChar char=""/>
-              <a:tabLst>
-                <a:tab pos="540385" algn="l"/>
-                <a:tab pos="630555" algn="l"/>
-              </a:tabLst>
-            </a:pPr>
-            <a:r>
-              <a:rPr lang="ru-RU" sz="1200" dirty="0">
-                <a:effectLst/>
-                <a:latin typeface="Times New Roman" panose="02020603050405020304" pitchFamily="18" charset="0"/>
-                <a:ea typeface="Times New Roman" panose="02020603050405020304" pitchFamily="18" charset="0"/>
-              </a:rPr>
-              <a:t>ПК. 2.2 Выполнять интеграцию модулей в программное обеспечение.</a:t>
-            </a:r>
-          </a:p>
-          <a:p>
-            <a:pPr indent="449263" algn="just">
-              <a:lnSpc>
-                <a:spcPct val="150000"/>
-              </a:lnSpc>
-            </a:pPr>
-            <a:r>
-              <a:rPr lang="ru-RU" sz="1200" dirty="0">
-                <a:solidFill>
-                  <a:srgbClr val="000000"/>
-                </a:solidFill>
-                <a:effectLst/>
-                <a:latin typeface="Times New Roman" panose="02020603050405020304" pitchFamily="18" charset="0"/>
-                <a:ea typeface="Times New Roman" panose="02020603050405020304" pitchFamily="18" charset="0"/>
-              </a:rPr>
-              <a:t>ПМ. 04 «Сопровождение и обслуживание программного обеспечения компьютерных систем»:</a:t>
-            </a:r>
-            <a:endParaRPr lang="ru-RU" sz="1200" dirty="0">
-              <a:effectLst/>
-              <a:latin typeface="Times New Roman" panose="02020603050405020304" pitchFamily="18" charset="0"/>
-              <a:ea typeface="Times New Roman" panose="02020603050405020304" pitchFamily="18" charset="0"/>
-            </a:endParaRPr>
-          </a:p>
-          <a:p>
-            <a:pPr lvl="0" indent="449263" algn="just">
-              <a:lnSpc>
-                <a:spcPct val="150000"/>
-              </a:lnSpc>
-              <a:spcAft>
-                <a:spcPts val="0"/>
-              </a:spcAft>
-              <a:buFont typeface="Symbol" panose="05050102010706020507" pitchFamily="18" charset="2"/>
-              <a:buChar char=""/>
-              <a:tabLst>
-                <a:tab pos="540385" algn="l"/>
-                <a:tab pos="630555" algn="l"/>
-              </a:tabLst>
-            </a:pPr>
-            <a:r>
-              <a:rPr lang="ru-RU" sz="1200" dirty="0">
-                <a:effectLst/>
-                <a:latin typeface="Times New Roman" panose="02020603050405020304" pitchFamily="18" charset="0"/>
-                <a:ea typeface="Times New Roman" panose="02020603050405020304" pitchFamily="18" charset="0"/>
-              </a:rPr>
-              <a:t>ПК. 4.1 Осуществлять инсталляцию, настройку и обслуживание программного обеспечения компьютерных систем.</a:t>
-            </a:r>
-          </a:p>
-          <a:p>
-            <a:pPr indent="449263" algn="just">
-              <a:lnSpc>
-                <a:spcPct val="150000"/>
-              </a:lnSpc>
-            </a:pPr>
-            <a:r>
-              <a:rPr lang="ru-RU" sz="1200" dirty="0">
-                <a:solidFill>
-                  <a:srgbClr val="000000"/>
-                </a:solidFill>
-                <a:effectLst/>
-                <a:latin typeface="Times New Roman" panose="02020603050405020304" pitchFamily="18" charset="0"/>
-                <a:ea typeface="Times New Roman" panose="02020603050405020304" pitchFamily="18" charset="0"/>
-              </a:rPr>
-              <a:t>ПМ. 11 «Разработка, администрирование и защита баз данных»:</a:t>
-            </a:r>
-            <a:endParaRPr lang="ru-RU" sz="1200" dirty="0">
-              <a:effectLst/>
-              <a:latin typeface="Times New Roman" panose="02020603050405020304" pitchFamily="18" charset="0"/>
-              <a:ea typeface="Times New Roman" panose="02020603050405020304" pitchFamily="18" charset="0"/>
-            </a:endParaRPr>
-          </a:p>
-          <a:p>
-            <a:pPr lvl="0" indent="449263" algn="just">
-              <a:lnSpc>
-                <a:spcPct val="150000"/>
-              </a:lnSpc>
-              <a:spcAft>
-                <a:spcPts val="0"/>
-              </a:spcAft>
-              <a:buFont typeface="Symbol" panose="05050102010706020507" pitchFamily="18" charset="2"/>
-              <a:buChar char=""/>
-              <a:tabLst>
-                <a:tab pos="540385" algn="l"/>
-                <a:tab pos="630555" algn="l"/>
-              </a:tabLst>
-            </a:pPr>
-            <a:r>
-              <a:rPr lang="ru-RU" sz="1200" dirty="0">
-                <a:effectLst/>
-                <a:latin typeface="Times New Roman" panose="02020603050405020304" pitchFamily="18" charset="0"/>
-                <a:ea typeface="Times New Roman" panose="02020603050405020304" pitchFamily="18" charset="0"/>
-              </a:rPr>
-              <a:t>ПК. 11.2 Проектировать базу данных на основе анализа предметной области;</a:t>
-            </a:r>
-          </a:p>
-          <a:p>
-            <a:pPr lvl="0" indent="449263" algn="just">
-              <a:lnSpc>
-                <a:spcPct val="150000"/>
-              </a:lnSpc>
-              <a:spcAft>
-                <a:spcPts val="0"/>
-              </a:spcAft>
-              <a:buFont typeface="Symbol" panose="05050102010706020507" pitchFamily="18" charset="2"/>
-              <a:buChar char=""/>
-              <a:tabLst>
-                <a:tab pos="540385" algn="l"/>
-                <a:tab pos="630555" algn="l"/>
-              </a:tabLst>
-            </a:pPr>
-            <a:r>
-              <a:rPr lang="ru-RU" sz="1200" dirty="0">
-                <a:effectLst/>
-                <a:latin typeface="Times New Roman" panose="02020603050405020304" pitchFamily="18" charset="0"/>
-                <a:ea typeface="Times New Roman" panose="02020603050405020304" pitchFamily="18" charset="0"/>
-              </a:rPr>
-              <a:t>ПК. 11.3 Разрабатывать объекты базы данных в соответствии с результатами анализа предметной области;</a:t>
-            </a:r>
-          </a:p>
-          <a:p>
-            <a:pPr indent="449263" algn="just">
-              <a:lnSpc>
-                <a:spcPct val="150000"/>
-              </a:lnSpc>
-            </a:pPr>
-            <a:r>
-              <a:rPr lang="ru-RU" sz="1200" dirty="0">
-                <a:effectLst/>
-                <a:latin typeface="Times New Roman" panose="02020603050405020304" pitchFamily="18" charset="0"/>
-                <a:ea typeface="Times New Roman" panose="02020603050405020304" pitchFamily="18" charset="0"/>
-              </a:rPr>
-              <a:t>ПК. 11.4 Реализовывать базу данных в конкретной системе управления базами данных.</a:t>
-            </a:r>
-            <a:endParaRPr lang="ru-RU" sz="1200" dirty="0">
-              <a:latin typeface="Times New Roman" pitchFamily="18" charset="0"/>
-              <a:cs typeface="Times New Roman" pitchFamily="18" charset="0"/>
-            </a:endParaRPr>
-          </a:p>
-        </p:txBody>
-      </p:sp>
-      <p:sp>
-        <p:nvSpPr>
-          <p:cNvPr id="4" name="Прямоугольник 3"/>
-          <p:cNvSpPr/>
-          <p:nvPr/>
-        </p:nvSpPr>
-        <p:spPr>
-          <a:xfrm>
-            <a:off x="533400" y="269451"/>
-            <a:ext cx="8077200" cy="535531"/>
-          </a:xfrm>
-          <a:prstGeom prst="rect">
-            <a:avLst/>
-          </a:prstGeom>
-        </p:spPr>
-        <p:txBody>
-          <a:bodyPr wrap="square">
-            <a:spAutoFit/>
-          </a:bodyPr>
-          <a:lstStyle/>
-          <a:p>
-            <a:pPr marL="342900" indent="-342900" algn="ctr" fontAlgn="auto">
-              <a:lnSpc>
-                <a:spcPct val="80000"/>
-              </a:lnSpc>
-              <a:spcBef>
-                <a:spcPct val="20000"/>
-              </a:spcBef>
-              <a:spcAft>
-                <a:spcPts val="0"/>
-              </a:spcAft>
-              <a:buClr>
-                <a:schemeClr val="accent1">
-                  <a:shade val="75000"/>
-                </a:schemeClr>
-              </a:buClr>
-              <a:buSzPct val="55000"/>
-              <a:defRPr/>
-            </a:pPr>
-            <a:r>
-              <a:rPr kumimoji="1" lang="ru-RU" sz="3600" b="1" dirty="0">
-                <a:latin typeface="Times New Roman" pitchFamily="18" charset="0"/>
-                <a:cs typeface="Times New Roman" pitchFamily="18" charset="0"/>
-              </a:rPr>
-              <a:t>Список ПК</a:t>
-            </a:r>
-          </a:p>
-        </p:txBody>
-      </p:sp>
-      <p:sp>
-        <p:nvSpPr>
-          <p:cNvPr id="2" name="TextBox 1">
-            <a:hlinkClick r:id="rId2" action="ppaction://hlinksldjump"/>
-            <a:extLst>
-              <a:ext uri="{FF2B5EF4-FFF2-40B4-BE49-F238E27FC236}">
-                <a16:creationId xmlns="" xmlns:a16="http://schemas.microsoft.com/office/drawing/2014/main" id="{41CA9C1E-2CE5-7444-C8BF-E5499B31B2FF}"/>
+                <a16:creationId xmlns:a16="http://schemas.microsoft.com/office/drawing/2014/main" id="{41CA9C1E-2CE5-7444-C8BF-E5499B31B2FF}"/>
               </a:ext>
             </a:extLst>
           </p:cNvPr>
@@ -8672,7 +8283,7 @@
 </p:sld>
 </file>
 
-<file path=ppt/slides/slide18.xml><?xml version="1.0" encoding="utf-8"?>
+<file path=ppt/slides/slide17.xml><?xml version="1.0" encoding="utf-8"?>
 <p:sld xmlns:a="http://schemas.openxmlformats.org/drawingml/2006/main" xmlns:r="http://schemas.openxmlformats.org/officeDocument/2006/relationships" xmlns:p="http://schemas.openxmlformats.org/presentationml/2006/main">
   <p:cSld>
     <p:bg>
@@ -9673,7 +9284,7 @@
                 <a:cs typeface="Times New Roman" pitchFamily="18" charset="0"/>
                 <a:hlinkClick r:id="rId3" action="ppaction://hlinksldjump"/>
               </a:rPr>
-              <a:t>Актуализация</a:t>
+              <a:t>Практическая значимость</a:t>
             </a:r>
             <a:r>
               <a:rPr lang="ru-RU" sz="1600" dirty="0">
@@ -9705,7 +9316,7 @@
                 <a:cs typeface="Times New Roman" pitchFamily="18" charset="0"/>
                 <a:hlinkClick r:id="rId4" action="ppaction://hlinksldjump"/>
               </a:rPr>
-              <a:t>Практическая значимость</a:t>
+              <a:t>Техническое задание</a:t>
             </a:r>
             <a:r>
               <a:rPr lang="ru-RU" sz="1600" dirty="0">
@@ -9737,7 +9348,7 @@
                 <a:cs typeface="Times New Roman" pitchFamily="18" charset="0"/>
                 <a:hlinkClick r:id="rId5" action="ppaction://hlinksldjump"/>
               </a:rPr>
-              <a:t>Техническое задание</a:t>
+              <a:t>Функционально-логическая схема</a:t>
             </a:r>
             <a:r>
               <a:rPr lang="ru-RU" sz="1600" dirty="0">
@@ -9769,7 +9380,7 @@
                 <a:cs typeface="Times New Roman" pitchFamily="18" charset="0"/>
                 <a:hlinkClick r:id="rId6" action="ppaction://hlinksldjump"/>
               </a:rPr>
-              <a:t>Функционально-логическая схема</a:t>
+              <a:t>Логическая модель данных</a:t>
             </a:r>
             <a:r>
               <a:rPr lang="ru-RU" sz="1600" dirty="0">
@@ -9801,7 +9412,7 @@
                 <a:cs typeface="Times New Roman" pitchFamily="18" charset="0"/>
                 <a:hlinkClick r:id="rId7" action="ppaction://hlinksldjump"/>
               </a:rPr>
-              <a:t>Логическая модель данных</a:t>
+              <a:t>Стек используемых технологий</a:t>
             </a:r>
             <a:r>
               <a:rPr lang="ru-RU" sz="1600" dirty="0">
@@ -9833,7 +9444,7 @@
                 <a:cs typeface="Times New Roman" pitchFamily="18" charset="0"/>
                 <a:hlinkClick r:id="rId8" action="ppaction://hlinksldjump"/>
               </a:rPr>
-              <a:t>Стек используемых технологий</a:t>
+              <a:t>Список источников</a:t>
             </a:r>
             <a:r>
               <a:rPr lang="ru-RU" sz="1600" dirty="0">
@@ -9864,38 +9475,6 @@
                 <a:latin typeface="Times New Roman" pitchFamily="18" charset="0"/>
                 <a:cs typeface="Times New Roman" pitchFamily="18" charset="0"/>
                 <a:hlinkClick r:id="rId9" action="ppaction://hlinksldjump"/>
-              </a:rPr>
-              <a:t>Список источников</a:t>
-            </a:r>
-            <a:r>
-              <a:rPr lang="ru-RU" sz="1600" dirty="0">
-                <a:latin typeface="Times New Roman" pitchFamily="18" charset="0"/>
-                <a:cs typeface="Times New Roman" pitchFamily="18" charset="0"/>
-              </a:rPr>
-              <a:t>;</a:t>
-            </a:r>
-          </a:p>
-          <a:p>
-            <a:pPr marL="342900" indent="-342900" algn="just" fontAlgn="auto">
-              <a:spcBef>
-                <a:spcPts val="580"/>
-              </a:spcBef>
-              <a:spcAft>
-                <a:spcPts val="0"/>
-              </a:spcAft>
-              <a:buClr>
-                <a:schemeClr val="accent1"/>
-              </a:buClr>
-              <a:buSzPct val="85000"/>
-              <a:buFont typeface="Symbol" panose="05050102010706020507" pitchFamily="18" charset="2"/>
-              <a:buChar char="-"/>
-              <a:defRPr/>
-            </a:pPr>
-            <a:r>
-              <a:rPr lang="ru-RU" sz="1600" dirty="0">
-                <a:latin typeface="Times New Roman" pitchFamily="18" charset="0"/>
-                <a:cs typeface="Times New Roman" pitchFamily="18" charset="0"/>
-                <a:hlinkClick r:id="rId10" action="ppaction://hlinksldjump"/>
               </a:rPr>
               <a:t>Список ПК</a:t>
             </a:r>
@@ -10304,7 +9883,7 @@
           <p:cNvPr id="2" name="TextBox 1">
             <a:extLst>
               <a:ext uri="{FF2B5EF4-FFF2-40B4-BE49-F238E27FC236}">
-                <a16:creationId xmlns="" xmlns:a16="http://schemas.microsoft.com/office/drawing/2014/main" id="{AB38F26F-C73F-88F4-740B-F663067BEA04}"/>
+                <a16:creationId xmlns:a16="http://schemas.microsoft.com/office/drawing/2014/main" id="{AB38F26F-C73F-88F4-740B-F663067BEA04}"/>
               </a:ext>
             </a:extLst>
           </p:cNvPr>
@@ -10390,8 +9969,8 @@
         </p:nvSpPr>
         <p:spPr>
           <a:xfrm>
-            <a:off x="746620" y="732341"/>
-            <a:ext cx="7659149" cy="5711824"/>
+            <a:off x="763398" y="732341"/>
+            <a:ext cx="7625593" cy="5711824"/>
           </a:xfrm>
           <a:prstGeom prst="rect">
             <a:avLst/>
@@ -10430,11 +10009,35 @@
                 <a:latin typeface="Times New Roman" pitchFamily="18" charset="0"/>
                 <a:cs typeface="Times New Roman" pitchFamily="18" charset="0"/>
               </a:rPr>
-              <a:t>Тема была определена в задании на дипломное проектирование и преддипломную практику, а источником являются увлечения:</a:t>
-            </a:r>
-          </a:p>
-          <a:p>
-            <a:pPr marL="360363" indent="444500" algn="just" fontAlgn="auto">
+              <a:t>Пользователями разработанного ПО будут:</a:t>
+            </a:r>
+          </a:p>
+          <a:p>
+            <a:pPr marL="360363" lvl="1" indent="449263" algn="just">
+              <a:lnSpc>
+                <a:spcPct val="150000"/>
+              </a:lnSpc>
+              <a:buClr>
+                <a:schemeClr val="tx1"/>
+              </a:buClr>
+              <a:buSzPct val="85000"/>
+              <a:buFont typeface="Symbol" panose="05050102010706020507" pitchFamily="18" charset="2"/>
+              <a:buChar char="-"/>
+              <a:tabLst>
+                <a:tab pos="576000" algn="l"/>
+              </a:tabLst>
+              <a:defRPr/>
+            </a:pPr>
+            <a:r>
+              <a:rPr lang="ru-RU" sz="1600" dirty="0">
+                <a:latin typeface="Times New Roman" pitchFamily="18" charset="0"/>
+                <a:cs typeface="Times New Roman" pitchFamily="18" charset="0"/>
+              </a:rPr>
+              <a:t>сотрудники торговых точек: директора, администраторы, операторы, продавцы (формируют заказы в магазине), менеджеры по заказам (формируют заказы на пункт выдачи) и менеджеры по складам;</a:t>
+            </a:r>
+          </a:p>
+          <a:p>
+            <a:pPr marL="360363" indent="449263" algn="just" fontAlgn="auto">
               <a:lnSpc>
                 <a:spcPct val="150000"/>
               </a:lnSpc>
@@ -10442,7 +10045,7 @@
                 <a:spcPts val="0"/>
               </a:spcAft>
               <a:buClr>
-                <a:schemeClr val="accent1"/>
+                <a:schemeClr val="tx1"/>
               </a:buClr>
               <a:buSzPct val="85000"/>
               <a:buFont typeface="Symbol" panose="05050102010706020507" pitchFamily="18" charset="2"/>
@@ -10454,46 +10057,7 @@
                 <a:latin typeface="Times New Roman" pitchFamily="18" charset="0"/>
                 <a:cs typeface="Times New Roman" pitchFamily="18" charset="0"/>
               </a:rPr>
-              <a:t>личное увлечение музыкой (инструменты </a:t>
-            </a:r>
-            <a:r>
-              <a:rPr lang="ru-RU" sz="1600" dirty="0">
-                <a:latin typeface="Times New Roman" pitchFamily="18" charset="0"/>
-                <a:cs typeface="Times New Roman" pitchFamily="18" charset="0"/>
-                <a:sym typeface="Symbol" panose="05050102010706020507" pitchFamily="18" charset="2"/>
-              </a:rPr>
-              <a:t></a:t>
-            </a:r>
-            <a:r>
-              <a:rPr lang="ru-RU" sz="1600" dirty="0">
-                <a:latin typeface="Times New Roman" pitchFamily="18" charset="0"/>
-                <a:cs typeface="Times New Roman" pitchFamily="18" charset="0"/>
-              </a:rPr>
-              <a:t> гитара, синтезатор, укулеле и электрогитара);</a:t>
-            </a:r>
-          </a:p>
-          <a:p>
-            <a:pPr marL="360363" indent="444500" algn="just" fontAlgn="auto">
-              <a:lnSpc>
-                <a:spcPct val="150000"/>
-              </a:lnSpc>
-              <a:spcAft>
-                <a:spcPts val="0"/>
-              </a:spcAft>
-              <a:buClr>
-                <a:schemeClr val="accent1"/>
-              </a:buClr>
-              <a:buSzPct val="85000"/>
-              <a:buFont typeface="Symbol" panose="05050102010706020507" pitchFamily="18" charset="2"/>
-              <a:buChar char="-"/>
-              <a:defRPr/>
-            </a:pPr>
-            <a:r>
-              <a:rPr lang="ru-RU" sz="1600" dirty="0">
-                <a:latin typeface="Times New Roman" pitchFamily="18" charset="0"/>
-                <a:cs typeface="Times New Roman" pitchFamily="18" charset="0"/>
-              </a:rPr>
-              <a:t>сочинение мелодий.</a:t>
+              <a:t>клиенты этих торговых точек (покупатели).</a:t>
             </a:r>
           </a:p>
         </p:txBody>
@@ -10542,17 +10106,17 @@
                 <a:latin typeface="Times New Roman" pitchFamily="18" charset="0"/>
                 <a:cs typeface="Times New Roman" pitchFamily="18" charset="0"/>
               </a:rPr>
-              <a:t>Актуализация</a:t>
-            </a:r>
-          </a:p>
-        </p:txBody>
-      </p:sp>
-      <p:sp>
-        <p:nvSpPr>
-          <p:cNvPr id="5" name="TextBox 4">
+              <a:t>Практическая значимость</a:t>
+            </a:r>
+          </a:p>
+        </p:txBody>
+      </p:sp>
+      <p:sp>
+        <p:nvSpPr>
+          <p:cNvPr id="2" name="TextBox 1">
             <a:extLst>
               <a:ext uri="{FF2B5EF4-FFF2-40B4-BE49-F238E27FC236}">
-                <a16:creationId xmlns="" xmlns:a16="http://schemas.microsoft.com/office/drawing/2014/main" id="{0D6935BC-CFE3-43B2-18CB-9AC94E469070}"/>
+                <a16:creationId xmlns:a16="http://schemas.microsoft.com/office/drawing/2014/main" id="{C0705596-B198-5BD4-4A61-7B475B4F12B7}"/>
               </a:ext>
             </a:extLst>
           </p:cNvPr>
@@ -10579,7 +10143,7 @@
               <a:rPr lang="ru-RU" sz="1400" dirty="0">
                 <a:latin typeface="Times New Roman" panose="02020603050405020304" pitchFamily="18" charset="0"/>
                 <a:cs typeface="Times New Roman" panose="02020603050405020304" pitchFamily="18" charset="0"/>
-                <a:hlinkClick r:id="rId3" action="ppaction://hlinksldjump"/>
+                <a:hlinkClick r:id="rId2" action="ppaction://hlinksldjump"/>
               </a:rPr>
               <a:t>Назад</a:t>
             </a:r>
@@ -10591,6 +10155,11 @@
         </p:txBody>
       </p:sp>
     </p:spTree>
+    <p:extLst>
+      <p:ext uri="{BB962C8B-B14F-4D97-AF65-F5344CB8AC3E}">
+        <p14:creationId xmlns:p14="http://schemas.microsoft.com/office/powerpoint/2010/main" val="709757132"/>
+      </p:ext>
+    </p:extLst>
   </p:cSld>
   <p:clrMapOvr>
     <a:masterClrMapping/>
@@ -10633,239 +10202,6 @@
         </p:nvSpPr>
         <p:spPr>
           <a:xfrm>
-            <a:off x="763398" y="732341"/>
-            <a:ext cx="7625593" cy="5711824"/>
-          </a:xfrm>
-          <a:prstGeom prst="rect">
-            <a:avLst/>
-          </a:prstGeom>
-        </p:spPr>
-        <p:txBody>
-          <a:bodyPr>
-            <a:normAutofit/>
-            <a:scene3d>
-              <a:camera prst="orthographicFront"/>
-              <a:lightRig rig="threePt" dir="t"/>
-            </a:scene3d>
-            <a:sp3d extrusionH="57150">
-              <a:bevelT w="38100" h="38100" prst="relaxedInset"/>
-            </a:sp3d>
-          </a:bodyPr>
-          <a:lstStyle/>
-          <a:p>
-            <a:pPr indent="450000" algn="just" fontAlgn="auto">
-              <a:lnSpc>
-                <a:spcPct val="150000"/>
-              </a:lnSpc>
-              <a:spcAft>
-                <a:spcPts val="0"/>
-              </a:spcAft>
-              <a:buClr>
-                <a:schemeClr val="accent1"/>
-              </a:buClr>
-              <a:buSzPct val="85000"/>
-              <a:buFont typeface="Wingdings 2"/>
-              <a:buNone/>
-              <a:defRPr/>
-            </a:pPr>
-            <a:r>
-              <a:rPr lang="ru-RU" sz="1600" dirty="0">
-                <a:latin typeface="Times New Roman" pitchFamily="18" charset="0"/>
-                <a:cs typeface="Times New Roman" pitchFamily="18" charset="0"/>
-              </a:rPr>
-              <a:t>Пользователями разработанного ПО будут:</a:t>
-            </a:r>
-          </a:p>
-          <a:p>
-            <a:pPr marL="360363" lvl="1" indent="449263" algn="just">
-              <a:lnSpc>
-                <a:spcPct val="150000"/>
-              </a:lnSpc>
-              <a:buClr>
-                <a:schemeClr val="tx1"/>
-              </a:buClr>
-              <a:buSzPct val="85000"/>
-              <a:buFont typeface="Symbol" panose="05050102010706020507" pitchFamily="18" charset="2"/>
-              <a:buChar char="-"/>
-              <a:tabLst>
-                <a:tab pos="576000" algn="l"/>
-              </a:tabLst>
-              <a:defRPr/>
-            </a:pPr>
-            <a:r>
-              <a:rPr lang="ru-RU" sz="1600" dirty="0">
-                <a:latin typeface="Times New Roman" pitchFamily="18" charset="0"/>
-                <a:cs typeface="Times New Roman" pitchFamily="18" charset="0"/>
-              </a:rPr>
-              <a:t>сотрудники торговых точек: директора, администраторы, операторы, продавцы (формируют заказы в магазине), менеджеры по заказам (формируют заказы на пункт выдачи) и менеджеры по складам;</a:t>
-            </a:r>
-          </a:p>
-          <a:p>
-            <a:pPr marL="360363" indent="449263" algn="just" fontAlgn="auto">
-              <a:lnSpc>
-                <a:spcPct val="150000"/>
-              </a:lnSpc>
-              <a:spcAft>
-                <a:spcPts val="0"/>
-              </a:spcAft>
-              <a:buClr>
-                <a:schemeClr val="tx1"/>
-              </a:buClr>
-              <a:buSzPct val="85000"/>
-              <a:buFont typeface="Symbol" panose="05050102010706020507" pitchFamily="18" charset="2"/>
-              <a:buChar char="-"/>
-              <a:defRPr/>
-            </a:pPr>
-            <a:r>
-              <a:rPr lang="ru-RU" sz="1600" dirty="0">
-                <a:latin typeface="Times New Roman" pitchFamily="18" charset="0"/>
-                <a:cs typeface="Times New Roman" pitchFamily="18" charset="0"/>
-              </a:rPr>
-              <a:t>клиенты этих торговых точек (покупатели).</a:t>
-            </a:r>
-          </a:p>
-        </p:txBody>
-      </p:sp>
-      <p:sp>
-        <p:nvSpPr>
-          <p:cNvPr id="4" name="Прямоугольник 3"/>
-          <p:cNvSpPr/>
-          <p:nvPr/>
-        </p:nvSpPr>
-        <p:spPr>
-          <a:xfrm>
-            <a:off x="1143000" y="196810"/>
-            <a:ext cx="6858000" cy="535531"/>
-          </a:xfrm>
-          <a:prstGeom prst="rect">
-            <a:avLst/>
-          </a:prstGeom>
-        </p:spPr>
-        <p:txBody>
-          <a:bodyPr>
-            <a:spAutoFit/>
-          </a:bodyPr>
-          <a:lstStyle/>
-          <a:p>
-            <a:pPr marL="342900" indent="-342900" algn="ctr" fontAlgn="auto">
-              <a:lnSpc>
-                <a:spcPct val="80000"/>
-              </a:lnSpc>
-              <a:spcBef>
-                <a:spcPct val="20000"/>
-              </a:spcBef>
-              <a:spcAft>
-                <a:spcPts val="0"/>
-              </a:spcAft>
-              <a:buClr>
-                <a:schemeClr val="accent1">
-                  <a:shade val="75000"/>
-                </a:schemeClr>
-              </a:buClr>
-              <a:buSzPct val="55000"/>
-              <a:defRPr/>
-            </a:pPr>
-            <a:r>
-              <a:rPr kumimoji="1" lang="ru-RU" sz="3600" b="1" dirty="0">
-                <a:latin typeface="Times New Roman" pitchFamily="18" charset="0"/>
-                <a:cs typeface="Times New Roman" pitchFamily="18" charset="0"/>
-              </a:rPr>
-              <a:t>Практическая значимость</a:t>
-            </a:r>
-          </a:p>
-        </p:txBody>
-      </p:sp>
-      <p:sp>
-        <p:nvSpPr>
-          <p:cNvPr id="2" name="TextBox 1">
-            <a:extLst>
-              <a:ext uri="{FF2B5EF4-FFF2-40B4-BE49-F238E27FC236}">
-                <a16:creationId xmlns="" xmlns:a16="http://schemas.microsoft.com/office/drawing/2014/main" id="{C0705596-B198-5BD4-4A61-7B475B4F12B7}"/>
-              </a:ext>
-            </a:extLst>
-          </p:cNvPr>
-          <p:cNvSpPr txBox="1"/>
-          <p:nvPr/>
-        </p:nvSpPr>
-        <p:spPr>
-          <a:xfrm>
-            <a:off x="661558" y="310687"/>
-            <a:ext cx="646331" cy="307777"/>
-          </a:xfrm>
-          <a:prstGeom prst="rect">
-            <a:avLst/>
-          </a:prstGeom>
-          <a:noFill/>
-        </p:spPr>
-        <p:txBody>
-          <a:bodyPr wrap="none" rtlCol="0">
-            <a:spAutoFit/>
-          </a:bodyPr>
-          <a:lstStyle/>
-          <a:p>
-            <a:r>
-              <a:rPr lang="ru-RU" sz="1400" dirty="0">
-                <a:latin typeface="Times New Roman" panose="02020603050405020304" pitchFamily="18" charset="0"/>
-                <a:cs typeface="Times New Roman" panose="02020603050405020304" pitchFamily="18" charset="0"/>
-                <a:hlinkClick r:id="rId2" action="ppaction://hlinksldjump"/>
-              </a:rPr>
-              <a:t>Назад</a:t>
-            </a:r>
-            <a:endParaRPr lang="ru-RU" sz="1400" dirty="0">
-              <a:latin typeface="Times New Roman" panose="02020603050405020304" pitchFamily="18" charset="0"/>
-              <a:cs typeface="Times New Roman" panose="02020603050405020304" pitchFamily="18" charset="0"/>
-            </a:endParaRPr>
-          </a:p>
-        </p:txBody>
-      </p:sp>
-    </p:spTree>
-    <p:extLst>
-      <p:ext uri="{BB962C8B-B14F-4D97-AF65-F5344CB8AC3E}">
-        <p14:creationId xmlns:p14="http://schemas.microsoft.com/office/powerpoint/2010/main" val="709757132"/>
-      </p:ext>
-    </p:extLst>
-  </p:cSld>
-  <p:clrMapOvr>
-    <a:masterClrMapping/>
-  </p:clrMapOvr>
-  <mc:AlternateContent xmlns:mc="http://schemas.openxmlformats.org/markup-compatibility/2006" xmlns:p14="http://schemas.microsoft.com/office/powerpoint/2010/main">
-    <mc:Choice Requires="p14">
-      <p:transition p14:dur="0"/>
-    </mc:Choice>
-    <mc:Fallback xmlns="">
-      <p:transition/>
-    </mc:Fallback>
-  </mc:AlternateContent>
-</p:sld>
-</file>
-
-<file path=ppt/slides/slide6.xml><?xml version="1.0" encoding="utf-8"?>
-<p:sld xmlns:a="http://schemas.openxmlformats.org/drawingml/2006/main" xmlns:r="http://schemas.openxmlformats.org/officeDocument/2006/relationships" xmlns:p="http://schemas.openxmlformats.org/presentationml/2006/main">
-  <p:cSld>
-    <p:spTree>
-      <p:nvGrpSpPr>
-        <p:cNvPr id="1" name=""/>
-        <p:cNvGrpSpPr/>
-        <p:nvPr/>
-      </p:nvGrpSpPr>
-      <p:grpSpPr>
-        <a:xfrm>
-          <a:off x="0" y="0"/>
-          <a:ext cx="0" cy="0"/>
-          <a:chOff x="0" y="0"/>
-          <a:chExt cx="0" cy="0"/>
-        </a:xfrm>
-      </p:grpSpPr>
-      <p:sp>
-        <p:nvSpPr>
-          <p:cNvPr id="12" name="Содержимое 2"/>
-          <p:cNvSpPr txBox="1">
-            <a:spLocks/>
-          </p:cNvSpPr>
-          <p:nvPr/>
-        </p:nvSpPr>
-        <p:spPr>
-          <a:xfrm>
             <a:off x="746619" y="690395"/>
             <a:ext cx="7650761" cy="5711824"/>
           </a:xfrm>
@@ -11004,7 +10340,7 @@
           <p:cNvPr id="2" name="TextBox 1">
             <a:extLst>
               <a:ext uri="{FF2B5EF4-FFF2-40B4-BE49-F238E27FC236}">
-                <a16:creationId xmlns="" xmlns:a16="http://schemas.microsoft.com/office/drawing/2014/main" id="{52AA56F4-200A-F5ED-F108-ADEC28F73D12}"/>
+                <a16:creationId xmlns:a16="http://schemas.microsoft.com/office/drawing/2014/main" id="{52AA56F4-200A-F5ED-F108-ADEC28F73D12}"/>
               </a:ext>
             </a:extLst>
           </p:cNvPr>
@@ -11047,7 +10383,7 @@
           <p:cNvPr id="5" name="Рисунок 4" descr="Изображение выглядит как диаграмма, текст, снимок экрана, зарисовка&#10;&#10;Автоматически созданное описание">
             <a:extLst>
               <a:ext uri="{FF2B5EF4-FFF2-40B4-BE49-F238E27FC236}">
-                <a16:creationId xmlns="" xmlns:a16="http://schemas.microsoft.com/office/drawing/2014/main" id="{03257B84-40AD-F0D0-33FC-18584F513B64}"/>
+                <a16:creationId xmlns:a16="http://schemas.microsoft.com/office/drawing/2014/main" id="{03257B84-40AD-F0D0-33FC-18584F513B64}"/>
               </a:ext>
             </a:extLst>
           </p:cNvPr>
@@ -11104,7 +10440,7 @@
 </p:sld>
 </file>
 
-<file path=ppt/slides/slide7.xml><?xml version="1.0" encoding="utf-8"?>
+<file path=ppt/slides/slide6.xml><?xml version="1.0" encoding="utf-8"?>
 <p:sld xmlns:a="http://schemas.openxmlformats.org/drawingml/2006/main" xmlns:r="http://schemas.openxmlformats.org/officeDocument/2006/relationships" xmlns:p="http://schemas.openxmlformats.org/presentationml/2006/main">
   <p:cSld>
     <p:spTree>
@@ -11282,7 +10618,7 @@
           <p:cNvPr id="2" name="TextBox 1">
             <a:extLst>
               <a:ext uri="{FF2B5EF4-FFF2-40B4-BE49-F238E27FC236}">
-                <a16:creationId xmlns="" xmlns:a16="http://schemas.microsoft.com/office/drawing/2014/main" id="{52AA56F4-200A-F5ED-F108-ADEC28F73D12}"/>
+                <a16:creationId xmlns:a16="http://schemas.microsoft.com/office/drawing/2014/main" id="{52AA56F4-200A-F5ED-F108-ADEC28F73D12}"/>
               </a:ext>
             </a:extLst>
           </p:cNvPr>
@@ -11325,7 +10661,7 @@
           <p:cNvPr id="5" name="Рисунок 4" descr="Изображение выглядит как текст, диаграмма, карта, зарисовка&#10;&#10;Автоматически созданное описание">
             <a:extLst>
               <a:ext uri="{FF2B5EF4-FFF2-40B4-BE49-F238E27FC236}">
-                <a16:creationId xmlns="" xmlns:a16="http://schemas.microsoft.com/office/drawing/2014/main" id="{2130212F-9867-4160-98BB-75783D4543B5}"/>
+                <a16:creationId xmlns:a16="http://schemas.microsoft.com/office/drawing/2014/main" id="{2130212F-9867-4160-98BB-75783D4543B5}"/>
               </a:ext>
             </a:extLst>
           </p:cNvPr>
@@ -11381,7 +10717,7 @@
 </p:sld>
 </file>
 
-<file path=ppt/slides/slide8.xml><?xml version="1.0" encoding="utf-8"?>
+<file path=ppt/slides/slide7.xml><?xml version="1.0" encoding="utf-8"?>
 <p:sld xmlns:a="http://schemas.openxmlformats.org/drawingml/2006/main" xmlns:r="http://schemas.openxmlformats.org/officeDocument/2006/relationships" xmlns:p="http://schemas.openxmlformats.org/presentationml/2006/main">
   <p:cSld>
     <p:spTree>
@@ -11764,7 +11100,7 @@
           <p:cNvPr id="2" name="TextBox 1">
             <a:extLst>
               <a:ext uri="{FF2B5EF4-FFF2-40B4-BE49-F238E27FC236}">
-                <a16:creationId xmlns="" xmlns:a16="http://schemas.microsoft.com/office/drawing/2014/main" id="{8F25F430-8E1C-D735-102E-7B783B2181F8}"/>
+                <a16:creationId xmlns:a16="http://schemas.microsoft.com/office/drawing/2014/main" id="{8F25F430-8E1C-D735-102E-7B783B2181F8}"/>
               </a:ext>
             </a:extLst>
           </p:cNvPr>
@@ -11807,7 +11143,7 @@
           <p:cNvPr id="3" name="TextBox 2">
             <a:extLst>
               <a:ext uri="{FF2B5EF4-FFF2-40B4-BE49-F238E27FC236}">
-                <a16:creationId xmlns="" xmlns:a16="http://schemas.microsoft.com/office/drawing/2014/main" id="{DDCFCD25-6DAC-0D9E-E4F0-FD3B4C385F70}"/>
+                <a16:creationId xmlns:a16="http://schemas.microsoft.com/office/drawing/2014/main" id="{DDCFCD25-6DAC-0D9E-E4F0-FD3B4C385F70}"/>
               </a:ext>
             </a:extLst>
           </p:cNvPr>
@@ -11849,6 +11185,251 @@
     <p:extLst>
       <p:ext uri="{BB962C8B-B14F-4D97-AF65-F5344CB8AC3E}">
         <p14:creationId xmlns:p14="http://schemas.microsoft.com/office/powerpoint/2010/main" val="1645826533"/>
+      </p:ext>
+    </p:extLst>
+  </p:cSld>
+  <p:clrMapOvr>
+    <a:masterClrMapping/>
+  </p:clrMapOvr>
+  <mc:AlternateContent xmlns:mc="http://schemas.openxmlformats.org/markup-compatibility/2006" xmlns:p14="http://schemas.microsoft.com/office/powerpoint/2010/main">
+    <mc:Choice Requires="p14">
+      <p:transition p14:dur="0"/>
+    </mc:Choice>
+    <mc:Fallback xmlns="">
+      <p:transition/>
+    </mc:Fallback>
+  </mc:AlternateContent>
+</p:sld>
+</file>
+
+<file path=ppt/slides/slide8.xml><?xml version="1.0" encoding="utf-8"?>
+<p:sld xmlns:a="http://schemas.openxmlformats.org/drawingml/2006/main" xmlns:r="http://schemas.openxmlformats.org/officeDocument/2006/relationships" xmlns:p="http://schemas.openxmlformats.org/presentationml/2006/main">
+  <p:cSld>
+    <p:spTree>
+      <p:nvGrpSpPr>
+        <p:cNvPr id="1" name=""/>
+        <p:cNvGrpSpPr/>
+        <p:nvPr/>
+      </p:nvGrpSpPr>
+      <p:grpSpPr>
+        <a:xfrm>
+          <a:off x="0" y="0"/>
+          <a:ext cx="0" cy="0"/>
+          <a:chOff x="0" y="0"/>
+          <a:chExt cx="0" cy="0"/>
+        </a:xfrm>
+      </p:grpSpPr>
+      <p:sp>
+        <p:nvSpPr>
+          <p:cNvPr id="12" name="Содержимое 2"/>
+          <p:cNvSpPr txBox="1">
+            <a:spLocks/>
+          </p:cNvSpPr>
+          <p:nvPr/>
+        </p:nvSpPr>
+        <p:spPr>
+          <a:xfrm>
+            <a:off x="646545" y="732340"/>
+            <a:ext cx="7895088" cy="5770547"/>
+          </a:xfrm>
+          <a:prstGeom prst="rect">
+            <a:avLst/>
+          </a:prstGeom>
+        </p:spPr>
+        <p:txBody>
+          <a:bodyPr>
+            <a:normAutofit/>
+            <a:scene3d>
+              <a:camera prst="orthographicFront"/>
+              <a:lightRig rig="threePt" dir="t"/>
+            </a:scene3d>
+            <a:sp3d extrusionH="57150">
+              <a:bevelT w="38100" h="38100" prst="relaxedInset"/>
+            </a:sp3d>
+          </a:bodyPr>
+          <a:lstStyle/>
+          <a:p>
+            <a:pPr indent="450000" algn="just" fontAlgn="auto">
+              <a:lnSpc>
+                <a:spcPct val="150000"/>
+              </a:lnSpc>
+              <a:spcAft>
+                <a:spcPts val="0"/>
+              </a:spcAft>
+              <a:buClr>
+                <a:schemeClr val="accent1"/>
+              </a:buClr>
+              <a:buSzPct val="85000"/>
+              <a:buFont typeface="Wingdings 2"/>
+              <a:buNone/>
+              <a:defRPr/>
+            </a:pPr>
+            <a:r>
+              <a:rPr lang="ru-RU" sz="1600" dirty="0">
+                <a:latin typeface="Times New Roman" pitchFamily="18" charset="0"/>
+                <a:cs typeface="Times New Roman" pitchFamily="18" charset="0"/>
+              </a:rPr>
+              <a:t>Диаграмма базы данных была разбита на несколько модулей. </a:t>
+            </a:r>
+          </a:p>
+          <a:p>
+            <a:pPr indent="450000" algn="just" fontAlgn="auto">
+              <a:lnSpc>
+                <a:spcPct val="150000"/>
+              </a:lnSpc>
+              <a:spcAft>
+                <a:spcPts val="0"/>
+              </a:spcAft>
+              <a:buClr>
+                <a:schemeClr val="accent1"/>
+              </a:buClr>
+              <a:buSzPct val="85000"/>
+              <a:buFont typeface="Wingdings 2"/>
+              <a:buNone/>
+              <a:defRPr/>
+            </a:pPr>
+            <a:r>
+              <a:rPr lang="ru-RU" sz="1600" dirty="0">
+                <a:latin typeface="Times New Roman" pitchFamily="18" charset="0"/>
+                <a:cs typeface="Times New Roman" pitchFamily="18" charset="0"/>
+              </a:rPr>
+              <a:t>Первый модуль «Пользователи»</a:t>
+            </a:r>
+          </a:p>
+        </p:txBody>
+      </p:sp>
+      <p:sp>
+        <p:nvSpPr>
+          <p:cNvPr id="4" name="Прямоугольник 3"/>
+          <p:cNvSpPr/>
+          <p:nvPr/>
+        </p:nvSpPr>
+        <p:spPr>
+          <a:xfrm>
+            <a:off x="1143000" y="196810"/>
+            <a:ext cx="6858000" cy="535531"/>
+          </a:xfrm>
+          <a:prstGeom prst="rect">
+            <a:avLst/>
+          </a:prstGeom>
+        </p:spPr>
+        <p:txBody>
+          <a:bodyPr>
+            <a:spAutoFit/>
+          </a:bodyPr>
+          <a:lstStyle/>
+          <a:p>
+            <a:pPr marL="342900" indent="-342900" algn="ctr" fontAlgn="auto">
+              <a:lnSpc>
+                <a:spcPct val="80000"/>
+              </a:lnSpc>
+              <a:spcBef>
+                <a:spcPct val="20000"/>
+              </a:spcBef>
+              <a:spcAft>
+                <a:spcPts val="0"/>
+              </a:spcAft>
+              <a:buClr>
+                <a:schemeClr val="accent1">
+                  <a:shade val="75000"/>
+                </a:schemeClr>
+              </a:buClr>
+              <a:buSzPct val="55000"/>
+              <a:defRPr/>
+            </a:pPr>
+            <a:r>
+              <a:rPr kumimoji="1" lang="ru-RU" sz="3600" b="1" dirty="0">
+                <a:latin typeface="Times New Roman" pitchFamily="18" charset="0"/>
+                <a:cs typeface="Times New Roman" pitchFamily="18" charset="0"/>
+              </a:rPr>
+              <a:t>Логическая схема данных</a:t>
+            </a:r>
+          </a:p>
+        </p:txBody>
+      </p:sp>
+      <p:sp>
+        <p:nvSpPr>
+          <p:cNvPr id="3" name="TextBox 2">
+            <a:hlinkClick r:id="rId2" action="ppaction://hlinksldjump"/>
+            <a:extLst>
+              <a:ext uri="{FF2B5EF4-FFF2-40B4-BE49-F238E27FC236}">
+                <a16:creationId xmlns:a16="http://schemas.microsoft.com/office/drawing/2014/main" id="{739DE089-339F-93B1-4C68-9EFF752E5718}"/>
+              </a:ext>
+            </a:extLst>
+          </p:cNvPr>
+          <p:cNvSpPr txBox="1"/>
+          <p:nvPr/>
+        </p:nvSpPr>
+        <p:spPr>
+          <a:xfrm>
+            <a:off x="8152745" y="298888"/>
+            <a:ext cx="777777" cy="307777"/>
+          </a:xfrm>
+          <a:prstGeom prst="rect">
+            <a:avLst/>
+          </a:prstGeom>
+          <a:noFill/>
+        </p:spPr>
+        <p:txBody>
+          <a:bodyPr wrap="none" rtlCol="0">
+            <a:spAutoFit/>
+          </a:bodyPr>
+          <a:lstStyle/>
+          <a:p>
+            <a:r>
+              <a:rPr lang="ru-RU" sz="1400" dirty="0">
+                <a:latin typeface="Times New Roman" panose="02020603050405020304" pitchFamily="18" charset="0"/>
+                <a:cs typeface="Times New Roman" panose="02020603050405020304" pitchFamily="18" charset="0"/>
+                <a:hlinkClick r:id="rId2" action="ppaction://hlinksldjump"/>
+              </a:rPr>
+              <a:t>Дальше</a:t>
+            </a:r>
+            <a:endParaRPr lang="ru-RU" sz="1400" dirty="0">
+              <a:latin typeface="Times New Roman" panose="02020603050405020304" pitchFamily="18" charset="0"/>
+              <a:cs typeface="Times New Roman" panose="02020603050405020304" pitchFamily="18" charset="0"/>
+            </a:endParaRPr>
+          </a:p>
+        </p:txBody>
+      </p:sp>
+      <p:pic>
+        <p:nvPicPr>
+          <p:cNvPr id="5" name="Рисунок 4" descr="Изображение выглядит как текст, снимок экрана, диаграмма, число&#10;&#10;Автоматически созданное описание">
+            <a:extLst>
+              <a:ext uri="{FF2B5EF4-FFF2-40B4-BE49-F238E27FC236}">
+                <a16:creationId xmlns:a16="http://schemas.microsoft.com/office/drawing/2014/main" id="{C87A5D47-1E04-FF08-8DD7-6138E2292B67}"/>
+              </a:ext>
+            </a:extLst>
+          </p:cNvPr>
+          <p:cNvPicPr>
+            <a:picLocks noChangeAspect="1"/>
+          </p:cNvPicPr>
+          <p:nvPr/>
+        </p:nvPicPr>
+        <p:blipFill>
+          <a:blip r:embed="rId3"/>
+          <a:stretch>
+            <a:fillRect/>
+          </a:stretch>
+        </p:blipFill>
+        <p:spPr>
+          <a:xfrm>
+            <a:off x="1143000" y="1703876"/>
+            <a:ext cx="7211849" cy="4799012"/>
+          </a:xfrm>
+          <a:prstGeom prst="rect">
+            <a:avLst/>
+          </a:prstGeom>
+          <a:ln w="12700">
+            <a:solidFill>
+              <a:schemeClr val="tx1"/>
+            </a:solidFill>
+          </a:ln>
+        </p:spPr>
+      </p:pic>
+    </p:spTree>
+    <p:extLst>
+      <p:ext uri="{BB962C8B-B14F-4D97-AF65-F5344CB8AC3E}">
+        <p14:creationId xmlns:p14="http://schemas.microsoft.com/office/powerpoint/2010/main" val="2667103433"/>
       </p:ext>
     </p:extLst>
   </p:cSld>
@@ -11893,8 +11474,8 @@
         </p:nvSpPr>
         <p:spPr>
           <a:xfrm>
-            <a:off x="646545" y="732340"/>
-            <a:ext cx="7895088" cy="5770547"/>
+            <a:off x="759204" y="791064"/>
+            <a:ext cx="7625592" cy="483554"/>
           </a:xfrm>
           <a:prstGeom prst="rect">
             <a:avLst/>
@@ -11933,31 +11514,7 @@
                 <a:latin typeface="Times New Roman" pitchFamily="18" charset="0"/>
                 <a:cs typeface="Times New Roman" pitchFamily="18" charset="0"/>
               </a:rPr>
-              <a:t>Диаграмма базы данных была разбита на несколько модулей. </a:t>
-            </a:r>
-          </a:p>
-          <a:p>
-            <a:pPr indent="450000" algn="just" fontAlgn="auto">
-              <a:lnSpc>
-                <a:spcPct val="150000"/>
-              </a:lnSpc>
-              <a:spcAft>
-                <a:spcPts val="0"/>
-              </a:spcAft>
-              <a:buClr>
-                <a:schemeClr val="accent1"/>
-              </a:buClr>
-              <a:buSzPct val="85000"/>
-              <a:buFont typeface="Wingdings 2"/>
-              <a:buNone/>
-              <a:defRPr/>
-            </a:pPr>
-            <a:r>
-              <a:rPr lang="ru-RU" sz="1600" dirty="0">
-                <a:latin typeface="Times New Roman" pitchFamily="18" charset="0"/>
-                <a:cs typeface="Times New Roman" pitchFamily="18" charset="0"/>
-              </a:rPr>
-              <a:t>Первый модуль «Пользователи»</a:t>
+              <a:t>Модуль «История входов»</a:t>
             </a:r>
           </a:p>
         </p:txBody>
@@ -12017,7 +11574,7 @@
             <a:hlinkClick r:id="rId2" action="ppaction://hlinksldjump"/>
             <a:extLst>
               <a:ext uri="{FF2B5EF4-FFF2-40B4-BE49-F238E27FC236}">
-                <a16:creationId xmlns="" xmlns:a16="http://schemas.microsoft.com/office/drawing/2014/main" id="{739DE089-339F-93B1-4C68-9EFF752E5718}"/>
+                <a16:creationId xmlns:a16="http://schemas.microsoft.com/office/drawing/2014/main" id="{739DE089-339F-93B1-4C68-9EFF752E5718}"/>
               </a:ext>
             </a:extLst>
           </p:cNvPr>
@@ -12044,7 +11601,7 @@
               <a:rPr lang="ru-RU" sz="1400" dirty="0">
                 <a:latin typeface="Times New Roman" panose="02020603050405020304" pitchFamily="18" charset="0"/>
                 <a:cs typeface="Times New Roman" panose="02020603050405020304" pitchFamily="18" charset="0"/>
-                <a:hlinkClick r:id="rId2" action="ppaction://hlinksldjump"/>
+                <a:hlinkClick r:id="rId3" action="ppaction://hlinksldjump"/>
               </a:rPr>
               <a:t>Дальше</a:t>
             </a:r>
@@ -12057,10 +11614,10 @@
       </p:sp>
       <p:pic>
         <p:nvPicPr>
-          <p:cNvPr id="5" name="Рисунок 4" descr="Изображение выглядит как текст, снимок экрана, диаграмма, число&#10;&#10;Автоматически созданное описание">
+          <p:cNvPr id="5" name="Рисунок 4">
             <a:extLst>
               <a:ext uri="{FF2B5EF4-FFF2-40B4-BE49-F238E27FC236}">
-                <a16:creationId xmlns="" xmlns:a16="http://schemas.microsoft.com/office/drawing/2014/main" id="{C87A5D47-1E04-FF08-8DD7-6138E2292B67}"/>
+                <a16:creationId xmlns:a16="http://schemas.microsoft.com/office/drawing/2014/main" id="{95BB35A1-3E86-97F3-5867-602E3E80E5E5}"/>
               </a:ext>
             </a:extLst>
           </p:cNvPr>
@@ -12070,15 +11627,20 @@
           <p:nvPr/>
         </p:nvPicPr>
         <p:blipFill>
-          <a:blip r:embed="rId3"/>
-          <a:stretch>
-            <a:fillRect/>
-          </a:stretch>
+          <a:blip r:embed="rId4">
+            <a:extLst>
+              <a:ext uri="{28A0092B-C50C-407E-A947-70E740481C1C}">
+                <a14:useLocalDpi xmlns:a14="http://schemas.microsoft.com/office/drawing/2010/main" val="0"/>
+              </a:ext>
+            </a:extLst>
+          </a:blip>
+          <a:srcRect/>
+          <a:stretch/>
         </p:blipFill>
         <p:spPr>
           <a:xfrm>
-            <a:off x="1143000" y="1703876"/>
-            <a:ext cx="7211849" cy="4799012"/>
+            <a:off x="1058144" y="1274618"/>
+            <a:ext cx="7180692" cy="5348582"/>
           </a:xfrm>
           <a:prstGeom prst="rect">
             <a:avLst/>
@@ -12093,7 +11655,7 @@
     </p:spTree>
     <p:extLst>
       <p:ext uri="{BB962C8B-B14F-4D97-AF65-F5344CB8AC3E}">
-        <p14:creationId xmlns:p14="http://schemas.microsoft.com/office/powerpoint/2010/main" val="2667103433"/>
+        <p14:creationId xmlns:p14="http://schemas.microsoft.com/office/powerpoint/2010/main" val="3247310229"/>
       </p:ext>
     </p:extLst>
   </p:cSld>
@@ -12366,7 +11928,7 @@
   <a:extraClrSchemeLst/>
   <a:extLst>
     <a:ext uri="{05A4C25C-085E-4340-85A3-A5531E510DB2}">
-      <thm15:themeFamily xmlns="" xmlns:thm15="http://schemas.microsoft.com/office/thememl/2012/main" name="Office Theme 2013 - 2022" id="{62F939B6-93AF-4DB8-9C6B-D6C7DFDC589F}" vid="{4A3C46E8-61CC-4603-A589-7422A47A8E4A}"/>
+      <thm15:themeFamily xmlns:thm15="http://schemas.microsoft.com/office/thememl/2012/main" name="Office Theme 2013 - 2022" id="{62F939B6-93AF-4DB8-9C6B-D6C7DFDC589F}" vid="{4A3C46E8-61CC-4603-A589-7422A47A8E4A}"/>
     </a:ext>
   </a:extLst>
 </a:theme>

--- a/сидоров антон дмитриевич, Группа 493 - Презентация.pptx
+++ b/сидоров антон дмитриевич, Группа 493 - Презентация.pptx
@@ -5694,9 +5694,9 @@
         <p:grpSpPr>
           <a:xfrm>
             <a:off x="8123571" y="2698988"/>
-            <a:ext cx="862190" cy="1326583"/>
+            <a:ext cx="862190" cy="1530515"/>
             <a:chOff x="3175035" y="1839092"/>
-            <a:chExt cx="2793924" cy="4792618"/>
+            <a:chExt cx="2793924" cy="5529374"/>
           </a:xfrm>
         </p:grpSpPr>
         <p:pic>
@@ -5753,8 +5753,8 @@
           </p:nvSpPr>
           <p:spPr>
             <a:xfrm>
-              <a:off x="3381960" y="5630981"/>
-              <a:ext cx="2380132" cy="1000729"/>
+              <a:off x="3232175" y="5700584"/>
+              <a:ext cx="2434919" cy="1667882"/>
             </a:xfrm>
             <a:prstGeom prst="rect">
               <a:avLst/>
@@ -5762,7 +5762,7 @@
             <a:noFill/>
           </p:spPr>
           <p:txBody>
-            <a:bodyPr wrap="none" rtlCol="0">
+            <a:bodyPr wrap="square" rtlCol="0">
               <a:spAutoFit/>
             </a:bodyPr>
             <a:lstStyle/>
@@ -5773,7 +5773,7 @@
                   <a:latin typeface="Times New Roman" panose="02020603050405020304" pitchFamily="18" charset="0"/>
                   <a:cs typeface="Times New Roman" panose="02020603050405020304" pitchFamily="18" charset="0"/>
                 </a:rPr>
-                <a:t>MS SQL</a:t>
+                <a:t>MS SQL Server</a:t>
               </a:r>
               <a:endParaRPr lang="ru-RU" sz="1200" dirty="0">
                 <a:latin typeface="Times New Roman" panose="02020603050405020304" pitchFamily="18" charset="0"/>
@@ -7116,6 +7116,110 @@
           </a:p>
         </p:txBody>
       </p:sp>
+      <p:grpSp>
+        <p:nvGrpSpPr>
+          <p:cNvPr id="42" name="Группа 41">
+            <a:extLst>
+              <a:ext uri="{FF2B5EF4-FFF2-40B4-BE49-F238E27FC236}">
+                <a16:creationId xmlns:a16="http://schemas.microsoft.com/office/drawing/2014/main" id="{7CD2BCC0-204F-57C5-BEE4-26055AF8CB74}"/>
+              </a:ext>
+            </a:extLst>
+          </p:cNvPr>
+          <p:cNvGrpSpPr/>
+          <p:nvPr/>
+        </p:nvGrpSpPr>
+        <p:grpSpPr>
+          <a:xfrm>
+            <a:off x="8025650" y="4503978"/>
+            <a:ext cx="890883" cy="1300658"/>
+            <a:chOff x="3128546" y="1932753"/>
+            <a:chExt cx="2886903" cy="4698957"/>
+          </a:xfrm>
+        </p:grpSpPr>
+        <p:pic>
+          <p:nvPicPr>
+            <p:cNvPr id="43" name="Рисунок 42">
+              <a:extLst>
+                <a:ext uri="{FF2B5EF4-FFF2-40B4-BE49-F238E27FC236}">
+                  <a16:creationId xmlns:a16="http://schemas.microsoft.com/office/drawing/2014/main" id="{3E0B4C93-705E-AC39-44BB-91DF126C3732}"/>
+                </a:ext>
+              </a:extLst>
+            </p:cNvPr>
+            <p:cNvPicPr>
+              <a:picLocks noChangeAspect="1"/>
+            </p:cNvPicPr>
+            <p:nvPr/>
+          </p:nvPicPr>
+          <p:blipFill>
+            <a:blip r:embed="rId15">
+              <a:extLst>
+                <a:ext uri="{28A0092B-C50C-407E-A947-70E740481C1C}">
+                  <a14:useLocalDpi xmlns:a14="http://schemas.microsoft.com/office/drawing/2010/main" val="0"/>
+                </a:ext>
+              </a:extLst>
+            </a:blip>
+            <a:srcRect/>
+            <a:stretch/>
+          </p:blipFill>
+          <p:spPr>
+            <a:xfrm>
+              <a:off x="3128546" y="1932753"/>
+              <a:ext cx="2886903" cy="3428446"/>
+            </a:xfrm>
+            <a:prstGeom prst="rect">
+              <a:avLst/>
+            </a:prstGeom>
+            <a:ln w="12700">
+              <a:solidFill>
+                <a:schemeClr val="tx1"/>
+              </a:solidFill>
+            </a:ln>
+          </p:spPr>
+        </p:pic>
+        <p:sp>
+          <p:nvSpPr>
+            <p:cNvPr id="45" name="TextBox 44">
+              <a:extLst>
+                <a:ext uri="{FF2B5EF4-FFF2-40B4-BE49-F238E27FC236}">
+                  <a16:creationId xmlns:a16="http://schemas.microsoft.com/office/drawing/2014/main" id="{DAB43075-9CA2-1533-C337-EA7FF8D0B691}"/>
+                </a:ext>
+              </a:extLst>
+            </p:cNvPr>
+            <p:cNvSpPr txBox="1"/>
+            <p:nvPr/>
+          </p:nvSpPr>
+          <p:spPr>
+            <a:xfrm>
+              <a:off x="3184571" y="5630981"/>
+              <a:ext cx="2774918" cy="1000729"/>
+            </a:xfrm>
+            <a:prstGeom prst="rect">
+              <a:avLst/>
+            </a:prstGeom>
+            <a:noFill/>
+          </p:spPr>
+          <p:txBody>
+            <a:bodyPr wrap="none" rtlCol="0">
+              <a:spAutoFit/>
+            </a:bodyPr>
+            <a:lstStyle/>
+            <a:p>
+              <a:pPr algn="ctr"/>
+              <a:r>
+                <a:rPr lang="en-US" sz="1200" dirty="0">
+                  <a:latin typeface="Times New Roman" panose="02020603050405020304" pitchFamily="18" charset="0"/>
+                  <a:cs typeface="Times New Roman" panose="02020603050405020304" pitchFamily="18" charset="0"/>
+                </a:rPr>
+                <a:t>Inno Setup</a:t>
+              </a:r>
+              <a:endParaRPr lang="ru-RU" sz="1200" dirty="0">
+                <a:latin typeface="Times New Roman" panose="02020603050405020304" pitchFamily="18" charset="0"/>
+                <a:cs typeface="Times New Roman" panose="02020603050405020304" pitchFamily="18" charset="0"/>
+              </a:endParaRPr>
+            </a:p>
+          </p:txBody>
+        </p:sp>
+      </p:grpSp>
     </p:spTree>
     <p:extLst>
       <p:ext uri="{BB962C8B-B14F-4D97-AF65-F5344CB8AC3E}">
@@ -7855,7 +7959,7 @@
                 <a:latin typeface="Times New Roman" panose="02020603050405020304" pitchFamily="18" charset="0"/>
                 <a:ea typeface="Times New Roman" panose="02020603050405020304" pitchFamily="18" charset="0"/>
               </a:rPr>
-              <a:t>ПМ. 01 «Разработка программных модулей программного обеспечения для компьютерных сетей»:</a:t>
+              <a:t>ПМ. 01 «Разработка программных модулей программного обеспечения для компьютерных систем»:</a:t>
             </a:r>
             <a:endParaRPr lang="ru-RU" sz="1200" dirty="0">
               <a:effectLst/>
@@ -10380,7 +10484,7 @@
       </p:sp>
       <p:pic>
         <p:nvPicPr>
-          <p:cNvPr id="5" name="Рисунок 4" descr="Изображение выглядит как диаграмма, текст, снимок экрана, зарисовка&#10;&#10;Автоматически созданное описание">
+          <p:cNvPr id="5" name="Рисунок 4">
             <a:extLst>
               <a:ext uri="{FF2B5EF4-FFF2-40B4-BE49-F238E27FC236}">
                 <a16:creationId xmlns:a16="http://schemas.microsoft.com/office/drawing/2014/main" id="{03257B84-40AD-F0D0-33FC-18584F513B64}"/>
@@ -10400,14 +10504,13 @@
               </a:ext>
             </a:extLst>
           </a:blip>
-          <a:stretch>
-            <a:fillRect/>
-          </a:stretch>
+          <a:srcRect/>
+          <a:stretch/>
         </p:blipFill>
         <p:spPr>
           <a:xfrm>
-            <a:off x="1856508" y="1064421"/>
-            <a:ext cx="5486399" cy="4963771"/>
+            <a:off x="989229" y="993556"/>
+            <a:ext cx="7165540" cy="5408664"/>
           </a:xfrm>
           <a:prstGeom prst="rect">
             <a:avLst/>
@@ -11135,49 +11238,6 @@
               <a:latin typeface="Times New Roman" panose="02020603050405020304" pitchFamily="18" charset="0"/>
               <a:cs typeface="Times New Roman" panose="02020603050405020304" pitchFamily="18" charset="0"/>
             </a:endParaRPr>
-          </a:p>
-        </p:txBody>
-      </p:sp>
-      <p:sp>
-        <p:nvSpPr>
-          <p:cNvPr id="3" name="TextBox 2">
-            <a:extLst>
-              <a:ext uri="{FF2B5EF4-FFF2-40B4-BE49-F238E27FC236}">
-                <a16:creationId xmlns:a16="http://schemas.microsoft.com/office/drawing/2014/main" id="{DDCFCD25-6DAC-0D9E-E4F0-FD3B4C385F70}"/>
-              </a:ext>
-            </a:extLst>
-          </p:cNvPr>
-          <p:cNvSpPr txBox="1"/>
-          <p:nvPr/>
-        </p:nvSpPr>
-        <p:spPr>
-          <a:xfrm>
-            <a:off x="755009" y="3825380"/>
-            <a:ext cx="7541703" cy="1992661"/>
-          </a:xfrm>
-          <a:prstGeom prst="rect">
-            <a:avLst/>
-          </a:prstGeom>
-          <a:noFill/>
-        </p:spPr>
-        <p:txBody>
-          <a:bodyPr wrap="square" rtlCol="0">
-            <a:spAutoFit/>
-          </a:bodyPr>
-          <a:lstStyle/>
-          <a:p>
-            <a:pPr indent="450000" algn="just">
-              <a:lnSpc>
-                <a:spcPct val="150000"/>
-              </a:lnSpc>
-            </a:pPr>
-            <a:r>
-              <a:rPr lang="ru-RU" sz="1400" dirty="0">
-                <a:latin typeface="Times New Roman" panose="02020603050405020304" pitchFamily="18" charset="0"/>
-                <a:cs typeface="Times New Roman" panose="02020603050405020304" pitchFamily="18" charset="0"/>
-              </a:rPr>
-              <a:t>В мобильном приложении есть весь перечисленный функционал (последние 2 – только для клиента). В десктопном приложении также, но последние 2 доступны, также, для менеджера по заказам, оператора, продавца и администратора. А последняя функция – также, для директора. Также, директор и администратор могут в десктопном приложении управлять пользователями. Менеджер по складу и администратор, также – работать с товарами: добавлять, редактировать и удалять.</a:t>
-            </a:r>
           </a:p>
         </p:txBody>
       </p:sp>

--- a/сидоров антон дмитриевич, Группа 493 - Презентация.pptx
+++ b/сидоров антон дмитриевич, Группа 493 - Презентация.pptx
@@ -252,7 +252,7 @@
               <a:pPr>
                 <a:defRPr/>
               </a:pPr>
-              <a:t>14.06.2023</a:t>
+              <a:t>17.06.2023</a:t>
             </a:fld>
             <a:endParaRPr lang="ru-RU"/>
           </a:p>
@@ -786,7 +786,7 @@
           <a:p>
             <a:fld id="{96DFF08F-DC6B-4601-B491-B0F83F6DD2DA}" type="datetimeFigureOut">
               <a:rPr lang="en-US" smtClean="0"/>
-              <a:t>6/14/2023</a:t>
+              <a:t>6/17/2023</a:t>
             </a:fld>
             <a:endParaRPr lang="en-US" dirty="0"/>
           </a:p>
@@ -958,7 +958,7 @@
           <a:p>
             <a:fld id="{96DFF08F-DC6B-4601-B491-B0F83F6DD2DA}" type="datetimeFigureOut">
               <a:rPr lang="en-US" smtClean="0"/>
-              <a:t>6/14/2023</a:t>
+              <a:t>6/17/2023</a:t>
             </a:fld>
             <a:endParaRPr lang="en-US" dirty="0"/>
           </a:p>
@@ -1142,7 +1142,7 @@
           <a:p>
             <a:fld id="{96DFF08F-DC6B-4601-B491-B0F83F6DD2DA}" type="datetimeFigureOut">
               <a:rPr lang="en-US" smtClean="0"/>
-              <a:t>6/14/2023</a:t>
+              <a:t>6/17/2023</a:t>
             </a:fld>
             <a:endParaRPr lang="en-US" dirty="0"/>
           </a:p>
@@ -1524,7 +1524,7 @@
           <a:p>
             <a:fld id="{A3E28D29-1ECB-41DF-951B-2A23F95AD026}" type="datetimeFigureOut">
               <a:rPr lang="en-US" smtClean="0"/>
-              <a:t>6/14/2023</a:t>
+              <a:t>6/17/2023</a:t>
             </a:fld>
             <a:endParaRPr lang="en-US" dirty="0"/>
           </a:p>
@@ -1772,7 +1772,7 @@
           <a:p>
             <a:fld id="{96DFF08F-DC6B-4601-B491-B0F83F6DD2DA}" type="datetimeFigureOut">
               <a:rPr lang="en-US" smtClean="0"/>
-              <a:t>6/14/2023</a:t>
+              <a:t>6/17/2023</a:t>
             </a:fld>
             <a:endParaRPr lang="en-US" dirty="0"/>
           </a:p>
@@ -2008,7 +2008,7 @@
           <a:p>
             <a:fld id="{96DFF08F-DC6B-4601-B491-B0F83F6DD2DA}" type="datetimeFigureOut">
               <a:rPr lang="en-US" smtClean="0"/>
-              <a:t>6/14/2023</a:t>
+              <a:t>6/17/2023</a:t>
             </a:fld>
             <a:endParaRPr lang="en-US" dirty="0"/>
           </a:p>
@@ -2379,7 +2379,7 @@
           <a:p>
             <a:fld id="{96DFF08F-DC6B-4601-B491-B0F83F6DD2DA}" type="datetimeFigureOut">
               <a:rPr lang="en-US" smtClean="0"/>
-              <a:t>6/14/2023</a:t>
+              <a:t>6/17/2023</a:t>
             </a:fld>
             <a:endParaRPr lang="en-US" dirty="0"/>
           </a:p>
@@ -2501,7 +2501,7 @@
           <a:p>
             <a:fld id="{96DFF08F-DC6B-4601-B491-B0F83F6DD2DA}" type="datetimeFigureOut">
               <a:rPr lang="en-US" smtClean="0"/>
-              <a:t>6/14/2023</a:t>
+              <a:t>6/17/2023</a:t>
             </a:fld>
             <a:endParaRPr lang="en-US" dirty="0"/>
           </a:p>
@@ -2601,7 +2601,7 @@
             <a:fld id="{96DFF08F-DC6B-4601-B491-B0F83F6DD2DA}" type="datetimeFigureOut">
               <a:rPr lang="en-US" smtClean="0"/>
               <a:pPr/>
-              <a:t>6/14/2023</a:t>
+              <a:t>6/17/2023</a:t>
             </a:fld>
             <a:endParaRPr lang="en-US" dirty="0"/>
           </a:p>
@@ -2883,7 +2883,7 @@
             <a:fld id="{96DFF08F-DC6B-4601-B491-B0F83F6DD2DA}" type="datetimeFigureOut">
               <a:rPr lang="en-US" smtClean="0"/>
               <a:pPr/>
-              <a:t>6/14/2023</a:t>
+              <a:t>6/17/2023</a:t>
             </a:fld>
             <a:endParaRPr lang="en-US" dirty="0"/>
           </a:p>
@@ -3144,7 +3144,7 @@
           <a:p>
             <a:fld id="{96DFF08F-DC6B-4601-B491-B0F83F6DD2DA}" type="datetimeFigureOut">
               <a:rPr lang="en-US" smtClean="0"/>
-              <a:t>6/14/2023</a:t>
+              <a:t>6/17/2023</a:t>
             </a:fld>
             <a:endParaRPr lang="en-US" dirty="0"/>
           </a:p>
@@ -3362,7 +3362,7 @@
             <a:fld id="{96DFF08F-DC6B-4601-B491-B0F83F6DD2DA}" type="datetimeFigureOut">
               <a:rPr lang="en-US" smtClean="0"/>
               <a:pPr/>
-              <a:t>6/14/2023</a:t>
+              <a:t>6/17/2023</a:t>
             </a:fld>
             <a:endParaRPr lang="en-US" dirty="0"/>
           </a:p>
@@ -5693,7 +5693,7 @@
         </p:nvGrpSpPr>
         <p:grpSpPr>
           <a:xfrm>
-            <a:off x="8123571" y="2698988"/>
+            <a:off x="7995041" y="4345327"/>
             <a:ext cx="862190" cy="1530515"/>
             <a:chOff x="3175035" y="1839092"/>
             <a:chExt cx="2793924" cy="5529374"/>
@@ -6005,7 +6005,7 @@
         </p:nvGrpSpPr>
         <p:grpSpPr>
           <a:xfrm>
-            <a:off x="2257594" y="4640928"/>
+            <a:off x="2196658" y="2979809"/>
             <a:ext cx="1138452" cy="1326583"/>
             <a:chOff x="2727453" y="1839092"/>
             <a:chExt cx="3689149" cy="4792618"/>
@@ -6629,7 +6629,7 @@
         </p:nvGrpSpPr>
         <p:grpSpPr>
           <a:xfrm>
-            <a:off x="8062952" y="1354583"/>
+            <a:off x="8008926" y="2877433"/>
             <a:ext cx="862191" cy="1213570"/>
             <a:chOff x="3175037" y="2247381"/>
             <a:chExt cx="2793926" cy="4384329"/>
@@ -6733,7 +6733,7 @@
         </p:nvGrpSpPr>
         <p:grpSpPr>
           <a:xfrm>
-            <a:off x="2011467" y="2934501"/>
+            <a:off x="1944303" y="4549872"/>
             <a:ext cx="1630684" cy="1530641"/>
             <a:chOff x="2189840" y="2247381"/>
             <a:chExt cx="4764415" cy="5051482"/>
@@ -7130,7 +7130,7 @@
         </p:nvGrpSpPr>
         <p:grpSpPr>
           <a:xfrm>
-            <a:off x="8025650" y="4503978"/>
+            <a:off x="7973484" y="1328842"/>
             <a:ext cx="890883" cy="1300658"/>
             <a:chOff x="3128546" y="1932753"/>
             <a:chExt cx="2886903" cy="4698957"/>
